--- a/img/Groß_Ophoff et al (2023)_adapted.pptx
+++ b/img/Groß_Ophoff et al (2023)_adapted.pptx
@@ -7,6 +7,10 @@
   <p:sldIdLst>
     <p:sldId id="256" r:id="rId2"/>
     <p:sldId id="257" r:id="rId3"/>
+    <p:sldId id="258" r:id="rId4"/>
+    <p:sldId id="259" r:id="rId5"/>
+    <p:sldId id="260" r:id="rId6"/>
+    <p:sldId id="261" r:id="rId7"/>
   </p:sldIdLst>
   <p:sldSz cx="12192000" cy="6858000"/>
   <p:notesSz cx="6858000" cy="9144000"/>
@@ -260,7 +264,7 @@
           <a:p>
             <a:fld id="{2F5C0E49-5901-4A70-B0E2-4707CC9925D2}" type="datetimeFigureOut">
               <a:rPr lang="en-US" smtClean="0"/>
-              <a:t>6/25/24</a:t>
+              <a:t>7/3/24</a:t>
             </a:fld>
             <a:endParaRPr lang="en-US"/>
           </a:p>
@@ -458,7 +462,7 @@
           <a:p>
             <a:fld id="{2F5C0E49-5901-4A70-B0E2-4707CC9925D2}" type="datetimeFigureOut">
               <a:rPr lang="en-US" smtClean="0"/>
-              <a:t>6/25/24</a:t>
+              <a:t>7/3/24</a:t>
             </a:fld>
             <a:endParaRPr lang="en-US"/>
           </a:p>
@@ -666,7 +670,7 @@
           <a:p>
             <a:fld id="{2F5C0E49-5901-4A70-B0E2-4707CC9925D2}" type="datetimeFigureOut">
               <a:rPr lang="en-US" smtClean="0"/>
-              <a:t>6/25/24</a:t>
+              <a:t>7/3/24</a:t>
             </a:fld>
             <a:endParaRPr lang="en-US"/>
           </a:p>
@@ -864,7 +868,7 @@
           <a:p>
             <a:fld id="{2F5C0E49-5901-4A70-B0E2-4707CC9925D2}" type="datetimeFigureOut">
               <a:rPr lang="en-US" smtClean="0"/>
-              <a:t>6/25/24</a:t>
+              <a:t>7/3/24</a:t>
             </a:fld>
             <a:endParaRPr lang="en-US"/>
           </a:p>
@@ -1139,7 +1143,7 @@
           <a:p>
             <a:fld id="{2F5C0E49-5901-4A70-B0E2-4707CC9925D2}" type="datetimeFigureOut">
               <a:rPr lang="en-US" smtClean="0"/>
-              <a:t>6/25/24</a:t>
+              <a:t>7/3/24</a:t>
             </a:fld>
             <a:endParaRPr lang="en-US"/>
           </a:p>
@@ -1404,7 +1408,7 @@
           <a:p>
             <a:fld id="{2F5C0E49-5901-4A70-B0E2-4707CC9925D2}" type="datetimeFigureOut">
               <a:rPr lang="en-US" smtClean="0"/>
-              <a:t>6/25/24</a:t>
+              <a:t>7/3/24</a:t>
             </a:fld>
             <a:endParaRPr lang="en-US"/>
           </a:p>
@@ -1816,7 +1820,7 @@
           <a:p>
             <a:fld id="{2F5C0E49-5901-4A70-B0E2-4707CC9925D2}" type="datetimeFigureOut">
               <a:rPr lang="en-US" smtClean="0"/>
-              <a:t>6/25/24</a:t>
+              <a:t>7/3/24</a:t>
             </a:fld>
             <a:endParaRPr lang="en-US"/>
           </a:p>
@@ -1957,7 +1961,7 @@
           <a:p>
             <a:fld id="{2F5C0E49-5901-4A70-B0E2-4707CC9925D2}" type="datetimeFigureOut">
               <a:rPr lang="en-US" smtClean="0"/>
-              <a:t>6/25/24</a:t>
+              <a:t>7/3/24</a:t>
             </a:fld>
             <a:endParaRPr lang="en-US"/>
           </a:p>
@@ -2070,7 +2074,7 @@
           <a:p>
             <a:fld id="{2F5C0E49-5901-4A70-B0E2-4707CC9925D2}" type="datetimeFigureOut">
               <a:rPr lang="en-US" smtClean="0"/>
-              <a:t>6/25/24</a:t>
+              <a:t>7/3/24</a:t>
             </a:fld>
             <a:endParaRPr lang="en-US"/>
           </a:p>
@@ -2381,7 +2385,7 @@
           <a:p>
             <a:fld id="{2F5C0E49-5901-4A70-B0E2-4707CC9925D2}" type="datetimeFigureOut">
               <a:rPr lang="en-US" smtClean="0"/>
-              <a:t>6/25/24</a:t>
+              <a:t>7/3/24</a:t>
             </a:fld>
             <a:endParaRPr lang="en-US"/>
           </a:p>
@@ -2669,7 +2673,7 @@
           <a:p>
             <a:fld id="{2F5C0E49-5901-4A70-B0E2-4707CC9925D2}" type="datetimeFigureOut">
               <a:rPr lang="en-US" smtClean="0"/>
-              <a:t>6/25/24</a:t>
+              <a:t>7/3/24</a:t>
             </a:fld>
             <a:endParaRPr lang="en-US"/>
           </a:p>
@@ -2910,7 +2914,7 @@
           <a:p>
             <a:fld id="{2F5C0E49-5901-4A70-B0E2-4707CC9925D2}" type="datetimeFigureOut">
               <a:rPr lang="en-US" smtClean="0"/>
-              <a:t>6/25/24</a:t>
+              <a:t>7/3/24</a:t>
             </a:fld>
             <a:endParaRPr lang="en-US"/>
           </a:p>
@@ -5800,7 +5804,7 @@
         <p:spPr>
           <a:xfrm>
             <a:off x="820633" y="879401"/>
-            <a:ext cx="2547492" cy="338554"/>
+            <a:ext cx="2719014" cy="338554"/>
           </a:xfrm>
           <a:prstGeom prst="rect">
             <a:avLst/>
@@ -5818,7 +5822,7 @@
                 <a:latin typeface="LM Roman 10" pitchFamily="2" charset="77"/>
                 <a:cs typeface="Didot" panose="02000503000000020003" pitchFamily="2" charset="-79"/>
               </a:rPr>
-              <a:t>Charakteristika der Daten</a:t>
+              <a:t>Charakteristika der Evidenz</a:t>
             </a:r>
             <a:endParaRPr lang="en-US" sz="1600" dirty="0">
               <a:latin typeface="LM Roman 10" pitchFamily="2" charset="77"/>
@@ -6941,6 +6945,7628 @@
     <p:extLst>
       <p:ext uri="{BB962C8B-B14F-4D97-AF65-F5344CB8AC3E}">
         <p14:creationId xmlns:p14="http://schemas.microsoft.com/office/powerpoint/2010/main" val="652062975"/>
+      </p:ext>
+    </p:extLst>
+  </p:cSld>
+  <p:clrMapOvr>
+    <a:masterClrMapping/>
+  </p:clrMapOvr>
+</p:sld>
+</file>
+
+<file path=ppt/slides/slide3.xml><?xml version="1.0" encoding="utf-8"?>
+<p:sld xmlns:a="http://schemas.openxmlformats.org/drawingml/2006/main" xmlns:r="http://schemas.openxmlformats.org/officeDocument/2006/relationships" xmlns:p="http://schemas.openxmlformats.org/presentationml/2006/main">
+  <p:cSld>
+    <p:spTree>
+      <p:nvGrpSpPr>
+        <p:cNvPr id="1" name=""/>
+        <p:cNvGrpSpPr/>
+        <p:nvPr/>
+      </p:nvGrpSpPr>
+      <p:grpSpPr>
+        <a:xfrm>
+          <a:off x="0" y="0"/>
+          <a:ext cx="0" cy="0"/>
+          <a:chOff x="0" y="0"/>
+          <a:chExt cx="0" cy="0"/>
+        </a:xfrm>
+      </p:grpSpPr>
+      <p:sp>
+        <p:nvSpPr>
+          <p:cNvPr id="4" name="Rectangle: Rounded Corners 3">
+            <a:extLst>
+              <a:ext uri="{FF2B5EF4-FFF2-40B4-BE49-F238E27FC236}">
+                <a16:creationId xmlns:a16="http://schemas.microsoft.com/office/drawing/2014/main" id="{2D443806-1B78-F60A-17BD-3154C6BDE4EA}"/>
+              </a:ext>
+            </a:extLst>
+          </p:cNvPr>
+          <p:cNvSpPr/>
+          <p:nvPr/>
+        </p:nvSpPr>
+        <p:spPr>
+          <a:xfrm>
+            <a:off x="90197" y="149290"/>
+            <a:ext cx="12011608" cy="6559420"/>
+          </a:xfrm>
+          <a:prstGeom prst="roundRect">
+            <a:avLst>
+              <a:gd name="adj" fmla="val 2087"/>
+            </a:avLst>
+          </a:prstGeom>
+          <a:noFill/>
+          <a:ln>
+            <a:solidFill>
+              <a:schemeClr val="tx1"/>
+            </a:solidFill>
+            <a:prstDash val="dash"/>
+            <a:extLst>
+              <a:ext uri="{C807C97D-BFC1-408E-A445-0C87EB9F89A2}">
+                <ask:lineSketchStyleProps xmlns:ask="http://schemas.microsoft.com/office/drawing/2018/sketchyshapes" sd="1219033472">
+                  <a:custGeom>
+                    <a:avLst/>
+                    <a:gdLst>
+                      <a:gd name="connsiteX0" fmla="*/ 0 w 12011608"/>
+                      <a:gd name="connsiteY0" fmla="*/ 1093259 h 6559420"/>
+                      <a:gd name="connsiteX1" fmla="*/ 1093259 w 12011608"/>
+                      <a:gd name="connsiteY1" fmla="*/ 0 h 6559420"/>
+                      <a:gd name="connsiteX2" fmla="*/ 10918349 w 12011608"/>
+                      <a:gd name="connsiteY2" fmla="*/ 0 h 6559420"/>
+                      <a:gd name="connsiteX3" fmla="*/ 12011608 w 12011608"/>
+                      <a:gd name="connsiteY3" fmla="*/ 1093259 h 6559420"/>
+                      <a:gd name="connsiteX4" fmla="*/ 12011608 w 12011608"/>
+                      <a:gd name="connsiteY4" fmla="*/ 5466161 h 6559420"/>
+                      <a:gd name="connsiteX5" fmla="*/ 10918349 w 12011608"/>
+                      <a:gd name="connsiteY5" fmla="*/ 6559420 h 6559420"/>
+                      <a:gd name="connsiteX6" fmla="*/ 1093259 w 12011608"/>
+                      <a:gd name="connsiteY6" fmla="*/ 6559420 h 6559420"/>
+                      <a:gd name="connsiteX7" fmla="*/ 0 w 12011608"/>
+                      <a:gd name="connsiteY7" fmla="*/ 5466161 h 6559420"/>
+                      <a:gd name="connsiteX8" fmla="*/ 0 w 12011608"/>
+                      <a:gd name="connsiteY8" fmla="*/ 1093259 h 6559420"/>
+                    </a:gdLst>
+                    <a:ahLst/>
+                    <a:cxnLst>
+                      <a:cxn ang="0">
+                        <a:pos x="connsiteX0" y="connsiteY0"/>
+                      </a:cxn>
+                      <a:cxn ang="0">
+                        <a:pos x="connsiteX1" y="connsiteY1"/>
+                      </a:cxn>
+                      <a:cxn ang="0">
+                        <a:pos x="connsiteX2" y="connsiteY2"/>
+                      </a:cxn>
+                      <a:cxn ang="0">
+                        <a:pos x="connsiteX3" y="connsiteY3"/>
+                      </a:cxn>
+                      <a:cxn ang="0">
+                        <a:pos x="connsiteX4" y="connsiteY4"/>
+                      </a:cxn>
+                      <a:cxn ang="0">
+                        <a:pos x="connsiteX5" y="connsiteY5"/>
+                      </a:cxn>
+                      <a:cxn ang="0">
+                        <a:pos x="connsiteX6" y="connsiteY6"/>
+                      </a:cxn>
+                      <a:cxn ang="0">
+                        <a:pos x="connsiteX7" y="connsiteY7"/>
+                      </a:cxn>
+                      <a:cxn ang="0">
+                        <a:pos x="connsiteX8" y="connsiteY8"/>
+                      </a:cxn>
+                    </a:cxnLst>
+                    <a:rect l="l" t="t" r="r" b="b"/>
+                    <a:pathLst>
+                      <a:path w="12011608" h="6559420" extrusionOk="0">
+                        <a:moveTo>
+                          <a:pt x="0" y="1093259"/>
+                        </a:moveTo>
+                        <a:cubicBezTo>
+                          <a:pt x="-7845" y="484630"/>
+                          <a:pt x="467865" y="8108"/>
+                          <a:pt x="1093259" y="0"/>
+                        </a:cubicBezTo>
+                        <a:cubicBezTo>
+                          <a:pt x="4384189" y="132882"/>
+                          <a:pt x="7819229" y="-84951"/>
+                          <a:pt x="10918349" y="0"/>
+                        </a:cubicBezTo>
+                        <a:cubicBezTo>
+                          <a:pt x="11473475" y="47523"/>
+                          <a:pt x="11990134" y="608160"/>
+                          <a:pt x="12011608" y="1093259"/>
+                        </a:cubicBezTo>
+                        <a:cubicBezTo>
+                          <a:pt x="12031795" y="2900874"/>
+                          <a:pt x="12164088" y="4134857"/>
+                          <a:pt x="12011608" y="5466161"/>
+                        </a:cubicBezTo>
+                        <a:cubicBezTo>
+                          <a:pt x="12036918" y="6072954"/>
+                          <a:pt x="11571857" y="6457101"/>
+                          <a:pt x="10918349" y="6559420"/>
+                        </a:cubicBezTo>
+                        <a:cubicBezTo>
+                          <a:pt x="9602557" y="6647059"/>
+                          <a:pt x="3354151" y="6486741"/>
+                          <a:pt x="1093259" y="6559420"/>
+                        </a:cubicBezTo>
+                        <a:cubicBezTo>
+                          <a:pt x="482666" y="6494544"/>
+                          <a:pt x="-19749" y="6097396"/>
+                          <a:pt x="0" y="5466161"/>
+                        </a:cubicBezTo>
+                        <a:cubicBezTo>
+                          <a:pt x="-38581" y="3816704"/>
+                          <a:pt x="63341" y="3160269"/>
+                          <a:pt x="0" y="1093259"/>
+                        </a:cubicBezTo>
+                        <a:close/>
+                      </a:path>
+                    </a:pathLst>
+                  </a:custGeom>
+                  <ask:type>
+                    <ask:lineSketchNone/>
+                  </ask:type>
+                </ask:lineSketchStyleProps>
+              </a:ext>
+            </a:extLst>
+          </a:ln>
+        </p:spPr>
+        <p:style>
+          <a:lnRef idx="2">
+            <a:schemeClr val="accent1">
+              <a:shade val="50000"/>
+            </a:schemeClr>
+          </a:lnRef>
+          <a:fillRef idx="1">
+            <a:schemeClr val="accent1"/>
+          </a:fillRef>
+          <a:effectRef idx="0">
+            <a:schemeClr val="accent1"/>
+          </a:effectRef>
+          <a:fontRef idx="minor">
+            <a:schemeClr val="lt1"/>
+          </a:fontRef>
+        </p:style>
+        <p:txBody>
+          <a:bodyPr rtlCol="0" anchor="ctr"/>
+          <a:lstStyle/>
+          <a:p>
+            <a:pPr algn="ctr"/>
+            <a:endParaRPr lang="en-US" dirty="0">
+              <a:latin typeface="LM Roman 10" pitchFamily="2" charset="77"/>
+              <a:cs typeface="Didot" panose="02000503000000020003" pitchFamily="2" charset="-79"/>
+            </a:endParaRPr>
+          </a:p>
+        </p:txBody>
+      </p:sp>
+      <p:sp>
+        <p:nvSpPr>
+          <p:cNvPr id="7" name="Rectangle: Rounded Corners 6">
+            <a:extLst>
+              <a:ext uri="{FF2B5EF4-FFF2-40B4-BE49-F238E27FC236}">
+                <a16:creationId xmlns:a16="http://schemas.microsoft.com/office/drawing/2014/main" id="{7E31F85C-7964-9E7D-59BD-F1D7029E5CEF}"/>
+              </a:ext>
+            </a:extLst>
+          </p:cNvPr>
+          <p:cNvSpPr/>
+          <p:nvPr/>
+        </p:nvSpPr>
+        <p:spPr>
+          <a:xfrm>
+            <a:off x="400881" y="522757"/>
+            <a:ext cx="11390238" cy="5812486"/>
+          </a:xfrm>
+          <a:prstGeom prst="roundRect">
+            <a:avLst>
+              <a:gd name="adj" fmla="val 2087"/>
+            </a:avLst>
+          </a:prstGeom>
+          <a:noFill/>
+          <a:ln>
+            <a:solidFill>
+              <a:schemeClr val="tx1"/>
+            </a:solidFill>
+            <a:prstDash val="dash"/>
+            <a:extLst>
+              <a:ext uri="{C807C97D-BFC1-408E-A445-0C87EB9F89A2}">
+                <ask:lineSketchStyleProps xmlns:ask="http://schemas.microsoft.com/office/drawing/2018/sketchyshapes" sd="1219033472">
+                  <a:custGeom>
+                    <a:avLst/>
+                    <a:gdLst>
+                      <a:gd name="connsiteX0" fmla="*/ 0 w 12011608"/>
+                      <a:gd name="connsiteY0" fmla="*/ 1093259 h 6559420"/>
+                      <a:gd name="connsiteX1" fmla="*/ 1093259 w 12011608"/>
+                      <a:gd name="connsiteY1" fmla="*/ 0 h 6559420"/>
+                      <a:gd name="connsiteX2" fmla="*/ 10918349 w 12011608"/>
+                      <a:gd name="connsiteY2" fmla="*/ 0 h 6559420"/>
+                      <a:gd name="connsiteX3" fmla="*/ 12011608 w 12011608"/>
+                      <a:gd name="connsiteY3" fmla="*/ 1093259 h 6559420"/>
+                      <a:gd name="connsiteX4" fmla="*/ 12011608 w 12011608"/>
+                      <a:gd name="connsiteY4" fmla="*/ 5466161 h 6559420"/>
+                      <a:gd name="connsiteX5" fmla="*/ 10918349 w 12011608"/>
+                      <a:gd name="connsiteY5" fmla="*/ 6559420 h 6559420"/>
+                      <a:gd name="connsiteX6" fmla="*/ 1093259 w 12011608"/>
+                      <a:gd name="connsiteY6" fmla="*/ 6559420 h 6559420"/>
+                      <a:gd name="connsiteX7" fmla="*/ 0 w 12011608"/>
+                      <a:gd name="connsiteY7" fmla="*/ 5466161 h 6559420"/>
+                      <a:gd name="connsiteX8" fmla="*/ 0 w 12011608"/>
+                      <a:gd name="connsiteY8" fmla="*/ 1093259 h 6559420"/>
+                    </a:gdLst>
+                    <a:ahLst/>
+                    <a:cxnLst>
+                      <a:cxn ang="0">
+                        <a:pos x="connsiteX0" y="connsiteY0"/>
+                      </a:cxn>
+                      <a:cxn ang="0">
+                        <a:pos x="connsiteX1" y="connsiteY1"/>
+                      </a:cxn>
+                      <a:cxn ang="0">
+                        <a:pos x="connsiteX2" y="connsiteY2"/>
+                      </a:cxn>
+                      <a:cxn ang="0">
+                        <a:pos x="connsiteX3" y="connsiteY3"/>
+                      </a:cxn>
+                      <a:cxn ang="0">
+                        <a:pos x="connsiteX4" y="connsiteY4"/>
+                      </a:cxn>
+                      <a:cxn ang="0">
+                        <a:pos x="connsiteX5" y="connsiteY5"/>
+                      </a:cxn>
+                      <a:cxn ang="0">
+                        <a:pos x="connsiteX6" y="connsiteY6"/>
+                      </a:cxn>
+                      <a:cxn ang="0">
+                        <a:pos x="connsiteX7" y="connsiteY7"/>
+                      </a:cxn>
+                      <a:cxn ang="0">
+                        <a:pos x="connsiteX8" y="connsiteY8"/>
+                      </a:cxn>
+                    </a:cxnLst>
+                    <a:rect l="l" t="t" r="r" b="b"/>
+                    <a:pathLst>
+                      <a:path w="12011608" h="6559420" extrusionOk="0">
+                        <a:moveTo>
+                          <a:pt x="0" y="1093259"/>
+                        </a:moveTo>
+                        <a:cubicBezTo>
+                          <a:pt x="-7845" y="484630"/>
+                          <a:pt x="467865" y="8108"/>
+                          <a:pt x="1093259" y="0"/>
+                        </a:cubicBezTo>
+                        <a:cubicBezTo>
+                          <a:pt x="4384189" y="132882"/>
+                          <a:pt x="7819229" y="-84951"/>
+                          <a:pt x="10918349" y="0"/>
+                        </a:cubicBezTo>
+                        <a:cubicBezTo>
+                          <a:pt x="11473475" y="47523"/>
+                          <a:pt x="11990134" y="608160"/>
+                          <a:pt x="12011608" y="1093259"/>
+                        </a:cubicBezTo>
+                        <a:cubicBezTo>
+                          <a:pt x="12031795" y="2900874"/>
+                          <a:pt x="12164088" y="4134857"/>
+                          <a:pt x="12011608" y="5466161"/>
+                        </a:cubicBezTo>
+                        <a:cubicBezTo>
+                          <a:pt x="12036918" y="6072954"/>
+                          <a:pt x="11571857" y="6457101"/>
+                          <a:pt x="10918349" y="6559420"/>
+                        </a:cubicBezTo>
+                        <a:cubicBezTo>
+                          <a:pt x="9602557" y="6647059"/>
+                          <a:pt x="3354151" y="6486741"/>
+                          <a:pt x="1093259" y="6559420"/>
+                        </a:cubicBezTo>
+                        <a:cubicBezTo>
+                          <a:pt x="482666" y="6494544"/>
+                          <a:pt x="-19749" y="6097396"/>
+                          <a:pt x="0" y="5466161"/>
+                        </a:cubicBezTo>
+                        <a:cubicBezTo>
+                          <a:pt x="-38581" y="3816704"/>
+                          <a:pt x="63341" y="3160269"/>
+                          <a:pt x="0" y="1093259"/>
+                        </a:cubicBezTo>
+                        <a:close/>
+                      </a:path>
+                    </a:pathLst>
+                  </a:custGeom>
+                  <ask:type>
+                    <ask:lineSketchNone/>
+                  </ask:type>
+                </ask:lineSketchStyleProps>
+              </a:ext>
+            </a:extLst>
+          </a:ln>
+        </p:spPr>
+        <p:style>
+          <a:lnRef idx="2">
+            <a:schemeClr val="accent1">
+              <a:shade val="50000"/>
+            </a:schemeClr>
+          </a:lnRef>
+          <a:fillRef idx="1">
+            <a:schemeClr val="accent1"/>
+          </a:fillRef>
+          <a:effectRef idx="0">
+            <a:schemeClr val="accent1"/>
+          </a:effectRef>
+          <a:fontRef idx="minor">
+            <a:schemeClr val="lt1"/>
+          </a:fontRef>
+        </p:style>
+        <p:txBody>
+          <a:bodyPr rtlCol="0" anchor="ctr"/>
+          <a:lstStyle/>
+          <a:p>
+            <a:pPr algn="ctr"/>
+            <a:endParaRPr lang="en-US" dirty="0">
+              <a:latin typeface="LM Roman 10" pitchFamily="2" charset="77"/>
+              <a:cs typeface="Didot" panose="02000503000000020003" pitchFamily="2" charset="-79"/>
+            </a:endParaRPr>
+          </a:p>
+        </p:txBody>
+      </p:sp>
+      <p:sp>
+        <p:nvSpPr>
+          <p:cNvPr id="8" name="Rectangle: Rounded Corners 7">
+            <a:extLst>
+              <a:ext uri="{FF2B5EF4-FFF2-40B4-BE49-F238E27FC236}">
+                <a16:creationId xmlns:a16="http://schemas.microsoft.com/office/drawing/2014/main" id="{7751CDBA-94D4-E5A6-7DF9-44DFA078906F}"/>
+              </a:ext>
+            </a:extLst>
+          </p:cNvPr>
+          <p:cNvSpPr/>
+          <p:nvPr/>
+        </p:nvSpPr>
+        <p:spPr>
+          <a:xfrm>
+            <a:off x="820633" y="867212"/>
+            <a:ext cx="7585136" cy="5123576"/>
+          </a:xfrm>
+          <a:prstGeom prst="roundRect">
+            <a:avLst>
+              <a:gd name="adj" fmla="val 2087"/>
+            </a:avLst>
+          </a:prstGeom>
+          <a:noFill/>
+          <a:ln>
+            <a:solidFill>
+              <a:schemeClr val="tx1"/>
+            </a:solidFill>
+            <a:prstDash val="dash"/>
+            <a:extLst>
+              <a:ext uri="{C807C97D-BFC1-408E-A445-0C87EB9F89A2}">
+                <ask:lineSketchStyleProps xmlns:ask="http://schemas.microsoft.com/office/drawing/2018/sketchyshapes" sd="1219033472">
+                  <a:custGeom>
+                    <a:avLst/>
+                    <a:gdLst>
+                      <a:gd name="connsiteX0" fmla="*/ 0 w 12011608"/>
+                      <a:gd name="connsiteY0" fmla="*/ 1093259 h 6559420"/>
+                      <a:gd name="connsiteX1" fmla="*/ 1093259 w 12011608"/>
+                      <a:gd name="connsiteY1" fmla="*/ 0 h 6559420"/>
+                      <a:gd name="connsiteX2" fmla="*/ 10918349 w 12011608"/>
+                      <a:gd name="connsiteY2" fmla="*/ 0 h 6559420"/>
+                      <a:gd name="connsiteX3" fmla="*/ 12011608 w 12011608"/>
+                      <a:gd name="connsiteY3" fmla="*/ 1093259 h 6559420"/>
+                      <a:gd name="connsiteX4" fmla="*/ 12011608 w 12011608"/>
+                      <a:gd name="connsiteY4" fmla="*/ 5466161 h 6559420"/>
+                      <a:gd name="connsiteX5" fmla="*/ 10918349 w 12011608"/>
+                      <a:gd name="connsiteY5" fmla="*/ 6559420 h 6559420"/>
+                      <a:gd name="connsiteX6" fmla="*/ 1093259 w 12011608"/>
+                      <a:gd name="connsiteY6" fmla="*/ 6559420 h 6559420"/>
+                      <a:gd name="connsiteX7" fmla="*/ 0 w 12011608"/>
+                      <a:gd name="connsiteY7" fmla="*/ 5466161 h 6559420"/>
+                      <a:gd name="connsiteX8" fmla="*/ 0 w 12011608"/>
+                      <a:gd name="connsiteY8" fmla="*/ 1093259 h 6559420"/>
+                    </a:gdLst>
+                    <a:ahLst/>
+                    <a:cxnLst>
+                      <a:cxn ang="0">
+                        <a:pos x="connsiteX0" y="connsiteY0"/>
+                      </a:cxn>
+                      <a:cxn ang="0">
+                        <a:pos x="connsiteX1" y="connsiteY1"/>
+                      </a:cxn>
+                      <a:cxn ang="0">
+                        <a:pos x="connsiteX2" y="connsiteY2"/>
+                      </a:cxn>
+                      <a:cxn ang="0">
+                        <a:pos x="connsiteX3" y="connsiteY3"/>
+                      </a:cxn>
+                      <a:cxn ang="0">
+                        <a:pos x="connsiteX4" y="connsiteY4"/>
+                      </a:cxn>
+                      <a:cxn ang="0">
+                        <a:pos x="connsiteX5" y="connsiteY5"/>
+                      </a:cxn>
+                      <a:cxn ang="0">
+                        <a:pos x="connsiteX6" y="connsiteY6"/>
+                      </a:cxn>
+                      <a:cxn ang="0">
+                        <a:pos x="connsiteX7" y="connsiteY7"/>
+                      </a:cxn>
+                      <a:cxn ang="0">
+                        <a:pos x="connsiteX8" y="connsiteY8"/>
+                      </a:cxn>
+                    </a:cxnLst>
+                    <a:rect l="l" t="t" r="r" b="b"/>
+                    <a:pathLst>
+                      <a:path w="12011608" h="6559420" extrusionOk="0">
+                        <a:moveTo>
+                          <a:pt x="0" y="1093259"/>
+                        </a:moveTo>
+                        <a:cubicBezTo>
+                          <a:pt x="-7845" y="484630"/>
+                          <a:pt x="467865" y="8108"/>
+                          <a:pt x="1093259" y="0"/>
+                        </a:cubicBezTo>
+                        <a:cubicBezTo>
+                          <a:pt x="4384189" y="132882"/>
+                          <a:pt x="7819229" y="-84951"/>
+                          <a:pt x="10918349" y="0"/>
+                        </a:cubicBezTo>
+                        <a:cubicBezTo>
+                          <a:pt x="11473475" y="47523"/>
+                          <a:pt x="11990134" y="608160"/>
+                          <a:pt x="12011608" y="1093259"/>
+                        </a:cubicBezTo>
+                        <a:cubicBezTo>
+                          <a:pt x="12031795" y="2900874"/>
+                          <a:pt x="12164088" y="4134857"/>
+                          <a:pt x="12011608" y="5466161"/>
+                        </a:cubicBezTo>
+                        <a:cubicBezTo>
+                          <a:pt x="12036918" y="6072954"/>
+                          <a:pt x="11571857" y="6457101"/>
+                          <a:pt x="10918349" y="6559420"/>
+                        </a:cubicBezTo>
+                        <a:cubicBezTo>
+                          <a:pt x="9602557" y="6647059"/>
+                          <a:pt x="3354151" y="6486741"/>
+                          <a:pt x="1093259" y="6559420"/>
+                        </a:cubicBezTo>
+                        <a:cubicBezTo>
+                          <a:pt x="482666" y="6494544"/>
+                          <a:pt x="-19749" y="6097396"/>
+                          <a:pt x="0" y="5466161"/>
+                        </a:cubicBezTo>
+                        <a:cubicBezTo>
+                          <a:pt x="-38581" y="3816704"/>
+                          <a:pt x="63341" y="3160269"/>
+                          <a:pt x="0" y="1093259"/>
+                        </a:cubicBezTo>
+                        <a:close/>
+                      </a:path>
+                    </a:pathLst>
+                  </a:custGeom>
+                  <ask:type>
+                    <ask:lineSketchNone/>
+                  </ask:type>
+                </ask:lineSketchStyleProps>
+              </a:ext>
+            </a:extLst>
+          </a:ln>
+        </p:spPr>
+        <p:style>
+          <a:lnRef idx="2">
+            <a:schemeClr val="accent1">
+              <a:shade val="50000"/>
+            </a:schemeClr>
+          </a:lnRef>
+          <a:fillRef idx="1">
+            <a:schemeClr val="accent1"/>
+          </a:fillRef>
+          <a:effectRef idx="0">
+            <a:schemeClr val="accent1"/>
+          </a:effectRef>
+          <a:fontRef idx="minor">
+            <a:schemeClr val="lt1"/>
+          </a:fontRef>
+        </p:style>
+        <p:txBody>
+          <a:bodyPr rtlCol="0" anchor="ctr"/>
+          <a:lstStyle/>
+          <a:p>
+            <a:pPr algn="ctr"/>
+            <a:endParaRPr lang="en-US" dirty="0">
+              <a:latin typeface="LM Roman 10" pitchFamily="2" charset="77"/>
+              <a:cs typeface="Didot" panose="02000503000000020003" pitchFamily="2" charset="-79"/>
+            </a:endParaRPr>
+          </a:p>
+        </p:txBody>
+      </p:sp>
+      <p:sp>
+        <p:nvSpPr>
+          <p:cNvPr id="9" name="TextBox 8">
+            <a:extLst>
+              <a:ext uri="{FF2B5EF4-FFF2-40B4-BE49-F238E27FC236}">
+                <a16:creationId xmlns:a16="http://schemas.microsoft.com/office/drawing/2014/main" id="{54F6159C-C000-718D-1CB8-474645C5C703}"/>
+              </a:ext>
+            </a:extLst>
+          </p:cNvPr>
+          <p:cNvSpPr txBox="1"/>
+          <p:nvPr/>
+        </p:nvSpPr>
+        <p:spPr>
+          <a:xfrm>
+            <a:off x="153174" y="153425"/>
+            <a:ext cx="2820003" cy="338554"/>
+          </a:xfrm>
+          <a:prstGeom prst="rect">
+            <a:avLst/>
+          </a:prstGeom>
+          <a:noFill/>
+        </p:spPr>
+        <p:txBody>
+          <a:bodyPr wrap="none" rtlCol="0">
+            <a:spAutoFit/>
+          </a:bodyPr>
+          <a:lstStyle/>
+          <a:p>
+            <a:r>
+              <a:rPr lang="de-DE" sz="1600" dirty="0">
+                <a:latin typeface="LM Roman 10" pitchFamily="2" charset="77"/>
+                <a:cs typeface="Didot" panose="02000503000000020003" pitchFamily="2" charset="-79"/>
+              </a:rPr>
+              <a:t>Charakteristika der Kontexte</a:t>
+            </a:r>
+            <a:endParaRPr lang="en-US" dirty="0">
+              <a:latin typeface="LM Roman 10" pitchFamily="2" charset="77"/>
+              <a:cs typeface="Didot" panose="02000503000000020003" pitchFamily="2" charset="-79"/>
+            </a:endParaRPr>
+          </a:p>
+        </p:txBody>
+      </p:sp>
+      <p:sp>
+        <p:nvSpPr>
+          <p:cNvPr id="10" name="TextBox 9">
+            <a:extLst>
+              <a:ext uri="{FF2B5EF4-FFF2-40B4-BE49-F238E27FC236}">
+                <a16:creationId xmlns:a16="http://schemas.microsoft.com/office/drawing/2014/main" id="{7089942B-64B4-A49D-35FF-C2AF5B72F395}"/>
+              </a:ext>
+            </a:extLst>
+          </p:cNvPr>
+          <p:cNvSpPr txBox="1"/>
+          <p:nvPr/>
+        </p:nvSpPr>
+        <p:spPr>
+          <a:xfrm>
+            <a:off x="400881" y="510319"/>
+            <a:ext cx="2965877" cy="338554"/>
+          </a:xfrm>
+          <a:prstGeom prst="rect">
+            <a:avLst/>
+          </a:prstGeom>
+          <a:noFill/>
+        </p:spPr>
+        <p:txBody>
+          <a:bodyPr wrap="none" rtlCol="0">
+            <a:spAutoFit/>
+          </a:bodyPr>
+          <a:lstStyle/>
+          <a:p>
+            <a:r>
+              <a:rPr lang="de-DE" sz="1600" dirty="0">
+                <a:latin typeface="LM Roman 10" pitchFamily="2" charset="77"/>
+                <a:cs typeface="Didot" panose="02000503000000020003" pitchFamily="2" charset="-79"/>
+              </a:rPr>
+              <a:t>Charakteristika der Nutzenden</a:t>
+            </a:r>
+            <a:endParaRPr lang="en-US" sz="1600" dirty="0">
+              <a:latin typeface="LM Roman 10" pitchFamily="2" charset="77"/>
+              <a:cs typeface="Didot" panose="02000503000000020003" pitchFamily="2" charset="-79"/>
+            </a:endParaRPr>
+          </a:p>
+        </p:txBody>
+      </p:sp>
+      <p:sp>
+        <p:nvSpPr>
+          <p:cNvPr id="11" name="TextBox 10">
+            <a:extLst>
+              <a:ext uri="{FF2B5EF4-FFF2-40B4-BE49-F238E27FC236}">
+                <a16:creationId xmlns:a16="http://schemas.microsoft.com/office/drawing/2014/main" id="{13879C0C-1EBE-1092-85BE-105AC4D194FF}"/>
+              </a:ext>
+            </a:extLst>
+          </p:cNvPr>
+          <p:cNvSpPr txBox="1"/>
+          <p:nvPr/>
+        </p:nvSpPr>
+        <p:spPr>
+          <a:xfrm>
+            <a:off x="820633" y="879401"/>
+            <a:ext cx="2719014" cy="338554"/>
+          </a:xfrm>
+          <a:prstGeom prst="rect">
+            <a:avLst/>
+          </a:prstGeom>
+          <a:noFill/>
+        </p:spPr>
+        <p:txBody>
+          <a:bodyPr wrap="none" rtlCol="0">
+            <a:spAutoFit/>
+          </a:bodyPr>
+          <a:lstStyle/>
+          <a:p>
+            <a:r>
+              <a:rPr lang="de-DE" sz="1600" dirty="0">
+                <a:latin typeface="LM Roman 10" pitchFamily="2" charset="77"/>
+                <a:cs typeface="Didot" panose="02000503000000020003" pitchFamily="2" charset="-79"/>
+              </a:rPr>
+              <a:t>Charakteristika der Evidenz</a:t>
+            </a:r>
+            <a:endParaRPr lang="en-US" sz="1600" dirty="0">
+              <a:latin typeface="LM Roman 10" pitchFamily="2" charset="77"/>
+              <a:cs typeface="Didot" panose="02000503000000020003" pitchFamily="2" charset="-79"/>
+            </a:endParaRPr>
+          </a:p>
+        </p:txBody>
+      </p:sp>
+      <p:sp>
+        <p:nvSpPr>
+          <p:cNvPr id="13" name="Oval 12">
+            <a:extLst>
+              <a:ext uri="{FF2B5EF4-FFF2-40B4-BE49-F238E27FC236}">
+                <a16:creationId xmlns:a16="http://schemas.microsoft.com/office/drawing/2014/main" id="{1D8693F1-4AF6-B64B-4F0A-B464A18041CC}"/>
+              </a:ext>
+            </a:extLst>
+          </p:cNvPr>
+          <p:cNvSpPr/>
+          <p:nvPr/>
+        </p:nvSpPr>
+        <p:spPr>
+          <a:xfrm>
+            <a:off x="2759362" y="4212309"/>
+            <a:ext cx="1630680" cy="754380"/>
+          </a:xfrm>
+          <a:prstGeom prst="ellipse">
+            <a:avLst/>
+          </a:prstGeom>
+          <a:solidFill>
+            <a:schemeClr val="bg1"/>
+          </a:solidFill>
+          <a:ln>
+            <a:solidFill>
+              <a:schemeClr val="tx1"/>
+            </a:solidFill>
+          </a:ln>
+          <a:effectLst>
+            <a:outerShdw blurRad="50800" dist="38100" dir="2700000" algn="tl" rotWithShape="0">
+              <a:prstClr val="black">
+                <a:alpha val="40000"/>
+              </a:prstClr>
+            </a:outerShdw>
+          </a:effectLst>
+        </p:spPr>
+        <p:style>
+          <a:lnRef idx="2">
+            <a:schemeClr val="accent1">
+              <a:shade val="50000"/>
+            </a:schemeClr>
+          </a:lnRef>
+          <a:fillRef idx="1">
+            <a:schemeClr val="accent1"/>
+          </a:fillRef>
+          <a:effectRef idx="0">
+            <a:schemeClr val="accent1"/>
+          </a:effectRef>
+          <a:fontRef idx="minor">
+            <a:schemeClr val="lt1"/>
+          </a:fontRef>
+        </p:style>
+        <p:txBody>
+          <a:bodyPr rtlCol="0" anchor="ctr"/>
+          <a:lstStyle/>
+          <a:p>
+            <a:pPr algn="ctr"/>
+            <a:r>
+              <a:rPr lang="de-DE" dirty="0">
+                <a:solidFill>
+                  <a:schemeClr val="tx1"/>
+                </a:solidFill>
+                <a:latin typeface="LM Roman 10" pitchFamily="2" charset="77"/>
+                <a:cs typeface="Didot" panose="02000503000000020003" pitchFamily="2" charset="-79"/>
+              </a:rPr>
+              <a:t> </a:t>
+            </a:r>
+            <a:endParaRPr lang="en-US" dirty="0">
+              <a:solidFill>
+                <a:schemeClr val="tx1"/>
+              </a:solidFill>
+              <a:latin typeface="LM Roman 10" pitchFamily="2" charset="77"/>
+              <a:cs typeface="Didot" panose="02000503000000020003" pitchFamily="2" charset="-79"/>
+            </a:endParaRPr>
+          </a:p>
+        </p:txBody>
+      </p:sp>
+      <p:sp>
+        <p:nvSpPr>
+          <p:cNvPr id="14" name="Oval 13">
+            <a:extLst>
+              <a:ext uri="{FF2B5EF4-FFF2-40B4-BE49-F238E27FC236}">
+                <a16:creationId xmlns:a16="http://schemas.microsoft.com/office/drawing/2014/main" id="{2A14B365-C792-8A6C-8E80-FF83C67B5D55}"/>
+              </a:ext>
+            </a:extLst>
+          </p:cNvPr>
+          <p:cNvSpPr/>
+          <p:nvPr/>
+        </p:nvSpPr>
+        <p:spPr>
+          <a:xfrm>
+            <a:off x="4390042" y="3088597"/>
+            <a:ext cx="1630680" cy="754380"/>
+          </a:xfrm>
+          <a:prstGeom prst="ellipse">
+            <a:avLst/>
+          </a:prstGeom>
+          <a:solidFill>
+            <a:schemeClr val="bg1"/>
+          </a:solidFill>
+          <a:ln>
+            <a:solidFill>
+              <a:schemeClr val="tx1"/>
+            </a:solidFill>
+          </a:ln>
+          <a:effectLst>
+            <a:outerShdw blurRad="50800" dist="38100" dir="2700000" algn="tl" rotWithShape="0">
+              <a:prstClr val="black">
+                <a:alpha val="40000"/>
+              </a:prstClr>
+            </a:outerShdw>
+          </a:effectLst>
+        </p:spPr>
+        <p:style>
+          <a:lnRef idx="2">
+            <a:schemeClr val="accent1">
+              <a:shade val="50000"/>
+            </a:schemeClr>
+          </a:lnRef>
+          <a:fillRef idx="1">
+            <a:schemeClr val="accent1"/>
+          </a:fillRef>
+          <a:effectRef idx="0">
+            <a:schemeClr val="accent1"/>
+          </a:effectRef>
+          <a:fontRef idx="minor">
+            <a:schemeClr val="lt1"/>
+          </a:fontRef>
+        </p:style>
+        <p:txBody>
+          <a:bodyPr rtlCol="0" anchor="ctr"/>
+          <a:lstStyle/>
+          <a:p>
+            <a:pPr algn="ctr"/>
+            <a:r>
+              <a:rPr lang="de-DE" sz="1600" dirty="0">
+                <a:solidFill>
+                  <a:schemeClr val="tx1"/>
+                </a:solidFill>
+                <a:latin typeface="LM Roman 10" pitchFamily="2" charset="77"/>
+                <a:cs typeface="Didot" panose="02000503000000020003" pitchFamily="2" charset="-79"/>
+              </a:rPr>
+              <a:t>Evidenz</a:t>
+            </a:r>
+            <a:endParaRPr lang="en-US" dirty="0">
+              <a:solidFill>
+                <a:schemeClr val="tx1"/>
+              </a:solidFill>
+              <a:latin typeface="LM Roman 10" pitchFamily="2" charset="77"/>
+              <a:cs typeface="Didot" panose="02000503000000020003" pitchFamily="2" charset="-79"/>
+            </a:endParaRPr>
+          </a:p>
+        </p:txBody>
+      </p:sp>
+      <p:sp>
+        <p:nvSpPr>
+          <p:cNvPr id="15" name="Oval 14">
+            <a:extLst>
+              <a:ext uri="{FF2B5EF4-FFF2-40B4-BE49-F238E27FC236}">
+                <a16:creationId xmlns:a16="http://schemas.microsoft.com/office/drawing/2014/main" id="{97DAF1C8-8BF6-B122-BD80-962768DA66B4}"/>
+              </a:ext>
+            </a:extLst>
+          </p:cNvPr>
+          <p:cNvSpPr/>
+          <p:nvPr/>
+        </p:nvSpPr>
+        <p:spPr>
+          <a:xfrm>
+            <a:off x="6020722" y="1964885"/>
+            <a:ext cx="1630680" cy="754380"/>
+          </a:xfrm>
+          <a:prstGeom prst="ellipse">
+            <a:avLst/>
+          </a:prstGeom>
+          <a:solidFill>
+            <a:schemeClr val="bg1"/>
+          </a:solidFill>
+          <a:ln>
+            <a:solidFill>
+              <a:schemeClr val="tx1"/>
+            </a:solidFill>
+          </a:ln>
+          <a:effectLst>
+            <a:outerShdw blurRad="50800" dist="38100" dir="2700000" algn="tl" rotWithShape="0">
+              <a:prstClr val="black">
+                <a:alpha val="40000"/>
+              </a:prstClr>
+            </a:outerShdw>
+          </a:effectLst>
+        </p:spPr>
+        <p:style>
+          <a:lnRef idx="2">
+            <a:schemeClr val="accent1">
+              <a:shade val="50000"/>
+            </a:schemeClr>
+          </a:lnRef>
+          <a:fillRef idx="1">
+            <a:schemeClr val="accent1"/>
+          </a:fillRef>
+          <a:effectRef idx="0">
+            <a:schemeClr val="accent1"/>
+          </a:effectRef>
+          <a:fontRef idx="minor">
+            <a:schemeClr val="lt1"/>
+          </a:fontRef>
+        </p:style>
+        <p:txBody>
+          <a:bodyPr rtlCol="0" anchor="ctr"/>
+          <a:lstStyle/>
+          <a:p>
+            <a:pPr algn="ctr"/>
+            <a:endParaRPr lang="en-US" sz="1600" dirty="0">
+              <a:solidFill>
+                <a:schemeClr val="tx1"/>
+              </a:solidFill>
+              <a:latin typeface="LM Roman 10" pitchFamily="2" charset="77"/>
+              <a:cs typeface="Didot" panose="02000503000000020003" pitchFamily="2" charset="-79"/>
+            </a:endParaRPr>
+          </a:p>
+        </p:txBody>
+      </p:sp>
+      <p:cxnSp>
+        <p:nvCxnSpPr>
+          <p:cNvPr id="20" name="Connector: Curved 19">
+            <a:extLst>
+              <a:ext uri="{FF2B5EF4-FFF2-40B4-BE49-F238E27FC236}">
+                <a16:creationId xmlns:a16="http://schemas.microsoft.com/office/drawing/2014/main" id="{9D08A355-1BFF-B13D-EABD-1944CF8A7E31}"/>
+              </a:ext>
+            </a:extLst>
+          </p:cNvPr>
+          <p:cNvCxnSpPr>
+            <a:cxnSpLocks/>
+            <a:stCxn id="13" idx="0"/>
+            <a:endCxn id="14" idx="2"/>
+          </p:cNvCxnSpPr>
+          <p:nvPr/>
+        </p:nvCxnSpPr>
+        <p:spPr>
+          <a:xfrm rot="5400000" flipH="1" flipV="1">
+            <a:off x="3609111" y="3431378"/>
+            <a:ext cx="746522" cy="815340"/>
+          </a:xfrm>
+          <a:prstGeom prst="curvedConnector2">
+            <a:avLst/>
+          </a:prstGeom>
+          <a:ln w="34925">
+            <a:solidFill>
+              <a:schemeClr val="tx1"/>
+            </a:solidFill>
+            <a:tailEnd type="triangle"/>
+          </a:ln>
+        </p:spPr>
+        <p:style>
+          <a:lnRef idx="1">
+            <a:schemeClr val="accent1"/>
+          </a:lnRef>
+          <a:fillRef idx="0">
+            <a:schemeClr val="accent1"/>
+          </a:fillRef>
+          <a:effectRef idx="0">
+            <a:schemeClr val="accent1"/>
+          </a:effectRef>
+          <a:fontRef idx="minor">
+            <a:schemeClr val="tx1"/>
+          </a:fontRef>
+        </p:style>
+      </p:cxnSp>
+      <p:cxnSp>
+        <p:nvCxnSpPr>
+          <p:cNvPr id="23" name="Connector: Curved 22">
+            <a:extLst>
+              <a:ext uri="{FF2B5EF4-FFF2-40B4-BE49-F238E27FC236}">
+                <a16:creationId xmlns:a16="http://schemas.microsoft.com/office/drawing/2014/main" id="{C576A603-F83F-F3F0-AD46-5F1BC4B64A9E}"/>
+              </a:ext>
+            </a:extLst>
+          </p:cNvPr>
+          <p:cNvCxnSpPr>
+            <a:cxnSpLocks/>
+            <a:stCxn id="14" idx="0"/>
+            <a:endCxn id="15" idx="2"/>
+          </p:cNvCxnSpPr>
+          <p:nvPr/>
+        </p:nvCxnSpPr>
+        <p:spPr>
+          <a:xfrm rot="5400000" flipH="1" flipV="1">
+            <a:off x="5239791" y="2307666"/>
+            <a:ext cx="746522" cy="815340"/>
+          </a:xfrm>
+          <a:prstGeom prst="curvedConnector2">
+            <a:avLst/>
+          </a:prstGeom>
+          <a:ln w="34925">
+            <a:solidFill>
+              <a:schemeClr val="tx1"/>
+            </a:solidFill>
+            <a:tailEnd type="triangle"/>
+          </a:ln>
+        </p:spPr>
+        <p:style>
+          <a:lnRef idx="1">
+            <a:schemeClr val="accent1"/>
+          </a:lnRef>
+          <a:fillRef idx="0">
+            <a:schemeClr val="accent1"/>
+          </a:fillRef>
+          <a:effectRef idx="0">
+            <a:schemeClr val="accent1"/>
+          </a:effectRef>
+          <a:fontRef idx="minor">
+            <a:schemeClr val="tx1"/>
+          </a:fontRef>
+        </p:style>
+      </p:cxnSp>
+      <p:sp>
+        <p:nvSpPr>
+          <p:cNvPr id="26" name="Oval 25">
+            <a:extLst>
+              <a:ext uri="{FF2B5EF4-FFF2-40B4-BE49-F238E27FC236}">
+                <a16:creationId xmlns:a16="http://schemas.microsoft.com/office/drawing/2014/main" id="{E3DC8A4E-1508-5E72-013D-97FAFDC90495}"/>
+              </a:ext>
+            </a:extLst>
+          </p:cNvPr>
+          <p:cNvSpPr/>
+          <p:nvPr/>
+        </p:nvSpPr>
+        <p:spPr>
+          <a:xfrm>
+            <a:off x="8944559" y="1960956"/>
+            <a:ext cx="1630680" cy="754380"/>
+          </a:xfrm>
+          <a:prstGeom prst="ellipse">
+            <a:avLst/>
+          </a:prstGeom>
+          <a:solidFill>
+            <a:schemeClr val="bg1"/>
+          </a:solidFill>
+          <a:ln>
+            <a:solidFill>
+              <a:schemeClr val="tx1"/>
+            </a:solidFill>
+          </a:ln>
+          <a:effectLst>
+            <a:outerShdw blurRad="50800" dist="38100" dir="2700000" algn="tl" rotWithShape="0">
+              <a:prstClr val="black">
+                <a:alpha val="40000"/>
+              </a:prstClr>
+            </a:outerShdw>
+          </a:effectLst>
+        </p:spPr>
+        <p:style>
+          <a:lnRef idx="2">
+            <a:schemeClr val="accent1">
+              <a:shade val="50000"/>
+            </a:schemeClr>
+          </a:lnRef>
+          <a:fillRef idx="1">
+            <a:schemeClr val="accent1"/>
+          </a:fillRef>
+          <a:effectRef idx="0">
+            <a:schemeClr val="accent1"/>
+          </a:effectRef>
+          <a:fontRef idx="minor">
+            <a:schemeClr val="lt1"/>
+          </a:fontRef>
+        </p:style>
+        <p:txBody>
+          <a:bodyPr rtlCol="0" anchor="ctr"/>
+          <a:lstStyle/>
+          <a:p>
+            <a:pPr algn="ctr"/>
+            <a:endParaRPr lang="en-US" dirty="0">
+              <a:solidFill>
+                <a:schemeClr val="tx1"/>
+              </a:solidFill>
+              <a:latin typeface="LM Roman 10" pitchFamily="2" charset="77"/>
+              <a:cs typeface="Didot" panose="02000503000000020003" pitchFamily="2" charset="-79"/>
+            </a:endParaRPr>
+          </a:p>
+        </p:txBody>
+      </p:sp>
+      <p:sp>
+        <p:nvSpPr>
+          <p:cNvPr id="27" name="Oval 26">
+            <a:extLst>
+              <a:ext uri="{FF2B5EF4-FFF2-40B4-BE49-F238E27FC236}">
+                <a16:creationId xmlns:a16="http://schemas.microsoft.com/office/drawing/2014/main" id="{72AF60ED-4044-E5E5-F9E9-64C7593F7CC0}"/>
+              </a:ext>
+            </a:extLst>
+          </p:cNvPr>
+          <p:cNvSpPr/>
+          <p:nvPr/>
+        </p:nvSpPr>
+        <p:spPr>
+          <a:xfrm>
+            <a:off x="8944559" y="4212309"/>
+            <a:ext cx="1630680" cy="754380"/>
+          </a:xfrm>
+          <a:prstGeom prst="ellipse">
+            <a:avLst/>
+          </a:prstGeom>
+          <a:solidFill>
+            <a:schemeClr val="bg1"/>
+          </a:solidFill>
+          <a:ln>
+            <a:solidFill>
+              <a:schemeClr val="tx1"/>
+            </a:solidFill>
+          </a:ln>
+          <a:effectLst>
+            <a:outerShdw blurRad="50800" dist="38100" dir="2700000" algn="tl" rotWithShape="0">
+              <a:prstClr val="black">
+                <a:alpha val="40000"/>
+              </a:prstClr>
+            </a:outerShdw>
+          </a:effectLst>
+        </p:spPr>
+        <p:style>
+          <a:lnRef idx="2">
+            <a:schemeClr val="accent1">
+              <a:shade val="50000"/>
+            </a:schemeClr>
+          </a:lnRef>
+          <a:fillRef idx="1">
+            <a:schemeClr val="accent1"/>
+          </a:fillRef>
+          <a:effectRef idx="0">
+            <a:schemeClr val="accent1"/>
+          </a:effectRef>
+          <a:fontRef idx="minor">
+            <a:schemeClr val="lt1"/>
+          </a:fontRef>
+        </p:style>
+        <p:txBody>
+          <a:bodyPr rtlCol="0" anchor="ctr"/>
+          <a:lstStyle/>
+          <a:p>
+            <a:pPr algn="ctr"/>
+            <a:r>
+              <a:rPr lang="de-DE" sz="1600" dirty="0">
+                <a:solidFill>
+                  <a:schemeClr val="tx1"/>
+                </a:solidFill>
+                <a:latin typeface="LM Roman 10" pitchFamily="2" charset="77"/>
+                <a:cs typeface="Didot" panose="02000503000000020003" pitchFamily="2" charset="-79"/>
+              </a:rPr>
+              <a:t>Ergebnisse</a:t>
+            </a:r>
+            <a:endParaRPr lang="en-US" sz="1600" dirty="0">
+              <a:solidFill>
+                <a:schemeClr val="tx1"/>
+              </a:solidFill>
+              <a:latin typeface="LM Roman 10" pitchFamily="2" charset="77"/>
+              <a:cs typeface="Didot" panose="02000503000000020003" pitchFamily="2" charset="-79"/>
+            </a:endParaRPr>
+          </a:p>
+        </p:txBody>
+      </p:sp>
+      <p:cxnSp>
+        <p:nvCxnSpPr>
+          <p:cNvPr id="32" name="Straight Arrow Connector 31">
+            <a:extLst>
+              <a:ext uri="{FF2B5EF4-FFF2-40B4-BE49-F238E27FC236}">
+                <a16:creationId xmlns:a16="http://schemas.microsoft.com/office/drawing/2014/main" id="{166579B7-9EB5-A37B-D7D0-0EEC0B6803AE}"/>
+              </a:ext>
+            </a:extLst>
+          </p:cNvPr>
+          <p:cNvCxnSpPr>
+            <a:cxnSpLocks/>
+            <a:stCxn id="15" idx="6"/>
+            <a:endCxn id="26" idx="2"/>
+          </p:cNvCxnSpPr>
+          <p:nvPr/>
+        </p:nvCxnSpPr>
+        <p:spPr>
+          <a:xfrm flipV="1">
+            <a:off x="7651402" y="2338146"/>
+            <a:ext cx="1293157" cy="3929"/>
+          </a:xfrm>
+          <a:prstGeom prst="straightConnector1">
+            <a:avLst/>
+          </a:prstGeom>
+          <a:ln w="34925">
+            <a:solidFill>
+              <a:schemeClr val="tx1"/>
+            </a:solidFill>
+            <a:tailEnd type="triangle"/>
+          </a:ln>
+        </p:spPr>
+        <p:style>
+          <a:lnRef idx="1">
+            <a:schemeClr val="accent1"/>
+          </a:lnRef>
+          <a:fillRef idx="0">
+            <a:schemeClr val="accent1"/>
+          </a:fillRef>
+          <a:effectRef idx="0">
+            <a:schemeClr val="accent1"/>
+          </a:effectRef>
+          <a:fontRef idx="minor">
+            <a:schemeClr val="tx1"/>
+          </a:fontRef>
+        </p:style>
+      </p:cxnSp>
+      <p:cxnSp>
+        <p:nvCxnSpPr>
+          <p:cNvPr id="34" name="Straight Arrow Connector 33">
+            <a:extLst>
+              <a:ext uri="{FF2B5EF4-FFF2-40B4-BE49-F238E27FC236}">
+                <a16:creationId xmlns:a16="http://schemas.microsoft.com/office/drawing/2014/main" id="{49F8FCE9-625E-3019-9506-DB4366A32AC6}"/>
+              </a:ext>
+            </a:extLst>
+          </p:cNvPr>
+          <p:cNvCxnSpPr>
+            <a:cxnSpLocks/>
+            <a:stCxn id="26" idx="4"/>
+            <a:endCxn id="27" idx="0"/>
+          </p:cNvCxnSpPr>
+          <p:nvPr/>
+        </p:nvCxnSpPr>
+        <p:spPr>
+          <a:xfrm>
+            <a:off x="9759899" y="2715336"/>
+            <a:ext cx="0" cy="1496973"/>
+          </a:xfrm>
+          <a:prstGeom prst="straightConnector1">
+            <a:avLst/>
+          </a:prstGeom>
+          <a:ln w="34925">
+            <a:solidFill>
+              <a:schemeClr val="tx1"/>
+            </a:solidFill>
+            <a:tailEnd type="triangle"/>
+          </a:ln>
+        </p:spPr>
+        <p:style>
+          <a:lnRef idx="1">
+            <a:schemeClr val="accent1"/>
+          </a:lnRef>
+          <a:fillRef idx="0">
+            <a:schemeClr val="accent1"/>
+          </a:fillRef>
+          <a:effectRef idx="0">
+            <a:schemeClr val="accent1"/>
+          </a:effectRef>
+          <a:fontRef idx="minor">
+            <a:schemeClr val="tx1"/>
+          </a:fontRef>
+        </p:style>
+      </p:cxnSp>
+      <p:cxnSp>
+        <p:nvCxnSpPr>
+          <p:cNvPr id="37" name="Straight Arrow Connector 36">
+            <a:extLst>
+              <a:ext uri="{FF2B5EF4-FFF2-40B4-BE49-F238E27FC236}">
+                <a16:creationId xmlns:a16="http://schemas.microsoft.com/office/drawing/2014/main" id="{55715120-9AEF-727F-AF81-D95E0E013E59}"/>
+              </a:ext>
+            </a:extLst>
+          </p:cNvPr>
+          <p:cNvCxnSpPr>
+            <a:cxnSpLocks/>
+            <a:stCxn id="27" idx="2"/>
+            <a:endCxn id="13" idx="6"/>
+          </p:cNvCxnSpPr>
+          <p:nvPr/>
+        </p:nvCxnSpPr>
+        <p:spPr>
+          <a:xfrm flipH="1">
+            <a:off x="4390042" y="4589499"/>
+            <a:ext cx="4554517" cy="0"/>
+          </a:xfrm>
+          <a:prstGeom prst="straightConnector1">
+            <a:avLst/>
+          </a:prstGeom>
+          <a:ln w="34925">
+            <a:solidFill>
+              <a:schemeClr val="tx1"/>
+            </a:solidFill>
+            <a:tailEnd type="triangle"/>
+          </a:ln>
+        </p:spPr>
+        <p:style>
+          <a:lnRef idx="1">
+            <a:schemeClr val="accent1"/>
+          </a:lnRef>
+          <a:fillRef idx="0">
+            <a:schemeClr val="accent1"/>
+          </a:fillRef>
+          <a:effectRef idx="0">
+            <a:schemeClr val="accent1"/>
+          </a:effectRef>
+          <a:fontRef idx="minor">
+            <a:schemeClr val="tx1"/>
+          </a:fontRef>
+        </p:style>
+      </p:cxnSp>
+      <p:cxnSp>
+        <p:nvCxnSpPr>
+          <p:cNvPr id="40" name="Straight Arrow Connector 39">
+            <a:extLst>
+              <a:ext uri="{FF2B5EF4-FFF2-40B4-BE49-F238E27FC236}">
+                <a16:creationId xmlns:a16="http://schemas.microsoft.com/office/drawing/2014/main" id="{877155B9-7D29-7689-96CE-6ACB5D537AB5}"/>
+              </a:ext>
+            </a:extLst>
+          </p:cNvPr>
+          <p:cNvCxnSpPr>
+            <a:cxnSpLocks/>
+            <a:stCxn id="14" idx="4"/>
+          </p:cNvCxnSpPr>
+          <p:nvPr/>
+        </p:nvCxnSpPr>
+        <p:spPr>
+          <a:xfrm>
+            <a:off x="5205382" y="3842977"/>
+            <a:ext cx="0" cy="746522"/>
+          </a:xfrm>
+          <a:prstGeom prst="straightConnector1">
+            <a:avLst/>
+          </a:prstGeom>
+          <a:ln w="34925">
+            <a:solidFill>
+              <a:schemeClr val="tx1"/>
+            </a:solidFill>
+            <a:tailEnd type="triangle"/>
+          </a:ln>
+        </p:spPr>
+        <p:style>
+          <a:lnRef idx="1">
+            <a:schemeClr val="accent1"/>
+          </a:lnRef>
+          <a:fillRef idx="0">
+            <a:schemeClr val="accent1"/>
+          </a:fillRef>
+          <a:effectRef idx="0">
+            <a:schemeClr val="accent1"/>
+          </a:effectRef>
+          <a:fontRef idx="minor">
+            <a:schemeClr val="tx1"/>
+          </a:fontRef>
+        </p:style>
+      </p:cxnSp>
+      <p:cxnSp>
+        <p:nvCxnSpPr>
+          <p:cNvPr id="43" name="Straight Arrow Connector 42">
+            <a:extLst>
+              <a:ext uri="{FF2B5EF4-FFF2-40B4-BE49-F238E27FC236}">
+                <a16:creationId xmlns:a16="http://schemas.microsoft.com/office/drawing/2014/main" id="{009A81FC-5496-1B64-61C2-0AACFC7477CD}"/>
+              </a:ext>
+            </a:extLst>
+          </p:cNvPr>
+          <p:cNvCxnSpPr>
+            <a:cxnSpLocks/>
+            <a:stCxn id="15" idx="4"/>
+          </p:cNvCxnSpPr>
+          <p:nvPr/>
+        </p:nvCxnSpPr>
+        <p:spPr>
+          <a:xfrm>
+            <a:off x="6836062" y="2719265"/>
+            <a:ext cx="0" cy="1870234"/>
+          </a:xfrm>
+          <a:prstGeom prst="straightConnector1">
+            <a:avLst/>
+          </a:prstGeom>
+          <a:ln w="34925">
+            <a:solidFill>
+              <a:schemeClr val="tx1"/>
+            </a:solidFill>
+            <a:tailEnd type="triangle"/>
+          </a:ln>
+        </p:spPr>
+        <p:style>
+          <a:lnRef idx="1">
+            <a:schemeClr val="accent1"/>
+          </a:lnRef>
+          <a:fillRef idx="0">
+            <a:schemeClr val="accent1"/>
+          </a:fillRef>
+          <a:effectRef idx="0">
+            <a:schemeClr val="accent1"/>
+          </a:effectRef>
+          <a:fontRef idx="minor">
+            <a:schemeClr val="tx1"/>
+          </a:fontRef>
+        </p:style>
+      </p:cxnSp>
+      <p:sp>
+        <p:nvSpPr>
+          <p:cNvPr id="50" name="TextBox 49">
+            <a:extLst>
+              <a:ext uri="{FF2B5EF4-FFF2-40B4-BE49-F238E27FC236}">
+                <a16:creationId xmlns:a16="http://schemas.microsoft.com/office/drawing/2014/main" id="{7FD64F8A-ADAA-448E-7F19-BDDBEC30B4D5}"/>
+              </a:ext>
+            </a:extLst>
+          </p:cNvPr>
+          <p:cNvSpPr txBox="1"/>
+          <p:nvPr/>
+        </p:nvSpPr>
+        <p:spPr>
+          <a:xfrm>
+            <a:off x="8982929" y="1887231"/>
+            <a:ext cx="1553940" cy="854080"/>
+          </a:xfrm>
+          <a:prstGeom prst="rect">
+            <a:avLst/>
+          </a:prstGeom>
+          <a:noFill/>
+        </p:spPr>
+        <p:txBody>
+          <a:bodyPr wrap="square" rtlCol="0">
+            <a:spAutoFit/>
+          </a:bodyPr>
+          <a:lstStyle/>
+          <a:p>
+            <a:pPr algn="ctr"/>
+            <a:r>
+              <a:rPr lang="de-DE" sz="1600" dirty="0">
+                <a:latin typeface="LM Roman 10" pitchFamily="2" charset="77"/>
+                <a:cs typeface="Didot" panose="02000503000000020003" pitchFamily="2" charset="-79"/>
+              </a:rPr>
+              <a:t>Nutzung</a:t>
+            </a:r>
+            <a:endParaRPr lang="de-DE" sz="2000" dirty="0">
+              <a:latin typeface="LM Roman 10" pitchFamily="2" charset="77"/>
+              <a:cs typeface="Didot" panose="02000503000000020003" pitchFamily="2" charset="-79"/>
+            </a:endParaRPr>
+          </a:p>
+          <a:p>
+            <a:pPr algn="ctr"/>
+            <a:r>
+              <a:rPr lang="de-DE" sz="1100" dirty="0">
+                <a:latin typeface="LM Roman 10" pitchFamily="2" charset="77"/>
+                <a:cs typeface="Didot" panose="02000503000000020003" pitchFamily="2" charset="-79"/>
+              </a:rPr>
+              <a:t>instrumentell/</a:t>
+            </a:r>
+          </a:p>
+          <a:p>
+            <a:pPr algn="ctr"/>
+            <a:r>
+              <a:rPr lang="de-DE" sz="1100" dirty="0">
+                <a:latin typeface="LM Roman 10" pitchFamily="2" charset="77"/>
+                <a:cs typeface="Didot" panose="02000503000000020003" pitchFamily="2" charset="-79"/>
+              </a:rPr>
+              <a:t>konzeptuell/</a:t>
+            </a:r>
+          </a:p>
+          <a:p>
+            <a:pPr algn="ctr"/>
+            <a:r>
+              <a:rPr lang="de-DE" sz="1100" dirty="0">
+                <a:latin typeface="LM Roman 10" pitchFamily="2" charset="77"/>
+                <a:cs typeface="Didot" panose="02000503000000020003" pitchFamily="2" charset="-79"/>
+              </a:rPr>
+              <a:t>symbolisch</a:t>
+            </a:r>
+            <a:endParaRPr lang="en-US" sz="1100" dirty="0">
+              <a:latin typeface="LM Roman 10" pitchFamily="2" charset="77"/>
+              <a:cs typeface="Didot" panose="02000503000000020003" pitchFamily="2" charset="-79"/>
+            </a:endParaRPr>
+          </a:p>
+        </p:txBody>
+      </p:sp>
+      <p:sp>
+        <p:nvSpPr>
+          <p:cNvPr id="53" name="TextBox 52">
+            <a:extLst>
+              <a:ext uri="{FF2B5EF4-FFF2-40B4-BE49-F238E27FC236}">
+                <a16:creationId xmlns:a16="http://schemas.microsoft.com/office/drawing/2014/main" id="{029917AF-EE12-5D28-5562-0A98D90EB631}"/>
+              </a:ext>
+            </a:extLst>
+          </p:cNvPr>
+          <p:cNvSpPr txBox="1"/>
+          <p:nvPr/>
+        </p:nvSpPr>
+        <p:spPr>
+          <a:xfrm>
+            <a:off x="1822033" y="3795544"/>
+            <a:ext cx="1667307" cy="307777"/>
+          </a:xfrm>
+          <a:prstGeom prst="rect">
+            <a:avLst/>
+          </a:prstGeom>
+          <a:solidFill>
+            <a:schemeClr val="bg1"/>
+          </a:solidFill>
+        </p:spPr>
+        <p:txBody>
+          <a:bodyPr wrap="square" rtlCol="0">
+            <a:spAutoFit/>
+          </a:bodyPr>
+          <a:lstStyle/>
+          <a:p>
+            <a:r>
+              <a:rPr lang="de-DE" sz="1400" dirty="0">
+                <a:latin typeface="LM Roman 10" pitchFamily="2" charset="77"/>
+                <a:cs typeface="Didot" panose="02000503000000020003" pitchFamily="2" charset="-79"/>
+              </a:rPr>
+              <a:t>2) Zugriffsphase</a:t>
+            </a:r>
+            <a:endParaRPr lang="en-US" sz="1400" dirty="0">
+              <a:latin typeface="LM Roman 10" pitchFamily="2" charset="77"/>
+              <a:cs typeface="Didot" panose="02000503000000020003" pitchFamily="2" charset="-79"/>
+            </a:endParaRPr>
+          </a:p>
+        </p:txBody>
+      </p:sp>
+      <p:sp>
+        <p:nvSpPr>
+          <p:cNvPr id="54" name="TextBox 53">
+            <a:extLst>
+              <a:ext uri="{FF2B5EF4-FFF2-40B4-BE49-F238E27FC236}">
+                <a16:creationId xmlns:a16="http://schemas.microsoft.com/office/drawing/2014/main" id="{F4BF1643-F037-D0A5-7CD6-FB9BDE02E33D}"/>
+              </a:ext>
+            </a:extLst>
+          </p:cNvPr>
+          <p:cNvSpPr txBox="1"/>
+          <p:nvPr/>
+        </p:nvSpPr>
+        <p:spPr>
+          <a:xfrm>
+            <a:off x="3060414" y="2353534"/>
+            <a:ext cx="2211702" cy="307777"/>
+          </a:xfrm>
+          <a:prstGeom prst="rect">
+            <a:avLst/>
+          </a:prstGeom>
+          <a:solidFill>
+            <a:schemeClr val="bg1"/>
+          </a:solidFill>
+        </p:spPr>
+        <p:txBody>
+          <a:bodyPr wrap="square" rtlCol="0">
+            <a:spAutoFit/>
+          </a:bodyPr>
+          <a:lstStyle/>
+          <a:p>
+            <a:r>
+              <a:rPr lang="de-DE" sz="1400" dirty="0">
+                <a:latin typeface="LM Roman 10" pitchFamily="2" charset="77"/>
+                <a:cs typeface="Didot" panose="02000503000000020003" pitchFamily="2" charset="-79"/>
+              </a:rPr>
+              <a:t>3) Schlussfolgerungsphase</a:t>
+            </a:r>
+            <a:endParaRPr lang="en-US" sz="1400" dirty="0">
+              <a:latin typeface="LM Roman 10" pitchFamily="2" charset="77"/>
+              <a:cs typeface="Didot" panose="02000503000000020003" pitchFamily="2" charset="-79"/>
+            </a:endParaRPr>
+          </a:p>
+        </p:txBody>
+      </p:sp>
+      <p:sp>
+        <p:nvSpPr>
+          <p:cNvPr id="55" name="TextBox 54">
+            <a:extLst>
+              <a:ext uri="{FF2B5EF4-FFF2-40B4-BE49-F238E27FC236}">
+                <a16:creationId xmlns:a16="http://schemas.microsoft.com/office/drawing/2014/main" id="{826285A5-86AB-FFF9-F41D-E2FDA68CD35F}"/>
+              </a:ext>
+            </a:extLst>
+          </p:cNvPr>
+          <p:cNvSpPr txBox="1"/>
+          <p:nvPr/>
+        </p:nvSpPr>
+        <p:spPr>
+          <a:xfrm>
+            <a:off x="9949110" y="3321393"/>
+            <a:ext cx="1761541" cy="307777"/>
+          </a:xfrm>
+          <a:prstGeom prst="rect">
+            <a:avLst/>
+          </a:prstGeom>
+          <a:solidFill>
+            <a:schemeClr val="bg1"/>
+          </a:solidFill>
+        </p:spPr>
+        <p:txBody>
+          <a:bodyPr wrap="square" rtlCol="0">
+            <a:spAutoFit/>
+          </a:bodyPr>
+          <a:lstStyle/>
+          <a:p>
+            <a:r>
+              <a:rPr lang="de-DE" sz="1400" dirty="0">
+                <a:latin typeface="LM Roman 10" pitchFamily="2" charset="77"/>
+                <a:cs typeface="Didot" panose="02000503000000020003" pitchFamily="2" charset="-79"/>
+              </a:rPr>
+              <a:t>5) Evaluationsphase</a:t>
+            </a:r>
+            <a:endParaRPr lang="en-US" sz="1400" dirty="0">
+              <a:latin typeface="LM Roman 10" pitchFamily="2" charset="77"/>
+              <a:cs typeface="Didot" panose="02000503000000020003" pitchFamily="2" charset="-79"/>
+            </a:endParaRPr>
+          </a:p>
+        </p:txBody>
+      </p:sp>
+      <p:sp>
+        <p:nvSpPr>
+          <p:cNvPr id="56" name="TextBox 55">
+            <a:extLst>
+              <a:ext uri="{FF2B5EF4-FFF2-40B4-BE49-F238E27FC236}">
+                <a16:creationId xmlns:a16="http://schemas.microsoft.com/office/drawing/2014/main" id="{E1454FA1-25A8-7B63-A728-B46473330DD8}"/>
+              </a:ext>
+            </a:extLst>
+          </p:cNvPr>
+          <p:cNvSpPr txBox="1"/>
+          <p:nvPr/>
+        </p:nvSpPr>
+        <p:spPr>
+          <a:xfrm>
+            <a:off x="8092593" y="848873"/>
+            <a:ext cx="615553" cy="1376839"/>
+          </a:xfrm>
+          <a:prstGeom prst="rect">
+            <a:avLst/>
+          </a:prstGeom>
+          <a:solidFill>
+            <a:schemeClr val="bg1"/>
+          </a:solidFill>
+        </p:spPr>
+        <p:txBody>
+          <a:bodyPr vert="vert270" wrap="square" rtlCol="0">
+            <a:spAutoFit/>
+          </a:bodyPr>
+          <a:lstStyle/>
+          <a:p>
+            <a:r>
+              <a:rPr lang="de-DE" sz="1400" dirty="0">
+                <a:latin typeface="LM Roman 10" pitchFamily="2" charset="77"/>
+                <a:cs typeface="Didot" panose="02000503000000020003" pitchFamily="2" charset="-79"/>
+              </a:rPr>
+              <a:t>4) Anwendungs-</a:t>
+            </a:r>
+          </a:p>
+          <a:p>
+            <a:r>
+              <a:rPr lang="de-DE" sz="1400" dirty="0" err="1">
+                <a:latin typeface="LM Roman 10" pitchFamily="2" charset="77"/>
+                <a:cs typeface="Didot" panose="02000503000000020003" pitchFamily="2" charset="-79"/>
+              </a:rPr>
+              <a:t>phase</a:t>
+            </a:r>
+            <a:endParaRPr lang="en-US" sz="1400" dirty="0">
+              <a:latin typeface="LM Roman 10" pitchFamily="2" charset="77"/>
+              <a:cs typeface="Didot" panose="02000503000000020003" pitchFamily="2" charset="-79"/>
+            </a:endParaRPr>
+          </a:p>
+        </p:txBody>
+      </p:sp>
+      <p:cxnSp>
+        <p:nvCxnSpPr>
+          <p:cNvPr id="2" name="Connector: Curved 19">
+            <a:extLst>
+              <a:ext uri="{FF2B5EF4-FFF2-40B4-BE49-F238E27FC236}">
+                <a16:creationId xmlns:a16="http://schemas.microsoft.com/office/drawing/2014/main" id="{79AD504F-1947-BB8D-D92A-C6FFAA276207}"/>
+              </a:ext>
+            </a:extLst>
+          </p:cNvPr>
+          <p:cNvCxnSpPr>
+            <a:cxnSpLocks/>
+          </p:cNvCxnSpPr>
+          <p:nvPr/>
+        </p:nvCxnSpPr>
+        <p:spPr>
+          <a:xfrm rot="5400000" flipH="1" flipV="1">
+            <a:off x="1963885" y="4555090"/>
+            <a:ext cx="746522" cy="815340"/>
+          </a:xfrm>
+          <a:prstGeom prst="curvedConnector2">
+            <a:avLst/>
+          </a:prstGeom>
+          <a:ln w="34925">
+            <a:solidFill>
+              <a:schemeClr val="tx1"/>
+            </a:solidFill>
+            <a:tailEnd type="triangle"/>
+          </a:ln>
+        </p:spPr>
+        <p:style>
+          <a:lnRef idx="1">
+            <a:schemeClr val="accent1"/>
+          </a:lnRef>
+          <a:fillRef idx="0">
+            <a:schemeClr val="accent1"/>
+          </a:fillRef>
+          <a:effectRef idx="0">
+            <a:schemeClr val="accent1"/>
+          </a:effectRef>
+          <a:fontRef idx="minor">
+            <a:schemeClr val="tx1"/>
+          </a:fontRef>
+        </p:style>
+      </p:cxnSp>
+      <p:sp>
+        <p:nvSpPr>
+          <p:cNvPr id="3" name="TextBox 52">
+            <a:extLst>
+              <a:ext uri="{FF2B5EF4-FFF2-40B4-BE49-F238E27FC236}">
+                <a16:creationId xmlns:a16="http://schemas.microsoft.com/office/drawing/2014/main" id="{D5A8C5B0-BC37-0A64-9412-8C506A465311}"/>
+              </a:ext>
+            </a:extLst>
+          </p:cNvPr>
+          <p:cNvSpPr txBox="1"/>
+          <p:nvPr/>
+        </p:nvSpPr>
+        <p:spPr>
+          <a:xfrm>
+            <a:off x="1072542" y="5326803"/>
+            <a:ext cx="2110495" cy="307777"/>
+          </a:xfrm>
+          <a:prstGeom prst="rect">
+            <a:avLst/>
+          </a:prstGeom>
+          <a:solidFill>
+            <a:schemeClr val="bg1"/>
+          </a:solidFill>
+        </p:spPr>
+        <p:txBody>
+          <a:bodyPr wrap="square" rtlCol="0">
+            <a:spAutoFit/>
+          </a:bodyPr>
+          <a:lstStyle/>
+          <a:p>
+            <a:r>
+              <a:rPr lang="de-DE" sz="1400" dirty="0">
+                <a:latin typeface="LM Roman 10" pitchFamily="2" charset="77"/>
+                <a:cs typeface="Didot" panose="02000503000000020003" pitchFamily="2" charset="-79"/>
+              </a:rPr>
+              <a:t>1) Konzeptuelle Phase</a:t>
+            </a:r>
+            <a:endParaRPr lang="en-US" sz="1400" dirty="0">
+              <a:latin typeface="LM Roman 10" pitchFamily="2" charset="77"/>
+              <a:cs typeface="Didot" panose="02000503000000020003" pitchFamily="2" charset="-79"/>
+            </a:endParaRPr>
+          </a:p>
+        </p:txBody>
+      </p:sp>
+      <p:sp>
+        <p:nvSpPr>
+          <p:cNvPr id="16" name="Textfeld 15">
+            <a:extLst>
+              <a:ext uri="{FF2B5EF4-FFF2-40B4-BE49-F238E27FC236}">
+                <a16:creationId xmlns:a16="http://schemas.microsoft.com/office/drawing/2014/main" id="{F0D1B2F8-9C8B-292F-AA60-FD23A1D1C222}"/>
+              </a:ext>
+            </a:extLst>
+          </p:cNvPr>
+          <p:cNvSpPr txBox="1"/>
+          <p:nvPr/>
+        </p:nvSpPr>
+        <p:spPr>
+          <a:xfrm>
+            <a:off x="6397152" y="2168869"/>
+            <a:ext cx="815340" cy="338554"/>
+          </a:xfrm>
+          <a:prstGeom prst="rect">
+            <a:avLst/>
+          </a:prstGeom>
+          <a:noFill/>
+        </p:spPr>
+        <p:txBody>
+          <a:bodyPr wrap="square" rtlCol="0">
+            <a:spAutoFit/>
+          </a:bodyPr>
+          <a:lstStyle/>
+          <a:p>
+            <a:r>
+              <a:rPr lang="de-DE" sz="1600" dirty="0">
+                <a:solidFill>
+                  <a:schemeClr val="tx1"/>
+                </a:solidFill>
+                <a:latin typeface="LM Roman 10" pitchFamily="2" charset="77"/>
+                <a:cs typeface="Didot" panose="02000503000000020003" pitchFamily="2" charset="-79"/>
+              </a:rPr>
+              <a:t>Wissen</a:t>
+            </a:r>
+            <a:endParaRPr lang="de-DE" dirty="0"/>
+          </a:p>
+        </p:txBody>
+      </p:sp>
+      <p:sp>
+        <p:nvSpPr>
+          <p:cNvPr id="5" name="Textfeld 4">
+            <a:extLst>
+              <a:ext uri="{FF2B5EF4-FFF2-40B4-BE49-F238E27FC236}">
+                <a16:creationId xmlns:a16="http://schemas.microsoft.com/office/drawing/2014/main" id="{D7D3A086-8B9A-E129-C00F-FF907175FB9E}"/>
+              </a:ext>
+            </a:extLst>
+          </p:cNvPr>
+          <p:cNvSpPr txBox="1"/>
+          <p:nvPr/>
+        </p:nvSpPr>
+        <p:spPr>
+          <a:xfrm>
+            <a:off x="2916004" y="4372098"/>
+            <a:ext cx="1317397" cy="369332"/>
+          </a:xfrm>
+          <a:prstGeom prst="rect">
+            <a:avLst/>
+          </a:prstGeom>
+          <a:noFill/>
+        </p:spPr>
+        <p:txBody>
+          <a:bodyPr wrap="square" rtlCol="0">
+            <a:spAutoFit/>
+          </a:bodyPr>
+          <a:lstStyle/>
+          <a:p>
+            <a:r>
+              <a:rPr lang="de-DE" sz="1800" dirty="0">
+                <a:solidFill>
+                  <a:schemeClr val="tx1"/>
+                </a:solidFill>
+                <a:latin typeface="LM Roman 10" pitchFamily="2" charset="77"/>
+                <a:cs typeface="Didot" panose="02000503000000020003" pitchFamily="2" charset="-79"/>
+              </a:rPr>
+              <a:t>Zielsetzung</a:t>
+            </a:r>
+            <a:endParaRPr lang="de-DE" dirty="0"/>
+          </a:p>
+        </p:txBody>
+      </p:sp>
+      <p:cxnSp>
+        <p:nvCxnSpPr>
+          <p:cNvPr id="22" name="Gerade Verbindung 21">
+            <a:extLst>
+              <a:ext uri="{FF2B5EF4-FFF2-40B4-BE49-F238E27FC236}">
+                <a16:creationId xmlns:a16="http://schemas.microsoft.com/office/drawing/2014/main" id="{AD32BFE3-B483-ED55-D7BC-516CD1BA28E4}"/>
+              </a:ext>
+            </a:extLst>
+          </p:cNvPr>
+          <p:cNvCxnSpPr>
+            <a:cxnSpLocks/>
+          </p:cNvCxnSpPr>
+          <p:nvPr/>
+        </p:nvCxnSpPr>
+        <p:spPr>
+          <a:xfrm>
+            <a:off x="5383449" y="2386360"/>
+            <a:ext cx="132901" cy="367283"/>
+          </a:xfrm>
+          <a:prstGeom prst="line">
+            <a:avLst/>
+          </a:prstGeom>
+          <a:ln>
+            <a:solidFill>
+              <a:schemeClr val="dk1"/>
+            </a:solidFill>
+          </a:ln>
+        </p:spPr>
+        <p:style>
+          <a:lnRef idx="2">
+            <a:schemeClr val="dk1"/>
+          </a:lnRef>
+          <a:fillRef idx="0">
+            <a:schemeClr val="dk1"/>
+          </a:fillRef>
+          <a:effectRef idx="1">
+            <a:schemeClr val="dk1"/>
+          </a:effectRef>
+          <a:fontRef idx="minor">
+            <a:schemeClr val="tx1"/>
+          </a:fontRef>
+        </p:style>
+      </p:cxnSp>
+      <p:cxnSp>
+        <p:nvCxnSpPr>
+          <p:cNvPr id="31" name="Gerade Verbindung 30">
+            <a:extLst>
+              <a:ext uri="{FF2B5EF4-FFF2-40B4-BE49-F238E27FC236}">
+                <a16:creationId xmlns:a16="http://schemas.microsoft.com/office/drawing/2014/main" id="{A41BFBB7-84B9-ECB5-59AC-62C39ADFD6D1}"/>
+              </a:ext>
+            </a:extLst>
+          </p:cNvPr>
+          <p:cNvCxnSpPr>
+            <a:cxnSpLocks/>
+          </p:cNvCxnSpPr>
+          <p:nvPr/>
+        </p:nvCxnSpPr>
+        <p:spPr>
+          <a:xfrm>
+            <a:off x="5472032" y="2318038"/>
+            <a:ext cx="132901" cy="367283"/>
+          </a:xfrm>
+          <a:prstGeom prst="line">
+            <a:avLst/>
+          </a:prstGeom>
+        </p:spPr>
+        <p:style>
+          <a:lnRef idx="2">
+            <a:schemeClr val="dk1"/>
+          </a:lnRef>
+          <a:fillRef idx="0">
+            <a:schemeClr val="dk1"/>
+          </a:fillRef>
+          <a:effectRef idx="1">
+            <a:schemeClr val="dk1"/>
+          </a:effectRef>
+          <a:fontRef idx="minor">
+            <a:schemeClr val="tx1"/>
+          </a:fontRef>
+        </p:style>
+      </p:cxnSp>
+    </p:spTree>
+    <p:extLst>
+      <p:ext uri="{BB962C8B-B14F-4D97-AF65-F5344CB8AC3E}">
+        <p14:creationId xmlns:p14="http://schemas.microsoft.com/office/powerpoint/2010/main" val="2301626778"/>
+      </p:ext>
+    </p:extLst>
+  </p:cSld>
+  <p:clrMapOvr>
+    <a:masterClrMapping/>
+  </p:clrMapOvr>
+</p:sld>
+</file>
+
+<file path=ppt/slides/slide4.xml><?xml version="1.0" encoding="utf-8"?>
+<p:sld xmlns:a="http://schemas.openxmlformats.org/drawingml/2006/main" xmlns:r="http://schemas.openxmlformats.org/officeDocument/2006/relationships" xmlns:p="http://schemas.openxmlformats.org/presentationml/2006/main">
+  <p:cSld>
+    <p:bg>
+      <p:bgPr>
+        <a:solidFill>
+          <a:schemeClr val="bg1"/>
+        </a:solidFill>
+        <a:effectLst/>
+      </p:bgPr>
+    </p:bg>
+    <p:spTree>
+      <p:nvGrpSpPr>
+        <p:cNvPr id="1" name=""/>
+        <p:cNvGrpSpPr/>
+        <p:nvPr/>
+      </p:nvGrpSpPr>
+      <p:grpSpPr>
+        <a:xfrm>
+          <a:off x="0" y="0"/>
+          <a:ext cx="0" cy="0"/>
+          <a:chOff x="0" y="0"/>
+          <a:chExt cx="0" cy="0"/>
+        </a:xfrm>
+      </p:grpSpPr>
+      <p:sp>
+        <p:nvSpPr>
+          <p:cNvPr id="4" name="Rectangle: Rounded Corners 3">
+            <a:extLst>
+              <a:ext uri="{FF2B5EF4-FFF2-40B4-BE49-F238E27FC236}">
+                <a16:creationId xmlns:a16="http://schemas.microsoft.com/office/drawing/2014/main" id="{2D443806-1B78-F60A-17BD-3154C6BDE4EA}"/>
+              </a:ext>
+            </a:extLst>
+          </p:cNvPr>
+          <p:cNvSpPr/>
+          <p:nvPr/>
+        </p:nvSpPr>
+        <p:spPr>
+          <a:xfrm>
+            <a:off x="90197" y="149290"/>
+            <a:ext cx="12011608" cy="6559420"/>
+          </a:xfrm>
+          <a:prstGeom prst="roundRect">
+            <a:avLst>
+              <a:gd name="adj" fmla="val 2087"/>
+            </a:avLst>
+          </a:prstGeom>
+          <a:noFill/>
+          <a:ln>
+            <a:solidFill>
+              <a:schemeClr val="tx1"/>
+            </a:solidFill>
+            <a:prstDash val="dash"/>
+            <a:extLst>
+              <a:ext uri="{C807C97D-BFC1-408E-A445-0C87EB9F89A2}">
+                <ask:lineSketchStyleProps xmlns:ask="http://schemas.microsoft.com/office/drawing/2018/sketchyshapes" sd="1219033472">
+                  <a:custGeom>
+                    <a:avLst/>
+                    <a:gdLst>
+                      <a:gd name="connsiteX0" fmla="*/ 0 w 12011608"/>
+                      <a:gd name="connsiteY0" fmla="*/ 1093259 h 6559420"/>
+                      <a:gd name="connsiteX1" fmla="*/ 1093259 w 12011608"/>
+                      <a:gd name="connsiteY1" fmla="*/ 0 h 6559420"/>
+                      <a:gd name="connsiteX2" fmla="*/ 10918349 w 12011608"/>
+                      <a:gd name="connsiteY2" fmla="*/ 0 h 6559420"/>
+                      <a:gd name="connsiteX3" fmla="*/ 12011608 w 12011608"/>
+                      <a:gd name="connsiteY3" fmla="*/ 1093259 h 6559420"/>
+                      <a:gd name="connsiteX4" fmla="*/ 12011608 w 12011608"/>
+                      <a:gd name="connsiteY4" fmla="*/ 5466161 h 6559420"/>
+                      <a:gd name="connsiteX5" fmla="*/ 10918349 w 12011608"/>
+                      <a:gd name="connsiteY5" fmla="*/ 6559420 h 6559420"/>
+                      <a:gd name="connsiteX6" fmla="*/ 1093259 w 12011608"/>
+                      <a:gd name="connsiteY6" fmla="*/ 6559420 h 6559420"/>
+                      <a:gd name="connsiteX7" fmla="*/ 0 w 12011608"/>
+                      <a:gd name="connsiteY7" fmla="*/ 5466161 h 6559420"/>
+                      <a:gd name="connsiteX8" fmla="*/ 0 w 12011608"/>
+                      <a:gd name="connsiteY8" fmla="*/ 1093259 h 6559420"/>
+                    </a:gdLst>
+                    <a:ahLst/>
+                    <a:cxnLst>
+                      <a:cxn ang="0">
+                        <a:pos x="connsiteX0" y="connsiteY0"/>
+                      </a:cxn>
+                      <a:cxn ang="0">
+                        <a:pos x="connsiteX1" y="connsiteY1"/>
+                      </a:cxn>
+                      <a:cxn ang="0">
+                        <a:pos x="connsiteX2" y="connsiteY2"/>
+                      </a:cxn>
+                      <a:cxn ang="0">
+                        <a:pos x="connsiteX3" y="connsiteY3"/>
+                      </a:cxn>
+                      <a:cxn ang="0">
+                        <a:pos x="connsiteX4" y="connsiteY4"/>
+                      </a:cxn>
+                      <a:cxn ang="0">
+                        <a:pos x="connsiteX5" y="connsiteY5"/>
+                      </a:cxn>
+                      <a:cxn ang="0">
+                        <a:pos x="connsiteX6" y="connsiteY6"/>
+                      </a:cxn>
+                      <a:cxn ang="0">
+                        <a:pos x="connsiteX7" y="connsiteY7"/>
+                      </a:cxn>
+                      <a:cxn ang="0">
+                        <a:pos x="connsiteX8" y="connsiteY8"/>
+                      </a:cxn>
+                    </a:cxnLst>
+                    <a:rect l="l" t="t" r="r" b="b"/>
+                    <a:pathLst>
+                      <a:path w="12011608" h="6559420" extrusionOk="0">
+                        <a:moveTo>
+                          <a:pt x="0" y="1093259"/>
+                        </a:moveTo>
+                        <a:cubicBezTo>
+                          <a:pt x="-7845" y="484630"/>
+                          <a:pt x="467865" y="8108"/>
+                          <a:pt x="1093259" y="0"/>
+                        </a:cubicBezTo>
+                        <a:cubicBezTo>
+                          <a:pt x="4384189" y="132882"/>
+                          <a:pt x="7819229" y="-84951"/>
+                          <a:pt x="10918349" y="0"/>
+                        </a:cubicBezTo>
+                        <a:cubicBezTo>
+                          <a:pt x="11473475" y="47523"/>
+                          <a:pt x="11990134" y="608160"/>
+                          <a:pt x="12011608" y="1093259"/>
+                        </a:cubicBezTo>
+                        <a:cubicBezTo>
+                          <a:pt x="12031795" y="2900874"/>
+                          <a:pt x="12164088" y="4134857"/>
+                          <a:pt x="12011608" y="5466161"/>
+                        </a:cubicBezTo>
+                        <a:cubicBezTo>
+                          <a:pt x="12036918" y="6072954"/>
+                          <a:pt x="11571857" y="6457101"/>
+                          <a:pt x="10918349" y="6559420"/>
+                        </a:cubicBezTo>
+                        <a:cubicBezTo>
+                          <a:pt x="9602557" y="6647059"/>
+                          <a:pt x="3354151" y="6486741"/>
+                          <a:pt x="1093259" y="6559420"/>
+                        </a:cubicBezTo>
+                        <a:cubicBezTo>
+                          <a:pt x="482666" y="6494544"/>
+                          <a:pt x="-19749" y="6097396"/>
+                          <a:pt x="0" y="5466161"/>
+                        </a:cubicBezTo>
+                        <a:cubicBezTo>
+                          <a:pt x="-38581" y="3816704"/>
+                          <a:pt x="63341" y="3160269"/>
+                          <a:pt x="0" y="1093259"/>
+                        </a:cubicBezTo>
+                        <a:close/>
+                      </a:path>
+                    </a:pathLst>
+                  </a:custGeom>
+                  <ask:type>
+                    <ask:lineSketchNone/>
+                  </ask:type>
+                </ask:lineSketchStyleProps>
+              </a:ext>
+            </a:extLst>
+          </a:ln>
+        </p:spPr>
+        <p:style>
+          <a:lnRef idx="2">
+            <a:schemeClr val="accent1">
+              <a:shade val="50000"/>
+            </a:schemeClr>
+          </a:lnRef>
+          <a:fillRef idx="1">
+            <a:schemeClr val="accent1"/>
+          </a:fillRef>
+          <a:effectRef idx="0">
+            <a:schemeClr val="accent1"/>
+          </a:effectRef>
+          <a:fontRef idx="minor">
+            <a:schemeClr val="lt1"/>
+          </a:fontRef>
+        </p:style>
+        <p:txBody>
+          <a:bodyPr rtlCol="0" anchor="ctr"/>
+          <a:lstStyle/>
+          <a:p>
+            <a:pPr algn="ctr"/>
+            <a:endParaRPr lang="en-US" dirty="0">
+              <a:latin typeface="LM Roman 10" pitchFamily="2" charset="77"/>
+              <a:cs typeface="Didot" panose="02000503000000020003" pitchFamily="2" charset="-79"/>
+            </a:endParaRPr>
+          </a:p>
+        </p:txBody>
+      </p:sp>
+      <p:sp>
+        <p:nvSpPr>
+          <p:cNvPr id="7" name="Rectangle: Rounded Corners 6">
+            <a:extLst>
+              <a:ext uri="{FF2B5EF4-FFF2-40B4-BE49-F238E27FC236}">
+                <a16:creationId xmlns:a16="http://schemas.microsoft.com/office/drawing/2014/main" id="{7E31F85C-7964-9E7D-59BD-F1D7029E5CEF}"/>
+              </a:ext>
+            </a:extLst>
+          </p:cNvPr>
+          <p:cNvSpPr/>
+          <p:nvPr/>
+        </p:nvSpPr>
+        <p:spPr>
+          <a:xfrm>
+            <a:off x="400881" y="522757"/>
+            <a:ext cx="11390238" cy="5812486"/>
+          </a:xfrm>
+          <a:prstGeom prst="roundRect">
+            <a:avLst>
+              <a:gd name="adj" fmla="val 2087"/>
+            </a:avLst>
+          </a:prstGeom>
+          <a:noFill/>
+          <a:ln>
+            <a:solidFill>
+              <a:schemeClr val="tx1"/>
+            </a:solidFill>
+            <a:prstDash val="dash"/>
+            <a:extLst>
+              <a:ext uri="{C807C97D-BFC1-408E-A445-0C87EB9F89A2}">
+                <ask:lineSketchStyleProps xmlns:ask="http://schemas.microsoft.com/office/drawing/2018/sketchyshapes" sd="1219033472">
+                  <a:custGeom>
+                    <a:avLst/>
+                    <a:gdLst>
+                      <a:gd name="connsiteX0" fmla="*/ 0 w 12011608"/>
+                      <a:gd name="connsiteY0" fmla="*/ 1093259 h 6559420"/>
+                      <a:gd name="connsiteX1" fmla="*/ 1093259 w 12011608"/>
+                      <a:gd name="connsiteY1" fmla="*/ 0 h 6559420"/>
+                      <a:gd name="connsiteX2" fmla="*/ 10918349 w 12011608"/>
+                      <a:gd name="connsiteY2" fmla="*/ 0 h 6559420"/>
+                      <a:gd name="connsiteX3" fmla="*/ 12011608 w 12011608"/>
+                      <a:gd name="connsiteY3" fmla="*/ 1093259 h 6559420"/>
+                      <a:gd name="connsiteX4" fmla="*/ 12011608 w 12011608"/>
+                      <a:gd name="connsiteY4" fmla="*/ 5466161 h 6559420"/>
+                      <a:gd name="connsiteX5" fmla="*/ 10918349 w 12011608"/>
+                      <a:gd name="connsiteY5" fmla="*/ 6559420 h 6559420"/>
+                      <a:gd name="connsiteX6" fmla="*/ 1093259 w 12011608"/>
+                      <a:gd name="connsiteY6" fmla="*/ 6559420 h 6559420"/>
+                      <a:gd name="connsiteX7" fmla="*/ 0 w 12011608"/>
+                      <a:gd name="connsiteY7" fmla="*/ 5466161 h 6559420"/>
+                      <a:gd name="connsiteX8" fmla="*/ 0 w 12011608"/>
+                      <a:gd name="connsiteY8" fmla="*/ 1093259 h 6559420"/>
+                    </a:gdLst>
+                    <a:ahLst/>
+                    <a:cxnLst>
+                      <a:cxn ang="0">
+                        <a:pos x="connsiteX0" y="connsiteY0"/>
+                      </a:cxn>
+                      <a:cxn ang="0">
+                        <a:pos x="connsiteX1" y="connsiteY1"/>
+                      </a:cxn>
+                      <a:cxn ang="0">
+                        <a:pos x="connsiteX2" y="connsiteY2"/>
+                      </a:cxn>
+                      <a:cxn ang="0">
+                        <a:pos x="connsiteX3" y="connsiteY3"/>
+                      </a:cxn>
+                      <a:cxn ang="0">
+                        <a:pos x="connsiteX4" y="connsiteY4"/>
+                      </a:cxn>
+                      <a:cxn ang="0">
+                        <a:pos x="connsiteX5" y="connsiteY5"/>
+                      </a:cxn>
+                      <a:cxn ang="0">
+                        <a:pos x="connsiteX6" y="connsiteY6"/>
+                      </a:cxn>
+                      <a:cxn ang="0">
+                        <a:pos x="connsiteX7" y="connsiteY7"/>
+                      </a:cxn>
+                      <a:cxn ang="0">
+                        <a:pos x="connsiteX8" y="connsiteY8"/>
+                      </a:cxn>
+                    </a:cxnLst>
+                    <a:rect l="l" t="t" r="r" b="b"/>
+                    <a:pathLst>
+                      <a:path w="12011608" h="6559420" extrusionOk="0">
+                        <a:moveTo>
+                          <a:pt x="0" y="1093259"/>
+                        </a:moveTo>
+                        <a:cubicBezTo>
+                          <a:pt x="-7845" y="484630"/>
+                          <a:pt x="467865" y="8108"/>
+                          <a:pt x="1093259" y="0"/>
+                        </a:cubicBezTo>
+                        <a:cubicBezTo>
+                          <a:pt x="4384189" y="132882"/>
+                          <a:pt x="7819229" y="-84951"/>
+                          <a:pt x="10918349" y="0"/>
+                        </a:cubicBezTo>
+                        <a:cubicBezTo>
+                          <a:pt x="11473475" y="47523"/>
+                          <a:pt x="11990134" y="608160"/>
+                          <a:pt x="12011608" y="1093259"/>
+                        </a:cubicBezTo>
+                        <a:cubicBezTo>
+                          <a:pt x="12031795" y="2900874"/>
+                          <a:pt x="12164088" y="4134857"/>
+                          <a:pt x="12011608" y="5466161"/>
+                        </a:cubicBezTo>
+                        <a:cubicBezTo>
+                          <a:pt x="12036918" y="6072954"/>
+                          <a:pt x="11571857" y="6457101"/>
+                          <a:pt x="10918349" y="6559420"/>
+                        </a:cubicBezTo>
+                        <a:cubicBezTo>
+                          <a:pt x="9602557" y="6647059"/>
+                          <a:pt x="3354151" y="6486741"/>
+                          <a:pt x="1093259" y="6559420"/>
+                        </a:cubicBezTo>
+                        <a:cubicBezTo>
+                          <a:pt x="482666" y="6494544"/>
+                          <a:pt x="-19749" y="6097396"/>
+                          <a:pt x="0" y="5466161"/>
+                        </a:cubicBezTo>
+                        <a:cubicBezTo>
+                          <a:pt x="-38581" y="3816704"/>
+                          <a:pt x="63341" y="3160269"/>
+                          <a:pt x="0" y="1093259"/>
+                        </a:cubicBezTo>
+                        <a:close/>
+                      </a:path>
+                    </a:pathLst>
+                  </a:custGeom>
+                  <ask:type>
+                    <ask:lineSketchNone/>
+                  </ask:type>
+                </ask:lineSketchStyleProps>
+              </a:ext>
+            </a:extLst>
+          </a:ln>
+        </p:spPr>
+        <p:style>
+          <a:lnRef idx="2">
+            <a:schemeClr val="accent1">
+              <a:shade val="50000"/>
+            </a:schemeClr>
+          </a:lnRef>
+          <a:fillRef idx="1">
+            <a:schemeClr val="accent1"/>
+          </a:fillRef>
+          <a:effectRef idx="0">
+            <a:schemeClr val="accent1"/>
+          </a:effectRef>
+          <a:fontRef idx="minor">
+            <a:schemeClr val="lt1"/>
+          </a:fontRef>
+        </p:style>
+        <p:txBody>
+          <a:bodyPr rtlCol="0" anchor="ctr"/>
+          <a:lstStyle/>
+          <a:p>
+            <a:pPr algn="ctr"/>
+            <a:endParaRPr lang="en-US" dirty="0">
+              <a:latin typeface="LM Roman 10" pitchFamily="2" charset="77"/>
+              <a:cs typeface="Didot" panose="02000503000000020003" pitchFamily="2" charset="-79"/>
+            </a:endParaRPr>
+          </a:p>
+        </p:txBody>
+      </p:sp>
+      <p:sp>
+        <p:nvSpPr>
+          <p:cNvPr id="8" name="Rectangle: Rounded Corners 7">
+            <a:extLst>
+              <a:ext uri="{FF2B5EF4-FFF2-40B4-BE49-F238E27FC236}">
+                <a16:creationId xmlns:a16="http://schemas.microsoft.com/office/drawing/2014/main" id="{7751CDBA-94D4-E5A6-7DF9-44DFA078906F}"/>
+              </a:ext>
+            </a:extLst>
+          </p:cNvPr>
+          <p:cNvSpPr/>
+          <p:nvPr/>
+        </p:nvSpPr>
+        <p:spPr>
+          <a:xfrm>
+            <a:off x="820633" y="867212"/>
+            <a:ext cx="7585136" cy="5123576"/>
+          </a:xfrm>
+          <a:prstGeom prst="roundRect">
+            <a:avLst>
+              <a:gd name="adj" fmla="val 2087"/>
+            </a:avLst>
+          </a:prstGeom>
+          <a:noFill/>
+          <a:ln>
+            <a:solidFill>
+              <a:schemeClr val="tx1"/>
+            </a:solidFill>
+            <a:prstDash val="dash"/>
+            <a:extLst>
+              <a:ext uri="{C807C97D-BFC1-408E-A445-0C87EB9F89A2}">
+                <ask:lineSketchStyleProps xmlns:ask="http://schemas.microsoft.com/office/drawing/2018/sketchyshapes" sd="1219033472">
+                  <a:custGeom>
+                    <a:avLst/>
+                    <a:gdLst>
+                      <a:gd name="connsiteX0" fmla="*/ 0 w 12011608"/>
+                      <a:gd name="connsiteY0" fmla="*/ 1093259 h 6559420"/>
+                      <a:gd name="connsiteX1" fmla="*/ 1093259 w 12011608"/>
+                      <a:gd name="connsiteY1" fmla="*/ 0 h 6559420"/>
+                      <a:gd name="connsiteX2" fmla="*/ 10918349 w 12011608"/>
+                      <a:gd name="connsiteY2" fmla="*/ 0 h 6559420"/>
+                      <a:gd name="connsiteX3" fmla="*/ 12011608 w 12011608"/>
+                      <a:gd name="connsiteY3" fmla="*/ 1093259 h 6559420"/>
+                      <a:gd name="connsiteX4" fmla="*/ 12011608 w 12011608"/>
+                      <a:gd name="connsiteY4" fmla="*/ 5466161 h 6559420"/>
+                      <a:gd name="connsiteX5" fmla="*/ 10918349 w 12011608"/>
+                      <a:gd name="connsiteY5" fmla="*/ 6559420 h 6559420"/>
+                      <a:gd name="connsiteX6" fmla="*/ 1093259 w 12011608"/>
+                      <a:gd name="connsiteY6" fmla="*/ 6559420 h 6559420"/>
+                      <a:gd name="connsiteX7" fmla="*/ 0 w 12011608"/>
+                      <a:gd name="connsiteY7" fmla="*/ 5466161 h 6559420"/>
+                      <a:gd name="connsiteX8" fmla="*/ 0 w 12011608"/>
+                      <a:gd name="connsiteY8" fmla="*/ 1093259 h 6559420"/>
+                    </a:gdLst>
+                    <a:ahLst/>
+                    <a:cxnLst>
+                      <a:cxn ang="0">
+                        <a:pos x="connsiteX0" y="connsiteY0"/>
+                      </a:cxn>
+                      <a:cxn ang="0">
+                        <a:pos x="connsiteX1" y="connsiteY1"/>
+                      </a:cxn>
+                      <a:cxn ang="0">
+                        <a:pos x="connsiteX2" y="connsiteY2"/>
+                      </a:cxn>
+                      <a:cxn ang="0">
+                        <a:pos x="connsiteX3" y="connsiteY3"/>
+                      </a:cxn>
+                      <a:cxn ang="0">
+                        <a:pos x="connsiteX4" y="connsiteY4"/>
+                      </a:cxn>
+                      <a:cxn ang="0">
+                        <a:pos x="connsiteX5" y="connsiteY5"/>
+                      </a:cxn>
+                      <a:cxn ang="0">
+                        <a:pos x="connsiteX6" y="connsiteY6"/>
+                      </a:cxn>
+                      <a:cxn ang="0">
+                        <a:pos x="connsiteX7" y="connsiteY7"/>
+                      </a:cxn>
+                      <a:cxn ang="0">
+                        <a:pos x="connsiteX8" y="connsiteY8"/>
+                      </a:cxn>
+                    </a:cxnLst>
+                    <a:rect l="l" t="t" r="r" b="b"/>
+                    <a:pathLst>
+                      <a:path w="12011608" h="6559420" extrusionOk="0">
+                        <a:moveTo>
+                          <a:pt x="0" y="1093259"/>
+                        </a:moveTo>
+                        <a:cubicBezTo>
+                          <a:pt x="-7845" y="484630"/>
+                          <a:pt x="467865" y="8108"/>
+                          <a:pt x="1093259" y="0"/>
+                        </a:cubicBezTo>
+                        <a:cubicBezTo>
+                          <a:pt x="4384189" y="132882"/>
+                          <a:pt x="7819229" y="-84951"/>
+                          <a:pt x="10918349" y="0"/>
+                        </a:cubicBezTo>
+                        <a:cubicBezTo>
+                          <a:pt x="11473475" y="47523"/>
+                          <a:pt x="11990134" y="608160"/>
+                          <a:pt x="12011608" y="1093259"/>
+                        </a:cubicBezTo>
+                        <a:cubicBezTo>
+                          <a:pt x="12031795" y="2900874"/>
+                          <a:pt x="12164088" y="4134857"/>
+                          <a:pt x="12011608" y="5466161"/>
+                        </a:cubicBezTo>
+                        <a:cubicBezTo>
+                          <a:pt x="12036918" y="6072954"/>
+                          <a:pt x="11571857" y="6457101"/>
+                          <a:pt x="10918349" y="6559420"/>
+                        </a:cubicBezTo>
+                        <a:cubicBezTo>
+                          <a:pt x="9602557" y="6647059"/>
+                          <a:pt x="3354151" y="6486741"/>
+                          <a:pt x="1093259" y="6559420"/>
+                        </a:cubicBezTo>
+                        <a:cubicBezTo>
+                          <a:pt x="482666" y="6494544"/>
+                          <a:pt x="-19749" y="6097396"/>
+                          <a:pt x="0" y="5466161"/>
+                        </a:cubicBezTo>
+                        <a:cubicBezTo>
+                          <a:pt x="-38581" y="3816704"/>
+                          <a:pt x="63341" y="3160269"/>
+                          <a:pt x="0" y="1093259"/>
+                        </a:cubicBezTo>
+                        <a:close/>
+                      </a:path>
+                    </a:pathLst>
+                  </a:custGeom>
+                  <ask:type>
+                    <ask:lineSketchNone/>
+                  </ask:type>
+                </ask:lineSketchStyleProps>
+              </a:ext>
+            </a:extLst>
+          </a:ln>
+        </p:spPr>
+        <p:style>
+          <a:lnRef idx="2">
+            <a:schemeClr val="accent1">
+              <a:shade val="50000"/>
+            </a:schemeClr>
+          </a:lnRef>
+          <a:fillRef idx="1">
+            <a:schemeClr val="accent1"/>
+          </a:fillRef>
+          <a:effectRef idx="0">
+            <a:schemeClr val="accent1"/>
+          </a:effectRef>
+          <a:fontRef idx="minor">
+            <a:schemeClr val="lt1"/>
+          </a:fontRef>
+        </p:style>
+        <p:txBody>
+          <a:bodyPr rtlCol="0" anchor="ctr"/>
+          <a:lstStyle/>
+          <a:p>
+            <a:pPr algn="ctr"/>
+            <a:endParaRPr lang="en-US" dirty="0">
+              <a:latin typeface="LM Roman 10" pitchFamily="2" charset="77"/>
+              <a:cs typeface="Didot" panose="02000503000000020003" pitchFamily="2" charset="-79"/>
+            </a:endParaRPr>
+          </a:p>
+        </p:txBody>
+      </p:sp>
+      <p:sp>
+        <p:nvSpPr>
+          <p:cNvPr id="9" name="TextBox 8">
+            <a:extLst>
+              <a:ext uri="{FF2B5EF4-FFF2-40B4-BE49-F238E27FC236}">
+                <a16:creationId xmlns:a16="http://schemas.microsoft.com/office/drawing/2014/main" id="{54F6159C-C000-718D-1CB8-474645C5C703}"/>
+              </a:ext>
+            </a:extLst>
+          </p:cNvPr>
+          <p:cNvSpPr txBox="1"/>
+          <p:nvPr/>
+        </p:nvSpPr>
+        <p:spPr>
+          <a:xfrm>
+            <a:off x="153174" y="153425"/>
+            <a:ext cx="2820003" cy="338554"/>
+          </a:xfrm>
+          <a:prstGeom prst="rect">
+            <a:avLst/>
+          </a:prstGeom>
+          <a:noFill/>
+        </p:spPr>
+        <p:txBody>
+          <a:bodyPr wrap="none" rtlCol="0">
+            <a:spAutoFit/>
+          </a:bodyPr>
+          <a:lstStyle/>
+          <a:p>
+            <a:r>
+              <a:rPr lang="de-DE" sz="1600" dirty="0">
+                <a:latin typeface="LM Roman 10" pitchFamily="2" charset="77"/>
+                <a:cs typeface="Didot" panose="02000503000000020003" pitchFamily="2" charset="-79"/>
+              </a:rPr>
+              <a:t>Charakteristika der Kontexte</a:t>
+            </a:r>
+            <a:endParaRPr lang="en-US" dirty="0">
+              <a:latin typeface="LM Roman 10" pitchFamily="2" charset="77"/>
+              <a:cs typeface="Didot" panose="02000503000000020003" pitchFamily="2" charset="-79"/>
+            </a:endParaRPr>
+          </a:p>
+        </p:txBody>
+      </p:sp>
+      <p:sp>
+        <p:nvSpPr>
+          <p:cNvPr id="10" name="TextBox 9">
+            <a:extLst>
+              <a:ext uri="{FF2B5EF4-FFF2-40B4-BE49-F238E27FC236}">
+                <a16:creationId xmlns:a16="http://schemas.microsoft.com/office/drawing/2014/main" id="{7089942B-64B4-A49D-35FF-C2AF5B72F395}"/>
+              </a:ext>
+            </a:extLst>
+          </p:cNvPr>
+          <p:cNvSpPr txBox="1"/>
+          <p:nvPr/>
+        </p:nvSpPr>
+        <p:spPr>
+          <a:xfrm>
+            <a:off x="400881" y="510319"/>
+            <a:ext cx="2965877" cy="338554"/>
+          </a:xfrm>
+          <a:prstGeom prst="rect">
+            <a:avLst/>
+          </a:prstGeom>
+          <a:noFill/>
+        </p:spPr>
+        <p:txBody>
+          <a:bodyPr wrap="none" rtlCol="0">
+            <a:spAutoFit/>
+          </a:bodyPr>
+          <a:lstStyle/>
+          <a:p>
+            <a:r>
+              <a:rPr lang="de-DE" sz="1600" dirty="0">
+                <a:latin typeface="LM Roman 10" pitchFamily="2" charset="77"/>
+                <a:cs typeface="Didot" panose="02000503000000020003" pitchFamily="2" charset="-79"/>
+              </a:rPr>
+              <a:t>Charakteristika der Nutzenden</a:t>
+            </a:r>
+            <a:endParaRPr lang="en-US" sz="1600" dirty="0">
+              <a:latin typeface="LM Roman 10" pitchFamily="2" charset="77"/>
+              <a:cs typeface="Didot" panose="02000503000000020003" pitchFamily="2" charset="-79"/>
+            </a:endParaRPr>
+          </a:p>
+        </p:txBody>
+      </p:sp>
+      <p:sp>
+        <p:nvSpPr>
+          <p:cNvPr id="11" name="TextBox 10">
+            <a:extLst>
+              <a:ext uri="{FF2B5EF4-FFF2-40B4-BE49-F238E27FC236}">
+                <a16:creationId xmlns:a16="http://schemas.microsoft.com/office/drawing/2014/main" id="{13879C0C-1EBE-1092-85BE-105AC4D194FF}"/>
+              </a:ext>
+            </a:extLst>
+          </p:cNvPr>
+          <p:cNvSpPr txBox="1"/>
+          <p:nvPr/>
+        </p:nvSpPr>
+        <p:spPr>
+          <a:xfrm>
+            <a:off x="820633" y="879401"/>
+            <a:ext cx="2719014" cy="338554"/>
+          </a:xfrm>
+          <a:prstGeom prst="rect">
+            <a:avLst/>
+          </a:prstGeom>
+          <a:noFill/>
+        </p:spPr>
+        <p:txBody>
+          <a:bodyPr wrap="none" rtlCol="0">
+            <a:spAutoFit/>
+          </a:bodyPr>
+          <a:lstStyle/>
+          <a:p>
+            <a:r>
+              <a:rPr lang="de-DE" sz="1600" dirty="0">
+                <a:latin typeface="LM Roman 10" pitchFamily="2" charset="77"/>
+                <a:cs typeface="Didot" panose="02000503000000020003" pitchFamily="2" charset="-79"/>
+              </a:rPr>
+              <a:t>Charakteristika der Evidenz</a:t>
+            </a:r>
+            <a:endParaRPr lang="en-US" sz="1600" dirty="0">
+              <a:latin typeface="LM Roman 10" pitchFamily="2" charset="77"/>
+              <a:cs typeface="Didot" panose="02000503000000020003" pitchFamily="2" charset="-79"/>
+            </a:endParaRPr>
+          </a:p>
+        </p:txBody>
+      </p:sp>
+      <p:sp>
+        <p:nvSpPr>
+          <p:cNvPr id="13" name="Oval 12">
+            <a:extLst>
+              <a:ext uri="{FF2B5EF4-FFF2-40B4-BE49-F238E27FC236}">
+                <a16:creationId xmlns:a16="http://schemas.microsoft.com/office/drawing/2014/main" id="{1D8693F1-4AF6-B64B-4F0A-B464A18041CC}"/>
+              </a:ext>
+            </a:extLst>
+          </p:cNvPr>
+          <p:cNvSpPr/>
+          <p:nvPr/>
+        </p:nvSpPr>
+        <p:spPr>
+          <a:xfrm>
+            <a:off x="2759362" y="4212309"/>
+            <a:ext cx="1630680" cy="754380"/>
+          </a:xfrm>
+          <a:prstGeom prst="ellipse">
+            <a:avLst/>
+          </a:prstGeom>
+          <a:solidFill>
+            <a:schemeClr val="bg1"/>
+          </a:solidFill>
+          <a:ln>
+            <a:solidFill>
+              <a:schemeClr val="tx1"/>
+            </a:solidFill>
+          </a:ln>
+          <a:effectLst>
+            <a:outerShdw blurRad="50800" dist="38100" dir="2700000" algn="tl" rotWithShape="0">
+              <a:prstClr val="black">
+                <a:alpha val="40000"/>
+              </a:prstClr>
+            </a:outerShdw>
+          </a:effectLst>
+        </p:spPr>
+        <p:style>
+          <a:lnRef idx="2">
+            <a:schemeClr val="accent1">
+              <a:shade val="50000"/>
+            </a:schemeClr>
+          </a:lnRef>
+          <a:fillRef idx="1">
+            <a:schemeClr val="accent1"/>
+          </a:fillRef>
+          <a:effectRef idx="0">
+            <a:schemeClr val="accent1"/>
+          </a:effectRef>
+          <a:fontRef idx="minor">
+            <a:schemeClr val="lt1"/>
+          </a:fontRef>
+        </p:style>
+        <p:txBody>
+          <a:bodyPr rtlCol="0" anchor="ctr"/>
+          <a:lstStyle/>
+          <a:p>
+            <a:pPr algn="ctr"/>
+            <a:r>
+              <a:rPr lang="de-DE" dirty="0">
+                <a:solidFill>
+                  <a:schemeClr val="tx1"/>
+                </a:solidFill>
+                <a:latin typeface="LM Roman 10" pitchFamily="2" charset="77"/>
+                <a:cs typeface="Didot" panose="02000503000000020003" pitchFamily="2" charset="-79"/>
+              </a:rPr>
+              <a:t> </a:t>
+            </a:r>
+            <a:endParaRPr lang="en-US" dirty="0">
+              <a:solidFill>
+                <a:schemeClr val="tx1"/>
+              </a:solidFill>
+              <a:latin typeface="LM Roman 10" pitchFamily="2" charset="77"/>
+              <a:cs typeface="Didot" panose="02000503000000020003" pitchFamily="2" charset="-79"/>
+            </a:endParaRPr>
+          </a:p>
+        </p:txBody>
+      </p:sp>
+      <p:sp>
+        <p:nvSpPr>
+          <p:cNvPr id="14" name="Oval 13">
+            <a:extLst>
+              <a:ext uri="{FF2B5EF4-FFF2-40B4-BE49-F238E27FC236}">
+                <a16:creationId xmlns:a16="http://schemas.microsoft.com/office/drawing/2014/main" id="{2A14B365-C792-8A6C-8E80-FF83C67B5D55}"/>
+              </a:ext>
+            </a:extLst>
+          </p:cNvPr>
+          <p:cNvSpPr/>
+          <p:nvPr/>
+        </p:nvSpPr>
+        <p:spPr>
+          <a:xfrm>
+            <a:off x="4390042" y="3088597"/>
+            <a:ext cx="1630680" cy="754380"/>
+          </a:xfrm>
+          <a:prstGeom prst="ellipse">
+            <a:avLst/>
+          </a:prstGeom>
+          <a:solidFill>
+            <a:schemeClr val="bg1"/>
+          </a:solidFill>
+          <a:ln>
+            <a:solidFill>
+              <a:schemeClr val="tx1"/>
+            </a:solidFill>
+          </a:ln>
+          <a:effectLst>
+            <a:outerShdw blurRad="50800" dist="38100" dir="2700000" algn="tl" rotWithShape="0">
+              <a:prstClr val="black">
+                <a:alpha val="40000"/>
+              </a:prstClr>
+            </a:outerShdw>
+          </a:effectLst>
+        </p:spPr>
+        <p:style>
+          <a:lnRef idx="2">
+            <a:schemeClr val="accent1">
+              <a:shade val="50000"/>
+            </a:schemeClr>
+          </a:lnRef>
+          <a:fillRef idx="1">
+            <a:schemeClr val="accent1"/>
+          </a:fillRef>
+          <a:effectRef idx="0">
+            <a:schemeClr val="accent1"/>
+          </a:effectRef>
+          <a:fontRef idx="minor">
+            <a:schemeClr val="lt1"/>
+          </a:fontRef>
+        </p:style>
+        <p:txBody>
+          <a:bodyPr rtlCol="0" anchor="ctr"/>
+          <a:lstStyle/>
+          <a:p>
+            <a:pPr algn="ctr"/>
+            <a:r>
+              <a:rPr lang="de-DE" sz="1600" dirty="0">
+                <a:solidFill>
+                  <a:schemeClr val="tx1"/>
+                </a:solidFill>
+                <a:latin typeface="LM Roman 10" pitchFamily="2" charset="77"/>
+                <a:cs typeface="Didot" panose="02000503000000020003" pitchFamily="2" charset="-79"/>
+              </a:rPr>
+              <a:t>Evidenz</a:t>
+            </a:r>
+            <a:endParaRPr lang="en-US" dirty="0">
+              <a:solidFill>
+                <a:schemeClr val="tx1"/>
+              </a:solidFill>
+              <a:latin typeface="LM Roman 10" pitchFamily="2" charset="77"/>
+              <a:cs typeface="Didot" panose="02000503000000020003" pitchFamily="2" charset="-79"/>
+            </a:endParaRPr>
+          </a:p>
+        </p:txBody>
+      </p:sp>
+      <p:sp>
+        <p:nvSpPr>
+          <p:cNvPr id="15" name="Oval 14">
+            <a:extLst>
+              <a:ext uri="{FF2B5EF4-FFF2-40B4-BE49-F238E27FC236}">
+                <a16:creationId xmlns:a16="http://schemas.microsoft.com/office/drawing/2014/main" id="{97DAF1C8-8BF6-B122-BD80-962768DA66B4}"/>
+              </a:ext>
+            </a:extLst>
+          </p:cNvPr>
+          <p:cNvSpPr/>
+          <p:nvPr/>
+        </p:nvSpPr>
+        <p:spPr>
+          <a:xfrm>
+            <a:off x="6020722" y="1964885"/>
+            <a:ext cx="1630680" cy="754380"/>
+          </a:xfrm>
+          <a:prstGeom prst="ellipse">
+            <a:avLst/>
+          </a:prstGeom>
+          <a:solidFill>
+            <a:schemeClr val="bg1"/>
+          </a:solidFill>
+          <a:ln>
+            <a:solidFill>
+              <a:schemeClr val="tx1"/>
+            </a:solidFill>
+          </a:ln>
+          <a:effectLst>
+            <a:outerShdw blurRad="50800" dist="38100" dir="2700000" algn="tl" rotWithShape="0">
+              <a:prstClr val="black">
+                <a:alpha val="40000"/>
+              </a:prstClr>
+            </a:outerShdw>
+          </a:effectLst>
+        </p:spPr>
+        <p:style>
+          <a:lnRef idx="2">
+            <a:schemeClr val="accent1">
+              <a:shade val="50000"/>
+            </a:schemeClr>
+          </a:lnRef>
+          <a:fillRef idx="1">
+            <a:schemeClr val="accent1"/>
+          </a:fillRef>
+          <a:effectRef idx="0">
+            <a:schemeClr val="accent1"/>
+          </a:effectRef>
+          <a:fontRef idx="minor">
+            <a:schemeClr val="lt1"/>
+          </a:fontRef>
+        </p:style>
+        <p:txBody>
+          <a:bodyPr rtlCol="0" anchor="ctr"/>
+          <a:lstStyle/>
+          <a:p>
+            <a:pPr algn="ctr"/>
+            <a:endParaRPr lang="en-US" sz="1600" dirty="0">
+              <a:solidFill>
+                <a:schemeClr val="tx1"/>
+              </a:solidFill>
+              <a:latin typeface="LM Roman 10" pitchFamily="2" charset="77"/>
+              <a:cs typeface="Didot" panose="02000503000000020003" pitchFamily="2" charset="-79"/>
+            </a:endParaRPr>
+          </a:p>
+        </p:txBody>
+      </p:sp>
+      <p:cxnSp>
+        <p:nvCxnSpPr>
+          <p:cNvPr id="20" name="Connector: Curved 19">
+            <a:extLst>
+              <a:ext uri="{FF2B5EF4-FFF2-40B4-BE49-F238E27FC236}">
+                <a16:creationId xmlns:a16="http://schemas.microsoft.com/office/drawing/2014/main" id="{9D08A355-1BFF-B13D-EABD-1944CF8A7E31}"/>
+              </a:ext>
+            </a:extLst>
+          </p:cNvPr>
+          <p:cNvCxnSpPr>
+            <a:cxnSpLocks/>
+            <a:stCxn id="13" idx="0"/>
+            <a:endCxn id="14" idx="2"/>
+          </p:cNvCxnSpPr>
+          <p:nvPr/>
+        </p:nvCxnSpPr>
+        <p:spPr>
+          <a:xfrm rot="5400000" flipH="1" flipV="1">
+            <a:off x="3609111" y="3431378"/>
+            <a:ext cx="746522" cy="815340"/>
+          </a:xfrm>
+          <a:prstGeom prst="curvedConnector2">
+            <a:avLst/>
+          </a:prstGeom>
+          <a:ln w="34925">
+            <a:solidFill>
+              <a:schemeClr val="tx1"/>
+            </a:solidFill>
+            <a:tailEnd type="triangle"/>
+          </a:ln>
+        </p:spPr>
+        <p:style>
+          <a:lnRef idx="1">
+            <a:schemeClr val="accent1"/>
+          </a:lnRef>
+          <a:fillRef idx="0">
+            <a:schemeClr val="accent1"/>
+          </a:fillRef>
+          <a:effectRef idx="0">
+            <a:schemeClr val="accent1"/>
+          </a:effectRef>
+          <a:fontRef idx="minor">
+            <a:schemeClr val="tx1"/>
+          </a:fontRef>
+        </p:style>
+      </p:cxnSp>
+      <p:cxnSp>
+        <p:nvCxnSpPr>
+          <p:cNvPr id="23" name="Connector: Curved 22">
+            <a:extLst>
+              <a:ext uri="{FF2B5EF4-FFF2-40B4-BE49-F238E27FC236}">
+                <a16:creationId xmlns:a16="http://schemas.microsoft.com/office/drawing/2014/main" id="{C576A603-F83F-F3F0-AD46-5F1BC4B64A9E}"/>
+              </a:ext>
+            </a:extLst>
+          </p:cNvPr>
+          <p:cNvCxnSpPr>
+            <a:cxnSpLocks/>
+            <a:stCxn id="14" idx="0"/>
+            <a:endCxn id="15" idx="2"/>
+          </p:cNvCxnSpPr>
+          <p:nvPr/>
+        </p:nvCxnSpPr>
+        <p:spPr>
+          <a:xfrm rot="5400000" flipH="1" flipV="1">
+            <a:off x="5239791" y="2307666"/>
+            <a:ext cx="746522" cy="815340"/>
+          </a:xfrm>
+          <a:prstGeom prst="curvedConnector2">
+            <a:avLst/>
+          </a:prstGeom>
+          <a:ln w="34925">
+            <a:solidFill>
+              <a:schemeClr val="tx1"/>
+            </a:solidFill>
+            <a:tailEnd type="triangle"/>
+          </a:ln>
+        </p:spPr>
+        <p:style>
+          <a:lnRef idx="1">
+            <a:schemeClr val="accent1"/>
+          </a:lnRef>
+          <a:fillRef idx="0">
+            <a:schemeClr val="accent1"/>
+          </a:fillRef>
+          <a:effectRef idx="0">
+            <a:schemeClr val="accent1"/>
+          </a:effectRef>
+          <a:fontRef idx="minor">
+            <a:schemeClr val="tx1"/>
+          </a:fontRef>
+        </p:style>
+      </p:cxnSp>
+      <p:sp>
+        <p:nvSpPr>
+          <p:cNvPr id="26" name="Oval 25">
+            <a:extLst>
+              <a:ext uri="{FF2B5EF4-FFF2-40B4-BE49-F238E27FC236}">
+                <a16:creationId xmlns:a16="http://schemas.microsoft.com/office/drawing/2014/main" id="{E3DC8A4E-1508-5E72-013D-97FAFDC90495}"/>
+              </a:ext>
+            </a:extLst>
+          </p:cNvPr>
+          <p:cNvSpPr/>
+          <p:nvPr/>
+        </p:nvSpPr>
+        <p:spPr>
+          <a:xfrm>
+            <a:off x="8944559" y="1960956"/>
+            <a:ext cx="1630680" cy="754380"/>
+          </a:xfrm>
+          <a:prstGeom prst="ellipse">
+            <a:avLst/>
+          </a:prstGeom>
+          <a:solidFill>
+            <a:schemeClr val="bg1"/>
+          </a:solidFill>
+          <a:ln>
+            <a:solidFill>
+              <a:schemeClr val="tx1"/>
+            </a:solidFill>
+          </a:ln>
+          <a:effectLst>
+            <a:outerShdw blurRad="50800" dist="38100" dir="2700000" algn="tl" rotWithShape="0">
+              <a:prstClr val="black">
+                <a:alpha val="40000"/>
+              </a:prstClr>
+            </a:outerShdw>
+          </a:effectLst>
+        </p:spPr>
+        <p:style>
+          <a:lnRef idx="2">
+            <a:schemeClr val="accent1">
+              <a:shade val="50000"/>
+            </a:schemeClr>
+          </a:lnRef>
+          <a:fillRef idx="1">
+            <a:schemeClr val="accent1"/>
+          </a:fillRef>
+          <a:effectRef idx="0">
+            <a:schemeClr val="accent1"/>
+          </a:effectRef>
+          <a:fontRef idx="minor">
+            <a:schemeClr val="lt1"/>
+          </a:fontRef>
+        </p:style>
+        <p:txBody>
+          <a:bodyPr rtlCol="0" anchor="ctr"/>
+          <a:lstStyle/>
+          <a:p>
+            <a:pPr algn="ctr"/>
+            <a:endParaRPr lang="en-US" dirty="0">
+              <a:solidFill>
+                <a:schemeClr val="tx1"/>
+              </a:solidFill>
+              <a:latin typeface="LM Roman 10" pitchFamily="2" charset="77"/>
+              <a:cs typeface="Didot" panose="02000503000000020003" pitchFamily="2" charset="-79"/>
+            </a:endParaRPr>
+          </a:p>
+        </p:txBody>
+      </p:sp>
+      <p:sp>
+        <p:nvSpPr>
+          <p:cNvPr id="27" name="Oval 26">
+            <a:extLst>
+              <a:ext uri="{FF2B5EF4-FFF2-40B4-BE49-F238E27FC236}">
+                <a16:creationId xmlns:a16="http://schemas.microsoft.com/office/drawing/2014/main" id="{72AF60ED-4044-E5E5-F9E9-64C7593F7CC0}"/>
+              </a:ext>
+            </a:extLst>
+          </p:cNvPr>
+          <p:cNvSpPr/>
+          <p:nvPr/>
+        </p:nvSpPr>
+        <p:spPr>
+          <a:xfrm>
+            <a:off x="8944559" y="4212309"/>
+            <a:ext cx="1630680" cy="754380"/>
+          </a:xfrm>
+          <a:prstGeom prst="ellipse">
+            <a:avLst/>
+          </a:prstGeom>
+          <a:solidFill>
+            <a:schemeClr val="bg1"/>
+          </a:solidFill>
+          <a:ln>
+            <a:solidFill>
+              <a:schemeClr val="tx1"/>
+            </a:solidFill>
+          </a:ln>
+          <a:effectLst>
+            <a:outerShdw blurRad="50800" dist="38100" dir="2700000" algn="tl" rotWithShape="0">
+              <a:prstClr val="black">
+                <a:alpha val="40000"/>
+              </a:prstClr>
+            </a:outerShdw>
+          </a:effectLst>
+        </p:spPr>
+        <p:style>
+          <a:lnRef idx="2">
+            <a:schemeClr val="accent1">
+              <a:shade val="50000"/>
+            </a:schemeClr>
+          </a:lnRef>
+          <a:fillRef idx="1">
+            <a:schemeClr val="accent1"/>
+          </a:fillRef>
+          <a:effectRef idx="0">
+            <a:schemeClr val="accent1"/>
+          </a:effectRef>
+          <a:fontRef idx="minor">
+            <a:schemeClr val="lt1"/>
+          </a:fontRef>
+        </p:style>
+        <p:txBody>
+          <a:bodyPr rtlCol="0" anchor="ctr"/>
+          <a:lstStyle/>
+          <a:p>
+            <a:pPr algn="ctr"/>
+            <a:r>
+              <a:rPr lang="de-DE" sz="1600" dirty="0">
+                <a:solidFill>
+                  <a:schemeClr val="tx1"/>
+                </a:solidFill>
+                <a:latin typeface="LM Roman 10" pitchFamily="2" charset="77"/>
+                <a:cs typeface="Didot" panose="02000503000000020003" pitchFamily="2" charset="-79"/>
+              </a:rPr>
+              <a:t>Ergebnisse</a:t>
+            </a:r>
+            <a:endParaRPr lang="en-US" sz="1600" dirty="0">
+              <a:solidFill>
+                <a:schemeClr val="tx1"/>
+              </a:solidFill>
+              <a:latin typeface="LM Roman 10" pitchFamily="2" charset="77"/>
+              <a:cs typeface="Didot" panose="02000503000000020003" pitchFamily="2" charset="-79"/>
+            </a:endParaRPr>
+          </a:p>
+        </p:txBody>
+      </p:sp>
+      <p:cxnSp>
+        <p:nvCxnSpPr>
+          <p:cNvPr id="32" name="Straight Arrow Connector 31">
+            <a:extLst>
+              <a:ext uri="{FF2B5EF4-FFF2-40B4-BE49-F238E27FC236}">
+                <a16:creationId xmlns:a16="http://schemas.microsoft.com/office/drawing/2014/main" id="{166579B7-9EB5-A37B-D7D0-0EEC0B6803AE}"/>
+              </a:ext>
+            </a:extLst>
+          </p:cNvPr>
+          <p:cNvCxnSpPr>
+            <a:cxnSpLocks/>
+            <a:stCxn id="15" idx="6"/>
+            <a:endCxn id="26" idx="2"/>
+          </p:cNvCxnSpPr>
+          <p:nvPr/>
+        </p:nvCxnSpPr>
+        <p:spPr>
+          <a:xfrm flipV="1">
+            <a:off x="7651402" y="2338146"/>
+            <a:ext cx="1293157" cy="3929"/>
+          </a:xfrm>
+          <a:prstGeom prst="straightConnector1">
+            <a:avLst/>
+          </a:prstGeom>
+          <a:ln w="34925">
+            <a:solidFill>
+              <a:schemeClr val="tx1"/>
+            </a:solidFill>
+            <a:tailEnd type="triangle"/>
+          </a:ln>
+        </p:spPr>
+        <p:style>
+          <a:lnRef idx="1">
+            <a:schemeClr val="accent1"/>
+          </a:lnRef>
+          <a:fillRef idx="0">
+            <a:schemeClr val="accent1"/>
+          </a:fillRef>
+          <a:effectRef idx="0">
+            <a:schemeClr val="accent1"/>
+          </a:effectRef>
+          <a:fontRef idx="minor">
+            <a:schemeClr val="tx1"/>
+          </a:fontRef>
+        </p:style>
+      </p:cxnSp>
+      <p:cxnSp>
+        <p:nvCxnSpPr>
+          <p:cNvPr id="34" name="Straight Arrow Connector 33">
+            <a:extLst>
+              <a:ext uri="{FF2B5EF4-FFF2-40B4-BE49-F238E27FC236}">
+                <a16:creationId xmlns:a16="http://schemas.microsoft.com/office/drawing/2014/main" id="{49F8FCE9-625E-3019-9506-DB4366A32AC6}"/>
+              </a:ext>
+            </a:extLst>
+          </p:cNvPr>
+          <p:cNvCxnSpPr>
+            <a:cxnSpLocks/>
+            <a:stCxn id="26" idx="4"/>
+            <a:endCxn id="27" idx="0"/>
+          </p:cNvCxnSpPr>
+          <p:nvPr/>
+        </p:nvCxnSpPr>
+        <p:spPr>
+          <a:xfrm>
+            <a:off x="9759899" y="2715336"/>
+            <a:ext cx="0" cy="1496973"/>
+          </a:xfrm>
+          <a:prstGeom prst="straightConnector1">
+            <a:avLst/>
+          </a:prstGeom>
+          <a:ln w="34925">
+            <a:solidFill>
+              <a:schemeClr val="tx1"/>
+            </a:solidFill>
+            <a:tailEnd type="triangle"/>
+          </a:ln>
+        </p:spPr>
+        <p:style>
+          <a:lnRef idx="1">
+            <a:schemeClr val="accent1"/>
+          </a:lnRef>
+          <a:fillRef idx="0">
+            <a:schemeClr val="accent1"/>
+          </a:fillRef>
+          <a:effectRef idx="0">
+            <a:schemeClr val="accent1"/>
+          </a:effectRef>
+          <a:fontRef idx="minor">
+            <a:schemeClr val="tx1"/>
+          </a:fontRef>
+        </p:style>
+      </p:cxnSp>
+      <p:cxnSp>
+        <p:nvCxnSpPr>
+          <p:cNvPr id="37" name="Straight Arrow Connector 36">
+            <a:extLst>
+              <a:ext uri="{FF2B5EF4-FFF2-40B4-BE49-F238E27FC236}">
+                <a16:creationId xmlns:a16="http://schemas.microsoft.com/office/drawing/2014/main" id="{55715120-9AEF-727F-AF81-D95E0E013E59}"/>
+              </a:ext>
+            </a:extLst>
+          </p:cNvPr>
+          <p:cNvCxnSpPr>
+            <a:cxnSpLocks/>
+            <a:stCxn id="27" idx="2"/>
+            <a:endCxn id="13" idx="6"/>
+          </p:cNvCxnSpPr>
+          <p:nvPr/>
+        </p:nvCxnSpPr>
+        <p:spPr>
+          <a:xfrm flipH="1">
+            <a:off x="4390042" y="4589499"/>
+            <a:ext cx="4554517" cy="0"/>
+          </a:xfrm>
+          <a:prstGeom prst="straightConnector1">
+            <a:avLst/>
+          </a:prstGeom>
+          <a:ln w="34925">
+            <a:solidFill>
+              <a:schemeClr val="tx1"/>
+            </a:solidFill>
+            <a:tailEnd type="triangle"/>
+          </a:ln>
+        </p:spPr>
+        <p:style>
+          <a:lnRef idx="1">
+            <a:schemeClr val="accent1"/>
+          </a:lnRef>
+          <a:fillRef idx="0">
+            <a:schemeClr val="accent1"/>
+          </a:fillRef>
+          <a:effectRef idx="0">
+            <a:schemeClr val="accent1"/>
+          </a:effectRef>
+          <a:fontRef idx="minor">
+            <a:schemeClr val="tx1"/>
+          </a:fontRef>
+        </p:style>
+      </p:cxnSp>
+      <p:cxnSp>
+        <p:nvCxnSpPr>
+          <p:cNvPr id="40" name="Straight Arrow Connector 39">
+            <a:extLst>
+              <a:ext uri="{FF2B5EF4-FFF2-40B4-BE49-F238E27FC236}">
+                <a16:creationId xmlns:a16="http://schemas.microsoft.com/office/drawing/2014/main" id="{877155B9-7D29-7689-96CE-6ACB5D537AB5}"/>
+              </a:ext>
+            </a:extLst>
+          </p:cNvPr>
+          <p:cNvCxnSpPr>
+            <a:cxnSpLocks/>
+            <a:stCxn id="14" idx="4"/>
+          </p:cNvCxnSpPr>
+          <p:nvPr/>
+        </p:nvCxnSpPr>
+        <p:spPr>
+          <a:xfrm>
+            <a:off x="5205382" y="3842977"/>
+            <a:ext cx="0" cy="746522"/>
+          </a:xfrm>
+          <a:prstGeom prst="straightConnector1">
+            <a:avLst/>
+          </a:prstGeom>
+          <a:ln w="34925">
+            <a:solidFill>
+              <a:schemeClr val="tx1"/>
+            </a:solidFill>
+            <a:tailEnd type="triangle"/>
+          </a:ln>
+        </p:spPr>
+        <p:style>
+          <a:lnRef idx="1">
+            <a:schemeClr val="accent1"/>
+          </a:lnRef>
+          <a:fillRef idx="0">
+            <a:schemeClr val="accent1"/>
+          </a:fillRef>
+          <a:effectRef idx="0">
+            <a:schemeClr val="accent1"/>
+          </a:effectRef>
+          <a:fontRef idx="minor">
+            <a:schemeClr val="tx1"/>
+          </a:fontRef>
+        </p:style>
+      </p:cxnSp>
+      <p:cxnSp>
+        <p:nvCxnSpPr>
+          <p:cNvPr id="43" name="Straight Arrow Connector 42">
+            <a:extLst>
+              <a:ext uri="{FF2B5EF4-FFF2-40B4-BE49-F238E27FC236}">
+                <a16:creationId xmlns:a16="http://schemas.microsoft.com/office/drawing/2014/main" id="{009A81FC-5496-1B64-61C2-0AACFC7477CD}"/>
+              </a:ext>
+            </a:extLst>
+          </p:cNvPr>
+          <p:cNvCxnSpPr>
+            <a:cxnSpLocks/>
+            <a:stCxn id="15" idx="4"/>
+          </p:cNvCxnSpPr>
+          <p:nvPr/>
+        </p:nvCxnSpPr>
+        <p:spPr>
+          <a:xfrm>
+            <a:off x="6836062" y="2719265"/>
+            <a:ext cx="0" cy="1870234"/>
+          </a:xfrm>
+          <a:prstGeom prst="straightConnector1">
+            <a:avLst/>
+          </a:prstGeom>
+          <a:ln w="34925">
+            <a:solidFill>
+              <a:schemeClr val="tx1"/>
+            </a:solidFill>
+            <a:tailEnd type="triangle"/>
+          </a:ln>
+        </p:spPr>
+        <p:style>
+          <a:lnRef idx="1">
+            <a:schemeClr val="accent1"/>
+          </a:lnRef>
+          <a:fillRef idx="0">
+            <a:schemeClr val="accent1"/>
+          </a:fillRef>
+          <a:effectRef idx="0">
+            <a:schemeClr val="accent1"/>
+          </a:effectRef>
+          <a:fontRef idx="minor">
+            <a:schemeClr val="tx1"/>
+          </a:fontRef>
+        </p:style>
+      </p:cxnSp>
+      <p:sp>
+        <p:nvSpPr>
+          <p:cNvPr id="50" name="TextBox 49">
+            <a:extLst>
+              <a:ext uri="{FF2B5EF4-FFF2-40B4-BE49-F238E27FC236}">
+                <a16:creationId xmlns:a16="http://schemas.microsoft.com/office/drawing/2014/main" id="{7FD64F8A-ADAA-448E-7F19-BDDBEC30B4D5}"/>
+              </a:ext>
+            </a:extLst>
+          </p:cNvPr>
+          <p:cNvSpPr txBox="1"/>
+          <p:nvPr/>
+        </p:nvSpPr>
+        <p:spPr>
+          <a:xfrm>
+            <a:off x="8982929" y="1887231"/>
+            <a:ext cx="1553940" cy="854080"/>
+          </a:xfrm>
+          <a:prstGeom prst="rect">
+            <a:avLst/>
+          </a:prstGeom>
+          <a:noFill/>
+        </p:spPr>
+        <p:txBody>
+          <a:bodyPr wrap="square" rtlCol="0">
+            <a:spAutoFit/>
+          </a:bodyPr>
+          <a:lstStyle/>
+          <a:p>
+            <a:pPr algn="ctr"/>
+            <a:r>
+              <a:rPr lang="de-DE" sz="1600" dirty="0">
+                <a:latin typeface="LM Roman 10" pitchFamily="2" charset="77"/>
+                <a:cs typeface="Didot" panose="02000503000000020003" pitchFamily="2" charset="-79"/>
+              </a:rPr>
+              <a:t>Nutzung</a:t>
+            </a:r>
+            <a:endParaRPr lang="de-DE" sz="2000" dirty="0">
+              <a:latin typeface="LM Roman 10" pitchFamily="2" charset="77"/>
+              <a:cs typeface="Didot" panose="02000503000000020003" pitchFamily="2" charset="-79"/>
+            </a:endParaRPr>
+          </a:p>
+          <a:p>
+            <a:pPr algn="ctr"/>
+            <a:r>
+              <a:rPr lang="de-DE" sz="1100" dirty="0">
+                <a:latin typeface="LM Roman 10" pitchFamily="2" charset="77"/>
+                <a:cs typeface="Didot" panose="02000503000000020003" pitchFamily="2" charset="-79"/>
+              </a:rPr>
+              <a:t>instrumentell/</a:t>
+            </a:r>
+          </a:p>
+          <a:p>
+            <a:pPr algn="ctr"/>
+            <a:r>
+              <a:rPr lang="de-DE" sz="1100" dirty="0">
+                <a:latin typeface="LM Roman 10" pitchFamily="2" charset="77"/>
+                <a:cs typeface="Didot" panose="02000503000000020003" pitchFamily="2" charset="-79"/>
+              </a:rPr>
+              <a:t>konzeptuell/</a:t>
+            </a:r>
+          </a:p>
+          <a:p>
+            <a:pPr algn="ctr"/>
+            <a:r>
+              <a:rPr lang="de-DE" sz="1100" dirty="0">
+                <a:latin typeface="LM Roman 10" pitchFamily="2" charset="77"/>
+                <a:cs typeface="Didot" panose="02000503000000020003" pitchFamily="2" charset="-79"/>
+              </a:rPr>
+              <a:t>symbolisch</a:t>
+            </a:r>
+            <a:endParaRPr lang="en-US" sz="1100" dirty="0">
+              <a:latin typeface="LM Roman 10" pitchFamily="2" charset="77"/>
+              <a:cs typeface="Didot" panose="02000503000000020003" pitchFamily="2" charset="-79"/>
+            </a:endParaRPr>
+          </a:p>
+        </p:txBody>
+      </p:sp>
+      <p:sp>
+        <p:nvSpPr>
+          <p:cNvPr id="53" name="TextBox 52">
+            <a:extLst>
+              <a:ext uri="{FF2B5EF4-FFF2-40B4-BE49-F238E27FC236}">
+                <a16:creationId xmlns:a16="http://schemas.microsoft.com/office/drawing/2014/main" id="{029917AF-EE12-5D28-5562-0A98D90EB631}"/>
+              </a:ext>
+            </a:extLst>
+          </p:cNvPr>
+          <p:cNvSpPr txBox="1"/>
+          <p:nvPr/>
+        </p:nvSpPr>
+        <p:spPr>
+          <a:xfrm>
+            <a:off x="2132375" y="3548324"/>
+            <a:ext cx="1450292" cy="307777"/>
+          </a:xfrm>
+          <a:prstGeom prst="rect">
+            <a:avLst/>
+          </a:prstGeom>
+          <a:solidFill>
+            <a:schemeClr val="bg1"/>
+          </a:solidFill>
+        </p:spPr>
+        <p:txBody>
+          <a:bodyPr wrap="square" rtlCol="0">
+            <a:spAutoFit/>
+          </a:bodyPr>
+          <a:lstStyle/>
+          <a:p>
+            <a:r>
+              <a:rPr lang="de-DE" sz="1400" dirty="0">
+                <a:latin typeface="LM Roman 10" pitchFamily="2" charset="77"/>
+                <a:cs typeface="Didot" panose="02000503000000020003" pitchFamily="2" charset="-79"/>
+              </a:rPr>
+              <a:t>2) Zugriffsphase</a:t>
+            </a:r>
+            <a:endParaRPr lang="en-US" sz="1400" dirty="0">
+              <a:latin typeface="LM Roman 10" pitchFamily="2" charset="77"/>
+              <a:cs typeface="Didot" panose="02000503000000020003" pitchFamily="2" charset="-79"/>
+            </a:endParaRPr>
+          </a:p>
+        </p:txBody>
+      </p:sp>
+      <p:sp>
+        <p:nvSpPr>
+          <p:cNvPr id="54" name="TextBox 53">
+            <a:extLst>
+              <a:ext uri="{FF2B5EF4-FFF2-40B4-BE49-F238E27FC236}">
+                <a16:creationId xmlns:a16="http://schemas.microsoft.com/office/drawing/2014/main" id="{F4BF1643-F037-D0A5-7CD6-FB9BDE02E33D}"/>
+              </a:ext>
+            </a:extLst>
+          </p:cNvPr>
+          <p:cNvSpPr txBox="1"/>
+          <p:nvPr/>
+        </p:nvSpPr>
+        <p:spPr>
+          <a:xfrm>
+            <a:off x="3060414" y="2353534"/>
+            <a:ext cx="2211702" cy="307777"/>
+          </a:xfrm>
+          <a:prstGeom prst="rect">
+            <a:avLst/>
+          </a:prstGeom>
+          <a:solidFill>
+            <a:schemeClr val="bg1"/>
+          </a:solidFill>
+        </p:spPr>
+        <p:txBody>
+          <a:bodyPr wrap="square" rtlCol="0">
+            <a:spAutoFit/>
+          </a:bodyPr>
+          <a:lstStyle/>
+          <a:p>
+            <a:r>
+              <a:rPr lang="de-DE" sz="1400" dirty="0">
+                <a:latin typeface="LM Roman 10" pitchFamily="2" charset="77"/>
+                <a:cs typeface="Didot" panose="02000503000000020003" pitchFamily="2" charset="-79"/>
+              </a:rPr>
+              <a:t>3) Schlussfolgerungsphase</a:t>
+            </a:r>
+            <a:endParaRPr lang="en-US" sz="1400" dirty="0">
+              <a:latin typeface="LM Roman 10" pitchFamily="2" charset="77"/>
+              <a:cs typeface="Didot" panose="02000503000000020003" pitchFamily="2" charset="-79"/>
+            </a:endParaRPr>
+          </a:p>
+        </p:txBody>
+      </p:sp>
+      <p:sp>
+        <p:nvSpPr>
+          <p:cNvPr id="55" name="TextBox 54">
+            <a:extLst>
+              <a:ext uri="{FF2B5EF4-FFF2-40B4-BE49-F238E27FC236}">
+                <a16:creationId xmlns:a16="http://schemas.microsoft.com/office/drawing/2014/main" id="{826285A5-86AB-FFF9-F41D-E2FDA68CD35F}"/>
+              </a:ext>
+            </a:extLst>
+          </p:cNvPr>
+          <p:cNvSpPr txBox="1"/>
+          <p:nvPr/>
+        </p:nvSpPr>
+        <p:spPr>
+          <a:xfrm>
+            <a:off x="9949110" y="3321393"/>
+            <a:ext cx="1761541" cy="307777"/>
+          </a:xfrm>
+          <a:prstGeom prst="rect">
+            <a:avLst/>
+          </a:prstGeom>
+          <a:solidFill>
+            <a:schemeClr val="bg1"/>
+          </a:solidFill>
+        </p:spPr>
+        <p:txBody>
+          <a:bodyPr wrap="square" rtlCol="0">
+            <a:spAutoFit/>
+          </a:bodyPr>
+          <a:lstStyle/>
+          <a:p>
+            <a:r>
+              <a:rPr lang="de-DE" sz="1400" dirty="0">
+                <a:latin typeface="LM Roman 10" pitchFamily="2" charset="77"/>
+                <a:cs typeface="Didot" panose="02000503000000020003" pitchFamily="2" charset="-79"/>
+              </a:rPr>
+              <a:t>5) Evaluationsphase</a:t>
+            </a:r>
+            <a:endParaRPr lang="en-US" sz="1400" dirty="0">
+              <a:latin typeface="LM Roman 10" pitchFamily="2" charset="77"/>
+              <a:cs typeface="Didot" panose="02000503000000020003" pitchFamily="2" charset="-79"/>
+            </a:endParaRPr>
+          </a:p>
+        </p:txBody>
+      </p:sp>
+      <p:sp>
+        <p:nvSpPr>
+          <p:cNvPr id="56" name="TextBox 55">
+            <a:extLst>
+              <a:ext uri="{FF2B5EF4-FFF2-40B4-BE49-F238E27FC236}">
+                <a16:creationId xmlns:a16="http://schemas.microsoft.com/office/drawing/2014/main" id="{E1454FA1-25A8-7B63-A728-B46473330DD8}"/>
+              </a:ext>
+            </a:extLst>
+          </p:cNvPr>
+          <p:cNvSpPr txBox="1"/>
+          <p:nvPr/>
+        </p:nvSpPr>
+        <p:spPr>
+          <a:xfrm>
+            <a:off x="8094141" y="616852"/>
+            <a:ext cx="615553" cy="1376839"/>
+          </a:xfrm>
+          <a:prstGeom prst="rect">
+            <a:avLst/>
+          </a:prstGeom>
+          <a:solidFill>
+            <a:schemeClr val="bg1"/>
+          </a:solidFill>
+        </p:spPr>
+        <p:txBody>
+          <a:bodyPr vert="vert270" wrap="square" rtlCol="0">
+            <a:spAutoFit/>
+          </a:bodyPr>
+          <a:lstStyle/>
+          <a:p>
+            <a:r>
+              <a:rPr lang="de-DE" sz="1400" dirty="0">
+                <a:latin typeface="LM Roman 10" pitchFamily="2" charset="77"/>
+                <a:cs typeface="Didot" panose="02000503000000020003" pitchFamily="2" charset="-79"/>
+              </a:rPr>
+              <a:t>4) Anwendungs-</a:t>
+            </a:r>
+          </a:p>
+          <a:p>
+            <a:r>
+              <a:rPr lang="de-DE" sz="1400" dirty="0" err="1">
+                <a:latin typeface="LM Roman 10" pitchFamily="2" charset="77"/>
+                <a:cs typeface="Didot" panose="02000503000000020003" pitchFamily="2" charset="-79"/>
+              </a:rPr>
+              <a:t>phase</a:t>
+            </a:r>
+            <a:endParaRPr lang="en-US" sz="1400" dirty="0">
+              <a:latin typeface="LM Roman 10" pitchFamily="2" charset="77"/>
+              <a:cs typeface="Didot" panose="02000503000000020003" pitchFamily="2" charset="-79"/>
+            </a:endParaRPr>
+          </a:p>
+        </p:txBody>
+      </p:sp>
+      <p:cxnSp>
+        <p:nvCxnSpPr>
+          <p:cNvPr id="2" name="Connector: Curved 19">
+            <a:extLst>
+              <a:ext uri="{FF2B5EF4-FFF2-40B4-BE49-F238E27FC236}">
+                <a16:creationId xmlns:a16="http://schemas.microsoft.com/office/drawing/2014/main" id="{79AD504F-1947-BB8D-D92A-C6FFAA276207}"/>
+              </a:ext>
+            </a:extLst>
+          </p:cNvPr>
+          <p:cNvCxnSpPr>
+            <a:cxnSpLocks/>
+          </p:cNvCxnSpPr>
+          <p:nvPr/>
+        </p:nvCxnSpPr>
+        <p:spPr>
+          <a:xfrm rot="5400000" flipH="1" flipV="1">
+            <a:off x="1963885" y="4555090"/>
+            <a:ext cx="746522" cy="815340"/>
+          </a:xfrm>
+          <a:prstGeom prst="curvedConnector2">
+            <a:avLst/>
+          </a:prstGeom>
+          <a:ln w="34925">
+            <a:solidFill>
+              <a:schemeClr val="tx1"/>
+            </a:solidFill>
+            <a:tailEnd type="triangle"/>
+          </a:ln>
+        </p:spPr>
+        <p:style>
+          <a:lnRef idx="1">
+            <a:schemeClr val="accent1"/>
+          </a:lnRef>
+          <a:fillRef idx="0">
+            <a:schemeClr val="accent1"/>
+          </a:fillRef>
+          <a:effectRef idx="0">
+            <a:schemeClr val="accent1"/>
+          </a:effectRef>
+          <a:fontRef idx="minor">
+            <a:schemeClr val="tx1"/>
+          </a:fontRef>
+        </p:style>
+      </p:cxnSp>
+      <p:sp>
+        <p:nvSpPr>
+          <p:cNvPr id="3" name="TextBox 52">
+            <a:extLst>
+              <a:ext uri="{FF2B5EF4-FFF2-40B4-BE49-F238E27FC236}">
+                <a16:creationId xmlns:a16="http://schemas.microsoft.com/office/drawing/2014/main" id="{D5A8C5B0-BC37-0A64-9412-8C506A465311}"/>
+              </a:ext>
+            </a:extLst>
+          </p:cNvPr>
+          <p:cNvSpPr txBox="1"/>
+          <p:nvPr/>
+        </p:nvSpPr>
+        <p:spPr>
+          <a:xfrm>
+            <a:off x="1072542" y="5326803"/>
+            <a:ext cx="2110495" cy="307777"/>
+          </a:xfrm>
+          <a:prstGeom prst="rect">
+            <a:avLst/>
+          </a:prstGeom>
+          <a:solidFill>
+            <a:schemeClr val="bg1"/>
+          </a:solidFill>
+        </p:spPr>
+        <p:txBody>
+          <a:bodyPr wrap="square" rtlCol="0">
+            <a:spAutoFit/>
+          </a:bodyPr>
+          <a:lstStyle/>
+          <a:p>
+            <a:r>
+              <a:rPr lang="de-DE" sz="1400" dirty="0">
+                <a:latin typeface="LM Roman 10" pitchFamily="2" charset="77"/>
+                <a:cs typeface="Didot" panose="02000503000000020003" pitchFamily="2" charset="-79"/>
+              </a:rPr>
+              <a:t>1) Konzeptuelle Phase</a:t>
+            </a:r>
+            <a:endParaRPr lang="en-US" sz="1400" dirty="0">
+              <a:latin typeface="LM Roman 10" pitchFamily="2" charset="77"/>
+              <a:cs typeface="Didot" panose="02000503000000020003" pitchFamily="2" charset="-79"/>
+            </a:endParaRPr>
+          </a:p>
+        </p:txBody>
+      </p:sp>
+      <p:sp>
+        <p:nvSpPr>
+          <p:cNvPr id="16" name="Textfeld 15">
+            <a:extLst>
+              <a:ext uri="{FF2B5EF4-FFF2-40B4-BE49-F238E27FC236}">
+                <a16:creationId xmlns:a16="http://schemas.microsoft.com/office/drawing/2014/main" id="{F0D1B2F8-9C8B-292F-AA60-FD23A1D1C222}"/>
+              </a:ext>
+            </a:extLst>
+          </p:cNvPr>
+          <p:cNvSpPr txBox="1"/>
+          <p:nvPr/>
+        </p:nvSpPr>
+        <p:spPr>
+          <a:xfrm>
+            <a:off x="6397152" y="2168869"/>
+            <a:ext cx="815340" cy="338554"/>
+          </a:xfrm>
+          <a:prstGeom prst="rect">
+            <a:avLst/>
+          </a:prstGeom>
+          <a:noFill/>
+        </p:spPr>
+        <p:txBody>
+          <a:bodyPr wrap="square" rtlCol="0">
+            <a:spAutoFit/>
+          </a:bodyPr>
+          <a:lstStyle/>
+          <a:p>
+            <a:r>
+              <a:rPr lang="de-DE" sz="1600" dirty="0">
+                <a:solidFill>
+                  <a:schemeClr val="tx1"/>
+                </a:solidFill>
+                <a:latin typeface="LM Roman 10" pitchFamily="2" charset="77"/>
+                <a:cs typeface="Didot" panose="02000503000000020003" pitchFamily="2" charset="-79"/>
+              </a:rPr>
+              <a:t>Wissen</a:t>
+            </a:r>
+            <a:endParaRPr lang="de-DE" dirty="0"/>
+          </a:p>
+        </p:txBody>
+      </p:sp>
+      <p:sp>
+        <p:nvSpPr>
+          <p:cNvPr id="5" name="Textfeld 4">
+            <a:extLst>
+              <a:ext uri="{FF2B5EF4-FFF2-40B4-BE49-F238E27FC236}">
+                <a16:creationId xmlns:a16="http://schemas.microsoft.com/office/drawing/2014/main" id="{D7D3A086-8B9A-E129-C00F-FF907175FB9E}"/>
+              </a:ext>
+            </a:extLst>
+          </p:cNvPr>
+          <p:cNvSpPr txBox="1"/>
+          <p:nvPr/>
+        </p:nvSpPr>
+        <p:spPr>
+          <a:xfrm>
+            <a:off x="2916004" y="4372098"/>
+            <a:ext cx="1317397" cy="369332"/>
+          </a:xfrm>
+          <a:prstGeom prst="rect">
+            <a:avLst/>
+          </a:prstGeom>
+          <a:noFill/>
+        </p:spPr>
+        <p:txBody>
+          <a:bodyPr wrap="square" rtlCol="0">
+            <a:spAutoFit/>
+          </a:bodyPr>
+          <a:lstStyle/>
+          <a:p>
+            <a:r>
+              <a:rPr lang="de-DE" sz="1800" dirty="0">
+                <a:solidFill>
+                  <a:schemeClr val="tx1"/>
+                </a:solidFill>
+                <a:latin typeface="LM Roman 10" pitchFamily="2" charset="77"/>
+                <a:cs typeface="Didot" panose="02000503000000020003" pitchFamily="2" charset="-79"/>
+              </a:rPr>
+              <a:t>Zielsetzung</a:t>
+            </a:r>
+            <a:endParaRPr lang="de-DE" dirty="0"/>
+          </a:p>
+        </p:txBody>
+      </p:sp>
+      <p:cxnSp>
+        <p:nvCxnSpPr>
+          <p:cNvPr id="22" name="Gerade Verbindung 21">
+            <a:extLst>
+              <a:ext uri="{FF2B5EF4-FFF2-40B4-BE49-F238E27FC236}">
+                <a16:creationId xmlns:a16="http://schemas.microsoft.com/office/drawing/2014/main" id="{AD32BFE3-B483-ED55-D7BC-516CD1BA28E4}"/>
+              </a:ext>
+            </a:extLst>
+          </p:cNvPr>
+          <p:cNvCxnSpPr>
+            <a:cxnSpLocks/>
+          </p:cNvCxnSpPr>
+          <p:nvPr/>
+        </p:nvCxnSpPr>
+        <p:spPr>
+          <a:xfrm>
+            <a:off x="5383449" y="2386360"/>
+            <a:ext cx="132901" cy="367283"/>
+          </a:xfrm>
+          <a:prstGeom prst="line">
+            <a:avLst/>
+          </a:prstGeom>
+          <a:ln>
+            <a:solidFill>
+              <a:schemeClr val="dk1"/>
+            </a:solidFill>
+          </a:ln>
+        </p:spPr>
+        <p:style>
+          <a:lnRef idx="2">
+            <a:schemeClr val="dk1"/>
+          </a:lnRef>
+          <a:fillRef idx="0">
+            <a:schemeClr val="dk1"/>
+          </a:fillRef>
+          <a:effectRef idx="1">
+            <a:schemeClr val="dk1"/>
+          </a:effectRef>
+          <a:fontRef idx="minor">
+            <a:schemeClr val="tx1"/>
+          </a:fontRef>
+        </p:style>
+      </p:cxnSp>
+      <p:cxnSp>
+        <p:nvCxnSpPr>
+          <p:cNvPr id="6" name="Gerade Verbindung 5">
+            <a:extLst>
+              <a:ext uri="{FF2B5EF4-FFF2-40B4-BE49-F238E27FC236}">
+                <a16:creationId xmlns:a16="http://schemas.microsoft.com/office/drawing/2014/main" id="{7E53602F-22DE-BC3A-9E47-4DD552842DD9}"/>
+              </a:ext>
+            </a:extLst>
+          </p:cNvPr>
+          <p:cNvCxnSpPr>
+            <a:cxnSpLocks/>
+          </p:cNvCxnSpPr>
+          <p:nvPr/>
+        </p:nvCxnSpPr>
+        <p:spPr>
+          <a:xfrm>
+            <a:off x="5472032" y="2318038"/>
+            <a:ext cx="132901" cy="367283"/>
+          </a:xfrm>
+          <a:prstGeom prst="line">
+            <a:avLst/>
+          </a:prstGeom>
+        </p:spPr>
+        <p:style>
+          <a:lnRef idx="2">
+            <a:schemeClr val="dk1"/>
+          </a:lnRef>
+          <a:fillRef idx="0">
+            <a:schemeClr val="dk1"/>
+          </a:fillRef>
+          <a:effectRef idx="1">
+            <a:schemeClr val="dk1"/>
+          </a:effectRef>
+          <a:fontRef idx="minor">
+            <a:schemeClr val="tx1"/>
+          </a:fontRef>
+        </p:style>
+      </p:cxnSp>
+      <p:cxnSp>
+        <p:nvCxnSpPr>
+          <p:cNvPr id="12" name="Gerade Verbindung 11">
+            <a:extLst>
+              <a:ext uri="{FF2B5EF4-FFF2-40B4-BE49-F238E27FC236}">
+                <a16:creationId xmlns:a16="http://schemas.microsoft.com/office/drawing/2014/main" id="{D757094C-B1C0-CCBD-A9D3-3EEE7A49A4AF}"/>
+              </a:ext>
+            </a:extLst>
+          </p:cNvPr>
+          <p:cNvCxnSpPr>
+            <a:cxnSpLocks/>
+          </p:cNvCxnSpPr>
+          <p:nvPr/>
+        </p:nvCxnSpPr>
+        <p:spPr>
+          <a:xfrm>
+            <a:off x="3753689" y="3524952"/>
+            <a:ext cx="132901" cy="367283"/>
+          </a:xfrm>
+          <a:prstGeom prst="line">
+            <a:avLst/>
+          </a:prstGeom>
+        </p:spPr>
+        <p:style>
+          <a:lnRef idx="2">
+            <a:schemeClr val="dk1"/>
+          </a:lnRef>
+          <a:fillRef idx="0">
+            <a:schemeClr val="dk1"/>
+          </a:fillRef>
+          <a:effectRef idx="1">
+            <a:schemeClr val="dk1"/>
+          </a:effectRef>
+          <a:fontRef idx="minor">
+            <a:schemeClr val="tx1"/>
+          </a:fontRef>
+        </p:style>
+      </p:cxnSp>
+      <p:cxnSp>
+        <p:nvCxnSpPr>
+          <p:cNvPr id="17" name="Gerade Verbindung 16">
+            <a:extLst>
+              <a:ext uri="{FF2B5EF4-FFF2-40B4-BE49-F238E27FC236}">
+                <a16:creationId xmlns:a16="http://schemas.microsoft.com/office/drawing/2014/main" id="{30811905-DBD2-EEEB-32FF-EEE7A4D200FA}"/>
+              </a:ext>
+            </a:extLst>
+          </p:cNvPr>
+          <p:cNvCxnSpPr>
+            <a:cxnSpLocks/>
+          </p:cNvCxnSpPr>
+          <p:nvPr/>
+        </p:nvCxnSpPr>
+        <p:spPr>
+          <a:xfrm>
+            <a:off x="3647004" y="3581490"/>
+            <a:ext cx="132901" cy="367283"/>
+          </a:xfrm>
+          <a:prstGeom prst="line">
+            <a:avLst/>
+          </a:prstGeom>
+        </p:spPr>
+        <p:style>
+          <a:lnRef idx="2">
+            <a:schemeClr val="dk1"/>
+          </a:lnRef>
+          <a:fillRef idx="0">
+            <a:schemeClr val="dk1"/>
+          </a:fillRef>
+          <a:effectRef idx="1">
+            <a:schemeClr val="dk1"/>
+          </a:effectRef>
+          <a:fontRef idx="minor">
+            <a:schemeClr val="tx1"/>
+          </a:fontRef>
+        </p:style>
+      </p:cxnSp>
+      <p:cxnSp>
+        <p:nvCxnSpPr>
+          <p:cNvPr id="24" name="Gerade Verbindung 23">
+            <a:extLst>
+              <a:ext uri="{FF2B5EF4-FFF2-40B4-BE49-F238E27FC236}">
+                <a16:creationId xmlns:a16="http://schemas.microsoft.com/office/drawing/2014/main" id="{AB24F447-4D2E-61C5-39B3-5A02916938BC}"/>
+              </a:ext>
+            </a:extLst>
+          </p:cNvPr>
+          <p:cNvCxnSpPr>
+            <a:cxnSpLocks/>
+          </p:cNvCxnSpPr>
+          <p:nvPr/>
+        </p:nvCxnSpPr>
+        <p:spPr>
+          <a:xfrm>
+            <a:off x="8188898" y="2152391"/>
+            <a:ext cx="132901" cy="367283"/>
+          </a:xfrm>
+          <a:prstGeom prst="line">
+            <a:avLst/>
+          </a:prstGeom>
+          <a:ln>
+            <a:solidFill>
+              <a:schemeClr val="dk1"/>
+            </a:solidFill>
+          </a:ln>
+        </p:spPr>
+        <p:style>
+          <a:lnRef idx="2">
+            <a:schemeClr val="dk1"/>
+          </a:lnRef>
+          <a:fillRef idx="0">
+            <a:schemeClr val="dk1"/>
+          </a:fillRef>
+          <a:effectRef idx="1">
+            <a:schemeClr val="dk1"/>
+          </a:effectRef>
+          <a:fontRef idx="minor">
+            <a:schemeClr val="tx1"/>
+          </a:fontRef>
+        </p:style>
+      </p:cxnSp>
+      <p:cxnSp>
+        <p:nvCxnSpPr>
+          <p:cNvPr id="25" name="Gerade Verbindung 24">
+            <a:extLst>
+              <a:ext uri="{FF2B5EF4-FFF2-40B4-BE49-F238E27FC236}">
+                <a16:creationId xmlns:a16="http://schemas.microsoft.com/office/drawing/2014/main" id="{50D3A56A-E32F-0F41-A095-C8EE30ED7390}"/>
+              </a:ext>
+            </a:extLst>
+          </p:cNvPr>
+          <p:cNvCxnSpPr>
+            <a:cxnSpLocks/>
+          </p:cNvCxnSpPr>
+          <p:nvPr/>
+        </p:nvCxnSpPr>
+        <p:spPr>
+          <a:xfrm>
+            <a:off x="8314853" y="2143508"/>
+            <a:ext cx="132901" cy="367283"/>
+          </a:xfrm>
+          <a:prstGeom prst="line">
+            <a:avLst/>
+          </a:prstGeom>
+          <a:ln>
+            <a:solidFill>
+              <a:schemeClr val="dk1"/>
+            </a:solidFill>
+          </a:ln>
+        </p:spPr>
+        <p:style>
+          <a:lnRef idx="2">
+            <a:schemeClr val="dk1"/>
+          </a:lnRef>
+          <a:fillRef idx="0">
+            <a:schemeClr val="dk1"/>
+          </a:fillRef>
+          <a:effectRef idx="1">
+            <a:schemeClr val="dk1"/>
+          </a:effectRef>
+          <a:fontRef idx="minor">
+            <a:schemeClr val="tx1"/>
+          </a:fontRef>
+        </p:style>
+      </p:cxnSp>
+    </p:spTree>
+    <p:extLst>
+      <p:ext uri="{BB962C8B-B14F-4D97-AF65-F5344CB8AC3E}">
+        <p14:creationId xmlns:p14="http://schemas.microsoft.com/office/powerpoint/2010/main" val="1390107840"/>
+      </p:ext>
+    </p:extLst>
+  </p:cSld>
+  <p:clrMapOvr>
+    <a:masterClrMapping/>
+  </p:clrMapOvr>
+</p:sld>
+</file>
+
+<file path=ppt/slides/slide5.xml><?xml version="1.0" encoding="utf-8"?>
+<p:sld xmlns:a="http://schemas.openxmlformats.org/drawingml/2006/main" xmlns:r="http://schemas.openxmlformats.org/officeDocument/2006/relationships" xmlns:p="http://schemas.openxmlformats.org/presentationml/2006/main">
+  <p:cSld>
+    <p:spTree>
+      <p:nvGrpSpPr>
+        <p:cNvPr id="1" name=""/>
+        <p:cNvGrpSpPr/>
+        <p:nvPr/>
+      </p:nvGrpSpPr>
+      <p:grpSpPr>
+        <a:xfrm>
+          <a:off x="0" y="0"/>
+          <a:ext cx="0" cy="0"/>
+          <a:chOff x="0" y="0"/>
+          <a:chExt cx="0" cy="0"/>
+        </a:xfrm>
+      </p:grpSpPr>
+      <p:sp>
+        <p:nvSpPr>
+          <p:cNvPr id="4" name="Rectangle: Rounded Corners 3">
+            <a:extLst>
+              <a:ext uri="{FF2B5EF4-FFF2-40B4-BE49-F238E27FC236}">
+                <a16:creationId xmlns:a16="http://schemas.microsoft.com/office/drawing/2014/main" id="{2D443806-1B78-F60A-17BD-3154C6BDE4EA}"/>
+              </a:ext>
+            </a:extLst>
+          </p:cNvPr>
+          <p:cNvSpPr/>
+          <p:nvPr/>
+        </p:nvSpPr>
+        <p:spPr>
+          <a:xfrm>
+            <a:off x="90197" y="149290"/>
+            <a:ext cx="12011608" cy="6559420"/>
+          </a:xfrm>
+          <a:prstGeom prst="roundRect">
+            <a:avLst>
+              <a:gd name="adj" fmla="val 2087"/>
+            </a:avLst>
+          </a:prstGeom>
+          <a:noFill/>
+          <a:ln>
+            <a:solidFill>
+              <a:schemeClr val="tx1"/>
+            </a:solidFill>
+            <a:prstDash val="dash"/>
+            <a:extLst>
+              <a:ext uri="{C807C97D-BFC1-408E-A445-0C87EB9F89A2}">
+                <ask:lineSketchStyleProps xmlns:ask="http://schemas.microsoft.com/office/drawing/2018/sketchyshapes" sd="1219033472">
+                  <a:custGeom>
+                    <a:avLst/>
+                    <a:gdLst>
+                      <a:gd name="connsiteX0" fmla="*/ 0 w 12011608"/>
+                      <a:gd name="connsiteY0" fmla="*/ 1093259 h 6559420"/>
+                      <a:gd name="connsiteX1" fmla="*/ 1093259 w 12011608"/>
+                      <a:gd name="connsiteY1" fmla="*/ 0 h 6559420"/>
+                      <a:gd name="connsiteX2" fmla="*/ 10918349 w 12011608"/>
+                      <a:gd name="connsiteY2" fmla="*/ 0 h 6559420"/>
+                      <a:gd name="connsiteX3" fmla="*/ 12011608 w 12011608"/>
+                      <a:gd name="connsiteY3" fmla="*/ 1093259 h 6559420"/>
+                      <a:gd name="connsiteX4" fmla="*/ 12011608 w 12011608"/>
+                      <a:gd name="connsiteY4" fmla="*/ 5466161 h 6559420"/>
+                      <a:gd name="connsiteX5" fmla="*/ 10918349 w 12011608"/>
+                      <a:gd name="connsiteY5" fmla="*/ 6559420 h 6559420"/>
+                      <a:gd name="connsiteX6" fmla="*/ 1093259 w 12011608"/>
+                      <a:gd name="connsiteY6" fmla="*/ 6559420 h 6559420"/>
+                      <a:gd name="connsiteX7" fmla="*/ 0 w 12011608"/>
+                      <a:gd name="connsiteY7" fmla="*/ 5466161 h 6559420"/>
+                      <a:gd name="connsiteX8" fmla="*/ 0 w 12011608"/>
+                      <a:gd name="connsiteY8" fmla="*/ 1093259 h 6559420"/>
+                    </a:gdLst>
+                    <a:ahLst/>
+                    <a:cxnLst>
+                      <a:cxn ang="0">
+                        <a:pos x="connsiteX0" y="connsiteY0"/>
+                      </a:cxn>
+                      <a:cxn ang="0">
+                        <a:pos x="connsiteX1" y="connsiteY1"/>
+                      </a:cxn>
+                      <a:cxn ang="0">
+                        <a:pos x="connsiteX2" y="connsiteY2"/>
+                      </a:cxn>
+                      <a:cxn ang="0">
+                        <a:pos x="connsiteX3" y="connsiteY3"/>
+                      </a:cxn>
+                      <a:cxn ang="0">
+                        <a:pos x="connsiteX4" y="connsiteY4"/>
+                      </a:cxn>
+                      <a:cxn ang="0">
+                        <a:pos x="connsiteX5" y="connsiteY5"/>
+                      </a:cxn>
+                      <a:cxn ang="0">
+                        <a:pos x="connsiteX6" y="connsiteY6"/>
+                      </a:cxn>
+                      <a:cxn ang="0">
+                        <a:pos x="connsiteX7" y="connsiteY7"/>
+                      </a:cxn>
+                      <a:cxn ang="0">
+                        <a:pos x="connsiteX8" y="connsiteY8"/>
+                      </a:cxn>
+                    </a:cxnLst>
+                    <a:rect l="l" t="t" r="r" b="b"/>
+                    <a:pathLst>
+                      <a:path w="12011608" h="6559420" extrusionOk="0">
+                        <a:moveTo>
+                          <a:pt x="0" y="1093259"/>
+                        </a:moveTo>
+                        <a:cubicBezTo>
+                          <a:pt x="-7845" y="484630"/>
+                          <a:pt x="467865" y="8108"/>
+                          <a:pt x="1093259" y="0"/>
+                        </a:cubicBezTo>
+                        <a:cubicBezTo>
+                          <a:pt x="4384189" y="132882"/>
+                          <a:pt x="7819229" y="-84951"/>
+                          <a:pt x="10918349" y="0"/>
+                        </a:cubicBezTo>
+                        <a:cubicBezTo>
+                          <a:pt x="11473475" y="47523"/>
+                          <a:pt x="11990134" y="608160"/>
+                          <a:pt x="12011608" y="1093259"/>
+                        </a:cubicBezTo>
+                        <a:cubicBezTo>
+                          <a:pt x="12031795" y="2900874"/>
+                          <a:pt x="12164088" y="4134857"/>
+                          <a:pt x="12011608" y="5466161"/>
+                        </a:cubicBezTo>
+                        <a:cubicBezTo>
+                          <a:pt x="12036918" y="6072954"/>
+                          <a:pt x="11571857" y="6457101"/>
+                          <a:pt x="10918349" y="6559420"/>
+                        </a:cubicBezTo>
+                        <a:cubicBezTo>
+                          <a:pt x="9602557" y="6647059"/>
+                          <a:pt x="3354151" y="6486741"/>
+                          <a:pt x="1093259" y="6559420"/>
+                        </a:cubicBezTo>
+                        <a:cubicBezTo>
+                          <a:pt x="482666" y="6494544"/>
+                          <a:pt x="-19749" y="6097396"/>
+                          <a:pt x="0" y="5466161"/>
+                        </a:cubicBezTo>
+                        <a:cubicBezTo>
+                          <a:pt x="-38581" y="3816704"/>
+                          <a:pt x="63341" y="3160269"/>
+                          <a:pt x="0" y="1093259"/>
+                        </a:cubicBezTo>
+                        <a:close/>
+                      </a:path>
+                    </a:pathLst>
+                  </a:custGeom>
+                  <ask:type>
+                    <ask:lineSketchNone/>
+                  </ask:type>
+                </ask:lineSketchStyleProps>
+              </a:ext>
+            </a:extLst>
+          </a:ln>
+        </p:spPr>
+        <p:style>
+          <a:lnRef idx="2">
+            <a:schemeClr val="accent1">
+              <a:shade val="50000"/>
+            </a:schemeClr>
+          </a:lnRef>
+          <a:fillRef idx="1">
+            <a:schemeClr val="accent1"/>
+          </a:fillRef>
+          <a:effectRef idx="0">
+            <a:schemeClr val="accent1"/>
+          </a:effectRef>
+          <a:fontRef idx="minor">
+            <a:schemeClr val="lt1"/>
+          </a:fontRef>
+        </p:style>
+        <p:txBody>
+          <a:bodyPr rtlCol="0" anchor="ctr"/>
+          <a:lstStyle/>
+          <a:p>
+            <a:pPr algn="ctr"/>
+            <a:endParaRPr lang="en-US" dirty="0">
+              <a:latin typeface="LM Roman 10" pitchFamily="2" charset="77"/>
+              <a:cs typeface="Didot" panose="02000503000000020003" pitchFamily="2" charset="-79"/>
+            </a:endParaRPr>
+          </a:p>
+        </p:txBody>
+      </p:sp>
+      <p:sp>
+        <p:nvSpPr>
+          <p:cNvPr id="7" name="Rectangle: Rounded Corners 6">
+            <a:extLst>
+              <a:ext uri="{FF2B5EF4-FFF2-40B4-BE49-F238E27FC236}">
+                <a16:creationId xmlns:a16="http://schemas.microsoft.com/office/drawing/2014/main" id="{7E31F85C-7964-9E7D-59BD-F1D7029E5CEF}"/>
+              </a:ext>
+            </a:extLst>
+          </p:cNvPr>
+          <p:cNvSpPr/>
+          <p:nvPr/>
+        </p:nvSpPr>
+        <p:spPr>
+          <a:xfrm>
+            <a:off x="400881" y="522757"/>
+            <a:ext cx="11390238" cy="5812486"/>
+          </a:xfrm>
+          <a:prstGeom prst="roundRect">
+            <a:avLst>
+              <a:gd name="adj" fmla="val 2087"/>
+            </a:avLst>
+          </a:prstGeom>
+          <a:noFill/>
+          <a:ln>
+            <a:solidFill>
+              <a:schemeClr val="tx1"/>
+            </a:solidFill>
+            <a:prstDash val="dash"/>
+            <a:extLst>
+              <a:ext uri="{C807C97D-BFC1-408E-A445-0C87EB9F89A2}">
+                <ask:lineSketchStyleProps xmlns:ask="http://schemas.microsoft.com/office/drawing/2018/sketchyshapes" sd="1219033472">
+                  <a:custGeom>
+                    <a:avLst/>
+                    <a:gdLst>
+                      <a:gd name="connsiteX0" fmla="*/ 0 w 12011608"/>
+                      <a:gd name="connsiteY0" fmla="*/ 1093259 h 6559420"/>
+                      <a:gd name="connsiteX1" fmla="*/ 1093259 w 12011608"/>
+                      <a:gd name="connsiteY1" fmla="*/ 0 h 6559420"/>
+                      <a:gd name="connsiteX2" fmla="*/ 10918349 w 12011608"/>
+                      <a:gd name="connsiteY2" fmla="*/ 0 h 6559420"/>
+                      <a:gd name="connsiteX3" fmla="*/ 12011608 w 12011608"/>
+                      <a:gd name="connsiteY3" fmla="*/ 1093259 h 6559420"/>
+                      <a:gd name="connsiteX4" fmla="*/ 12011608 w 12011608"/>
+                      <a:gd name="connsiteY4" fmla="*/ 5466161 h 6559420"/>
+                      <a:gd name="connsiteX5" fmla="*/ 10918349 w 12011608"/>
+                      <a:gd name="connsiteY5" fmla="*/ 6559420 h 6559420"/>
+                      <a:gd name="connsiteX6" fmla="*/ 1093259 w 12011608"/>
+                      <a:gd name="connsiteY6" fmla="*/ 6559420 h 6559420"/>
+                      <a:gd name="connsiteX7" fmla="*/ 0 w 12011608"/>
+                      <a:gd name="connsiteY7" fmla="*/ 5466161 h 6559420"/>
+                      <a:gd name="connsiteX8" fmla="*/ 0 w 12011608"/>
+                      <a:gd name="connsiteY8" fmla="*/ 1093259 h 6559420"/>
+                    </a:gdLst>
+                    <a:ahLst/>
+                    <a:cxnLst>
+                      <a:cxn ang="0">
+                        <a:pos x="connsiteX0" y="connsiteY0"/>
+                      </a:cxn>
+                      <a:cxn ang="0">
+                        <a:pos x="connsiteX1" y="connsiteY1"/>
+                      </a:cxn>
+                      <a:cxn ang="0">
+                        <a:pos x="connsiteX2" y="connsiteY2"/>
+                      </a:cxn>
+                      <a:cxn ang="0">
+                        <a:pos x="connsiteX3" y="connsiteY3"/>
+                      </a:cxn>
+                      <a:cxn ang="0">
+                        <a:pos x="connsiteX4" y="connsiteY4"/>
+                      </a:cxn>
+                      <a:cxn ang="0">
+                        <a:pos x="connsiteX5" y="connsiteY5"/>
+                      </a:cxn>
+                      <a:cxn ang="0">
+                        <a:pos x="connsiteX6" y="connsiteY6"/>
+                      </a:cxn>
+                      <a:cxn ang="0">
+                        <a:pos x="connsiteX7" y="connsiteY7"/>
+                      </a:cxn>
+                      <a:cxn ang="0">
+                        <a:pos x="connsiteX8" y="connsiteY8"/>
+                      </a:cxn>
+                    </a:cxnLst>
+                    <a:rect l="l" t="t" r="r" b="b"/>
+                    <a:pathLst>
+                      <a:path w="12011608" h="6559420" extrusionOk="0">
+                        <a:moveTo>
+                          <a:pt x="0" y="1093259"/>
+                        </a:moveTo>
+                        <a:cubicBezTo>
+                          <a:pt x="-7845" y="484630"/>
+                          <a:pt x="467865" y="8108"/>
+                          <a:pt x="1093259" y="0"/>
+                        </a:cubicBezTo>
+                        <a:cubicBezTo>
+                          <a:pt x="4384189" y="132882"/>
+                          <a:pt x="7819229" y="-84951"/>
+                          <a:pt x="10918349" y="0"/>
+                        </a:cubicBezTo>
+                        <a:cubicBezTo>
+                          <a:pt x="11473475" y="47523"/>
+                          <a:pt x="11990134" y="608160"/>
+                          <a:pt x="12011608" y="1093259"/>
+                        </a:cubicBezTo>
+                        <a:cubicBezTo>
+                          <a:pt x="12031795" y="2900874"/>
+                          <a:pt x="12164088" y="4134857"/>
+                          <a:pt x="12011608" y="5466161"/>
+                        </a:cubicBezTo>
+                        <a:cubicBezTo>
+                          <a:pt x="12036918" y="6072954"/>
+                          <a:pt x="11571857" y="6457101"/>
+                          <a:pt x="10918349" y="6559420"/>
+                        </a:cubicBezTo>
+                        <a:cubicBezTo>
+                          <a:pt x="9602557" y="6647059"/>
+                          <a:pt x="3354151" y="6486741"/>
+                          <a:pt x="1093259" y="6559420"/>
+                        </a:cubicBezTo>
+                        <a:cubicBezTo>
+                          <a:pt x="482666" y="6494544"/>
+                          <a:pt x="-19749" y="6097396"/>
+                          <a:pt x="0" y="5466161"/>
+                        </a:cubicBezTo>
+                        <a:cubicBezTo>
+                          <a:pt x="-38581" y="3816704"/>
+                          <a:pt x="63341" y="3160269"/>
+                          <a:pt x="0" y="1093259"/>
+                        </a:cubicBezTo>
+                        <a:close/>
+                      </a:path>
+                    </a:pathLst>
+                  </a:custGeom>
+                  <ask:type>
+                    <ask:lineSketchNone/>
+                  </ask:type>
+                </ask:lineSketchStyleProps>
+              </a:ext>
+            </a:extLst>
+          </a:ln>
+        </p:spPr>
+        <p:style>
+          <a:lnRef idx="2">
+            <a:schemeClr val="accent1">
+              <a:shade val="50000"/>
+            </a:schemeClr>
+          </a:lnRef>
+          <a:fillRef idx="1">
+            <a:schemeClr val="accent1"/>
+          </a:fillRef>
+          <a:effectRef idx="0">
+            <a:schemeClr val="accent1"/>
+          </a:effectRef>
+          <a:fontRef idx="minor">
+            <a:schemeClr val="lt1"/>
+          </a:fontRef>
+        </p:style>
+        <p:txBody>
+          <a:bodyPr rtlCol="0" anchor="ctr"/>
+          <a:lstStyle/>
+          <a:p>
+            <a:pPr algn="ctr"/>
+            <a:endParaRPr lang="en-US" dirty="0">
+              <a:latin typeface="LM Roman 10" pitchFamily="2" charset="77"/>
+              <a:cs typeface="Didot" panose="02000503000000020003" pitchFamily="2" charset="-79"/>
+            </a:endParaRPr>
+          </a:p>
+        </p:txBody>
+      </p:sp>
+      <p:sp>
+        <p:nvSpPr>
+          <p:cNvPr id="8" name="Rectangle: Rounded Corners 7">
+            <a:extLst>
+              <a:ext uri="{FF2B5EF4-FFF2-40B4-BE49-F238E27FC236}">
+                <a16:creationId xmlns:a16="http://schemas.microsoft.com/office/drawing/2014/main" id="{7751CDBA-94D4-E5A6-7DF9-44DFA078906F}"/>
+              </a:ext>
+            </a:extLst>
+          </p:cNvPr>
+          <p:cNvSpPr/>
+          <p:nvPr/>
+        </p:nvSpPr>
+        <p:spPr>
+          <a:xfrm>
+            <a:off x="820633" y="867212"/>
+            <a:ext cx="7585136" cy="5123576"/>
+          </a:xfrm>
+          <a:prstGeom prst="roundRect">
+            <a:avLst>
+              <a:gd name="adj" fmla="val 2087"/>
+            </a:avLst>
+          </a:prstGeom>
+          <a:noFill/>
+          <a:ln>
+            <a:solidFill>
+              <a:schemeClr val="tx1"/>
+            </a:solidFill>
+            <a:prstDash val="dash"/>
+            <a:extLst>
+              <a:ext uri="{C807C97D-BFC1-408E-A445-0C87EB9F89A2}">
+                <ask:lineSketchStyleProps xmlns:ask="http://schemas.microsoft.com/office/drawing/2018/sketchyshapes" sd="1219033472">
+                  <a:custGeom>
+                    <a:avLst/>
+                    <a:gdLst>
+                      <a:gd name="connsiteX0" fmla="*/ 0 w 12011608"/>
+                      <a:gd name="connsiteY0" fmla="*/ 1093259 h 6559420"/>
+                      <a:gd name="connsiteX1" fmla="*/ 1093259 w 12011608"/>
+                      <a:gd name="connsiteY1" fmla="*/ 0 h 6559420"/>
+                      <a:gd name="connsiteX2" fmla="*/ 10918349 w 12011608"/>
+                      <a:gd name="connsiteY2" fmla="*/ 0 h 6559420"/>
+                      <a:gd name="connsiteX3" fmla="*/ 12011608 w 12011608"/>
+                      <a:gd name="connsiteY3" fmla="*/ 1093259 h 6559420"/>
+                      <a:gd name="connsiteX4" fmla="*/ 12011608 w 12011608"/>
+                      <a:gd name="connsiteY4" fmla="*/ 5466161 h 6559420"/>
+                      <a:gd name="connsiteX5" fmla="*/ 10918349 w 12011608"/>
+                      <a:gd name="connsiteY5" fmla="*/ 6559420 h 6559420"/>
+                      <a:gd name="connsiteX6" fmla="*/ 1093259 w 12011608"/>
+                      <a:gd name="connsiteY6" fmla="*/ 6559420 h 6559420"/>
+                      <a:gd name="connsiteX7" fmla="*/ 0 w 12011608"/>
+                      <a:gd name="connsiteY7" fmla="*/ 5466161 h 6559420"/>
+                      <a:gd name="connsiteX8" fmla="*/ 0 w 12011608"/>
+                      <a:gd name="connsiteY8" fmla="*/ 1093259 h 6559420"/>
+                    </a:gdLst>
+                    <a:ahLst/>
+                    <a:cxnLst>
+                      <a:cxn ang="0">
+                        <a:pos x="connsiteX0" y="connsiteY0"/>
+                      </a:cxn>
+                      <a:cxn ang="0">
+                        <a:pos x="connsiteX1" y="connsiteY1"/>
+                      </a:cxn>
+                      <a:cxn ang="0">
+                        <a:pos x="connsiteX2" y="connsiteY2"/>
+                      </a:cxn>
+                      <a:cxn ang="0">
+                        <a:pos x="connsiteX3" y="connsiteY3"/>
+                      </a:cxn>
+                      <a:cxn ang="0">
+                        <a:pos x="connsiteX4" y="connsiteY4"/>
+                      </a:cxn>
+                      <a:cxn ang="0">
+                        <a:pos x="connsiteX5" y="connsiteY5"/>
+                      </a:cxn>
+                      <a:cxn ang="0">
+                        <a:pos x="connsiteX6" y="connsiteY6"/>
+                      </a:cxn>
+                      <a:cxn ang="0">
+                        <a:pos x="connsiteX7" y="connsiteY7"/>
+                      </a:cxn>
+                      <a:cxn ang="0">
+                        <a:pos x="connsiteX8" y="connsiteY8"/>
+                      </a:cxn>
+                    </a:cxnLst>
+                    <a:rect l="l" t="t" r="r" b="b"/>
+                    <a:pathLst>
+                      <a:path w="12011608" h="6559420" extrusionOk="0">
+                        <a:moveTo>
+                          <a:pt x="0" y="1093259"/>
+                        </a:moveTo>
+                        <a:cubicBezTo>
+                          <a:pt x="-7845" y="484630"/>
+                          <a:pt x="467865" y="8108"/>
+                          <a:pt x="1093259" y="0"/>
+                        </a:cubicBezTo>
+                        <a:cubicBezTo>
+                          <a:pt x="4384189" y="132882"/>
+                          <a:pt x="7819229" y="-84951"/>
+                          <a:pt x="10918349" y="0"/>
+                        </a:cubicBezTo>
+                        <a:cubicBezTo>
+                          <a:pt x="11473475" y="47523"/>
+                          <a:pt x="11990134" y="608160"/>
+                          <a:pt x="12011608" y="1093259"/>
+                        </a:cubicBezTo>
+                        <a:cubicBezTo>
+                          <a:pt x="12031795" y="2900874"/>
+                          <a:pt x="12164088" y="4134857"/>
+                          <a:pt x="12011608" y="5466161"/>
+                        </a:cubicBezTo>
+                        <a:cubicBezTo>
+                          <a:pt x="12036918" y="6072954"/>
+                          <a:pt x="11571857" y="6457101"/>
+                          <a:pt x="10918349" y="6559420"/>
+                        </a:cubicBezTo>
+                        <a:cubicBezTo>
+                          <a:pt x="9602557" y="6647059"/>
+                          <a:pt x="3354151" y="6486741"/>
+                          <a:pt x="1093259" y="6559420"/>
+                        </a:cubicBezTo>
+                        <a:cubicBezTo>
+                          <a:pt x="482666" y="6494544"/>
+                          <a:pt x="-19749" y="6097396"/>
+                          <a:pt x="0" y="5466161"/>
+                        </a:cubicBezTo>
+                        <a:cubicBezTo>
+                          <a:pt x="-38581" y="3816704"/>
+                          <a:pt x="63341" y="3160269"/>
+                          <a:pt x="0" y="1093259"/>
+                        </a:cubicBezTo>
+                        <a:close/>
+                      </a:path>
+                    </a:pathLst>
+                  </a:custGeom>
+                  <ask:type>
+                    <ask:lineSketchNone/>
+                  </ask:type>
+                </ask:lineSketchStyleProps>
+              </a:ext>
+            </a:extLst>
+          </a:ln>
+        </p:spPr>
+        <p:style>
+          <a:lnRef idx="2">
+            <a:schemeClr val="accent1">
+              <a:shade val="50000"/>
+            </a:schemeClr>
+          </a:lnRef>
+          <a:fillRef idx="1">
+            <a:schemeClr val="accent1"/>
+          </a:fillRef>
+          <a:effectRef idx="0">
+            <a:schemeClr val="accent1"/>
+          </a:effectRef>
+          <a:fontRef idx="minor">
+            <a:schemeClr val="lt1"/>
+          </a:fontRef>
+        </p:style>
+        <p:txBody>
+          <a:bodyPr rtlCol="0" anchor="ctr"/>
+          <a:lstStyle/>
+          <a:p>
+            <a:pPr algn="ctr"/>
+            <a:endParaRPr lang="en-US" dirty="0">
+              <a:latin typeface="LM Roman 10" pitchFamily="2" charset="77"/>
+              <a:cs typeface="Didot" panose="02000503000000020003" pitchFamily="2" charset="-79"/>
+            </a:endParaRPr>
+          </a:p>
+        </p:txBody>
+      </p:sp>
+      <p:sp>
+        <p:nvSpPr>
+          <p:cNvPr id="9" name="TextBox 8">
+            <a:extLst>
+              <a:ext uri="{FF2B5EF4-FFF2-40B4-BE49-F238E27FC236}">
+                <a16:creationId xmlns:a16="http://schemas.microsoft.com/office/drawing/2014/main" id="{54F6159C-C000-718D-1CB8-474645C5C703}"/>
+              </a:ext>
+            </a:extLst>
+          </p:cNvPr>
+          <p:cNvSpPr txBox="1"/>
+          <p:nvPr/>
+        </p:nvSpPr>
+        <p:spPr>
+          <a:xfrm>
+            <a:off x="153174" y="153425"/>
+            <a:ext cx="2820003" cy="338554"/>
+          </a:xfrm>
+          <a:prstGeom prst="rect">
+            <a:avLst/>
+          </a:prstGeom>
+          <a:noFill/>
+        </p:spPr>
+        <p:txBody>
+          <a:bodyPr wrap="none" rtlCol="0">
+            <a:spAutoFit/>
+          </a:bodyPr>
+          <a:lstStyle/>
+          <a:p>
+            <a:r>
+              <a:rPr lang="de-DE" sz="1600" dirty="0">
+                <a:latin typeface="LM Roman 10" pitchFamily="2" charset="77"/>
+                <a:cs typeface="Didot" panose="02000503000000020003" pitchFamily="2" charset="-79"/>
+              </a:rPr>
+              <a:t>Charakteristika der Kontexte</a:t>
+            </a:r>
+            <a:endParaRPr lang="en-US" dirty="0">
+              <a:latin typeface="LM Roman 10" pitchFamily="2" charset="77"/>
+              <a:cs typeface="Didot" panose="02000503000000020003" pitchFamily="2" charset="-79"/>
+            </a:endParaRPr>
+          </a:p>
+        </p:txBody>
+      </p:sp>
+      <p:sp>
+        <p:nvSpPr>
+          <p:cNvPr id="10" name="TextBox 9">
+            <a:extLst>
+              <a:ext uri="{FF2B5EF4-FFF2-40B4-BE49-F238E27FC236}">
+                <a16:creationId xmlns:a16="http://schemas.microsoft.com/office/drawing/2014/main" id="{7089942B-64B4-A49D-35FF-C2AF5B72F395}"/>
+              </a:ext>
+            </a:extLst>
+          </p:cNvPr>
+          <p:cNvSpPr txBox="1"/>
+          <p:nvPr/>
+        </p:nvSpPr>
+        <p:spPr>
+          <a:xfrm>
+            <a:off x="400881" y="510319"/>
+            <a:ext cx="2965877" cy="338554"/>
+          </a:xfrm>
+          <a:prstGeom prst="rect">
+            <a:avLst/>
+          </a:prstGeom>
+          <a:noFill/>
+        </p:spPr>
+        <p:txBody>
+          <a:bodyPr wrap="none" rtlCol="0">
+            <a:spAutoFit/>
+          </a:bodyPr>
+          <a:lstStyle/>
+          <a:p>
+            <a:r>
+              <a:rPr lang="de-DE" sz="1600" dirty="0">
+                <a:latin typeface="LM Roman 10" pitchFamily="2" charset="77"/>
+                <a:cs typeface="Didot" panose="02000503000000020003" pitchFamily="2" charset="-79"/>
+              </a:rPr>
+              <a:t>Charakteristika der Nutzenden</a:t>
+            </a:r>
+            <a:endParaRPr lang="en-US" sz="1600" dirty="0">
+              <a:latin typeface="LM Roman 10" pitchFamily="2" charset="77"/>
+              <a:cs typeface="Didot" panose="02000503000000020003" pitchFamily="2" charset="-79"/>
+            </a:endParaRPr>
+          </a:p>
+        </p:txBody>
+      </p:sp>
+      <p:sp>
+        <p:nvSpPr>
+          <p:cNvPr id="11" name="TextBox 10">
+            <a:extLst>
+              <a:ext uri="{FF2B5EF4-FFF2-40B4-BE49-F238E27FC236}">
+                <a16:creationId xmlns:a16="http://schemas.microsoft.com/office/drawing/2014/main" id="{13879C0C-1EBE-1092-85BE-105AC4D194FF}"/>
+              </a:ext>
+            </a:extLst>
+          </p:cNvPr>
+          <p:cNvSpPr txBox="1"/>
+          <p:nvPr/>
+        </p:nvSpPr>
+        <p:spPr>
+          <a:xfrm>
+            <a:off x="820633" y="879401"/>
+            <a:ext cx="2719014" cy="338554"/>
+          </a:xfrm>
+          <a:prstGeom prst="rect">
+            <a:avLst/>
+          </a:prstGeom>
+          <a:noFill/>
+        </p:spPr>
+        <p:txBody>
+          <a:bodyPr wrap="none" rtlCol="0">
+            <a:spAutoFit/>
+          </a:bodyPr>
+          <a:lstStyle/>
+          <a:p>
+            <a:r>
+              <a:rPr lang="de-DE" sz="1600" dirty="0">
+                <a:latin typeface="LM Roman 10" pitchFamily="2" charset="77"/>
+                <a:cs typeface="Didot" panose="02000503000000020003" pitchFamily="2" charset="-79"/>
+              </a:rPr>
+              <a:t>Charakteristika der Evidenz</a:t>
+            </a:r>
+            <a:endParaRPr lang="en-US" sz="1600" dirty="0">
+              <a:latin typeface="LM Roman 10" pitchFamily="2" charset="77"/>
+              <a:cs typeface="Didot" panose="02000503000000020003" pitchFamily="2" charset="-79"/>
+            </a:endParaRPr>
+          </a:p>
+        </p:txBody>
+      </p:sp>
+      <p:sp>
+        <p:nvSpPr>
+          <p:cNvPr id="13" name="Oval 12">
+            <a:extLst>
+              <a:ext uri="{FF2B5EF4-FFF2-40B4-BE49-F238E27FC236}">
+                <a16:creationId xmlns:a16="http://schemas.microsoft.com/office/drawing/2014/main" id="{1D8693F1-4AF6-B64B-4F0A-B464A18041CC}"/>
+              </a:ext>
+            </a:extLst>
+          </p:cNvPr>
+          <p:cNvSpPr/>
+          <p:nvPr/>
+        </p:nvSpPr>
+        <p:spPr>
+          <a:xfrm>
+            <a:off x="2759362" y="4212309"/>
+            <a:ext cx="1630680" cy="754380"/>
+          </a:xfrm>
+          <a:prstGeom prst="ellipse">
+            <a:avLst/>
+          </a:prstGeom>
+          <a:solidFill>
+            <a:schemeClr val="bg1"/>
+          </a:solidFill>
+          <a:ln>
+            <a:solidFill>
+              <a:schemeClr val="tx1"/>
+            </a:solidFill>
+          </a:ln>
+          <a:effectLst>
+            <a:outerShdw blurRad="50800" dist="38100" dir="2700000" algn="tl" rotWithShape="0">
+              <a:prstClr val="black">
+                <a:alpha val="40000"/>
+              </a:prstClr>
+            </a:outerShdw>
+          </a:effectLst>
+        </p:spPr>
+        <p:style>
+          <a:lnRef idx="2">
+            <a:schemeClr val="accent1">
+              <a:shade val="50000"/>
+            </a:schemeClr>
+          </a:lnRef>
+          <a:fillRef idx="1">
+            <a:schemeClr val="accent1"/>
+          </a:fillRef>
+          <a:effectRef idx="0">
+            <a:schemeClr val="accent1"/>
+          </a:effectRef>
+          <a:fontRef idx="minor">
+            <a:schemeClr val="lt1"/>
+          </a:fontRef>
+        </p:style>
+        <p:txBody>
+          <a:bodyPr rtlCol="0" anchor="ctr"/>
+          <a:lstStyle/>
+          <a:p>
+            <a:pPr algn="ctr"/>
+            <a:r>
+              <a:rPr lang="de-DE" dirty="0">
+                <a:solidFill>
+                  <a:schemeClr val="tx1"/>
+                </a:solidFill>
+                <a:latin typeface="LM Roman 10" pitchFamily="2" charset="77"/>
+                <a:cs typeface="Didot" panose="02000503000000020003" pitchFamily="2" charset="-79"/>
+              </a:rPr>
+              <a:t> </a:t>
+            </a:r>
+            <a:endParaRPr lang="en-US" dirty="0">
+              <a:solidFill>
+                <a:schemeClr val="tx1"/>
+              </a:solidFill>
+              <a:latin typeface="LM Roman 10" pitchFamily="2" charset="77"/>
+              <a:cs typeface="Didot" panose="02000503000000020003" pitchFamily="2" charset="-79"/>
+            </a:endParaRPr>
+          </a:p>
+        </p:txBody>
+      </p:sp>
+      <p:sp>
+        <p:nvSpPr>
+          <p:cNvPr id="14" name="Oval 13">
+            <a:extLst>
+              <a:ext uri="{FF2B5EF4-FFF2-40B4-BE49-F238E27FC236}">
+                <a16:creationId xmlns:a16="http://schemas.microsoft.com/office/drawing/2014/main" id="{2A14B365-C792-8A6C-8E80-FF83C67B5D55}"/>
+              </a:ext>
+            </a:extLst>
+          </p:cNvPr>
+          <p:cNvSpPr/>
+          <p:nvPr/>
+        </p:nvSpPr>
+        <p:spPr>
+          <a:xfrm>
+            <a:off x="4390042" y="3088597"/>
+            <a:ext cx="1630680" cy="754380"/>
+          </a:xfrm>
+          <a:prstGeom prst="ellipse">
+            <a:avLst/>
+          </a:prstGeom>
+          <a:solidFill>
+            <a:schemeClr val="bg1"/>
+          </a:solidFill>
+          <a:ln>
+            <a:solidFill>
+              <a:schemeClr val="tx1"/>
+            </a:solidFill>
+          </a:ln>
+          <a:effectLst>
+            <a:outerShdw blurRad="50800" dist="38100" dir="2700000" algn="tl" rotWithShape="0">
+              <a:prstClr val="black">
+                <a:alpha val="40000"/>
+              </a:prstClr>
+            </a:outerShdw>
+          </a:effectLst>
+        </p:spPr>
+        <p:style>
+          <a:lnRef idx="2">
+            <a:schemeClr val="accent1">
+              <a:shade val="50000"/>
+            </a:schemeClr>
+          </a:lnRef>
+          <a:fillRef idx="1">
+            <a:schemeClr val="accent1"/>
+          </a:fillRef>
+          <a:effectRef idx="0">
+            <a:schemeClr val="accent1"/>
+          </a:effectRef>
+          <a:fontRef idx="minor">
+            <a:schemeClr val="lt1"/>
+          </a:fontRef>
+        </p:style>
+        <p:txBody>
+          <a:bodyPr rtlCol="0" anchor="ctr"/>
+          <a:lstStyle/>
+          <a:p>
+            <a:pPr algn="ctr"/>
+            <a:r>
+              <a:rPr lang="de-DE" sz="1600" dirty="0">
+                <a:solidFill>
+                  <a:schemeClr val="tx1"/>
+                </a:solidFill>
+                <a:latin typeface="LM Roman 10" pitchFamily="2" charset="77"/>
+                <a:cs typeface="Didot" panose="02000503000000020003" pitchFamily="2" charset="-79"/>
+              </a:rPr>
+              <a:t>Evidenz</a:t>
+            </a:r>
+            <a:endParaRPr lang="en-US" dirty="0">
+              <a:solidFill>
+                <a:schemeClr val="tx1"/>
+              </a:solidFill>
+              <a:latin typeface="LM Roman 10" pitchFamily="2" charset="77"/>
+              <a:cs typeface="Didot" panose="02000503000000020003" pitchFamily="2" charset="-79"/>
+            </a:endParaRPr>
+          </a:p>
+        </p:txBody>
+      </p:sp>
+      <p:sp>
+        <p:nvSpPr>
+          <p:cNvPr id="15" name="Oval 14">
+            <a:extLst>
+              <a:ext uri="{FF2B5EF4-FFF2-40B4-BE49-F238E27FC236}">
+                <a16:creationId xmlns:a16="http://schemas.microsoft.com/office/drawing/2014/main" id="{97DAF1C8-8BF6-B122-BD80-962768DA66B4}"/>
+              </a:ext>
+            </a:extLst>
+          </p:cNvPr>
+          <p:cNvSpPr/>
+          <p:nvPr/>
+        </p:nvSpPr>
+        <p:spPr>
+          <a:xfrm>
+            <a:off x="6020722" y="1964885"/>
+            <a:ext cx="1630680" cy="754380"/>
+          </a:xfrm>
+          <a:prstGeom prst="ellipse">
+            <a:avLst/>
+          </a:prstGeom>
+          <a:solidFill>
+            <a:schemeClr val="bg1"/>
+          </a:solidFill>
+          <a:ln>
+            <a:solidFill>
+              <a:schemeClr val="tx1"/>
+            </a:solidFill>
+          </a:ln>
+          <a:effectLst>
+            <a:outerShdw blurRad="50800" dist="38100" dir="2700000" algn="tl" rotWithShape="0">
+              <a:prstClr val="black">
+                <a:alpha val="40000"/>
+              </a:prstClr>
+            </a:outerShdw>
+          </a:effectLst>
+        </p:spPr>
+        <p:style>
+          <a:lnRef idx="2">
+            <a:schemeClr val="accent1">
+              <a:shade val="50000"/>
+            </a:schemeClr>
+          </a:lnRef>
+          <a:fillRef idx="1">
+            <a:schemeClr val="accent1"/>
+          </a:fillRef>
+          <a:effectRef idx="0">
+            <a:schemeClr val="accent1"/>
+          </a:effectRef>
+          <a:fontRef idx="minor">
+            <a:schemeClr val="lt1"/>
+          </a:fontRef>
+        </p:style>
+        <p:txBody>
+          <a:bodyPr rtlCol="0" anchor="ctr"/>
+          <a:lstStyle/>
+          <a:p>
+            <a:pPr algn="ctr"/>
+            <a:endParaRPr lang="en-US" sz="1600" dirty="0">
+              <a:solidFill>
+                <a:schemeClr val="tx1"/>
+              </a:solidFill>
+              <a:latin typeface="LM Roman 10" pitchFamily="2" charset="77"/>
+              <a:cs typeface="Didot" panose="02000503000000020003" pitchFamily="2" charset="-79"/>
+            </a:endParaRPr>
+          </a:p>
+        </p:txBody>
+      </p:sp>
+      <p:cxnSp>
+        <p:nvCxnSpPr>
+          <p:cNvPr id="20" name="Connector: Curved 19">
+            <a:extLst>
+              <a:ext uri="{FF2B5EF4-FFF2-40B4-BE49-F238E27FC236}">
+                <a16:creationId xmlns:a16="http://schemas.microsoft.com/office/drawing/2014/main" id="{9D08A355-1BFF-B13D-EABD-1944CF8A7E31}"/>
+              </a:ext>
+            </a:extLst>
+          </p:cNvPr>
+          <p:cNvCxnSpPr>
+            <a:cxnSpLocks/>
+            <a:stCxn id="13" idx="0"/>
+            <a:endCxn id="14" idx="2"/>
+          </p:cNvCxnSpPr>
+          <p:nvPr/>
+        </p:nvCxnSpPr>
+        <p:spPr>
+          <a:xfrm rot="5400000" flipH="1" flipV="1">
+            <a:off x="3609111" y="3431378"/>
+            <a:ext cx="746522" cy="815340"/>
+          </a:xfrm>
+          <a:prstGeom prst="curvedConnector2">
+            <a:avLst/>
+          </a:prstGeom>
+          <a:ln w="34925">
+            <a:solidFill>
+              <a:schemeClr val="tx1"/>
+            </a:solidFill>
+            <a:tailEnd type="triangle"/>
+          </a:ln>
+        </p:spPr>
+        <p:style>
+          <a:lnRef idx="1">
+            <a:schemeClr val="accent1"/>
+          </a:lnRef>
+          <a:fillRef idx="0">
+            <a:schemeClr val="accent1"/>
+          </a:fillRef>
+          <a:effectRef idx="0">
+            <a:schemeClr val="accent1"/>
+          </a:effectRef>
+          <a:fontRef idx="minor">
+            <a:schemeClr val="tx1"/>
+          </a:fontRef>
+        </p:style>
+      </p:cxnSp>
+      <p:cxnSp>
+        <p:nvCxnSpPr>
+          <p:cNvPr id="23" name="Connector: Curved 22">
+            <a:extLst>
+              <a:ext uri="{FF2B5EF4-FFF2-40B4-BE49-F238E27FC236}">
+                <a16:creationId xmlns:a16="http://schemas.microsoft.com/office/drawing/2014/main" id="{C576A603-F83F-F3F0-AD46-5F1BC4B64A9E}"/>
+              </a:ext>
+            </a:extLst>
+          </p:cNvPr>
+          <p:cNvCxnSpPr>
+            <a:cxnSpLocks/>
+            <a:stCxn id="14" idx="0"/>
+            <a:endCxn id="15" idx="2"/>
+          </p:cNvCxnSpPr>
+          <p:nvPr/>
+        </p:nvCxnSpPr>
+        <p:spPr>
+          <a:xfrm rot="5400000" flipH="1" flipV="1">
+            <a:off x="5239791" y="2307666"/>
+            <a:ext cx="746522" cy="815340"/>
+          </a:xfrm>
+          <a:prstGeom prst="curvedConnector2">
+            <a:avLst/>
+          </a:prstGeom>
+          <a:ln w="34925">
+            <a:solidFill>
+              <a:schemeClr val="tx1"/>
+            </a:solidFill>
+            <a:tailEnd type="triangle"/>
+          </a:ln>
+        </p:spPr>
+        <p:style>
+          <a:lnRef idx="1">
+            <a:schemeClr val="accent1"/>
+          </a:lnRef>
+          <a:fillRef idx="0">
+            <a:schemeClr val="accent1"/>
+          </a:fillRef>
+          <a:effectRef idx="0">
+            <a:schemeClr val="accent1"/>
+          </a:effectRef>
+          <a:fontRef idx="minor">
+            <a:schemeClr val="tx1"/>
+          </a:fontRef>
+        </p:style>
+      </p:cxnSp>
+      <p:sp>
+        <p:nvSpPr>
+          <p:cNvPr id="26" name="Oval 25">
+            <a:extLst>
+              <a:ext uri="{FF2B5EF4-FFF2-40B4-BE49-F238E27FC236}">
+                <a16:creationId xmlns:a16="http://schemas.microsoft.com/office/drawing/2014/main" id="{E3DC8A4E-1508-5E72-013D-97FAFDC90495}"/>
+              </a:ext>
+            </a:extLst>
+          </p:cNvPr>
+          <p:cNvSpPr/>
+          <p:nvPr/>
+        </p:nvSpPr>
+        <p:spPr>
+          <a:xfrm>
+            <a:off x="8944559" y="1960956"/>
+            <a:ext cx="1630680" cy="754380"/>
+          </a:xfrm>
+          <a:prstGeom prst="ellipse">
+            <a:avLst/>
+          </a:prstGeom>
+          <a:solidFill>
+            <a:schemeClr val="bg1"/>
+          </a:solidFill>
+          <a:ln>
+            <a:solidFill>
+              <a:schemeClr val="tx1"/>
+            </a:solidFill>
+          </a:ln>
+          <a:effectLst>
+            <a:outerShdw blurRad="50800" dist="38100" dir="2700000" algn="tl" rotWithShape="0">
+              <a:prstClr val="black">
+                <a:alpha val="40000"/>
+              </a:prstClr>
+            </a:outerShdw>
+          </a:effectLst>
+        </p:spPr>
+        <p:style>
+          <a:lnRef idx="2">
+            <a:schemeClr val="accent1">
+              <a:shade val="50000"/>
+            </a:schemeClr>
+          </a:lnRef>
+          <a:fillRef idx="1">
+            <a:schemeClr val="accent1"/>
+          </a:fillRef>
+          <a:effectRef idx="0">
+            <a:schemeClr val="accent1"/>
+          </a:effectRef>
+          <a:fontRef idx="minor">
+            <a:schemeClr val="lt1"/>
+          </a:fontRef>
+        </p:style>
+        <p:txBody>
+          <a:bodyPr rtlCol="0" anchor="ctr"/>
+          <a:lstStyle/>
+          <a:p>
+            <a:pPr algn="ctr"/>
+            <a:endParaRPr lang="en-US" dirty="0">
+              <a:solidFill>
+                <a:schemeClr val="tx1"/>
+              </a:solidFill>
+              <a:latin typeface="LM Roman 10" pitchFamily="2" charset="77"/>
+              <a:cs typeface="Didot" panose="02000503000000020003" pitchFamily="2" charset="-79"/>
+            </a:endParaRPr>
+          </a:p>
+        </p:txBody>
+      </p:sp>
+      <p:sp>
+        <p:nvSpPr>
+          <p:cNvPr id="27" name="Oval 26">
+            <a:extLst>
+              <a:ext uri="{FF2B5EF4-FFF2-40B4-BE49-F238E27FC236}">
+                <a16:creationId xmlns:a16="http://schemas.microsoft.com/office/drawing/2014/main" id="{72AF60ED-4044-E5E5-F9E9-64C7593F7CC0}"/>
+              </a:ext>
+            </a:extLst>
+          </p:cNvPr>
+          <p:cNvSpPr/>
+          <p:nvPr/>
+        </p:nvSpPr>
+        <p:spPr>
+          <a:xfrm>
+            <a:off x="8944559" y="4212309"/>
+            <a:ext cx="1630680" cy="754380"/>
+          </a:xfrm>
+          <a:prstGeom prst="ellipse">
+            <a:avLst/>
+          </a:prstGeom>
+          <a:solidFill>
+            <a:schemeClr val="bg1"/>
+          </a:solidFill>
+          <a:ln>
+            <a:solidFill>
+              <a:schemeClr val="tx1"/>
+            </a:solidFill>
+          </a:ln>
+          <a:effectLst>
+            <a:outerShdw blurRad="50800" dist="38100" dir="2700000" algn="tl" rotWithShape="0">
+              <a:prstClr val="black">
+                <a:alpha val="40000"/>
+              </a:prstClr>
+            </a:outerShdw>
+          </a:effectLst>
+        </p:spPr>
+        <p:style>
+          <a:lnRef idx="2">
+            <a:schemeClr val="accent1">
+              <a:shade val="50000"/>
+            </a:schemeClr>
+          </a:lnRef>
+          <a:fillRef idx="1">
+            <a:schemeClr val="accent1"/>
+          </a:fillRef>
+          <a:effectRef idx="0">
+            <a:schemeClr val="accent1"/>
+          </a:effectRef>
+          <a:fontRef idx="minor">
+            <a:schemeClr val="lt1"/>
+          </a:fontRef>
+        </p:style>
+        <p:txBody>
+          <a:bodyPr rtlCol="0" anchor="ctr"/>
+          <a:lstStyle/>
+          <a:p>
+            <a:pPr algn="ctr"/>
+            <a:r>
+              <a:rPr lang="de-DE" sz="1600" dirty="0">
+                <a:solidFill>
+                  <a:schemeClr val="tx1"/>
+                </a:solidFill>
+                <a:latin typeface="LM Roman 10" pitchFamily="2" charset="77"/>
+                <a:cs typeface="Didot" panose="02000503000000020003" pitchFamily="2" charset="-79"/>
+              </a:rPr>
+              <a:t>Ergebnisse</a:t>
+            </a:r>
+            <a:endParaRPr lang="en-US" sz="1600" dirty="0">
+              <a:solidFill>
+                <a:schemeClr val="tx1"/>
+              </a:solidFill>
+              <a:latin typeface="LM Roman 10" pitchFamily="2" charset="77"/>
+              <a:cs typeface="Didot" panose="02000503000000020003" pitchFamily="2" charset="-79"/>
+            </a:endParaRPr>
+          </a:p>
+        </p:txBody>
+      </p:sp>
+      <p:cxnSp>
+        <p:nvCxnSpPr>
+          <p:cNvPr id="32" name="Straight Arrow Connector 31">
+            <a:extLst>
+              <a:ext uri="{FF2B5EF4-FFF2-40B4-BE49-F238E27FC236}">
+                <a16:creationId xmlns:a16="http://schemas.microsoft.com/office/drawing/2014/main" id="{166579B7-9EB5-A37B-D7D0-0EEC0B6803AE}"/>
+              </a:ext>
+            </a:extLst>
+          </p:cNvPr>
+          <p:cNvCxnSpPr>
+            <a:cxnSpLocks/>
+            <a:stCxn id="15" idx="6"/>
+            <a:endCxn id="26" idx="2"/>
+          </p:cNvCxnSpPr>
+          <p:nvPr/>
+        </p:nvCxnSpPr>
+        <p:spPr>
+          <a:xfrm flipV="1">
+            <a:off x="7651402" y="2338146"/>
+            <a:ext cx="1293157" cy="3929"/>
+          </a:xfrm>
+          <a:prstGeom prst="straightConnector1">
+            <a:avLst/>
+          </a:prstGeom>
+          <a:ln w="34925">
+            <a:solidFill>
+              <a:schemeClr val="tx1"/>
+            </a:solidFill>
+            <a:tailEnd type="triangle"/>
+          </a:ln>
+        </p:spPr>
+        <p:style>
+          <a:lnRef idx="1">
+            <a:schemeClr val="accent1"/>
+          </a:lnRef>
+          <a:fillRef idx="0">
+            <a:schemeClr val="accent1"/>
+          </a:fillRef>
+          <a:effectRef idx="0">
+            <a:schemeClr val="accent1"/>
+          </a:effectRef>
+          <a:fontRef idx="minor">
+            <a:schemeClr val="tx1"/>
+          </a:fontRef>
+        </p:style>
+      </p:cxnSp>
+      <p:cxnSp>
+        <p:nvCxnSpPr>
+          <p:cNvPr id="34" name="Straight Arrow Connector 33">
+            <a:extLst>
+              <a:ext uri="{FF2B5EF4-FFF2-40B4-BE49-F238E27FC236}">
+                <a16:creationId xmlns:a16="http://schemas.microsoft.com/office/drawing/2014/main" id="{49F8FCE9-625E-3019-9506-DB4366A32AC6}"/>
+              </a:ext>
+            </a:extLst>
+          </p:cNvPr>
+          <p:cNvCxnSpPr>
+            <a:cxnSpLocks/>
+            <a:stCxn id="26" idx="4"/>
+            <a:endCxn id="27" idx="0"/>
+          </p:cNvCxnSpPr>
+          <p:nvPr/>
+        </p:nvCxnSpPr>
+        <p:spPr>
+          <a:xfrm>
+            <a:off x="9759899" y="2715336"/>
+            <a:ext cx="0" cy="1496973"/>
+          </a:xfrm>
+          <a:prstGeom prst="straightConnector1">
+            <a:avLst/>
+          </a:prstGeom>
+          <a:ln w="34925">
+            <a:solidFill>
+              <a:schemeClr val="tx1"/>
+            </a:solidFill>
+            <a:tailEnd type="triangle"/>
+          </a:ln>
+        </p:spPr>
+        <p:style>
+          <a:lnRef idx="1">
+            <a:schemeClr val="accent1"/>
+          </a:lnRef>
+          <a:fillRef idx="0">
+            <a:schemeClr val="accent1"/>
+          </a:fillRef>
+          <a:effectRef idx="0">
+            <a:schemeClr val="accent1"/>
+          </a:effectRef>
+          <a:fontRef idx="minor">
+            <a:schemeClr val="tx1"/>
+          </a:fontRef>
+        </p:style>
+      </p:cxnSp>
+      <p:cxnSp>
+        <p:nvCxnSpPr>
+          <p:cNvPr id="37" name="Straight Arrow Connector 36">
+            <a:extLst>
+              <a:ext uri="{FF2B5EF4-FFF2-40B4-BE49-F238E27FC236}">
+                <a16:creationId xmlns:a16="http://schemas.microsoft.com/office/drawing/2014/main" id="{55715120-9AEF-727F-AF81-D95E0E013E59}"/>
+              </a:ext>
+            </a:extLst>
+          </p:cNvPr>
+          <p:cNvCxnSpPr>
+            <a:cxnSpLocks/>
+            <a:stCxn id="27" idx="2"/>
+            <a:endCxn id="13" idx="6"/>
+          </p:cNvCxnSpPr>
+          <p:nvPr/>
+        </p:nvCxnSpPr>
+        <p:spPr>
+          <a:xfrm flipH="1">
+            <a:off x="4390042" y="4589499"/>
+            <a:ext cx="4554517" cy="0"/>
+          </a:xfrm>
+          <a:prstGeom prst="straightConnector1">
+            <a:avLst/>
+          </a:prstGeom>
+          <a:ln w="34925">
+            <a:solidFill>
+              <a:schemeClr val="tx1"/>
+            </a:solidFill>
+            <a:tailEnd type="triangle"/>
+          </a:ln>
+        </p:spPr>
+        <p:style>
+          <a:lnRef idx="1">
+            <a:schemeClr val="accent1"/>
+          </a:lnRef>
+          <a:fillRef idx="0">
+            <a:schemeClr val="accent1"/>
+          </a:fillRef>
+          <a:effectRef idx="0">
+            <a:schemeClr val="accent1"/>
+          </a:effectRef>
+          <a:fontRef idx="minor">
+            <a:schemeClr val="tx1"/>
+          </a:fontRef>
+        </p:style>
+      </p:cxnSp>
+      <p:cxnSp>
+        <p:nvCxnSpPr>
+          <p:cNvPr id="40" name="Straight Arrow Connector 39">
+            <a:extLst>
+              <a:ext uri="{FF2B5EF4-FFF2-40B4-BE49-F238E27FC236}">
+                <a16:creationId xmlns:a16="http://schemas.microsoft.com/office/drawing/2014/main" id="{877155B9-7D29-7689-96CE-6ACB5D537AB5}"/>
+              </a:ext>
+            </a:extLst>
+          </p:cNvPr>
+          <p:cNvCxnSpPr>
+            <a:cxnSpLocks/>
+            <a:stCxn id="14" idx="4"/>
+          </p:cNvCxnSpPr>
+          <p:nvPr/>
+        </p:nvCxnSpPr>
+        <p:spPr>
+          <a:xfrm>
+            <a:off x="5205382" y="3842977"/>
+            <a:ext cx="0" cy="746522"/>
+          </a:xfrm>
+          <a:prstGeom prst="straightConnector1">
+            <a:avLst/>
+          </a:prstGeom>
+          <a:ln w="34925">
+            <a:solidFill>
+              <a:schemeClr val="tx1"/>
+            </a:solidFill>
+            <a:tailEnd type="triangle"/>
+          </a:ln>
+        </p:spPr>
+        <p:style>
+          <a:lnRef idx="1">
+            <a:schemeClr val="accent1"/>
+          </a:lnRef>
+          <a:fillRef idx="0">
+            <a:schemeClr val="accent1"/>
+          </a:fillRef>
+          <a:effectRef idx="0">
+            <a:schemeClr val="accent1"/>
+          </a:effectRef>
+          <a:fontRef idx="minor">
+            <a:schemeClr val="tx1"/>
+          </a:fontRef>
+        </p:style>
+      </p:cxnSp>
+      <p:cxnSp>
+        <p:nvCxnSpPr>
+          <p:cNvPr id="43" name="Straight Arrow Connector 42">
+            <a:extLst>
+              <a:ext uri="{FF2B5EF4-FFF2-40B4-BE49-F238E27FC236}">
+                <a16:creationId xmlns:a16="http://schemas.microsoft.com/office/drawing/2014/main" id="{009A81FC-5496-1B64-61C2-0AACFC7477CD}"/>
+              </a:ext>
+            </a:extLst>
+          </p:cNvPr>
+          <p:cNvCxnSpPr>
+            <a:cxnSpLocks/>
+            <a:stCxn id="15" idx="4"/>
+          </p:cNvCxnSpPr>
+          <p:nvPr/>
+        </p:nvCxnSpPr>
+        <p:spPr>
+          <a:xfrm>
+            <a:off x="6836062" y="2719265"/>
+            <a:ext cx="0" cy="1870234"/>
+          </a:xfrm>
+          <a:prstGeom prst="straightConnector1">
+            <a:avLst/>
+          </a:prstGeom>
+          <a:ln w="34925">
+            <a:solidFill>
+              <a:schemeClr val="tx1"/>
+            </a:solidFill>
+            <a:tailEnd type="triangle"/>
+          </a:ln>
+        </p:spPr>
+        <p:style>
+          <a:lnRef idx="1">
+            <a:schemeClr val="accent1"/>
+          </a:lnRef>
+          <a:fillRef idx="0">
+            <a:schemeClr val="accent1"/>
+          </a:fillRef>
+          <a:effectRef idx="0">
+            <a:schemeClr val="accent1"/>
+          </a:effectRef>
+          <a:fontRef idx="minor">
+            <a:schemeClr val="tx1"/>
+          </a:fontRef>
+        </p:style>
+      </p:cxnSp>
+      <p:sp>
+        <p:nvSpPr>
+          <p:cNvPr id="50" name="TextBox 49">
+            <a:extLst>
+              <a:ext uri="{FF2B5EF4-FFF2-40B4-BE49-F238E27FC236}">
+                <a16:creationId xmlns:a16="http://schemas.microsoft.com/office/drawing/2014/main" id="{7FD64F8A-ADAA-448E-7F19-BDDBEC30B4D5}"/>
+              </a:ext>
+            </a:extLst>
+          </p:cNvPr>
+          <p:cNvSpPr txBox="1"/>
+          <p:nvPr/>
+        </p:nvSpPr>
+        <p:spPr>
+          <a:xfrm>
+            <a:off x="8982929" y="1887231"/>
+            <a:ext cx="1553940" cy="854080"/>
+          </a:xfrm>
+          <a:prstGeom prst="rect">
+            <a:avLst/>
+          </a:prstGeom>
+          <a:noFill/>
+        </p:spPr>
+        <p:txBody>
+          <a:bodyPr wrap="square" rtlCol="0">
+            <a:spAutoFit/>
+          </a:bodyPr>
+          <a:lstStyle/>
+          <a:p>
+            <a:pPr algn="ctr"/>
+            <a:r>
+              <a:rPr lang="de-DE" sz="1600" dirty="0">
+                <a:latin typeface="LM Roman 10" pitchFamily="2" charset="77"/>
+                <a:cs typeface="Didot" panose="02000503000000020003" pitchFamily="2" charset="-79"/>
+              </a:rPr>
+              <a:t>Nutzung</a:t>
+            </a:r>
+            <a:endParaRPr lang="de-DE" sz="2000" dirty="0">
+              <a:latin typeface="LM Roman 10" pitchFamily="2" charset="77"/>
+              <a:cs typeface="Didot" panose="02000503000000020003" pitchFamily="2" charset="-79"/>
+            </a:endParaRPr>
+          </a:p>
+          <a:p>
+            <a:pPr algn="ctr"/>
+            <a:r>
+              <a:rPr lang="de-DE" sz="1100" dirty="0">
+                <a:latin typeface="LM Roman 10" pitchFamily="2" charset="77"/>
+                <a:cs typeface="Didot" panose="02000503000000020003" pitchFamily="2" charset="-79"/>
+              </a:rPr>
+              <a:t>instrumentell/</a:t>
+            </a:r>
+          </a:p>
+          <a:p>
+            <a:pPr algn="ctr"/>
+            <a:r>
+              <a:rPr lang="de-DE" sz="1100" dirty="0">
+                <a:latin typeface="LM Roman 10" pitchFamily="2" charset="77"/>
+                <a:cs typeface="Didot" panose="02000503000000020003" pitchFamily="2" charset="-79"/>
+              </a:rPr>
+              <a:t>konzeptuell/</a:t>
+            </a:r>
+          </a:p>
+          <a:p>
+            <a:pPr algn="ctr"/>
+            <a:r>
+              <a:rPr lang="de-DE" sz="1100" dirty="0">
+                <a:latin typeface="LM Roman 10" pitchFamily="2" charset="77"/>
+                <a:cs typeface="Didot" panose="02000503000000020003" pitchFamily="2" charset="-79"/>
+              </a:rPr>
+              <a:t>symbolisch</a:t>
+            </a:r>
+            <a:endParaRPr lang="en-US" sz="1100" dirty="0">
+              <a:latin typeface="LM Roman 10" pitchFamily="2" charset="77"/>
+              <a:cs typeface="Didot" panose="02000503000000020003" pitchFamily="2" charset="-79"/>
+            </a:endParaRPr>
+          </a:p>
+        </p:txBody>
+      </p:sp>
+      <p:sp>
+        <p:nvSpPr>
+          <p:cNvPr id="53" name="TextBox 52">
+            <a:extLst>
+              <a:ext uri="{FF2B5EF4-FFF2-40B4-BE49-F238E27FC236}">
+                <a16:creationId xmlns:a16="http://schemas.microsoft.com/office/drawing/2014/main" id="{029917AF-EE12-5D28-5562-0A98D90EB631}"/>
+              </a:ext>
+            </a:extLst>
+          </p:cNvPr>
+          <p:cNvSpPr txBox="1"/>
+          <p:nvPr/>
+        </p:nvSpPr>
+        <p:spPr>
+          <a:xfrm>
+            <a:off x="1822033" y="3795544"/>
+            <a:ext cx="1667307" cy="307777"/>
+          </a:xfrm>
+          <a:prstGeom prst="rect">
+            <a:avLst/>
+          </a:prstGeom>
+          <a:solidFill>
+            <a:schemeClr val="bg1"/>
+          </a:solidFill>
+        </p:spPr>
+        <p:txBody>
+          <a:bodyPr wrap="square" rtlCol="0">
+            <a:spAutoFit/>
+          </a:bodyPr>
+          <a:lstStyle/>
+          <a:p>
+            <a:r>
+              <a:rPr lang="de-DE" sz="1400" dirty="0">
+                <a:latin typeface="LM Roman 10" pitchFamily="2" charset="77"/>
+                <a:cs typeface="Didot" panose="02000503000000020003" pitchFamily="2" charset="-79"/>
+              </a:rPr>
+              <a:t>2) Zugriffsphase</a:t>
+            </a:r>
+            <a:endParaRPr lang="en-US" sz="1400" dirty="0">
+              <a:latin typeface="LM Roman 10" pitchFamily="2" charset="77"/>
+              <a:cs typeface="Didot" panose="02000503000000020003" pitchFamily="2" charset="-79"/>
+            </a:endParaRPr>
+          </a:p>
+        </p:txBody>
+      </p:sp>
+      <p:sp>
+        <p:nvSpPr>
+          <p:cNvPr id="54" name="TextBox 53">
+            <a:extLst>
+              <a:ext uri="{FF2B5EF4-FFF2-40B4-BE49-F238E27FC236}">
+                <a16:creationId xmlns:a16="http://schemas.microsoft.com/office/drawing/2014/main" id="{F4BF1643-F037-D0A5-7CD6-FB9BDE02E33D}"/>
+              </a:ext>
+            </a:extLst>
+          </p:cNvPr>
+          <p:cNvSpPr txBox="1"/>
+          <p:nvPr/>
+        </p:nvSpPr>
+        <p:spPr>
+          <a:xfrm>
+            <a:off x="3060414" y="2353534"/>
+            <a:ext cx="2211702" cy="307777"/>
+          </a:xfrm>
+          <a:prstGeom prst="rect">
+            <a:avLst/>
+          </a:prstGeom>
+          <a:solidFill>
+            <a:schemeClr val="bg1"/>
+          </a:solidFill>
+        </p:spPr>
+        <p:txBody>
+          <a:bodyPr wrap="square" rtlCol="0">
+            <a:spAutoFit/>
+          </a:bodyPr>
+          <a:lstStyle/>
+          <a:p>
+            <a:r>
+              <a:rPr lang="de-DE" sz="1400" dirty="0">
+                <a:latin typeface="LM Roman 10" pitchFamily="2" charset="77"/>
+                <a:cs typeface="Didot" panose="02000503000000020003" pitchFamily="2" charset="-79"/>
+              </a:rPr>
+              <a:t>3) Schlussfolgerungsphase</a:t>
+            </a:r>
+            <a:endParaRPr lang="en-US" sz="1400" dirty="0">
+              <a:latin typeface="LM Roman 10" pitchFamily="2" charset="77"/>
+              <a:cs typeface="Didot" panose="02000503000000020003" pitchFamily="2" charset="-79"/>
+            </a:endParaRPr>
+          </a:p>
+        </p:txBody>
+      </p:sp>
+      <p:sp>
+        <p:nvSpPr>
+          <p:cNvPr id="55" name="TextBox 54">
+            <a:extLst>
+              <a:ext uri="{FF2B5EF4-FFF2-40B4-BE49-F238E27FC236}">
+                <a16:creationId xmlns:a16="http://schemas.microsoft.com/office/drawing/2014/main" id="{826285A5-86AB-FFF9-F41D-E2FDA68CD35F}"/>
+              </a:ext>
+            </a:extLst>
+          </p:cNvPr>
+          <p:cNvSpPr txBox="1"/>
+          <p:nvPr/>
+        </p:nvSpPr>
+        <p:spPr>
+          <a:xfrm>
+            <a:off x="9949110" y="3321393"/>
+            <a:ext cx="1761541" cy="307777"/>
+          </a:xfrm>
+          <a:prstGeom prst="rect">
+            <a:avLst/>
+          </a:prstGeom>
+          <a:solidFill>
+            <a:schemeClr val="bg1"/>
+          </a:solidFill>
+        </p:spPr>
+        <p:txBody>
+          <a:bodyPr wrap="square" rtlCol="0">
+            <a:spAutoFit/>
+          </a:bodyPr>
+          <a:lstStyle/>
+          <a:p>
+            <a:r>
+              <a:rPr lang="de-DE" sz="1400" dirty="0">
+                <a:latin typeface="LM Roman 10" pitchFamily="2" charset="77"/>
+                <a:cs typeface="Didot" panose="02000503000000020003" pitchFamily="2" charset="-79"/>
+              </a:rPr>
+              <a:t>5) Evaluationsphase</a:t>
+            </a:r>
+            <a:endParaRPr lang="en-US" sz="1400" dirty="0">
+              <a:latin typeface="LM Roman 10" pitchFamily="2" charset="77"/>
+              <a:cs typeface="Didot" panose="02000503000000020003" pitchFamily="2" charset="-79"/>
+            </a:endParaRPr>
+          </a:p>
+        </p:txBody>
+      </p:sp>
+      <p:sp>
+        <p:nvSpPr>
+          <p:cNvPr id="56" name="TextBox 55">
+            <a:extLst>
+              <a:ext uri="{FF2B5EF4-FFF2-40B4-BE49-F238E27FC236}">
+                <a16:creationId xmlns:a16="http://schemas.microsoft.com/office/drawing/2014/main" id="{E1454FA1-25A8-7B63-A728-B46473330DD8}"/>
+              </a:ext>
+            </a:extLst>
+          </p:cNvPr>
+          <p:cNvSpPr txBox="1"/>
+          <p:nvPr/>
+        </p:nvSpPr>
+        <p:spPr>
+          <a:xfrm>
+            <a:off x="8092593" y="848873"/>
+            <a:ext cx="615553" cy="1376839"/>
+          </a:xfrm>
+          <a:prstGeom prst="rect">
+            <a:avLst/>
+          </a:prstGeom>
+          <a:solidFill>
+            <a:schemeClr val="bg1"/>
+          </a:solidFill>
+        </p:spPr>
+        <p:txBody>
+          <a:bodyPr vert="vert270" wrap="square" rtlCol="0">
+            <a:spAutoFit/>
+          </a:bodyPr>
+          <a:lstStyle/>
+          <a:p>
+            <a:r>
+              <a:rPr lang="de-DE" sz="1400" dirty="0">
+                <a:latin typeface="LM Roman 10" pitchFamily="2" charset="77"/>
+                <a:cs typeface="Didot" panose="02000503000000020003" pitchFamily="2" charset="-79"/>
+              </a:rPr>
+              <a:t>4) Anwendungs-</a:t>
+            </a:r>
+          </a:p>
+          <a:p>
+            <a:r>
+              <a:rPr lang="de-DE" sz="1400" dirty="0" err="1">
+                <a:latin typeface="LM Roman 10" pitchFamily="2" charset="77"/>
+                <a:cs typeface="Didot" panose="02000503000000020003" pitchFamily="2" charset="-79"/>
+              </a:rPr>
+              <a:t>phase</a:t>
+            </a:r>
+            <a:endParaRPr lang="en-US" sz="1400" dirty="0">
+              <a:latin typeface="LM Roman 10" pitchFamily="2" charset="77"/>
+              <a:cs typeface="Didot" panose="02000503000000020003" pitchFamily="2" charset="-79"/>
+            </a:endParaRPr>
+          </a:p>
+        </p:txBody>
+      </p:sp>
+      <p:cxnSp>
+        <p:nvCxnSpPr>
+          <p:cNvPr id="2" name="Connector: Curved 19">
+            <a:extLst>
+              <a:ext uri="{FF2B5EF4-FFF2-40B4-BE49-F238E27FC236}">
+                <a16:creationId xmlns:a16="http://schemas.microsoft.com/office/drawing/2014/main" id="{79AD504F-1947-BB8D-D92A-C6FFAA276207}"/>
+              </a:ext>
+            </a:extLst>
+          </p:cNvPr>
+          <p:cNvCxnSpPr>
+            <a:cxnSpLocks/>
+          </p:cNvCxnSpPr>
+          <p:nvPr/>
+        </p:nvCxnSpPr>
+        <p:spPr>
+          <a:xfrm rot="5400000" flipH="1" flipV="1">
+            <a:off x="1963885" y="4555090"/>
+            <a:ext cx="746522" cy="815340"/>
+          </a:xfrm>
+          <a:prstGeom prst="curvedConnector2">
+            <a:avLst/>
+          </a:prstGeom>
+          <a:ln w="34925">
+            <a:solidFill>
+              <a:schemeClr val="tx1"/>
+            </a:solidFill>
+            <a:tailEnd type="triangle"/>
+          </a:ln>
+        </p:spPr>
+        <p:style>
+          <a:lnRef idx="1">
+            <a:schemeClr val="accent1"/>
+          </a:lnRef>
+          <a:fillRef idx="0">
+            <a:schemeClr val="accent1"/>
+          </a:fillRef>
+          <a:effectRef idx="0">
+            <a:schemeClr val="accent1"/>
+          </a:effectRef>
+          <a:fontRef idx="minor">
+            <a:schemeClr val="tx1"/>
+          </a:fontRef>
+        </p:style>
+      </p:cxnSp>
+      <p:sp>
+        <p:nvSpPr>
+          <p:cNvPr id="3" name="TextBox 52">
+            <a:extLst>
+              <a:ext uri="{FF2B5EF4-FFF2-40B4-BE49-F238E27FC236}">
+                <a16:creationId xmlns:a16="http://schemas.microsoft.com/office/drawing/2014/main" id="{D5A8C5B0-BC37-0A64-9412-8C506A465311}"/>
+              </a:ext>
+            </a:extLst>
+          </p:cNvPr>
+          <p:cNvSpPr txBox="1"/>
+          <p:nvPr/>
+        </p:nvSpPr>
+        <p:spPr>
+          <a:xfrm>
+            <a:off x="1072542" y="5326803"/>
+            <a:ext cx="2110495" cy="307777"/>
+          </a:xfrm>
+          <a:prstGeom prst="rect">
+            <a:avLst/>
+          </a:prstGeom>
+          <a:solidFill>
+            <a:schemeClr val="bg1"/>
+          </a:solidFill>
+        </p:spPr>
+        <p:txBody>
+          <a:bodyPr wrap="square" rtlCol="0">
+            <a:spAutoFit/>
+          </a:bodyPr>
+          <a:lstStyle/>
+          <a:p>
+            <a:r>
+              <a:rPr lang="de-DE" sz="1400" dirty="0">
+                <a:latin typeface="LM Roman 10" pitchFamily="2" charset="77"/>
+                <a:cs typeface="Didot" panose="02000503000000020003" pitchFamily="2" charset="-79"/>
+              </a:rPr>
+              <a:t>1) Konzeptuelle Phase</a:t>
+            </a:r>
+            <a:endParaRPr lang="en-US" sz="1400" dirty="0">
+              <a:latin typeface="LM Roman 10" pitchFamily="2" charset="77"/>
+              <a:cs typeface="Didot" panose="02000503000000020003" pitchFamily="2" charset="-79"/>
+            </a:endParaRPr>
+          </a:p>
+        </p:txBody>
+      </p:sp>
+      <p:sp>
+        <p:nvSpPr>
+          <p:cNvPr id="16" name="Textfeld 15">
+            <a:extLst>
+              <a:ext uri="{FF2B5EF4-FFF2-40B4-BE49-F238E27FC236}">
+                <a16:creationId xmlns:a16="http://schemas.microsoft.com/office/drawing/2014/main" id="{F0D1B2F8-9C8B-292F-AA60-FD23A1D1C222}"/>
+              </a:ext>
+            </a:extLst>
+          </p:cNvPr>
+          <p:cNvSpPr txBox="1"/>
+          <p:nvPr/>
+        </p:nvSpPr>
+        <p:spPr>
+          <a:xfrm>
+            <a:off x="6397152" y="2168869"/>
+            <a:ext cx="815340" cy="338554"/>
+          </a:xfrm>
+          <a:prstGeom prst="rect">
+            <a:avLst/>
+          </a:prstGeom>
+          <a:noFill/>
+        </p:spPr>
+        <p:txBody>
+          <a:bodyPr wrap="square" rtlCol="0">
+            <a:spAutoFit/>
+          </a:bodyPr>
+          <a:lstStyle/>
+          <a:p>
+            <a:r>
+              <a:rPr lang="de-DE" sz="1600" dirty="0">
+                <a:solidFill>
+                  <a:schemeClr val="tx1"/>
+                </a:solidFill>
+                <a:latin typeface="LM Roman 10" pitchFamily="2" charset="77"/>
+                <a:cs typeface="Didot" panose="02000503000000020003" pitchFamily="2" charset="-79"/>
+              </a:rPr>
+              <a:t>Wissen</a:t>
+            </a:r>
+            <a:endParaRPr lang="de-DE" dirty="0"/>
+          </a:p>
+        </p:txBody>
+      </p:sp>
+      <p:sp>
+        <p:nvSpPr>
+          <p:cNvPr id="5" name="Textfeld 4">
+            <a:extLst>
+              <a:ext uri="{FF2B5EF4-FFF2-40B4-BE49-F238E27FC236}">
+                <a16:creationId xmlns:a16="http://schemas.microsoft.com/office/drawing/2014/main" id="{D7D3A086-8B9A-E129-C00F-FF907175FB9E}"/>
+              </a:ext>
+            </a:extLst>
+          </p:cNvPr>
+          <p:cNvSpPr txBox="1"/>
+          <p:nvPr/>
+        </p:nvSpPr>
+        <p:spPr>
+          <a:xfrm>
+            <a:off x="2916004" y="4372098"/>
+            <a:ext cx="1317397" cy="369332"/>
+          </a:xfrm>
+          <a:prstGeom prst="rect">
+            <a:avLst/>
+          </a:prstGeom>
+          <a:noFill/>
+        </p:spPr>
+        <p:txBody>
+          <a:bodyPr wrap="square" rtlCol="0">
+            <a:spAutoFit/>
+          </a:bodyPr>
+          <a:lstStyle/>
+          <a:p>
+            <a:r>
+              <a:rPr lang="de-DE" sz="1800" dirty="0">
+                <a:solidFill>
+                  <a:schemeClr val="tx1"/>
+                </a:solidFill>
+                <a:latin typeface="LM Roman 10" pitchFamily="2" charset="77"/>
+                <a:cs typeface="Didot" panose="02000503000000020003" pitchFamily="2" charset="-79"/>
+              </a:rPr>
+              <a:t>Zielsetzung</a:t>
+            </a:r>
+            <a:endParaRPr lang="de-DE" dirty="0"/>
+          </a:p>
+        </p:txBody>
+      </p:sp>
+      <p:cxnSp>
+        <p:nvCxnSpPr>
+          <p:cNvPr id="22" name="Gerade Verbindung 21">
+            <a:extLst>
+              <a:ext uri="{FF2B5EF4-FFF2-40B4-BE49-F238E27FC236}">
+                <a16:creationId xmlns:a16="http://schemas.microsoft.com/office/drawing/2014/main" id="{AD32BFE3-B483-ED55-D7BC-516CD1BA28E4}"/>
+              </a:ext>
+            </a:extLst>
+          </p:cNvPr>
+          <p:cNvCxnSpPr>
+            <a:cxnSpLocks/>
+          </p:cNvCxnSpPr>
+          <p:nvPr/>
+        </p:nvCxnSpPr>
+        <p:spPr>
+          <a:xfrm>
+            <a:off x="5383449" y="2386360"/>
+            <a:ext cx="132901" cy="367283"/>
+          </a:xfrm>
+          <a:prstGeom prst="line">
+            <a:avLst/>
+          </a:prstGeom>
+          <a:ln>
+            <a:solidFill>
+              <a:schemeClr val="dk1"/>
+            </a:solidFill>
+          </a:ln>
+        </p:spPr>
+        <p:style>
+          <a:lnRef idx="2">
+            <a:schemeClr val="dk1"/>
+          </a:lnRef>
+          <a:fillRef idx="0">
+            <a:schemeClr val="dk1"/>
+          </a:fillRef>
+          <a:effectRef idx="1">
+            <a:schemeClr val="dk1"/>
+          </a:effectRef>
+          <a:fontRef idx="minor">
+            <a:schemeClr val="tx1"/>
+          </a:fontRef>
+        </p:style>
+      </p:cxnSp>
+      <p:cxnSp>
+        <p:nvCxnSpPr>
+          <p:cNvPr id="31" name="Gerade Verbindung 30">
+            <a:extLst>
+              <a:ext uri="{FF2B5EF4-FFF2-40B4-BE49-F238E27FC236}">
+                <a16:creationId xmlns:a16="http://schemas.microsoft.com/office/drawing/2014/main" id="{A41BFBB7-84B9-ECB5-59AC-62C39ADFD6D1}"/>
+              </a:ext>
+            </a:extLst>
+          </p:cNvPr>
+          <p:cNvCxnSpPr>
+            <a:cxnSpLocks/>
+          </p:cNvCxnSpPr>
+          <p:nvPr/>
+        </p:nvCxnSpPr>
+        <p:spPr>
+          <a:xfrm>
+            <a:off x="5472032" y="2318038"/>
+            <a:ext cx="132901" cy="367283"/>
+          </a:xfrm>
+          <a:prstGeom prst="line">
+            <a:avLst/>
+          </a:prstGeom>
+        </p:spPr>
+        <p:style>
+          <a:lnRef idx="2">
+            <a:schemeClr val="dk1"/>
+          </a:lnRef>
+          <a:fillRef idx="0">
+            <a:schemeClr val="dk1"/>
+          </a:fillRef>
+          <a:effectRef idx="1">
+            <a:schemeClr val="dk1"/>
+          </a:effectRef>
+          <a:fontRef idx="minor">
+            <a:schemeClr val="tx1"/>
+          </a:fontRef>
+        </p:style>
+      </p:cxnSp>
+    </p:spTree>
+    <p:extLst>
+      <p:ext uri="{BB962C8B-B14F-4D97-AF65-F5344CB8AC3E}">
+        <p14:creationId xmlns:p14="http://schemas.microsoft.com/office/powerpoint/2010/main" val="2491439561"/>
+      </p:ext>
+    </p:extLst>
+  </p:cSld>
+  <p:clrMapOvr>
+    <a:masterClrMapping/>
+  </p:clrMapOvr>
+</p:sld>
+</file>
+
+<file path=ppt/slides/slide6.xml><?xml version="1.0" encoding="utf-8"?>
+<p:sld xmlns:a="http://schemas.openxmlformats.org/drawingml/2006/main" xmlns:r="http://schemas.openxmlformats.org/officeDocument/2006/relationships" xmlns:p="http://schemas.openxmlformats.org/presentationml/2006/main">
+  <p:cSld>
+    <p:spTree>
+      <p:nvGrpSpPr>
+        <p:cNvPr id="1" name=""/>
+        <p:cNvGrpSpPr/>
+        <p:nvPr/>
+      </p:nvGrpSpPr>
+      <p:grpSpPr>
+        <a:xfrm>
+          <a:off x="0" y="0"/>
+          <a:ext cx="0" cy="0"/>
+          <a:chOff x="0" y="0"/>
+          <a:chExt cx="0" cy="0"/>
+        </a:xfrm>
+      </p:grpSpPr>
+      <p:sp>
+        <p:nvSpPr>
+          <p:cNvPr id="4" name="Rectangle: Rounded Corners 3">
+            <a:extLst>
+              <a:ext uri="{FF2B5EF4-FFF2-40B4-BE49-F238E27FC236}">
+                <a16:creationId xmlns:a16="http://schemas.microsoft.com/office/drawing/2014/main" id="{2D443806-1B78-F60A-17BD-3154C6BDE4EA}"/>
+              </a:ext>
+            </a:extLst>
+          </p:cNvPr>
+          <p:cNvSpPr/>
+          <p:nvPr/>
+        </p:nvSpPr>
+        <p:spPr>
+          <a:xfrm>
+            <a:off x="90197" y="149290"/>
+            <a:ext cx="12011608" cy="6559420"/>
+          </a:xfrm>
+          <a:prstGeom prst="roundRect">
+            <a:avLst>
+              <a:gd name="adj" fmla="val 2087"/>
+            </a:avLst>
+          </a:prstGeom>
+          <a:noFill/>
+          <a:ln>
+            <a:solidFill>
+              <a:schemeClr val="tx1"/>
+            </a:solidFill>
+            <a:prstDash val="dash"/>
+            <a:extLst>
+              <a:ext uri="{C807C97D-BFC1-408E-A445-0C87EB9F89A2}">
+                <ask:lineSketchStyleProps xmlns:ask="http://schemas.microsoft.com/office/drawing/2018/sketchyshapes" sd="1219033472">
+                  <a:custGeom>
+                    <a:avLst/>
+                    <a:gdLst>
+                      <a:gd name="connsiteX0" fmla="*/ 0 w 12011608"/>
+                      <a:gd name="connsiteY0" fmla="*/ 1093259 h 6559420"/>
+                      <a:gd name="connsiteX1" fmla="*/ 1093259 w 12011608"/>
+                      <a:gd name="connsiteY1" fmla="*/ 0 h 6559420"/>
+                      <a:gd name="connsiteX2" fmla="*/ 10918349 w 12011608"/>
+                      <a:gd name="connsiteY2" fmla="*/ 0 h 6559420"/>
+                      <a:gd name="connsiteX3" fmla="*/ 12011608 w 12011608"/>
+                      <a:gd name="connsiteY3" fmla="*/ 1093259 h 6559420"/>
+                      <a:gd name="connsiteX4" fmla="*/ 12011608 w 12011608"/>
+                      <a:gd name="connsiteY4" fmla="*/ 5466161 h 6559420"/>
+                      <a:gd name="connsiteX5" fmla="*/ 10918349 w 12011608"/>
+                      <a:gd name="connsiteY5" fmla="*/ 6559420 h 6559420"/>
+                      <a:gd name="connsiteX6" fmla="*/ 1093259 w 12011608"/>
+                      <a:gd name="connsiteY6" fmla="*/ 6559420 h 6559420"/>
+                      <a:gd name="connsiteX7" fmla="*/ 0 w 12011608"/>
+                      <a:gd name="connsiteY7" fmla="*/ 5466161 h 6559420"/>
+                      <a:gd name="connsiteX8" fmla="*/ 0 w 12011608"/>
+                      <a:gd name="connsiteY8" fmla="*/ 1093259 h 6559420"/>
+                    </a:gdLst>
+                    <a:ahLst/>
+                    <a:cxnLst>
+                      <a:cxn ang="0">
+                        <a:pos x="connsiteX0" y="connsiteY0"/>
+                      </a:cxn>
+                      <a:cxn ang="0">
+                        <a:pos x="connsiteX1" y="connsiteY1"/>
+                      </a:cxn>
+                      <a:cxn ang="0">
+                        <a:pos x="connsiteX2" y="connsiteY2"/>
+                      </a:cxn>
+                      <a:cxn ang="0">
+                        <a:pos x="connsiteX3" y="connsiteY3"/>
+                      </a:cxn>
+                      <a:cxn ang="0">
+                        <a:pos x="connsiteX4" y="connsiteY4"/>
+                      </a:cxn>
+                      <a:cxn ang="0">
+                        <a:pos x="connsiteX5" y="connsiteY5"/>
+                      </a:cxn>
+                      <a:cxn ang="0">
+                        <a:pos x="connsiteX6" y="connsiteY6"/>
+                      </a:cxn>
+                      <a:cxn ang="0">
+                        <a:pos x="connsiteX7" y="connsiteY7"/>
+                      </a:cxn>
+                      <a:cxn ang="0">
+                        <a:pos x="connsiteX8" y="connsiteY8"/>
+                      </a:cxn>
+                    </a:cxnLst>
+                    <a:rect l="l" t="t" r="r" b="b"/>
+                    <a:pathLst>
+                      <a:path w="12011608" h="6559420" extrusionOk="0">
+                        <a:moveTo>
+                          <a:pt x="0" y="1093259"/>
+                        </a:moveTo>
+                        <a:cubicBezTo>
+                          <a:pt x="-7845" y="484630"/>
+                          <a:pt x="467865" y="8108"/>
+                          <a:pt x="1093259" y="0"/>
+                        </a:cubicBezTo>
+                        <a:cubicBezTo>
+                          <a:pt x="4384189" y="132882"/>
+                          <a:pt x="7819229" y="-84951"/>
+                          <a:pt x="10918349" y="0"/>
+                        </a:cubicBezTo>
+                        <a:cubicBezTo>
+                          <a:pt x="11473475" y="47523"/>
+                          <a:pt x="11990134" y="608160"/>
+                          <a:pt x="12011608" y="1093259"/>
+                        </a:cubicBezTo>
+                        <a:cubicBezTo>
+                          <a:pt x="12031795" y="2900874"/>
+                          <a:pt x="12164088" y="4134857"/>
+                          <a:pt x="12011608" y="5466161"/>
+                        </a:cubicBezTo>
+                        <a:cubicBezTo>
+                          <a:pt x="12036918" y="6072954"/>
+                          <a:pt x="11571857" y="6457101"/>
+                          <a:pt x="10918349" y="6559420"/>
+                        </a:cubicBezTo>
+                        <a:cubicBezTo>
+                          <a:pt x="9602557" y="6647059"/>
+                          <a:pt x="3354151" y="6486741"/>
+                          <a:pt x="1093259" y="6559420"/>
+                        </a:cubicBezTo>
+                        <a:cubicBezTo>
+                          <a:pt x="482666" y="6494544"/>
+                          <a:pt x="-19749" y="6097396"/>
+                          <a:pt x="0" y="5466161"/>
+                        </a:cubicBezTo>
+                        <a:cubicBezTo>
+                          <a:pt x="-38581" y="3816704"/>
+                          <a:pt x="63341" y="3160269"/>
+                          <a:pt x="0" y="1093259"/>
+                        </a:cubicBezTo>
+                        <a:close/>
+                      </a:path>
+                    </a:pathLst>
+                  </a:custGeom>
+                  <ask:type>
+                    <ask:lineSketchNone/>
+                  </ask:type>
+                </ask:lineSketchStyleProps>
+              </a:ext>
+            </a:extLst>
+          </a:ln>
+        </p:spPr>
+        <p:style>
+          <a:lnRef idx="2">
+            <a:schemeClr val="accent1">
+              <a:shade val="50000"/>
+            </a:schemeClr>
+          </a:lnRef>
+          <a:fillRef idx="1">
+            <a:schemeClr val="accent1"/>
+          </a:fillRef>
+          <a:effectRef idx="0">
+            <a:schemeClr val="accent1"/>
+          </a:effectRef>
+          <a:fontRef idx="minor">
+            <a:schemeClr val="lt1"/>
+          </a:fontRef>
+        </p:style>
+        <p:txBody>
+          <a:bodyPr rtlCol="0" anchor="ctr"/>
+          <a:lstStyle/>
+          <a:p>
+            <a:pPr algn="ctr"/>
+            <a:endParaRPr lang="en-US" dirty="0">
+              <a:latin typeface="LM Roman 10" pitchFamily="2" charset="77"/>
+              <a:cs typeface="Didot" panose="02000503000000020003" pitchFamily="2" charset="-79"/>
+            </a:endParaRPr>
+          </a:p>
+        </p:txBody>
+      </p:sp>
+      <p:sp>
+        <p:nvSpPr>
+          <p:cNvPr id="7" name="Rectangle: Rounded Corners 6">
+            <a:extLst>
+              <a:ext uri="{FF2B5EF4-FFF2-40B4-BE49-F238E27FC236}">
+                <a16:creationId xmlns:a16="http://schemas.microsoft.com/office/drawing/2014/main" id="{7E31F85C-7964-9E7D-59BD-F1D7029E5CEF}"/>
+              </a:ext>
+            </a:extLst>
+          </p:cNvPr>
+          <p:cNvSpPr/>
+          <p:nvPr/>
+        </p:nvSpPr>
+        <p:spPr>
+          <a:xfrm>
+            <a:off x="400881" y="522757"/>
+            <a:ext cx="11390238" cy="5812486"/>
+          </a:xfrm>
+          <a:prstGeom prst="roundRect">
+            <a:avLst>
+              <a:gd name="adj" fmla="val 2087"/>
+            </a:avLst>
+          </a:prstGeom>
+          <a:noFill/>
+          <a:ln>
+            <a:solidFill>
+              <a:schemeClr val="tx1"/>
+            </a:solidFill>
+            <a:prstDash val="dash"/>
+            <a:extLst>
+              <a:ext uri="{C807C97D-BFC1-408E-A445-0C87EB9F89A2}">
+                <ask:lineSketchStyleProps xmlns:ask="http://schemas.microsoft.com/office/drawing/2018/sketchyshapes" sd="1219033472">
+                  <a:custGeom>
+                    <a:avLst/>
+                    <a:gdLst>
+                      <a:gd name="connsiteX0" fmla="*/ 0 w 12011608"/>
+                      <a:gd name="connsiteY0" fmla="*/ 1093259 h 6559420"/>
+                      <a:gd name="connsiteX1" fmla="*/ 1093259 w 12011608"/>
+                      <a:gd name="connsiteY1" fmla="*/ 0 h 6559420"/>
+                      <a:gd name="connsiteX2" fmla="*/ 10918349 w 12011608"/>
+                      <a:gd name="connsiteY2" fmla="*/ 0 h 6559420"/>
+                      <a:gd name="connsiteX3" fmla="*/ 12011608 w 12011608"/>
+                      <a:gd name="connsiteY3" fmla="*/ 1093259 h 6559420"/>
+                      <a:gd name="connsiteX4" fmla="*/ 12011608 w 12011608"/>
+                      <a:gd name="connsiteY4" fmla="*/ 5466161 h 6559420"/>
+                      <a:gd name="connsiteX5" fmla="*/ 10918349 w 12011608"/>
+                      <a:gd name="connsiteY5" fmla="*/ 6559420 h 6559420"/>
+                      <a:gd name="connsiteX6" fmla="*/ 1093259 w 12011608"/>
+                      <a:gd name="connsiteY6" fmla="*/ 6559420 h 6559420"/>
+                      <a:gd name="connsiteX7" fmla="*/ 0 w 12011608"/>
+                      <a:gd name="connsiteY7" fmla="*/ 5466161 h 6559420"/>
+                      <a:gd name="connsiteX8" fmla="*/ 0 w 12011608"/>
+                      <a:gd name="connsiteY8" fmla="*/ 1093259 h 6559420"/>
+                    </a:gdLst>
+                    <a:ahLst/>
+                    <a:cxnLst>
+                      <a:cxn ang="0">
+                        <a:pos x="connsiteX0" y="connsiteY0"/>
+                      </a:cxn>
+                      <a:cxn ang="0">
+                        <a:pos x="connsiteX1" y="connsiteY1"/>
+                      </a:cxn>
+                      <a:cxn ang="0">
+                        <a:pos x="connsiteX2" y="connsiteY2"/>
+                      </a:cxn>
+                      <a:cxn ang="0">
+                        <a:pos x="connsiteX3" y="connsiteY3"/>
+                      </a:cxn>
+                      <a:cxn ang="0">
+                        <a:pos x="connsiteX4" y="connsiteY4"/>
+                      </a:cxn>
+                      <a:cxn ang="0">
+                        <a:pos x="connsiteX5" y="connsiteY5"/>
+                      </a:cxn>
+                      <a:cxn ang="0">
+                        <a:pos x="connsiteX6" y="connsiteY6"/>
+                      </a:cxn>
+                      <a:cxn ang="0">
+                        <a:pos x="connsiteX7" y="connsiteY7"/>
+                      </a:cxn>
+                      <a:cxn ang="0">
+                        <a:pos x="connsiteX8" y="connsiteY8"/>
+                      </a:cxn>
+                    </a:cxnLst>
+                    <a:rect l="l" t="t" r="r" b="b"/>
+                    <a:pathLst>
+                      <a:path w="12011608" h="6559420" extrusionOk="0">
+                        <a:moveTo>
+                          <a:pt x="0" y="1093259"/>
+                        </a:moveTo>
+                        <a:cubicBezTo>
+                          <a:pt x="-7845" y="484630"/>
+                          <a:pt x="467865" y="8108"/>
+                          <a:pt x="1093259" y="0"/>
+                        </a:cubicBezTo>
+                        <a:cubicBezTo>
+                          <a:pt x="4384189" y="132882"/>
+                          <a:pt x="7819229" y="-84951"/>
+                          <a:pt x="10918349" y="0"/>
+                        </a:cubicBezTo>
+                        <a:cubicBezTo>
+                          <a:pt x="11473475" y="47523"/>
+                          <a:pt x="11990134" y="608160"/>
+                          <a:pt x="12011608" y="1093259"/>
+                        </a:cubicBezTo>
+                        <a:cubicBezTo>
+                          <a:pt x="12031795" y="2900874"/>
+                          <a:pt x="12164088" y="4134857"/>
+                          <a:pt x="12011608" y="5466161"/>
+                        </a:cubicBezTo>
+                        <a:cubicBezTo>
+                          <a:pt x="12036918" y="6072954"/>
+                          <a:pt x="11571857" y="6457101"/>
+                          <a:pt x="10918349" y="6559420"/>
+                        </a:cubicBezTo>
+                        <a:cubicBezTo>
+                          <a:pt x="9602557" y="6647059"/>
+                          <a:pt x="3354151" y="6486741"/>
+                          <a:pt x="1093259" y="6559420"/>
+                        </a:cubicBezTo>
+                        <a:cubicBezTo>
+                          <a:pt x="482666" y="6494544"/>
+                          <a:pt x="-19749" y="6097396"/>
+                          <a:pt x="0" y="5466161"/>
+                        </a:cubicBezTo>
+                        <a:cubicBezTo>
+                          <a:pt x="-38581" y="3816704"/>
+                          <a:pt x="63341" y="3160269"/>
+                          <a:pt x="0" y="1093259"/>
+                        </a:cubicBezTo>
+                        <a:close/>
+                      </a:path>
+                    </a:pathLst>
+                  </a:custGeom>
+                  <ask:type>
+                    <ask:lineSketchNone/>
+                  </ask:type>
+                </ask:lineSketchStyleProps>
+              </a:ext>
+            </a:extLst>
+          </a:ln>
+        </p:spPr>
+        <p:style>
+          <a:lnRef idx="2">
+            <a:schemeClr val="accent1">
+              <a:shade val="50000"/>
+            </a:schemeClr>
+          </a:lnRef>
+          <a:fillRef idx="1">
+            <a:schemeClr val="accent1"/>
+          </a:fillRef>
+          <a:effectRef idx="0">
+            <a:schemeClr val="accent1"/>
+          </a:effectRef>
+          <a:fontRef idx="minor">
+            <a:schemeClr val="lt1"/>
+          </a:fontRef>
+        </p:style>
+        <p:txBody>
+          <a:bodyPr rtlCol="0" anchor="ctr"/>
+          <a:lstStyle/>
+          <a:p>
+            <a:pPr algn="ctr"/>
+            <a:endParaRPr lang="en-US" dirty="0">
+              <a:latin typeface="LM Roman 10" pitchFamily="2" charset="77"/>
+              <a:cs typeface="Didot" panose="02000503000000020003" pitchFamily="2" charset="-79"/>
+            </a:endParaRPr>
+          </a:p>
+        </p:txBody>
+      </p:sp>
+      <p:sp>
+        <p:nvSpPr>
+          <p:cNvPr id="8" name="Rectangle: Rounded Corners 7">
+            <a:extLst>
+              <a:ext uri="{FF2B5EF4-FFF2-40B4-BE49-F238E27FC236}">
+                <a16:creationId xmlns:a16="http://schemas.microsoft.com/office/drawing/2014/main" id="{7751CDBA-94D4-E5A6-7DF9-44DFA078906F}"/>
+              </a:ext>
+            </a:extLst>
+          </p:cNvPr>
+          <p:cNvSpPr/>
+          <p:nvPr/>
+        </p:nvSpPr>
+        <p:spPr>
+          <a:xfrm>
+            <a:off x="820633" y="867212"/>
+            <a:ext cx="7585136" cy="5123576"/>
+          </a:xfrm>
+          <a:prstGeom prst="roundRect">
+            <a:avLst>
+              <a:gd name="adj" fmla="val 2087"/>
+            </a:avLst>
+          </a:prstGeom>
+          <a:noFill/>
+          <a:ln>
+            <a:solidFill>
+              <a:schemeClr val="tx1"/>
+            </a:solidFill>
+            <a:prstDash val="dash"/>
+            <a:extLst>
+              <a:ext uri="{C807C97D-BFC1-408E-A445-0C87EB9F89A2}">
+                <ask:lineSketchStyleProps xmlns:ask="http://schemas.microsoft.com/office/drawing/2018/sketchyshapes" sd="1219033472">
+                  <a:custGeom>
+                    <a:avLst/>
+                    <a:gdLst>
+                      <a:gd name="connsiteX0" fmla="*/ 0 w 12011608"/>
+                      <a:gd name="connsiteY0" fmla="*/ 1093259 h 6559420"/>
+                      <a:gd name="connsiteX1" fmla="*/ 1093259 w 12011608"/>
+                      <a:gd name="connsiteY1" fmla="*/ 0 h 6559420"/>
+                      <a:gd name="connsiteX2" fmla="*/ 10918349 w 12011608"/>
+                      <a:gd name="connsiteY2" fmla="*/ 0 h 6559420"/>
+                      <a:gd name="connsiteX3" fmla="*/ 12011608 w 12011608"/>
+                      <a:gd name="connsiteY3" fmla="*/ 1093259 h 6559420"/>
+                      <a:gd name="connsiteX4" fmla="*/ 12011608 w 12011608"/>
+                      <a:gd name="connsiteY4" fmla="*/ 5466161 h 6559420"/>
+                      <a:gd name="connsiteX5" fmla="*/ 10918349 w 12011608"/>
+                      <a:gd name="connsiteY5" fmla="*/ 6559420 h 6559420"/>
+                      <a:gd name="connsiteX6" fmla="*/ 1093259 w 12011608"/>
+                      <a:gd name="connsiteY6" fmla="*/ 6559420 h 6559420"/>
+                      <a:gd name="connsiteX7" fmla="*/ 0 w 12011608"/>
+                      <a:gd name="connsiteY7" fmla="*/ 5466161 h 6559420"/>
+                      <a:gd name="connsiteX8" fmla="*/ 0 w 12011608"/>
+                      <a:gd name="connsiteY8" fmla="*/ 1093259 h 6559420"/>
+                    </a:gdLst>
+                    <a:ahLst/>
+                    <a:cxnLst>
+                      <a:cxn ang="0">
+                        <a:pos x="connsiteX0" y="connsiteY0"/>
+                      </a:cxn>
+                      <a:cxn ang="0">
+                        <a:pos x="connsiteX1" y="connsiteY1"/>
+                      </a:cxn>
+                      <a:cxn ang="0">
+                        <a:pos x="connsiteX2" y="connsiteY2"/>
+                      </a:cxn>
+                      <a:cxn ang="0">
+                        <a:pos x="connsiteX3" y="connsiteY3"/>
+                      </a:cxn>
+                      <a:cxn ang="0">
+                        <a:pos x="connsiteX4" y="connsiteY4"/>
+                      </a:cxn>
+                      <a:cxn ang="0">
+                        <a:pos x="connsiteX5" y="connsiteY5"/>
+                      </a:cxn>
+                      <a:cxn ang="0">
+                        <a:pos x="connsiteX6" y="connsiteY6"/>
+                      </a:cxn>
+                      <a:cxn ang="0">
+                        <a:pos x="connsiteX7" y="connsiteY7"/>
+                      </a:cxn>
+                      <a:cxn ang="0">
+                        <a:pos x="connsiteX8" y="connsiteY8"/>
+                      </a:cxn>
+                    </a:cxnLst>
+                    <a:rect l="l" t="t" r="r" b="b"/>
+                    <a:pathLst>
+                      <a:path w="12011608" h="6559420" extrusionOk="0">
+                        <a:moveTo>
+                          <a:pt x="0" y="1093259"/>
+                        </a:moveTo>
+                        <a:cubicBezTo>
+                          <a:pt x="-7845" y="484630"/>
+                          <a:pt x="467865" y="8108"/>
+                          <a:pt x="1093259" y="0"/>
+                        </a:cubicBezTo>
+                        <a:cubicBezTo>
+                          <a:pt x="4384189" y="132882"/>
+                          <a:pt x="7819229" y="-84951"/>
+                          <a:pt x="10918349" y="0"/>
+                        </a:cubicBezTo>
+                        <a:cubicBezTo>
+                          <a:pt x="11473475" y="47523"/>
+                          <a:pt x="11990134" y="608160"/>
+                          <a:pt x="12011608" y="1093259"/>
+                        </a:cubicBezTo>
+                        <a:cubicBezTo>
+                          <a:pt x="12031795" y="2900874"/>
+                          <a:pt x="12164088" y="4134857"/>
+                          <a:pt x="12011608" y="5466161"/>
+                        </a:cubicBezTo>
+                        <a:cubicBezTo>
+                          <a:pt x="12036918" y="6072954"/>
+                          <a:pt x="11571857" y="6457101"/>
+                          <a:pt x="10918349" y="6559420"/>
+                        </a:cubicBezTo>
+                        <a:cubicBezTo>
+                          <a:pt x="9602557" y="6647059"/>
+                          <a:pt x="3354151" y="6486741"/>
+                          <a:pt x="1093259" y="6559420"/>
+                        </a:cubicBezTo>
+                        <a:cubicBezTo>
+                          <a:pt x="482666" y="6494544"/>
+                          <a:pt x="-19749" y="6097396"/>
+                          <a:pt x="0" y="5466161"/>
+                        </a:cubicBezTo>
+                        <a:cubicBezTo>
+                          <a:pt x="-38581" y="3816704"/>
+                          <a:pt x="63341" y="3160269"/>
+                          <a:pt x="0" y="1093259"/>
+                        </a:cubicBezTo>
+                        <a:close/>
+                      </a:path>
+                    </a:pathLst>
+                  </a:custGeom>
+                  <ask:type>
+                    <ask:lineSketchNone/>
+                  </ask:type>
+                </ask:lineSketchStyleProps>
+              </a:ext>
+            </a:extLst>
+          </a:ln>
+        </p:spPr>
+        <p:style>
+          <a:lnRef idx="2">
+            <a:schemeClr val="accent1">
+              <a:shade val="50000"/>
+            </a:schemeClr>
+          </a:lnRef>
+          <a:fillRef idx="1">
+            <a:schemeClr val="accent1"/>
+          </a:fillRef>
+          <a:effectRef idx="0">
+            <a:schemeClr val="accent1"/>
+          </a:effectRef>
+          <a:fontRef idx="minor">
+            <a:schemeClr val="lt1"/>
+          </a:fontRef>
+        </p:style>
+        <p:txBody>
+          <a:bodyPr rtlCol="0" anchor="ctr"/>
+          <a:lstStyle/>
+          <a:p>
+            <a:pPr algn="ctr"/>
+            <a:endParaRPr lang="en-US" dirty="0">
+              <a:latin typeface="LM Roman 10" pitchFamily="2" charset="77"/>
+              <a:cs typeface="Didot" panose="02000503000000020003" pitchFamily="2" charset="-79"/>
+            </a:endParaRPr>
+          </a:p>
+        </p:txBody>
+      </p:sp>
+      <p:sp>
+        <p:nvSpPr>
+          <p:cNvPr id="9" name="TextBox 8">
+            <a:extLst>
+              <a:ext uri="{FF2B5EF4-FFF2-40B4-BE49-F238E27FC236}">
+                <a16:creationId xmlns:a16="http://schemas.microsoft.com/office/drawing/2014/main" id="{54F6159C-C000-718D-1CB8-474645C5C703}"/>
+              </a:ext>
+            </a:extLst>
+          </p:cNvPr>
+          <p:cNvSpPr txBox="1"/>
+          <p:nvPr/>
+        </p:nvSpPr>
+        <p:spPr>
+          <a:xfrm>
+            <a:off x="153174" y="153425"/>
+            <a:ext cx="2820003" cy="338554"/>
+          </a:xfrm>
+          <a:prstGeom prst="rect">
+            <a:avLst/>
+          </a:prstGeom>
+          <a:noFill/>
+        </p:spPr>
+        <p:txBody>
+          <a:bodyPr wrap="none" rtlCol="0">
+            <a:spAutoFit/>
+          </a:bodyPr>
+          <a:lstStyle/>
+          <a:p>
+            <a:r>
+              <a:rPr lang="de-DE" sz="1600" dirty="0">
+                <a:latin typeface="LM Roman 10" pitchFamily="2" charset="77"/>
+                <a:cs typeface="Didot" panose="02000503000000020003" pitchFamily="2" charset="-79"/>
+              </a:rPr>
+              <a:t>Charakteristika der Kontexte</a:t>
+            </a:r>
+            <a:endParaRPr lang="en-US" dirty="0">
+              <a:latin typeface="LM Roman 10" pitchFamily="2" charset="77"/>
+              <a:cs typeface="Didot" panose="02000503000000020003" pitchFamily="2" charset="-79"/>
+            </a:endParaRPr>
+          </a:p>
+        </p:txBody>
+      </p:sp>
+      <p:sp>
+        <p:nvSpPr>
+          <p:cNvPr id="10" name="TextBox 9">
+            <a:extLst>
+              <a:ext uri="{FF2B5EF4-FFF2-40B4-BE49-F238E27FC236}">
+                <a16:creationId xmlns:a16="http://schemas.microsoft.com/office/drawing/2014/main" id="{7089942B-64B4-A49D-35FF-C2AF5B72F395}"/>
+              </a:ext>
+            </a:extLst>
+          </p:cNvPr>
+          <p:cNvSpPr txBox="1"/>
+          <p:nvPr/>
+        </p:nvSpPr>
+        <p:spPr>
+          <a:xfrm>
+            <a:off x="400881" y="510319"/>
+            <a:ext cx="2965877" cy="338554"/>
+          </a:xfrm>
+          <a:prstGeom prst="rect">
+            <a:avLst/>
+          </a:prstGeom>
+          <a:noFill/>
+        </p:spPr>
+        <p:txBody>
+          <a:bodyPr wrap="none" rtlCol="0">
+            <a:spAutoFit/>
+          </a:bodyPr>
+          <a:lstStyle/>
+          <a:p>
+            <a:r>
+              <a:rPr lang="de-DE" sz="1600" dirty="0">
+                <a:latin typeface="LM Roman 10" pitchFamily="2" charset="77"/>
+                <a:cs typeface="Didot" panose="02000503000000020003" pitchFamily="2" charset="-79"/>
+              </a:rPr>
+              <a:t>Charakteristika der Nutzenden</a:t>
+            </a:r>
+            <a:endParaRPr lang="en-US" sz="1600" dirty="0">
+              <a:latin typeface="LM Roman 10" pitchFamily="2" charset="77"/>
+              <a:cs typeface="Didot" panose="02000503000000020003" pitchFamily="2" charset="-79"/>
+            </a:endParaRPr>
+          </a:p>
+        </p:txBody>
+      </p:sp>
+      <p:sp>
+        <p:nvSpPr>
+          <p:cNvPr id="11" name="TextBox 10">
+            <a:extLst>
+              <a:ext uri="{FF2B5EF4-FFF2-40B4-BE49-F238E27FC236}">
+                <a16:creationId xmlns:a16="http://schemas.microsoft.com/office/drawing/2014/main" id="{13879C0C-1EBE-1092-85BE-105AC4D194FF}"/>
+              </a:ext>
+            </a:extLst>
+          </p:cNvPr>
+          <p:cNvSpPr txBox="1"/>
+          <p:nvPr/>
+        </p:nvSpPr>
+        <p:spPr>
+          <a:xfrm>
+            <a:off x="820633" y="879401"/>
+            <a:ext cx="2719014" cy="338554"/>
+          </a:xfrm>
+          <a:prstGeom prst="rect">
+            <a:avLst/>
+          </a:prstGeom>
+          <a:noFill/>
+        </p:spPr>
+        <p:txBody>
+          <a:bodyPr wrap="none" rtlCol="0">
+            <a:spAutoFit/>
+          </a:bodyPr>
+          <a:lstStyle/>
+          <a:p>
+            <a:r>
+              <a:rPr lang="de-DE" sz="1600" dirty="0">
+                <a:latin typeface="LM Roman 10" pitchFamily="2" charset="77"/>
+                <a:cs typeface="Didot" panose="02000503000000020003" pitchFamily="2" charset="-79"/>
+              </a:rPr>
+              <a:t>Charakteristika der Evidenz</a:t>
+            </a:r>
+            <a:endParaRPr lang="en-US" sz="1600" dirty="0">
+              <a:latin typeface="LM Roman 10" pitchFamily="2" charset="77"/>
+              <a:cs typeface="Didot" panose="02000503000000020003" pitchFamily="2" charset="-79"/>
+            </a:endParaRPr>
+          </a:p>
+        </p:txBody>
+      </p:sp>
+      <p:sp>
+        <p:nvSpPr>
+          <p:cNvPr id="13" name="Oval 12">
+            <a:extLst>
+              <a:ext uri="{FF2B5EF4-FFF2-40B4-BE49-F238E27FC236}">
+                <a16:creationId xmlns:a16="http://schemas.microsoft.com/office/drawing/2014/main" id="{1D8693F1-4AF6-B64B-4F0A-B464A18041CC}"/>
+              </a:ext>
+            </a:extLst>
+          </p:cNvPr>
+          <p:cNvSpPr/>
+          <p:nvPr/>
+        </p:nvSpPr>
+        <p:spPr>
+          <a:xfrm>
+            <a:off x="2759362" y="4212309"/>
+            <a:ext cx="1630680" cy="754380"/>
+          </a:xfrm>
+          <a:prstGeom prst="ellipse">
+            <a:avLst/>
+          </a:prstGeom>
+          <a:solidFill>
+            <a:schemeClr val="bg1"/>
+          </a:solidFill>
+          <a:ln>
+            <a:solidFill>
+              <a:schemeClr val="tx1"/>
+            </a:solidFill>
+          </a:ln>
+          <a:effectLst>
+            <a:outerShdw blurRad="50800" dist="38100" dir="2700000" algn="tl" rotWithShape="0">
+              <a:prstClr val="black">
+                <a:alpha val="40000"/>
+              </a:prstClr>
+            </a:outerShdw>
+          </a:effectLst>
+        </p:spPr>
+        <p:style>
+          <a:lnRef idx="2">
+            <a:schemeClr val="accent1">
+              <a:shade val="50000"/>
+            </a:schemeClr>
+          </a:lnRef>
+          <a:fillRef idx="1">
+            <a:schemeClr val="accent1"/>
+          </a:fillRef>
+          <a:effectRef idx="0">
+            <a:schemeClr val="accent1"/>
+          </a:effectRef>
+          <a:fontRef idx="minor">
+            <a:schemeClr val="lt1"/>
+          </a:fontRef>
+        </p:style>
+        <p:txBody>
+          <a:bodyPr rtlCol="0" anchor="ctr"/>
+          <a:lstStyle/>
+          <a:p>
+            <a:pPr algn="ctr"/>
+            <a:r>
+              <a:rPr lang="de-DE" dirty="0">
+                <a:solidFill>
+                  <a:schemeClr val="tx1"/>
+                </a:solidFill>
+                <a:latin typeface="LM Roman 10" pitchFamily="2" charset="77"/>
+                <a:cs typeface="Didot" panose="02000503000000020003" pitchFamily="2" charset="-79"/>
+              </a:rPr>
+              <a:t> </a:t>
+            </a:r>
+            <a:endParaRPr lang="en-US" dirty="0">
+              <a:solidFill>
+                <a:schemeClr val="tx1"/>
+              </a:solidFill>
+              <a:latin typeface="LM Roman 10" pitchFamily="2" charset="77"/>
+              <a:cs typeface="Didot" panose="02000503000000020003" pitchFamily="2" charset="-79"/>
+            </a:endParaRPr>
+          </a:p>
+        </p:txBody>
+      </p:sp>
+      <p:sp>
+        <p:nvSpPr>
+          <p:cNvPr id="14" name="Oval 13">
+            <a:extLst>
+              <a:ext uri="{FF2B5EF4-FFF2-40B4-BE49-F238E27FC236}">
+                <a16:creationId xmlns:a16="http://schemas.microsoft.com/office/drawing/2014/main" id="{2A14B365-C792-8A6C-8E80-FF83C67B5D55}"/>
+              </a:ext>
+            </a:extLst>
+          </p:cNvPr>
+          <p:cNvSpPr/>
+          <p:nvPr/>
+        </p:nvSpPr>
+        <p:spPr>
+          <a:xfrm>
+            <a:off x="4390042" y="3088597"/>
+            <a:ext cx="1630680" cy="754380"/>
+          </a:xfrm>
+          <a:prstGeom prst="ellipse">
+            <a:avLst/>
+          </a:prstGeom>
+          <a:solidFill>
+            <a:schemeClr val="bg1"/>
+          </a:solidFill>
+          <a:ln>
+            <a:solidFill>
+              <a:schemeClr val="tx1"/>
+            </a:solidFill>
+          </a:ln>
+          <a:effectLst>
+            <a:outerShdw blurRad="50800" dist="38100" dir="2700000" algn="tl" rotWithShape="0">
+              <a:prstClr val="black">
+                <a:alpha val="40000"/>
+              </a:prstClr>
+            </a:outerShdw>
+          </a:effectLst>
+        </p:spPr>
+        <p:style>
+          <a:lnRef idx="2">
+            <a:schemeClr val="accent1">
+              <a:shade val="50000"/>
+            </a:schemeClr>
+          </a:lnRef>
+          <a:fillRef idx="1">
+            <a:schemeClr val="accent1"/>
+          </a:fillRef>
+          <a:effectRef idx="0">
+            <a:schemeClr val="accent1"/>
+          </a:effectRef>
+          <a:fontRef idx="minor">
+            <a:schemeClr val="lt1"/>
+          </a:fontRef>
+        </p:style>
+        <p:txBody>
+          <a:bodyPr rtlCol="0" anchor="ctr"/>
+          <a:lstStyle/>
+          <a:p>
+            <a:pPr algn="ctr"/>
+            <a:r>
+              <a:rPr lang="de-DE" sz="1600" dirty="0">
+                <a:solidFill>
+                  <a:schemeClr val="tx1"/>
+                </a:solidFill>
+                <a:latin typeface="LM Roman 10" pitchFamily="2" charset="77"/>
+                <a:cs typeface="Didot" panose="02000503000000020003" pitchFamily="2" charset="-79"/>
+              </a:rPr>
+              <a:t>Evidenz</a:t>
+            </a:r>
+            <a:endParaRPr lang="en-US" dirty="0">
+              <a:solidFill>
+                <a:schemeClr val="tx1"/>
+              </a:solidFill>
+              <a:latin typeface="LM Roman 10" pitchFamily="2" charset="77"/>
+              <a:cs typeface="Didot" panose="02000503000000020003" pitchFamily="2" charset="-79"/>
+            </a:endParaRPr>
+          </a:p>
+        </p:txBody>
+      </p:sp>
+      <p:sp>
+        <p:nvSpPr>
+          <p:cNvPr id="15" name="Oval 14">
+            <a:extLst>
+              <a:ext uri="{FF2B5EF4-FFF2-40B4-BE49-F238E27FC236}">
+                <a16:creationId xmlns:a16="http://schemas.microsoft.com/office/drawing/2014/main" id="{97DAF1C8-8BF6-B122-BD80-962768DA66B4}"/>
+              </a:ext>
+            </a:extLst>
+          </p:cNvPr>
+          <p:cNvSpPr/>
+          <p:nvPr/>
+        </p:nvSpPr>
+        <p:spPr>
+          <a:xfrm>
+            <a:off x="6020722" y="1964885"/>
+            <a:ext cx="1630680" cy="754380"/>
+          </a:xfrm>
+          <a:prstGeom prst="ellipse">
+            <a:avLst/>
+          </a:prstGeom>
+          <a:solidFill>
+            <a:schemeClr val="bg1"/>
+          </a:solidFill>
+          <a:ln>
+            <a:solidFill>
+              <a:schemeClr val="tx1"/>
+            </a:solidFill>
+          </a:ln>
+          <a:effectLst>
+            <a:outerShdw blurRad="50800" dist="38100" dir="2700000" algn="tl" rotWithShape="0">
+              <a:prstClr val="black">
+                <a:alpha val="40000"/>
+              </a:prstClr>
+            </a:outerShdw>
+          </a:effectLst>
+        </p:spPr>
+        <p:style>
+          <a:lnRef idx="2">
+            <a:schemeClr val="accent1">
+              <a:shade val="50000"/>
+            </a:schemeClr>
+          </a:lnRef>
+          <a:fillRef idx="1">
+            <a:schemeClr val="accent1"/>
+          </a:fillRef>
+          <a:effectRef idx="0">
+            <a:schemeClr val="accent1"/>
+          </a:effectRef>
+          <a:fontRef idx="minor">
+            <a:schemeClr val="lt1"/>
+          </a:fontRef>
+        </p:style>
+        <p:txBody>
+          <a:bodyPr rtlCol="0" anchor="ctr"/>
+          <a:lstStyle/>
+          <a:p>
+            <a:pPr algn="ctr"/>
+            <a:endParaRPr lang="en-US" sz="1600" dirty="0">
+              <a:solidFill>
+                <a:schemeClr val="tx1"/>
+              </a:solidFill>
+              <a:latin typeface="LM Roman 10" pitchFamily="2" charset="77"/>
+              <a:cs typeface="Didot" panose="02000503000000020003" pitchFamily="2" charset="-79"/>
+            </a:endParaRPr>
+          </a:p>
+        </p:txBody>
+      </p:sp>
+      <p:cxnSp>
+        <p:nvCxnSpPr>
+          <p:cNvPr id="20" name="Connector: Curved 19">
+            <a:extLst>
+              <a:ext uri="{FF2B5EF4-FFF2-40B4-BE49-F238E27FC236}">
+                <a16:creationId xmlns:a16="http://schemas.microsoft.com/office/drawing/2014/main" id="{9D08A355-1BFF-B13D-EABD-1944CF8A7E31}"/>
+              </a:ext>
+            </a:extLst>
+          </p:cNvPr>
+          <p:cNvCxnSpPr>
+            <a:cxnSpLocks/>
+            <a:stCxn id="13" idx="0"/>
+            <a:endCxn id="14" idx="2"/>
+          </p:cNvCxnSpPr>
+          <p:nvPr/>
+        </p:nvCxnSpPr>
+        <p:spPr>
+          <a:xfrm rot="5400000" flipH="1" flipV="1">
+            <a:off x="3609111" y="3431378"/>
+            <a:ext cx="746522" cy="815340"/>
+          </a:xfrm>
+          <a:prstGeom prst="curvedConnector2">
+            <a:avLst/>
+          </a:prstGeom>
+          <a:ln w="34925">
+            <a:solidFill>
+              <a:schemeClr val="tx1"/>
+            </a:solidFill>
+            <a:tailEnd type="triangle"/>
+          </a:ln>
+        </p:spPr>
+        <p:style>
+          <a:lnRef idx="1">
+            <a:schemeClr val="accent1"/>
+          </a:lnRef>
+          <a:fillRef idx="0">
+            <a:schemeClr val="accent1"/>
+          </a:fillRef>
+          <a:effectRef idx="0">
+            <a:schemeClr val="accent1"/>
+          </a:effectRef>
+          <a:fontRef idx="minor">
+            <a:schemeClr val="tx1"/>
+          </a:fontRef>
+        </p:style>
+      </p:cxnSp>
+      <p:cxnSp>
+        <p:nvCxnSpPr>
+          <p:cNvPr id="23" name="Connector: Curved 22">
+            <a:extLst>
+              <a:ext uri="{FF2B5EF4-FFF2-40B4-BE49-F238E27FC236}">
+                <a16:creationId xmlns:a16="http://schemas.microsoft.com/office/drawing/2014/main" id="{C576A603-F83F-F3F0-AD46-5F1BC4B64A9E}"/>
+              </a:ext>
+            </a:extLst>
+          </p:cNvPr>
+          <p:cNvCxnSpPr>
+            <a:cxnSpLocks/>
+            <a:stCxn id="14" idx="0"/>
+            <a:endCxn id="15" idx="2"/>
+          </p:cNvCxnSpPr>
+          <p:nvPr/>
+        </p:nvCxnSpPr>
+        <p:spPr>
+          <a:xfrm rot="5400000" flipH="1" flipV="1">
+            <a:off x="5239791" y="2307666"/>
+            <a:ext cx="746522" cy="815340"/>
+          </a:xfrm>
+          <a:prstGeom prst="curvedConnector2">
+            <a:avLst/>
+          </a:prstGeom>
+          <a:ln w="34925">
+            <a:solidFill>
+              <a:schemeClr val="tx1"/>
+            </a:solidFill>
+            <a:tailEnd type="triangle"/>
+          </a:ln>
+        </p:spPr>
+        <p:style>
+          <a:lnRef idx="1">
+            <a:schemeClr val="accent1"/>
+          </a:lnRef>
+          <a:fillRef idx="0">
+            <a:schemeClr val="accent1"/>
+          </a:fillRef>
+          <a:effectRef idx="0">
+            <a:schemeClr val="accent1"/>
+          </a:effectRef>
+          <a:fontRef idx="minor">
+            <a:schemeClr val="tx1"/>
+          </a:fontRef>
+        </p:style>
+      </p:cxnSp>
+      <p:sp>
+        <p:nvSpPr>
+          <p:cNvPr id="26" name="Oval 25">
+            <a:extLst>
+              <a:ext uri="{FF2B5EF4-FFF2-40B4-BE49-F238E27FC236}">
+                <a16:creationId xmlns:a16="http://schemas.microsoft.com/office/drawing/2014/main" id="{E3DC8A4E-1508-5E72-013D-97FAFDC90495}"/>
+              </a:ext>
+            </a:extLst>
+          </p:cNvPr>
+          <p:cNvSpPr/>
+          <p:nvPr/>
+        </p:nvSpPr>
+        <p:spPr>
+          <a:xfrm>
+            <a:off x="8944559" y="1960956"/>
+            <a:ext cx="1630680" cy="754380"/>
+          </a:xfrm>
+          <a:prstGeom prst="ellipse">
+            <a:avLst/>
+          </a:prstGeom>
+          <a:solidFill>
+            <a:schemeClr val="bg1"/>
+          </a:solidFill>
+          <a:ln>
+            <a:solidFill>
+              <a:schemeClr val="tx1"/>
+            </a:solidFill>
+          </a:ln>
+          <a:effectLst>
+            <a:outerShdw blurRad="50800" dist="38100" dir="2700000" algn="tl" rotWithShape="0">
+              <a:prstClr val="black">
+                <a:alpha val="40000"/>
+              </a:prstClr>
+            </a:outerShdw>
+          </a:effectLst>
+        </p:spPr>
+        <p:style>
+          <a:lnRef idx="2">
+            <a:schemeClr val="accent1">
+              <a:shade val="50000"/>
+            </a:schemeClr>
+          </a:lnRef>
+          <a:fillRef idx="1">
+            <a:schemeClr val="accent1"/>
+          </a:fillRef>
+          <a:effectRef idx="0">
+            <a:schemeClr val="accent1"/>
+          </a:effectRef>
+          <a:fontRef idx="minor">
+            <a:schemeClr val="lt1"/>
+          </a:fontRef>
+        </p:style>
+        <p:txBody>
+          <a:bodyPr rtlCol="0" anchor="ctr"/>
+          <a:lstStyle/>
+          <a:p>
+            <a:pPr algn="ctr"/>
+            <a:endParaRPr lang="en-US" dirty="0">
+              <a:solidFill>
+                <a:schemeClr val="tx1"/>
+              </a:solidFill>
+              <a:latin typeface="LM Roman 10" pitchFamily="2" charset="77"/>
+              <a:cs typeface="Didot" panose="02000503000000020003" pitchFamily="2" charset="-79"/>
+            </a:endParaRPr>
+          </a:p>
+        </p:txBody>
+      </p:sp>
+      <p:sp>
+        <p:nvSpPr>
+          <p:cNvPr id="27" name="Oval 26">
+            <a:extLst>
+              <a:ext uri="{FF2B5EF4-FFF2-40B4-BE49-F238E27FC236}">
+                <a16:creationId xmlns:a16="http://schemas.microsoft.com/office/drawing/2014/main" id="{72AF60ED-4044-E5E5-F9E9-64C7593F7CC0}"/>
+              </a:ext>
+            </a:extLst>
+          </p:cNvPr>
+          <p:cNvSpPr/>
+          <p:nvPr/>
+        </p:nvSpPr>
+        <p:spPr>
+          <a:xfrm>
+            <a:off x="8944559" y="4212309"/>
+            <a:ext cx="1630680" cy="754380"/>
+          </a:xfrm>
+          <a:prstGeom prst="ellipse">
+            <a:avLst/>
+          </a:prstGeom>
+          <a:solidFill>
+            <a:schemeClr val="bg1"/>
+          </a:solidFill>
+          <a:ln>
+            <a:solidFill>
+              <a:schemeClr val="tx1"/>
+            </a:solidFill>
+          </a:ln>
+          <a:effectLst>
+            <a:outerShdw blurRad="50800" dist="38100" dir="2700000" algn="tl" rotWithShape="0">
+              <a:prstClr val="black">
+                <a:alpha val="40000"/>
+              </a:prstClr>
+            </a:outerShdw>
+          </a:effectLst>
+        </p:spPr>
+        <p:style>
+          <a:lnRef idx="2">
+            <a:schemeClr val="accent1">
+              <a:shade val="50000"/>
+            </a:schemeClr>
+          </a:lnRef>
+          <a:fillRef idx="1">
+            <a:schemeClr val="accent1"/>
+          </a:fillRef>
+          <a:effectRef idx="0">
+            <a:schemeClr val="accent1"/>
+          </a:effectRef>
+          <a:fontRef idx="minor">
+            <a:schemeClr val="lt1"/>
+          </a:fontRef>
+        </p:style>
+        <p:txBody>
+          <a:bodyPr rtlCol="0" anchor="ctr"/>
+          <a:lstStyle/>
+          <a:p>
+            <a:pPr algn="ctr"/>
+            <a:r>
+              <a:rPr lang="de-DE" sz="1600" dirty="0">
+                <a:solidFill>
+                  <a:schemeClr val="tx1"/>
+                </a:solidFill>
+                <a:latin typeface="LM Roman 10" pitchFamily="2" charset="77"/>
+                <a:cs typeface="Didot" panose="02000503000000020003" pitchFamily="2" charset="-79"/>
+              </a:rPr>
+              <a:t>Ergebnisse</a:t>
+            </a:r>
+            <a:endParaRPr lang="en-US" sz="1600" dirty="0">
+              <a:solidFill>
+                <a:schemeClr val="tx1"/>
+              </a:solidFill>
+              <a:latin typeface="LM Roman 10" pitchFamily="2" charset="77"/>
+              <a:cs typeface="Didot" panose="02000503000000020003" pitchFamily="2" charset="-79"/>
+            </a:endParaRPr>
+          </a:p>
+        </p:txBody>
+      </p:sp>
+      <p:cxnSp>
+        <p:nvCxnSpPr>
+          <p:cNvPr id="32" name="Straight Arrow Connector 31">
+            <a:extLst>
+              <a:ext uri="{FF2B5EF4-FFF2-40B4-BE49-F238E27FC236}">
+                <a16:creationId xmlns:a16="http://schemas.microsoft.com/office/drawing/2014/main" id="{166579B7-9EB5-A37B-D7D0-0EEC0B6803AE}"/>
+              </a:ext>
+            </a:extLst>
+          </p:cNvPr>
+          <p:cNvCxnSpPr>
+            <a:cxnSpLocks/>
+            <a:stCxn id="15" idx="6"/>
+            <a:endCxn id="26" idx="2"/>
+          </p:cNvCxnSpPr>
+          <p:nvPr/>
+        </p:nvCxnSpPr>
+        <p:spPr>
+          <a:xfrm flipV="1">
+            <a:off x="7651402" y="2338146"/>
+            <a:ext cx="1293157" cy="3929"/>
+          </a:xfrm>
+          <a:prstGeom prst="straightConnector1">
+            <a:avLst/>
+          </a:prstGeom>
+          <a:ln w="34925">
+            <a:solidFill>
+              <a:schemeClr val="tx1"/>
+            </a:solidFill>
+            <a:tailEnd type="triangle"/>
+          </a:ln>
+        </p:spPr>
+        <p:style>
+          <a:lnRef idx="1">
+            <a:schemeClr val="accent1"/>
+          </a:lnRef>
+          <a:fillRef idx="0">
+            <a:schemeClr val="accent1"/>
+          </a:fillRef>
+          <a:effectRef idx="0">
+            <a:schemeClr val="accent1"/>
+          </a:effectRef>
+          <a:fontRef idx="minor">
+            <a:schemeClr val="tx1"/>
+          </a:fontRef>
+        </p:style>
+      </p:cxnSp>
+      <p:cxnSp>
+        <p:nvCxnSpPr>
+          <p:cNvPr id="34" name="Straight Arrow Connector 33">
+            <a:extLst>
+              <a:ext uri="{FF2B5EF4-FFF2-40B4-BE49-F238E27FC236}">
+                <a16:creationId xmlns:a16="http://schemas.microsoft.com/office/drawing/2014/main" id="{49F8FCE9-625E-3019-9506-DB4366A32AC6}"/>
+              </a:ext>
+            </a:extLst>
+          </p:cNvPr>
+          <p:cNvCxnSpPr>
+            <a:cxnSpLocks/>
+            <a:stCxn id="26" idx="4"/>
+            <a:endCxn id="27" idx="0"/>
+          </p:cNvCxnSpPr>
+          <p:nvPr/>
+        </p:nvCxnSpPr>
+        <p:spPr>
+          <a:xfrm>
+            <a:off x="9759899" y="2715336"/>
+            <a:ext cx="0" cy="1496973"/>
+          </a:xfrm>
+          <a:prstGeom prst="straightConnector1">
+            <a:avLst/>
+          </a:prstGeom>
+          <a:ln w="34925">
+            <a:solidFill>
+              <a:schemeClr val="tx1"/>
+            </a:solidFill>
+            <a:tailEnd type="triangle"/>
+          </a:ln>
+        </p:spPr>
+        <p:style>
+          <a:lnRef idx="1">
+            <a:schemeClr val="accent1"/>
+          </a:lnRef>
+          <a:fillRef idx="0">
+            <a:schemeClr val="accent1"/>
+          </a:fillRef>
+          <a:effectRef idx="0">
+            <a:schemeClr val="accent1"/>
+          </a:effectRef>
+          <a:fontRef idx="minor">
+            <a:schemeClr val="tx1"/>
+          </a:fontRef>
+        </p:style>
+      </p:cxnSp>
+      <p:cxnSp>
+        <p:nvCxnSpPr>
+          <p:cNvPr id="37" name="Straight Arrow Connector 36">
+            <a:extLst>
+              <a:ext uri="{FF2B5EF4-FFF2-40B4-BE49-F238E27FC236}">
+                <a16:creationId xmlns:a16="http://schemas.microsoft.com/office/drawing/2014/main" id="{55715120-9AEF-727F-AF81-D95E0E013E59}"/>
+              </a:ext>
+            </a:extLst>
+          </p:cNvPr>
+          <p:cNvCxnSpPr>
+            <a:cxnSpLocks/>
+            <a:stCxn id="27" idx="2"/>
+            <a:endCxn id="13" idx="6"/>
+          </p:cNvCxnSpPr>
+          <p:nvPr/>
+        </p:nvCxnSpPr>
+        <p:spPr>
+          <a:xfrm flipH="1">
+            <a:off x="4390042" y="4589499"/>
+            <a:ext cx="4554517" cy="0"/>
+          </a:xfrm>
+          <a:prstGeom prst="straightConnector1">
+            <a:avLst/>
+          </a:prstGeom>
+          <a:ln w="34925">
+            <a:solidFill>
+              <a:schemeClr val="tx1"/>
+            </a:solidFill>
+            <a:tailEnd type="triangle"/>
+          </a:ln>
+        </p:spPr>
+        <p:style>
+          <a:lnRef idx="1">
+            <a:schemeClr val="accent1"/>
+          </a:lnRef>
+          <a:fillRef idx="0">
+            <a:schemeClr val="accent1"/>
+          </a:fillRef>
+          <a:effectRef idx="0">
+            <a:schemeClr val="accent1"/>
+          </a:effectRef>
+          <a:fontRef idx="minor">
+            <a:schemeClr val="tx1"/>
+          </a:fontRef>
+        </p:style>
+      </p:cxnSp>
+      <p:cxnSp>
+        <p:nvCxnSpPr>
+          <p:cNvPr id="40" name="Straight Arrow Connector 39">
+            <a:extLst>
+              <a:ext uri="{FF2B5EF4-FFF2-40B4-BE49-F238E27FC236}">
+                <a16:creationId xmlns:a16="http://schemas.microsoft.com/office/drawing/2014/main" id="{877155B9-7D29-7689-96CE-6ACB5D537AB5}"/>
+              </a:ext>
+            </a:extLst>
+          </p:cNvPr>
+          <p:cNvCxnSpPr>
+            <a:cxnSpLocks/>
+            <a:stCxn id="14" idx="4"/>
+          </p:cNvCxnSpPr>
+          <p:nvPr/>
+        </p:nvCxnSpPr>
+        <p:spPr>
+          <a:xfrm>
+            <a:off x="5205382" y="3842977"/>
+            <a:ext cx="0" cy="746522"/>
+          </a:xfrm>
+          <a:prstGeom prst="straightConnector1">
+            <a:avLst/>
+          </a:prstGeom>
+          <a:ln w="34925">
+            <a:solidFill>
+              <a:schemeClr val="tx1"/>
+            </a:solidFill>
+            <a:tailEnd type="triangle"/>
+          </a:ln>
+        </p:spPr>
+        <p:style>
+          <a:lnRef idx="1">
+            <a:schemeClr val="accent1"/>
+          </a:lnRef>
+          <a:fillRef idx="0">
+            <a:schemeClr val="accent1"/>
+          </a:fillRef>
+          <a:effectRef idx="0">
+            <a:schemeClr val="accent1"/>
+          </a:effectRef>
+          <a:fontRef idx="minor">
+            <a:schemeClr val="tx1"/>
+          </a:fontRef>
+        </p:style>
+      </p:cxnSp>
+      <p:cxnSp>
+        <p:nvCxnSpPr>
+          <p:cNvPr id="43" name="Straight Arrow Connector 42">
+            <a:extLst>
+              <a:ext uri="{FF2B5EF4-FFF2-40B4-BE49-F238E27FC236}">
+                <a16:creationId xmlns:a16="http://schemas.microsoft.com/office/drawing/2014/main" id="{009A81FC-5496-1B64-61C2-0AACFC7477CD}"/>
+              </a:ext>
+            </a:extLst>
+          </p:cNvPr>
+          <p:cNvCxnSpPr>
+            <a:cxnSpLocks/>
+            <a:stCxn id="15" idx="4"/>
+          </p:cNvCxnSpPr>
+          <p:nvPr/>
+        </p:nvCxnSpPr>
+        <p:spPr>
+          <a:xfrm>
+            <a:off x="6836062" y="2719265"/>
+            <a:ext cx="0" cy="1870234"/>
+          </a:xfrm>
+          <a:prstGeom prst="straightConnector1">
+            <a:avLst/>
+          </a:prstGeom>
+          <a:ln w="34925">
+            <a:solidFill>
+              <a:schemeClr val="tx1"/>
+            </a:solidFill>
+            <a:tailEnd type="triangle"/>
+          </a:ln>
+        </p:spPr>
+        <p:style>
+          <a:lnRef idx="1">
+            <a:schemeClr val="accent1"/>
+          </a:lnRef>
+          <a:fillRef idx="0">
+            <a:schemeClr val="accent1"/>
+          </a:fillRef>
+          <a:effectRef idx="0">
+            <a:schemeClr val="accent1"/>
+          </a:effectRef>
+          <a:fontRef idx="minor">
+            <a:schemeClr val="tx1"/>
+          </a:fontRef>
+        </p:style>
+      </p:cxnSp>
+      <p:sp>
+        <p:nvSpPr>
+          <p:cNvPr id="50" name="TextBox 49">
+            <a:extLst>
+              <a:ext uri="{FF2B5EF4-FFF2-40B4-BE49-F238E27FC236}">
+                <a16:creationId xmlns:a16="http://schemas.microsoft.com/office/drawing/2014/main" id="{7FD64F8A-ADAA-448E-7F19-BDDBEC30B4D5}"/>
+              </a:ext>
+            </a:extLst>
+          </p:cNvPr>
+          <p:cNvSpPr txBox="1"/>
+          <p:nvPr/>
+        </p:nvSpPr>
+        <p:spPr>
+          <a:xfrm>
+            <a:off x="8982929" y="1887231"/>
+            <a:ext cx="1553940" cy="854080"/>
+          </a:xfrm>
+          <a:prstGeom prst="rect">
+            <a:avLst/>
+          </a:prstGeom>
+          <a:noFill/>
+        </p:spPr>
+        <p:txBody>
+          <a:bodyPr wrap="square" rtlCol="0">
+            <a:spAutoFit/>
+          </a:bodyPr>
+          <a:lstStyle/>
+          <a:p>
+            <a:pPr algn="ctr"/>
+            <a:r>
+              <a:rPr lang="de-DE" sz="1600" dirty="0">
+                <a:latin typeface="LM Roman 10" pitchFamily="2" charset="77"/>
+                <a:cs typeface="Didot" panose="02000503000000020003" pitchFamily="2" charset="-79"/>
+              </a:rPr>
+              <a:t>Nutzung</a:t>
+            </a:r>
+            <a:endParaRPr lang="de-DE" sz="2000" dirty="0">
+              <a:latin typeface="LM Roman 10" pitchFamily="2" charset="77"/>
+              <a:cs typeface="Didot" panose="02000503000000020003" pitchFamily="2" charset="-79"/>
+            </a:endParaRPr>
+          </a:p>
+          <a:p>
+            <a:pPr algn="ctr"/>
+            <a:r>
+              <a:rPr lang="de-DE" sz="1100" dirty="0">
+                <a:latin typeface="LM Roman 10" pitchFamily="2" charset="77"/>
+                <a:cs typeface="Didot" panose="02000503000000020003" pitchFamily="2" charset="-79"/>
+              </a:rPr>
+              <a:t>instrumentell/</a:t>
+            </a:r>
+          </a:p>
+          <a:p>
+            <a:pPr algn="ctr"/>
+            <a:r>
+              <a:rPr lang="de-DE" sz="1100" dirty="0">
+                <a:latin typeface="LM Roman 10" pitchFamily="2" charset="77"/>
+                <a:cs typeface="Didot" panose="02000503000000020003" pitchFamily="2" charset="-79"/>
+              </a:rPr>
+              <a:t>konzeptuell/</a:t>
+            </a:r>
+          </a:p>
+          <a:p>
+            <a:pPr algn="ctr"/>
+            <a:r>
+              <a:rPr lang="de-DE" sz="1100" dirty="0">
+                <a:latin typeface="LM Roman 10" pitchFamily="2" charset="77"/>
+                <a:cs typeface="Didot" panose="02000503000000020003" pitchFamily="2" charset="-79"/>
+              </a:rPr>
+              <a:t>symbolisch</a:t>
+            </a:r>
+            <a:endParaRPr lang="en-US" sz="1100" dirty="0">
+              <a:latin typeface="LM Roman 10" pitchFamily="2" charset="77"/>
+              <a:cs typeface="Didot" panose="02000503000000020003" pitchFamily="2" charset="-79"/>
+            </a:endParaRPr>
+          </a:p>
+        </p:txBody>
+      </p:sp>
+      <p:sp>
+        <p:nvSpPr>
+          <p:cNvPr id="53" name="TextBox 52">
+            <a:extLst>
+              <a:ext uri="{FF2B5EF4-FFF2-40B4-BE49-F238E27FC236}">
+                <a16:creationId xmlns:a16="http://schemas.microsoft.com/office/drawing/2014/main" id="{029917AF-EE12-5D28-5562-0A98D90EB631}"/>
+              </a:ext>
+            </a:extLst>
+          </p:cNvPr>
+          <p:cNvSpPr txBox="1"/>
+          <p:nvPr/>
+        </p:nvSpPr>
+        <p:spPr>
+          <a:xfrm>
+            <a:off x="1822033" y="3795544"/>
+            <a:ext cx="1667307" cy="307777"/>
+          </a:xfrm>
+          <a:prstGeom prst="rect">
+            <a:avLst/>
+          </a:prstGeom>
+          <a:solidFill>
+            <a:schemeClr val="bg1"/>
+          </a:solidFill>
+        </p:spPr>
+        <p:txBody>
+          <a:bodyPr wrap="square" rtlCol="0">
+            <a:spAutoFit/>
+          </a:bodyPr>
+          <a:lstStyle/>
+          <a:p>
+            <a:r>
+              <a:rPr lang="de-DE" sz="1400" dirty="0">
+                <a:latin typeface="LM Roman 10" pitchFamily="2" charset="77"/>
+                <a:cs typeface="Didot" panose="02000503000000020003" pitchFamily="2" charset="-79"/>
+              </a:rPr>
+              <a:t>2) Zugriffsphase</a:t>
+            </a:r>
+            <a:endParaRPr lang="en-US" sz="1400" dirty="0">
+              <a:latin typeface="LM Roman 10" pitchFamily="2" charset="77"/>
+              <a:cs typeface="Didot" panose="02000503000000020003" pitchFamily="2" charset="-79"/>
+            </a:endParaRPr>
+          </a:p>
+        </p:txBody>
+      </p:sp>
+      <p:sp>
+        <p:nvSpPr>
+          <p:cNvPr id="54" name="TextBox 53">
+            <a:extLst>
+              <a:ext uri="{FF2B5EF4-FFF2-40B4-BE49-F238E27FC236}">
+                <a16:creationId xmlns:a16="http://schemas.microsoft.com/office/drawing/2014/main" id="{F4BF1643-F037-D0A5-7CD6-FB9BDE02E33D}"/>
+              </a:ext>
+            </a:extLst>
+          </p:cNvPr>
+          <p:cNvSpPr txBox="1"/>
+          <p:nvPr/>
+        </p:nvSpPr>
+        <p:spPr>
+          <a:xfrm>
+            <a:off x="3060414" y="2353534"/>
+            <a:ext cx="2211702" cy="307777"/>
+          </a:xfrm>
+          <a:prstGeom prst="rect">
+            <a:avLst/>
+          </a:prstGeom>
+          <a:solidFill>
+            <a:schemeClr val="bg1"/>
+          </a:solidFill>
+        </p:spPr>
+        <p:txBody>
+          <a:bodyPr wrap="square" rtlCol="0">
+            <a:spAutoFit/>
+          </a:bodyPr>
+          <a:lstStyle/>
+          <a:p>
+            <a:r>
+              <a:rPr lang="de-DE" sz="1400" dirty="0">
+                <a:latin typeface="LM Roman 10" pitchFamily="2" charset="77"/>
+                <a:cs typeface="Didot" panose="02000503000000020003" pitchFamily="2" charset="-79"/>
+              </a:rPr>
+              <a:t>3) Schlussfolgerungsphase</a:t>
+            </a:r>
+            <a:endParaRPr lang="en-US" sz="1400" dirty="0">
+              <a:latin typeface="LM Roman 10" pitchFamily="2" charset="77"/>
+              <a:cs typeface="Didot" panose="02000503000000020003" pitchFamily="2" charset="-79"/>
+            </a:endParaRPr>
+          </a:p>
+        </p:txBody>
+      </p:sp>
+      <p:sp>
+        <p:nvSpPr>
+          <p:cNvPr id="55" name="TextBox 54">
+            <a:extLst>
+              <a:ext uri="{FF2B5EF4-FFF2-40B4-BE49-F238E27FC236}">
+                <a16:creationId xmlns:a16="http://schemas.microsoft.com/office/drawing/2014/main" id="{826285A5-86AB-FFF9-F41D-E2FDA68CD35F}"/>
+              </a:ext>
+            </a:extLst>
+          </p:cNvPr>
+          <p:cNvSpPr txBox="1"/>
+          <p:nvPr/>
+        </p:nvSpPr>
+        <p:spPr>
+          <a:xfrm>
+            <a:off x="9949110" y="3321393"/>
+            <a:ext cx="1761541" cy="307777"/>
+          </a:xfrm>
+          <a:prstGeom prst="rect">
+            <a:avLst/>
+          </a:prstGeom>
+          <a:solidFill>
+            <a:schemeClr val="bg1"/>
+          </a:solidFill>
+        </p:spPr>
+        <p:txBody>
+          <a:bodyPr wrap="square" rtlCol="0">
+            <a:spAutoFit/>
+          </a:bodyPr>
+          <a:lstStyle/>
+          <a:p>
+            <a:r>
+              <a:rPr lang="de-DE" sz="1400" dirty="0">
+                <a:latin typeface="LM Roman 10" pitchFamily="2" charset="77"/>
+                <a:cs typeface="Didot" panose="02000503000000020003" pitchFamily="2" charset="-79"/>
+              </a:rPr>
+              <a:t>5) Evaluationsphase</a:t>
+            </a:r>
+            <a:endParaRPr lang="en-US" sz="1400" dirty="0">
+              <a:latin typeface="LM Roman 10" pitchFamily="2" charset="77"/>
+              <a:cs typeface="Didot" panose="02000503000000020003" pitchFamily="2" charset="-79"/>
+            </a:endParaRPr>
+          </a:p>
+        </p:txBody>
+      </p:sp>
+      <p:sp>
+        <p:nvSpPr>
+          <p:cNvPr id="56" name="TextBox 55">
+            <a:extLst>
+              <a:ext uri="{FF2B5EF4-FFF2-40B4-BE49-F238E27FC236}">
+                <a16:creationId xmlns:a16="http://schemas.microsoft.com/office/drawing/2014/main" id="{E1454FA1-25A8-7B63-A728-B46473330DD8}"/>
+              </a:ext>
+            </a:extLst>
+          </p:cNvPr>
+          <p:cNvSpPr txBox="1"/>
+          <p:nvPr/>
+        </p:nvSpPr>
+        <p:spPr>
+          <a:xfrm>
+            <a:off x="8092593" y="848873"/>
+            <a:ext cx="615553" cy="1376839"/>
+          </a:xfrm>
+          <a:prstGeom prst="rect">
+            <a:avLst/>
+          </a:prstGeom>
+          <a:solidFill>
+            <a:schemeClr val="bg1"/>
+          </a:solidFill>
+        </p:spPr>
+        <p:txBody>
+          <a:bodyPr vert="vert270" wrap="square" rtlCol="0">
+            <a:spAutoFit/>
+          </a:bodyPr>
+          <a:lstStyle/>
+          <a:p>
+            <a:r>
+              <a:rPr lang="de-DE" sz="1400" dirty="0">
+                <a:latin typeface="LM Roman 10" pitchFamily="2" charset="77"/>
+                <a:cs typeface="Didot" panose="02000503000000020003" pitchFamily="2" charset="-79"/>
+              </a:rPr>
+              <a:t>4) Anwendungs-</a:t>
+            </a:r>
+          </a:p>
+          <a:p>
+            <a:r>
+              <a:rPr lang="de-DE" sz="1400" dirty="0" err="1">
+                <a:latin typeface="LM Roman 10" pitchFamily="2" charset="77"/>
+                <a:cs typeface="Didot" panose="02000503000000020003" pitchFamily="2" charset="-79"/>
+              </a:rPr>
+              <a:t>phase</a:t>
+            </a:r>
+            <a:endParaRPr lang="en-US" sz="1400" dirty="0">
+              <a:latin typeface="LM Roman 10" pitchFamily="2" charset="77"/>
+              <a:cs typeface="Didot" panose="02000503000000020003" pitchFamily="2" charset="-79"/>
+            </a:endParaRPr>
+          </a:p>
+        </p:txBody>
+      </p:sp>
+      <p:cxnSp>
+        <p:nvCxnSpPr>
+          <p:cNvPr id="2" name="Connector: Curved 19">
+            <a:extLst>
+              <a:ext uri="{FF2B5EF4-FFF2-40B4-BE49-F238E27FC236}">
+                <a16:creationId xmlns:a16="http://schemas.microsoft.com/office/drawing/2014/main" id="{79AD504F-1947-BB8D-D92A-C6FFAA276207}"/>
+              </a:ext>
+            </a:extLst>
+          </p:cNvPr>
+          <p:cNvCxnSpPr>
+            <a:cxnSpLocks/>
+          </p:cNvCxnSpPr>
+          <p:nvPr/>
+        </p:nvCxnSpPr>
+        <p:spPr>
+          <a:xfrm rot="5400000" flipH="1" flipV="1">
+            <a:off x="1963885" y="4555090"/>
+            <a:ext cx="746522" cy="815340"/>
+          </a:xfrm>
+          <a:prstGeom prst="curvedConnector2">
+            <a:avLst/>
+          </a:prstGeom>
+          <a:ln w="34925">
+            <a:solidFill>
+              <a:schemeClr val="tx1"/>
+            </a:solidFill>
+            <a:tailEnd type="triangle"/>
+          </a:ln>
+        </p:spPr>
+        <p:style>
+          <a:lnRef idx="1">
+            <a:schemeClr val="accent1"/>
+          </a:lnRef>
+          <a:fillRef idx="0">
+            <a:schemeClr val="accent1"/>
+          </a:fillRef>
+          <a:effectRef idx="0">
+            <a:schemeClr val="accent1"/>
+          </a:effectRef>
+          <a:fontRef idx="minor">
+            <a:schemeClr val="tx1"/>
+          </a:fontRef>
+        </p:style>
+      </p:cxnSp>
+      <p:sp>
+        <p:nvSpPr>
+          <p:cNvPr id="3" name="TextBox 52">
+            <a:extLst>
+              <a:ext uri="{FF2B5EF4-FFF2-40B4-BE49-F238E27FC236}">
+                <a16:creationId xmlns:a16="http://schemas.microsoft.com/office/drawing/2014/main" id="{D5A8C5B0-BC37-0A64-9412-8C506A465311}"/>
+              </a:ext>
+            </a:extLst>
+          </p:cNvPr>
+          <p:cNvSpPr txBox="1"/>
+          <p:nvPr/>
+        </p:nvSpPr>
+        <p:spPr>
+          <a:xfrm>
+            <a:off x="1072542" y="5326803"/>
+            <a:ext cx="2110495" cy="307777"/>
+          </a:xfrm>
+          <a:prstGeom prst="rect">
+            <a:avLst/>
+          </a:prstGeom>
+          <a:solidFill>
+            <a:schemeClr val="bg1"/>
+          </a:solidFill>
+        </p:spPr>
+        <p:txBody>
+          <a:bodyPr wrap="square" rtlCol="0">
+            <a:spAutoFit/>
+          </a:bodyPr>
+          <a:lstStyle/>
+          <a:p>
+            <a:r>
+              <a:rPr lang="de-DE" sz="1400" dirty="0">
+                <a:latin typeface="LM Roman 10" pitchFamily="2" charset="77"/>
+                <a:cs typeface="Didot" panose="02000503000000020003" pitchFamily="2" charset="-79"/>
+              </a:rPr>
+              <a:t>1) Konzeptuelle Phase</a:t>
+            </a:r>
+            <a:endParaRPr lang="en-US" sz="1400" dirty="0">
+              <a:latin typeface="LM Roman 10" pitchFamily="2" charset="77"/>
+              <a:cs typeface="Didot" panose="02000503000000020003" pitchFamily="2" charset="-79"/>
+            </a:endParaRPr>
+          </a:p>
+        </p:txBody>
+      </p:sp>
+      <p:sp>
+        <p:nvSpPr>
+          <p:cNvPr id="16" name="Textfeld 15">
+            <a:extLst>
+              <a:ext uri="{FF2B5EF4-FFF2-40B4-BE49-F238E27FC236}">
+                <a16:creationId xmlns:a16="http://schemas.microsoft.com/office/drawing/2014/main" id="{F0D1B2F8-9C8B-292F-AA60-FD23A1D1C222}"/>
+              </a:ext>
+            </a:extLst>
+          </p:cNvPr>
+          <p:cNvSpPr txBox="1"/>
+          <p:nvPr/>
+        </p:nvSpPr>
+        <p:spPr>
+          <a:xfrm>
+            <a:off x="6397152" y="2168869"/>
+            <a:ext cx="815340" cy="338554"/>
+          </a:xfrm>
+          <a:prstGeom prst="rect">
+            <a:avLst/>
+          </a:prstGeom>
+          <a:noFill/>
+        </p:spPr>
+        <p:txBody>
+          <a:bodyPr wrap="square" rtlCol="0">
+            <a:spAutoFit/>
+          </a:bodyPr>
+          <a:lstStyle/>
+          <a:p>
+            <a:r>
+              <a:rPr lang="de-DE" sz="1600" dirty="0">
+                <a:solidFill>
+                  <a:schemeClr val="tx1"/>
+                </a:solidFill>
+                <a:latin typeface="LM Roman 10" pitchFamily="2" charset="77"/>
+                <a:cs typeface="Didot" panose="02000503000000020003" pitchFamily="2" charset="-79"/>
+              </a:rPr>
+              <a:t>Wissen</a:t>
+            </a:r>
+            <a:endParaRPr lang="de-DE" dirty="0"/>
+          </a:p>
+        </p:txBody>
+      </p:sp>
+      <p:sp>
+        <p:nvSpPr>
+          <p:cNvPr id="5" name="Textfeld 4">
+            <a:extLst>
+              <a:ext uri="{FF2B5EF4-FFF2-40B4-BE49-F238E27FC236}">
+                <a16:creationId xmlns:a16="http://schemas.microsoft.com/office/drawing/2014/main" id="{D7D3A086-8B9A-E129-C00F-FF907175FB9E}"/>
+              </a:ext>
+            </a:extLst>
+          </p:cNvPr>
+          <p:cNvSpPr txBox="1"/>
+          <p:nvPr/>
+        </p:nvSpPr>
+        <p:spPr>
+          <a:xfrm>
+            <a:off x="2916004" y="4372098"/>
+            <a:ext cx="1317397" cy="369332"/>
+          </a:xfrm>
+          <a:prstGeom prst="rect">
+            <a:avLst/>
+          </a:prstGeom>
+          <a:noFill/>
+        </p:spPr>
+        <p:txBody>
+          <a:bodyPr wrap="square" rtlCol="0">
+            <a:spAutoFit/>
+          </a:bodyPr>
+          <a:lstStyle/>
+          <a:p>
+            <a:r>
+              <a:rPr lang="de-DE" sz="1800" dirty="0">
+                <a:solidFill>
+                  <a:schemeClr val="tx1"/>
+                </a:solidFill>
+                <a:latin typeface="LM Roman 10" pitchFamily="2" charset="77"/>
+                <a:cs typeface="Didot" panose="02000503000000020003" pitchFamily="2" charset="-79"/>
+              </a:rPr>
+              <a:t>Zielsetzung</a:t>
+            </a:r>
+            <a:endParaRPr lang="de-DE" dirty="0"/>
+          </a:p>
+        </p:txBody>
+      </p:sp>
+      <p:cxnSp>
+        <p:nvCxnSpPr>
+          <p:cNvPr id="22" name="Gerade Verbindung 21">
+            <a:extLst>
+              <a:ext uri="{FF2B5EF4-FFF2-40B4-BE49-F238E27FC236}">
+                <a16:creationId xmlns:a16="http://schemas.microsoft.com/office/drawing/2014/main" id="{AD32BFE3-B483-ED55-D7BC-516CD1BA28E4}"/>
+              </a:ext>
+            </a:extLst>
+          </p:cNvPr>
+          <p:cNvCxnSpPr>
+            <a:cxnSpLocks/>
+          </p:cNvCxnSpPr>
+          <p:nvPr/>
+        </p:nvCxnSpPr>
+        <p:spPr>
+          <a:xfrm>
+            <a:off x="5383449" y="2386360"/>
+            <a:ext cx="132901" cy="367283"/>
+          </a:xfrm>
+          <a:prstGeom prst="line">
+            <a:avLst/>
+          </a:prstGeom>
+          <a:ln>
+            <a:solidFill>
+              <a:schemeClr val="dk1"/>
+            </a:solidFill>
+          </a:ln>
+        </p:spPr>
+        <p:style>
+          <a:lnRef idx="2">
+            <a:schemeClr val="dk1"/>
+          </a:lnRef>
+          <a:fillRef idx="0">
+            <a:schemeClr val="dk1"/>
+          </a:fillRef>
+          <a:effectRef idx="1">
+            <a:schemeClr val="dk1"/>
+          </a:effectRef>
+          <a:fontRef idx="minor">
+            <a:schemeClr val="tx1"/>
+          </a:fontRef>
+        </p:style>
+      </p:cxnSp>
+      <p:cxnSp>
+        <p:nvCxnSpPr>
+          <p:cNvPr id="31" name="Gerade Verbindung 30">
+            <a:extLst>
+              <a:ext uri="{FF2B5EF4-FFF2-40B4-BE49-F238E27FC236}">
+                <a16:creationId xmlns:a16="http://schemas.microsoft.com/office/drawing/2014/main" id="{A41BFBB7-84B9-ECB5-59AC-62C39ADFD6D1}"/>
+              </a:ext>
+            </a:extLst>
+          </p:cNvPr>
+          <p:cNvCxnSpPr>
+            <a:cxnSpLocks/>
+          </p:cNvCxnSpPr>
+          <p:nvPr/>
+        </p:nvCxnSpPr>
+        <p:spPr>
+          <a:xfrm>
+            <a:off x="5472032" y="2318038"/>
+            <a:ext cx="132901" cy="367283"/>
+          </a:xfrm>
+          <a:prstGeom prst="line">
+            <a:avLst/>
+          </a:prstGeom>
+        </p:spPr>
+        <p:style>
+          <a:lnRef idx="2">
+            <a:schemeClr val="dk1"/>
+          </a:lnRef>
+          <a:fillRef idx="0">
+            <a:schemeClr val="dk1"/>
+          </a:fillRef>
+          <a:effectRef idx="1">
+            <a:schemeClr val="dk1"/>
+          </a:effectRef>
+          <a:fontRef idx="minor">
+            <a:schemeClr val="tx1"/>
+          </a:fontRef>
+        </p:style>
+      </p:cxnSp>
+    </p:spTree>
+    <p:extLst>
+      <p:ext uri="{BB962C8B-B14F-4D97-AF65-F5344CB8AC3E}">
+        <p14:creationId xmlns:p14="http://schemas.microsoft.com/office/powerpoint/2010/main" val="3366490164"/>
       </p:ext>
     </p:extLst>
   </p:cSld>

--- a/img/Groß_Ophoff et al (2023)_adapted.pptx
+++ b/img/Groß_Ophoff et al (2023)_adapted.pptx
@@ -7,10 +7,18 @@
   <p:sldIdLst>
     <p:sldId id="256" r:id="rId2"/>
     <p:sldId id="257" r:id="rId3"/>
-    <p:sldId id="258" r:id="rId4"/>
-    <p:sldId id="259" r:id="rId5"/>
-    <p:sldId id="260" r:id="rId6"/>
-    <p:sldId id="261" r:id="rId7"/>
+    <p:sldId id="262" r:id="rId4"/>
+    <p:sldId id="263" r:id="rId5"/>
+    <p:sldId id="264" r:id="rId6"/>
+    <p:sldId id="265" r:id="rId7"/>
+    <p:sldId id="266" r:id="rId8"/>
+    <p:sldId id="267" r:id="rId9"/>
+    <p:sldId id="269" r:id="rId10"/>
+    <p:sldId id="268" r:id="rId11"/>
+    <p:sldId id="258" r:id="rId12"/>
+    <p:sldId id="259" r:id="rId13"/>
+    <p:sldId id="260" r:id="rId14"/>
+    <p:sldId id="261" r:id="rId15"/>
   </p:sldIdLst>
   <p:sldSz cx="12192000" cy="6858000"/>
   <p:notesSz cx="6858000" cy="9144000"/>
@@ -264,7 +272,7 @@
           <a:p>
             <a:fld id="{2F5C0E49-5901-4A70-B0E2-4707CC9925D2}" type="datetimeFigureOut">
               <a:rPr lang="en-US" smtClean="0"/>
-              <a:t>7/3/24</a:t>
+              <a:t>7/4/24</a:t>
             </a:fld>
             <a:endParaRPr lang="en-US"/>
           </a:p>
@@ -462,7 +470,7 @@
           <a:p>
             <a:fld id="{2F5C0E49-5901-4A70-B0E2-4707CC9925D2}" type="datetimeFigureOut">
               <a:rPr lang="en-US" smtClean="0"/>
-              <a:t>7/3/24</a:t>
+              <a:t>7/4/24</a:t>
             </a:fld>
             <a:endParaRPr lang="en-US"/>
           </a:p>
@@ -670,7 +678,7 @@
           <a:p>
             <a:fld id="{2F5C0E49-5901-4A70-B0E2-4707CC9925D2}" type="datetimeFigureOut">
               <a:rPr lang="en-US" smtClean="0"/>
-              <a:t>7/3/24</a:t>
+              <a:t>7/4/24</a:t>
             </a:fld>
             <a:endParaRPr lang="en-US"/>
           </a:p>
@@ -868,7 +876,7 @@
           <a:p>
             <a:fld id="{2F5C0E49-5901-4A70-B0E2-4707CC9925D2}" type="datetimeFigureOut">
               <a:rPr lang="en-US" smtClean="0"/>
-              <a:t>7/3/24</a:t>
+              <a:t>7/4/24</a:t>
             </a:fld>
             <a:endParaRPr lang="en-US"/>
           </a:p>
@@ -1143,7 +1151,7 @@
           <a:p>
             <a:fld id="{2F5C0E49-5901-4A70-B0E2-4707CC9925D2}" type="datetimeFigureOut">
               <a:rPr lang="en-US" smtClean="0"/>
-              <a:t>7/3/24</a:t>
+              <a:t>7/4/24</a:t>
             </a:fld>
             <a:endParaRPr lang="en-US"/>
           </a:p>
@@ -1408,7 +1416,7 @@
           <a:p>
             <a:fld id="{2F5C0E49-5901-4A70-B0E2-4707CC9925D2}" type="datetimeFigureOut">
               <a:rPr lang="en-US" smtClean="0"/>
-              <a:t>7/3/24</a:t>
+              <a:t>7/4/24</a:t>
             </a:fld>
             <a:endParaRPr lang="en-US"/>
           </a:p>
@@ -1820,7 +1828,7 @@
           <a:p>
             <a:fld id="{2F5C0E49-5901-4A70-B0E2-4707CC9925D2}" type="datetimeFigureOut">
               <a:rPr lang="en-US" smtClean="0"/>
-              <a:t>7/3/24</a:t>
+              <a:t>7/4/24</a:t>
             </a:fld>
             <a:endParaRPr lang="en-US"/>
           </a:p>
@@ -1961,7 +1969,7 @@
           <a:p>
             <a:fld id="{2F5C0E49-5901-4A70-B0E2-4707CC9925D2}" type="datetimeFigureOut">
               <a:rPr lang="en-US" smtClean="0"/>
-              <a:t>7/3/24</a:t>
+              <a:t>7/4/24</a:t>
             </a:fld>
             <a:endParaRPr lang="en-US"/>
           </a:p>
@@ -2074,7 +2082,7 @@
           <a:p>
             <a:fld id="{2F5C0E49-5901-4A70-B0E2-4707CC9925D2}" type="datetimeFigureOut">
               <a:rPr lang="en-US" smtClean="0"/>
-              <a:t>7/3/24</a:t>
+              <a:t>7/4/24</a:t>
             </a:fld>
             <a:endParaRPr lang="en-US"/>
           </a:p>
@@ -2385,7 +2393,7 @@
           <a:p>
             <a:fld id="{2F5C0E49-5901-4A70-B0E2-4707CC9925D2}" type="datetimeFigureOut">
               <a:rPr lang="en-US" smtClean="0"/>
-              <a:t>7/3/24</a:t>
+              <a:t>7/4/24</a:t>
             </a:fld>
             <a:endParaRPr lang="en-US"/>
           </a:p>
@@ -2673,7 +2681,7 @@
           <a:p>
             <a:fld id="{2F5C0E49-5901-4A70-B0E2-4707CC9925D2}" type="datetimeFigureOut">
               <a:rPr lang="en-US" smtClean="0"/>
-              <a:t>7/3/24</a:t>
+              <a:t>7/4/24</a:t>
             </a:fld>
             <a:endParaRPr lang="en-US"/>
           </a:p>
@@ -2750,9 +2758,12 @@
 <p:sldMaster xmlns:a="http://schemas.openxmlformats.org/drawingml/2006/main" xmlns:r="http://schemas.openxmlformats.org/officeDocument/2006/relationships" xmlns:p="http://schemas.openxmlformats.org/presentationml/2006/main">
   <p:cSld>
     <p:bg>
-      <p:bgRef idx="1001">
-        <a:schemeClr val="bg1"/>
-      </p:bgRef>
+      <p:bgPr>
+        <a:solidFill>
+          <a:srgbClr val="F2F2F2"/>
+        </a:solidFill>
+        <a:effectLst/>
+      </p:bgPr>
     </p:bg>
     <p:spTree>
       <p:nvGrpSpPr>
@@ -2914,7 +2925,7 @@
           <a:p>
             <a:fld id="{2F5C0E49-5901-4A70-B0E2-4707CC9925D2}" type="datetimeFigureOut">
               <a:rPr lang="en-US" smtClean="0"/>
-              <a:t>7/3/24</a:t>
+              <a:t>7/4/24</a:t>
             </a:fld>
             <a:endParaRPr lang="en-US"/>
           </a:p>
@@ -3315,7 +3326,7 @@
 </file>
 
 <file path=ppt/slides/slide1.xml><?xml version="1.0" encoding="utf-8"?>
-<p:sld xmlns:a="http://schemas.openxmlformats.org/drawingml/2006/main" xmlns:r="http://schemas.openxmlformats.org/officeDocument/2006/relationships" xmlns:p="http://schemas.openxmlformats.org/presentationml/2006/main">
+<p:sld xmlns:a="http://schemas.openxmlformats.org/drawingml/2006/main" xmlns:r="http://schemas.openxmlformats.org/officeDocument/2006/relationships" xmlns:p="http://schemas.openxmlformats.org/presentationml/2006/main" show="0">
   <p:cSld>
     <p:spTree>
       <p:nvGrpSpPr>
@@ -5181,8 +5192,8 @@
 </p:sld>
 </file>
 
-<file path=ppt/slides/slide2.xml><?xml version="1.0" encoding="utf-8"?>
-<p:sld xmlns:a="http://schemas.openxmlformats.org/drawingml/2006/main" xmlns:r="http://schemas.openxmlformats.org/officeDocument/2006/relationships" xmlns:p="http://schemas.openxmlformats.org/presentationml/2006/main">
+<file path=ppt/slides/slide10.xml><?xml version="1.0" encoding="utf-8"?>
+<p:sld xmlns:a="http://schemas.openxmlformats.org/drawingml/2006/main" xmlns:r="http://schemas.openxmlformats.org/officeDocument/2006/relationships" xmlns:p="http://schemas.openxmlformats.org/presentationml/2006/main" show="0">
   <p:cSld>
     <p:spTree>
       <p:nvGrpSpPr>
@@ -5852,7 +5863,7 @@
             <a:avLst/>
           </a:prstGeom>
           <a:solidFill>
-            <a:schemeClr val="bg1"/>
+            <a:srgbClr val="F2F2F2"/>
           </a:solidFill>
           <a:ln>
             <a:solidFill>
@@ -5929,7 +5940,7 @@
             <a:avLst/>
           </a:prstGeom>
           <a:solidFill>
-            <a:schemeClr val="bg1"/>
+            <a:srgbClr val="F2F2F2"/>
           </a:solidFill>
           <a:ln>
             <a:solidFill>
@@ -6006,7 +6017,7 @@
             <a:avLst/>
           </a:prstGeom>
           <a:solidFill>
-            <a:schemeClr val="bg1"/>
+            <a:srgbClr val="F2F2F2"/>
           </a:solidFill>
           <a:ln>
             <a:solidFill>
@@ -6165,7 +6176,7 @@
             <a:avLst/>
           </a:prstGeom>
           <a:solidFill>
-            <a:schemeClr val="bg1"/>
+            <a:srgbClr val="F2F2F2"/>
           </a:solidFill>
           <a:ln>
             <a:solidFill>
@@ -6232,7 +6243,7 @@
             <a:avLst/>
           </a:prstGeom>
           <a:solidFill>
-            <a:schemeClr val="bg1"/>
+            <a:srgbClr val="F2F2F2"/>
           </a:solidFill>
           <a:ln>
             <a:solidFill>
@@ -6530,7 +6541,7 @@
         </p:nvSpPr>
         <p:spPr>
           <a:xfrm>
-            <a:off x="8982929" y="1887231"/>
+            <a:off x="8983950" y="1919235"/>
             <a:ext cx="1553940" cy="854080"/>
           </a:xfrm>
           <a:prstGeom prst="rect">
@@ -6614,7 +6625,7 @@
             <a:avLst/>
           </a:prstGeom>
           <a:solidFill>
-            <a:schemeClr val="bg1"/>
+            <a:srgbClr val="F2F2F2"/>
           </a:solidFill>
         </p:spPr>
         <p:txBody>
@@ -6658,7 +6669,7 @@
             <a:avLst/>
           </a:prstGeom>
           <a:solidFill>
-            <a:schemeClr val="bg1"/>
+            <a:srgbClr val="F2F2F2"/>
           </a:solidFill>
         </p:spPr>
         <p:txBody>
@@ -6702,7 +6713,7 @@
             <a:avLst/>
           </a:prstGeom>
           <a:solidFill>
-            <a:schemeClr val="bg1"/>
+            <a:srgbClr val="F2F2F2"/>
           </a:solidFill>
         </p:spPr>
         <p:txBody>
@@ -6746,7 +6757,7 @@
             <a:avLst/>
           </a:prstGeom>
           <a:solidFill>
-            <a:schemeClr val="bg1"/>
+            <a:srgbClr val="F2F2F2"/>
           </a:solidFill>
         </p:spPr>
         <p:txBody>
@@ -6834,7 +6845,7 @@
             <a:avLst/>
           </a:prstGeom>
           <a:solidFill>
-            <a:schemeClr val="bg1"/>
+            <a:srgbClr val="F2F2F2"/>
           </a:solidFill>
         </p:spPr>
         <p:txBody>
@@ -6944,7 +6955,7 @@
     </p:spTree>
     <p:extLst>
       <p:ext uri="{BB962C8B-B14F-4D97-AF65-F5344CB8AC3E}">
-        <p14:creationId xmlns:p14="http://schemas.microsoft.com/office/powerpoint/2010/main" val="652062975"/>
+        <p14:creationId xmlns:p14="http://schemas.microsoft.com/office/powerpoint/2010/main" val="1115191355"/>
       </p:ext>
     </p:extLst>
   </p:cSld>
@@ -6954,8 +6965,8 @@
 </p:sld>
 </file>
 
-<file path=ppt/slides/slide3.xml><?xml version="1.0" encoding="utf-8"?>
-<p:sld xmlns:a="http://schemas.openxmlformats.org/drawingml/2006/main" xmlns:r="http://schemas.openxmlformats.org/officeDocument/2006/relationships" xmlns:p="http://schemas.openxmlformats.org/presentationml/2006/main">
+<file path=ppt/slides/slide11.xml><?xml version="1.0" encoding="utf-8"?>
+<p:sld xmlns:a="http://schemas.openxmlformats.org/drawingml/2006/main" xmlns:r="http://schemas.openxmlformats.org/officeDocument/2006/relationships" xmlns:p="http://schemas.openxmlformats.org/presentationml/2006/main" show="0">
   <p:cSld>
     <p:spTree>
       <p:nvGrpSpPr>
@@ -8817,17 +8828,9 @@
 </p:sld>
 </file>
 
-<file path=ppt/slides/slide4.xml><?xml version="1.0" encoding="utf-8"?>
-<p:sld xmlns:a="http://schemas.openxmlformats.org/drawingml/2006/main" xmlns:r="http://schemas.openxmlformats.org/officeDocument/2006/relationships" xmlns:p="http://schemas.openxmlformats.org/presentationml/2006/main">
+<file path=ppt/slides/slide12.xml><?xml version="1.0" encoding="utf-8"?>
+<p:sld xmlns:a="http://schemas.openxmlformats.org/drawingml/2006/main" xmlns:r="http://schemas.openxmlformats.org/officeDocument/2006/relationships" xmlns:p="http://schemas.openxmlformats.org/presentationml/2006/main" show="0">
   <p:cSld>
-    <p:bg>
-      <p:bgPr>
-        <a:solidFill>
-          <a:schemeClr val="bg1"/>
-        </a:solidFill>
-        <a:effectLst/>
-      </p:bgPr>
-    </p:bg>
     <p:spTree>
       <p:nvGrpSpPr>
         <p:cNvPr id="1" name=""/>
@@ -10850,8 +10853,8 @@
 </p:sld>
 </file>
 
-<file path=ppt/slides/slide5.xml><?xml version="1.0" encoding="utf-8"?>
-<p:sld xmlns:a="http://schemas.openxmlformats.org/drawingml/2006/main" xmlns:r="http://schemas.openxmlformats.org/officeDocument/2006/relationships" xmlns:p="http://schemas.openxmlformats.org/presentationml/2006/main">
+<file path=ppt/slides/slide13.xml><?xml version="1.0" encoding="utf-8"?>
+<p:sld xmlns:a="http://schemas.openxmlformats.org/drawingml/2006/main" xmlns:r="http://schemas.openxmlformats.org/officeDocument/2006/relationships" xmlns:p="http://schemas.openxmlformats.org/presentationml/2006/main" show="0">
   <p:cSld>
     <p:spTree>
       <p:nvGrpSpPr>
@@ -12713,8 +12716,8 @@
 </p:sld>
 </file>
 
-<file path=ppt/slides/slide6.xml><?xml version="1.0" encoding="utf-8"?>
-<p:sld xmlns:a="http://schemas.openxmlformats.org/drawingml/2006/main" xmlns:r="http://schemas.openxmlformats.org/officeDocument/2006/relationships" xmlns:p="http://schemas.openxmlformats.org/presentationml/2006/main">
+<file path=ppt/slides/slide14.xml><?xml version="1.0" encoding="utf-8"?>
+<p:sld xmlns:a="http://schemas.openxmlformats.org/drawingml/2006/main" xmlns:r="http://schemas.openxmlformats.org/officeDocument/2006/relationships" xmlns:p="http://schemas.openxmlformats.org/presentationml/2006/main" show="0">
   <p:cSld>
     <p:spTree>
       <p:nvGrpSpPr>
@@ -14567,6 +14570,8293 @@
     <p:extLst>
       <p:ext uri="{BB962C8B-B14F-4D97-AF65-F5344CB8AC3E}">
         <p14:creationId xmlns:p14="http://schemas.microsoft.com/office/powerpoint/2010/main" val="3366490164"/>
+      </p:ext>
+    </p:extLst>
+  </p:cSld>
+  <p:clrMapOvr>
+    <a:masterClrMapping/>
+  </p:clrMapOvr>
+</p:sld>
+</file>
+
+<file path=ppt/slides/slide2.xml><?xml version="1.0" encoding="utf-8"?>
+<p:sld xmlns:a="http://schemas.openxmlformats.org/drawingml/2006/main" xmlns:r="http://schemas.openxmlformats.org/officeDocument/2006/relationships" xmlns:p="http://schemas.openxmlformats.org/presentationml/2006/main">
+  <p:cSld>
+    <p:spTree>
+      <p:nvGrpSpPr>
+        <p:cNvPr id="1" name=""/>
+        <p:cNvGrpSpPr/>
+        <p:nvPr/>
+      </p:nvGrpSpPr>
+      <p:grpSpPr>
+        <a:xfrm>
+          <a:off x="0" y="0"/>
+          <a:ext cx="0" cy="0"/>
+          <a:chOff x="0" y="0"/>
+          <a:chExt cx="0" cy="0"/>
+        </a:xfrm>
+      </p:grpSpPr>
+      <p:sp>
+        <p:nvSpPr>
+          <p:cNvPr id="13" name="Oval 12">
+            <a:extLst>
+              <a:ext uri="{FF2B5EF4-FFF2-40B4-BE49-F238E27FC236}">
+                <a16:creationId xmlns:a16="http://schemas.microsoft.com/office/drawing/2014/main" id="{1D8693F1-4AF6-B64B-4F0A-B464A18041CC}"/>
+              </a:ext>
+            </a:extLst>
+          </p:cNvPr>
+          <p:cNvSpPr/>
+          <p:nvPr/>
+        </p:nvSpPr>
+        <p:spPr>
+          <a:xfrm>
+            <a:off x="2759362" y="4212309"/>
+            <a:ext cx="1630680" cy="754380"/>
+          </a:xfrm>
+          <a:prstGeom prst="ellipse">
+            <a:avLst/>
+          </a:prstGeom>
+          <a:solidFill>
+            <a:srgbClr val="F2F2F2"/>
+          </a:solidFill>
+          <a:ln>
+            <a:solidFill>
+              <a:srgbClr val="267326"/>
+            </a:solidFill>
+          </a:ln>
+          <a:effectLst>
+            <a:outerShdw blurRad="50800" dist="38100" dir="2700000" algn="tl" rotWithShape="0">
+              <a:prstClr val="black">
+                <a:alpha val="40000"/>
+              </a:prstClr>
+            </a:outerShdw>
+          </a:effectLst>
+        </p:spPr>
+        <p:style>
+          <a:lnRef idx="2">
+            <a:schemeClr val="accent1">
+              <a:shade val="50000"/>
+            </a:schemeClr>
+          </a:lnRef>
+          <a:fillRef idx="1">
+            <a:schemeClr val="accent1"/>
+          </a:fillRef>
+          <a:effectRef idx="0">
+            <a:schemeClr val="accent1"/>
+          </a:effectRef>
+          <a:fontRef idx="minor">
+            <a:schemeClr val="lt1"/>
+          </a:fontRef>
+        </p:style>
+        <p:txBody>
+          <a:bodyPr rtlCol="0" anchor="ctr"/>
+          <a:lstStyle/>
+          <a:p>
+            <a:pPr algn="ctr"/>
+            <a:r>
+              <a:rPr lang="de-DE" dirty="0">
+                <a:solidFill>
+                  <a:schemeClr val="tx1"/>
+                </a:solidFill>
+                <a:latin typeface="LM Roman 10" pitchFamily="2" charset="77"/>
+                <a:cs typeface="Didot" panose="02000503000000020003" pitchFamily="2" charset="-79"/>
+              </a:rPr>
+              <a:t> </a:t>
+            </a:r>
+            <a:endParaRPr lang="en-US" dirty="0">
+              <a:solidFill>
+                <a:schemeClr val="tx1"/>
+              </a:solidFill>
+              <a:latin typeface="LM Roman 10" pitchFamily="2" charset="77"/>
+              <a:cs typeface="Didot" panose="02000503000000020003" pitchFamily="2" charset="-79"/>
+            </a:endParaRPr>
+          </a:p>
+        </p:txBody>
+      </p:sp>
+      <p:cxnSp>
+        <p:nvCxnSpPr>
+          <p:cNvPr id="2" name="Connector: Curved 19">
+            <a:extLst>
+              <a:ext uri="{FF2B5EF4-FFF2-40B4-BE49-F238E27FC236}">
+                <a16:creationId xmlns:a16="http://schemas.microsoft.com/office/drawing/2014/main" id="{79AD504F-1947-BB8D-D92A-C6FFAA276207}"/>
+              </a:ext>
+            </a:extLst>
+          </p:cNvPr>
+          <p:cNvCxnSpPr>
+            <a:cxnSpLocks/>
+          </p:cNvCxnSpPr>
+          <p:nvPr/>
+        </p:nvCxnSpPr>
+        <p:spPr>
+          <a:xfrm rot="5400000" flipH="1" flipV="1">
+            <a:off x="1963885" y="4555090"/>
+            <a:ext cx="746522" cy="815340"/>
+          </a:xfrm>
+          <a:prstGeom prst="curvedConnector2">
+            <a:avLst/>
+          </a:prstGeom>
+          <a:ln w="34925">
+            <a:solidFill>
+              <a:srgbClr val="267326"/>
+            </a:solidFill>
+            <a:tailEnd type="triangle"/>
+          </a:ln>
+        </p:spPr>
+        <p:style>
+          <a:lnRef idx="1">
+            <a:schemeClr val="accent1"/>
+          </a:lnRef>
+          <a:fillRef idx="0">
+            <a:schemeClr val="accent1"/>
+          </a:fillRef>
+          <a:effectRef idx="0">
+            <a:schemeClr val="accent1"/>
+          </a:effectRef>
+          <a:fontRef idx="minor">
+            <a:schemeClr val="tx1"/>
+          </a:fontRef>
+        </p:style>
+      </p:cxnSp>
+      <p:sp>
+        <p:nvSpPr>
+          <p:cNvPr id="3" name="TextBox 52">
+            <a:extLst>
+              <a:ext uri="{FF2B5EF4-FFF2-40B4-BE49-F238E27FC236}">
+                <a16:creationId xmlns:a16="http://schemas.microsoft.com/office/drawing/2014/main" id="{D5A8C5B0-BC37-0A64-9412-8C506A465311}"/>
+              </a:ext>
+            </a:extLst>
+          </p:cNvPr>
+          <p:cNvSpPr txBox="1"/>
+          <p:nvPr/>
+        </p:nvSpPr>
+        <p:spPr>
+          <a:xfrm>
+            <a:off x="1072542" y="5326803"/>
+            <a:ext cx="2110495" cy="307777"/>
+          </a:xfrm>
+          <a:prstGeom prst="rect">
+            <a:avLst/>
+          </a:prstGeom>
+          <a:solidFill>
+            <a:srgbClr val="F2F2F2"/>
+          </a:solidFill>
+        </p:spPr>
+        <p:txBody>
+          <a:bodyPr wrap="square" rtlCol="0">
+            <a:spAutoFit/>
+          </a:bodyPr>
+          <a:lstStyle/>
+          <a:p>
+            <a:r>
+              <a:rPr lang="de-DE" sz="1400" dirty="0">
+                <a:solidFill>
+                  <a:srgbClr val="267326"/>
+                </a:solidFill>
+                <a:latin typeface="LM Roman 10" pitchFamily="2" charset="77"/>
+                <a:cs typeface="Didot" panose="02000503000000020003" pitchFamily="2" charset="-79"/>
+              </a:rPr>
+              <a:t>1) Konzeptuelle Phase</a:t>
+            </a:r>
+            <a:endParaRPr lang="en-US" sz="1400" dirty="0">
+              <a:solidFill>
+                <a:srgbClr val="267326"/>
+              </a:solidFill>
+              <a:latin typeface="LM Roman 10" pitchFamily="2" charset="77"/>
+              <a:cs typeface="Didot" panose="02000503000000020003" pitchFamily="2" charset="-79"/>
+            </a:endParaRPr>
+          </a:p>
+        </p:txBody>
+      </p:sp>
+      <p:sp>
+        <p:nvSpPr>
+          <p:cNvPr id="5" name="Textfeld 4">
+            <a:extLst>
+              <a:ext uri="{FF2B5EF4-FFF2-40B4-BE49-F238E27FC236}">
+                <a16:creationId xmlns:a16="http://schemas.microsoft.com/office/drawing/2014/main" id="{D7D3A086-8B9A-E129-C00F-FF907175FB9E}"/>
+              </a:ext>
+            </a:extLst>
+          </p:cNvPr>
+          <p:cNvSpPr txBox="1"/>
+          <p:nvPr/>
+        </p:nvSpPr>
+        <p:spPr>
+          <a:xfrm>
+            <a:off x="3126631" y="4404153"/>
+            <a:ext cx="896142" cy="369332"/>
+          </a:xfrm>
+          <a:prstGeom prst="rect">
+            <a:avLst/>
+          </a:prstGeom>
+          <a:noFill/>
+        </p:spPr>
+        <p:txBody>
+          <a:bodyPr wrap="square" rtlCol="0">
+            <a:spAutoFit/>
+          </a:bodyPr>
+          <a:lstStyle/>
+          <a:p>
+            <a:r>
+              <a:rPr lang="de-DE" sz="1800" dirty="0">
+                <a:solidFill>
+                  <a:srgbClr val="267326"/>
+                </a:solidFill>
+                <a:latin typeface="LM Roman 10" pitchFamily="2" charset="77"/>
+                <a:cs typeface="Didot" panose="02000503000000020003" pitchFamily="2" charset="-79"/>
+              </a:rPr>
+              <a:t>Anlass</a:t>
+            </a:r>
+            <a:endParaRPr lang="de-DE" dirty="0">
+              <a:solidFill>
+                <a:srgbClr val="267326"/>
+              </a:solidFill>
+            </a:endParaRPr>
+          </a:p>
+        </p:txBody>
+      </p:sp>
+    </p:spTree>
+    <p:extLst>
+      <p:ext uri="{BB962C8B-B14F-4D97-AF65-F5344CB8AC3E}">
+        <p14:creationId xmlns:p14="http://schemas.microsoft.com/office/powerpoint/2010/main" val="652062975"/>
+      </p:ext>
+    </p:extLst>
+  </p:cSld>
+  <p:clrMapOvr>
+    <a:masterClrMapping/>
+  </p:clrMapOvr>
+</p:sld>
+</file>
+
+<file path=ppt/slides/slide3.xml><?xml version="1.0" encoding="utf-8"?>
+<p:sld xmlns:a="http://schemas.openxmlformats.org/drawingml/2006/main" xmlns:r="http://schemas.openxmlformats.org/officeDocument/2006/relationships" xmlns:p="http://schemas.openxmlformats.org/presentationml/2006/main">
+  <p:cSld>
+    <p:spTree>
+      <p:nvGrpSpPr>
+        <p:cNvPr id="1" name=""/>
+        <p:cNvGrpSpPr/>
+        <p:nvPr/>
+      </p:nvGrpSpPr>
+      <p:grpSpPr>
+        <a:xfrm>
+          <a:off x="0" y="0"/>
+          <a:ext cx="0" cy="0"/>
+          <a:chOff x="0" y="0"/>
+          <a:chExt cx="0" cy="0"/>
+        </a:xfrm>
+      </p:grpSpPr>
+      <p:sp>
+        <p:nvSpPr>
+          <p:cNvPr id="13" name="Oval 12">
+            <a:extLst>
+              <a:ext uri="{FF2B5EF4-FFF2-40B4-BE49-F238E27FC236}">
+                <a16:creationId xmlns:a16="http://schemas.microsoft.com/office/drawing/2014/main" id="{1D8693F1-4AF6-B64B-4F0A-B464A18041CC}"/>
+              </a:ext>
+            </a:extLst>
+          </p:cNvPr>
+          <p:cNvSpPr/>
+          <p:nvPr/>
+        </p:nvSpPr>
+        <p:spPr>
+          <a:xfrm>
+            <a:off x="2759362" y="4212309"/>
+            <a:ext cx="1630680" cy="754380"/>
+          </a:xfrm>
+          <a:prstGeom prst="ellipse">
+            <a:avLst/>
+          </a:prstGeom>
+          <a:solidFill>
+            <a:srgbClr val="F2F2F2"/>
+          </a:solidFill>
+          <a:ln>
+            <a:solidFill>
+              <a:srgbClr val="267326"/>
+            </a:solidFill>
+          </a:ln>
+          <a:effectLst>
+            <a:outerShdw blurRad="50800" dist="38100" dir="2700000" algn="tl" rotWithShape="0">
+              <a:prstClr val="black">
+                <a:alpha val="40000"/>
+              </a:prstClr>
+            </a:outerShdw>
+          </a:effectLst>
+        </p:spPr>
+        <p:style>
+          <a:lnRef idx="2">
+            <a:schemeClr val="accent1">
+              <a:shade val="50000"/>
+            </a:schemeClr>
+          </a:lnRef>
+          <a:fillRef idx="1">
+            <a:schemeClr val="accent1"/>
+          </a:fillRef>
+          <a:effectRef idx="0">
+            <a:schemeClr val="accent1"/>
+          </a:effectRef>
+          <a:fontRef idx="minor">
+            <a:schemeClr val="lt1"/>
+          </a:fontRef>
+        </p:style>
+        <p:txBody>
+          <a:bodyPr rtlCol="0" anchor="ctr"/>
+          <a:lstStyle/>
+          <a:p>
+            <a:pPr algn="ctr"/>
+            <a:r>
+              <a:rPr lang="de-DE" dirty="0">
+                <a:solidFill>
+                  <a:srgbClr val="267326"/>
+                </a:solidFill>
+                <a:latin typeface="LM Roman 10" pitchFamily="2" charset="77"/>
+                <a:cs typeface="Didot" panose="02000503000000020003" pitchFamily="2" charset="-79"/>
+              </a:rPr>
+              <a:t> </a:t>
+            </a:r>
+            <a:endParaRPr lang="en-US" dirty="0">
+              <a:solidFill>
+                <a:srgbClr val="267326"/>
+              </a:solidFill>
+              <a:latin typeface="LM Roman 10" pitchFamily="2" charset="77"/>
+              <a:cs typeface="Didot" panose="02000503000000020003" pitchFamily="2" charset="-79"/>
+            </a:endParaRPr>
+          </a:p>
+        </p:txBody>
+      </p:sp>
+      <p:sp>
+        <p:nvSpPr>
+          <p:cNvPr id="14" name="Oval 13">
+            <a:extLst>
+              <a:ext uri="{FF2B5EF4-FFF2-40B4-BE49-F238E27FC236}">
+                <a16:creationId xmlns:a16="http://schemas.microsoft.com/office/drawing/2014/main" id="{2A14B365-C792-8A6C-8E80-FF83C67B5D55}"/>
+              </a:ext>
+            </a:extLst>
+          </p:cNvPr>
+          <p:cNvSpPr/>
+          <p:nvPr/>
+        </p:nvSpPr>
+        <p:spPr>
+          <a:xfrm>
+            <a:off x="4390042" y="3088597"/>
+            <a:ext cx="1630680" cy="754380"/>
+          </a:xfrm>
+          <a:prstGeom prst="ellipse">
+            <a:avLst/>
+          </a:prstGeom>
+          <a:solidFill>
+            <a:srgbClr val="F2F2F2"/>
+          </a:solidFill>
+          <a:ln>
+            <a:solidFill>
+              <a:srgbClr val="267326"/>
+            </a:solidFill>
+          </a:ln>
+          <a:effectLst>
+            <a:outerShdw blurRad="50800" dist="38100" dir="2700000" algn="tl" rotWithShape="0">
+              <a:prstClr val="black">
+                <a:alpha val="40000"/>
+              </a:prstClr>
+            </a:outerShdw>
+          </a:effectLst>
+        </p:spPr>
+        <p:style>
+          <a:lnRef idx="2">
+            <a:schemeClr val="accent1">
+              <a:shade val="50000"/>
+            </a:schemeClr>
+          </a:lnRef>
+          <a:fillRef idx="1">
+            <a:schemeClr val="accent1"/>
+          </a:fillRef>
+          <a:effectRef idx="0">
+            <a:schemeClr val="accent1"/>
+          </a:effectRef>
+          <a:fontRef idx="minor">
+            <a:schemeClr val="lt1"/>
+          </a:fontRef>
+        </p:style>
+        <p:txBody>
+          <a:bodyPr rtlCol="0" anchor="ctr"/>
+          <a:lstStyle/>
+          <a:p>
+            <a:pPr algn="ctr"/>
+            <a:r>
+              <a:rPr lang="de-DE" sz="1600" dirty="0">
+                <a:solidFill>
+                  <a:srgbClr val="267326"/>
+                </a:solidFill>
+                <a:latin typeface="LM Roman 10" pitchFamily="2" charset="77"/>
+                <a:cs typeface="Didot" panose="02000503000000020003" pitchFamily="2" charset="-79"/>
+              </a:rPr>
+              <a:t>Evidenz</a:t>
+            </a:r>
+            <a:endParaRPr lang="en-US" dirty="0">
+              <a:solidFill>
+                <a:srgbClr val="267326"/>
+              </a:solidFill>
+              <a:latin typeface="LM Roman 10" pitchFamily="2" charset="77"/>
+              <a:cs typeface="Didot" panose="02000503000000020003" pitchFamily="2" charset="-79"/>
+            </a:endParaRPr>
+          </a:p>
+        </p:txBody>
+      </p:sp>
+      <p:cxnSp>
+        <p:nvCxnSpPr>
+          <p:cNvPr id="20" name="Connector: Curved 19">
+            <a:extLst>
+              <a:ext uri="{FF2B5EF4-FFF2-40B4-BE49-F238E27FC236}">
+                <a16:creationId xmlns:a16="http://schemas.microsoft.com/office/drawing/2014/main" id="{9D08A355-1BFF-B13D-EABD-1944CF8A7E31}"/>
+              </a:ext>
+            </a:extLst>
+          </p:cNvPr>
+          <p:cNvCxnSpPr>
+            <a:cxnSpLocks/>
+            <a:stCxn id="13" idx="0"/>
+            <a:endCxn id="14" idx="2"/>
+          </p:cNvCxnSpPr>
+          <p:nvPr/>
+        </p:nvCxnSpPr>
+        <p:spPr>
+          <a:xfrm rot="5400000" flipH="1" flipV="1">
+            <a:off x="3609111" y="3431378"/>
+            <a:ext cx="746522" cy="815340"/>
+          </a:xfrm>
+          <a:prstGeom prst="curvedConnector2">
+            <a:avLst/>
+          </a:prstGeom>
+          <a:ln w="34925">
+            <a:solidFill>
+              <a:srgbClr val="267326"/>
+            </a:solidFill>
+            <a:tailEnd type="triangle"/>
+          </a:ln>
+        </p:spPr>
+        <p:style>
+          <a:lnRef idx="1">
+            <a:schemeClr val="accent1"/>
+          </a:lnRef>
+          <a:fillRef idx="0">
+            <a:schemeClr val="accent1"/>
+          </a:fillRef>
+          <a:effectRef idx="0">
+            <a:schemeClr val="accent1"/>
+          </a:effectRef>
+          <a:fontRef idx="minor">
+            <a:schemeClr val="tx1"/>
+          </a:fontRef>
+        </p:style>
+      </p:cxnSp>
+      <p:sp>
+        <p:nvSpPr>
+          <p:cNvPr id="53" name="TextBox 52">
+            <a:extLst>
+              <a:ext uri="{FF2B5EF4-FFF2-40B4-BE49-F238E27FC236}">
+                <a16:creationId xmlns:a16="http://schemas.microsoft.com/office/drawing/2014/main" id="{029917AF-EE12-5D28-5562-0A98D90EB631}"/>
+              </a:ext>
+            </a:extLst>
+          </p:cNvPr>
+          <p:cNvSpPr txBox="1"/>
+          <p:nvPr/>
+        </p:nvSpPr>
+        <p:spPr>
+          <a:xfrm>
+            <a:off x="2929616" y="3795544"/>
+            <a:ext cx="1667307" cy="307777"/>
+          </a:xfrm>
+          <a:prstGeom prst="rect">
+            <a:avLst/>
+          </a:prstGeom>
+          <a:solidFill>
+            <a:srgbClr val="F2F2F2"/>
+          </a:solidFill>
+        </p:spPr>
+        <p:txBody>
+          <a:bodyPr wrap="square" rtlCol="0">
+            <a:spAutoFit/>
+          </a:bodyPr>
+          <a:lstStyle/>
+          <a:p>
+            <a:r>
+              <a:rPr lang="de-DE" sz="1400" dirty="0">
+                <a:solidFill>
+                  <a:srgbClr val="267326"/>
+                </a:solidFill>
+                <a:latin typeface="LM Roman 10" pitchFamily="2" charset="77"/>
+                <a:cs typeface="Didot" panose="02000503000000020003" pitchFamily="2" charset="-79"/>
+              </a:rPr>
+              <a:t>2) Zugriffsphase</a:t>
+            </a:r>
+            <a:endParaRPr lang="en-US" sz="1400" dirty="0">
+              <a:solidFill>
+                <a:srgbClr val="267326"/>
+              </a:solidFill>
+              <a:latin typeface="LM Roman 10" pitchFamily="2" charset="77"/>
+              <a:cs typeface="Didot" panose="02000503000000020003" pitchFamily="2" charset="-79"/>
+            </a:endParaRPr>
+          </a:p>
+        </p:txBody>
+      </p:sp>
+      <p:cxnSp>
+        <p:nvCxnSpPr>
+          <p:cNvPr id="2" name="Connector: Curved 19">
+            <a:extLst>
+              <a:ext uri="{FF2B5EF4-FFF2-40B4-BE49-F238E27FC236}">
+                <a16:creationId xmlns:a16="http://schemas.microsoft.com/office/drawing/2014/main" id="{79AD504F-1947-BB8D-D92A-C6FFAA276207}"/>
+              </a:ext>
+            </a:extLst>
+          </p:cNvPr>
+          <p:cNvCxnSpPr>
+            <a:cxnSpLocks/>
+          </p:cNvCxnSpPr>
+          <p:nvPr/>
+        </p:nvCxnSpPr>
+        <p:spPr>
+          <a:xfrm rot="5400000" flipH="1" flipV="1">
+            <a:off x="1963885" y="4555090"/>
+            <a:ext cx="746522" cy="815340"/>
+          </a:xfrm>
+          <a:prstGeom prst="curvedConnector2">
+            <a:avLst/>
+          </a:prstGeom>
+          <a:ln w="34925">
+            <a:solidFill>
+              <a:srgbClr val="267326"/>
+            </a:solidFill>
+            <a:tailEnd type="triangle"/>
+          </a:ln>
+        </p:spPr>
+        <p:style>
+          <a:lnRef idx="1">
+            <a:schemeClr val="accent1"/>
+          </a:lnRef>
+          <a:fillRef idx="0">
+            <a:schemeClr val="accent1"/>
+          </a:fillRef>
+          <a:effectRef idx="0">
+            <a:schemeClr val="accent1"/>
+          </a:effectRef>
+          <a:fontRef idx="minor">
+            <a:schemeClr val="tx1"/>
+          </a:fontRef>
+        </p:style>
+      </p:cxnSp>
+      <p:sp>
+        <p:nvSpPr>
+          <p:cNvPr id="3" name="TextBox 52">
+            <a:extLst>
+              <a:ext uri="{FF2B5EF4-FFF2-40B4-BE49-F238E27FC236}">
+                <a16:creationId xmlns:a16="http://schemas.microsoft.com/office/drawing/2014/main" id="{D5A8C5B0-BC37-0A64-9412-8C506A465311}"/>
+              </a:ext>
+            </a:extLst>
+          </p:cNvPr>
+          <p:cNvSpPr txBox="1"/>
+          <p:nvPr/>
+        </p:nvSpPr>
+        <p:spPr>
+          <a:xfrm>
+            <a:off x="1072542" y="5326803"/>
+            <a:ext cx="2110495" cy="307777"/>
+          </a:xfrm>
+          <a:prstGeom prst="rect">
+            <a:avLst/>
+          </a:prstGeom>
+          <a:solidFill>
+            <a:srgbClr val="F2F2F2"/>
+          </a:solidFill>
+        </p:spPr>
+        <p:txBody>
+          <a:bodyPr wrap="square" rtlCol="0">
+            <a:spAutoFit/>
+          </a:bodyPr>
+          <a:lstStyle/>
+          <a:p>
+            <a:r>
+              <a:rPr lang="de-DE" sz="1400" dirty="0">
+                <a:solidFill>
+                  <a:srgbClr val="267326"/>
+                </a:solidFill>
+                <a:latin typeface="LM Roman 10" pitchFamily="2" charset="77"/>
+                <a:cs typeface="Didot" panose="02000503000000020003" pitchFamily="2" charset="-79"/>
+              </a:rPr>
+              <a:t>1) Konzeptuelle Phase</a:t>
+            </a:r>
+            <a:endParaRPr lang="en-US" sz="1400" dirty="0">
+              <a:solidFill>
+                <a:srgbClr val="267326"/>
+              </a:solidFill>
+              <a:latin typeface="LM Roman 10" pitchFamily="2" charset="77"/>
+              <a:cs typeface="Didot" panose="02000503000000020003" pitchFamily="2" charset="-79"/>
+            </a:endParaRPr>
+          </a:p>
+        </p:txBody>
+      </p:sp>
+      <p:sp>
+        <p:nvSpPr>
+          <p:cNvPr id="12" name="Textfeld 11">
+            <a:extLst>
+              <a:ext uri="{FF2B5EF4-FFF2-40B4-BE49-F238E27FC236}">
+                <a16:creationId xmlns:a16="http://schemas.microsoft.com/office/drawing/2014/main" id="{6D9519B8-97F4-C60B-78CF-A3C3B15AC9DA}"/>
+              </a:ext>
+            </a:extLst>
+          </p:cNvPr>
+          <p:cNvSpPr txBox="1"/>
+          <p:nvPr/>
+        </p:nvSpPr>
+        <p:spPr>
+          <a:xfrm>
+            <a:off x="3126631" y="4404153"/>
+            <a:ext cx="896142" cy="369332"/>
+          </a:xfrm>
+          <a:prstGeom prst="rect">
+            <a:avLst/>
+          </a:prstGeom>
+          <a:noFill/>
+        </p:spPr>
+        <p:txBody>
+          <a:bodyPr wrap="square" rtlCol="0">
+            <a:spAutoFit/>
+          </a:bodyPr>
+          <a:lstStyle/>
+          <a:p>
+            <a:r>
+              <a:rPr lang="de-DE" sz="1800" dirty="0">
+                <a:solidFill>
+                  <a:srgbClr val="267326"/>
+                </a:solidFill>
+                <a:latin typeface="LM Roman 10" pitchFamily="2" charset="77"/>
+                <a:cs typeface="Didot" panose="02000503000000020003" pitchFamily="2" charset="-79"/>
+              </a:rPr>
+              <a:t>Anlass</a:t>
+            </a:r>
+            <a:endParaRPr lang="de-DE" dirty="0">
+              <a:solidFill>
+                <a:srgbClr val="267326"/>
+              </a:solidFill>
+            </a:endParaRPr>
+          </a:p>
+        </p:txBody>
+      </p:sp>
+    </p:spTree>
+    <p:extLst>
+      <p:ext uri="{BB962C8B-B14F-4D97-AF65-F5344CB8AC3E}">
+        <p14:creationId xmlns:p14="http://schemas.microsoft.com/office/powerpoint/2010/main" val="1244242833"/>
+      </p:ext>
+    </p:extLst>
+  </p:cSld>
+  <p:clrMapOvr>
+    <a:masterClrMapping/>
+  </p:clrMapOvr>
+</p:sld>
+</file>
+
+<file path=ppt/slides/slide4.xml><?xml version="1.0" encoding="utf-8"?>
+<p:sld xmlns:a="http://schemas.openxmlformats.org/drawingml/2006/main" xmlns:r="http://schemas.openxmlformats.org/officeDocument/2006/relationships" xmlns:p="http://schemas.openxmlformats.org/presentationml/2006/main">
+  <p:cSld>
+    <p:spTree>
+      <p:nvGrpSpPr>
+        <p:cNvPr id="1" name=""/>
+        <p:cNvGrpSpPr/>
+        <p:nvPr/>
+      </p:nvGrpSpPr>
+      <p:grpSpPr>
+        <a:xfrm>
+          <a:off x="0" y="0"/>
+          <a:ext cx="0" cy="0"/>
+          <a:chOff x="0" y="0"/>
+          <a:chExt cx="0" cy="0"/>
+        </a:xfrm>
+      </p:grpSpPr>
+      <p:sp>
+        <p:nvSpPr>
+          <p:cNvPr id="13" name="Oval 12">
+            <a:extLst>
+              <a:ext uri="{FF2B5EF4-FFF2-40B4-BE49-F238E27FC236}">
+                <a16:creationId xmlns:a16="http://schemas.microsoft.com/office/drawing/2014/main" id="{1D8693F1-4AF6-B64B-4F0A-B464A18041CC}"/>
+              </a:ext>
+            </a:extLst>
+          </p:cNvPr>
+          <p:cNvSpPr/>
+          <p:nvPr/>
+        </p:nvSpPr>
+        <p:spPr>
+          <a:xfrm>
+            <a:off x="2759362" y="4212309"/>
+            <a:ext cx="1630680" cy="754380"/>
+          </a:xfrm>
+          <a:prstGeom prst="ellipse">
+            <a:avLst/>
+          </a:prstGeom>
+          <a:solidFill>
+            <a:srgbClr val="F2F2F2"/>
+          </a:solidFill>
+          <a:ln>
+            <a:solidFill>
+              <a:srgbClr val="267326"/>
+            </a:solidFill>
+          </a:ln>
+          <a:effectLst>
+            <a:outerShdw blurRad="50800" dist="38100" dir="2700000" algn="tl" rotWithShape="0">
+              <a:prstClr val="black">
+                <a:alpha val="40000"/>
+              </a:prstClr>
+            </a:outerShdw>
+          </a:effectLst>
+        </p:spPr>
+        <p:style>
+          <a:lnRef idx="2">
+            <a:schemeClr val="accent1">
+              <a:shade val="50000"/>
+            </a:schemeClr>
+          </a:lnRef>
+          <a:fillRef idx="1">
+            <a:schemeClr val="accent1"/>
+          </a:fillRef>
+          <a:effectRef idx="0">
+            <a:schemeClr val="accent1"/>
+          </a:effectRef>
+          <a:fontRef idx="minor">
+            <a:schemeClr val="lt1"/>
+          </a:fontRef>
+        </p:style>
+        <p:txBody>
+          <a:bodyPr rtlCol="0" anchor="ctr"/>
+          <a:lstStyle/>
+          <a:p>
+            <a:pPr algn="ctr"/>
+            <a:r>
+              <a:rPr lang="de-DE" dirty="0">
+                <a:solidFill>
+                  <a:srgbClr val="267326"/>
+                </a:solidFill>
+                <a:latin typeface="LM Roman 10" pitchFamily="2" charset="77"/>
+                <a:cs typeface="Didot" panose="02000503000000020003" pitchFamily="2" charset="-79"/>
+              </a:rPr>
+              <a:t> </a:t>
+            </a:r>
+            <a:endParaRPr lang="en-US" dirty="0">
+              <a:solidFill>
+                <a:srgbClr val="267326"/>
+              </a:solidFill>
+              <a:latin typeface="LM Roman 10" pitchFamily="2" charset="77"/>
+              <a:cs typeface="Didot" panose="02000503000000020003" pitchFamily="2" charset="-79"/>
+            </a:endParaRPr>
+          </a:p>
+        </p:txBody>
+      </p:sp>
+      <p:sp>
+        <p:nvSpPr>
+          <p:cNvPr id="14" name="Oval 13">
+            <a:extLst>
+              <a:ext uri="{FF2B5EF4-FFF2-40B4-BE49-F238E27FC236}">
+                <a16:creationId xmlns:a16="http://schemas.microsoft.com/office/drawing/2014/main" id="{2A14B365-C792-8A6C-8E80-FF83C67B5D55}"/>
+              </a:ext>
+            </a:extLst>
+          </p:cNvPr>
+          <p:cNvSpPr/>
+          <p:nvPr/>
+        </p:nvSpPr>
+        <p:spPr>
+          <a:xfrm>
+            <a:off x="4390042" y="3088597"/>
+            <a:ext cx="1630680" cy="754380"/>
+          </a:xfrm>
+          <a:prstGeom prst="ellipse">
+            <a:avLst/>
+          </a:prstGeom>
+          <a:solidFill>
+            <a:srgbClr val="F2F2F2"/>
+          </a:solidFill>
+          <a:ln>
+            <a:solidFill>
+              <a:srgbClr val="267326"/>
+            </a:solidFill>
+          </a:ln>
+          <a:effectLst>
+            <a:outerShdw blurRad="50800" dist="38100" dir="2700000" algn="tl" rotWithShape="0">
+              <a:prstClr val="black">
+                <a:alpha val="40000"/>
+              </a:prstClr>
+            </a:outerShdw>
+          </a:effectLst>
+        </p:spPr>
+        <p:style>
+          <a:lnRef idx="2">
+            <a:schemeClr val="accent1">
+              <a:shade val="50000"/>
+            </a:schemeClr>
+          </a:lnRef>
+          <a:fillRef idx="1">
+            <a:schemeClr val="accent1"/>
+          </a:fillRef>
+          <a:effectRef idx="0">
+            <a:schemeClr val="accent1"/>
+          </a:effectRef>
+          <a:fontRef idx="minor">
+            <a:schemeClr val="lt1"/>
+          </a:fontRef>
+        </p:style>
+        <p:txBody>
+          <a:bodyPr rtlCol="0" anchor="ctr"/>
+          <a:lstStyle/>
+          <a:p>
+            <a:pPr algn="ctr"/>
+            <a:r>
+              <a:rPr lang="de-DE" sz="1600" dirty="0">
+                <a:solidFill>
+                  <a:srgbClr val="267326"/>
+                </a:solidFill>
+                <a:latin typeface="LM Roman 10" pitchFamily="2" charset="77"/>
+                <a:cs typeface="Didot" panose="02000503000000020003" pitchFamily="2" charset="-79"/>
+              </a:rPr>
+              <a:t>Evidenz</a:t>
+            </a:r>
+            <a:endParaRPr lang="en-US" dirty="0">
+              <a:solidFill>
+                <a:srgbClr val="267326"/>
+              </a:solidFill>
+              <a:latin typeface="LM Roman 10" pitchFamily="2" charset="77"/>
+              <a:cs typeface="Didot" panose="02000503000000020003" pitchFamily="2" charset="-79"/>
+            </a:endParaRPr>
+          </a:p>
+        </p:txBody>
+      </p:sp>
+      <p:sp>
+        <p:nvSpPr>
+          <p:cNvPr id="15" name="Oval 14">
+            <a:extLst>
+              <a:ext uri="{FF2B5EF4-FFF2-40B4-BE49-F238E27FC236}">
+                <a16:creationId xmlns:a16="http://schemas.microsoft.com/office/drawing/2014/main" id="{97DAF1C8-8BF6-B122-BD80-962768DA66B4}"/>
+              </a:ext>
+            </a:extLst>
+          </p:cNvPr>
+          <p:cNvSpPr/>
+          <p:nvPr/>
+        </p:nvSpPr>
+        <p:spPr>
+          <a:xfrm>
+            <a:off x="6020722" y="1964885"/>
+            <a:ext cx="1630680" cy="754380"/>
+          </a:xfrm>
+          <a:prstGeom prst="ellipse">
+            <a:avLst/>
+          </a:prstGeom>
+          <a:solidFill>
+            <a:srgbClr val="F2F2F2"/>
+          </a:solidFill>
+          <a:ln>
+            <a:solidFill>
+              <a:srgbClr val="267326"/>
+            </a:solidFill>
+          </a:ln>
+          <a:effectLst>
+            <a:outerShdw blurRad="50800" dist="38100" dir="2700000" algn="tl" rotWithShape="0">
+              <a:prstClr val="black">
+                <a:alpha val="40000"/>
+              </a:prstClr>
+            </a:outerShdw>
+          </a:effectLst>
+        </p:spPr>
+        <p:style>
+          <a:lnRef idx="2">
+            <a:schemeClr val="accent1">
+              <a:shade val="50000"/>
+            </a:schemeClr>
+          </a:lnRef>
+          <a:fillRef idx="1">
+            <a:schemeClr val="accent1"/>
+          </a:fillRef>
+          <a:effectRef idx="0">
+            <a:schemeClr val="accent1"/>
+          </a:effectRef>
+          <a:fontRef idx="minor">
+            <a:schemeClr val="lt1"/>
+          </a:fontRef>
+        </p:style>
+        <p:txBody>
+          <a:bodyPr rtlCol="0" anchor="ctr"/>
+          <a:lstStyle/>
+          <a:p>
+            <a:pPr algn="ctr"/>
+            <a:endParaRPr lang="en-US" sz="1600" dirty="0">
+              <a:solidFill>
+                <a:srgbClr val="267326"/>
+              </a:solidFill>
+              <a:latin typeface="LM Roman 10" pitchFamily="2" charset="77"/>
+              <a:cs typeface="Didot" panose="02000503000000020003" pitchFamily="2" charset="-79"/>
+            </a:endParaRPr>
+          </a:p>
+        </p:txBody>
+      </p:sp>
+      <p:cxnSp>
+        <p:nvCxnSpPr>
+          <p:cNvPr id="20" name="Connector: Curved 19">
+            <a:extLst>
+              <a:ext uri="{FF2B5EF4-FFF2-40B4-BE49-F238E27FC236}">
+                <a16:creationId xmlns:a16="http://schemas.microsoft.com/office/drawing/2014/main" id="{9D08A355-1BFF-B13D-EABD-1944CF8A7E31}"/>
+              </a:ext>
+            </a:extLst>
+          </p:cNvPr>
+          <p:cNvCxnSpPr>
+            <a:cxnSpLocks/>
+            <a:stCxn id="13" idx="0"/>
+            <a:endCxn id="14" idx="2"/>
+          </p:cNvCxnSpPr>
+          <p:nvPr/>
+        </p:nvCxnSpPr>
+        <p:spPr>
+          <a:xfrm rot="5400000" flipH="1" flipV="1">
+            <a:off x="3609111" y="3431378"/>
+            <a:ext cx="746522" cy="815340"/>
+          </a:xfrm>
+          <a:prstGeom prst="curvedConnector2">
+            <a:avLst/>
+          </a:prstGeom>
+          <a:ln w="34925">
+            <a:solidFill>
+              <a:srgbClr val="267326"/>
+            </a:solidFill>
+            <a:tailEnd type="triangle"/>
+          </a:ln>
+        </p:spPr>
+        <p:style>
+          <a:lnRef idx="1">
+            <a:schemeClr val="accent1"/>
+          </a:lnRef>
+          <a:fillRef idx="0">
+            <a:schemeClr val="accent1"/>
+          </a:fillRef>
+          <a:effectRef idx="0">
+            <a:schemeClr val="accent1"/>
+          </a:effectRef>
+          <a:fontRef idx="minor">
+            <a:schemeClr val="tx1"/>
+          </a:fontRef>
+        </p:style>
+      </p:cxnSp>
+      <p:cxnSp>
+        <p:nvCxnSpPr>
+          <p:cNvPr id="23" name="Connector: Curved 22">
+            <a:extLst>
+              <a:ext uri="{FF2B5EF4-FFF2-40B4-BE49-F238E27FC236}">
+                <a16:creationId xmlns:a16="http://schemas.microsoft.com/office/drawing/2014/main" id="{C576A603-F83F-F3F0-AD46-5F1BC4B64A9E}"/>
+              </a:ext>
+            </a:extLst>
+          </p:cNvPr>
+          <p:cNvCxnSpPr>
+            <a:cxnSpLocks/>
+            <a:stCxn id="14" idx="0"/>
+            <a:endCxn id="15" idx="2"/>
+          </p:cNvCxnSpPr>
+          <p:nvPr/>
+        </p:nvCxnSpPr>
+        <p:spPr>
+          <a:xfrm rot="5400000" flipH="1" flipV="1">
+            <a:off x="5239791" y="2307666"/>
+            <a:ext cx="746522" cy="815340"/>
+          </a:xfrm>
+          <a:prstGeom prst="curvedConnector2">
+            <a:avLst/>
+          </a:prstGeom>
+          <a:ln w="34925">
+            <a:solidFill>
+              <a:srgbClr val="267326"/>
+            </a:solidFill>
+            <a:tailEnd type="triangle"/>
+          </a:ln>
+        </p:spPr>
+        <p:style>
+          <a:lnRef idx="1">
+            <a:schemeClr val="accent1"/>
+          </a:lnRef>
+          <a:fillRef idx="0">
+            <a:schemeClr val="accent1"/>
+          </a:fillRef>
+          <a:effectRef idx="0">
+            <a:schemeClr val="accent1"/>
+          </a:effectRef>
+          <a:fontRef idx="minor">
+            <a:schemeClr val="tx1"/>
+          </a:fontRef>
+        </p:style>
+      </p:cxnSp>
+      <p:sp>
+        <p:nvSpPr>
+          <p:cNvPr id="53" name="TextBox 52">
+            <a:extLst>
+              <a:ext uri="{FF2B5EF4-FFF2-40B4-BE49-F238E27FC236}">
+                <a16:creationId xmlns:a16="http://schemas.microsoft.com/office/drawing/2014/main" id="{029917AF-EE12-5D28-5562-0A98D90EB631}"/>
+              </a:ext>
+            </a:extLst>
+          </p:cNvPr>
+          <p:cNvSpPr txBox="1"/>
+          <p:nvPr/>
+        </p:nvSpPr>
+        <p:spPr>
+          <a:xfrm>
+            <a:off x="2929616" y="3795544"/>
+            <a:ext cx="1667307" cy="307777"/>
+          </a:xfrm>
+          <a:prstGeom prst="rect">
+            <a:avLst/>
+          </a:prstGeom>
+          <a:solidFill>
+            <a:srgbClr val="F2F2F2"/>
+          </a:solidFill>
+        </p:spPr>
+        <p:txBody>
+          <a:bodyPr wrap="square" rtlCol="0">
+            <a:spAutoFit/>
+          </a:bodyPr>
+          <a:lstStyle/>
+          <a:p>
+            <a:r>
+              <a:rPr lang="de-DE" sz="1400" dirty="0">
+                <a:solidFill>
+                  <a:srgbClr val="267326"/>
+                </a:solidFill>
+                <a:latin typeface="LM Roman 10" pitchFamily="2" charset="77"/>
+                <a:cs typeface="Didot" panose="02000503000000020003" pitchFamily="2" charset="-79"/>
+              </a:rPr>
+              <a:t>2) Zugriffsphase</a:t>
+            </a:r>
+            <a:endParaRPr lang="en-US" sz="1400" dirty="0">
+              <a:solidFill>
+                <a:srgbClr val="267326"/>
+              </a:solidFill>
+              <a:latin typeface="LM Roman 10" pitchFamily="2" charset="77"/>
+              <a:cs typeface="Didot" panose="02000503000000020003" pitchFamily="2" charset="-79"/>
+            </a:endParaRPr>
+          </a:p>
+        </p:txBody>
+      </p:sp>
+      <p:sp>
+        <p:nvSpPr>
+          <p:cNvPr id="54" name="TextBox 53">
+            <a:extLst>
+              <a:ext uri="{FF2B5EF4-FFF2-40B4-BE49-F238E27FC236}">
+                <a16:creationId xmlns:a16="http://schemas.microsoft.com/office/drawing/2014/main" id="{F4BF1643-F037-D0A5-7CD6-FB9BDE02E33D}"/>
+              </a:ext>
+            </a:extLst>
+          </p:cNvPr>
+          <p:cNvSpPr txBox="1"/>
+          <p:nvPr/>
+        </p:nvSpPr>
+        <p:spPr>
+          <a:xfrm>
+            <a:off x="4140586" y="2687489"/>
+            <a:ext cx="2211702" cy="307777"/>
+          </a:xfrm>
+          <a:prstGeom prst="rect">
+            <a:avLst/>
+          </a:prstGeom>
+          <a:solidFill>
+            <a:srgbClr val="F2F2F2"/>
+          </a:solidFill>
+        </p:spPr>
+        <p:txBody>
+          <a:bodyPr wrap="square" rtlCol="0">
+            <a:spAutoFit/>
+          </a:bodyPr>
+          <a:lstStyle/>
+          <a:p>
+            <a:r>
+              <a:rPr lang="de-DE" sz="1400" dirty="0">
+                <a:solidFill>
+                  <a:srgbClr val="267326"/>
+                </a:solidFill>
+                <a:latin typeface="LM Roman 10" pitchFamily="2" charset="77"/>
+                <a:cs typeface="Didot" panose="02000503000000020003" pitchFamily="2" charset="-79"/>
+              </a:rPr>
+              <a:t>3) Schlussfolgerungsphase</a:t>
+            </a:r>
+            <a:endParaRPr lang="en-US" sz="1400" dirty="0">
+              <a:solidFill>
+                <a:srgbClr val="267326"/>
+              </a:solidFill>
+              <a:latin typeface="LM Roman 10" pitchFamily="2" charset="77"/>
+              <a:cs typeface="Didot" panose="02000503000000020003" pitchFamily="2" charset="-79"/>
+            </a:endParaRPr>
+          </a:p>
+        </p:txBody>
+      </p:sp>
+      <p:cxnSp>
+        <p:nvCxnSpPr>
+          <p:cNvPr id="2" name="Connector: Curved 19">
+            <a:extLst>
+              <a:ext uri="{FF2B5EF4-FFF2-40B4-BE49-F238E27FC236}">
+                <a16:creationId xmlns:a16="http://schemas.microsoft.com/office/drawing/2014/main" id="{79AD504F-1947-BB8D-D92A-C6FFAA276207}"/>
+              </a:ext>
+            </a:extLst>
+          </p:cNvPr>
+          <p:cNvCxnSpPr>
+            <a:cxnSpLocks/>
+          </p:cNvCxnSpPr>
+          <p:nvPr/>
+        </p:nvCxnSpPr>
+        <p:spPr>
+          <a:xfrm rot="5400000" flipH="1" flipV="1">
+            <a:off x="1963885" y="4555090"/>
+            <a:ext cx="746522" cy="815340"/>
+          </a:xfrm>
+          <a:prstGeom prst="curvedConnector2">
+            <a:avLst/>
+          </a:prstGeom>
+          <a:ln w="34925">
+            <a:solidFill>
+              <a:srgbClr val="267326"/>
+            </a:solidFill>
+            <a:tailEnd type="triangle"/>
+          </a:ln>
+        </p:spPr>
+        <p:style>
+          <a:lnRef idx="1">
+            <a:schemeClr val="accent1"/>
+          </a:lnRef>
+          <a:fillRef idx="0">
+            <a:schemeClr val="accent1"/>
+          </a:fillRef>
+          <a:effectRef idx="0">
+            <a:schemeClr val="accent1"/>
+          </a:effectRef>
+          <a:fontRef idx="minor">
+            <a:schemeClr val="tx1"/>
+          </a:fontRef>
+        </p:style>
+      </p:cxnSp>
+      <p:sp>
+        <p:nvSpPr>
+          <p:cNvPr id="3" name="TextBox 52">
+            <a:extLst>
+              <a:ext uri="{FF2B5EF4-FFF2-40B4-BE49-F238E27FC236}">
+                <a16:creationId xmlns:a16="http://schemas.microsoft.com/office/drawing/2014/main" id="{D5A8C5B0-BC37-0A64-9412-8C506A465311}"/>
+              </a:ext>
+            </a:extLst>
+          </p:cNvPr>
+          <p:cNvSpPr txBox="1"/>
+          <p:nvPr/>
+        </p:nvSpPr>
+        <p:spPr>
+          <a:xfrm>
+            <a:off x="1072542" y="5326803"/>
+            <a:ext cx="2110495" cy="307777"/>
+          </a:xfrm>
+          <a:prstGeom prst="rect">
+            <a:avLst/>
+          </a:prstGeom>
+          <a:solidFill>
+            <a:srgbClr val="F2F2F2"/>
+          </a:solidFill>
+        </p:spPr>
+        <p:txBody>
+          <a:bodyPr wrap="square" rtlCol="0">
+            <a:spAutoFit/>
+          </a:bodyPr>
+          <a:lstStyle/>
+          <a:p>
+            <a:r>
+              <a:rPr lang="de-DE" sz="1400" dirty="0">
+                <a:solidFill>
+                  <a:srgbClr val="267326"/>
+                </a:solidFill>
+                <a:latin typeface="LM Roman 10" pitchFamily="2" charset="77"/>
+                <a:cs typeface="Didot" panose="02000503000000020003" pitchFamily="2" charset="-79"/>
+              </a:rPr>
+              <a:t>1) Konzeptuelle Phase</a:t>
+            </a:r>
+            <a:endParaRPr lang="en-US" sz="1400" dirty="0">
+              <a:solidFill>
+                <a:srgbClr val="267326"/>
+              </a:solidFill>
+              <a:latin typeface="LM Roman 10" pitchFamily="2" charset="77"/>
+              <a:cs typeface="Didot" panose="02000503000000020003" pitchFamily="2" charset="-79"/>
+            </a:endParaRPr>
+          </a:p>
+        </p:txBody>
+      </p:sp>
+      <p:sp>
+        <p:nvSpPr>
+          <p:cNvPr id="16" name="Textfeld 15">
+            <a:extLst>
+              <a:ext uri="{FF2B5EF4-FFF2-40B4-BE49-F238E27FC236}">
+                <a16:creationId xmlns:a16="http://schemas.microsoft.com/office/drawing/2014/main" id="{F0D1B2F8-9C8B-292F-AA60-FD23A1D1C222}"/>
+              </a:ext>
+            </a:extLst>
+          </p:cNvPr>
+          <p:cNvSpPr txBox="1"/>
+          <p:nvPr/>
+        </p:nvSpPr>
+        <p:spPr>
+          <a:xfrm>
+            <a:off x="6397152" y="2168869"/>
+            <a:ext cx="815340" cy="338554"/>
+          </a:xfrm>
+          <a:prstGeom prst="rect">
+            <a:avLst/>
+          </a:prstGeom>
+          <a:noFill/>
+        </p:spPr>
+        <p:txBody>
+          <a:bodyPr wrap="square" rtlCol="0">
+            <a:spAutoFit/>
+          </a:bodyPr>
+          <a:lstStyle/>
+          <a:p>
+            <a:r>
+              <a:rPr lang="de-DE" sz="1600" dirty="0">
+                <a:solidFill>
+                  <a:srgbClr val="267326"/>
+                </a:solidFill>
+                <a:latin typeface="LM Roman 10" pitchFamily="2" charset="77"/>
+                <a:cs typeface="Didot" panose="02000503000000020003" pitchFamily="2" charset="-79"/>
+              </a:rPr>
+              <a:t>Wissen</a:t>
+            </a:r>
+            <a:endParaRPr lang="de-DE" dirty="0">
+              <a:solidFill>
+                <a:srgbClr val="267326"/>
+              </a:solidFill>
+            </a:endParaRPr>
+          </a:p>
+        </p:txBody>
+      </p:sp>
+      <p:sp>
+        <p:nvSpPr>
+          <p:cNvPr id="6" name="Textfeld 5">
+            <a:extLst>
+              <a:ext uri="{FF2B5EF4-FFF2-40B4-BE49-F238E27FC236}">
+                <a16:creationId xmlns:a16="http://schemas.microsoft.com/office/drawing/2014/main" id="{04219AAE-ECD2-D342-F09A-619F0E09CAFF}"/>
+              </a:ext>
+            </a:extLst>
+          </p:cNvPr>
+          <p:cNvSpPr txBox="1"/>
+          <p:nvPr/>
+        </p:nvSpPr>
+        <p:spPr>
+          <a:xfrm>
+            <a:off x="3126631" y="4404153"/>
+            <a:ext cx="896142" cy="369332"/>
+          </a:xfrm>
+          <a:prstGeom prst="rect">
+            <a:avLst/>
+          </a:prstGeom>
+          <a:noFill/>
+        </p:spPr>
+        <p:txBody>
+          <a:bodyPr wrap="square" rtlCol="0">
+            <a:spAutoFit/>
+          </a:bodyPr>
+          <a:lstStyle/>
+          <a:p>
+            <a:r>
+              <a:rPr lang="de-DE" sz="1800" dirty="0">
+                <a:solidFill>
+                  <a:srgbClr val="267326"/>
+                </a:solidFill>
+                <a:latin typeface="LM Roman 10" pitchFamily="2" charset="77"/>
+                <a:cs typeface="Didot" panose="02000503000000020003" pitchFamily="2" charset="-79"/>
+              </a:rPr>
+              <a:t>Anlass</a:t>
+            </a:r>
+            <a:endParaRPr lang="de-DE" dirty="0">
+              <a:solidFill>
+                <a:srgbClr val="267326"/>
+              </a:solidFill>
+            </a:endParaRPr>
+          </a:p>
+        </p:txBody>
+      </p:sp>
+    </p:spTree>
+    <p:extLst>
+      <p:ext uri="{BB962C8B-B14F-4D97-AF65-F5344CB8AC3E}">
+        <p14:creationId xmlns:p14="http://schemas.microsoft.com/office/powerpoint/2010/main" val="488681510"/>
+      </p:ext>
+    </p:extLst>
+  </p:cSld>
+  <p:clrMapOvr>
+    <a:masterClrMapping/>
+  </p:clrMapOvr>
+</p:sld>
+</file>
+
+<file path=ppt/slides/slide5.xml><?xml version="1.0" encoding="utf-8"?>
+<p:sld xmlns:a="http://schemas.openxmlformats.org/drawingml/2006/main" xmlns:r="http://schemas.openxmlformats.org/officeDocument/2006/relationships" xmlns:p="http://schemas.openxmlformats.org/presentationml/2006/main">
+  <p:cSld>
+    <p:spTree>
+      <p:nvGrpSpPr>
+        <p:cNvPr id="1" name=""/>
+        <p:cNvGrpSpPr/>
+        <p:nvPr/>
+      </p:nvGrpSpPr>
+      <p:grpSpPr>
+        <a:xfrm>
+          <a:off x="0" y="0"/>
+          <a:ext cx="0" cy="0"/>
+          <a:chOff x="0" y="0"/>
+          <a:chExt cx="0" cy="0"/>
+        </a:xfrm>
+      </p:grpSpPr>
+      <p:sp>
+        <p:nvSpPr>
+          <p:cNvPr id="13" name="Oval 12">
+            <a:extLst>
+              <a:ext uri="{FF2B5EF4-FFF2-40B4-BE49-F238E27FC236}">
+                <a16:creationId xmlns:a16="http://schemas.microsoft.com/office/drawing/2014/main" id="{1D8693F1-4AF6-B64B-4F0A-B464A18041CC}"/>
+              </a:ext>
+            </a:extLst>
+          </p:cNvPr>
+          <p:cNvSpPr/>
+          <p:nvPr/>
+        </p:nvSpPr>
+        <p:spPr>
+          <a:xfrm>
+            <a:off x="2759362" y="4212309"/>
+            <a:ext cx="1630680" cy="754380"/>
+          </a:xfrm>
+          <a:prstGeom prst="ellipse">
+            <a:avLst/>
+          </a:prstGeom>
+          <a:solidFill>
+            <a:srgbClr val="F2F2F2"/>
+          </a:solidFill>
+          <a:ln>
+            <a:solidFill>
+              <a:srgbClr val="267326"/>
+            </a:solidFill>
+          </a:ln>
+          <a:effectLst>
+            <a:outerShdw blurRad="50800" dist="38100" dir="2700000" algn="tl" rotWithShape="0">
+              <a:prstClr val="black">
+                <a:alpha val="40000"/>
+              </a:prstClr>
+            </a:outerShdw>
+          </a:effectLst>
+        </p:spPr>
+        <p:style>
+          <a:lnRef idx="2">
+            <a:schemeClr val="accent1">
+              <a:shade val="50000"/>
+            </a:schemeClr>
+          </a:lnRef>
+          <a:fillRef idx="1">
+            <a:schemeClr val="accent1"/>
+          </a:fillRef>
+          <a:effectRef idx="0">
+            <a:schemeClr val="accent1"/>
+          </a:effectRef>
+          <a:fontRef idx="minor">
+            <a:schemeClr val="lt1"/>
+          </a:fontRef>
+        </p:style>
+        <p:txBody>
+          <a:bodyPr rtlCol="0" anchor="ctr"/>
+          <a:lstStyle/>
+          <a:p>
+            <a:pPr algn="ctr"/>
+            <a:r>
+              <a:rPr lang="de-DE" dirty="0">
+                <a:solidFill>
+                  <a:srgbClr val="267326"/>
+                </a:solidFill>
+                <a:latin typeface="LM Roman 10" pitchFamily="2" charset="77"/>
+                <a:cs typeface="Didot" panose="02000503000000020003" pitchFamily="2" charset="-79"/>
+              </a:rPr>
+              <a:t> </a:t>
+            </a:r>
+            <a:endParaRPr lang="en-US" dirty="0">
+              <a:solidFill>
+                <a:srgbClr val="267326"/>
+              </a:solidFill>
+              <a:latin typeface="LM Roman 10" pitchFamily="2" charset="77"/>
+              <a:cs typeface="Didot" panose="02000503000000020003" pitchFamily="2" charset="-79"/>
+            </a:endParaRPr>
+          </a:p>
+        </p:txBody>
+      </p:sp>
+      <p:sp>
+        <p:nvSpPr>
+          <p:cNvPr id="14" name="Oval 13">
+            <a:extLst>
+              <a:ext uri="{FF2B5EF4-FFF2-40B4-BE49-F238E27FC236}">
+                <a16:creationId xmlns:a16="http://schemas.microsoft.com/office/drawing/2014/main" id="{2A14B365-C792-8A6C-8E80-FF83C67B5D55}"/>
+              </a:ext>
+            </a:extLst>
+          </p:cNvPr>
+          <p:cNvSpPr/>
+          <p:nvPr/>
+        </p:nvSpPr>
+        <p:spPr>
+          <a:xfrm>
+            <a:off x="4390042" y="3088597"/>
+            <a:ext cx="1630680" cy="754380"/>
+          </a:xfrm>
+          <a:prstGeom prst="ellipse">
+            <a:avLst/>
+          </a:prstGeom>
+          <a:solidFill>
+            <a:srgbClr val="F2F2F2"/>
+          </a:solidFill>
+          <a:ln>
+            <a:solidFill>
+              <a:srgbClr val="267326"/>
+            </a:solidFill>
+          </a:ln>
+          <a:effectLst>
+            <a:outerShdw blurRad="50800" dist="38100" dir="2700000" algn="tl" rotWithShape="0">
+              <a:prstClr val="black">
+                <a:alpha val="40000"/>
+              </a:prstClr>
+            </a:outerShdw>
+          </a:effectLst>
+        </p:spPr>
+        <p:style>
+          <a:lnRef idx="2">
+            <a:schemeClr val="accent1">
+              <a:shade val="50000"/>
+            </a:schemeClr>
+          </a:lnRef>
+          <a:fillRef idx="1">
+            <a:schemeClr val="accent1"/>
+          </a:fillRef>
+          <a:effectRef idx="0">
+            <a:schemeClr val="accent1"/>
+          </a:effectRef>
+          <a:fontRef idx="minor">
+            <a:schemeClr val="lt1"/>
+          </a:fontRef>
+        </p:style>
+        <p:txBody>
+          <a:bodyPr rtlCol="0" anchor="ctr"/>
+          <a:lstStyle/>
+          <a:p>
+            <a:pPr algn="ctr"/>
+            <a:r>
+              <a:rPr lang="de-DE" sz="1600" dirty="0">
+                <a:solidFill>
+                  <a:srgbClr val="267326"/>
+                </a:solidFill>
+                <a:latin typeface="LM Roman 10" pitchFamily="2" charset="77"/>
+                <a:cs typeface="Didot" panose="02000503000000020003" pitchFamily="2" charset="-79"/>
+              </a:rPr>
+              <a:t>Evidenz</a:t>
+            </a:r>
+            <a:endParaRPr lang="en-US" dirty="0">
+              <a:solidFill>
+                <a:srgbClr val="267326"/>
+              </a:solidFill>
+              <a:latin typeface="LM Roman 10" pitchFamily="2" charset="77"/>
+              <a:cs typeface="Didot" panose="02000503000000020003" pitchFamily="2" charset="-79"/>
+            </a:endParaRPr>
+          </a:p>
+        </p:txBody>
+      </p:sp>
+      <p:sp>
+        <p:nvSpPr>
+          <p:cNvPr id="15" name="Oval 14">
+            <a:extLst>
+              <a:ext uri="{FF2B5EF4-FFF2-40B4-BE49-F238E27FC236}">
+                <a16:creationId xmlns:a16="http://schemas.microsoft.com/office/drawing/2014/main" id="{97DAF1C8-8BF6-B122-BD80-962768DA66B4}"/>
+              </a:ext>
+            </a:extLst>
+          </p:cNvPr>
+          <p:cNvSpPr/>
+          <p:nvPr/>
+        </p:nvSpPr>
+        <p:spPr>
+          <a:xfrm>
+            <a:off x="6020722" y="1964885"/>
+            <a:ext cx="1630680" cy="754380"/>
+          </a:xfrm>
+          <a:prstGeom prst="ellipse">
+            <a:avLst/>
+          </a:prstGeom>
+          <a:solidFill>
+            <a:srgbClr val="F2F2F2"/>
+          </a:solidFill>
+          <a:ln>
+            <a:solidFill>
+              <a:srgbClr val="267326"/>
+            </a:solidFill>
+          </a:ln>
+          <a:effectLst>
+            <a:outerShdw blurRad="50800" dist="38100" dir="2700000" algn="tl" rotWithShape="0">
+              <a:prstClr val="black">
+                <a:alpha val="40000"/>
+              </a:prstClr>
+            </a:outerShdw>
+          </a:effectLst>
+        </p:spPr>
+        <p:style>
+          <a:lnRef idx="2">
+            <a:schemeClr val="accent1">
+              <a:shade val="50000"/>
+            </a:schemeClr>
+          </a:lnRef>
+          <a:fillRef idx="1">
+            <a:schemeClr val="accent1"/>
+          </a:fillRef>
+          <a:effectRef idx="0">
+            <a:schemeClr val="accent1"/>
+          </a:effectRef>
+          <a:fontRef idx="minor">
+            <a:schemeClr val="lt1"/>
+          </a:fontRef>
+        </p:style>
+        <p:txBody>
+          <a:bodyPr rtlCol="0" anchor="ctr"/>
+          <a:lstStyle/>
+          <a:p>
+            <a:pPr algn="ctr"/>
+            <a:endParaRPr lang="en-US" sz="1600" dirty="0">
+              <a:solidFill>
+                <a:srgbClr val="267326"/>
+              </a:solidFill>
+              <a:latin typeface="LM Roman 10" pitchFamily="2" charset="77"/>
+              <a:cs typeface="Didot" panose="02000503000000020003" pitchFamily="2" charset="-79"/>
+            </a:endParaRPr>
+          </a:p>
+        </p:txBody>
+      </p:sp>
+      <p:cxnSp>
+        <p:nvCxnSpPr>
+          <p:cNvPr id="20" name="Connector: Curved 19">
+            <a:extLst>
+              <a:ext uri="{FF2B5EF4-FFF2-40B4-BE49-F238E27FC236}">
+                <a16:creationId xmlns:a16="http://schemas.microsoft.com/office/drawing/2014/main" id="{9D08A355-1BFF-B13D-EABD-1944CF8A7E31}"/>
+              </a:ext>
+            </a:extLst>
+          </p:cNvPr>
+          <p:cNvCxnSpPr>
+            <a:cxnSpLocks/>
+            <a:stCxn id="13" idx="0"/>
+            <a:endCxn id="14" idx="2"/>
+          </p:cNvCxnSpPr>
+          <p:nvPr/>
+        </p:nvCxnSpPr>
+        <p:spPr>
+          <a:xfrm rot="5400000" flipH="1" flipV="1">
+            <a:off x="3609111" y="3431378"/>
+            <a:ext cx="746522" cy="815340"/>
+          </a:xfrm>
+          <a:prstGeom prst="curvedConnector2">
+            <a:avLst/>
+          </a:prstGeom>
+          <a:ln w="34925">
+            <a:solidFill>
+              <a:srgbClr val="267326"/>
+            </a:solidFill>
+            <a:tailEnd type="triangle"/>
+          </a:ln>
+        </p:spPr>
+        <p:style>
+          <a:lnRef idx="1">
+            <a:schemeClr val="accent1"/>
+          </a:lnRef>
+          <a:fillRef idx="0">
+            <a:schemeClr val="accent1"/>
+          </a:fillRef>
+          <a:effectRef idx="0">
+            <a:schemeClr val="accent1"/>
+          </a:effectRef>
+          <a:fontRef idx="minor">
+            <a:schemeClr val="tx1"/>
+          </a:fontRef>
+        </p:style>
+      </p:cxnSp>
+      <p:cxnSp>
+        <p:nvCxnSpPr>
+          <p:cNvPr id="23" name="Connector: Curved 22">
+            <a:extLst>
+              <a:ext uri="{FF2B5EF4-FFF2-40B4-BE49-F238E27FC236}">
+                <a16:creationId xmlns:a16="http://schemas.microsoft.com/office/drawing/2014/main" id="{C576A603-F83F-F3F0-AD46-5F1BC4B64A9E}"/>
+              </a:ext>
+            </a:extLst>
+          </p:cNvPr>
+          <p:cNvCxnSpPr>
+            <a:cxnSpLocks/>
+            <a:stCxn id="14" idx="0"/>
+            <a:endCxn id="15" idx="2"/>
+          </p:cNvCxnSpPr>
+          <p:nvPr/>
+        </p:nvCxnSpPr>
+        <p:spPr>
+          <a:xfrm rot="5400000" flipH="1" flipV="1">
+            <a:off x="5239791" y="2307666"/>
+            <a:ext cx="746522" cy="815340"/>
+          </a:xfrm>
+          <a:prstGeom prst="curvedConnector2">
+            <a:avLst/>
+          </a:prstGeom>
+          <a:ln w="34925">
+            <a:solidFill>
+              <a:srgbClr val="267326"/>
+            </a:solidFill>
+            <a:tailEnd type="triangle"/>
+          </a:ln>
+        </p:spPr>
+        <p:style>
+          <a:lnRef idx="1">
+            <a:schemeClr val="accent1"/>
+          </a:lnRef>
+          <a:fillRef idx="0">
+            <a:schemeClr val="accent1"/>
+          </a:fillRef>
+          <a:effectRef idx="0">
+            <a:schemeClr val="accent1"/>
+          </a:effectRef>
+          <a:fontRef idx="minor">
+            <a:schemeClr val="tx1"/>
+          </a:fontRef>
+        </p:style>
+      </p:cxnSp>
+      <p:sp>
+        <p:nvSpPr>
+          <p:cNvPr id="26" name="Oval 25">
+            <a:extLst>
+              <a:ext uri="{FF2B5EF4-FFF2-40B4-BE49-F238E27FC236}">
+                <a16:creationId xmlns:a16="http://schemas.microsoft.com/office/drawing/2014/main" id="{E3DC8A4E-1508-5E72-013D-97FAFDC90495}"/>
+              </a:ext>
+            </a:extLst>
+          </p:cNvPr>
+          <p:cNvSpPr/>
+          <p:nvPr/>
+        </p:nvSpPr>
+        <p:spPr>
+          <a:xfrm>
+            <a:off x="8944559" y="1960956"/>
+            <a:ext cx="1630680" cy="754380"/>
+          </a:xfrm>
+          <a:prstGeom prst="ellipse">
+            <a:avLst/>
+          </a:prstGeom>
+          <a:solidFill>
+            <a:srgbClr val="F2F2F2"/>
+          </a:solidFill>
+          <a:ln>
+            <a:solidFill>
+              <a:srgbClr val="267326"/>
+            </a:solidFill>
+          </a:ln>
+          <a:effectLst>
+            <a:outerShdw blurRad="50800" dist="38100" dir="2700000" algn="tl" rotWithShape="0">
+              <a:prstClr val="black">
+                <a:alpha val="40000"/>
+              </a:prstClr>
+            </a:outerShdw>
+          </a:effectLst>
+        </p:spPr>
+        <p:style>
+          <a:lnRef idx="2">
+            <a:schemeClr val="accent1">
+              <a:shade val="50000"/>
+            </a:schemeClr>
+          </a:lnRef>
+          <a:fillRef idx="1">
+            <a:schemeClr val="accent1"/>
+          </a:fillRef>
+          <a:effectRef idx="0">
+            <a:schemeClr val="accent1"/>
+          </a:effectRef>
+          <a:fontRef idx="minor">
+            <a:schemeClr val="lt1"/>
+          </a:fontRef>
+        </p:style>
+        <p:txBody>
+          <a:bodyPr rtlCol="0" anchor="ctr"/>
+          <a:lstStyle/>
+          <a:p>
+            <a:pPr algn="ctr"/>
+            <a:endParaRPr lang="en-US" dirty="0">
+              <a:solidFill>
+                <a:srgbClr val="267326"/>
+              </a:solidFill>
+              <a:latin typeface="LM Roman 10" pitchFamily="2" charset="77"/>
+              <a:cs typeface="Didot" panose="02000503000000020003" pitchFamily="2" charset="-79"/>
+            </a:endParaRPr>
+          </a:p>
+        </p:txBody>
+      </p:sp>
+      <p:cxnSp>
+        <p:nvCxnSpPr>
+          <p:cNvPr id="32" name="Straight Arrow Connector 31">
+            <a:extLst>
+              <a:ext uri="{FF2B5EF4-FFF2-40B4-BE49-F238E27FC236}">
+                <a16:creationId xmlns:a16="http://schemas.microsoft.com/office/drawing/2014/main" id="{166579B7-9EB5-A37B-D7D0-0EEC0B6803AE}"/>
+              </a:ext>
+            </a:extLst>
+          </p:cNvPr>
+          <p:cNvCxnSpPr>
+            <a:cxnSpLocks/>
+            <a:stCxn id="15" idx="6"/>
+            <a:endCxn id="26" idx="2"/>
+          </p:cNvCxnSpPr>
+          <p:nvPr/>
+        </p:nvCxnSpPr>
+        <p:spPr>
+          <a:xfrm flipV="1">
+            <a:off x="7651402" y="2338146"/>
+            <a:ext cx="1293157" cy="3929"/>
+          </a:xfrm>
+          <a:prstGeom prst="straightConnector1">
+            <a:avLst/>
+          </a:prstGeom>
+          <a:ln w="34925">
+            <a:solidFill>
+              <a:srgbClr val="267326"/>
+            </a:solidFill>
+            <a:tailEnd type="triangle"/>
+          </a:ln>
+        </p:spPr>
+        <p:style>
+          <a:lnRef idx="1">
+            <a:schemeClr val="accent1"/>
+          </a:lnRef>
+          <a:fillRef idx="0">
+            <a:schemeClr val="accent1"/>
+          </a:fillRef>
+          <a:effectRef idx="0">
+            <a:schemeClr val="accent1"/>
+          </a:effectRef>
+          <a:fontRef idx="minor">
+            <a:schemeClr val="tx1"/>
+          </a:fontRef>
+        </p:style>
+      </p:cxnSp>
+      <p:sp>
+        <p:nvSpPr>
+          <p:cNvPr id="50" name="TextBox 49">
+            <a:extLst>
+              <a:ext uri="{FF2B5EF4-FFF2-40B4-BE49-F238E27FC236}">
+                <a16:creationId xmlns:a16="http://schemas.microsoft.com/office/drawing/2014/main" id="{7FD64F8A-ADAA-448E-7F19-BDDBEC30B4D5}"/>
+              </a:ext>
+            </a:extLst>
+          </p:cNvPr>
+          <p:cNvSpPr txBox="1"/>
+          <p:nvPr/>
+        </p:nvSpPr>
+        <p:spPr>
+          <a:xfrm>
+            <a:off x="8982929" y="1911106"/>
+            <a:ext cx="1553940" cy="854080"/>
+          </a:xfrm>
+          <a:prstGeom prst="rect">
+            <a:avLst/>
+          </a:prstGeom>
+          <a:noFill/>
+        </p:spPr>
+        <p:txBody>
+          <a:bodyPr wrap="square" rtlCol="0">
+            <a:spAutoFit/>
+          </a:bodyPr>
+          <a:lstStyle/>
+          <a:p>
+            <a:pPr algn="ctr"/>
+            <a:r>
+              <a:rPr lang="de-DE" sz="1600" dirty="0">
+                <a:solidFill>
+                  <a:srgbClr val="267326"/>
+                </a:solidFill>
+                <a:latin typeface="LM Roman 10" pitchFamily="2" charset="77"/>
+                <a:cs typeface="Didot" panose="02000503000000020003" pitchFamily="2" charset="-79"/>
+              </a:rPr>
+              <a:t>Nutzung</a:t>
+            </a:r>
+            <a:endParaRPr lang="de-DE" sz="2000" dirty="0">
+              <a:solidFill>
+                <a:srgbClr val="267326"/>
+              </a:solidFill>
+              <a:latin typeface="LM Roman 10" pitchFamily="2" charset="77"/>
+              <a:cs typeface="Didot" panose="02000503000000020003" pitchFamily="2" charset="-79"/>
+            </a:endParaRPr>
+          </a:p>
+          <a:p>
+            <a:pPr algn="ctr"/>
+            <a:r>
+              <a:rPr lang="de-DE" sz="1100" dirty="0">
+                <a:solidFill>
+                  <a:srgbClr val="267326"/>
+                </a:solidFill>
+                <a:latin typeface="LM Roman 10" pitchFamily="2" charset="77"/>
+                <a:cs typeface="Didot" panose="02000503000000020003" pitchFamily="2" charset="-79"/>
+              </a:rPr>
+              <a:t>instrumentell/</a:t>
+            </a:r>
+          </a:p>
+          <a:p>
+            <a:pPr algn="ctr"/>
+            <a:r>
+              <a:rPr lang="de-DE" sz="1100" dirty="0">
+                <a:solidFill>
+                  <a:srgbClr val="267326"/>
+                </a:solidFill>
+                <a:latin typeface="LM Roman 10" pitchFamily="2" charset="77"/>
+                <a:cs typeface="Didot" panose="02000503000000020003" pitchFamily="2" charset="-79"/>
+              </a:rPr>
+              <a:t>konzeptuell/</a:t>
+            </a:r>
+          </a:p>
+          <a:p>
+            <a:pPr algn="ctr"/>
+            <a:r>
+              <a:rPr lang="de-DE" sz="1100" dirty="0">
+                <a:solidFill>
+                  <a:srgbClr val="267326"/>
+                </a:solidFill>
+                <a:latin typeface="LM Roman 10" pitchFamily="2" charset="77"/>
+                <a:cs typeface="Didot" panose="02000503000000020003" pitchFamily="2" charset="-79"/>
+              </a:rPr>
+              <a:t>symbolisch</a:t>
+            </a:r>
+            <a:endParaRPr lang="en-US" sz="1100" dirty="0">
+              <a:solidFill>
+                <a:srgbClr val="267326"/>
+              </a:solidFill>
+              <a:latin typeface="LM Roman 10" pitchFamily="2" charset="77"/>
+              <a:cs typeface="Didot" panose="02000503000000020003" pitchFamily="2" charset="-79"/>
+            </a:endParaRPr>
+          </a:p>
+        </p:txBody>
+      </p:sp>
+      <p:sp>
+        <p:nvSpPr>
+          <p:cNvPr id="53" name="TextBox 52">
+            <a:extLst>
+              <a:ext uri="{FF2B5EF4-FFF2-40B4-BE49-F238E27FC236}">
+                <a16:creationId xmlns:a16="http://schemas.microsoft.com/office/drawing/2014/main" id="{029917AF-EE12-5D28-5562-0A98D90EB631}"/>
+              </a:ext>
+            </a:extLst>
+          </p:cNvPr>
+          <p:cNvSpPr txBox="1"/>
+          <p:nvPr/>
+        </p:nvSpPr>
+        <p:spPr>
+          <a:xfrm>
+            <a:off x="2929616" y="3795544"/>
+            <a:ext cx="1667307" cy="307777"/>
+          </a:xfrm>
+          <a:prstGeom prst="rect">
+            <a:avLst/>
+          </a:prstGeom>
+          <a:solidFill>
+            <a:srgbClr val="F2F2F2"/>
+          </a:solidFill>
+        </p:spPr>
+        <p:txBody>
+          <a:bodyPr wrap="square" rtlCol="0">
+            <a:spAutoFit/>
+          </a:bodyPr>
+          <a:lstStyle/>
+          <a:p>
+            <a:r>
+              <a:rPr lang="de-DE" sz="1400" dirty="0">
+                <a:solidFill>
+                  <a:srgbClr val="267326"/>
+                </a:solidFill>
+                <a:latin typeface="LM Roman 10" pitchFamily="2" charset="77"/>
+                <a:cs typeface="Didot" panose="02000503000000020003" pitchFamily="2" charset="-79"/>
+              </a:rPr>
+              <a:t>2) Zugriffsphase</a:t>
+            </a:r>
+            <a:endParaRPr lang="en-US" sz="1400" dirty="0">
+              <a:solidFill>
+                <a:srgbClr val="267326"/>
+              </a:solidFill>
+              <a:latin typeface="LM Roman 10" pitchFamily="2" charset="77"/>
+              <a:cs typeface="Didot" panose="02000503000000020003" pitchFamily="2" charset="-79"/>
+            </a:endParaRPr>
+          </a:p>
+        </p:txBody>
+      </p:sp>
+      <p:sp>
+        <p:nvSpPr>
+          <p:cNvPr id="54" name="TextBox 53">
+            <a:extLst>
+              <a:ext uri="{FF2B5EF4-FFF2-40B4-BE49-F238E27FC236}">
+                <a16:creationId xmlns:a16="http://schemas.microsoft.com/office/drawing/2014/main" id="{F4BF1643-F037-D0A5-7CD6-FB9BDE02E33D}"/>
+              </a:ext>
+            </a:extLst>
+          </p:cNvPr>
+          <p:cNvSpPr txBox="1"/>
+          <p:nvPr/>
+        </p:nvSpPr>
+        <p:spPr>
+          <a:xfrm>
+            <a:off x="4140586" y="2687489"/>
+            <a:ext cx="2211702" cy="307777"/>
+          </a:xfrm>
+          <a:prstGeom prst="rect">
+            <a:avLst/>
+          </a:prstGeom>
+          <a:solidFill>
+            <a:srgbClr val="F2F2F2"/>
+          </a:solidFill>
+        </p:spPr>
+        <p:txBody>
+          <a:bodyPr wrap="square" rtlCol="0">
+            <a:spAutoFit/>
+          </a:bodyPr>
+          <a:lstStyle/>
+          <a:p>
+            <a:r>
+              <a:rPr lang="de-DE" sz="1400" dirty="0">
+                <a:solidFill>
+                  <a:srgbClr val="267326"/>
+                </a:solidFill>
+                <a:latin typeface="LM Roman 10" pitchFamily="2" charset="77"/>
+                <a:cs typeface="Didot" panose="02000503000000020003" pitchFamily="2" charset="-79"/>
+              </a:rPr>
+              <a:t>3) Schlussfolgerungsphase</a:t>
+            </a:r>
+            <a:endParaRPr lang="en-US" sz="1400" dirty="0">
+              <a:solidFill>
+                <a:srgbClr val="267326"/>
+              </a:solidFill>
+              <a:latin typeface="LM Roman 10" pitchFamily="2" charset="77"/>
+              <a:cs typeface="Didot" panose="02000503000000020003" pitchFamily="2" charset="-79"/>
+            </a:endParaRPr>
+          </a:p>
+        </p:txBody>
+      </p:sp>
+      <p:sp>
+        <p:nvSpPr>
+          <p:cNvPr id="56" name="TextBox 55">
+            <a:extLst>
+              <a:ext uri="{FF2B5EF4-FFF2-40B4-BE49-F238E27FC236}">
+                <a16:creationId xmlns:a16="http://schemas.microsoft.com/office/drawing/2014/main" id="{E1454FA1-25A8-7B63-A728-B46473330DD8}"/>
+              </a:ext>
+            </a:extLst>
+          </p:cNvPr>
+          <p:cNvSpPr txBox="1"/>
+          <p:nvPr/>
+        </p:nvSpPr>
+        <p:spPr>
+          <a:xfrm>
+            <a:off x="8092593" y="1217956"/>
+            <a:ext cx="400110" cy="1870642"/>
+          </a:xfrm>
+          <a:prstGeom prst="rect">
+            <a:avLst/>
+          </a:prstGeom>
+          <a:solidFill>
+            <a:srgbClr val="F2F2F2"/>
+          </a:solidFill>
+        </p:spPr>
+        <p:txBody>
+          <a:bodyPr vert="vert270" wrap="square" rtlCol="0">
+            <a:spAutoFit/>
+          </a:bodyPr>
+          <a:lstStyle/>
+          <a:p>
+            <a:r>
+              <a:rPr lang="de-DE" sz="1400" dirty="0">
+                <a:solidFill>
+                  <a:srgbClr val="267326"/>
+                </a:solidFill>
+                <a:latin typeface="LM Roman 10" pitchFamily="2" charset="77"/>
+                <a:cs typeface="Didot" panose="02000503000000020003" pitchFamily="2" charset="-79"/>
+              </a:rPr>
+              <a:t>4) Anwendungsphase</a:t>
+            </a:r>
+            <a:endParaRPr lang="en-US" sz="1400" dirty="0">
+              <a:solidFill>
+                <a:srgbClr val="267326"/>
+              </a:solidFill>
+              <a:latin typeface="LM Roman 10" pitchFamily="2" charset="77"/>
+              <a:cs typeface="Didot" panose="02000503000000020003" pitchFamily="2" charset="-79"/>
+            </a:endParaRPr>
+          </a:p>
+        </p:txBody>
+      </p:sp>
+      <p:cxnSp>
+        <p:nvCxnSpPr>
+          <p:cNvPr id="2" name="Connector: Curved 19">
+            <a:extLst>
+              <a:ext uri="{FF2B5EF4-FFF2-40B4-BE49-F238E27FC236}">
+                <a16:creationId xmlns:a16="http://schemas.microsoft.com/office/drawing/2014/main" id="{79AD504F-1947-BB8D-D92A-C6FFAA276207}"/>
+              </a:ext>
+            </a:extLst>
+          </p:cNvPr>
+          <p:cNvCxnSpPr>
+            <a:cxnSpLocks/>
+          </p:cNvCxnSpPr>
+          <p:nvPr/>
+        </p:nvCxnSpPr>
+        <p:spPr>
+          <a:xfrm rot="5400000" flipH="1" flipV="1">
+            <a:off x="1963885" y="4555090"/>
+            <a:ext cx="746522" cy="815340"/>
+          </a:xfrm>
+          <a:prstGeom prst="curvedConnector2">
+            <a:avLst/>
+          </a:prstGeom>
+          <a:ln w="34925">
+            <a:solidFill>
+              <a:srgbClr val="267326"/>
+            </a:solidFill>
+            <a:tailEnd type="triangle"/>
+          </a:ln>
+        </p:spPr>
+        <p:style>
+          <a:lnRef idx="1">
+            <a:schemeClr val="accent1"/>
+          </a:lnRef>
+          <a:fillRef idx="0">
+            <a:schemeClr val="accent1"/>
+          </a:fillRef>
+          <a:effectRef idx="0">
+            <a:schemeClr val="accent1"/>
+          </a:effectRef>
+          <a:fontRef idx="minor">
+            <a:schemeClr val="tx1"/>
+          </a:fontRef>
+        </p:style>
+      </p:cxnSp>
+      <p:sp>
+        <p:nvSpPr>
+          <p:cNvPr id="3" name="TextBox 52">
+            <a:extLst>
+              <a:ext uri="{FF2B5EF4-FFF2-40B4-BE49-F238E27FC236}">
+                <a16:creationId xmlns:a16="http://schemas.microsoft.com/office/drawing/2014/main" id="{D5A8C5B0-BC37-0A64-9412-8C506A465311}"/>
+              </a:ext>
+            </a:extLst>
+          </p:cNvPr>
+          <p:cNvSpPr txBox="1"/>
+          <p:nvPr/>
+        </p:nvSpPr>
+        <p:spPr>
+          <a:xfrm>
+            <a:off x="1072542" y="5326803"/>
+            <a:ext cx="2110495" cy="307777"/>
+          </a:xfrm>
+          <a:prstGeom prst="rect">
+            <a:avLst/>
+          </a:prstGeom>
+          <a:solidFill>
+            <a:srgbClr val="F2F2F2"/>
+          </a:solidFill>
+        </p:spPr>
+        <p:txBody>
+          <a:bodyPr wrap="square" rtlCol="0">
+            <a:spAutoFit/>
+          </a:bodyPr>
+          <a:lstStyle/>
+          <a:p>
+            <a:r>
+              <a:rPr lang="de-DE" sz="1400" dirty="0">
+                <a:solidFill>
+                  <a:srgbClr val="267326"/>
+                </a:solidFill>
+                <a:latin typeface="LM Roman 10" pitchFamily="2" charset="77"/>
+                <a:cs typeface="Didot" panose="02000503000000020003" pitchFamily="2" charset="-79"/>
+              </a:rPr>
+              <a:t>1) Konzeptuelle Phase</a:t>
+            </a:r>
+            <a:endParaRPr lang="en-US" sz="1400" dirty="0">
+              <a:solidFill>
+                <a:srgbClr val="267326"/>
+              </a:solidFill>
+              <a:latin typeface="LM Roman 10" pitchFamily="2" charset="77"/>
+              <a:cs typeface="Didot" panose="02000503000000020003" pitchFamily="2" charset="-79"/>
+            </a:endParaRPr>
+          </a:p>
+        </p:txBody>
+      </p:sp>
+      <p:sp>
+        <p:nvSpPr>
+          <p:cNvPr id="16" name="Textfeld 15">
+            <a:extLst>
+              <a:ext uri="{FF2B5EF4-FFF2-40B4-BE49-F238E27FC236}">
+                <a16:creationId xmlns:a16="http://schemas.microsoft.com/office/drawing/2014/main" id="{F0D1B2F8-9C8B-292F-AA60-FD23A1D1C222}"/>
+              </a:ext>
+            </a:extLst>
+          </p:cNvPr>
+          <p:cNvSpPr txBox="1"/>
+          <p:nvPr/>
+        </p:nvSpPr>
+        <p:spPr>
+          <a:xfrm>
+            <a:off x="6397152" y="2168869"/>
+            <a:ext cx="815340" cy="338554"/>
+          </a:xfrm>
+          <a:prstGeom prst="rect">
+            <a:avLst/>
+          </a:prstGeom>
+          <a:noFill/>
+        </p:spPr>
+        <p:txBody>
+          <a:bodyPr wrap="square" rtlCol="0">
+            <a:spAutoFit/>
+          </a:bodyPr>
+          <a:lstStyle/>
+          <a:p>
+            <a:r>
+              <a:rPr lang="de-DE" sz="1600" dirty="0">
+                <a:solidFill>
+                  <a:srgbClr val="267326"/>
+                </a:solidFill>
+                <a:latin typeface="LM Roman 10" pitchFamily="2" charset="77"/>
+                <a:cs typeface="Didot" panose="02000503000000020003" pitchFamily="2" charset="-79"/>
+              </a:rPr>
+              <a:t>Wissen</a:t>
+            </a:r>
+            <a:endParaRPr lang="de-DE" dirty="0">
+              <a:solidFill>
+                <a:srgbClr val="267326"/>
+              </a:solidFill>
+            </a:endParaRPr>
+          </a:p>
+        </p:txBody>
+      </p:sp>
+      <p:sp>
+        <p:nvSpPr>
+          <p:cNvPr id="6" name="Textfeld 5">
+            <a:extLst>
+              <a:ext uri="{FF2B5EF4-FFF2-40B4-BE49-F238E27FC236}">
+                <a16:creationId xmlns:a16="http://schemas.microsoft.com/office/drawing/2014/main" id="{53D76367-AAC8-A8D2-9C27-AA007BDBB462}"/>
+              </a:ext>
+            </a:extLst>
+          </p:cNvPr>
+          <p:cNvSpPr txBox="1"/>
+          <p:nvPr/>
+        </p:nvSpPr>
+        <p:spPr>
+          <a:xfrm>
+            <a:off x="3126631" y="4404153"/>
+            <a:ext cx="896142" cy="369332"/>
+          </a:xfrm>
+          <a:prstGeom prst="rect">
+            <a:avLst/>
+          </a:prstGeom>
+          <a:noFill/>
+        </p:spPr>
+        <p:txBody>
+          <a:bodyPr wrap="square" rtlCol="0">
+            <a:spAutoFit/>
+          </a:bodyPr>
+          <a:lstStyle/>
+          <a:p>
+            <a:r>
+              <a:rPr lang="de-DE" sz="1800" dirty="0">
+                <a:solidFill>
+                  <a:srgbClr val="267326"/>
+                </a:solidFill>
+                <a:latin typeface="LM Roman 10" pitchFamily="2" charset="77"/>
+                <a:cs typeface="Didot" panose="02000503000000020003" pitchFamily="2" charset="-79"/>
+              </a:rPr>
+              <a:t>Anlass</a:t>
+            </a:r>
+            <a:endParaRPr lang="de-DE" dirty="0">
+              <a:solidFill>
+                <a:srgbClr val="267326"/>
+              </a:solidFill>
+            </a:endParaRPr>
+          </a:p>
+        </p:txBody>
+      </p:sp>
+    </p:spTree>
+    <p:extLst>
+      <p:ext uri="{BB962C8B-B14F-4D97-AF65-F5344CB8AC3E}">
+        <p14:creationId xmlns:p14="http://schemas.microsoft.com/office/powerpoint/2010/main" val="3892578617"/>
+      </p:ext>
+    </p:extLst>
+  </p:cSld>
+  <p:clrMapOvr>
+    <a:masterClrMapping/>
+  </p:clrMapOvr>
+</p:sld>
+</file>
+
+<file path=ppt/slides/slide6.xml><?xml version="1.0" encoding="utf-8"?>
+<p:sld xmlns:a="http://schemas.openxmlformats.org/drawingml/2006/main" xmlns:r="http://schemas.openxmlformats.org/officeDocument/2006/relationships" xmlns:p="http://schemas.openxmlformats.org/presentationml/2006/main">
+  <p:cSld>
+    <p:spTree>
+      <p:nvGrpSpPr>
+        <p:cNvPr id="1" name=""/>
+        <p:cNvGrpSpPr/>
+        <p:nvPr/>
+      </p:nvGrpSpPr>
+      <p:grpSpPr>
+        <a:xfrm>
+          <a:off x="0" y="0"/>
+          <a:ext cx="0" cy="0"/>
+          <a:chOff x="0" y="0"/>
+          <a:chExt cx="0" cy="0"/>
+        </a:xfrm>
+      </p:grpSpPr>
+      <p:sp>
+        <p:nvSpPr>
+          <p:cNvPr id="13" name="Oval 12">
+            <a:extLst>
+              <a:ext uri="{FF2B5EF4-FFF2-40B4-BE49-F238E27FC236}">
+                <a16:creationId xmlns:a16="http://schemas.microsoft.com/office/drawing/2014/main" id="{1D8693F1-4AF6-B64B-4F0A-B464A18041CC}"/>
+              </a:ext>
+            </a:extLst>
+          </p:cNvPr>
+          <p:cNvSpPr/>
+          <p:nvPr/>
+        </p:nvSpPr>
+        <p:spPr>
+          <a:xfrm>
+            <a:off x="2759362" y="4212309"/>
+            <a:ext cx="1630680" cy="754380"/>
+          </a:xfrm>
+          <a:prstGeom prst="ellipse">
+            <a:avLst/>
+          </a:prstGeom>
+          <a:solidFill>
+            <a:srgbClr val="F2F2F2"/>
+          </a:solidFill>
+          <a:ln>
+            <a:solidFill>
+              <a:srgbClr val="267326"/>
+            </a:solidFill>
+          </a:ln>
+          <a:effectLst>
+            <a:outerShdw blurRad="50800" dist="38100" dir="2700000" algn="tl" rotWithShape="0">
+              <a:prstClr val="black">
+                <a:alpha val="40000"/>
+              </a:prstClr>
+            </a:outerShdw>
+          </a:effectLst>
+        </p:spPr>
+        <p:style>
+          <a:lnRef idx="2">
+            <a:schemeClr val="accent1">
+              <a:shade val="50000"/>
+            </a:schemeClr>
+          </a:lnRef>
+          <a:fillRef idx="1">
+            <a:schemeClr val="accent1"/>
+          </a:fillRef>
+          <a:effectRef idx="0">
+            <a:schemeClr val="accent1"/>
+          </a:effectRef>
+          <a:fontRef idx="minor">
+            <a:schemeClr val="lt1"/>
+          </a:fontRef>
+        </p:style>
+        <p:txBody>
+          <a:bodyPr rtlCol="0" anchor="ctr"/>
+          <a:lstStyle/>
+          <a:p>
+            <a:pPr algn="ctr"/>
+            <a:r>
+              <a:rPr lang="de-DE" dirty="0">
+                <a:solidFill>
+                  <a:srgbClr val="267326"/>
+                </a:solidFill>
+                <a:latin typeface="LM Roman 10" pitchFamily="2" charset="77"/>
+                <a:cs typeface="Didot" panose="02000503000000020003" pitchFamily="2" charset="-79"/>
+              </a:rPr>
+              <a:t> </a:t>
+            </a:r>
+            <a:endParaRPr lang="en-US" dirty="0">
+              <a:solidFill>
+                <a:srgbClr val="267326"/>
+              </a:solidFill>
+              <a:latin typeface="LM Roman 10" pitchFamily="2" charset="77"/>
+              <a:cs typeface="Didot" panose="02000503000000020003" pitchFamily="2" charset="-79"/>
+            </a:endParaRPr>
+          </a:p>
+        </p:txBody>
+      </p:sp>
+      <p:sp>
+        <p:nvSpPr>
+          <p:cNvPr id="14" name="Oval 13">
+            <a:extLst>
+              <a:ext uri="{FF2B5EF4-FFF2-40B4-BE49-F238E27FC236}">
+                <a16:creationId xmlns:a16="http://schemas.microsoft.com/office/drawing/2014/main" id="{2A14B365-C792-8A6C-8E80-FF83C67B5D55}"/>
+              </a:ext>
+            </a:extLst>
+          </p:cNvPr>
+          <p:cNvSpPr/>
+          <p:nvPr/>
+        </p:nvSpPr>
+        <p:spPr>
+          <a:xfrm>
+            <a:off x="4390042" y="3088597"/>
+            <a:ext cx="1630680" cy="754380"/>
+          </a:xfrm>
+          <a:prstGeom prst="ellipse">
+            <a:avLst/>
+          </a:prstGeom>
+          <a:solidFill>
+            <a:srgbClr val="F2F2F2"/>
+          </a:solidFill>
+          <a:ln>
+            <a:solidFill>
+              <a:srgbClr val="267326"/>
+            </a:solidFill>
+          </a:ln>
+          <a:effectLst>
+            <a:outerShdw blurRad="50800" dist="38100" dir="2700000" algn="tl" rotWithShape="0">
+              <a:prstClr val="black">
+                <a:alpha val="40000"/>
+              </a:prstClr>
+            </a:outerShdw>
+          </a:effectLst>
+        </p:spPr>
+        <p:style>
+          <a:lnRef idx="2">
+            <a:schemeClr val="accent1">
+              <a:shade val="50000"/>
+            </a:schemeClr>
+          </a:lnRef>
+          <a:fillRef idx="1">
+            <a:schemeClr val="accent1"/>
+          </a:fillRef>
+          <a:effectRef idx="0">
+            <a:schemeClr val="accent1"/>
+          </a:effectRef>
+          <a:fontRef idx="minor">
+            <a:schemeClr val="lt1"/>
+          </a:fontRef>
+        </p:style>
+        <p:txBody>
+          <a:bodyPr rtlCol="0" anchor="ctr"/>
+          <a:lstStyle/>
+          <a:p>
+            <a:pPr algn="ctr"/>
+            <a:r>
+              <a:rPr lang="de-DE" sz="1600" dirty="0">
+                <a:solidFill>
+                  <a:srgbClr val="267326"/>
+                </a:solidFill>
+                <a:latin typeface="LM Roman 10" pitchFamily="2" charset="77"/>
+                <a:cs typeface="Didot" panose="02000503000000020003" pitchFamily="2" charset="-79"/>
+              </a:rPr>
+              <a:t>Evidenz</a:t>
+            </a:r>
+            <a:endParaRPr lang="en-US" dirty="0">
+              <a:solidFill>
+                <a:srgbClr val="267326"/>
+              </a:solidFill>
+              <a:latin typeface="LM Roman 10" pitchFamily="2" charset="77"/>
+              <a:cs typeface="Didot" panose="02000503000000020003" pitchFamily="2" charset="-79"/>
+            </a:endParaRPr>
+          </a:p>
+        </p:txBody>
+      </p:sp>
+      <p:sp>
+        <p:nvSpPr>
+          <p:cNvPr id="15" name="Oval 14">
+            <a:extLst>
+              <a:ext uri="{FF2B5EF4-FFF2-40B4-BE49-F238E27FC236}">
+                <a16:creationId xmlns:a16="http://schemas.microsoft.com/office/drawing/2014/main" id="{97DAF1C8-8BF6-B122-BD80-962768DA66B4}"/>
+              </a:ext>
+            </a:extLst>
+          </p:cNvPr>
+          <p:cNvSpPr/>
+          <p:nvPr/>
+        </p:nvSpPr>
+        <p:spPr>
+          <a:xfrm>
+            <a:off x="6020722" y="1964885"/>
+            <a:ext cx="1630680" cy="754380"/>
+          </a:xfrm>
+          <a:prstGeom prst="ellipse">
+            <a:avLst/>
+          </a:prstGeom>
+          <a:solidFill>
+            <a:srgbClr val="F2F2F2"/>
+          </a:solidFill>
+          <a:ln>
+            <a:solidFill>
+              <a:srgbClr val="267326"/>
+            </a:solidFill>
+          </a:ln>
+          <a:effectLst>
+            <a:outerShdw blurRad="50800" dist="38100" dir="2700000" algn="tl" rotWithShape="0">
+              <a:prstClr val="black">
+                <a:alpha val="40000"/>
+              </a:prstClr>
+            </a:outerShdw>
+          </a:effectLst>
+        </p:spPr>
+        <p:style>
+          <a:lnRef idx="2">
+            <a:schemeClr val="accent1">
+              <a:shade val="50000"/>
+            </a:schemeClr>
+          </a:lnRef>
+          <a:fillRef idx="1">
+            <a:schemeClr val="accent1"/>
+          </a:fillRef>
+          <a:effectRef idx="0">
+            <a:schemeClr val="accent1"/>
+          </a:effectRef>
+          <a:fontRef idx="minor">
+            <a:schemeClr val="lt1"/>
+          </a:fontRef>
+        </p:style>
+        <p:txBody>
+          <a:bodyPr rtlCol="0" anchor="ctr"/>
+          <a:lstStyle/>
+          <a:p>
+            <a:pPr algn="ctr"/>
+            <a:endParaRPr lang="en-US" sz="1600" dirty="0">
+              <a:solidFill>
+                <a:srgbClr val="267326"/>
+              </a:solidFill>
+              <a:latin typeface="LM Roman 10" pitchFamily="2" charset="77"/>
+              <a:cs typeface="Didot" panose="02000503000000020003" pitchFamily="2" charset="-79"/>
+            </a:endParaRPr>
+          </a:p>
+        </p:txBody>
+      </p:sp>
+      <p:cxnSp>
+        <p:nvCxnSpPr>
+          <p:cNvPr id="20" name="Connector: Curved 19">
+            <a:extLst>
+              <a:ext uri="{FF2B5EF4-FFF2-40B4-BE49-F238E27FC236}">
+                <a16:creationId xmlns:a16="http://schemas.microsoft.com/office/drawing/2014/main" id="{9D08A355-1BFF-B13D-EABD-1944CF8A7E31}"/>
+              </a:ext>
+            </a:extLst>
+          </p:cNvPr>
+          <p:cNvCxnSpPr>
+            <a:cxnSpLocks/>
+            <a:stCxn id="13" idx="0"/>
+            <a:endCxn id="14" idx="2"/>
+          </p:cNvCxnSpPr>
+          <p:nvPr/>
+        </p:nvCxnSpPr>
+        <p:spPr>
+          <a:xfrm rot="5400000" flipH="1" flipV="1">
+            <a:off x="3609111" y="3431378"/>
+            <a:ext cx="746522" cy="815340"/>
+          </a:xfrm>
+          <a:prstGeom prst="curvedConnector2">
+            <a:avLst/>
+          </a:prstGeom>
+          <a:ln w="34925">
+            <a:solidFill>
+              <a:srgbClr val="267326"/>
+            </a:solidFill>
+            <a:tailEnd type="triangle"/>
+          </a:ln>
+        </p:spPr>
+        <p:style>
+          <a:lnRef idx="1">
+            <a:schemeClr val="accent1"/>
+          </a:lnRef>
+          <a:fillRef idx="0">
+            <a:schemeClr val="accent1"/>
+          </a:fillRef>
+          <a:effectRef idx="0">
+            <a:schemeClr val="accent1"/>
+          </a:effectRef>
+          <a:fontRef idx="minor">
+            <a:schemeClr val="tx1"/>
+          </a:fontRef>
+        </p:style>
+      </p:cxnSp>
+      <p:cxnSp>
+        <p:nvCxnSpPr>
+          <p:cNvPr id="23" name="Connector: Curved 22">
+            <a:extLst>
+              <a:ext uri="{FF2B5EF4-FFF2-40B4-BE49-F238E27FC236}">
+                <a16:creationId xmlns:a16="http://schemas.microsoft.com/office/drawing/2014/main" id="{C576A603-F83F-F3F0-AD46-5F1BC4B64A9E}"/>
+              </a:ext>
+            </a:extLst>
+          </p:cNvPr>
+          <p:cNvCxnSpPr>
+            <a:cxnSpLocks/>
+            <a:stCxn id="14" idx="0"/>
+            <a:endCxn id="15" idx="2"/>
+          </p:cNvCxnSpPr>
+          <p:nvPr/>
+        </p:nvCxnSpPr>
+        <p:spPr>
+          <a:xfrm rot="5400000" flipH="1" flipV="1">
+            <a:off x="5239791" y="2307666"/>
+            <a:ext cx="746522" cy="815340"/>
+          </a:xfrm>
+          <a:prstGeom prst="curvedConnector2">
+            <a:avLst/>
+          </a:prstGeom>
+          <a:ln w="34925">
+            <a:solidFill>
+              <a:srgbClr val="267326"/>
+            </a:solidFill>
+            <a:tailEnd type="triangle"/>
+          </a:ln>
+        </p:spPr>
+        <p:style>
+          <a:lnRef idx="1">
+            <a:schemeClr val="accent1"/>
+          </a:lnRef>
+          <a:fillRef idx="0">
+            <a:schemeClr val="accent1"/>
+          </a:fillRef>
+          <a:effectRef idx="0">
+            <a:schemeClr val="accent1"/>
+          </a:effectRef>
+          <a:fontRef idx="minor">
+            <a:schemeClr val="tx1"/>
+          </a:fontRef>
+        </p:style>
+      </p:cxnSp>
+      <p:sp>
+        <p:nvSpPr>
+          <p:cNvPr id="26" name="Oval 25">
+            <a:extLst>
+              <a:ext uri="{FF2B5EF4-FFF2-40B4-BE49-F238E27FC236}">
+                <a16:creationId xmlns:a16="http://schemas.microsoft.com/office/drawing/2014/main" id="{E3DC8A4E-1508-5E72-013D-97FAFDC90495}"/>
+              </a:ext>
+            </a:extLst>
+          </p:cNvPr>
+          <p:cNvSpPr/>
+          <p:nvPr/>
+        </p:nvSpPr>
+        <p:spPr>
+          <a:xfrm>
+            <a:off x="8944559" y="1960956"/>
+            <a:ext cx="1630680" cy="754380"/>
+          </a:xfrm>
+          <a:prstGeom prst="ellipse">
+            <a:avLst/>
+          </a:prstGeom>
+          <a:solidFill>
+            <a:srgbClr val="F2F2F2"/>
+          </a:solidFill>
+          <a:ln>
+            <a:solidFill>
+              <a:schemeClr val="tx1"/>
+            </a:solidFill>
+          </a:ln>
+          <a:effectLst>
+            <a:outerShdw blurRad="50800" dist="38100" dir="2700000" algn="tl" rotWithShape="0">
+              <a:prstClr val="black">
+                <a:alpha val="40000"/>
+              </a:prstClr>
+            </a:outerShdw>
+          </a:effectLst>
+        </p:spPr>
+        <p:style>
+          <a:lnRef idx="2">
+            <a:schemeClr val="accent1">
+              <a:shade val="50000"/>
+            </a:schemeClr>
+          </a:lnRef>
+          <a:fillRef idx="1">
+            <a:schemeClr val="accent1"/>
+          </a:fillRef>
+          <a:effectRef idx="0">
+            <a:schemeClr val="accent1"/>
+          </a:effectRef>
+          <a:fontRef idx="minor">
+            <a:schemeClr val="lt1"/>
+          </a:fontRef>
+        </p:style>
+        <p:txBody>
+          <a:bodyPr rtlCol="0" anchor="ctr"/>
+          <a:lstStyle/>
+          <a:p>
+            <a:pPr algn="ctr"/>
+            <a:endParaRPr lang="en-US" dirty="0">
+              <a:solidFill>
+                <a:srgbClr val="267326"/>
+              </a:solidFill>
+              <a:latin typeface="LM Roman 10" pitchFamily="2" charset="77"/>
+              <a:cs typeface="Didot" panose="02000503000000020003" pitchFamily="2" charset="-79"/>
+            </a:endParaRPr>
+          </a:p>
+        </p:txBody>
+      </p:sp>
+      <p:sp>
+        <p:nvSpPr>
+          <p:cNvPr id="27" name="Oval 26">
+            <a:extLst>
+              <a:ext uri="{FF2B5EF4-FFF2-40B4-BE49-F238E27FC236}">
+                <a16:creationId xmlns:a16="http://schemas.microsoft.com/office/drawing/2014/main" id="{72AF60ED-4044-E5E5-F9E9-64C7593F7CC0}"/>
+              </a:ext>
+            </a:extLst>
+          </p:cNvPr>
+          <p:cNvSpPr/>
+          <p:nvPr/>
+        </p:nvSpPr>
+        <p:spPr>
+          <a:xfrm>
+            <a:off x="8944559" y="4212309"/>
+            <a:ext cx="1630680" cy="754380"/>
+          </a:xfrm>
+          <a:prstGeom prst="ellipse">
+            <a:avLst/>
+          </a:prstGeom>
+          <a:solidFill>
+            <a:srgbClr val="F2F2F2"/>
+          </a:solidFill>
+          <a:ln>
+            <a:solidFill>
+              <a:srgbClr val="267326"/>
+            </a:solidFill>
+          </a:ln>
+          <a:effectLst>
+            <a:outerShdw blurRad="50800" dist="38100" dir="2700000" algn="tl" rotWithShape="0">
+              <a:prstClr val="black">
+                <a:alpha val="40000"/>
+              </a:prstClr>
+            </a:outerShdw>
+          </a:effectLst>
+        </p:spPr>
+        <p:style>
+          <a:lnRef idx="2">
+            <a:schemeClr val="accent1">
+              <a:shade val="50000"/>
+            </a:schemeClr>
+          </a:lnRef>
+          <a:fillRef idx="1">
+            <a:schemeClr val="accent1"/>
+          </a:fillRef>
+          <a:effectRef idx="0">
+            <a:schemeClr val="accent1"/>
+          </a:effectRef>
+          <a:fontRef idx="minor">
+            <a:schemeClr val="lt1"/>
+          </a:fontRef>
+        </p:style>
+        <p:txBody>
+          <a:bodyPr rtlCol="0" anchor="ctr"/>
+          <a:lstStyle/>
+          <a:p>
+            <a:pPr algn="ctr"/>
+            <a:r>
+              <a:rPr lang="de-DE" sz="1600" dirty="0">
+                <a:solidFill>
+                  <a:srgbClr val="267326"/>
+                </a:solidFill>
+                <a:latin typeface="LM Roman 10" pitchFamily="2" charset="77"/>
+                <a:cs typeface="Didot" panose="02000503000000020003" pitchFamily="2" charset="-79"/>
+              </a:rPr>
+              <a:t>Ergebnisse</a:t>
+            </a:r>
+            <a:endParaRPr lang="en-US" sz="1600" dirty="0">
+              <a:solidFill>
+                <a:srgbClr val="267326"/>
+              </a:solidFill>
+              <a:latin typeface="LM Roman 10" pitchFamily="2" charset="77"/>
+              <a:cs typeface="Didot" panose="02000503000000020003" pitchFamily="2" charset="-79"/>
+            </a:endParaRPr>
+          </a:p>
+        </p:txBody>
+      </p:sp>
+      <p:cxnSp>
+        <p:nvCxnSpPr>
+          <p:cNvPr id="32" name="Straight Arrow Connector 31">
+            <a:extLst>
+              <a:ext uri="{FF2B5EF4-FFF2-40B4-BE49-F238E27FC236}">
+                <a16:creationId xmlns:a16="http://schemas.microsoft.com/office/drawing/2014/main" id="{166579B7-9EB5-A37B-D7D0-0EEC0B6803AE}"/>
+              </a:ext>
+            </a:extLst>
+          </p:cNvPr>
+          <p:cNvCxnSpPr>
+            <a:cxnSpLocks/>
+            <a:stCxn id="15" idx="6"/>
+            <a:endCxn id="26" idx="2"/>
+          </p:cNvCxnSpPr>
+          <p:nvPr/>
+        </p:nvCxnSpPr>
+        <p:spPr>
+          <a:xfrm flipV="1">
+            <a:off x="7651402" y="2338146"/>
+            <a:ext cx="1293157" cy="3929"/>
+          </a:xfrm>
+          <a:prstGeom prst="straightConnector1">
+            <a:avLst/>
+          </a:prstGeom>
+          <a:ln w="34925">
+            <a:solidFill>
+              <a:srgbClr val="267326"/>
+            </a:solidFill>
+            <a:tailEnd type="triangle"/>
+          </a:ln>
+        </p:spPr>
+        <p:style>
+          <a:lnRef idx="1">
+            <a:schemeClr val="accent1"/>
+          </a:lnRef>
+          <a:fillRef idx="0">
+            <a:schemeClr val="accent1"/>
+          </a:fillRef>
+          <a:effectRef idx="0">
+            <a:schemeClr val="accent1"/>
+          </a:effectRef>
+          <a:fontRef idx="minor">
+            <a:schemeClr val="tx1"/>
+          </a:fontRef>
+        </p:style>
+      </p:cxnSp>
+      <p:cxnSp>
+        <p:nvCxnSpPr>
+          <p:cNvPr id="34" name="Straight Arrow Connector 33">
+            <a:extLst>
+              <a:ext uri="{FF2B5EF4-FFF2-40B4-BE49-F238E27FC236}">
+                <a16:creationId xmlns:a16="http://schemas.microsoft.com/office/drawing/2014/main" id="{49F8FCE9-625E-3019-9506-DB4366A32AC6}"/>
+              </a:ext>
+            </a:extLst>
+          </p:cNvPr>
+          <p:cNvCxnSpPr>
+            <a:cxnSpLocks/>
+            <a:stCxn id="26" idx="4"/>
+            <a:endCxn id="27" idx="0"/>
+          </p:cNvCxnSpPr>
+          <p:nvPr/>
+        </p:nvCxnSpPr>
+        <p:spPr>
+          <a:xfrm>
+            <a:off x="9759899" y="2715336"/>
+            <a:ext cx="0" cy="1496973"/>
+          </a:xfrm>
+          <a:prstGeom prst="straightConnector1">
+            <a:avLst/>
+          </a:prstGeom>
+          <a:ln w="34925">
+            <a:solidFill>
+              <a:srgbClr val="267326"/>
+            </a:solidFill>
+            <a:tailEnd type="triangle"/>
+          </a:ln>
+        </p:spPr>
+        <p:style>
+          <a:lnRef idx="1">
+            <a:schemeClr val="accent1"/>
+          </a:lnRef>
+          <a:fillRef idx="0">
+            <a:schemeClr val="accent1"/>
+          </a:fillRef>
+          <a:effectRef idx="0">
+            <a:schemeClr val="accent1"/>
+          </a:effectRef>
+          <a:fontRef idx="minor">
+            <a:schemeClr val="tx1"/>
+          </a:fontRef>
+        </p:style>
+      </p:cxnSp>
+      <p:cxnSp>
+        <p:nvCxnSpPr>
+          <p:cNvPr id="37" name="Straight Arrow Connector 36">
+            <a:extLst>
+              <a:ext uri="{FF2B5EF4-FFF2-40B4-BE49-F238E27FC236}">
+                <a16:creationId xmlns:a16="http://schemas.microsoft.com/office/drawing/2014/main" id="{55715120-9AEF-727F-AF81-D95E0E013E59}"/>
+              </a:ext>
+            </a:extLst>
+          </p:cNvPr>
+          <p:cNvCxnSpPr>
+            <a:cxnSpLocks/>
+            <a:stCxn id="27" idx="2"/>
+            <a:endCxn id="13" idx="6"/>
+          </p:cNvCxnSpPr>
+          <p:nvPr/>
+        </p:nvCxnSpPr>
+        <p:spPr>
+          <a:xfrm flipH="1">
+            <a:off x="4390042" y="4589499"/>
+            <a:ext cx="4554517" cy="0"/>
+          </a:xfrm>
+          <a:prstGeom prst="straightConnector1">
+            <a:avLst/>
+          </a:prstGeom>
+          <a:ln w="34925">
+            <a:solidFill>
+              <a:srgbClr val="267326"/>
+            </a:solidFill>
+            <a:tailEnd type="triangle"/>
+          </a:ln>
+        </p:spPr>
+        <p:style>
+          <a:lnRef idx="1">
+            <a:schemeClr val="accent1"/>
+          </a:lnRef>
+          <a:fillRef idx="0">
+            <a:schemeClr val="accent1"/>
+          </a:fillRef>
+          <a:effectRef idx="0">
+            <a:schemeClr val="accent1"/>
+          </a:effectRef>
+          <a:fontRef idx="minor">
+            <a:schemeClr val="tx1"/>
+          </a:fontRef>
+        </p:style>
+      </p:cxnSp>
+      <p:cxnSp>
+        <p:nvCxnSpPr>
+          <p:cNvPr id="40" name="Straight Arrow Connector 39">
+            <a:extLst>
+              <a:ext uri="{FF2B5EF4-FFF2-40B4-BE49-F238E27FC236}">
+                <a16:creationId xmlns:a16="http://schemas.microsoft.com/office/drawing/2014/main" id="{877155B9-7D29-7689-96CE-6ACB5D537AB5}"/>
+              </a:ext>
+            </a:extLst>
+          </p:cNvPr>
+          <p:cNvCxnSpPr>
+            <a:cxnSpLocks/>
+            <a:stCxn id="14" idx="4"/>
+          </p:cNvCxnSpPr>
+          <p:nvPr/>
+        </p:nvCxnSpPr>
+        <p:spPr>
+          <a:xfrm>
+            <a:off x="5205382" y="3842977"/>
+            <a:ext cx="0" cy="746522"/>
+          </a:xfrm>
+          <a:prstGeom prst="straightConnector1">
+            <a:avLst/>
+          </a:prstGeom>
+          <a:ln w="34925">
+            <a:solidFill>
+              <a:srgbClr val="267326"/>
+            </a:solidFill>
+            <a:tailEnd type="triangle"/>
+          </a:ln>
+        </p:spPr>
+        <p:style>
+          <a:lnRef idx="1">
+            <a:schemeClr val="accent1"/>
+          </a:lnRef>
+          <a:fillRef idx="0">
+            <a:schemeClr val="accent1"/>
+          </a:fillRef>
+          <a:effectRef idx="0">
+            <a:schemeClr val="accent1"/>
+          </a:effectRef>
+          <a:fontRef idx="minor">
+            <a:schemeClr val="tx1"/>
+          </a:fontRef>
+        </p:style>
+      </p:cxnSp>
+      <p:cxnSp>
+        <p:nvCxnSpPr>
+          <p:cNvPr id="43" name="Straight Arrow Connector 42">
+            <a:extLst>
+              <a:ext uri="{FF2B5EF4-FFF2-40B4-BE49-F238E27FC236}">
+                <a16:creationId xmlns:a16="http://schemas.microsoft.com/office/drawing/2014/main" id="{009A81FC-5496-1B64-61C2-0AACFC7477CD}"/>
+              </a:ext>
+            </a:extLst>
+          </p:cNvPr>
+          <p:cNvCxnSpPr>
+            <a:cxnSpLocks/>
+            <a:stCxn id="15" idx="4"/>
+          </p:cNvCxnSpPr>
+          <p:nvPr/>
+        </p:nvCxnSpPr>
+        <p:spPr>
+          <a:xfrm>
+            <a:off x="6836062" y="2719265"/>
+            <a:ext cx="0" cy="1870234"/>
+          </a:xfrm>
+          <a:prstGeom prst="straightConnector1">
+            <a:avLst/>
+          </a:prstGeom>
+          <a:ln w="34925">
+            <a:solidFill>
+              <a:srgbClr val="267326"/>
+            </a:solidFill>
+            <a:tailEnd type="triangle"/>
+          </a:ln>
+        </p:spPr>
+        <p:style>
+          <a:lnRef idx="1">
+            <a:schemeClr val="accent1"/>
+          </a:lnRef>
+          <a:fillRef idx="0">
+            <a:schemeClr val="accent1"/>
+          </a:fillRef>
+          <a:effectRef idx="0">
+            <a:schemeClr val="accent1"/>
+          </a:effectRef>
+          <a:fontRef idx="minor">
+            <a:schemeClr val="tx1"/>
+          </a:fontRef>
+        </p:style>
+      </p:cxnSp>
+      <p:sp>
+        <p:nvSpPr>
+          <p:cNvPr id="50" name="TextBox 49">
+            <a:extLst>
+              <a:ext uri="{FF2B5EF4-FFF2-40B4-BE49-F238E27FC236}">
+                <a16:creationId xmlns:a16="http://schemas.microsoft.com/office/drawing/2014/main" id="{7FD64F8A-ADAA-448E-7F19-BDDBEC30B4D5}"/>
+              </a:ext>
+            </a:extLst>
+          </p:cNvPr>
+          <p:cNvSpPr txBox="1"/>
+          <p:nvPr/>
+        </p:nvSpPr>
+        <p:spPr>
+          <a:xfrm>
+            <a:off x="8983950" y="1919235"/>
+            <a:ext cx="1553940" cy="854080"/>
+          </a:xfrm>
+          <a:prstGeom prst="rect">
+            <a:avLst/>
+          </a:prstGeom>
+          <a:noFill/>
+        </p:spPr>
+        <p:txBody>
+          <a:bodyPr wrap="square" rtlCol="0">
+            <a:spAutoFit/>
+          </a:bodyPr>
+          <a:lstStyle/>
+          <a:p>
+            <a:pPr algn="ctr"/>
+            <a:r>
+              <a:rPr lang="de-DE" sz="1600" dirty="0">
+                <a:solidFill>
+                  <a:srgbClr val="267326"/>
+                </a:solidFill>
+                <a:latin typeface="LM Roman 10" pitchFamily="2" charset="77"/>
+                <a:cs typeface="Didot" panose="02000503000000020003" pitchFamily="2" charset="-79"/>
+              </a:rPr>
+              <a:t>Nutzung</a:t>
+            </a:r>
+            <a:endParaRPr lang="de-DE" sz="2000" dirty="0">
+              <a:solidFill>
+                <a:srgbClr val="267326"/>
+              </a:solidFill>
+              <a:latin typeface="LM Roman 10" pitchFamily="2" charset="77"/>
+              <a:cs typeface="Didot" panose="02000503000000020003" pitchFamily="2" charset="-79"/>
+            </a:endParaRPr>
+          </a:p>
+          <a:p>
+            <a:pPr algn="ctr"/>
+            <a:r>
+              <a:rPr lang="de-DE" sz="1100" dirty="0">
+                <a:solidFill>
+                  <a:srgbClr val="267326"/>
+                </a:solidFill>
+                <a:latin typeface="LM Roman 10" pitchFamily="2" charset="77"/>
+                <a:cs typeface="Didot" panose="02000503000000020003" pitchFamily="2" charset="-79"/>
+              </a:rPr>
+              <a:t>instrumentell/</a:t>
+            </a:r>
+          </a:p>
+          <a:p>
+            <a:pPr algn="ctr"/>
+            <a:r>
+              <a:rPr lang="de-DE" sz="1100" dirty="0">
+                <a:solidFill>
+                  <a:srgbClr val="267326"/>
+                </a:solidFill>
+                <a:latin typeface="LM Roman 10" pitchFamily="2" charset="77"/>
+                <a:cs typeface="Didot" panose="02000503000000020003" pitchFamily="2" charset="-79"/>
+              </a:rPr>
+              <a:t>konzeptuell/</a:t>
+            </a:r>
+          </a:p>
+          <a:p>
+            <a:pPr algn="ctr"/>
+            <a:r>
+              <a:rPr lang="de-DE" sz="1100" dirty="0">
+                <a:solidFill>
+                  <a:srgbClr val="267326"/>
+                </a:solidFill>
+                <a:latin typeface="LM Roman 10" pitchFamily="2" charset="77"/>
+                <a:cs typeface="Didot" panose="02000503000000020003" pitchFamily="2" charset="-79"/>
+              </a:rPr>
+              <a:t>symbolisch</a:t>
+            </a:r>
+            <a:endParaRPr lang="en-US" sz="1100" dirty="0">
+              <a:solidFill>
+                <a:srgbClr val="267326"/>
+              </a:solidFill>
+              <a:latin typeface="LM Roman 10" pitchFamily="2" charset="77"/>
+              <a:cs typeface="Didot" panose="02000503000000020003" pitchFamily="2" charset="-79"/>
+            </a:endParaRPr>
+          </a:p>
+        </p:txBody>
+      </p:sp>
+      <p:sp>
+        <p:nvSpPr>
+          <p:cNvPr id="53" name="TextBox 52">
+            <a:extLst>
+              <a:ext uri="{FF2B5EF4-FFF2-40B4-BE49-F238E27FC236}">
+                <a16:creationId xmlns:a16="http://schemas.microsoft.com/office/drawing/2014/main" id="{029917AF-EE12-5D28-5562-0A98D90EB631}"/>
+              </a:ext>
+            </a:extLst>
+          </p:cNvPr>
+          <p:cNvSpPr txBox="1"/>
+          <p:nvPr/>
+        </p:nvSpPr>
+        <p:spPr>
+          <a:xfrm>
+            <a:off x="2929616" y="3795544"/>
+            <a:ext cx="1667307" cy="307777"/>
+          </a:xfrm>
+          <a:prstGeom prst="rect">
+            <a:avLst/>
+          </a:prstGeom>
+          <a:solidFill>
+            <a:srgbClr val="F2F2F2"/>
+          </a:solidFill>
+        </p:spPr>
+        <p:txBody>
+          <a:bodyPr wrap="square" rtlCol="0">
+            <a:spAutoFit/>
+          </a:bodyPr>
+          <a:lstStyle/>
+          <a:p>
+            <a:r>
+              <a:rPr lang="de-DE" sz="1400" dirty="0">
+                <a:solidFill>
+                  <a:srgbClr val="267326"/>
+                </a:solidFill>
+                <a:latin typeface="LM Roman 10" pitchFamily="2" charset="77"/>
+                <a:cs typeface="Didot" panose="02000503000000020003" pitchFamily="2" charset="-79"/>
+              </a:rPr>
+              <a:t>2) Zugriffsphase</a:t>
+            </a:r>
+            <a:endParaRPr lang="en-US" sz="1400" dirty="0">
+              <a:solidFill>
+                <a:srgbClr val="267326"/>
+              </a:solidFill>
+              <a:latin typeface="LM Roman 10" pitchFamily="2" charset="77"/>
+              <a:cs typeface="Didot" panose="02000503000000020003" pitchFamily="2" charset="-79"/>
+            </a:endParaRPr>
+          </a:p>
+        </p:txBody>
+      </p:sp>
+      <p:sp>
+        <p:nvSpPr>
+          <p:cNvPr id="54" name="TextBox 53">
+            <a:extLst>
+              <a:ext uri="{FF2B5EF4-FFF2-40B4-BE49-F238E27FC236}">
+                <a16:creationId xmlns:a16="http://schemas.microsoft.com/office/drawing/2014/main" id="{F4BF1643-F037-D0A5-7CD6-FB9BDE02E33D}"/>
+              </a:ext>
+            </a:extLst>
+          </p:cNvPr>
+          <p:cNvSpPr txBox="1"/>
+          <p:nvPr/>
+        </p:nvSpPr>
+        <p:spPr>
+          <a:xfrm>
+            <a:off x="4140586" y="2687489"/>
+            <a:ext cx="2211702" cy="307777"/>
+          </a:xfrm>
+          <a:prstGeom prst="rect">
+            <a:avLst/>
+          </a:prstGeom>
+          <a:solidFill>
+            <a:srgbClr val="F2F2F2"/>
+          </a:solidFill>
+        </p:spPr>
+        <p:txBody>
+          <a:bodyPr wrap="square" rtlCol="0">
+            <a:spAutoFit/>
+          </a:bodyPr>
+          <a:lstStyle/>
+          <a:p>
+            <a:r>
+              <a:rPr lang="de-DE" sz="1400" dirty="0">
+                <a:solidFill>
+                  <a:srgbClr val="267326"/>
+                </a:solidFill>
+                <a:latin typeface="LM Roman 10" pitchFamily="2" charset="77"/>
+                <a:cs typeface="Didot" panose="02000503000000020003" pitchFamily="2" charset="-79"/>
+              </a:rPr>
+              <a:t>3) Schlussfolgerungsphase</a:t>
+            </a:r>
+            <a:endParaRPr lang="en-US" sz="1400" dirty="0">
+              <a:solidFill>
+                <a:srgbClr val="267326"/>
+              </a:solidFill>
+              <a:latin typeface="LM Roman 10" pitchFamily="2" charset="77"/>
+              <a:cs typeface="Didot" panose="02000503000000020003" pitchFamily="2" charset="-79"/>
+            </a:endParaRPr>
+          </a:p>
+        </p:txBody>
+      </p:sp>
+      <p:sp>
+        <p:nvSpPr>
+          <p:cNvPr id="55" name="TextBox 54">
+            <a:extLst>
+              <a:ext uri="{FF2B5EF4-FFF2-40B4-BE49-F238E27FC236}">
+                <a16:creationId xmlns:a16="http://schemas.microsoft.com/office/drawing/2014/main" id="{826285A5-86AB-FFF9-F41D-E2FDA68CD35F}"/>
+              </a:ext>
+            </a:extLst>
+          </p:cNvPr>
+          <p:cNvSpPr txBox="1"/>
+          <p:nvPr/>
+        </p:nvSpPr>
+        <p:spPr>
+          <a:xfrm>
+            <a:off x="8944559" y="3321393"/>
+            <a:ext cx="1761541" cy="307777"/>
+          </a:xfrm>
+          <a:prstGeom prst="rect">
+            <a:avLst/>
+          </a:prstGeom>
+          <a:solidFill>
+            <a:srgbClr val="F2F2F2"/>
+          </a:solidFill>
+        </p:spPr>
+        <p:txBody>
+          <a:bodyPr wrap="square" rtlCol="0">
+            <a:spAutoFit/>
+          </a:bodyPr>
+          <a:lstStyle/>
+          <a:p>
+            <a:r>
+              <a:rPr lang="de-DE" sz="1400" dirty="0">
+                <a:solidFill>
+                  <a:srgbClr val="267326"/>
+                </a:solidFill>
+                <a:latin typeface="LM Roman 10" pitchFamily="2" charset="77"/>
+                <a:cs typeface="Didot" panose="02000503000000020003" pitchFamily="2" charset="-79"/>
+              </a:rPr>
+              <a:t>5) Evaluationsphase</a:t>
+            </a:r>
+            <a:endParaRPr lang="en-US" sz="1400" dirty="0">
+              <a:solidFill>
+                <a:srgbClr val="267326"/>
+              </a:solidFill>
+              <a:latin typeface="LM Roman 10" pitchFamily="2" charset="77"/>
+              <a:cs typeface="Didot" panose="02000503000000020003" pitchFamily="2" charset="-79"/>
+            </a:endParaRPr>
+          </a:p>
+        </p:txBody>
+      </p:sp>
+      <p:sp>
+        <p:nvSpPr>
+          <p:cNvPr id="56" name="TextBox 55">
+            <a:extLst>
+              <a:ext uri="{FF2B5EF4-FFF2-40B4-BE49-F238E27FC236}">
+                <a16:creationId xmlns:a16="http://schemas.microsoft.com/office/drawing/2014/main" id="{E1454FA1-25A8-7B63-A728-B46473330DD8}"/>
+              </a:ext>
+            </a:extLst>
+          </p:cNvPr>
+          <p:cNvSpPr txBox="1"/>
+          <p:nvPr/>
+        </p:nvSpPr>
+        <p:spPr>
+          <a:xfrm>
+            <a:off x="8092593" y="1217956"/>
+            <a:ext cx="400110" cy="1870642"/>
+          </a:xfrm>
+          <a:prstGeom prst="rect">
+            <a:avLst/>
+          </a:prstGeom>
+          <a:solidFill>
+            <a:srgbClr val="F2F2F2"/>
+          </a:solidFill>
+        </p:spPr>
+        <p:txBody>
+          <a:bodyPr vert="vert270" wrap="square" rtlCol="0">
+            <a:spAutoFit/>
+          </a:bodyPr>
+          <a:lstStyle/>
+          <a:p>
+            <a:r>
+              <a:rPr lang="de-DE" sz="1400" dirty="0">
+                <a:solidFill>
+                  <a:srgbClr val="267326"/>
+                </a:solidFill>
+                <a:latin typeface="LM Roman 10" pitchFamily="2" charset="77"/>
+                <a:cs typeface="Didot" panose="02000503000000020003" pitchFamily="2" charset="-79"/>
+              </a:rPr>
+              <a:t>4) Anwendungsphase</a:t>
+            </a:r>
+            <a:endParaRPr lang="en-US" sz="1400" dirty="0">
+              <a:solidFill>
+                <a:srgbClr val="267326"/>
+              </a:solidFill>
+              <a:latin typeface="LM Roman 10" pitchFamily="2" charset="77"/>
+              <a:cs typeface="Didot" panose="02000503000000020003" pitchFamily="2" charset="-79"/>
+            </a:endParaRPr>
+          </a:p>
+        </p:txBody>
+      </p:sp>
+      <p:cxnSp>
+        <p:nvCxnSpPr>
+          <p:cNvPr id="2" name="Connector: Curved 19">
+            <a:extLst>
+              <a:ext uri="{FF2B5EF4-FFF2-40B4-BE49-F238E27FC236}">
+                <a16:creationId xmlns:a16="http://schemas.microsoft.com/office/drawing/2014/main" id="{79AD504F-1947-BB8D-D92A-C6FFAA276207}"/>
+              </a:ext>
+            </a:extLst>
+          </p:cNvPr>
+          <p:cNvCxnSpPr>
+            <a:cxnSpLocks/>
+          </p:cNvCxnSpPr>
+          <p:nvPr/>
+        </p:nvCxnSpPr>
+        <p:spPr>
+          <a:xfrm rot="5400000" flipH="1" flipV="1">
+            <a:off x="1963885" y="4555090"/>
+            <a:ext cx="746522" cy="815340"/>
+          </a:xfrm>
+          <a:prstGeom prst="curvedConnector2">
+            <a:avLst/>
+          </a:prstGeom>
+          <a:ln w="34925">
+            <a:solidFill>
+              <a:srgbClr val="267326"/>
+            </a:solidFill>
+            <a:tailEnd type="triangle"/>
+          </a:ln>
+        </p:spPr>
+        <p:style>
+          <a:lnRef idx="1">
+            <a:schemeClr val="accent1"/>
+          </a:lnRef>
+          <a:fillRef idx="0">
+            <a:schemeClr val="accent1"/>
+          </a:fillRef>
+          <a:effectRef idx="0">
+            <a:schemeClr val="accent1"/>
+          </a:effectRef>
+          <a:fontRef idx="minor">
+            <a:schemeClr val="tx1"/>
+          </a:fontRef>
+        </p:style>
+      </p:cxnSp>
+      <p:sp>
+        <p:nvSpPr>
+          <p:cNvPr id="3" name="TextBox 52">
+            <a:extLst>
+              <a:ext uri="{FF2B5EF4-FFF2-40B4-BE49-F238E27FC236}">
+                <a16:creationId xmlns:a16="http://schemas.microsoft.com/office/drawing/2014/main" id="{D5A8C5B0-BC37-0A64-9412-8C506A465311}"/>
+              </a:ext>
+            </a:extLst>
+          </p:cNvPr>
+          <p:cNvSpPr txBox="1"/>
+          <p:nvPr/>
+        </p:nvSpPr>
+        <p:spPr>
+          <a:xfrm>
+            <a:off x="1072542" y="5326803"/>
+            <a:ext cx="2110495" cy="307777"/>
+          </a:xfrm>
+          <a:prstGeom prst="rect">
+            <a:avLst/>
+          </a:prstGeom>
+          <a:solidFill>
+            <a:srgbClr val="F2F2F2"/>
+          </a:solidFill>
+        </p:spPr>
+        <p:txBody>
+          <a:bodyPr wrap="square" rtlCol="0">
+            <a:spAutoFit/>
+          </a:bodyPr>
+          <a:lstStyle/>
+          <a:p>
+            <a:r>
+              <a:rPr lang="de-DE" sz="1400" dirty="0">
+                <a:solidFill>
+                  <a:srgbClr val="267326"/>
+                </a:solidFill>
+                <a:latin typeface="LM Roman 10" pitchFamily="2" charset="77"/>
+                <a:cs typeface="Didot" panose="02000503000000020003" pitchFamily="2" charset="-79"/>
+              </a:rPr>
+              <a:t>1) Konzeptuelle Phase</a:t>
+            </a:r>
+            <a:endParaRPr lang="en-US" sz="1400" dirty="0">
+              <a:solidFill>
+                <a:srgbClr val="267326"/>
+              </a:solidFill>
+              <a:latin typeface="LM Roman 10" pitchFamily="2" charset="77"/>
+              <a:cs typeface="Didot" panose="02000503000000020003" pitchFamily="2" charset="-79"/>
+            </a:endParaRPr>
+          </a:p>
+        </p:txBody>
+      </p:sp>
+      <p:sp>
+        <p:nvSpPr>
+          <p:cNvPr id="16" name="Textfeld 15">
+            <a:extLst>
+              <a:ext uri="{FF2B5EF4-FFF2-40B4-BE49-F238E27FC236}">
+                <a16:creationId xmlns:a16="http://schemas.microsoft.com/office/drawing/2014/main" id="{F0D1B2F8-9C8B-292F-AA60-FD23A1D1C222}"/>
+              </a:ext>
+            </a:extLst>
+          </p:cNvPr>
+          <p:cNvSpPr txBox="1"/>
+          <p:nvPr/>
+        </p:nvSpPr>
+        <p:spPr>
+          <a:xfrm>
+            <a:off x="6397152" y="2168869"/>
+            <a:ext cx="815340" cy="338554"/>
+          </a:xfrm>
+          <a:prstGeom prst="rect">
+            <a:avLst/>
+          </a:prstGeom>
+          <a:noFill/>
+        </p:spPr>
+        <p:txBody>
+          <a:bodyPr wrap="square" rtlCol="0">
+            <a:spAutoFit/>
+          </a:bodyPr>
+          <a:lstStyle/>
+          <a:p>
+            <a:r>
+              <a:rPr lang="de-DE" sz="1600" dirty="0">
+                <a:solidFill>
+                  <a:srgbClr val="267326"/>
+                </a:solidFill>
+                <a:latin typeface="LM Roman 10" pitchFamily="2" charset="77"/>
+                <a:cs typeface="Didot" panose="02000503000000020003" pitchFamily="2" charset="-79"/>
+              </a:rPr>
+              <a:t>Wissen</a:t>
+            </a:r>
+            <a:endParaRPr lang="de-DE" dirty="0">
+              <a:solidFill>
+                <a:srgbClr val="267326"/>
+              </a:solidFill>
+            </a:endParaRPr>
+          </a:p>
+        </p:txBody>
+      </p:sp>
+      <p:sp>
+        <p:nvSpPr>
+          <p:cNvPr id="6" name="Textfeld 5">
+            <a:extLst>
+              <a:ext uri="{FF2B5EF4-FFF2-40B4-BE49-F238E27FC236}">
+                <a16:creationId xmlns:a16="http://schemas.microsoft.com/office/drawing/2014/main" id="{C28DF3AD-FC15-E9FD-04C1-7AE7A0610C4E}"/>
+              </a:ext>
+            </a:extLst>
+          </p:cNvPr>
+          <p:cNvSpPr txBox="1"/>
+          <p:nvPr/>
+        </p:nvSpPr>
+        <p:spPr>
+          <a:xfrm>
+            <a:off x="3126631" y="4404153"/>
+            <a:ext cx="896142" cy="369332"/>
+          </a:xfrm>
+          <a:prstGeom prst="rect">
+            <a:avLst/>
+          </a:prstGeom>
+          <a:noFill/>
+        </p:spPr>
+        <p:txBody>
+          <a:bodyPr wrap="square" rtlCol="0">
+            <a:spAutoFit/>
+          </a:bodyPr>
+          <a:lstStyle/>
+          <a:p>
+            <a:r>
+              <a:rPr lang="de-DE" sz="1800" dirty="0">
+                <a:solidFill>
+                  <a:srgbClr val="267326"/>
+                </a:solidFill>
+                <a:latin typeface="LM Roman 10" pitchFamily="2" charset="77"/>
+                <a:cs typeface="Didot" panose="02000503000000020003" pitchFamily="2" charset="-79"/>
+              </a:rPr>
+              <a:t>Anlass</a:t>
+            </a:r>
+            <a:endParaRPr lang="de-DE" dirty="0">
+              <a:solidFill>
+                <a:srgbClr val="267326"/>
+              </a:solidFill>
+            </a:endParaRPr>
+          </a:p>
+        </p:txBody>
+      </p:sp>
+    </p:spTree>
+    <p:extLst>
+      <p:ext uri="{BB962C8B-B14F-4D97-AF65-F5344CB8AC3E}">
+        <p14:creationId xmlns:p14="http://schemas.microsoft.com/office/powerpoint/2010/main" val="1943584802"/>
+      </p:ext>
+    </p:extLst>
+  </p:cSld>
+  <p:clrMapOvr>
+    <a:masterClrMapping/>
+  </p:clrMapOvr>
+</p:sld>
+</file>
+
+<file path=ppt/slides/slide7.xml><?xml version="1.0" encoding="utf-8"?>
+<p:sld xmlns:a="http://schemas.openxmlformats.org/drawingml/2006/main" xmlns:r="http://schemas.openxmlformats.org/officeDocument/2006/relationships" xmlns:p="http://schemas.openxmlformats.org/presentationml/2006/main">
+  <p:cSld>
+    <p:spTree>
+      <p:nvGrpSpPr>
+        <p:cNvPr id="1" name=""/>
+        <p:cNvGrpSpPr/>
+        <p:nvPr/>
+      </p:nvGrpSpPr>
+      <p:grpSpPr>
+        <a:xfrm>
+          <a:off x="0" y="0"/>
+          <a:ext cx="0" cy="0"/>
+          <a:chOff x="0" y="0"/>
+          <a:chExt cx="0" cy="0"/>
+        </a:xfrm>
+      </p:grpSpPr>
+      <p:sp>
+        <p:nvSpPr>
+          <p:cNvPr id="4" name="Rectangle: Rounded Corners 3">
+            <a:extLst>
+              <a:ext uri="{FF2B5EF4-FFF2-40B4-BE49-F238E27FC236}">
+                <a16:creationId xmlns:a16="http://schemas.microsoft.com/office/drawing/2014/main" id="{2D443806-1B78-F60A-17BD-3154C6BDE4EA}"/>
+              </a:ext>
+            </a:extLst>
+          </p:cNvPr>
+          <p:cNvSpPr/>
+          <p:nvPr/>
+        </p:nvSpPr>
+        <p:spPr>
+          <a:xfrm>
+            <a:off x="90197" y="149290"/>
+            <a:ext cx="12011608" cy="6559420"/>
+          </a:xfrm>
+          <a:prstGeom prst="roundRect">
+            <a:avLst>
+              <a:gd name="adj" fmla="val 2087"/>
+            </a:avLst>
+          </a:prstGeom>
+          <a:noFill/>
+          <a:ln>
+            <a:solidFill>
+              <a:srgbClr val="267326"/>
+            </a:solidFill>
+            <a:prstDash val="dash"/>
+            <a:extLst>
+              <a:ext uri="{C807C97D-BFC1-408E-A445-0C87EB9F89A2}">
+                <ask:lineSketchStyleProps xmlns:ask="http://schemas.microsoft.com/office/drawing/2018/sketchyshapes" sd="1219033472">
+                  <a:custGeom>
+                    <a:avLst/>
+                    <a:gdLst>
+                      <a:gd name="connsiteX0" fmla="*/ 0 w 12011608"/>
+                      <a:gd name="connsiteY0" fmla="*/ 1093259 h 6559420"/>
+                      <a:gd name="connsiteX1" fmla="*/ 1093259 w 12011608"/>
+                      <a:gd name="connsiteY1" fmla="*/ 0 h 6559420"/>
+                      <a:gd name="connsiteX2" fmla="*/ 10918349 w 12011608"/>
+                      <a:gd name="connsiteY2" fmla="*/ 0 h 6559420"/>
+                      <a:gd name="connsiteX3" fmla="*/ 12011608 w 12011608"/>
+                      <a:gd name="connsiteY3" fmla="*/ 1093259 h 6559420"/>
+                      <a:gd name="connsiteX4" fmla="*/ 12011608 w 12011608"/>
+                      <a:gd name="connsiteY4" fmla="*/ 5466161 h 6559420"/>
+                      <a:gd name="connsiteX5" fmla="*/ 10918349 w 12011608"/>
+                      <a:gd name="connsiteY5" fmla="*/ 6559420 h 6559420"/>
+                      <a:gd name="connsiteX6" fmla="*/ 1093259 w 12011608"/>
+                      <a:gd name="connsiteY6" fmla="*/ 6559420 h 6559420"/>
+                      <a:gd name="connsiteX7" fmla="*/ 0 w 12011608"/>
+                      <a:gd name="connsiteY7" fmla="*/ 5466161 h 6559420"/>
+                      <a:gd name="connsiteX8" fmla="*/ 0 w 12011608"/>
+                      <a:gd name="connsiteY8" fmla="*/ 1093259 h 6559420"/>
+                    </a:gdLst>
+                    <a:ahLst/>
+                    <a:cxnLst>
+                      <a:cxn ang="0">
+                        <a:pos x="connsiteX0" y="connsiteY0"/>
+                      </a:cxn>
+                      <a:cxn ang="0">
+                        <a:pos x="connsiteX1" y="connsiteY1"/>
+                      </a:cxn>
+                      <a:cxn ang="0">
+                        <a:pos x="connsiteX2" y="connsiteY2"/>
+                      </a:cxn>
+                      <a:cxn ang="0">
+                        <a:pos x="connsiteX3" y="connsiteY3"/>
+                      </a:cxn>
+                      <a:cxn ang="0">
+                        <a:pos x="connsiteX4" y="connsiteY4"/>
+                      </a:cxn>
+                      <a:cxn ang="0">
+                        <a:pos x="connsiteX5" y="connsiteY5"/>
+                      </a:cxn>
+                      <a:cxn ang="0">
+                        <a:pos x="connsiteX6" y="connsiteY6"/>
+                      </a:cxn>
+                      <a:cxn ang="0">
+                        <a:pos x="connsiteX7" y="connsiteY7"/>
+                      </a:cxn>
+                      <a:cxn ang="0">
+                        <a:pos x="connsiteX8" y="connsiteY8"/>
+                      </a:cxn>
+                    </a:cxnLst>
+                    <a:rect l="l" t="t" r="r" b="b"/>
+                    <a:pathLst>
+                      <a:path w="12011608" h="6559420" extrusionOk="0">
+                        <a:moveTo>
+                          <a:pt x="0" y="1093259"/>
+                        </a:moveTo>
+                        <a:cubicBezTo>
+                          <a:pt x="-7845" y="484630"/>
+                          <a:pt x="467865" y="8108"/>
+                          <a:pt x="1093259" y="0"/>
+                        </a:cubicBezTo>
+                        <a:cubicBezTo>
+                          <a:pt x="4384189" y="132882"/>
+                          <a:pt x="7819229" y="-84951"/>
+                          <a:pt x="10918349" y="0"/>
+                        </a:cubicBezTo>
+                        <a:cubicBezTo>
+                          <a:pt x="11473475" y="47523"/>
+                          <a:pt x="11990134" y="608160"/>
+                          <a:pt x="12011608" y="1093259"/>
+                        </a:cubicBezTo>
+                        <a:cubicBezTo>
+                          <a:pt x="12031795" y="2900874"/>
+                          <a:pt x="12164088" y="4134857"/>
+                          <a:pt x="12011608" y="5466161"/>
+                        </a:cubicBezTo>
+                        <a:cubicBezTo>
+                          <a:pt x="12036918" y="6072954"/>
+                          <a:pt x="11571857" y="6457101"/>
+                          <a:pt x="10918349" y="6559420"/>
+                        </a:cubicBezTo>
+                        <a:cubicBezTo>
+                          <a:pt x="9602557" y="6647059"/>
+                          <a:pt x="3354151" y="6486741"/>
+                          <a:pt x="1093259" y="6559420"/>
+                        </a:cubicBezTo>
+                        <a:cubicBezTo>
+                          <a:pt x="482666" y="6494544"/>
+                          <a:pt x="-19749" y="6097396"/>
+                          <a:pt x="0" y="5466161"/>
+                        </a:cubicBezTo>
+                        <a:cubicBezTo>
+                          <a:pt x="-38581" y="3816704"/>
+                          <a:pt x="63341" y="3160269"/>
+                          <a:pt x="0" y="1093259"/>
+                        </a:cubicBezTo>
+                        <a:close/>
+                      </a:path>
+                    </a:pathLst>
+                  </a:custGeom>
+                  <ask:type>
+                    <ask:lineSketchNone/>
+                  </ask:type>
+                </ask:lineSketchStyleProps>
+              </a:ext>
+            </a:extLst>
+          </a:ln>
+        </p:spPr>
+        <p:style>
+          <a:lnRef idx="2">
+            <a:schemeClr val="accent1">
+              <a:shade val="50000"/>
+            </a:schemeClr>
+          </a:lnRef>
+          <a:fillRef idx="1">
+            <a:schemeClr val="accent1"/>
+          </a:fillRef>
+          <a:effectRef idx="0">
+            <a:schemeClr val="accent1"/>
+          </a:effectRef>
+          <a:fontRef idx="minor">
+            <a:schemeClr val="lt1"/>
+          </a:fontRef>
+        </p:style>
+        <p:txBody>
+          <a:bodyPr rtlCol="0" anchor="ctr"/>
+          <a:lstStyle/>
+          <a:p>
+            <a:pPr algn="ctr"/>
+            <a:endParaRPr lang="en-US" dirty="0">
+              <a:solidFill>
+                <a:srgbClr val="267326"/>
+              </a:solidFill>
+              <a:latin typeface="LM Roman 10" pitchFamily="2" charset="77"/>
+              <a:cs typeface="Didot" panose="02000503000000020003" pitchFamily="2" charset="-79"/>
+            </a:endParaRPr>
+          </a:p>
+        </p:txBody>
+      </p:sp>
+      <p:sp>
+        <p:nvSpPr>
+          <p:cNvPr id="9" name="TextBox 8">
+            <a:extLst>
+              <a:ext uri="{FF2B5EF4-FFF2-40B4-BE49-F238E27FC236}">
+                <a16:creationId xmlns:a16="http://schemas.microsoft.com/office/drawing/2014/main" id="{54F6159C-C000-718D-1CB8-474645C5C703}"/>
+              </a:ext>
+            </a:extLst>
+          </p:cNvPr>
+          <p:cNvSpPr txBox="1"/>
+          <p:nvPr/>
+        </p:nvSpPr>
+        <p:spPr>
+          <a:xfrm>
+            <a:off x="153174" y="153425"/>
+            <a:ext cx="2820003" cy="338554"/>
+          </a:xfrm>
+          <a:prstGeom prst="rect">
+            <a:avLst/>
+          </a:prstGeom>
+          <a:noFill/>
+        </p:spPr>
+        <p:txBody>
+          <a:bodyPr wrap="none" rtlCol="0">
+            <a:spAutoFit/>
+          </a:bodyPr>
+          <a:lstStyle/>
+          <a:p>
+            <a:r>
+              <a:rPr lang="de-DE" sz="1600" dirty="0">
+                <a:solidFill>
+                  <a:srgbClr val="267326"/>
+                </a:solidFill>
+                <a:latin typeface="LM Roman 10" pitchFamily="2" charset="77"/>
+                <a:cs typeface="Didot" panose="02000503000000020003" pitchFamily="2" charset="-79"/>
+              </a:rPr>
+              <a:t>Charakteristika der Kontexte</a:t>
+            </a:r>
+            <a:endParaRPr lang="en-US" dirty="0">
+              <a:solidFill>
+                <a:srgbClr val="267326"/>
+              </a:solidFill>
+              <a:latin typeface="LM Roman 10" pitchFamily="2" charset="77"/>
+              <a:cs typeface="Didot" panose="02000503000000020003" pitchFamily="2" charset="-79"/>
+            </a:endParaRPr>
+          </a:p>
+        </p:txBody>
+      </p:sp>
+      <p:sp>
+        <p:nvSpPr>
+          <p:cNvPr id="13" name="Oval 12">
+            <a:extLst>
+              <a:ext uri="{FF2B5EF4-FFF2-40B4-BE49-F238E27FC236}">
+                <a16:creationId xmlns:a16="http://schemas.microsoft.com/office/drawing/2014/main" id="{1D8693F1-4AF6-B64B-4F0A-B464A18041CC}"/>
+              </a:ext>
+            </a:extLst>
+          </p:cNvPr>
+          <p:cNvSpPr/>
+          <p:nvPr/>
+        </p:nvSpPr>
+        <p:spPr>
+          <a:xfrm>
+            <a:off x="2759362" y="4212309"/>
+            <a:ext cx="1630680" cy="754380"/>
+          </a:xfrm>
+          <a:prstGeom prst="ellipse">
+            <a:avLst/>
+          </a:prstGeom>
+          <a:solidFill>
+            <a:srgbClr val="F2F2F2"/>
+          </a:solidFill>
+          <a:ln>
+            <a:solidFill>
+              <a:srgbClr val="267326"/>
+            </a:solidFill>
+          </a:ln>
+          <a:effectLst>
+            <a:outerShdw blurRad="50800" dist="38100" dir="2700000" algn="tl" rotWithShape="0">
+              <a:prstClr val="black">
+                <a:alpha val="40000"/>
+              </a:prstClr>
+            </a:outerShdw>
+          </a:effectLst>
+        </p:spPr>
+        <p:style>
+          <a:lnRef idx="2">
+            <a:schemeClr val="accent1">
+              <a:shade val="50000"/>
+            </a:schemeClr>
+          </a:lnRef>
+          <a:fillRef idx="1">
+            <a:schemeClr val="accent1"/>
+          </a:fillRef>
+          <a:effectRef idx="0">
+            <a:schemeClr val="accent1"/>
+          </a:effectRef>
+          <a:fontRef idx="minor">
+            <a:schemeClr val="lt1"/>
+          </a:fontRef>
+        </p:style>
+        <p:txBody>
+          <a:bodyPr rtlCol="0" anchor="ctr"/>
+          <a:lstStyle/>
+          <a:p>
+            <a:pPr algn="ctr"/>
+            <a:r>
+              <a:rPr lang="de-DE" dirty="0">
+                <a:solidFill>
+                  <a:srgbClr val="267326"/>
+                </a:solidFill>
+                <a:latin typeface="LM Roman 10" pitchFamily="2" charset="77"/>
+                <a:cs typeface="Didot" panose="02000503000000020003" pitchFamily="2" charset="-79"/>
+              </a:rPr>
+              <a:t> </a:t>
+            </a:r>
+            <a:endParaRPr lang="en-US" dirty="0">
+              <a:solidFill>
+                <a:srgbClr val="267326"/>
+              </a:solidFill>
+              <a:latin typeface="LM Roman 10" pitchFamily="2" charset="77"/>
+              <a:cs typeface="Didot" panose="02000503000000020003" pitchFamily="2" charset="-79"/>
+            </a:endParaRPr>
+          </a:p>
+        </p:txBody>
+      </p:sp>
+      <p:sp>
+        <p:nvSpPr>
+          <p:cNvPr id="14" name="Oval 13">
+            <a:extLst>
+              <a:ext uri="{FF2B5EF4-FFF2-40B4-BE49-F238E27FC236}">
+                <a16:creationId xmlns:a16="http://schemas.microsoft.com/office/drawing/2014/main" id="{2A14B365-C792-8A6C-8E80-FF83C67B5D55}"/>
+              </a:ext>
+            </a:extLst>
+          </p:cNvPr>
+          <p:cNvSpPr/>
+          <p:nvPr/>
+        </p:nvSpPr>
+        <p:spPr>
+          <a:xfrm>
+            <a:off x="4390042" y="3088597"/>
+            <a:ext cx="1630680" cy="754380"/>
+          </a:xfrm>
+          <a:prstGeom prst="ellipse">
+            <a:avLst/>
+          </a:prstGeom>
+          <a:solidFill>
+            <a:srgbClr val="F2F2F2"/>
+          </a:solidFill>
+          <a:ln>
+            <a:solidFill>
+              <a:srgbClr val="267326"/>
+            </a:solidFill>
+          </a:ln>
+          <a:effectLst>
+            <a:outerShdw blurRad="50800" dist="38100" dir="2700000" algn="tl" rotWithShape="0">
+              <a:prstClr val="black">
+                <a:alpha val="40000"/>
+              </a:prstClr>
+            </a:outerShdw>
+          </a:effectLst>
+        </p:spPr>
+        <p:style>
+          <a:lnRef idx="2">
+            <a:schemeClr val="accent1">
+              <a:shade val="50000"/>
+            </a:schemeClr>
+          </a:lnRef>
+          <a:fillRef idx="1">
+            <a:schemeClr val="accent1"/>
+          </a:fillRef>
+          <a:effectRef idx="0">
+            <a:schemeClr val="accent1"/>
+          </a:effectRef>
+          <a:fontRef idx="minor">
+            <a:schemeClr val="lt1"/>
+          </a:fontRef>
+        </p:style>
+        <p:txBody>
+          <a:bodyPr rtlCol="0" anchor="ctr"/>
+          <a:lstStyle/>
+          <a:p>
+            <a:pPr algn="ctr"/>
+            <a:r>
+              <a:rPr lang="de-DE" sz="1600" dirty="0">
+                <a:solidFill>
+                  <a:srgbClr val="267326"/>
+                </a:solidFill>
+                <a:latin typeface="LM Roman 10" pitchFamily="2" charset="77"/>
+                <a:cs typeface="Didot" panose="02000503000000020003" pitchFamily="2" charset="-79"/>
+              </a:rPr>
+              <a:t>Evidenz</a:t>
+            </a:r>
+            <a:endParaRPr lang="en-US" dirty="0">
+              <a:solidFill>
+                <a:srgbClr val="267326"/>
+              </a:solidFill>
+              <a:latin typeface="LM Roman 10" pitchFamily="2" charset="77"/>
+              <a:cs typeface="Didot" panose="02000503000000020003" pitchFamily="2" charset="-79"/>
+            </a:endParaRPr>
+          </a:p>
+        </p:txBody>
+      </p:sp>
+      <p:sp>
+        <p:nvSpPr>
+          <p:cNvPr id="15" name="Oval 14">
+            <a:extLst>
+              <a:ext uri="{FF2B5EF4-FFF2-40B4-BE49-F238E27FC236}">
+                <a16:creationId xmlns:a16="http://schemas.microsoft.com/office/drawing/2014/main" id="{97DAF1C8-8BF6-B122-BD80-962768DA66B4}"/>
+              </a:ext>
+            </a:extLst>
+          </p:cNvPr>
+          <p:cNvSpPr/>
+          <p:nvPr/>
+        </p:nvSpPr>
+        <p:spPr>
+          <a:xfrm>
+            <a:off x="6020722" y="1964885"/>
+            <a:ext cx="1630680" cy="754380"/>
+          </a:xfrm>
+          <a:prstGeom prst="ellipse">
+            <a:avLst/>
+          </a:prstGeom>
+          <a:solidFill>
+            <a:srgbClr val="F2F2F2"/>
+          </a:solidFill>
+          <a:ln>
+            <a:solidFill>
+              <a:srgbClr val="267326"/>
+            </a:solidFill>
+          </a:ln>
+          <a:effectLst>
+            <a:outerShdw blurRad="50800" dist="38100" dir="2700000" algn="tl" rotWithShape="0">
+              <a:prstClr val="black">
+                <a:alpha val="40000"/>
+              </a:prstClr>
+            </a:outerShdw>
+          </a:effectLst>
+        </p:spPr>
+        <p:style>
+          <a:lnRef idx="2">
+            <a:schemeClr val="accent1">
+              <a:shade val="50000"/>
+            </a:schemeClr>
+          </a:lnRef>
+          <a:fillRef idx="1">
+            <a:schemeClr val="accent1"/>
+          </a:fillRef>
+          <a:effectRef idx="0">
+            <a:schemeClr val="accent1"/>
+          </a:effectRef>
+          <a:fontRef idx="minor">
+            <a:schemeClr val="lt1"/>
+          </a:fontRef>
+        </p:style>
+        <p:txBody>
+          <a:bodyPr rtlCol="0" anchor="ctr"/>
+          <a:lstStyle/>
+          <a:p>
+            <a:pPr algn="ctr"/>
+            <a:endParaRPr lang="en-US" sz="1600" dirty="0">
+              <a:solidFill>
+                <a:srgbClr val="267326"/>
+              </a:solidFill>
+              <a:latin typeface="LM Roman 10" pitchFamily="2" charset="77"/>
+              <a:cs typeface="Didot" panose="02000503000000020003" pitchFamily="2" charset="-79"/>
+            </a:endParaRPr>
+          </a:p>
+        </p:txBody>
+      </p:sp>
+      <p:cxnSp>
+        <p:nvCxnSpPr>
+          <p:cNvPr id="20" name="Connector: Curved 19">
+            <a:extLst>
+              <a:ext uri="{FF2B5EF4-FFF2-40B4-BE49-F238E27FC236}">
+                <a16:creationId xmlns:a16="http://schemas.microsoft.com/office/drawing/2014/main" id="{9D08A355-1BFF-B13D-EABD-1944CF8A7E31}"/>
+              </a:ext>
+            </a:extLst>
+          </p:cNvPr>
+          <p:cNvCxnSpPr>
+            <a:cxnSpLocks/>
+            <a:stCxn id="13" idx="0"/>
+            <a:endCxn id="14" idx="2"/>
+          </p:cNvCxnSpPr>
+          <p:nvPr/>
+        </p:nvCxnSpPr>
+        <p:spPr>
+          <a:xfrm rot="5400000" flipH="1" flipV="1">
+            <a:off x="3609111" y="3431378"/>
+            <a:ext cx="746522" cy="815340"/>
+          </a:xfrm>
+          <a:prstGeom prst="curvedConnector2">
+            <a:avLst/>
+          </a:prstGeom>
+          <a:ln w="34925">
+            <a:solidFill>
+              <a:srgbClr val="267326"/>
+            </a:solidFill>
+            <a:tailEnd type="triangle"/>
+          </a:ln>
+        </p:spPr>
+        <p:style>
+          <a:lnRef idx="1">
+            <a:schemeClr val="accent1"/>
+          </a:lnRef>
+          <a:fillRef idx="0">
+            <a:schemeClr val="accent1"/>
+          </a:fillRef>
+          <a:effectRef idx="0">
+            <a:schemeClr val="accent1"/>
+          </a:effectRef>
+          <a:fontRef idx="minor">
+            <a:schemeClr val="tx1"/>
+          </a:fontRef>
+        </p:style>
+      </p:cxnSp>
+      <p:cxnSp>
+        <p:nvCxnSpPr>
+          <p:cNvPr id="23" name="Connector: Curved 22">
+            <a:extLst>
+              <a:ext uri="{FF2B5EF4-FFF2-40B4-BE49-F238E27FC236}">
+                <a16:creationId xmlns:a16="http://schemas.microsoft.com/office/drawing/2014/main" id="{C576A603-F83F-F3F0-AD46-5F1BC4B64A9E}"/>
+              </a:ext>
+            </a:extLst>
+          </p:cNvPr>
+          <p:cNvCxnSpPr>
+            <a:cxnSpLocks/>
+            <a:stCxn id="14" idx="0"/>
+            <a:endCxn id="15" idx="2"/>
+          </p:cNvCxnSpPr>
+          <p:nvPr/>
+        </p:nvCxnSpPr>
+        <p:spPr>
+          <a:xfrm rot="5400000" flipH="1" flipV="1">
+            <a:off x="5239791" y="2307666"/>
+            <a:ext cx="746522" cy="815340"/>
+          </a:xfrm>
+          <a:prstGeom prst="curvedConnector2">
+            <a:avLst/>
+          </a:prstGeom>
+          <a:ln w="34925">
+            <a:solidFill>
+              <a:srgbClr val="267326"/>
+            </a:solidFill>
+            <a:tailEnd type="triangle"/>
+          </a:ln>
+        </p:spPr>
+        <p:style>
+          <a:lnRef idx="1">
+            <a:schemeClr val="accent1"/>
+          </a:lnRef>
+          <a:fillRef idx="0">
+            <a:schemeClr val="accent1"/>
+          </a:fillRef>
+          <a:effectRef idx="0">
+            <a:schemeClr val="accent1"/>
+          </a:effectRef>
+          <a:fontRef idx="minor">
+            <a:schemeClr val="tx1"/>
+          </a:fontRef>
+        </p:style>
+      </p:cxnSp>
+      <p:sp>
+        <p:nvSpPr>
+          <p:cNvPr id="26" name="Oval 25">
+            <a:extLst>
+              <a:ext uri="{FF2B5EF4-FFF2-40B4-BE49-F238E27FC236}">
+                <a16:creationId xmlns:a16="http://schemas.microsoft.com/office/drawing/2014/main" id="{E3DC8A4E-1508-5E72-013D-97FAFDC90495}"/>
+              </a:ext>
+            </a:extLst>
+          </p:cNvPr>
+          <p:cNvSpPr/>
+          <p:nvPr/>
+        </p:nvSpPr>
+        <p:spPr>
+          <a:xfrm>
+            <a:off x="8944559" y="1960956"/>
+            <a:ext cx="1630680" cy="754380"/>
+          </a:xfrm>
+          <a:prstGeom prst="ellipse">
+            <a:avLst/>
+          </a:prstGeom>
+          <a:solidFill>
+            <a:srgbClr val="F2F2F2"/>
+          </a:solidFill>
+          <a:ln>
+            <a:solidFill>
+              <a:srgbClr val="267326"/>
+            </a:solidFill>
+          </a:ln>
+          <a:effectLst>
+            <a:outerShdw blurRad="50800" dist="38100" dir="2700000" algn="tl" rotWithShape="0">
+              <a:prstClr val="black">
+                <a:alpha val="40000"/>
+              </a:prstClr>
+            </a:outerShdw>
+          </a:effectLst>
+        </p:spPr>
+        <p:style>
+          <a:lnRef idx="2">
+            <a:schemeClr val="accent1">
+              <a:shade val="50000"/>
+            </a:schemeClr>
+          </a:lnRef>
+          <a:fillRef idx="1">
+            <a:schemeClr val="accent1"/>
+          </a:fillRef>
+          <a:effectRef idx="0">
+            <a:schemeClr val="accent1"/>
+          </a:effectRef>
+          <a:fontRef idx="minor">
+            <a:schemeClr val="lt1"/>
+          </a:fontRef>
+        </p:style>
+        <p:txBody>
+          <a:bodyPr rtlCol="0" anchor="ctr"/>
+          <a:lstStyle/>
+          <a:p>
+            <a:pPr algn="ctr"/>
+            <a:endParaRPr lang="en-US" dirty="0">
+              <a:solidFill>
+                <a:srgbClr val="267326"/>
+              </a:solidFill>
+              <a:latin typeface="LM Roman 10" pitchFamily="2" charset="77"/>
+              <a:cs typeface="Didot" panose="02000503000000020003" pitchFamily="2" charset="-79"/>
+            </a:endParaRPr>
+          </a:p>
+        </p:txBody>
+      </p:sp>
+      <p:sp>
+        <p:nvSpPr>
+          <p:cNvPr id="27" name="Oval 26">
+            <a:extLst>
+              <a:ext uri="{FF2B5EF4-FFF2-40B4-BE49-F238E27FC236}">
+                <a16:creationId xmlns:a16="http://schemas.microsoft.com/office/drawing/2014/main" id="{72AF60ED-4044-E5E5-F9E9-64C7593F7CC0}"/>
+              </a:ext>
+            </a:extLst>
+          </p:cNvPr>
+          <p:cNvSpPr/>
+          <p:nvPr/>
+        </p:nvSpPr>
+        <p:spPr>
+          <a:xfrm>
+            <a:off x="8944559" y="4212309"/>
+            <a:ext cx="1630680" cy="754380"/>
+          </a:xfrm>
+          <a:prstGeom prst="ellipse">
+            <a:avLst/>
+          </a:prstGeom>
+          <a:solidFill>
+            <a:srgbClr val="F2F2F2"/>
+          </a:solidFill>
+          <a:ln>
+            <a:solidFill>
+              <a:srgbClr val="267326"/>
+            </a:solidFill>
+          </a:ln>
+          <a:effectLst>
+            <a:outerShdw blurRad="50800" dist="38100" dir="2700000" algn="tl" rotWithShape="0">
+              <a:prstClr val="black">
+                <a:alpha val="40000"/>
+              </a:prstClr>
+            </a:outerShdw>
+          </a:effectLst>
+        </p:spPr>
+        <p:style>
+          <a:lnRef idx="2">
+            <a:schemeClr val="accent1">
+              <a:shade val="50000"/>
+            </a:schemeClr>
+          </a:lnRef>
+          <a:fillRef idx="1">
+            <a:schemeClr val="accent1"/>
+          </a:fillRef>
+          <a:effectRef idx="0">
+            <a:schemeClr val="accent1"/>
+          </a:effectRef>
+          <a:fontRef idx="minor">
+            <a:schemeClr val="lt1"/>
+          </a:fontRef>
+        </p:style>
+        <p:txBody>
+          <a:bodyPr rtlCol="0" anchor="ctr"/>
+          <a:lstStyle/>
+          <a:p>
+            <a:pPr algn="ctr"/>
+            <a:r>
+              <a:rPr lang="de-DE" sz="1600" dirty="0">
+                <a:solidFill>
+                  <a:srgbClr val="267326"/>
+                </a:solidFill>
+                <a:latin typeface="LM Roman 10" pitchFamily="2" charset="77"/>
+                <a:cs typeface="Didot" panose="02000503000000020003" pitchFamily="2" charset="-79"/>
+              </a:rPr>
+              <a:t>Ergebnisse</a:t>
+            </a:r>
+            <a:endParaRPr lang="en-US" sz="1600" dirty="0">
+              <a:solidFill>
+                <a:srgbClr val="267326"/>
+              </a:solidFill>
+              <a:latin typeface="LM Roman 10" pitchFamily="2" charset="77"/>
+              <a:cs typeface="Didot" panose="02000503000000020003" pitchFamily="2" charset="-79"/>
+            </a:endParaRPr>
+          </a:p>
+        </p:txBody>
+      </p:sp>
+      <p:cxnSp>
+        <p:nvCxnSpPr>
+          <p:cNvPr id="32" name="Straight Arrow Connector 31">
+            <a:extLst>
+              <a:ext uri="{FF2B5EF4-FFF2-40B4-BE49-F238E27FC236}">
+                <a16:creationId xmlns:a16="http://schemas.microsoft.com/office/drawing/2014/main" id="{166579B7-9EB5-A37B-D7D0-0EEC0B6803AE}"/>
+              </a:ext>
+            </a:extLst>
+          </p:cNvPr>
+          <p:cNvCxnSpPr>
+            <a:cxnSpLocks/>
+            <a:stCxn id="15" idx="6"/>
+            <a:endCxn id="26" idx="2"/>
+          </p:cNvCxnSpPr>
+          <p:nvPr/>
+        </p:nvCxnSpPr>
+        <p:spPr>
+          <a:xfrm flipV="1">
+            <a:off x="7651402" y="2338146"/>
+            <a:ext cx="1293157" cy="3929"/>
+          </a:xfrm>
+          <a:prstGeom prst="straightConnector1">
+            <a:avLst/>
+          </a:prstGeom>
+          <a:ln w="34925">
+            <a:solidFill>
+              <a:srgbClr val="267326"/>
+            </a:solidFill>
+            <a:tailEnd type="triangle"/>
+          </a:ln>
+        </p:spPr>
+        <p:style>
+          <a:lnRef idx="1">
+            <a:schemeClr val="accent1"/>
+          </a:lnRef>
+          <a:fillRef idx="0">
+            <a:schemeClr val="accent1"/>
+          </a:fillRef>
+          <a:effectRef idx="0">
+            <a:schemeClr val="accent1"/>
+          </a:effectRef>
+          <a:fontRef idx="minor">
+            <a:schemeClr val="tx1"/>
+          </a:fontRef>
+        </p:style>
+      </p:cxnSp>
+      <p:cxnSp>
+        <p:nvCxnSpPr>
+          <p:cNvPr id="34" name="Straight Arrow Connector 33">
+            <a:extLst>
+              <a:ext uri="{FF2B5EF4-FFF2-40B4-BE49-F238E27FC236}">
+                <a16:creationId xmlns:a16="http://schemas.microsoft.com/office/drawing/2014/main" id="{49F8FCE9-625E-3019-9506-DB4366A32AC6}"/>
+              </a:ext>
+            </a:extLst>
+          </p:cNvPr>
+          <p:cNvCxnSpPr>
+            <a:cxnSpLocks/>
+            <a:stCxn id="26" idx="4"/>
+            <a:endCxn id="27" idx="0"/>
+          </p:cNvCxnSpPr>
+          <p:nvPr/>
+        </p:nvCxnSpPr>
+        <p:spPr>
+          <a:xfrm>
+            <a:off x="9759899" y="2715336"/>
+            <a:ext cx="0" cy="1496973"/>
+          </a:xfrm>
+          <a:prstGeom prst="straightConnector1">
+            <a:avLst/>
+          </a:prstGeom>
+          <a:ln w="34925">
+            <a:solidFill>
+              <a:srgbClr val="267326"/>
+            </a:solidFill>
+            <a:tailEnd type="triangle"/>
+          </a:ln>
+        </p:spPr>
+        <p:style>
+          <a:lnRef idx="1">
+            <a:schemeClr val="accent1"/>
+          </a:lnRef>
+          <a:fillRef idx="0">
+            <a:schemeClr val="accent1"/>
+          </a:fillRef>
+          <a:effectRef idx="0">
+            <a:schemeClr val="accent1"/>
+          </a:effectRef>
+          <a:fontRef idx="minor">
+            <a:schemeClr val="tx1"/>
+          </a:fontRef>
+        </p:style>
+      </p:cxnSp>
+      <p:cxnSp>
+        <p:nvCxnSpPr>
+          <p:cNvPr id="37" name="Straight Arrow Connector 36">
+            <a:extLst>
+              <a:ext uri="{FF2B5EF4-FFF2-40B4-BE49-F238E27FC236}">
+                <a16:creationId xmlns:a16="http://schemas.microsoft.com/office/drawing/2014/main" id="{55715120-9AEF-727F-AF81-D95E0E013E59}"/>
+              </a:ext>
+            </a:extLst>
+          </p:cNvPr>
+          <p:cNvCxnSpPr>
+            <a:cxnSpLocks/>
+            <a:stCxn id="27" idx="2"/>
+            <a:endCxn id="13" idx="6"/>
+          </p:cNvCxnSpPr>
+          <p:nvPr/>
+        </p:nvCxnSpPr>
+        <p:spPr>
+          <a:xfrm flipH="1">
+            <a:off x="4390042" y="4589499"/>
+            <a:ext cx="4554517" cy="0"/>
+          </a:xfrm>
+          <a:prstGeom prst="straightConnector1">
+            <a:avLst/>
+          </a:prstGeom>
+          <a:ln w="34925">
+            <a:solidFill>
+              <a:srgbClr val="267326"/>
+            </a:solidFill>
+            <a:tailEnd type="triangle"/>
+          </a:ln>
+        </p:spPr>
+        <p:style>
+          <a:lnRef idx="1">
+            <a:schemeClr val="accent1"/>
+          </a:lnRef>
+          <a:fillRef idx="0">
+            <a:schemeClr val="accent1"/>
+          </a:fillRef>
+          <a:effectRef idx="0">
+            <a:schemeClr val="accent1"/>
+          </a:effectRef>
+          <a:fontRef idx="minor">
+            <a:schemeClr val="tx1"/>
+          </a:fontRef>
+        </p:style>
+      </p:cxnSp>
+      <p:cxnSp>
+        <p:nvCxnSpPr>
+          <p:cNvPr id="40" name="Straight Arrow Connector 39">
+            <a:extLst>
+              <a:ext uri="{FF2B5EF4-FFF2-40B4-BE49-F238E27FC236}">
+                <a16:creationId xmlns:a16="http://schemas.microsoft.com/office/drawing/2014/main" id="{877155B9-7D29-7689-96CE-6ACB5D537AB5}"/>
+              </a:ext>
+            </a:extLst>
+          </p:cNvPr>
+          <p:cNvCxnSpPr>
+            <a:cxnSpLocks/>
+            <a:stCxn id="14" idx="4"/>
+          </p:cNvCxnSpPr>
+          <p:nvPr/>
+        </p:nvCxnSpPr>
+        <p:spPr>
+          <a:xfrm>
+            <a:off x="5205382" y="3842977"/>
+            <a:ext cx="0" cy="746522"/>
+          </a:xfrm>
+          <a:prstGeom prst="straightConnector1">
+            <a:avLst/>
+          </a:prstGeom>
+          <a:ln w="34925">
+            <a:solidFill>
+              <a:srgbClr val="267326"/>
+            </a:solidFill>
+            <a:tailEnd type="triangle"/>
+          </a:ln>
+        </p:spPr>
+        <p:style>
+          <a:lnRef idx="1">
+            <a:schemeClr val="accent1"/>
+          </a:lnRef>
+          <a:fillRef idx="0">
+            <a:schemeClr val="accent1"/>
+          </a:fillRef>
+          <a:effectRef idx="0">
+            <a:schemeClr val="accent1"/>
+          </a:effectRef>
+          <a:fontRef idx="minor">
+            <a:schemeClr val="tx1"/>
+          </a:fontRef>
+        </p:style>
+      </p:cxnSp>
+      <p:cxnSp>
+        <p:nvCxnSpPr>
+          <p:cNvPr id="43" name="Straight Arrow Connector 42">
+            <a:extLst>
+              <a:ext uri="{FF2B5EF4-FFF2-40B4-BE49-F238E27FC236}">
+                <a16:creationId xmlns:a16="http://schemas.microsoft.com/office/drawing/2014/main" id="{009A81FC-5496-1B64-61C2-0AACFC7477CD}"/>
+              </a:ext>
+            </a:extLst>
+          </p:cNvPr>
+          <p:cNvCxnSpPr>
+            <a:cxnSpLocks/>
+            <a:stCxn id="15" idx="4"/>
+          </p:cNvCxnSpPr>
+          <p:nvPr/>
+        </p:nvCxnSpPr>
+        <p:spPr>
+          <a:xfrm>
+            <a:off x="6836062" y="2719265"/>
+            <a:ext cx="0" cy="1870234"/>
+          </a:xfrm>
+          <a:prstGeom prst="straightConnector1">
+            <a:avLst/>
+          </a:prstGeom>
+          <a:ln w="34925">
+            <a:solidFill>
+              <a:srgbClr val="267326"/>
+            </a:solidFill>
+            <a:tailEnd type="triangle"/>
+          </a:ln>
+        </p:spPr>
+        <p:style>
+          <a:lnRef idx="1">
+            <a:schemeClr val="accent1"/>
+          </a:lnRef>
+          <a:fillRef idx="0">
+            <a:schemeClr val="accent1"/>
+          </a:fillRef>
+          <a:effectRef idx="0">
+            <a:schemeClr val="accent1"/>
+          </a:effectRef>
+          <a:fontRef idx="minor">
+            <a:schemeClr val="tx1"/>
+          </a:fontRef>
+        </p:style>
+      </p:cxnSp>
+      <p:sp>
+        <p:nvSpPr>
+          <p:cNvPr id="50" name="TextBox 49">
+            <a:extLst>
+              <a:ext uri="{FF2B5EF4-FFF2-40B4-BE49-F238E27FC236}">
+                <a16:creationId xmlns:a16="http://schemas.microsoft.com/office/drawing/2014/main" id="{7FD64F8A-ADAA-448E-7F19-BDDBEC30B4D5}"/>
+              </a:ext>
+            </a:extLst>
+          </p:cNvPr>
+          <p:cNvSpPr txBox="1"/>
+          <p:nvPr/>
+        </p:nvSpPr>
+        <p:spPr>
+          <a:xfrm>
+            <a:off x="8982929" y="1911106"/>
+            <a:ext cx="1553940" cy="854080"/>
+          </a:xfrm>
+          <a:prstGeom prst="rect">
+            <a:avLst/>
+          </a:prstGeom>
+          <a:noFill/>
+        </p:spPr>
+        <p:txBody>
+          <a:bodyPr wrap="square" rtlCol="0">
+            <a:spAutoFit/>
+          </a:bodyPr>
+          <a:lstStyle/>
+          <a:p>
+            <a:pPr algn="ctr"/>
+            <a:r>
+              <a:rPr lang="de-DE" sz="1600" dirty="0">
+                <a:solidFill>
+                  <a:srgbClr val="267326"/>
+                </a:solidFill>
+                <a:latin typeface="LM Roman 10" pitchFamily="2" charset="77"/>
+                <a:cs typeface="Didot" panose="02000503000000020003" pitchFamily="2" charset="-79"/>
+              </a:rPr>
+              <a:t>Nutzung</a:t>
+            </a:r>
+            <a:endParaRPr lang="de-DE" sz="2000" dirty="0">
+              <a:solidFill>
+                <a:srgbClr val="267326"/>
+              </a:solidFill>
+              <a:latin typeface="LM Roman 10" pitchFamily="2" charset="77"/>
+              <a:cs typeface="Didot" panose="02000503000000020003" pitchFamily="2" charset="-79"/>
+            </a:endParaRPr>
+          </a:p>
+          <a:p>
+            <a:pPr algn="ctr"/>
+            <a:r>
+              <a:rPr lang="de-DE" sz="1100" dirty="0">
+                <a:solidFill>
+                  <a:srgbClr val="267326"/>
+                </a:solidFill>
+                <a:latin typeface="LM Roman 10" pitchFamily="2" charset="77"/>
+                <a:cs typeface="Didot" panose="02000503000000020003" pitchFamily="2" charset="-79"/>
+              </a:rPr>
+              <a:t>instrumentell/</a:t>
+            </a:r>
+          </a:p>
+          <a:p>
+            <a:pPr algn="ctr"/>
+            <a:r>
+              <a:rPr lang="de-DE" sz="1100" dirty="0">
+                <a:solidFill>
+                  <a:srgbClr val="267326"/>
+                </a:solidFill>
+                <a:latin typeface="LM Roman 10" pitchFamily="2" charset="77"/>
+                <a:cs typeface="Didot" panose="02000503000000020003" pitchFamily="2" charset="-79"/>
+              </a:rPr>
+              <a:t>konzeptuell/</a:t>
+            </a:r>
+          </a:p>
+          <a:p>
+            <a:pPr algn="ctr"/>
+            <a:r>
+              <a:rPr lang="de-DE" sz="1100" dirty="0">
+                <a:solidFill>
+                  <a:srgbClr val="267326"/>
+                </a:solidFill>
+                <a:latin typeface="LM Roman 10" pitchFamily="2" charset="77"/>
+                <a:cs typeface="Didot" panose="02000503000000020003" pitchFamily="2" charset="-79"/>
+              </a:rPr>
+              <a:t>symbolisch</a:t>
+            </a:r>
+            <a:endParaRPr lang="en-US" sz="1100" dirty="0">
+              <a:solidFill>
+                <a:srgbClr val="267326"/>
+              </a:solidFill>
+              <a:latin typeface="LM Roman 10" pitchFamily="2" charset="77"/>
+              <a:cs typeface="Didot" panose="02000503000000020003" pitchFamily="2" charset="-79"/>
+            </a:endParaRPr>
+          </a:p>
+        </p:txBody>
+      </p:sp>
+      <p:sp>
+        <p:nvSpPr>
+          <p:cNvPr id="53" name="TextBox 52">
+            <a:extLst>
+              <a:ext uri="{FF2B5EF4-FFF2-40B4-BE49-F238E27FC236}">
+                <a16:creationId xmlns:a16="http://schemas.microsoft.com/office/drawing/2014/main" id="{029917AF-EE12-5D28-5562-0A98D90EB631}"/>
+              </a:ext>
+            </a:extLst>
+          </p:cNvPr>
+          <p:cNvSpPr txBox="1"/>
+          <p:nvPr/>
+        </p:nvSpPr>
+        <p:spPr>
+          <a:xfrm>
+            <a:off x="2929616" y="3795544"/>
+            <a:ext cx="1667307" cy="307777"/>
+          </a:xfrm>
+          <a:prstGeom prst="rect">
+            <a:avLst/>
+          </a:prstGeom>
+          <a:solidFill>
+            <a:srgbClr val="F2F2F2"/>
+          </a:solidFill>
+        </p:spPr>
+        <p:txBody>
+          <a:bodyPr wrap="square" rtlCol="0">
+            <a:spAutoFit/>
+          </a:bodyPr>
+          <a:lstStyle/>
+          <a:p>
+            <a:r>
+              <a:rPr lang="de-DE" sz="1400" dirty="0">
+                <a:solidFill>
+                  <a:srgbClr val="267326"/>
+                </a:solidFill>
+                <a:latin typeface="LM Roman 10" pitchFamily="2" charset="77"/>
+                <a:cs typeface="Didot" panose="02000503000000020003" pitchFamily="2" charset="-79"/>
+              </a:rPr>
+              <a:t>2) Zugriffsphase</a:t>
+            </a:r>
+            <a:endParaRPr lang="en-US" sz="1400" dirty="0">
+              <a:solidFill>
+                <a:srgbClr val="267326"/>
+              </a:solidFill>
+              <a:latin typeface="LM Roman 10" pitchFamily="2" charset="77"/>
+              <a:cs typeface="Didot" panose="02000503000000020003" pitchFamily="2" charset="-79"/>
+            </a:endParaRPr>
+          </a:p>
+        </p:txBody>
+      </p:sp>
+      <p:sp>
+        <p:nvSpPr>
+          <p:cNvPr id="54" name="TextBox 53">
+            <a:extLst>
+              <a:ext uri="{FF2B5EF4-FFF2-40B4-BE49-F238E27FC236}">
+                <a16:creationId xmlns:a16="http://schemas.microsoft.com/office/drawing/2014/main" id="{F4BF1643-F037-D0A5-7CD6-FB9BDE02E33D}"/>
+              </a:ext>
+            </a:extLst>
+          </p:cNvPr>
+          <p:cNvSpPr txBox="1"/>
+          <p:nvPr/>
+        </p:nvSpPr>
+        <p:spPr>
+          <a:xfrm>
+            <a:off x="4140586" y="2687489"/>
+            <a:ext cx="2211702" cy="307777"/>
+          </a:xfrm>
+          <a:prstGeom prst="rect">
+            <a:avLst/>
+          </a:prstGeom>
+          <a:solidFill>
+            <a:srgbClr val="F2F2F2"/>
+          </a:solidFill>
+        </p:spPr>
+        <p:txBody>
+          <a:bodyPr wrap="square" rtlCol="0">
+            <a:spAutoFit/>
+          </a:bodyPr>
+          <a:lstStyle/>
+          <a:p>
+            <a:r>
+              <a:rPr lang="de-DE" sz="1400" dirty="0">
+                <a:solidFill>
+                  <a:srgbClr val="267326"/>
+                </a:solidFill>
+                <a:latin typeface="LM Roman 10" pitchFamily="2" charset="77"/>
+                <a:cs typeface="Didot" panose="02000503000000020003" pitchFamily="2" charset="-79"/>
+              </a:rPr>
+              <a:t>3) Schlussfolgerungsphase</a:t>
+            </a:r>
+            <a:endParaRPr lang="en-US" sz="1400" dirty="0">
+              <a:solidFill>
+                <a:srgbClr val="267326"/>
+              </a:solidFill>
+              <a:latin typeface="LM Roman 10" pitchFamily="2" charset="77"/>
+              <a:cs typeface="Didot" panose="02000503000000020003" pitchFamily="2" charset="-79"/>
+            </a:endParaRPr>
+          </a:p>
+        </p:txBody>
+      </p:sp>
+      <p:sp>
+        <p:nvSpPr>
+          <p:cNvPr id="55" name="TextBox 54">
+            <a:extLst>
+              <a:ext uri="{FF2B5EF4-FFF2-40B4-BE49-F238E27FC236}">
+                <a16:creationId xmlns:a16="http://schemas.microsoft.com/office/drawing/2014/main" id="{826285A5-86AB-FFF9-F41D-E2FDA68CD35F}"/>
+              </a:ext>
+            </a:extLst>
+          </p:cNvPr>
+          <p:cNvSpPr txBox="1"/>
+          <p:nvPr/>
+        </p:nvSpPr>
+        <p:spPr>
+          <a:xfrm>
+            <a:off x="8944559" y="3321393"/>
+            <a:ext cx="1761541" cy="307777"/>
+          </a:xfrm>
+          <a:prstGeom prst="rect">
+            <a:avLst/>
+          </a:prstGeom>
+          <a:solidFill>
+            <a:srgbClr val="F2F2F2"/>
+          </a:solidFill>
+        </p:spPr>
+        <p:txBody>
+          <a:bodyPr wrap="square" rtlCol="0">
+            <a:spAutoFit/>
+          </a:bodyPr>
+          <a:lstStyle/>
+          <a:p>
+            <a:r>
+              <a:rPr lang="de-DE" sz="1400" dirty="0">
+                <a:solidFill>
+                  <a:srgbClr val="267326"/>
+                </a:solidFill>
+                <a:latin typeface="LM Roman 10" pitchFamily="2" charset="77"/>
+                <a:cs typeface="Didot" panose="02000503000000020003" pitchFamily="2" charset="-79"/>
+              </a:rPr>
+              <a:t>5) Evaluationsphase</a:t>
+            </a:r>
+            <a:endParaRPr lang="en-US" sz="1400" dirty="0">
+              <a:solidFill>
+                <a:srgbClr val="267326"/>
+              </a:solidFill>
+              <a:latin typeface="LM Roman 10" pitchFamily="2" charset="77"/>
+              <a:cs typeface="Didot" panose="02000503000000020003" pitchFamily="2" charset="-79"/>
+            </a:endParaRPr>
+          </a:p>
+        </p:txBody>
+      </p:sp>
+      <p:sp>
+        <p:nvSpPr>
+          <p:cNvPr id="56" name="TextBox 55">
+            <a:extLst>
+              <a:ext uri="{FF2B5EF4-FFF2-40B4-BE49-F238E27FC236}">
+                <a16:creationId xmlns:a16="http://schemas.microsoft.com/office/drawing/2014/main" id="{E1454FA1-25A8-7B63-A728-B46473330DD8}"/>
+              </a:ext>
+            </a:extLst>
+          </p:cNvPr>
+          <p:cNvSpPr txBox="1"/>
+          <p:nvPr/>
+        </p:nvSpPr>
+        <p:spPr>
+          <a:xfrm>
+            <a:off x="8092593" y="1217956"/>
+            <a:ext cx="400110" cy="1870642"/>
+          </a:xfrm>
+          <a:prstGeom prst="rect">
+            <a:avLst/>
+          </a:prstGeom>
+          <a:solidFill>
+            <a:srgbClr val="F2F2F2"/>
+          </a:solidFill>
+        </p:spPr>
+        <p:txBody>
+          <a:bodyPr vert="vert270" wrap="square" rtlCol="0">
+            <a:spAutoFit/>
+          </a:bodyPr>
+          <a:lstStyle/>
+          <a:p>
+            <a:r>
+              <a:rPr lang="de-DE" sz="1400" dirty="0">
+                <a:solidFill>
+                  <a:srgbClr val="267326"/>
+                </a:solidFill>
+                <a:latin typeface="LM Roman 10" pitchFamily="2" charset="77"/>
+                <a:cs typeface="Didot" panose="02000503000000020003" pitchFamily="2" charset="-79"/>
+              </a:rPr>
+              <a:t>4) Anwendungsphase</a:t>
+            </a:r>
+            <a:endParaRPr lang="en-US" sz="1400" dirty="0">
+              <a:solidFill>
+                <a:srgbClr val="267326"/>
+              </a:solidFill>
+              <a:latin typeface="LM Roman 10" pitchFamily="2" charset="77"/>
+              <a:cs typeface="Didot" panose="02000503000000020003" pitchFamily="2" charset="-79"/>
+            </a:endParaRPr>
+          </a:p>
+        </p:txBody>
+      </p:sp>
+      <p:cxnSp>
+        <p:nvCxnSpPr>
+          <p:cNvPr id="2" name="Connector: Curved 19">
+            <a:extLst>
+              <a:ext uri="{FF2B5EF4-FFF2-40B4-BE49-F238E27FC236}">
+                <a16:creationId xmlns:a16="http://schemas.microsoft.com/office/drawing/2014/main" id="{79AD504F-1947-BB8D-D92A-C6FFAA276207}"/>
+              </a:ext>
+            </a:extLst>
+          </p:cNvPr>
+          <p:cNvCxnSpPr>
+            <a:cxnSpLocks/>
+          </p:cNvCxnSpPr>
+          <p:nvPr/>
+        </p:nvCxnSpPr>
+        <p:spPr>
+          <a:xfrm rot="5400000" flipH="1" flipV="1">
+            <a:off x="1963885" y="4555090"/>
+            <a:ext cx="746522" cy="815340"/>
+          </a:xfrm>
+          <a:prstGeom prst="curvedConnector2">
+            <a:avLst/>
+          </a:prstGeom>
+          <a:ln w="34925">
+            <a:solidFill>
+              <a:srgbClr val="267326"/>
+            </a:solidFill>
+            <a:tailEnd type="triangle"/>
+          </a:ln>
+        </p:spPr>
+        <p:style>
+          <a:lnRef idx="1">
+            <a:schemeClr val="accent1"/>
+          </a:lnRef>
+          <a:fillRef idx="0">
+            <a:schemeClr val="accent1"/>
+          </a:fillRef>
+          <a:effectRef idx="0">
+            <a:schemeClr val="accent1"/>
+          </a:effectRef>
+          <a:fontRef idx="minor">
+            <a:schemeClr val="tx1"/>
+          </a:fontRef>
+        </p:style>
+      </p:cxnSp>
+      <p:sp>
+        <p:nvSpPr>
+          <p:cNvPr id="3" name="TextBox 52">
+            <a:extLst>
+              <a:ext uri="{FF2B5EF4-FFF2-40B4-BE49-F238E27FC236}">
+                <a16:creationId xmlns:a16="http://schemas.microsoft.com/office/drawing/2014/main" id="{D5A8C5B0-BC37-0A64-9412-8C506A465311}"/>
+              </a:ext>
+            </a:extLst>
+          </p:cNvPr>
+          <p:cNvSpPr txBox="1"/>
+          <p:nvPr/>
+        </p:nvSpPr>
+        <p:spPr>
+          <a:xfrm>
+            <a:off x="1072542" y="5326803"/>
+            <a:ext cx="2110495" cy="307777"/>
+          </a:xfrm>
+          <a:prstGeom prst="rect">
+            <a:avLst/>
+          </a:prstGeom>
+          <a:solidFill>
+            <a:srgbClr val="F2F2F2"/>
+          </a:solidFill>
+        </p:spPr>
+        <p:txBody>
+          <a:bodyPr wrap="square" rtlCol="0">
+            <a:spAutoFit/>
+          </a:bodyPr>
+          <a:lstStyle/>
+          <a:p>
+            <a:r>
+              <a:rPr lang="de-DE" sz="1400" dirty="0">
+                <a:solidFill>
+                  <a:srgbClr val="267326"/>
+                </a:solidFill>
+                <a:latin typeface="LM Roman 10" pitchFamily="2" charset="77"/>
+                <a:cs typeface="Didot" panose="02000503000000020003" pitchFamily="2" charset="-79"/>
+              </a:rPr>
+              <a:t>1) Konzeptuelle Phase</a:t>
+            </a:r>
+            <a:endParaRPr lang="en-US" sz="1400" dirty="0">
+              <a:solidFill>
+                <a:srgbClr val="267326"/>
+              </a:solidFill>
+              <a:latin typeface="LM Roman 10" pitchFamily="2" charset="77"/>
+              <a:cs typeface="Didot" panose="02000503000000020003" pitchFamily="2" charset="-79"/>
+            </a:endParaRPr>
+          </a:p>
+        </p:txBody>
+      </p:sp>
+      <p:sp>
+        <p:nvSpPr>
+          <p:cNvPr id="16" name="Textfeld 15">
+            <a:extLst>
+              <a:ext uri="{FF2B5EF4-FFF2-40B4-BE49-F238E27FC236}">
+                <a16:creationId xmlns:a16="http://schemas.microsoft.com/office/drawing/2014/main" id="{F0D1B2F8-9C8B-292F-AA60-FD23A1D1C222}"/>
+              </a:ext>
+            </a:extLst>
+          </p:cNvPr>
+          <p:cNvSpPr txBox="1"/>
+          <p:nvPr/>
+        </p:nvSpPr>
+        <p:spPr>
+          <a:xfrm>
+            <a:off x="6397152" y="2168869"/>
+            <a:ext cx="815340" cy="338554"/>
+          </a:xfrm>
+          <a:prstGeom prst="rect">
+            <a:avLst/>
+          </a:prstGeom>
+          <a:noFill/>
+        </p:spPr>
+        <p:txBody>
+          <a:bodyPr wrap="square" rtlCol="0">
+            <a:spAutoFit/>
+          </a:bodyPr>
+          <a:lstStyle/>
+          <a:p>
+            <a:r>
+              <a:rPr lang="de-DE" sz="1600" dirty="0">
+                <a:solidFill>
+                  <a:srgbClr val="267326"/>
+                </a:solidFill>
+                <a:latin typeface="LM Roman 10" pitchFamily="2" charset="77"/>
+                <a:cs typeface="Didot" panose="02000503000000020003" pitchFamily="2" charset="-79"/>
+              </a:rPr>
+              <a:t>Wissen</a:t>
+            </a:r>
+            <a:endParaRPr lang="de-DE" dirty="0">
+              <a:solidFill>
+                <a:srgbClr val="267326"/>
+              </a:solidFill>
+            </a:endParaRPr>
+          </a:p>
+        </p:txBody>
+      </p:sp>
+      <p:sp>
+        <p:nvSpPr>
+          <p:cNvPr id="6" name="Textfeld 5">
+            <a:extLst>
+              <a:ext uri="{FF2B5EF4-FFF2-40B4-BE49-F238E27FC236}">
+                <a16:creationId xmlns:a16="http://schemas.microsoft.com/office/drawing/2014/main" id="{51683257-3022-3107-5CDB-AB8F4087A391}"/>
+              </a:ext>
+            </a:extLst>
+          </p:cNvPr>
+          <p:cNvSpPr txBox="1"/>
+          <p:nvPr/>
+        </p:nvSpPr>
+        <p:spPr>
+          <a:xfrm>
+            <a:off x="3126631" y="4404153"/>
+            <a:ext cx="896142" cy="369332"/>
+          </a:xfrm>
+          <a:prstGeom prst="rect">
+            <a:avLst/>
+          </a:prstGeom>
+          <a:noFill/>
+        </p:spPr>
+        <p:txBody>
+          <a:bodyPr wrap="square" rtlCol="0">
+            <a:spAutoFit/>
+          </a:bodyPr>
+          <a:lstStyle/>
+          <a:p>
+            <a:r>
+              <a:rPr lang="de-DE" sz="1800" dirty="0">
+                <a:solidFill>
+                  <a:srgbClr val="267326"/>
+                </a:solidFill>
+                <a:latin typeface="LM Roman 10" pitchFamily="2" charset="77"/>
+                <a:cs typeface="Didot" panose="02000503000000020003" pitchFamily="2" charset="-79"/>
+              </a:rPr>
+              <a:t>Anlass</a:t>
+            </a:r>
+            <a:endParaRPr lang="de-DE" dirty="0">
+              <a:solidFill>
+                <a:srgbClr val="267326"/>
+              </a:solidFill>
+            </a:endParaRPr>
+          </a:p>
+        </p:txBody>
+      </p:sp>
+    </p:spTree>
+    <p:extLst>
+      <p:ext uri="{BB962C8B-B14F-4D97-AF65-F5344CB8AC3E}">
+        <p14:creationId xmlns:p14="http://schemas.microsoft.com/office/powerpoint/2010/main" val="3661534376"/>
+      </p:ext>
+    </p:extLst>
+  </p:cSld>
+  <p:clrMapOvr>
+    <a:masterClrMapping/>
+  </p:clrMapOvr>
+</p:sld>
+</file>
+
+<file path=ppt/slides/slide8.xml><?xml version="1.0" encoding="utf-8"?>
+<p:sld xmlns:a="http://schemas.openxmlformats.org/drawingml/2006/main" xmlns:r="http://schemas.openxmlformats.org/officeDocument/2006/relationships" xmlns:p="http://schemas.openxmlformats.org/presentationml/2006/main">
+  <p:cSld>
+    <p:spTree>
+      <p:nvGrpSpPr>
+        <p:cNvPr id="1" name=""/>
+        <p:cNvGrpSpPr/>
+        <p:nvPr/>
+      </p:nvGrpSpPr>
+      <p:grpSpPr>
+        <a:xfrm>
+          <a:off x="0" y="0"/>
+          <a:ext cx="0" cy="0"/>
+          <a:chOff x="0" y="0"/>
+          <a:chExt cx="0" cy="0"/>
+        </a:xfrm>
+      </p:grpSpPr>
+      <p:sp>
+        <p:nvSpPr>
+          <p:cNvPr id="4" name="Rectangle: Rounded Corners 3">
+            <a:extLst>
+              <a:ext uri="{FF2B5EF4-FFF2-40B4-BE49-F238E27FC236}">
+                <a16:creationId xmlns:a16="http://schemas.microsoft.com/office/drawing/2014/main" id="{2D443806-1B78-F60A-17BD-3154C6BDE4EA}"/>
+              </a:ext>
+            </a:extLst>
+          </p:cNvPr>
+          <p:cNvSpPr/>
+          <p:nvPr/>
+        </p:nvSpPr>
+        <p:spPr>
+          <a:xfrm>
+            <a:off x="90197" y="149290"/>
+            <a:ext cx="12011608" cy="6559420"/>
+          </a:xfrm>
+          <a:prstGeom prst="roundRect">
+            <a:avLst>
+              <a:gd name="adj" fmla="val 2087"/>
+            </a:avLst>
+          </a:prstGeom>
+          <a:noFill/>
+          <a:ln>
+            <a:solidFill>
+              <a:srgbClr val="267326"/>
+            </a:solidFill>
+            <a:prstDash val="dash"/>
+            <a:extLst>
+              <a:ext uri="{C807C97D-BFC1-408E-A445-0C87EB9F89A2}">
+                <ask:lineSketchStyleProps xmlns:ask="http://schemas.microsoft.com/office/drawing/2018/sketchyshapes" sd="1219033472">
+                  <a:custGeom>
+                    <a:avLst/>
+                    <a:gdLst>
+                      <a:gd name="connsiteX0" fmla="*/ 0 w 12011608"/>
+                      <a:gd name="connsiteY0" fmla="*/ 1093259 h 6559420"/>
+                      <a:gd name="connsiteX1" fmla="*/ 1093259 w 12011608"/>
+                      <a:gd name="connsiteY1" fmla="*/ 0 h 6559420"/>
+                      <a:gd name="connsiteX2" fmla="*/ 10918349 w 12011608"/>
+                      <a:gd name="connsiteY2" fmla="*/ 0 h 6559420"/>
+                      <a:gd name="connsiteX3" fmla="*/ 12011608 w 12011608"/>
+                      <a:gd name="connsiteY3" fmla="*/ 1093259 h 6559420"/>
+                      <a:gd name="connsiteX4" fmla="*/ 12011608 w 12011608"/>
+                      <a:gd name="connsiteY4" fmla="*/ 5466161 h 6559420"/>
+                      <a:gd name="connsiteX5" fmla="*/ 10918349 w 12011608"/>
+                      <a:gd name="connsiteY5" fmla="*/ 6559420 h 6559420"/>
+                      <a:gd name="connsiteX6" fmla="*/ 1093259 w 12011608"/>
+                      <a:gd name="connsiteY6" fmla="*/ 6559420 h 6559420"/>
+                      <a:gd name="connsiteX7" fmla="*/ 0 w 12011608"/>
+                      <a:gd name="connsiteY7" fmla="*/ 5466161 h 6559420"/>
+                      <a:gd name="connsiteX8" fmla="*/ 0 w 12011608"/>
+                      <a:gd name="connsiteY8" fmla="*/ 1093259 h 6559420"/>
+                    </a:gdLst>
+                    <a:ahLst/>
+                    <a:cxnLst>
+                      <a:cxn ang="0">
+                        <a:pos x="connsiteX0" y="connsiteY0"/>
+                      </a:cxn>
+                      <a:cxn ang="0">
+                        <a:pos x="connsiteX1" y="connsiteY1"/>
+                      </a:cxn>
+                      <a:cxn ang="0">
+                        <a:pos x="connsiteX2" y="connsiteY2"/>
+                      </a:cxn>
+                      <a:cxn ang="0">
+                        <a:pos x="connsiteX3" y="connsiteY3"/>
+                      </a:cxn>
+                      <a:cxn ang="0">
+                        <a:pos x="connsiteX4" y="connsiteY4"/>
+                      </a:cxn>
+                      <a:cxn ang="0">
+                        <a:pos x="connsiteX5" y="connsiteY5"/>
+                      </a:cxn>
+                      <a:cxn ang="0">
+                        <a:pos x="connsiteX6" y="connsiteY6"/>
+                      </a:cxn>
+                      <a:cxn ang="0">
+                        <a:pos x="connsiteX7" y="connsiteY7"/>
+                      </a:cxn>
+                      <a:cxn ang="0">
+                        <a:pos x="connsiteX8" y="connsiteY8"/>
+                      </a:cxn>
+                    </a:cxnLst>
+                    <a:rect l="l" t="t" r="r" b="b"/>
+                    <a:pathLst>
+                      <a:path w="12011608" h="6559420" extrusionOk="0">
+                        <a:moveTo>
+                          <a:pt x="0" y="1093259"/>
+                        </a:moveTo>
+                        <a:cubicBezTo>
+                          <a:pt x="-7845" y="484630"/>
+                          <a:pt x="467865" y="8108"/>
+                          <a:pt x="1093259" y="0"/>
+                        </a:cubicBezTo>
+                        <a:cubicBezTo>
+                          <a:pt x="4384189" y="132882"/>
+                          <a:pt x="7819229" y="-84951"/>
+                          <a:pt x="10918349" y="0"/>
+                        </a:cubicBezTo>
+                        <a:cubicBezTo>
+                          <a:pt x="11473475" y="47523"/>
+                          <a:pt x="11990134" y="608160"/>
+                          <a:pt x="12011608" y="1093259"/>
+                        </a:cubicBezTo>
+                        <a:cubicBezTo>
+                          <a:pt x="12031795" y="2900874"/>
+                          <a:pt x="12164088" y="4134857"/>
+                          <a:pt x="12011608" y="5466161"/>
+                        </a:cubicBezTo>
+                        <a:cubicBezTo>
+                          <a:pt x="12036918" y="6072954"/>
+                          <a:pt x="11571857" y="6457101"/>
+                          <a:pt x="10918349" y="6559420"/>
+                        </a:cubicBezTo>
+                        <a:cubicBezTo>
+                          <a:pt x="9602557" y="6647059"/>
+                          <a:pt x="3354151" y="6486741"/>
+                          <a:pt x="1093259" y="6559420"/>
+                        </a:cubicBezTo>
+                        <a:cubicBezTo>
+                          <a:pt x="482666" y="6494544"/>
+                          <a:pt x="-19749" y="6097396"/>
+                          <a:pt x="0" y="5466161"/>
+                        </a:cubicBezTo>
+                        <a:cubicBezTo>
+                          <a:pt x="-38581" y="3816704"/>
+                          <a:pt x="63341" y="3160269"/>
+                          <a:pt x="0" y="1093259"/>
+                        </a:cubicBezTo>
+                        <a:close/>
+                      </a:path>
+                    </a:pathLst>
+                  </a:custGeom>
+                  <ask:type>
+                    <ask:lineSketchNone/>
+                  </ask:type>
+                </ask:lineSketchStyleProps>
+              </a:ext>
+            </a:extLst>
+          </a:ln>
+        </p:spPr>
+        <p:style>
+          <a:lnRef idx="2">
+            <a:schemeClr val="accent1">
+              <a:shade val="50000"/>
+            </a:schemeClr>
+          </a:lnRef>
+          <a:fillRef idx="1">
+            <a:schemeClr val="accent1"/>
+          </a:fillRef>
+          <a:effectRef idx="0">
+            <a:schemeClr val="accent1"/>
+          </a:effectRef>
+          <a:fontRef idx="minor">
+            <a:schemeClr val="lt1"/>
+          </a:fontRef>
+        </p:style>
+        <p:txBody>
+          <a:bodyPr rtlCol="0" anchor="ctr"/>
+          <a:lstStyle/>
+          <a:p>
+            <a:pPr algn="ctr"/>
+            <a:endParaRPr lang="en-US" dirty="0">
+              <a:solidFill>
+                <a:srgbClr val="267326"/>
+              </a:solidFill>
+              <a:latin typeface="LM Roman 10" pitchFamily="2" charset="77"/>
+              <a:cs typeface="Didot" panose="02000503000000020003" pitchFamily="2" charset="-79"/>
+            </a:endParaRPr>
+          </a:p>
+        </p:txBody>
+      </p:sp>
+      <p:sp>
+        <p:nvSpPr>
+          <p:cNvPr id="7" name="Rectangle: Rounded Corners 6">
+            <a:extLst>
+              <a:ext uri="{FF2B5EF4-FFF2-40B4-BE49-F238E27FC236}">
+                <a16:creationId xmlns:a16="http://schemas.microsoft.com/office/drawing/2014/main" id="{7E31F85C-7964-9E7D-59BD-F1D7029E5CEF}"/>
+              </a:ext>
+            </a:extLst>
+          </p:cNvPr>
+          <p:cNvSpPr/>
+          <p:nvPr/>
+        </p:nvSpPr>
+        <p:spPr>
+          <a:xfrm>
+            <a:off x="400881" y="522757"/>
+            <a:ext cx="11390238" cy="5812486"/>
+          </a:xfrm>
+          <a:prstGeom prst="roundRect">
+            <a:avLst>
+              <a:gd name="adj" fmla="val 2087"/>
+            </a:avLst>
+          </a:prstGeom>
+          <a:noFill/>
+          <a:ln>
+            <a:solidFill>
+              <a:srgbClr val="267326"/>
+            </a:solidFill>
+            <a:prstDash val="dash"/>
+            <a:extLst>
+              <a:ext uri="{C807C97D-BFC1-408E-A445-0C87EB9F89A2}">
+                <ask:lineSketchStyleProps xmlns:ask="http://schemas.microsoft.com/office/drawing/2018/sketchyshapes" sd="1219033472">
+                  <a:custGeom>
+                    <a:avLst/>
+                    <a:gdLst>
+                      <a:gd name="connsiteX0" fmla="*/ 0 w 12011608"/>
+                      <a:gd name="connsiteY0" fmla="*/ 1093259 h 6559420"/>
+                      <a:gd name="connsiteX1" fmla="*/ 1093259 w 12011608"/>
+                      <a:gd name="connsiteY1" fmla="*/ 0 h 6559420"/>
+                      <a:gd name="connsiteX2" fmla="*/ 10918349 w 12011608"/>
+                      <a:gd name="connsiteY2" fmla="*/ 0 h 6559420"/>
+                      <a:gd name="connsiteX3" fmla="*/ 12011608 w 12011608"/>
+                      <a:gd name="connsiteY3" fmla="*/ 1093259 h 6559420"/>
+                      <a:gd name="connsiteX4" fmla="*/ 12011608 w 12011608"/>
+                      <a:gd name="connsiteY4" fmla="*/ 5466161 h 6559420"/>
+                      <a:gd name="connsiteX5" fmla="*/ 10918349 w 12011608"/>
+                      <a:gd name="connsiteY5" fmla="*/ 6559420 h 6559420"/>
+                      <a:gd name="connsiteX6" fmla="*/ 1093259 w 12011608"/>
+                      <a:gd name="connsiteY6" fmla="*/ 6559420 h 6559420"/>
+                      <a:gd name="connsiteX7" fmla="*/ 0 w 12011608"/>
+                      <a:gd name="connsiteY7" fmla="*/ 5466161 h 6559420"/>
+                      <a:gd name="connsiteX8" fmla="*/ 0 w 12011608"/>
+                      <a:gd name="connsiteY8" fmla="*/ 1093259 h 6559420"/>
+                    </a:gdLst>
+                    <a:ahLst/>
+                    <a:cxnLst>
+                      <a:cxn ang="0">
+                        <a:pos x="connsiteX0" y="connsiteY0"/>
+                      </a:cxn>
+                      <a:cxn ang="0">
+                        <a:pos x="connsiteX1" y="connsiteY1"/>
+                      </a:cxn>
+                      <a:cxn ang="0">
+                        <a:pos x="connsiteX2" y="connsiteY2"/>
+                      </a:cxn>
+                      <a:cxn ang="0">
+                        <a:pos x="connsiteX3" y="connsiteY3"/>
+                      </a:cxn>
+                      <a:cxn ang="0">
+                        <a:pos x="connsiteX4" y="connsiteY4"/>
+                      </a:cxn>
+                      <a:cxn ang="0">
+                        <a:pos x="connsiteX5" y="connsiteY5"/>
+                      </a:cxn>
+                      <a:cxn ang="0">
+                        <a:pos x="connsiteX6" y="connsiteY6"/>
+                      </a:cxn>
+                      <a:cxn ang="0">
+                        <a:pos x="connsiteX7" y="connsiteY7"/>
+                      </a:cxn>
+                      <a:cxn ang="0">
+                        <a:pos x="connsiteX8" y="connsiteY8"/>
+                      </a:cxn>
+                    </a:cxnLst>
+                    <a:rect l="l" t="t" r="r" b="b"/>
+                    <a:pathLst>
+                      <a:path w="12011608" h="6559420" extrusionOk="0">
+                        <a:moveTo>
+                          <a:pt x="0" y="1093259"/>
+                        </a:moveTo>
+                        <a:cubicBezTo>
+                          <a:pt x="-7845" y="484630"/>
+                          <a:pt x="467865" y="8108"/>
+                          <a:pt x="1093259" y="0"/>
+                        </a:cubicBezTo>
+                        <a:cubicBezTo>
+                          <a:pt x="4384189" y="132882"/>
+                          <a:pt x="7819229" y="-84951"/>
+                          <a:pt x="10918349" y="0"/>
+                        </a:cubicBezTo>
+                        <a:cubicBezTo>
+                          <a:pt x="11473475" y="47523"/>
+                          <a:pt x="11990134" y="608160"/>
+                          <a:pt x="12011608" y="1093259"/>
+                        </a:cubicBezTo>
+                        <a:cubicBezTo>
+                          <a:pt x="12031795" y="2900874"/>
+                          <a:pt x="12164088" y="4134857"/>
+                          <a:pt x="12011608" y="5466161"/>
+                        </a:cubicBezTo>
+                        <a:cubicBezTo>
+                          <a:pt x="12036918" y="6072954"/>
+                          <a:pt x="11571857" y="6457101"/>
+                          <a:pt x="10918349" y="6559420"/>
+                        </a:cubicBezTo>
+                        <a:cubicBezTo>
+                          <a:pt x="9602557" y="6647059"/>
+                          <a:pt x="3354151" y="6486741"/>
+                          <a:pt x="1093259" y="6559420"/>
+                        </a:cubicBezTo>
+                        <a:cubicBezTo>
+                          <a:pt x="482666" y="6494544"/>
+                          <a:pt x="-19749" y="6097396"/>
+                          <a:pt x="0" y="5466161"/>
+                        </a:cubicBezTo>
+                        <a:cubicBezTo>
+                          <a:pt x="-38581" y="3816704"/>
+                          <a:pt x="63341" y="3160269"/>
+                          <a:pt x="0" y="1093259"/>
+                        </a:cubicBezTo>
+                        <a:close/>
+                      </a:path>
+                    </a:pathLst>
+                  </a:custGeom>
+                  <ask:type>
+                    <ask:lineSketchNone/>
+                  </ask:type>
+                </ask:lineSketchStyleProps>
+              </a:ext>
+            </a:extLst>
+          </a:ln>
+        </p:spPr>
+        <p:style>
+          <a:lnRef idx="2">
+            <a:schemeClr val="accent1">
+              <a:shade val="50000"/>
+            </a:schemeClr>
+          </a:lnRef>
+          <a:fillRef idx="1">
+            <a:schemeClr val="accent1"/>
+          </a:fillRef>
+          <a:effectRef idx="0">
+            <a:schemeClr val="accent1"/>
+          </a:effectRef>
+          <a:fontRef idx="minor">
+            <a:schemeClr val="lt1"/>
+          </a:fontRef>
+        </p:style>
+        <p:txBody>
+          <a:bodyPr rtlCol="0" anchor="ctr"/>
+          <a:lstStyle/>
+          <a:p>
+            <a:pPr algn="ctr"/>
+            <a:endParaRPr lang="en-US" dirty="0">
+              <a:solidFill>
+                <a:srgbClr val="267326"/>
+              </a:solidFill>
+              <a:latin typeface="LM Roman 10" pitchFamily="2" charset="77"/>
+              <a:cs typeface="Didot" panose="02000503000000020003" pitchFamily="2" charset="-79"/>
+            </a:endParaRPr>
+          </a:p>
+        </p:txBody>
+      </p:sp>
+      <p:sp>
+        <p:nvSpPr>
+          <p:cNvPr id="9" name="TextBox 8">
+            <a:extLst>
+              <a:ext uri="{FF2B5EF4-FFF2-40B4-BE49-F238E27FC236}">
+                <a16:creationId xmlns:a16="http://schemas.microsoft.com/office/drawing/2014/main" id="{54F6159C-C000-718D-1CB8-474645C5C703}"/>
+              </a:ext>
+            </a:extLst>
+          </p:cNvPr>
+          <p:cNvSpPr txBox="1"/>
+          <p:nvPr/>
+        </p:nvSpPr>
+        <p:spPr>
+          <a:xfrm>
+            <a:off x="153174" y="153425"/>
+            <a:ext cx="2820003" cy="338554"/>
+          </a:xfrm>
+          <a:prstGeom prst="rect">
+            <a:avLst/>
+          </a:prstGeom>
+          <a:noFill/>
+        </p:spPr>
+        <p:txBody>
+          <a:bodyPr wrap="none" rtlCol="0">
+            <a:spAutoFit/>
+          </a:bodyPr>
+          <a:lstStyle/>
+          <a:p>
+            <a:r>
+              <a:rPr lang="de-DE" sz="1600" dirty="0">
+                <a:solidFill>
+                  <a:srgbClr val="267326"/>
+                </a:solidFill>
+                <a:latin typeface="LM Roman 10" pitchFamily="2" charset="77"/>
+                <a:cs typeface="Didot" panose="02000503000000020003" pitchFamily="2" charset="-79"/>
+              </a:rPr>
+              <a:t>Charakteristika der Kontexte</a:t>
+            </a:r>
+            <a:endParaRPr lang="en-US" dirty="0">
+              <a:solidFill>
+                <a:srgbClr val="267326"/>
+              </a:solidFill>
+              <a:latin typeface="LM Roman 10" pitchFamily="2" charset="77"/>
+              <a:cs typeface="Didot" panose="02000503000000020003" pitchFamily="2" charset="-79"/>
+            </a:endParaRPr>
+          </a:p>
+        </p:txBody>
+      </p:sp>
+      <p:sp>
+        <p:nvSpPr>
+          <p:cNvPr id="10" name="TextBox 9">
+            <a:extLst>
+              <a:ext uri="{FF2B5EF4-FFF2-40B4-BE49-F238E27FC236}">
+                <a16:creationId xmlns:a16="http://schemas.microsoft.com/office/drawing/2014/main" id="{7089942B-64B4-A49D-35FF-C2AF5B72F395}"/>
+              </a:ext>
+            </a:extLst>
+          </p:cNvPr>
+          <p:cNvSpPr txBox="1"/>
+          <p:nvPr/>
+        </p:nvSpPr>
+        <p:spPr>
+          <a:xfrm>
+            <a:off x="400881" y="510319"/>
+            <a:ext cx="2965877" cy="338554"/>
+          </a:xfrm>
+          <a:prstGeom prst="rect">
+            <a:avLst/>
+          </a:prstGeom>
+          <a:noFill/>
+        </p:spPr>
+        <p:txBody>
+          <a:bodyPr wrap="none" rtlCol="0">
+            <a:spAutoFit/>
+          </a:bodyPr>
+          <a:lstStyle/>
+          <a:p>
+            <a:r>
+              <a:rPr lang="de-DE" sz="1600" dirty="0">
+                <a:solidFill>
+                  <a:srgbClr val="267326"/>
+                </a:solidFill>
+                <a:latin typeface="LM Roman 10" pitchFamily="2" charset="77"/>
+                <a:cs typeface="Didot" panose="02000503000000020003" pitchFamily="2" charset="-79"/>
+              </a:rPr>
+              <a:t>Charakteristika der Nutzenden</a:t>
+            </a:r>
+            <a:endParaRPr lang="en-US" sz="1600" dirty="0">
+              <a:solidFill>
+                <a:srgbClr val="267326"/>
+              </a:solidFill>
+              <a:latin typeface="LM Roman 10" pitchFamily="2" charset="77"/>
+              <a:cs typeface="Didot" panose="02000503000000020003" pitchFamily="2" charset="-79"/>
+            </a:endParaRPr>
+          </a:p>
+        </p:txBody>
+      </p:sp>
+      <p:sp>
+        <p:nvSpPr>
+          <p:cNvPr id="13" name="Oval 12">
+            <a:extLst>
+              <a:ext uri="{FF2B5EF4-FFF2-40B4-BE49-F238E27FC236}">
+                <a16:creationId xmlns:a16="http://schemas.microsoft.com/office/drawing/2014/main" id="{1D8693F1-4AF6-B64B-4F0A-B464A18041CC}"/>
+              </a:ext>
+            </a:extLst>
+          </p:cNvPr>
+          <p:cNvSpPr/>
+          <p:nvPr/>
+        </p:nvSpPr>
+        <p:spPr>
+          <a:xfrm>
+            <a:off x="2759362" y="4212309"/>
+            <a:ext cx="1630680" cy="754380"/>
+          </a:xfrm>
+          <a:prstGeom prst="ellipse">
+            <a:avLst/>
+          </a:prstGeom>
+          <a:solidFill>
+            <a:srgbClr val="F2F2F2"/>
+          </a:solidFill>
+          <a:ln>
+            <a:solidFill>
+              <a:srgbClr val="267326"/>
+            </a:solidFill>
+          </a:ln>
+          <a:effectLst>
+            <a:outerShdw blurRad="50800" dist="38100" dir="2700000" algn="tl" rotWithShape="0">
+              <a:prstClr val="black">
+                <a:alpha val="40000"/>
+              </a:prstClr>
+            </a:outerShdw>
+          </a:effectLst>
+        </p:spPr>
+        <p:style>
+          <a:lnRef idx="2">
+            <a:schemeClr val="accent1">
+              <a:shade val="50000"/>
+            </a:schemeClr>
+          </a:lnRef>
+          <a:fillRef idx="1">
+            <a:schemeClr val="accent1"/>
+          </a:fillRef>
+          <a:effectRef idx="0">
+            <a:schemeClr val="accent1"/>
+          </a:effectRef>
+          <a:fontRef idx="minor">
+            <a:schemeClr val="lt1"/>
+          </a:fontRef>
+        </p:style>
+        <p:txBody>
+          <a:bodyPr rtlCol="0" anchor="ctr"/>
+          <a:lstStyle/>
+          <a:p>
+            <a:pPr algn="ctr"/>
+            <a:r>
+              <a:rPr lang="de-DE" dirty="0">
+                <a:solidFill>
+                  <a:srgbClr val="267326"/>
+                </a:solidFill>
+                <a:latin typeface="LM Roman 10" pitchFamily="2" charset="77"/>
+                <a:cs typeface="Didot" panose="02000503000000020003" pitchFamily="2" charset="-79"/>
+              </a:rPr>
+              <a:t> </a:t>
+            </a:r>
+            <a:endParaRPr lang="en-US" dirty="0">
+              <a:solidFill>
+                <a:srgbClr val="267326"/>
+              </a:solidFill>
+              <a:latin typeface="LM Roman 10" pitchFamily="2" charset="77"/>
+              <a:cs typeface="Didot" panose="02000503000000020003" pitchFamily="2" charset="-79"/>
+            </a:endParaRPr>
+          </a:p>
+        </p:txBody>
+      </p:sp>
+      <p:sp>
+        <p:nvSpPr>
+          <p:cNvPr id="14" name="Oval 13">
+            <a:extLst>
+              <a:ext uri="{FF2B5EF4-FFF2-40B4-BE49-F238E27FC236}">
+                <a16:creationId xmlns:a16="http://schemas.microsoft.com/office/drawing/2014/main" id="{2A14B365-C792-8A6C-8E80-FF83C67B5D55}"/>
+              </a:ext>
+            </a:extLst>
+          </p:cNvPr>
+          <p:cNvSpPr/>
+          <p:nvPr/>
+        </p:nvSpPr>
+        <p:spPr>
+          <a:xfrm>
+            <a:off x="4390042" y="3088597"/>
+            <a:ext cx="1630680" cy="754380"/>
+          </a:xfrm>
+          <a:prstGeom prst="ellipse">
+            <a:avLst/>
+          </a:prstGeom>
+          <a:solidFill>
+            <a:srgbClr val="F2F2F2"/>
+          </a:solidFill>
+          <a:ln>
+            <a:solidFill>
+              <a:srgbClr val="267326"/>
+            </a:solidFill>
+          </a:ln>
+          <a:effectLst>
+            <a:outerShdw blurRad="50800" dist="38100" dir="2700000" algn="tl" rotWithShape="0">
+              <a:prstClr val="black">
+                <a:alpha val="40000"/>
+              </a:prstClr>
+            </a:outerShdw>
+          </a:effectLst>
+        </p:spPr>
+        <p:style>
+          <a:lnRef idx="2">
+            <a:schemeClr val="accent1">
+              <a:shade val="50000"/>
+            </a:schemeClr>
+          </a:lnRef>
+          <a:fillRef idx="1">
+            <a:schemeClr val="accent1"/>
+          </a:fillRef>
+          <a:effectRef idx="0">
+            <a:schemeClr val="accent1"/>
+          </a:effectRef>
+          <a:fontRef idx="minor">
+            <a:schemeClr val="lt1"/>
+          </a:fontRef>
+        </p:style>
+        <p:txBody>
+          <a:bodyPr rtlCol="0" anchor="ctr"/>
+          <a:lstStyle/>
+          <a:p>
+            <a:pPr algn="ctr"/>
+            <a:r>
+              <a:rPr lang="de-DE" sz="1600" dirty="0">
+                <a:solidFill>
+                  <a:srgbClr val="267326"/>
+                </a:solidFill>
+                <a:latin typeface="LM Roman 10" pitchFamily="2" charset="77"/>
+                <a:cs typeface="Didot" panose="02000503000000020003" pitchFamily="2" charset="-79"/>
+              </a:rPr>
+              <a:t>Evidenz</a:t>
+            </a:r>
+            <a:endParaRPr lang="en-US" dirty="0">
+              <a:solidFill>
+                <a:srgbClr val="267326"/>
+              </a:solidFill>
+              <a:latin typeface="LM Roman 10" pitchFamily="2" charset="77"/>
+              <a:cs typeface="Didot" panose="02000503000000020003" pitchFamily="2" charset="-79"/>
+            </a:endParaRPr>
+          </a:p>
+        </p:txBody>
+      </p:sp>
+      <p:sp>
+        <p:nvSpPr>
+          <p:cNvPr id="15" name="Oval 14">
+            <a:extLst>
+              <a:ext uri="{FF2B5EF4-FFF2-40B4-BE49-F238E27FC236}">
+                <a16:creationId xmlns:a16="http://schemas.microsoft.com/office/drawing/2014/main" id="{97DAF1C8-8BF6-B122-BD80-962768DA66B4}"/>
+              </a:ext>
+            </a:extLst>
+          </p:cNvPr>
+          <p:cNvSpPr/>
+          <p:nvPr/>
+        </p:nvSpPr>
+        <p:spPr>
+          <a:xfrm>
+            <a:off x="6020722" y="1964885"/>
+            <a:ext cx="1630680" cy="754380"/>
+          </a:xfrm>
+          <a:prstGeom prst="ellipse">
+            <a:avLst/>
+          </a:prstGeom>
+          <a:solidFill>
+            <a:srgbClr val="F2F2F2"/>
+          </a:solidFill>
+          <a:ln>
+            <a:solidFill>
+              <a:srgbClr val="267326"/>
+            </a:solidFill>
+          </a:ln>
+          <a:effectLst>
+            <a:outerShdw blurRad="50800" dist="38100" dir="2700000" algn="tl" rotWithShape="0">
+              <a:prstClr val="black">
+                <a:alpha val="40000"/>
+              </a:prstClr>
+            </a:outerShdw>
+          </a:effectLst>
+        </p:spPr>
+        <p:style>
+          <a:lnRef idx="2">
+            <a:schemeClr val="accent1">
+              <a:shade val="50000"/>
+            </a:schemeClr>
+          </a:lnRef>
+          <a:fillRef idx="1">
+            <a:schemeClr val="accent1"/>
+          </a:fillRef>
+          <a:effectRef idx="0">
+            <a:schemeClr val="accent1"/>
+          </a:effectRef>
+          <a:fontRef idx="minor">
+            <a:schemeClr val="lt1"/>
+          </a:fontRef>
+        </p:style>
+        <p:txBody>
+          <a:bodyPr rtlCol="0" anchor="ctr"/>
+          <a:lstStyle/>
+          <a:p>
+            <a:pPr algn="ctr"/>
+            <a:endParaRPr lang="en-US" sz="1600" dirty="0">
+              <a:solidFill>
+                <a:srgbClr val="267326"/>
+              </a:solidFill>
+              <a:latin typeface="LM Roman 10" pitchFamily="2" charset="77"/>
+              <a:cs typeface="Didot" panose="02000503000000020003" pitchFamily="2" charset="-79"/>
+            </a:endParaRPr>
+          </a:p>
+        </p:txBody>
+      </p:sp>
+      <p:cxnSp>
+        <p:nvCxnSpPr>
+          <p:cNvPr id="20" name="Connector: Curved 19">
+            <a:extLst>
+              <a:ext uri="{FF2B5EF4-FFF2-40B4-BE49-F238E27FC236}">
+                <a16:creationId xmlns:a16="http://schemas.microsoft.com/office/drawing/2014/main" id="{9D08A355-1BFF-B13D-EABD-1944CF8A7E31}"/>
+              </a:ext>
+            </a:extLst>
+          </p:cNvPr>
+          <p:cNvCxnSpPr>
+            <a:cxnSpLocks/>
+            <a:stCxn id="13" idx="0"/>
+            <a:endCxn id="14" idx="2"/>
+          </p:cNvCxnSpPr>
+          <p:nvPr/>
+        </p:nvCxnSpPr>
+        <p:spPr>
+          <a:xfrm rot="5400000" flipH="1" flipV="1">
+            <a:off x="3609111" y="3431378"/>
+            <a:ext cx="746522" cy="815340"/>
+          </a:xfrm>
+          <a:prstGeom prst="curvedConnector2">
+            <a:avLst/>
+          </a:prstGeom>
+          <a:ln w="34925">
+            <a:solidFill>
+              <a:srgbClr val="267326"/>
+            </a:solidFill>
+            <a:tailEnd type="triangle"/>
+          </a:ln>
+        </p:spPr>
+        <p:style>
+          <a:lnRef idx="1">
+            <a:schemeClr val="accent1"/>
+          </a:lnRef>
+          <a:fillRef idx="0">
+            <a:schemeClr val="accent1"/>
+          </a:fillRef>
+          <a:effectRef idx="0">
+            <a:schemeClr val="accent1"/>
+          </a:effectRef>
+          <a:fontRef idx="minor">
+            <a:schemeClr val="tx1"/>
+          </a:fontRef>
+        </p:style>
+      </p:cxnSp>
+      <p:cxnSp>
+        <p:nvCxnSpPr>
+          <p:cNvPr id="23" name="Connector: Curved 22">
+            <a:extLst>
+              <a:ext uri="{FF2B5EF4-FFF2-40B4-BE49-F238E27FC236}">
+                <a16:creationId xmlns:a16="http://schemas.microsoft.com/office/drawing/2014/main" id="{C576A603-F83F-F3F0-AD46-5F1BC4B64A9E}"/>
+              </a:ext>
+            </a:extLst>
+          </p:cNvPr>
+          <p:cNvCxnSpPr>
+            <a:cxnSpLocks/>
+            <a:stCxn id="14" idx="0"/>
+            <a:endCxn id="15" idx="2"/>
+          </p:cNvCxnSpPr>
+          <p:nvPr/>
+        </p:nvCxnSpPr>
+        <p:spPr>
+          <a:xfrm rot="5400000" flipH="1" flipV="1">
+            <a:off x="5239791" y="2307666"/>
+            <a:ext cx="746522" cy="815340"/>
+          </a:xfrm>
+          <a:prstGeom prst="curvedConnector2">
+            <a:avLst/>
+          </a:prstGeom>
+          <a:ln w="34925">
+            <a:solidFill>
+              <a:srgbClr val="267326"/>
+            </a:solidFill>
+            <a:tailEnd type="triangle"/>
+          </a:ln>
+        </p:spPr>
+        <p:style>
+          <a:lnRef idx="1">
+            <a:schemeClr val="accent1"/>
+          </a:lnRef>
+          <a:fillRef idx="0">
+            <a:schemeClr val="accent1"/>
+          </a:fillRef>
+          <a:effectRef idx="0">
+            <a:schemeClr val="accent1"/>
+          </a:effectRef>
+          <a:fontRef idx="minor">
+            <a:schemeClr val="tx1"/>
+          </a:fontRef>
+        </p:style>
+      </p:cxnSp>
+      <p:sp>
+        <p:nvSpPr>
+          <p:cNvPr id="26" name="Oval 25">
+            <a:extLst>
+              <a:ext uri="{FF2B5EF4-FFF2-40B4-BE49-F238E27FC236}">
+                <a16:creationId xmlns:a16="http://schemas.microsoft.com/office/drawing/2014/main" id="{E3DC8A4E-1508-5E72-013D-97FAFDC90495}"/>
+              </a:ext>
+            </a:extLst>
+          </p:cNvPr>
+          <p:cNvSpPr/>
+          <p:nvPr/>
+        </p:nvSpPr>
+        <p:spPr>
+          <a:xfrm>
+            <a:off x="8944559" y="1960956"/>
+            <a:ext cx="1630680" cy="754380"/>
+          </a:xfrm>
+          <a:prstGeom prst="ellipse">
+            <a:avLst/>
+          </a:prstGeom>
+          <a:solidFill>
+            <a:srgbClr val="F2F2F2"/>
+          </a:solidFill>
+          <a:ln>
+            <a:solidFill>
+              <a:srgbClr val="267326"/>
+            </a:solidFill>
+          </a:ln>
+          <a:effectLst>
+            <a:outerShdw blurRad="50800" dist="38100" dir="2700000" algn="tl" rotWithShape="0">
+              <a:prstClr val="black">
+                <a:alpha val="40000"/>
+              </a:prstClr>
+            </a:outerShdw>
+          </a:effectLst>
+        </p:spPr>
+        <p:style>
+          <a:lnRef idx="2">
+            <a:schemeClr val="accent1">
+              <a:shade val="50000"/>
+            </a:schemeClr>
+          </a:lnRef>
+          <a:fillRef idx="1">
+            <a:schemeClr val="accent1"/>
+          </a:fillRef>
+          <a:effectRef idx="0">
+            <a:schemeClr val="accent1"/>
+          </a:effectRef>
+          <a:fontRef idx="minor">
+            <a:schemeClr val="lt1"/>
+          </a:fontRef>
+        </p:style>
+        <p:txBody>
+          <a:bodyPr rtlCol="0" anchor="ctr"/>
+          <a:lstStyle/>
+          <a:p>
+            <a:pPr algn="ctr"/>
+            <a:endParaRPr lang="en-US" dirty="0">
+              <a:solidFill>
+                <a:srgbClr val="267326"/>
+              </a:solidFill>
+              <a:latin typeface="LM Roman 10" pitchFamily="2" charset="77"/>
+              <a:cs typeface="Didot" panose="02000503000000020003" pitchFamily="2" charset="-79"/>
+            </a:endParaRPr>
+          </a:p>
+        </p:txBody>
+      </p:sp>
+      <p:sp>
+        <p:nvSpPr>
+          <p:cNvPr id="27" name="Oval 26">
+            <a:extLst>
+              <a:ext uri="{FF2B5EF4-FFF2-40B4-BE49-F238E27FC236}">
+                <a16:creationId xmlns:a16="http://schemas.microsoft.com/office/drawing/2014/main" id="{72AF60ED-4044-E5E5-F9E9-64C7593F7CC0}"/>
+              </a:ext>
+            </a:extLst>
+          </p:cNvPr>
+          <p:cNvSpPr/>
+          <p:nvPr/>
+        </p:nvSpPr>
+        <p:spPr>
+          <a:xfrm>
+            <a:off x="8944559" y="4212309"/>
+            <a:ext cx="1630680" cy="754380"/>
+          </a:xfrm>
+          <a:prstGeom prst="ellipse">
+            <a:avLst/>
+          </a:prstGeom>
+          <a:solidFill>
+            <a:srgbClr val="F2F2F2"/>
+          </a:solidFill>
+          <a:ln>
+            <a:solidFill>
+              <a:srgbClr val="267326"/>
+            </a:solidFill>
+          </a:ln>
+          <a:effectLst>
+            <a:outerShdw blurRad="50800" dist="38100" dir="2700000" algn="tl" rotWithShape="0">
+              <a:prstClr val="black">
+                <a:alpha val="40000"/>
+              </a:prstClr>
+            </a:outerShdw>
+          </a:effectLst>
+        </p:spPr>
+        <p:style>
+          <a:lnRef idx="2">
+            <a:schemeClr val="accent1">
+              <a:shade val="50000"/>
+            </a:schemeClr>
+          </a:lnRef>
+          <a:fillRef idx="1">
+            <a:schemeClr val="accent1"/>
+          </a:fillRef>
+          <a:effectRef idx="0">
+            <a:schemeClr val="accent1"/>
+          </a:effectRef>
+          <a:fontRef idx="minor">
+            <a:schemeClr val="lt1"/>
+          </a:fontRef>
+        </p:style>
+        <p:txBody>
+          <a:bodyPr rtlCol="0" anchor="ctr"/>
+          <a:lstStyle/>
+          <a:p>
+            <a:pPr algn="ctr"/>
+            <a:r>
+              <a:rPr lang="de-DE" sz="1600" dirty="0">
+                <a:solidFill>
+                  <a:srgbClr val="267326"/>
+                </a:solidFill>
+                <a:latin typeface="LM Roman 10" pitchFamily="2" charset="77"/>
+                <a:cs typeface="Didot" panose="02000503000000020003" pitchFamily="2" charset="-79"/>
+              </a:rPr>
+              <a:t>Ergebnisse</a:t>
+            </a:r>
+            <a:endParaRPr lang="en-US" sz="1600" dirty="0">
+              <a:solidFill>
+                <a:srgbClr val="267326"/>
+              </a:solidFill>
+              <a:latin typeface="LM Roman 10" pitchFamily="2" charset="77"/>
+              <a:cs typeface="Didot" panose="02000503000000020003" pitchFamily="2" charset="-79"/>
+            </a:endParaRPr>
+          </a:p>
+        </p:txBody>
+      </p:sp>
+      <p:cxnSp>
+        <p:nvCxnSpPr>
+          <p:cNvPr id="32" name="Straight Arrow Connector 31">
+            <a:extLst>
+              <a:ext uri="{FF2B5EF4-FFF2-40B4-BE49-F238E27FC236}">
+                <a16:creationId xmlns:a16="http://schemas.microsoft.com/office/drawing/2014/main" id="{166579B7-9EB5-A37B-D7D0-0EEC0B6803AE}"/>
+              </a:ext>
+            </a:extLst>
+          </p:cNvPr>
+          <p:cNvCxnSpPr>
+            <a:cxnSpLocks/>
+            <a:stCxn id="15" idx="6"/>
+            <a:endCxn id="26" idx="2"/>
+          </p:cNvCxnSpPr>
+          <p:nvPr/>
+        </p:nvCxnSpPr>
+        <p:spPr>
+          <a:xfrm flipV="1">
+            <a:off x="7651402" y="2338146"/>
+            <a:ext cx="1293157" cy="3929"/>
+          </a:xfrm>
+          <a:prstGeom prst="straightConnector1">
+            <a:avLst/>
+          </a:prstGeom>
+          <a:ln w="34925">
+            <a:solidFill>
+              <a:srgbClr val="267326"/>
+            </a:solidFill>
+            <a:tailEnd type="triangle"/>
+          </a:ln>
+        </p:spPr>
+        <p:style>
+          <a:lnRef idx="1">
+            <a:schemeClr val="accent1"/>
+          </a:lnRef>
+          <a:fillRef idx="0">
+            <a:schemeClr val="accent1"/>
+          </a:fillRef>
+          <a:effectRef idx="0">
+            <a:schemeClr val="accent1"/>
+          </a:effectRef>
+          <a:fontRef idx="minor">
+            <a:schemeClr val="tx1"/>
+          </a:fontRef>
+        </p:style>
+      </p:cxnSp>
+      <p:cxnSp>
+        <p:nvCxnSpPr>
+          <p:cNvPr id="34" name="Straight Arrow Connector 33">
+            <a:extLst>
+              <a:ext uri="{FF2B5EF4-FFF2-40B4-BE49-F238E27FC236}">
+                <a16:creationId xmlns:a16="http://schemas.microsoft.com/office/drawing/2014/main" id="{49F8FCE9-625E-3019-9506-DB4366A32AC6}"/>
+              </a:ext>
+            </a:extLst>
+          </p:cNvPr>
+          <p:cNvCxnSpPr>
+            <a:cxnSpLocks/>
+            <a:stCxn id="26" idx="4"/>
+            <a:endCxn id="27" idx="0"/>
+          </p:cNvCxnSpPr>
+          <p:nvPr/>
+        </p:nvCxnSpPr>
+        <p:spPr>
+          <a:xfrm>
+            <a:off x="9759899" y="2715336"/>
+            <a:ext cx="0" cy="1496973"/>
+          </a:xfrm>
+          <a:prstGeom prst="straightConnector1">
+            <a:avLst/>
+          </a:prstGeom>
+          <a:ln w="34925">
+            <a:solidFill>
+              <a:srgbClr val="267326"/>
+            </a:solidFill>
+            <a:tailEnd type="triangle"/>
+          </a:ln>
+        </p:spPr>
+        <p:style>
+          <a:lnRef idx="1">
+            <a:schemeClr val="accent1"/>
+          </a:lnRef>
+          <a:fillRef idx="0">
+            <a:schemeClr val="accent1"/>
+          </a:fillRef>
+          <a:effectRef idx="0">
+            <a:schemeClr val="accent1"/>
+          </a:effectRef>
+          <a:fontRef idx="minor">
+            <a:schemeClr val="tx1"/>
+          </a:fontRef>
+        </p:style>
+      </p:cxnSp>
+      <p:cxnSp>
+        <p:nvCxnSpPr>
+          <p:cNvPr id="37" name="Straight Arrow Connector 36">
+            <a:extLst>
+              <a:ext uri="{FF2B5EF4-FFF2-40B4-BE49-F238E27FC236}">
+                <a16:creationId xmlns:a16="http://schemas.microsoft.com/office/drawing/2014/main" id="{55715120-9AEF-727F-AF81-D95E0E013E59}"/>
+              </a:ext>
+            </a:extLst>
+          </p:cNvPr>
+          <p:cNvCxnSpPr>
+            <a:cxnSpLocks/>
+            <a:stCxn id="27" idx="2"/>
+            <a:endCxn id="13" idx="6"/>
+          </p:cNvCxnSpPr>
+          <p:nvPr/>
+        </p:nvCxnSpPr>
+        <p:spPr>
+          <a:xfrm flipH="1">
+            <a:off x="4390042" y="4589499"/>
+            <a:ext cx="4554517" cy="0"/>
+          </a:xfrm>
+          <a:prstGeom prst="straightConnector1">
+            <a:avLst/>
+          </a:prstGeom>
+          <a:ln w="34925">
+            <a:solidFill>
+              <a:srgbClr val="267326"/>
+            </a:solidFill>
+            <a:tailEnd type="triangle"/>
+          </a:ln>
+        </p:spPr>
+        <p:style>
+          <a:lnRef idx="1">
+            <a:schemeClr val="accent1"/>
+          </a:lnRef>
+          <a:fillRef idx="0">
+            <a:schemeClr val="accent1"/>
+          </a:fillRef>
+          <a:effectRef idx="0">
+            <a:schemeClr val="accent1"/>
+          </a:effectRef>
+          <a:fontRef idx="minor">
+            <a:schemeClr val="tx1"/>
+          </a:fontRef>
+        </p:style>
+      </p:cxnSp>
+      <p:cxnSp>
+        <p:nvCxnSpPr>
+          <p:cNvPr id="40" name="Straight Arrow Connector 39">
+            <a:extLst>
+              <a:ext uri="{FF2B5EF4-FFF2-40B4-BE49-F238E27FC236}">
+                <a16:creationId xmlns:a16="http://schemas.microsoft.com/office/drawing/2014/main" id="{877155B9-7D29-7689-96CE-6ACB5D537AB5}"/>
+              </a:ext>
+            </a:extLst>
+          </p:cNvPr>
+          <p:cNvCxnSpPr>
+            <a:cxnSpLocks/>
+            <a:stCxn id="14" idx="4"/>
+          </p:cNvCxnSpPr>
+          <p:nvPr/>
+        </p:nvCxnSpPr>
+        <p:spPr>
+          <a:xfrm>
+            <a:off x="5205382" y="3842977"/>
+            <a:ext cx="0" cy="746522"/>
+          </a:xfrm>
+          <a:prstGeom prst="straightConnector1">
+            <a:avLst/>
+          </a:prstGeom>
+          <a:ln w="34925">
+            <a:solidFill>
+              <a:srgbClr val="267326"/>
+            </a:solidFill>
+            <a:tailEnd type="triangle"/>
+          </a:ln>
+        </p:spPr>
+        <p:style>
+          <a:lnRef idx="1">
+            <a:schemeClr val="accent1"/>
+          </a:lnRef>
+          <a:fillRef idx="0">
+            <a:schemeClr val="accent1"/>
+          </a:fillRef>
+          <a:effectRef idx="0">
+            <a:schemeClr val="accent1"/>
+          </a:effectRef>
+          <a:fontRef idx="minor">
+            <a:schemeClr val="tx1"/>
+          </a:fontRef>
+        </p:style>
+      </p:cxnSp>
+      <p:cxnSp>
+        <p:nvCxnSpPr>
+          <p:cNvPr id="43" name="Straight Arrow Connector 42">
+            <a:extLst>
+              <a:ext uri="{FF2B5EF4-FFF2-40B4-BE49-F238E27FC236}">
+                <a16:creationId xmlns:a16="http://schemas.microsoft.com/office/drawing/2014/main" id="{009A81FC-5496-1B64-61C2-0AACFC7477CD}"/>
+              </a:ext>
+            </a:extLst>
+          </p:cNvPr>
+          <p:cNvCxnSpPr>
+            <a:cxnSpLocks/>
+            <a:stCxn id="15" idx="4"/>
+          </p:cNvCxnSpPr>
+          <p:nvPr/>
+        </p:nvCxnSpPr>
+        <p:spPr>
+          <a:xfrm>
+            <a:off x="6836062" y="2719265"/>
+            <a:ext cx="0" cy="1870234"/>
+          </a:xfrm>
+          <a:prstGeom prst="straightConnector1">
+            <a:avLst/>
+          </a:prstGeom>
+          <a:ln w="34925">
+            <a:solidFill>
+              <a:srgbClr val="267326"/>
+            </a:solidFill>
+            <a:tailEnd type="triangle"/>
+          </a:ln>
+        </p:spPr>
+        <p:style>
+          <a:lnRef idx="1">
+            <a:schemeClr val="accent1"/>
+          </a:lnRef>
+          <a:fillRef idx="0">
+            <a:schemeClr val="accent1"/>
+          </a:fillRef>
+          <a:effectRef idx="0">
+            <a:schemeClr val="accent1"/>
+          </a:effectRef>
+          <a:fontRef idx="minor">
+            <a:schemeClr val="tx1"/>
+          </a:fontRef>
+        </p:style>
+      </p:cxnSp>
+      <p:sp>
+        <p:nvSpPr>
+          <p:cNvPr id="50" name="TextBox 49">
+            <a:extLst>
+              <a:ext uri="{FF2B5EF4-FFF2-40B4-BE49-F238E27FC236}">
+                <a16:creationId xmlns:a16="http://schemas.microsoft.com/office/drawing/2014/main" id="{7FD64F8A-ADAA-448E-7F19-BDDBEC30B4D5}"/>
+              </a:ext>
+            </a:extLst>
+          </p:cNvPr>
+          <p:cNvSpPr txBox="1"/>
+          <p:nvPr/>
+        </p:nvSpPr>
+        <p:spPr>
+          <a:xfrm>
+            <a:off x="8982929" y="1914930"/>
+            <a:ext cx="1553940" cy="854080"/>
+          </a:xfrm>
+          <a:prstGeom prst="rect">
+            <a:avLst/>
+          </a:prstGeom>
+          <a:noFill/>
+        </p:spPr>
+        <p:txBody>
+          <a:bodyPr wrap="square" rtlCol="0">
+            <a:spAutoFit/>
+          </a:bodyPr>
+          <a:lstStyle/>
+          <a:p>
+            <a:pPr algn="ctr"/>
+            <a:r>
+              <a:rPr lang="de-DE" sz="1600" dirty="0">
+                <a:solidFill>
+                  <a:srgbClr val="267326"/>
+                </a:solidFill>
+                <a:latin typeface="LM Roman 10" pitchFamily="2" charset="77"/>
+                <a:cs typeface="Didot" panose="02000503000000020003" pitchFamily="2" charset="-79"/>
+              </a:rPr>
+              <a:t>Nutzung</a:t>
+            </a:r>
+            <a:endParaRPr lang="de-DE" sz="2000" dirty="0">
+              <a:solidFill>
+                <a:srgbClr val="267326"/>
+              </a:solidFill>
+              <a:latin typeface="LM Roman 10" pitchFamily="2" charset="77"/>
+              <a:cs typeface="Didot" panose="02000503000000020003" pitchFamily="2" charset="-79"/>
+            </a:endParaRPr>
+          </a:p>
+          <a:p>
+            <a:pPr algn="ctr"/>
+            <a:r>
+              <a:rPr lang="de-DE" sz="1100" dirty="0">
+                <a:solidFill>
+                  <a:srgbClr val="267326"/>
+                </a:solidFill>
+                <a:latin typeface="LM Roman 10" pitchFamily="2" charset="77"/>
+                <a:cs typeface="Didot" panose="02000503000000020003" pitchFamily="2" charset="-79"/>
+              </a:rPr>
+              <a:t>instrumentell/</a:t>
+            </a:r>
+          </a:p>
+          <a:p>
+            <a:pPr algn="ctr"/>
+            <a:r>
+              <a:rPr lang="de-DE" sz="1100" dirty="0">
+                <a:solidFill>
+                  <a:srgbClr val="267326"/>
+                </a:solidFill>
+                <a:latin typeface="LM Roman 10" pitchFamily="2" charset="77"/>
+                <a:cs typeface="Didot" panose="02000503000000020003" pitchFamily="2" charset="-79"/>
+              </a:rPr>
+              <a:t>konzeptuell/</a:t>
+            </a:r>
+          </a:p>
+          <a:p>
+            <a:pPr algn="ctr"/>
+            <a:r>
+              <a:rPr lang="de-DE" sz="1100" dirty="0">
+                <a:solidFill>
+                  <a:srgbClr val="267326"/>
+                </a:solidFill>
+                <a:latin typeface="LM Roman 10" pitchFamily="2" charset="77"/>
+                <a:cs typeface="Didot" panose="02000503000000020003" pitchFamily="2" charset="-79"/>
+              </a:rPr>
+              <a:t>symbolisch</a:t>
+            </a:r>
+            <a:endParaRPr lang="en-US" sz="1100" dirty="0">
+              <a:solidFill>
+                <a:srgbClr val="267326"/>
+              </a:solidFill>
+              <a:latin typeface="LM Roman 10" pitchFamily="2" charset="77"/>
+              <a:cs typeface="Didot" panose="02000503000000020003" pitchFamily="2" charset="-79"/>
+            </a:endParaRPr>
+          </a:p>
+        </p:txBody>
+      </p:sp>
+      <p:sp>
+        <p:nvSpPr>
+          <p:cNvPr id="53" name="TextBox 52">
+            <a:extLst>
+              <a:ext uri="{FF2B5EF4-FFF2-40B4-BE49-F238E27FC236}">
+                <a16:creationId xmlns:a16="http://schemas.microsoft.com/office/drawing/2014/main" id="{029917AF-EE12-5D28-5562-0A98D90EB631}"/>
+              </a:ext>
+            </a:extLst>
+          </p:cNvPr>
+          <p:cNvSpPr txBox="1"/>
+          <p:nvPr/>
+        </p:nvSpPr>
+        <p:spPr>
+          <a:xfrm>
+            <a:off x="2929616" y="3795544"/>
+            <a:ext cx="1667307" cy="307777"/>
+          </a:xfrm>
+          <a:prstGeom prst="rect">
+            <a:avLst/>
+          </a:prstGeom>
+          <a:solidFill>
+            <a:srgbClr val="F2F2F2"/>
+          </a:solidFill>
+        </p:spPr>
+        <p:txBody>
+          <a:bodyPr wrap="square" rtlCol="0">
+            <a:spAutoFit/>
+          </a:bodyPr>
+          <a:lstStyle/>
+          <a:p>
+            <a:r>
+              <a:rPr lang="de-DE" sz="1400" dirty="0">
+                <a:solidFill>
+                  <a:srgbClr val="267326"/>
+                </a:solidFill>
+                <a:latin typeface="LM Roman 10" pitchFamily="2" charset="77"/>
+                <a:cs typeface="Didot" panose="02000503000000020003" pitchFamily="2" charset="-79"/>
+              </a:rPr>
+              <a:t>2) Zugriffsphase</a:t>
+            </a:r>
+            <a:endParaRPr lang="en-US" sz="1400" dirty="0">
+              <a:solidFill>
+                <a:srgbClr val="267326"/>
+              </a:solidFill>
+              <a:latin typeface="LM Roman 10" pitchFamily="2" charset="77"/>
+              <a:cs typeface="Didot" panose="02000503000000020003" pitchFamily="2" charset="-79"/>
+            </a:endParaRPr>
+          </a:p>
+        </p:txBody>
+      </p:sp>
+      <p:sp>
+        <p:nvSpPr>
+          <p:cNvPr id="54" name="TextBox 53">
+            <a:extLst>
+              <a:ext uri="{FF2B5EF4-FFF2-40B4-BE49-F238E27FC236}">
+                <a16:creationId xmlns:a16="http://schemas.microsoft.com/office/drawing/2014/main" id="{F4BF1643-F037-D0A5-7CD6-FB9BDE02E33D}"/>
+              </a:ext>
+            </a:extLst>
+          </p:cNvPr>
+          <p:cNvSpPr txBox="1"/>
+          <p:nvPr/>
+        </p:nvSpPr>
+        <p:spPr>
+          <a:xfrm>
+            <a:off x="4140586" y="2687489"/>
+            <a:ext cx="2211702" cy="307777"/>
+          </a:xfrm>
+          <a:prstGeom prst="rect">
+            <a:avLst/>
+          </a:prstGeom>
+          <a:solidFill>
+            <a:srgbClr val="F2F2F2"/>
+          </a:solidFill>
+        </p:spPr>
+        <p:txBody>
+          <a:bodyPr wrap="square" rtlCol="0">
+            <a:spAutoFit/>
+          </a:bodyPr>
+          <a:lstStyle/>
+          <a:p>
+            <a:r>
+              <a:rPr lang="de-DE" sz="1400" dirty="0">
+                <a:solidFill>
+                  <a:srgbClr val="267326"/>
+                </a:solidFill>
+                <a:latin typeface="LM Roman 10" pitchFamily="2" charset="77"/>
+                <a:cs typeface="Didot" panose="02000503000000020003" pitchFamily="2" charset="-79"/>
+              </a:rPr>
+              <a:t>3) Schlussfolgerungsphase</a:t>
+            </a:r>
+            <a:endParaRPr lang="en-US" sz="1400" dirty="0">
+              <a:solidFill>
+                <a:srgbClr val="267326"/>
+              </a:solidFill>
+              <a:latin typeface="LM Roman 10" pitchFamily="2" charset="77"/>
+              <a:cs typeface="Didot" panose="02000503000000020003" pitchFamily="2" charset="-79"/>
+            </a:endParaRPr>
+          </a:p>
+        </p:txBody>
+      </p:sp>
+      <p:sp>
+        <p:nvSpPr>
+          <p:cNvPr id="55" name="TextBox 54">
+            <a:extLst>
+              <a:ext uri="{FF2B5EF4-FFF2-40B4-BE49-F238E27FC236}">
+                <a16:creationId xmlns:a16="http://schemas.microsoft.com/office/drawing/2014/main" id="{826285A5-86AB-FFF9-F41D-E2FDA68CD35F}"/>
+              </a:ext>
+            </a:extLst>
+          </p:cNvPr>
+          <p:cNvSpPr txBox="1"/>
+          <p:nvPr/>
+        </p:nvSpPr>
+        <p:spPr>
+          <a:xfrm>
+            <a:off x="8944559" y="3321393"/>
+            <a:ext cx="1761541" cy="307777"/>
+          </a:xfrm>
+          <a:prstGeom prst="rect">
+            <a:avLst/>
+          </a:prstGeom>
+          <a:solidFill>
+            <a:srgbClr val="F2F2F2"/>
+          </a:solidFill>
+        </p:spPr>
+        <p:txBody>
+          <a:bodyPr wrap="square" rtlCol="0">
+            <a:spAutoFit/>
+          </a:bodyPr>
+          <a:lstStyle/>
+          <a:p>
+            <a:r>
+              <a:rPr lang="de-DE" sz="1400" dirty="0">
+                <a:solidFill>
+                  <a:srgbClr val="267326"/>
+                </a:solidFill>
+                <a:latin typeface="LM Roman 10" pitchFamily="2" charset="77"/>
+                <a:cs typeface="Didot" panose="02000503000000020003" pitchFamily="2" charset="-79"/>
+              </a:rPr>
+              <a:t>5) Evaluationsphase</a:t>
+            </a:r>
+            <a:endParaRPr lang="en-US" sz="1400" dirty="0">
+              <a:solidFill>
+                <a:srgbClr val="267326"/>
+              </a:solidFill>
+              <a:latin typeface="LM Roman 10" pitchFamily="2" charset="77"/>
+              <a:cs typeface="Didot" panose="02000503000000020003" pitchFamily="2" charset="-79"/>
+            </a:endParaRPr>
+          </a:p>
+        </p:txBody>
+      </p:sp>
+      <p:sp>
+        <p:nvSpPr>
+          <p:cNvPr id="56" name="TextBox 55">
+            <a:extLst>
+              <a:ext uri="{FF2B5EF4-FFF2-40B4-BE49-F238E27FC236}">
+                <a16:creationId xmlns:a16="http://schemas.microsoft.com/office/drawing/2014/main" id="{E1454FA1-25A8-7B63-A728-B46473330DD8}"/>
+              </a:ext>
+            </a:extLst>
+          </p:cNvPr>
+          <p:cNvSpPr txBox="1"/>
+          <p:nvPr/>
+        </p:nvSpPr>
+        <p:spPr>
+          <a:xfrm>
+            <a:off x="8092593" y="1217956"/>
+            <a:ext cx="400110" cy="1870642"/>
+          </a:xfrm>
+          <a:prstGeom prst="rect">
+            <a:avLst/>
+          </a:prstGeom>
+          <a:solidFill>
+            <a:srgbClr val="F2F2F2"/>
+          </a:solidFill>
+        </p:spPr>
+        <p:txBody>
+          <a:bodyPr vert="vert270" wrap="square" rtlCol="0">
+            <a:spAutoFit/>
+          </a:bodyPr>
+          <a:lstStyle/>
+          <a:p>
+            <a:r>
+              <a:rPr lang="de-DE" sz="1400" dirty="0">
+                <a:solidFill>
+                  <a:srgbClr val="267326"/>
+                </a:solidFill>
+                <a:latin typeface="LM Roman 10" pitchFamily="2" charset="77"/>
+                <a:cs typeface="Didot" panose="02000503000000020003" pitchFamily="2" charset="-79"/>
+              </a:rPr>
+              <a:t>4) Anwendungsphase</a:t>
+            </a:r>
+            <a:endParaRPr lang="en-US" sz="1400" dirty="0">
+              <a:solidFill>
+                <a:srgbClr val="267326"/>
+              </a:solidFill>
+              <a:latin typeface="LM Roman 10" pitchFamily="2" charset="77"/>
+              <a:cs typeface="Didot" panose="02000503000000020003" pitchFamily="2" charset="-79"/>
+            </a:endParaRPr>
+          </a:p>
+        </p:txBody>
+      </p:sp>
+      <p:cxnSp>
+        <p:nvCxnSpPr>
+          <p:cNvPr id="2" name="Connector: Curved 19">
+            <a:extLst>
+              <a:ext uri="{FF2B5EF4-FFF2-40B4-BE49-F238E27FC236}">
+                <a16:creationId xmlns:a16="http://schemas.microsoft.com/office/drawing/2014/main" id="{79AD504F-1947-BB8D-D92A-C6FFAA276207}"/>
+              </a:ext>
+            </a:extLst>
+          </p:cNvPr>
+          <p:cNvCxnSpPr>
+            <a:cxnSpLocks/>
+          </p:cNvCxnSpPr>
+          <p:nvPr/>
+        </p:nvCxnSpPr>
+        <p:spPr>
+          <a:xfrm rot="5400000" flipH="1" flipV="1">
+            <a:off x="1963885" y="4555090"/>
+            <a:ext cx="746522" cy="815340"/>
+          </a:xfrm>
+          <a:prstGeom prst="curvedConnector2">
+            <a:avLst/>
+          </a:prstGeom>
+          <a:ln w="34925">
+            <a:solidFill>
+              <a:srgbClr val="267326"/>
+            </a:solidFill>
+            <a:tailEnd type="triangle"/>
+          </a:ln>
+        </p:spPr>
+        <p:style>
+          <a:lnRef idx="1">
+            <a:schemeClr val="accent1"/>
+          </a:lnRef>
+          <a:fillRef idx="0">
+            <a:schemeClr val="accent1"/>
+          </a:fillRef>
+          <a:effectRef idx="0">
+            <a:schemeClr val="accent1"/>
+          </a:effectRef>
+          <a:fontRef idx="minor">
+            <a:schemeClr val="tx1"/>
+          </a:fontRef>
+        </p:style>
+      </p:cxnSp>
+      <p:sp>
+        <p:nvSpPr>
+          <p:cNvPr id="3" name="TextBox 52">
+            <a:extLst>
+              <a:ext uri="{FF2B5EF4-FFF2-40B4-BE49-F238E27FC236}">
+                <a16:creationId xmlns:a16="http://schemas.microsoft.com/office/drawing/2014/main" id="{D5A8C5B0-BC37-0A64-9412-8C506A465311}"/>
+              </a:ext>
+            </a:extLst>
+          </p:cNvPr>
+          <p:cNvSpPr txBox="1"/>
+          <p:nvPr/>
+        </p:nvSpPr>
+        <p:spPr>
+          <a:xfrm>
+            <a:off x="1072542" y="5326803"/>
+            <a:ext cx="2110495" cy="307777"/>
+          </a:xfrm>
+          <a:prstGeom prst="rect">
+            <a:avLst/>
+          </a:prstGeom>
+          <a:solidFill>
+            <a:srgbClr val="F2F2F2"/>
+          </a:solidFill>
+        </p:spPr>
+        <p:txBody>
+          <a:bodyPr wrap="square" rtlCol="0">
+            <a:spAutoFit/>
+          </a:bodyPr>
+          <a:lstStyle/>
+          <a:p>
+            <a:r>
+              <a:rPr lang="de-DE" sz="1400" dirty="0">
+                <a:solidFill>
+                  <a:srgbClr val="267326"/>
+                </a:solidFill>
+                <a:latin typeface="LM Roman 10" pitchFamily="2" charset="77"/>
+                <a:cs typeface="Didot" panose="02000503000000020003" pitchFamily="2" charset="-79"/>
+              </a:rPr>
+              <a:t>1) Konzeptuelle Phase</a:t>
+            </a:r>
+            <a:endParaRPr lang="en-US" sz="1400" dirty="0">
+              <a:solidFill>
+                <a:srgbClr val="267326"/>
+              </a:solidFill>
+              <a:latin typeface="LM Roman 10" pitchFamily="2" charset="77"/>
+              <a:cs typeface="Didot" panose="02000503000000020003" pitchFamily="2" charset="-79"/>
+            </a:endParaRPr>
+          </a:p>
+        </p:txBody>
+      </p:sp>
+      <p:sp>
+        <p:nvSpPr>
+          <p:cNvPr id="16" name="Textfeld 15">
+            <a:extLst>
+              <a:ext uri="{FF2B5EF4-FFF2-40B4-BE49-F238E27FC236}">
+                <a16:creationId xmlns:a16="http://schemas.microsoft.com/office/drawing/2014/main" id="{F0D1B2F8-9C8B-292F-AA60-FD23A1D1C222}"/>
+              </a:ext>
+            </a:extLst>
+          </p:cNvPr>
+          <p:cNvSpPr txBox="1"/>
+          <p:nvPr/>
+        </p:nvSpPr>
+        <p:spPr>
+          <a:xfrm>
+            <a:off x="6397152" y="2168869"/>
+            <a:ext cx="815340" cy="338554"/>
+          </a:xfrm>
+          <a:prstGeom prst="rect">
+            <a:avLst/>
+          </a:prstGeom>
+          <a:noFill/>
+        </p:spPr>
+        <p:txBody>
+          <a:bodyPr wrap="square" rtlCol="0">
+            <a:spAutoFit/>
+          </a:bodyPr>
+          <a:lstStyle/>
+          <a:p>
+            <a:r>
+              <a:rPr lang="de-DE" sz="1600" dirty="0">
+                <a:solidFill>
+                  <a:srgbClr val="267326"/>
+                </a:solidFill>
+                <a:latin typeface="LM Roman 10" pitchFamily="2" charset="77"/>
+                <a:cs typeface="Didot" panose="02000503000000020003" pitchFamily="2" charset="-79"/>
+              </a:rPr>
+              <a:t>Wissen</a:t>
+            </a:r>
+            <a:endParaRPr lang="de-DE" dirty="0">
+              <a:solidFill>
+                <a:srgbClr val="267326"/>
+              </a:solidFill>
+            </a:endParaRPr>
+          </a:p>
+        </p:txBody>
+      </p:sp>
+      <p:sp>
+        <p:nvSpPr>
+          <p:cNvPr id="6" name="Textfeld 5">
+            <a:extLst>
+              <a:ext uri="{FF2B5EF4-FFF2-40B4-BE49-F238E27FC236}">
+                <a16:creationId xmlns:a16="http://schemas.microsoft.com/office/drawing/2014/main" id="{28753A68-9EF3-34E0-F30F-923284A1A4B6}"/>
+              </a:ext>
+            </a:extLst>
+          </p:cNvPr>
+          <p:cNvSpPr txBox="1"/>
+          <p:nvPr/>
+        </p:nvSpPr>
+        <p:spPr>
+          <a:xfrm>
+            <a:off x="3126631" y="4404153"/>
+            <a:ext cx="896142" cy="369332"/>
+          </a:xfrm>
+          <a:prstGeom prst="rect">
+            <a:avLst/>
+          </a:prstGeom>
+          <a:noFill/>
+        </p:spPr>
+        <p:txBody>
+          <a:bodyPr wrap="square" rtlCol="0">
+            <a:spAutoFit/>
+          </a:bodyPr>
+          <a:lstStyle/>
+          <a:p>
+            <a:r>
+              <a:rPr lang="de-DE" sz="1800" dirty="0">
+                <a:solidFill>
+                  <a:srgbClr val="267326"/>
+                </a:solidFill>
+                <a:latin typeface="LM Roman 10" pitchFamily="2" charset="77"/>
+                <a:cs typeface="Didot" panose="02000503000000020003" pitchFamily="2" charset="-79"/>
+              </a:rPr>
+              <a:t>Anlass</a:t>
+            </a:r>
+            <a:endParaRPr lang="de-DE" dirty="0">
+              <a:solidFill>
+                <a:srgbClr val="267326"/>
+              </a:solidFill>
+            </a:endParaRPr>
+          </a:p>
+        </p:txBody>
+      </p:sp>
+    </p:spTree>
+    <p:extLst>
+      <p:ext uri="{BB962C8B-B14F-4D97-AF65-F5344CB8AC3E}">
+        <p14:creationId xmlns:p14="http://schemas.microsoft.com/office/powerpoint/2010/main" val="897756184"/>
+      </p:ext>
+    </p:extLst>
+  </p:cSld>
+  <p:clrMapOvr>
+    <a:masterClrMapping/>
+  </p:clrMapOvr>
+</p:sld>
+</file>
+
+<file path=ppt/slides/slide9.xml><?xml version="1.0" encoding="utf-8"?>
+<p:sld xmlns:a="http://schemas.openxmlformats.org/drawingml/2006/main" xmlns:r="http://schemas.openxmlformats.org/officeDocument/2006/relationships" xmlns:p="http://schemas.openxmlformats.org/presentationml/2006/main">
+  <p:cSld>
+    <p:spTree>
+      <p:nvGrpSpPr>
+        <p:cNvPr id="1" name=""/>
+        <p:cNvGrpSpPr/>
+        <p:nvPr/>
+      </p:nvGrpSpPr>
+      <p:grpSpPr>
+        <a:xfrm>
+          <a:off x="0" y="0"/>
+          <a:ext cx="0" cy="0"/>
+          <a:chOff x="0" y="0"/>
+          <a:chExt cx="0" cy="0"/>
+        </a:xfrm>
+      </p:grpSpPr>
+      <p:sp>
+        <p:nvSpPr>
+          <p:cNvPr id="4" name="Rectangle: Rounded Corners 3">
+            <a:extLst>
+              <a:ext uri="{FF2B5EF4-FFF2-40B4-BE49-F238E27FC236}">
+                <a16:creationId xmlns:a16="http://schemas.microsoft.com/office/drawing/2014/main" id="{2D443806-1B78-F60A-17BD-3154C6BDE4EA}"/>
+              </a:ext>
+            </a:extLst>
+          </p:cNvPr>
+          <p:cNvSpPr/>
+          <p:nvPr/>
+        </p:nvSpPr>
+        <p:spPr>
+          <a:xfrm>
+            <a:off x="90197" y="149290"/>
+            <a:ext cx="12011608" cy="6559420"/>
+          </a:xfrm>
+          <a:prstGeom prst="roundRect">
+            <a:avLst>
+              <a:gd name="adj" fmla="val 2087"/>
+            </a:avLst>
+          </a:prstGeom>
+          <a:noFill/>
+          <a:ln>
+            <a:solidFill>
+              <a:srgbClr val="267326"/>
+            </a:solidFill>
+            <a:prstDash val="dash"/>
+            <a:extLst>
+              <a:ext uri="{C807C97D-BFC1-408E-A445-0C87EB9F89A2}">
+                <ask:lineSketchStyleProps xmlns:ask="http://schemas.microsoft.com/office/drawing/2018/sketchyshapes" sd="1219033472">
+                  <a:custGeom>
+                    <a:avLst/>
+                    <a:gdLst>
+                      <a:gd name="connsiteX0" fmla="*/ 0 w 12011608"/>
+                      <a:gd name="connsiteY0" fmla="*/ 1093259 h 6559420"/>
+                      <a:gd name="connsiteX1" fmla="*/ 1093259 w 12011608"/>
+                      <a:gd name="connsiteY1" fmla="*/ 0 h 6559420"/>
+                      <a:gd name="connsiteX2" fmla="*/ 10918349 w 12011608"/>
+                      <a:gd name="connsiteY2" fmla="*/ 0 h 6559420"/>
+                      <a:gd name="connsiteX3" fmla="*/ 12011608 w 12011608"/>
+                      <a:gd name="connsiteY3" fmla="*/ 1093259 h 6559420"/>
+                      <a:gd name="connsiteX4" fmla="*/ 12011608 w 12011608"/>
+                      <a:gd name="connsiteY4" fmla="*/ 5466161 h 6559420"/>
+                      <a:gd name="connsiteX5" fmla="*/ 10918349 w 12011608"/>
+                      <a:gd name="connsiteY5" fmla="*/ 6559420 h 6559420"/>
+                      <a:gd name="connsiteX6" fmla="*/ 1093259 w 12011608"/>
+                      <a:gd name="connsiteY6" fmla="*/ 6559420 h 6559420"/>
+                      <a:gd name="connsiteX7" fmla="*/ 0 w 12011608"/>
+                      <a:gd name="connsiteY7" fmla="*/ 5466161 h 6559420"/>
+                      <a:gd name="connsiteX8" fmla="*/ 0 w 12011608"/>
+                      <a:gd name="connsiteY8" fmla="*/ 1093259 h 6559420"/>
+                    </a:gdLst>
+                    <a:ahLst/>
+                    <a:cxnLst>
+                      <a:cxn ang="0">
+                        <a:pos x="connsiteX0" y="connsiteY0"/>
+                      </a:cxn>
+                      <a:cxn ang="0">
+                        <a:pos x="connsiteX1" y="connsiteY1"/>
+                      </a:cxn>
+                      <a:cxn ang="0">
+                        <a:pos x="connsiteX2" y="connsiteY2"/>
+                      </a:cxn>
+                      <a:cxn ang="0">
+                        <a:pos x="connsiteX3" y="connsiteY3"/>
+                      </a:cxn>
+                      <a:cxn ang="0">
+                        <a:pos x="connsiteX4" y="connsiteY4"/>
+                      </a:cxn>
+                      <a:cxn ang="0">
+                        <a:pos x="connsiteX5" y="connsiteY5"/>
+                      </a:cxn>
+                      <a:cxn ang="0">
+                        <a:pos x="connsiteX6" y="connsiteY6"/>
+                      </a:cxn>
+                      <a:cxn ang="0">
+                        <a:pos x="connsiteX7" y="connsiteY7"/>
+                      </a:cxn>
+                      <a:cxn ang="0">
+                        <a:pos x="connsiteX8" y="connsiteY8"/>
+                      </a:cxn>
+                    </a:cxnLst>
+                    <a:rect l="l" t="t" r="r" b="b"/>
+                    <a:pathLst>
+                      <a:path w="12011608" h="6559420" extrusionOk="0">
+                        <a:moveTo>
+                          <a:pt x="0" y="1093259"/>
+                        </a:moveTo>
+                        <a:cubicBezTo>
+                          <a:pt x="-7845" y="484630"/>
+                          <a:pt x="467865" y="8108"/>
+                          <a:pt x="1093259" y="0"/>
+                        </a:cubicBezTo>
+                        <a:cubicBezTo>
+                          <a:pt x="4384189" y="132882"/>
+                          <a:pt x="7819229" y="-84951"/>
+                          <a:pt x="10918349" y="0"/>
+                        </a:cubicBezTo>
+                        <a:cubicBezTo>
+                          <a:pt x="11473475" y="47523"/>
+                          <a:pt x="11990134" y="608160"/>
+                          <a:pt x="12011608" y="1093259"/>
+                        </a:cubicBezTo>
+                        <a:cubicBezTo>
+                          <a:pt x="12031795" y="2900874"/>
+                          <a:pt x="12164088" y="4134857"/>
+                          <a:pt x="12011608" y="5466161"/>
+                        </a:cubicBezTo>
+                        <a:cubicBezTo>
+                          <a:pt x="12036918" y="6072954"/>
+                          <a:pt x="11571857" y="6457101"/>
+                          <a:pt x="10918349" y="6559420"/>
+                        </a:cubicBezTo>
+                        <a:cubicBezTo>
+                          <a:pt x="9602557" y="6647059"/>
+                          <a:pt x="3354151" y="6486741"/>
+                          <a:pt x="1093259" y="6559420"/>
+                        </a:cubicBezTo>
+                        <a:cubicBezTo>
+                          <a:pt x="482666" y="6494544"/>
+                          <a:pt x="-19749" y="6097396"/>
+                          <a:pt x="0" y="5466161"/>
+                        </a:cubicBezTo>
+                        <a:cubicBezTo>
+                          <a:pt x="-38581" y="3816704"/>
+                          <a:pt x="63341" y="3160269"/>
+                          <a:pt x="0" y="1093259"/>
+                        </a:cubicBezTo>
+                        <a:close/>
+                      </a:path>
+                    </a:pathLst>
+                  </a:custGeom>
+                  <ask:type>
+                    <ask:lineSketchNone/>
+                  </ask:type>
+                </ask:lineSketchStyleProps>
+              </a:ext>
+            </a:extLst>
+          </a:ln>
+        </p:spPr>
+        <p:style>
+          <a:lnRef idx="2">
+            <a:schemeClr val="accent1">
+              <a:shade val="50000"/>
+            </a:schemeClr>
+          </a:lnRef>
+          <a:fillRef idx="1">
+            <a:schemeClr val="accent1"/>
+          </a:fillRef>
+          <a:effectRef idx="0">
+            <a:schemeClr val="accent1"/>
+          </a:effectRef>
+          <a:fontRef idx="minor">
+            <a:schemeClr val="lt1"/>
+          </a:fontRef>
+        </p:style>
+        <p:txBody>
+          <a:bodyPr rtlCol="0" anchor="ctr"/>
+          <a:lstStyle/>
+          <a:p>
+            <a:pPr algn="ctr"/>
+            <a:endParaRPr lang="en-US" dirty="0">
+              <a:solidFill>
+                <a:srgbClr val="267326"/>
+              </a:solidFill>
+              <a:latin typeface="LM Roman 10" pitchFamily="2" charset="77"/>
+              <a:cs typeface="Didot" panose="02000503000000020003" pitchFamily="2" charset="-79"/>
+            </a:endParaRPr>
+          </a:p>
+        </p:txBody>
+      </p:sp>
+      <p:sp>
+        <p:nvSpPr>
+          <p:cNvPr id="7" name="Rectangle: Rounded Corners 6">
+            <a:extLst>
+              <a:ext uri="{FF2B5EF4-FFF2-40B4-BE49-F238E27FC236}">
+                <a16:creationId xmlns:a16="http://schemas.microsoft.com/office/drawing/2014/main" id="{7E31F85C-7964-9E7D-59BD-F1D7029E5CEF}"/>
+              </a:ext>
+            </a:extLst>
+          </p:cNvPr>
+          <p:cNvSpPr/>
+          <p:nvPr/>
+        </p:nvSpPr>
+        <p:spPr>
+          <a:xfrm>
+            <a:off x="400881" y="522757"/>
+            <a:ext cx="11390238" cy="5812486"/>
+          </a:xfrm>
+          <a:prstGeom prst="roundRect">
+            <a:avLst>
+              <a:gd name="adj" fmla="val 2087"/>
+            </a:avLst>
+          </a:prstGeom>
+          <a:noFill/>
+          <a:ln>
+            <a:solidFill>
+              <a:srgbClr val="267326"/>
+            </a:solidFill>
+            <a:prstDash val="dash"/>
+            <a:extLst>
+              <a:ext uri="{C807C97D-BFC1-408E-A445-0C87EB9F89A2}">
+                <ask:lineSketchStyleProps xmlns:ask="http://schemas.microsoft.com/office/drawing/2018/sketchyshapes" sd="1219033472">
+                  <a:custGeom>
+                    <a:avLst/>
+                    <a:gdLst>
+                      <a:gd name="connsiteX0" fmla="*/ 0 w 12011608"/>
+                      <a:gd name="connsiteY0" fmla="*/ 1093259 h 6559420"/>
+                      <a:gd name="connsiteX1" fmla="*/ 1093259 w 12011608"/>
+                      <a:gd name="connsiteY1" fmla="*/ 0 h 6559420"/>
+                      <a:gd name="connsiteX2" fmla="*/ 10918349 w 12011608"/>
+                      <a:gd name="connsiteY2" fmla="*/ 0 h 6559420"/>
+                      <a:gd name="connsiteX3" fmla="*/ 12011608 w 12011608"/>
+                      <a:gd name="connsiteY3" fmla="*/ 1093259 h 6559420"/>
+                      <a:gd name="connsiteX4" fmla="*/ 12011608 w 12011608"/>
+                      <a:gd name="connsiteY4" fmla="*/ 5466161 h 6559420"/>
+                      <a:gd name="connsiteX5" fmla="*/ 10918349 w 12011608"/>
+                      <a:gd name="connsiteY5" fmla="*/ 6559420 h 6559420"/>
+                      <a:gd name="connsiteX6" fmla="*/ 1093259 w 12011608"/>
+                      <a:gd name="connsiteY6" fmla="*/ 6559420 h 6559420"/>
+                      <a:gd name="connsiteX7" fmla="*/ 0 w 12011608"/>
+                      <a:gd name="connsiteY7" fmla="*/ 5466161 h 6559420"/>
+                      <a:gd name="connsiteX8" fmla="*/ 0 w 12011608"/>
+                      <a:gd name="connsiteY8" fmla="*/ 1093259 h 6559420"/>
+                    </a:gdLst>
+                    <a:ahLst/>
+                    <a:cxnLst>
+                      <a:cxn ang="0">
+                        <a:pos x="connsiteX0" y="connsiteY0"/>
+                      </a:cxn>
+                      <a:cxn ang="0">
+                        <a:pos x="connsiteX1" y="connsiteY1"/>
+                      </a:cxn>
+                      <a:cxn ang="0">
+                        <a:pos x="connsiteX2" y="connsiteY2"/>
+                      </a:cxn>
+                      <a:cxn ang="0">
+                        <a:pos x="connsiteX3" y="connsiteY3"/>
+                      </a:cxn>
+                      <a:cxn ang="0">
+                        <a:pos x="connsiteX4" y="connsiteY4"/>
+                      </a:cxn>
+                      <a:cxn ang="0">
+                        <a:pos x="connsiteX5" y="connsiteY5"/>
+                      </a:cxn>
+                      <a:cxn ang="0">
+                        <a:pos x="connsiteX6" y="connsiteY6"/>
+                      </a:cxn>
+                      <a:cxn ang="0">
+                        <a:pos x="connsiteX7" y="connsiteY7"/>
+                      </a:cxn>
+                      <a:cxn ang="0">
+                        <a:pos x="connsiteX8" y="connsiteY8"/>
+                      </a:cxn>
+                    </a:cxnLst>
+                    <a:rect l="l" t="t" r="r" b="b"/>
+                    <a:pathLst>
+                      <a:path w="12011608" h="6559420" extrusionOk="0">
+                        <a:moveTo>
+                          <a:pt x="0" y="1093259"/>
+                        </a:moveTo>
+                        <a:cubicBezTo>
+                          <a:pt x="-7845" y="484630"/>
+                          <a:pt x="467865" y="8108"/>
+                          <a:pt x="1093259" y="0"/>
+                        </a:cubicBezTo>
+                        <a:cubicBezTo>
+                          <a:pt x="4384189" y="132882"/>
+                          <a:pt x="7819229" y="-84951"/>
+                          <a:pt x="10918349" y="0"/>
+                        </a:cubicBezTo>
+                        <a:cubicBezTo>
+                          <a:pt x="11473475" y="47523"/>
+                          <a:pt x="11990134" y="608160"/>
+                          <a:pt x="12011608" y="1093259"/>
+                        </a:cubicBezTo>
+                        <a:cubicBezTo>
+                          <a:pt x="12031795" y="2900874"/>
+                          <a:pt x="12164088" y="4134857"/>
+                          <a:pt x="12011608" y="5466161"/>
+                        </a:cubicBezTo>
+                        <a:cubicBezTo>
+                          <a:pt x="12036918" y="6072954"/>
+                          <a:pt x="11571857" y="6457101"/>
+                          <a:pt x="10918349" y="6559420"/>
+                        </a:cubicBezTo>
+                        <a:cubicBezTo>
+                          <a:pt x="9602557" y="6647059"/>
+                          <a:pt x="3354151" y="6486741"/>
+                          <a:pt x="1093259" y="6559420"/>
+                        </a:cubicBezTo>
+                        <a:cubicBezTo>
+                          <a:pt x="482666" y="6494544"/>
+                          <a:pt x="-19749" y="6097396"/>
+                          <a:pt x="0" y="5466161"/>
+                        </a:cubicBezTo>
+                        <a:cubicBezTo>
+                          <a:pt x="-38581" y="3816704"/>
+                          <a:pt x="63341" y="3160269"/>
+                          <a:pt x="0" y="1093259"/>
+                        </a:cubicBezTo>
+                        <a:close/>
+                      </a:path>
+                    </a:pathLst>
+                  </a:custGeom>
+                  <ask:type>
+                    <ask:lineSketchNone/>
+                  </ask:type>
+                </ask:lineSketchStyleProps>
+              </a:ext>
+            </a:extLst>
+          </a:ln>
+        </p:spPr>
+        <p:style>
+          <a:lnRef idx="2">
+            <a:schemeClr val="accent1">
+              <a:shade val="50000"/>
+            </a:schemeClr>
+          </a:lnRef>
+          <a:fillRef idx="1">
+            <a:schemeClr val="accent1"/>
+          </a:fillRef>
+          <a:effectRef idx="0">
+            <a:schemeClr val="accent1"/>
+          </a:effectRef>
+          <a:fontRef idx="minor">
+            <a:schemeClr val="lt1"/>
+          </a:fontRef>
+        </p:style>
+        <p:txBody>
+          <a:bodyPr rtlCol="0" anchor="ctr"/>
+          <a:lstStyle/>
+          <a:p>
+            <a:pPr algn="ctr"/>
+            <a:endParaRPr lang="en-US" dirty="0">
+              <a:solidFill>
+                <a:srgbClr val="267326"/>
+              </a:solidFill>
+              <a:latin typeface="LM Roman 10" pitchFamily="2" charset="77"/>
+              <a:cs typeface="Didot" panose="02000503000000020003" pitchFamily="2" charset="-79"/>
+            </a:endParaRPr>
+          </a:p>
+        </p:txBody>
+      </p:sp>
+      <p:sp>
+        <p:nvSpPr>
+          <p:cNvPr id="8" name="Rectangle: Rounded Corners 7">
+            <a:extLst>
+              <a:ext uri="{FF2B5EF4-FFF2-40B4-BE49-F238E27FC236}">
+                <a16:creationId xmlns:a16="http://schemas.microsoft.com/office/drawing/2014/main" id="{7751CDBA-94D4-E5A6-7DF9-44DFA078906F}"/>
+              </a:ext>
+            </a:extLst>
+          </p:cNvPr>
+          <p:cNvSpPr/>
+          <p:nvPr/>
+        </p:nvSpPr>
+        <p:spPr>
+          <a:xfrm>
+            <a:off x="820633" y="867212"/>
+            <a:ext cx="7585136" cy="5123576"/>
+          </a:xfrm>
+          <a:prstGeom prst="roundRect">
+            <a:avLst>
+              <a:gd name="adj" fmla="val 2087"/>
+            </a:avLst>
+          </a:prstGeom>
+          <a:noFill/>
+          <a:ln>
+            <a:solidFill>
+              <a:srgbClr val="267326"/>
+            </a:solidFill>
+            <a:prstDash val="dash"/>
+            <a:extLst>
+              <a:ext uri="{C807C97D-BFC1-408E-A445-0C87EB9F89A2}">
+                <ask:lineSketchStyleProps xmlns:ask="http://schemas.microsoft.com/office/drawing/2018/sketchyshapes" sd="1219033472">
+                  <a:custGeom>
+                    <a:avLst/>
+                    <a:gdLst>
+                      <a:gd name="connsiteX0" fmla="*/ 0 w 12011608"/>
+                      <a:gd name="connsiteY0" fmla="*/ 1093259 h 6559420"/>
+                      <a:gd name="connsiteX1" fmla="*/ 1093259 w 12011608"/>
+                      <a:gd name="connsiteY1" fmla="*/ 0 h 6559420"/>
+                      <a:gd name="connsiteX2" fmla="*/ 10918349 w 12011608"/>
+                      <a:gd name="connsiteY2" fmla="*/ 0 h 6559420"/>
+                      <a:gd name="connsiteX3" fmla="*/ 12011608 w 12011608"/>
+                      <a:gd name="connsiteY3" fmla="*/ 1093259 h 6559420"/>
+                      <a:gd name="connsiteX4" fmla="*/ 12011608 w 12011608"/>
+                      <a:gd name="connsiteY4" fmla="*/ 5466161 h 6559420"/>
+                      <a:gd name="connsiteX5" fmla="*/ 10918349 w 12011608"/>
+                      <a:gd name="connsiteY5" fmla="*/ 6559420 h 6559420"/>
+                      <a:gd name="connsiteX6" fmla="*/ 1093259 w 12011608"/>
+                      <a:gd name="connsiteY6" fmla="*/ 6559420 h 6559420"/>
+                      <a:gd name="connsiteX7" fmla="*/ 0 w 12011608"/>
+                      <a:gd name="connsiteY7" fmla="*/ 5466161 h 6559420"/>
+                      <a:gd name="connsiteX8" fmla="*/ 0 w 12011608"/>
+                      <a:gd name="connsiteY8" fmla="*/ 1093259 h 6559420"/>
+                    </a:gdLst>
+                    <a:ahLst/>
+                    <a:cxnLst>
+                      <a:cxn ang="0">
+                        <a:pos x="connsiteX0" y="connsiteY0"/>
+                      </a:cxn>
+                      <a:cxn ang="0">
+                        <a:pos x="connsiteX1" y="connsiteY1"/>
+                      </a:cxn>
+                      <a:cxn ang="0">
+                        <a:pos x="connsiteX2" y="connsiteY2"/>
+                      </a:cxn>
+                      <a:cxn ang="0">
+                        <a:pos x="connsiteX3" y="connsiteY3"/>
+                      </a:cxn>
+                      <a:cxn ang="0">
+                        <a:pos x="connsiteX4" y="connsiteY4"/>
+                      </a:cxn>
+                      <a:cxn ang="0">
+                        <a:pos x="connsiteX5" y="connsiteY5"/>
+                      </a:cxn>
+                      <a:cxn ang="0">
+                        <a:pos x="connsiteX6" y="connsiteY6"/>
+                      </a:cxn>
+                      <a:cxn ang="0">
+                        <a:pos x="connsiteX7" y="connsiteY7"/>
+                      </a:cxn>
+                      <a:cxn ang="0">
+                        <a:pos x="connsiteX8" y="connsiteY8"/>
+                      </a:cxn>
+                    </a:cxnLst>
+                    <a:rect l="l" t="t" r="r" b="b"/>
+                    <a:pathLst>
+                      <a:path w="12011608" h="6559420" extrusionOk="0">
+                        <a:moveTo>
+                          <a:pt x="0" y="1093259"/>
+                        </a:moveTo>
+                        <a:cubicBezTo>
+                          <a:pt x="-7845" y="484630"/>
+                          <a:pt x="467865" y="8108"/>
+                          <a:pt x="1093259" y="0"/>
+                        </a:cubicBezTo>
+                        <a:cubicBezTo>
+                          <a:pt x="4384189" y="132882"/>
+                          <a:pt x="7819229" y="-84951"/>
+                          <a:pt x="10918349" y="0"/>
+                        </a:cubicBezTo>
+                        <a:cubicBezTo>
+                          <a:pt x="11473475" y="47523"/>
+                          <a:pt x="11990134" y="608160"/>
+                          <a:pt x="12011608" y="1093259"/>
+                        </a:cubicBezTo>
+                        <a:cubicBezTo>
+                          <a:pt x="12031795" y="2900874"/>
+                          <a:pt x="12164088" y="4134857"/>
+                          <a:pt x="12011608" y="5466161"/>
+                        </a:cubicBezTo>
+                        <a:cubicBezTo>
+                          <a:pt x="12036918" y="6072954"/>
+                          <a:pt x="11571857" y="6457101"/>
+                          <a:pt x="10918349" y="6559420"/>
+                        </a:cubicBezTo>
+                        <a:cubicBezTo>
+                          <a:pt x="9602557" y="6647059"/>
+                          <a:pt x="3354151" y="6486741"/>
+                          <a:pt x="1093259" y="6559420"/>
+                        </a:cubicBezTo>
+                        <a:cubicBezTo>
+                          <a:pt x="482666" y="6494544"/>
+                          <a:pt x="-19749" y="6097396"/>
+                          <a:pt x="0" y="5466161"/>
+                        </a:cubicBezTo>
+                        <a:cubicBezTo>
+                          <a:pt x="-38581" y="3816704"/>
+                          <a:pt x="63341" y="3160269"/>
+                          <a:pt x="0" y="1093259"/>
+                        </a:cubicBezTo>
+                        <a:close/>
+                      </a:path>
+                    </a:pathLst>
+                  </a:custGeom>
+                  <ask:type>
+                    <ask:lineSketchNone/>
+                  </ask:type>
+                </ask:lineSketchStyleProps>
+              </a:ext>
+            </a:extLst>
+          </a:ln>
+        </p:spPr>
+        <p:style>
+          <a:lnRef idx="2">
+            <a:schemeClr val="accent1">
+              <a:shade val="50000"/>
+            </a:schemeClr>
+          </a:lnRef>
+          <a:fillRef idx="1">
+            <a:schemeClr val="accent1"/>
+          </a:fillRef>
+          <a:effectRef idx="0">
+            <a:schemeClr val="accent1"/>
+          </a:effectRef>
+          <a:fontRef idx="minor">
+            <a:schemeClr val="lt1"/>
+          </a:fontRef>
+        </p:style>
+        <p:txBody>
+          <a:bodyPr rtlCol="0" anchor="ctr"/>
+          <a:lstStyle/>
+          <a:p>
+            <a:pPr algn="ctr"/>
+            <a:endParaRPr lang="en-US" dirty="0">
+              <a:solidFill>
+                <a:srgbClr val="267326"/>
+              </a:solidFill>
+              <a:latin typeface="LM Roman 10" pitchFamily="2" charset="77"/>
+              <a:cs typeface="Didot" panose="02000503000000020003" pitchFamily="2" charset="-79"/>
+            </a:endParaRPr>
+          </a:p>
+        </p:txBody>
+      </p:sp>
+      <p:sp>
+        <p:nvSpPr>
+          <p:cNvPr id="9" name="TextBox 8">
+            <a:extLst>
+              <a:ext uri="{FF2B5EF4-FFF2-40B4-BE49-F238E27FC236}">
+                <a16:creationId xmlns:a16="http://schemas.microsoft.com/office/drawing/2014/main" id="{54F6159C-C000-718D-1CB8-474645C5C703}"/>
+              </a:ext>
+            </a:extLst>
+          </p:cNvPr>
+          <p:cNvSpPr txBox="1"/>
+          <p:nvPr/>
+        </p:nvSpPr>
+        <p:spPr>
+          <a:xfrm>
+            <a:off x="153174" y="153425"/>
+            <a:ext cx="2820003" cy="338554"/>
+          </a:xfrm>
+          <a:prstGeom prst="rect">
+            <a:avLst/>
+          </a:prstGeom>
+          <a:noFill/>
+        </p:spPr>
+        <p:txBody>
+          <a:bodyPr wrap="none" rtlCol="0">
+            <a:spAutoFit/>
+          </a:bodyPr>
+          <a:lstStyle/>
+          <a:p>
+            <a:r>
+              <a:rPr lang="de-DE" sz="1600" dirty="0">
+                <a:solidFill>
+                  <a:srgbClr val="267326"/>
+                </a:solidFill>
+                <a:latin typeface="LM Roman 10" pitchFamily="2" charset="77"/>
+                <a:cs typeface="Didot" panose="02000503000000020003" pitchFamily="2" charset="-79"/>
+              </a:rPr>
+              <a:t>Charakteristika der Kontexte</a:t>
+            </a:r>
+            <a:endParaRPr lang="en-US" dirty="0">
+              <a:solidFill>
+                <a:srgbClr val="267326"/>
+              </a:solidFill>
+              <a:latin typeface="LM Roman 10" pitchFamily="2" charset="77"/>
+              <a:cs typeface="Didot" panose="02000503000000020003" pitchFamily="2" charset="-79"/>
+            </a:endParaRPr>
+          </a:p>
+        </p:txBody>
+      </p:sp>
+      <p:sp>
+        <p:nvSpPr>
+          <p:cNvPr id="10" name="TextBox 9">
+            <a:extLst>
+              <a:ext uri="{FF2B5EF4-FFF2-40B4-BE49-F238E27FC236}">
+                <a16:creationId xmlns:a16="http://schemas.microsoft.com/office/drawing/2014/main" id="{7089942B-64B4-A49D-35FF-C2AF5B72F395}"/>
+              </a:ext>
+            </a:extLst>
+          </p:cNvPr>
+          <p:cNvSpPr txBox="1"/>
+          <p:nvPr/>
+        </p:nvSpPr>
+        <p:spPr>
+          <a:xfrm>
+            <a:off x="400881" y="510319"/>
+            <a:ext cx="2965877" cy="338554"/>
+          </a:xfrm>
+          <a:prstGeom prst="rect">
+            <a:avLst/>
+          </a:prstGeom>
+          <a:noFill/>
+        </p:spPr>
+        <p:txBody>
+          <a:bodyPr wrap="none" rtlCol="0">
+            <a:spAutoFit/>
+          </a:bodyPr>
+          <a:lstStyle/>
+          <a:p>
+            <a:r>
+              <a:rPr lang="de-DE" sz="1600" dirty="0">
+                <a:solidFill>
+                  <a:srgbClr val="267326"/>
+                </a:solidFill>
+                <a:latin typeface="LM Roman 10" pitchFamily="2" charset="77"/>
+                <a:cs typeface="Didot" panose="02000503000000020003" pitchFamily="2" charset="-79"/>
+              </a:rPr>
+              <a:t>Charakteristika der Nutzenden</a:t>
+            </a:r>
+            <a:endParaRPr lang="en-US" sz="1600" dirty="0">
+              <a:solidFill>
+                <a:srgbClr val="267326"/>
+              </a:solidFill>
+              <a:latin typeface="LM Roman 10" pitchFamily="2" charset="77"/>
+              <a:cs typeface="Didot" panose="02000503000000020003" pitchFamily="2" charset="-79"/>
+            </a:endParaRPr>
+          </a:p>
+        </p:txBody>
+      </p:sp>
+      <p:sp>
+        <p:nvSpPr>
+          <p:cNvPr id="11" name="TextBox 10">
+            <a:extLst>
+              <a:ext uri="{FF2B5EF4-FFF2-40B4-BE49-F238E27FC236}">
+                <a16:creationId xmlns:a16="http://schemas.microsoft.com/office/drawing/2014/main" id="{13879C0C-1EBE-1092-85BE-105AC4D194FF}"/>
+              </a:ext>
+            </a:extLst>
+          </p:cNvPr>
+          <p:cNvSpPr txBox="1"/>
+          <p:nvPr/>
+        </p:nvSpPr>
+        <p:spPr>
+          <a:xfrm>
+            <a:off x="820633" y="879401"/>
+            <a:ext cx="2719014" cy="338554"/>
+          </a:xfrm>
+          <a:prstGeom prst="rect">
+            <a:avLst/>
+          </a:prstGeom>
+          <a:noFill/>
+        </p:spPr>
+        <p:txBody>
+          <a:bodyPr wrap="none" rtlCol="0">
+            <a:spAutoFit/>
+          </a:bodyPr>
+          <a:lstStyle/>
+          <a:p>
+            <a:r>
+              <a:rPr lang="de-DE" sz="1600" dirty="0">
+                <a:solidFill>
+                  <a:srgbClr val="267326"/>
+                </a:solidFill>
+                <a:latin typeface="LM Roman 10" pitchFamily="2" charset="77"/>
+                <a:cs typeface="Didot" panose="02000503000000020003" pitchFamily="2" charset="-79"/>
+              </a:rPr>
+              <a:t>Charakteristika der Evidenz</a:t>
+            </a:r>
+            <a:endParaRPr lang="en-US" sz="1600" dirty="0">
+              <a:solidFill>
+                <a:srgbClr val="267326"/>
+              </a:solidFill>
+              <a:latin typeface="LM Roman 10" pitchFamily="2" charset="77"/>
+              <a:cs typeface="Didot" panose="02000503000000020003" pitchFamily="2" charset="-79"/>
+            </a:endParaRPr>
+          </a:p>
+        </p:txBody>
+      </p:sp>
+      <p:sp>
+        <p:nvSpPr>
+          <p:cNvPr id="13" name="Oval 12">
+            <a:extLst>
+              <a:ext uri="{FF2B5EF4-FFF2-40B4-BE49-F238E27FC236}">
+                <a16:creationId xmlns:a16="http://schemas.microsoft.com/office/drawing/2014/main" id="{1D8693F1-4AF6-B64B-4F0A-B464A18041CC}"/>
+              </a:ext>
+            </a:extLst>
+          </p:cNvPr>
+          <p:cNvSpPr/>
+          <p:nvPr/>
+        </p:nvSpPr>
+        <p:spPr>
+          <a:xfrm>
+            <a:off x="2759362" y="4212309"/>
+            <a:ext cx="1630680" cy="754380"/>
+          </a:xfrm>
+          <a:prstGeom prst="ellipse">
+            <a:avLst/>
+          </a:prstGeom>
+          <a:solidFill>
+            <a:srgbClr val="F2F2F2"/>
+          </a:solidFill>
+          <a:ln>
+            <a:solidFill>
+              <a:srgbClr val="267326"/>
+            </a:solidFill>
+          </a:ln>
+          <a:effectLst>
+            <a:outerShdw blurRad="50800" dist="38100" dir="2700000" algn="tl" rotWithShape="0">
+              <a:prstClr val="black">
+                <a:alpha val="40000"/>
+              </a:prstClr>
+            </a:outerShdw>
+          </a:effectLst>
+        </p:spPr>
+        <p:style>
+          <a:lnRef idx="2">
+            <a:schemeClr val="accent1">
+              <a:shade val="50000"/>
+            </a:schemeClr>
+          </a:lnRef>
+          <a:fillRef idx="1">
+            <a:schemeClr val="accent1"/>
+          </a:fillRef>
+          <a:effectRef idx="0">
+            <a:schemeClr val="accent1"/>
+          </a:effectRef>
+          <a:fontRef idx="minor">
+            <a:schemeClr val="lt1"/>
+          </a:fontRef>
+        </p:style>
+        <p:txBody>
+          <a:bodyPr rtlCol="0" anchor="ctr"/>
+          <a:lstStyle/>
+          <a:p>
+            <a:pPr algn="ctr"/>
+            <a:r>
+              <a:rPr lang="de-DE" dirty="0">
+                <a:solidFill>
+                  <a:srgbClr val="267326"/>
+                </a:solidFill>
+                <a:latin typeface="LM Roman 10" pitchFamily="2" charset="77"/>
+                <a:cs typeface="Didot" panose="02000503000000020003" pitchFamily="2" charset="-79"/>
+              </a:rPr>
+              <a:t> </a:t>
+            </a:r>
+            <a:endParaRPr lang="en-US" dirty="0">
+              <a:solidFill>
+                <a:srgbClr val="267326"/>
+              </a:solidFill>
+              <a:latin typeface="LM Roman 10" pitchFamily="2" charset="77"/>
+              <a:cs typeface="Didot" panose="02000503000000020003" pitchFamily="2" charset="-79"/>
+            </a:endParaRPr>
+          </a:p>
+        </p:txBody>
+      </p:sp>
+      <p:sp>
+        <p:nvSpPr>
+          <p:cNvPr id="14" name="Oval 13">
+            <a:extLst>
+              <a:ext uri="{FF2B5EF4-FFF2-40B4-BE49-F238E27FC236}">
+                <a16:creationId xmlns:a16="http://schemas.microsoft.com/office/drawing/2014/main" id="{2A14B365-C792-8A6C-8E80-FF83C67B5D55}"/>
+              </a:ext>
+            </a:extLst>
+          </p:cNvPr>
+          <p:cNvSpPr/>
+          <p:nvPr/>
+        </p:nvSpPr>
+        <p:spPr>
+          <a:xfrm>
+            <a:off x="4390042" y="3088597"/>
+            <a:ext cx="1630680" cy="754380"/>
+          </a:xfrm>
+          <a:prstGeom prst="ellipse">
+            <a:avLst/>
+          </a:prstGeom>
+          <a:solidFill>
+            <a:srgbClr val="F2F2F2"/>
+          </a:solidFill>
+          <a:ln>
+            <a:solidFill>
+              <a:srgbClr val="267326"/>
+            </a:solidFill>
+          </a:ln>
+          <a:effectLst>
+            <a:outerShdw blurRad="50800" dist="38100" dir="2700000" algn="tl" rotWithShape="0">
+              <a:prstClr val="black">
+                <a:alpha val="40000"/>
+              </a:prstClr>
+            </a:outerShdw>
+          </a:effectLst>
+        </p:spPr>
+        <p:style>
+          <a:lnRef idx="2">
+            <a:schemeClr val="accent1">
+              <a:shade val="50000"/>
+            </a:schemeClr>
+          </a:lnRef>
+          <a:fillRef idx="1">
+            <a:schemeClr val="accent1"/>
+          </a:fillRef>
+          <a:effectRef idx="0">
+            <a:schemeClr val="accent1"/>
+          </a:effectRef>
+          <a:fontRef idx="minor">
+            <a:schemeClr val="lt1"/>
+          </a:fontRef>
+        </p:style>
+        <p:txBody>
+          <a:bodyPr rtlCol="0" anchor="ctr"/>
+          <a:lstStyle/>
+          <a:p>
+            <a:pPr algn="ctr"/>
+            <a:r>
+              <a:rPr lang="de-DE" sz="1600" dirty="0">
+                <a:solidFill>
+                  <a:srgbClr val="267326"/>
+                </a:solidFill>
+                <a:latin typeface="LM Roman 10" pitchFamily="2" charset="77"/>
+                <a:cs typeface="Didot" panose="02000503000000020003" pitchFamily="2" charset="-79"/>
+              </a:rPr>
+              <a:t>Evidenz</a:t>
+            </a:r>
+            <a:endParaRPr lang="en-US" dirty="0">
+              <a:solidFill>
+                <a:srgbClr val="267326"/>
+              </a:solidFill>
+              <a:latin typeface="LM Roman 10" pitchFamily="2" charset="77"/>
+              <a:cs typeface="Didot" panose="02000503000000020003" pitchFamily="2" charset="-79"/>
+            </a:endParaRPr>
+          </a:p>
+        </p:txBody>
+      </p:sp>
+      <p:sp>
+        <p:nvSpPr>
+          <p:cNvPr id="15" name="Oval 14">
+            <a:extLst>
+              <a:ext uri="{FF2B5EF4-FFF2-40B4-BE49-F238E27FC236}">
+                <a16:creationId xmlns:a16="http://schemas.microsoft.com/office/drawing/2014/main" id="{97DAF1C8-8BF6-B122-BD80-962768DA66B4}"/>
+              </a:ext>
+            </a:extLst>
+          </p:cNvPr>
+          <p:cNvSpPr/>
+          <p:nvPr/>
+        </p:nvSpPr>
+        <p:spPr>
+          <a:xfrm>
+            <a:off x="6020722" y="1964885"/>
+            <a:ext cx="1630680" cy="754380"/>
+          </a:xfrm>
+          <a:prstGeom prst="ellipse">
+            <a:avLst/>
+          </a:prstGeom>
+          <a:solidFill>
+            <a:srgbClr val="F2F2F2"/>
+          </a:solidFill>
+          <a:ln>
+            <a:solidFill>
+              <a:srgbClr val="267326"/>
+            </a:solidFill>
+          </a:ln>
+          <a:effectLst>
+            <a:outerShdw blurRad="50800" dist="38100" dir="2700000" algn="tl" rotWithShape="0">
+              <a:prstClr val="black">
+                <a:alpha val="40000"/>
+              </a:prstClr>
+            </a:outerShdw>
+          </a:effectLst>
+        </p:spPr>
+        <p:style>
+          <a:lnRef idx="2">
+            <a:schemeClr val="accent1">
+              <a:shade val="50000"/>
+            </a:schemeClr>
+          </a:lnRef>
+          <a:fillRef idx="1">
+            <a:schemeClr val="accent1"/>
+          </a:fillRef>
+          <a:effectRef idx="0">
+            <a:schemeClr val="accent1"/>
+          </a:effectRef>
+          <a:fontRef idx="minor">
+            <a:schemeClr val="lt1"/>
+          </a:fontRef>
+        </p:style>
+        <p:txBody>
+          <a:bodyPr rtlCol="0" anchor="ctr"/>
+          <a:lstStyle/>
+          <a:p>
+            <a:pPr algn="ctr"/>
+            <a:endParaRPr lang="en-US" sz="1600" dirty="0">
+              <a:solidFill>
+                <a:srgbClr val="267326"/>
+              </a:solidFill>
+              <a:latin typeface="LM Roman 10" pitchFamily="2" charset="77"/>
+              <a:cs typeface="Didot" panose="02000503000000020003" pitchFamily="2" charset="-79"/>
+            </a:endParaRPr>
+          </a:p>
+        </p:txBody>
+      </p:sp>
+      <p:cxnSp>
+        <p:nvCxnSpPr>
+          <p:cNvPr id="20" name="Connector: Curved 19">
+            <a:extLst>
+              <a:ext uri="{FF2B5EF4-FFF2-40B4-BE49-F238E27FC236}">
+                <a16:creationId xmlns:a16="http://schemas.microsoft.com/office/drawing/2014/main" id="{9D08A355-1BFF-B13D-EABD-1944CF8A7E31}"/>
+              </a:ext>
+            </a:extLst>
+          </p:cNvPr>
+          <p:cNvCxnSpPr>
+            <a:cxnSpLocks/>
+            <a:stCxn id="13" idx="0"/>
+            <a:endCxn id="14" idx="2"/>
+          </p:cNvCxnSpPr>
+          <p:nvPr/>
+        </p:nvCxnSpPr>
+        <p:spPr>
+          <a:xfrm rot="5400000" flipH="1" flipV="1">
+            <a:off x="3609111" y="3431378"/>
+            <a:ext cx="746522" cy="815340"/>
+          </a:xfrm>
+          <a:prstGeom prst="curvedConnector2">
+            <a:avLst/>
+          </a:prstGeom>
+          <a:ln w="34925">
+            <a:solidFill>
+              <a:srgbClr val="267326"/>
+            </a:solidFill>
+            <a:tailEnd type="triangle"/>
+          </a:ln>
+        </p:spPr>
+        <p:style>
+          <a:lnRef idx="1">
+            <a:schemeClr val="accent1"/>
+          </a:lnRef>
+          <a:fillRef idx="0">
+            <a:schemeClr val="accent1"/>
+          </a:fillRef>
+          <a:effectRef idx="0">
+            <a:schemeClr val="accent1"/>
+          </a:effectRef>
+          <a:fontRef idx="minor">
+            <a:schemeClr val="tx1"/>
+          </a:fontRef>
+        </p:style>
+      </p:cxnSp>
+      <p:cxnSp>
+        <p:nvCxnSpPr>
+          <p:cNvPr id="23" name="Connector: Curved 22">
+            <a:extLst>
+              <a:ext uri="{FF2B5EF4-FFF2-40B4-BE49-F238E27FC236}">
+                <a16:creationId xmlns:a16="http://schemas.microsoft.com/office/drawing/2014/main" id="{C576A603-F83F-F3F0-AD46-5F1BC4B64A9E}"/>
+              </a:ext>
+            </a:extLst>
+          </p:cNvPr>
+          <p:cNvCxnSpPr>
+            <a:cxnSpLocks/>
+            <a:stCxn id="14" idx="0"/>
+            <a:endCxn id="15" idx="2"/>
+          </p:cNvCxnSpPr>
+          <p:nvPr/>
+        </p:nvCxnSpPr>
+        <p:spPr>
+          <a:xfrm rot="5400000" flipH="1" flipV="1">
+            <a:off x="5239791" y="2307666"/>
+            <a:ext cx="746522" cy="815340"/>
+          </a:xfrm>
+          <a:prstGeom prst="curvedConnector2">
+            <a:avLst/>
+          </a:prstGeom>
+          <a:ln w="34925">
+            <a:solidFill>
+              <a:srgbClr val="267326"/>
+            </a:solidFill>
+            <a:tailEnd type="triangle"/>
+          </a:ln>
+        </p:spPr>
+        <p:style>
+          <a:lnRef idx="1">
+            <a:schemeClr val="accent1"/>
+          </a:lnRef>
+          <a:fillRef idx="0">
+            <a:schemeClr val="accent1"/>
+          </a:fillRef>
+          <a:effectRef idx="0">
+            <a:schemeClr val="accent1"/>
+          </a:effectRef>
+          <a:fontRef idx="minor">
+            <a:schemeClr val="tx1"/>
+          </a:fontRef>
+        </p:style>
+      </p:cxnSp>
+      <p:sp>
+        <p:nvSpPr>
+          <p:cNvPr id="26" name="Oval 25">
+            <a:extLst>
+              <a:ext uri="{FF2B5EF4-FFF2-40B4-BE49-F238E27FC236}">
+                <a16:creationId xmlns:a16="http://schemas.microsoft.com/office/drawing/2014/main" id="{E3DC8A4E-1508-5E72-013D-97FAFDC90495}"/>
+              </a:ext>
+            </a:extLst>
+          </p:cNvPr>
+          <p:cNvSpPr/>
+          <p:nvPr/>
+        </p:nvSpPr>
+        <p:spPr>
+          <a:xfrm>
+            <a:off x="8944559" y="1960956"/>
+            <a:ext cx="1630680" cy="754380"/>
+          </a:xfrm>
+          <a:prstGeom prst="ellipse">
+            <a:avLst/>
+          </a:prstGeom>
+          <a:solidFill>
+            <a:srgbClr val="F2F2F2"/>
+          </a:solidFill>
+          <a:ln>
+            <a:solidFill>
+              <a:srgbClr val="267326"/>
+            </a:solidFill>
+          </a:ln>
+          <a:effectLst>
+            <a:outerShdw blurRad="50800" dist="38100" dir="2700000" algn="tl" rotWithShape="0">
+              <a:prstClr val="black">
+                <a:alpha val="40000"/>
+              </a:prstClr>
+            </a:outerShdw>
+          </a:effectLst>
+        </p:spPr>
+        <p:style>
+          <a:lnRef idx="2">
+            <a:schemeClr val="accent1">
+              <a:shade val="50000"/>
+            </a:schemeClr>
+          </a:lnRef>
+          <a:fillRef idx="1">
+            <a:schemeClr val="accent1"/>
+          </a:fillRef>
+          <a:effectRef idx="0">
+            <a:schemeClr val="accent1"/>
+          </a:effectRef>
+          <a:fontRef idx="minor">
+            <a:schemeClr val="lt1"/>
+          </a:fontRef>
+        </p:style>
+        <p:txBody>
+          <a:bodyPr rtlCol="0" anchor="ctr"/>
+          <a:lstStyle/>
+          <a:p>
+            <a:pPr algn="ctr"/>
+            <a:endParaRPr lang="en-US" dirty="0">
+              <a:solidFill>
+                <a:srgbClr val="267326"/>
+              </a:solidFill>
+              <a:latin typeface="LM Roman 10" pitchFamily="2" charset="77"/>
+              <a:cs typeface="Didot" panose="02000503000000020003" pitchFamily="2" charset="-79"/>
+            </a:endParaRPr>
+          </a:p>
+        </p:txBody>
+      </p:sp>
+      <p:sp>
+        <p:nvSpPr>
+          <p:cNvPr id="27" name="Oval 26">
+            <a:extLst>
+              <a:ext uri="{FF2B5EF4-FFF2-40B4-BE49-F238E27FC236}">
+                <a16:creationId xmlns:a16="http://schemas.microsoft.com/office/drawing/2014/main" id="{72AF60ED-4044-E5E5-F9E9-64C7593F7CC0}"/>
+              </a:ext>
+            </a:extLst>
+          </p:cNvPr>
+          <p:cNvSpPr/>
+          <p:nvPr/>
+        </p:nvSpPr>
+        <p:spPr>
+          <a:xfrm>
+            <a:off x="8944559" y="4212309"/>
+            <a:ext cx="1630680" cy="754380"/>
+          </a:xfrm>
+          <a:prstGeom prst="ellipse">
+            <a:avLst/>
+          </a:prstGeom>
+          <a:solidFill>
+            <a:srgbClr val="F2F2F2"/>
+          </a:solidFill>
+          <a:ln>
+            <a:solidFill>
+              <a:srgbClr val="267326"/>
+            </a:solidFill>
+          </a:ln>
+          <a:effectLst>
+            <a:outerShdw blurRad="50800" dist="38100" dir="2700000" algn="tl" rotWithShape="0">
+              <a:prstClr val="black">
+                <a:alpha val="40000"/>
+              </a:prstClr>
+            </a:outerShdw>
+          </a:effectLst>
+        </p:spPr>
+        <p:style>
+          <a:lnRef idx="2">
+            <a:schemeClr val="accent1">
+              <a:shade val="50000"/>
+            </a:schemeClr>
+          </a:lnRef>
+          <a:fillRef idx="1">
+            <a:schemeClr val="accent1"/>
+          </a:fillRef>
+          <a:effectRef idx="0">
+            <a:schemeClr val="accent1"/>
+          </a:effectRef>
+          <a:fontRef idx="minor">
+            <a:schemeClr val="lt1"/>
+          </a:fontRef>
+        </p:style>
+        <p:txBody>
+          <a:bodyPr rtlCol="0" anchor="ctr"/>
+          <a:lstStyle/>
+          <a:p>
+            <a:pPr algn="ctr"/>
+            <a:r>
+              <a:rPr lang="de-DE" sz="1600" dirty="0">
+                <a:solidFill>
+                  <a:srgbClr val="267326"/>
+                </a:solidFill>
+                <a:latin typeface="LM Roman 10" pitchFamily="2" charset="77"/>
+                <a:cs typeface="Didot" panose="02000503000000020003" pitchFamily="2" charset="-79"/>
+              </a:rPr>
+              <a:t>Ergebnisse</a:t>
+            </a:r>
+            <a:endParaRPr lang="en-US" sz="1600" dirty="0">
+              <a:solidFill>
+                <a:srgbClr val="267326"/>
+              </a:solidFill>
+              <a:latin typeface="LM Roman 10" pitchFamily="2" charset="77"/>
+              <a:cs typeface="Didot" panose="02000503000000020003" pitchFamily="2" charset="-79"/>
+            </a:endParaRPr>
+          </a:p>
+        </p:txBody>
+      </p:sp>
+      <p:cxnSp>
+        <p:nvCxnSpPr>
+          <p:cNvPr id="32" name="Straight Arrow Connector 31">
+            <a:extLst>
+              <a:ext uri="{FF2B5EF4-FFF2-40B4-BE49-F238E27FC236}">
+                <a16:creationId xmlns:a16="http://schemas.microsoft.com/office/drawing/2014/main" id="{166579B7-9EB5-A37B-D7D0-0EEC0B6803AE}"/>
+              </a:ext>
+            </a:extLst>
+          </p:cNvPr>
+          <p:cNvCxnSpPr>
+            <a:cxnSpLocks/>
+            <a:stCxn id="15" idx="6"/>
+            <a:endCxn id="26" idx="2"/>
+          </p:cNvCxnSpPr>
+          <p:nvPr/>
+        </p:nvCxnSpPr>
+        <p:spPr>
+          <a:xfrm flipV="1">
+            <a:off x="7651402" y="2338146"/>
+            <a:ext cx="1293157" cy="3929"/>
+          </a:xfrm>
+          <a:prstGeom prst="straightConnector1">
+            <a:avLst/>
+          </a:prstGeom>
+          <a:ln w="34925">
+            <a:solidFill>
+              <a:srgbClr val="267326"/>
+            </a:solidFill>
+            <a:tailEnd type="triangle"/>
+          </a:ln>
+        </p:spPr>
+        <p:style>
+          <a:lnRef idx="1">
+            <a:schemeClr val="accent1"/>
+          </a:lnRef>
+          <a:fillRef idx="0">
+            <a:schemeClr val="accent1"/>
+          </a:fillRef>
+          <a:effectRef idx="0">
+            <a:schemeClr val="accent1"/>
+          </a:effectRef>
+          <a:fontRef idx="minor">
+            <a:schemeClr val="tx1"/>
+          </a:fontRef>
+        </p:style>
+      </p:cxnSp>
+      <p:cxnSp>
+        <p:nvCxnSpPr>
+          <p:cNvPr id="34" name="Straight Arrow Connector 33">
+            <a:extLst>
+              <a:ext uri="{FF2B5EF4-FFF2-40B4-BE49-F238E27FC236}">
+                <a16:creationId xmlns:a16="http://schemas.microsoft.com/office/drawing/2014/main" id="{49F8FCE9-625E-3019-9506-DB4366A32AC6}"/>
+              </a:ext>
+            </a:extLst>
+          </p:cNvPr>
+          <p:cNvCxnSpPr>
+            <a:cxnSpLocks/>
+            <a:stCxn id="26" idx="4"/>
+            <a:endCxn id="27" idx="0"/>
+          </p:cNvCxnSpPr>
+          <p:nvPr/>
+        </p:nvCxnSpPr>
+        <p:spPr>
+          <a:xfrm>
+            <a:off x="9759899" y="2715336"/>
+            <a:ext cx="0" cy="1496973"/>
+          </a:xfrm>
+          <a:prstGeom prst="straightConnector1">
+            <a:avLst/>
+          </a:prstGeom>
+          <a:ln w="34925">
+            <a:solidFill>
+              <a:srgbClr val="267326"/>
+            </a:solidFill>
+            <a:tailEnd type="triangle"/>
+          </a:ln>
+        </p:spPr>
+        <p:style>
+          <a:lnRef idx="1">
+            <a:schemeClr val="accent1"/>
+          </a:lnRef>
+          <a:fillRef idx="0">
+            <a:schemeClr val="accent1"/>
+          </a:fillRef>
+          <a:effectRef idx="0">
+            <a:schemeClr val="accent1"/>
+          </a:effectRef>
+          <a:fontRef idx="minor">
+            <a:schemeClr val="tx1"/>
+          </a:fontRef>
+        </p:style>
+      </p:cxnSp>
+      <p:cxnSp>
+        <p:nvCxnSpPr>
+          <p:cNvPr id="37" name="Straight Arrow Connector 36">
+            <a:extLst>
+              <a:ext uri="{FF2B5EF4-FFF2-40B4-BE49-F238E27FC236}">
+                <a16:creationId xmlns:a16="http://schemas.microsoft.com/office/drawing/2014/main" id="{55715120-9AEF-727F-AF81-D95E0E013E59}"/>
+              </a:ext>
+            </a:extLst>
+          </p:cNvPr>
+          <p:cNvCxnSpPr>
+            <a:cxnSpLocks/>
+            <a:stCxn id="27" idx="2"/>
+            <a:endCxn id="13" idx="6"/>
+          </p:cNvCxnSpPr>
+          <p:nvPr/>
+        </p:nvCxnSpPr>
+        <p:spPr>
+          <a:xfrm flipH="1">
+            <a:off x="4390042" y="4589499"/>
+            <a:ext cx="4554517" cy="0"/>
+          </a:xfrm>
+          <a:prstGeom prst="straightConnector1">
+            <a:avLst/>
+          </a:prstGeom>
+          <a:ln w="34925">
+            <a:solidFill>
+              <a:srgbClr val="267326"/>
+            </a:solidFill>
+            <a:tailEnd type="triangle"/>
+          </a:ln>
+        </p:spPr>
+        <p:style>
+          <a:lnRef idx="1">
+            <a:schemeClr val="accent1"/>
+          </a:lnRef>
+          <a:fillRef idx="0">
+            <a:schemeClr val="accent1"/>
+          </a:fillRef>
+          <a:effectRef idx="0">
+            <a:schemeClr val="accent1"/>
+          </a:effectRef>
+          <a:fontRef idx="minor">
+            <a:schemeClr val="tx1"/>
+          </a:fontRef>
+        </p:style>
+      </p:cxnSp>
+      <p:cxnSp>
+        <p:nvCxnSpPr>
+          <p:cNvPr id="40" name="Straight Arrow Connector 39">
+            <a:extLst>
+              <a:ext uri="{FF2B5EF4-FFF2-40B4-BE49-F238E27FC236}">
+                <a16:creationId xmlns:a16="http://schemas.microsoft.com/office/drawing/2014/main" id="{877155B9-7D29-7689-96CE-6ACB5D537AB5}"/>
+              </a:ext>
+            </a:extLst>
+          </p:cNvPr>
+          <p:cNvCxnSpPr>
+            <a:cxnSpLocks/>
+            <a:stCxn id="14" idx="4"/>
+          </p:cNvCxnSpPr>
+          <p:nvPr/>
+        </p:nvCxnSpPr>
+        <p:spPr>
+          <a:xfrm>
+            <a:off x="5205382" y="3842977"/>
+            <a:ext cx="0" cy="746522"/>
+          </a:xfrm>
+          <a:prstGeom prst="straightConnector1">
+            <a:avLst/>
+          </a:prstGeom>
+          <a:ln w="34925">
+            <a:solidFill>
+              <a:srgbClr val="267326"/>
+            </a:solidFill>
+            <a:tailEnd type="triangle"/>
+          </a:ln>
+        </p:spPr>
+        <p:style>
+          <a:lnRef idx="1">
+            <a:schemeClr val="accent1"/>
+          </a:lnRef>
+          <a:fillRef idx="0">
+            <a:schemeClr val="accent1"/>
+          </a:fillRef>
+          <a:effectRef idx="0">
+            <a:schemeClr val="accent1"/>
+          </a:effectRef>
+          <a:fontRef idx="minor">
+            <a:schemeClr val="tx1"/>
+          </a:fontRef>
+        </p:style>
+      </p:cxnSp>
+      <p:cxnSp>
+        <p:nvCxnSpPr>
+          <p:cNvPr id="43" name="Straight Arrow Connector 42">
+            <a:extLst>
+              <a:ext uri="{FF2B5EF4-FFF2-40B4-BE49-F238E27FC236}">
+                <a16:creationId xmlns:a16="http://schemas.microsoft.com/office/drawing/2014/main" id="{009A81FC-5496-1B64-61C2-0AACFC7477CD}"/>
+              </a:ext>
+            </a:extLst>
+          </p:cNvPr>
+          <p:cNvCxnSpPr>
+            <a:cxnSpLocks/>
+            <a:stCxn id="15" idx="4"/>
+          </p:cNvCxnSpPr>
+          <p:nvPr/>
+        </p:nvCxnSpPr>
+        <p:spPr>
+          <a:xfrm>
+            <a:off x="6836062" y="2719265"/>
+            <a:ext cx="0" cy="1870234"/>
+          </a:xfrm>
+          <a:prstGeom prst="straightConnector1">
+            <a:avLst/>
+          </a:prstGeom>
+          <a:ln w="34925">
+            <a:solidFill>
+              <a:srgbClr val="267326"/>
+            </a:solidFill>
+            <a:tailEnd type="triangle"/>
+          </a:ln>
+        </p:spPr>
+        <p:style>
+          <a:lnRef idx="1">
+            <a:schemeClr val="accent1"/>
+          </a:lnRef>
+          <a:fillRef idx="0">
+            <a:schemeClr val="accent1"/>
+          </a:fillRef>
+          <a:effectRef idx="0">
+            <a:schemeClr val="accent1"/>
+          </a:effectRef>
+          <a:fontRef idx="minor">
+            <a:schemeClr val="tx1"/>
+          </a:fontRef>
+        </p:style>
+      </p:cxnSp>
+      <p:sp>
+        <p:nvSpPr>
+          <p:cNvPr id="50" name="TextBox 49">
+            <a:extLst>
+              <a:ext uri="{FF2B5EF4-FFF2-40B4-BE49-F238E27FC236}">
+                <a16:creationId xmlns:a16="http://schemas.microsoft.com/office/drawing/2014/main" id="{7FD64F8A-ADAA-448E-7F19-BDDBEC30B4D5}"/>
+              </a:ext>
+            </a:extLst>
+          </p:cNvPr>
+          <p:cNvSpPr txBox="1"/>
+          <p:nvPr/>
+        </p:nvSpPr>
+        <p:spPr>
+          <a:xfrm>
+            <a:off x="8982929" y="1914930"/>
+            <a:ext cx="1553940" cy="854080"/>
+          </a:xfrm>
+          <a:prstGeom prst="rect">
+            <a:avLst/>
+          </a:prstGeom>
+          <a:noFill/>
+        </p:spPr>
+        <p:txBody>
+          <a:bodyPr wrap="square" rtlCol="0">
+            <a:spAutoFit/>
+          </a:bodyPr>
+          <a:lstStyle/>
+          <a:p>
+            <a:pPr algn="ctr"/>
+            <a:r>
+              <a:rPr lang="de-DE" sz="1600" dirty="0">
+                <a:solidFill>
+                  <a:srgbClr val="267326"/>
+                </a:solidFill>
+                <a:latin typeface="LM Roman 10" pitchFamily="2" charset="77"/>
+                <a:cs typeface="Didot" panose="02000503000000020003" pitchFamily="2" charset="-79"/>
+              </a:rPr>
+              <a:t>Nutzung</a:t>
+            </a:r>
+            <a:endParaRPr lang="de-DE" sz="2000" dirty="0">
+              <a:solidFill>
+                <a:srgbClr val="267326"/>
+              </a:solidFill>
+              <a:latin typeface="LM Roman 10" pitchFamily="2" charset="77"/>
+              <a:cs typeface="Didot" panose="02000503000000020003" pitchFamily="2" charset="-79"/>
+            </a:endParaRPr>
+          </a:p>
+          <a:p>
+            <a:pPr algn="ctr"/>
+            <a:r>
+              <a:rPr lang="de-DE" sz="1100" dirty="0">
+                <a:solidFill>
+                  <a:srgbClr val="267326"/>
+                </a:solidFill>
+                <a:latin typeface="LM Roman 10" pitchFamily="2" charset="77"/>
+                <a:cs typeface="Didot" panose="02000503000000020003" pitchFamily="2" charset="-79"/>
+              </a:rPr>
+              <a:t>instrumentell/</a:t>
+            </a:r>
+          </a:p>
+          <a:p>
+            <a:pPr algn="ctr"/>
+            <a:r>
+              <a:rPr lang="de-DE" sz="1100" dirty="0">
+                <a:solidFill>
+                  <a:srgbClr val="267326"/>
+                </a:solidFill>
+                <a:latin typeface="LM Roman 10" pitchFamily="2" charset="77"/>
+                <a:cs typeface="Didot" panose="02000503000000020003" pitchFamily="2" charset="-79"/>
+              </a:rPr>
+              <a:t>konzeptuell/</a:t>
+            </a:r>
+          </a:p>
+          <a:p>
+            <a:pPr algn="ctr"/>
+            <a:r>
+              <a:rPr lang="de-DE" sz="1100" dirty="0">
+                <a:solidFill>
+                  <a:srgbClr val="267326"/>
+                </a:solidFill>
+                <a:latin typeface="LM Roman 10" pitchFamily="2" charset="77"/>
+                <a:cs typeface="Didot" panose="02000503000000020003" pitchFamily="2" charset="-79"/>
+              </a:rPr>
+              <a:t>symbolisch</a:t>
+            </a:r>
+            <a:endParaRPr lang="en-US" sz="1100" dirty="0">
+              <a:solidFill>
+                <a:srgbClr val="267326"/>
+              </a:solidFill>
+              <a:latin typeface="LM Roman 10" pitchFamily="2" charset="77"/>
+              <a:cs typeface="Didot" panose="02000503000000020003" pitchFamily="2" charset="-79"/>
+            </a:endParaRPr>
+          </a:p>
+        </p:txBody>
+      </p:sp>
+      <p:sp>
+        <p:nvSpPr>
+          <p:cNvPr id="53" name="TextBox 52">
+            <a:extLst>
+              <a:ext uri="{FF2B5EF4-FFF2-40B4-BE49-F238E27FC236}">
+                <a16:creationId xmlns:a16="http://schemas.microsoft.com/office/drawing/2014/main" id="{029917AF-EE12-5D28-5562-0A98D90EB631}"/>
+              </a:ext>
+            </a:extLst>
+          </p:cNvPr>
+          <p:cNvSpPr txBox="1"/>
+          <p:nvPr/>
+        </p:nvSpPr>
+        <p:spPr>
+          <a:xfrm>
+            <a:off x="2929616" y="3795544"/>
+            <a:ext cx="1667307" cy="307777"/>
+          </a:xfrm>
+          <a:prstGeom prst="rect">
+            <a:avLst/>
+          </a:prstGeom>
+          <a:solidFill>
+            <a:srgbClr val="F2F2F2"/>
+          </a:solidFill>
+        </p:spPr>
+        <p:txBody>
+          <a:bodyPr wrap="square" rtlCol="0">
+            <a:spAutoFit/>
+          </a:bodyPr>
+          <a:lstStyle/>
+          <a:p>
+            <a:r>
+              <a:rPr lang="de-DE" sz="1400" dirty="0">
+                <a:solidFill>
+                  <a:srgbClr val="267326"/>
+                </a:solidFill>
+                <a:latin typeface="LM Roman 10" pitchFamily="2" charset="77"/>
+                <a:cs typeface="Didot" panose="02000503000000020003" pitchFamily="2" charset="-79"/>
+              </a:rPr>
+              <a:t>2) Zugriffsphase</a:t>
+            </a:r>
+            <a:endParaRPr lang="en-US" sz="1400" dirty="0">
+              <a:solidFill>
+                <a:srgbClr val="267326"/>
+              </a:solidFill>
+              <a:latin typeface="LM Roman 10" pitchFamily="2" charset="77"/>
+              <a:cs typeface="Didot" panose="02000503000000020003" pitchFamily="2" charset="-79"/>
+            </a:endParaRPr>
+          </a:p>
+        </p:txBody>
+      </p:sp>
+      <p:sp>
+        <p:nvSpPr>
+          <p:cNvPr id="54" name="TextBox 53">
+            <a:extLst>
+              <a:ext uri="{FF2B5EF4-FFF2-40B4-BE49-F238E27FC236}">
+                <a16:creationId xmlns:a16="http://schemas.microsoft.com/office/drawing/2014/main" id="{F4BF1643-F037-D0A5-7CD6-FB9BDE02E33D}"/>
+              </a:ext>
+            </a:extLst>
+          </p:cNvPr>
+          <p:cNvSpPr txBox="1"/>
+          <p:nvPr/>
+        </p:nvSpPr>
+        <p:spPr>
+          <a:xfrm>
+            <a:off x="4140586" y="2687489"/>
+            <a:ext cx="2211702" cy="307777"/>
+          </a:xfrm>
+          <a:prstGeom prst="rect">
+            <a:avLst/>
+          </a:prstGeom>
+          <a:solidFill>
+            <a:srgbClr val="F2F2F2"/>
+          </a:solidFill>
+        </p:spPr>
+        <p:txBody>
+          <a:bodyPr wrap="square" rtlCol="0">
+            <a:spAutoFit/>
+          </a:bodyPr>
+          <a:lstStyle/>
+          <a:p>
+            <a:r>
+              <a:rPr lang="de-DE" sz="1400" dirty="0">
+                <a:solidFill>
+                  <a:srgbClr val="267326"/>
+                </a:solidFill>
+                <a:latin typeface="LM Roman 10" pitchFamily="2" charset="77"/>
+                <a:cs typeface="Didot" panose="02000503000000020003" pitchFamily="2" charset="-79"/>
+              </a:rPr>
+              <a:t>3) Schlussfolgerungsphase</a:t>
+            </a:r>
+            <a:endParaRPr lang="en-US" sz="1400" dirty="0">
+              <a:solidFill>
+                <a:srgbClr val="267326"/>
+              </a:solidFill>
+              <a:latin typeface="LM Roman 10" pitchFamily="2" charset="77"/>
+              <a:cs typeface="Didot" panose="02000503000000020003" pitchFamily="2" charset="-79"/>
+            </a:endParaRPr>
+          </a:p>
+        </p:txBody>
+      </p:sp>
+      <p:sp>
+        <p:nvSpPr>
+          <p:cNvPr id="55" name="TextBox 54">
+            <a:extLst>
+              <a:ext uri="{FF2B5EF4-FFF2-40B4-BE49-F238E27FC236}">
+                <a16:creationId xmlns:a16="http://schemas.microsoft.com/office/drawing/2014/main" id="{826285A5-86AB-FFF9-F41D-E2FDA68CD35F}"/>
+              </a:ext>
+            </a:extLst>
+          </p:cNvPr>
+          <p:cNvSpPr txBox="1"/>
+          <p:nvPr/>
+        </p:nvSpPr>
+        <p:spPr>
+          <a:xfrm>
+            <a:off x="8944559" y="3321393"/>
+            <a:ext cx="1761541" cy="307777"/>
+          </a:xfrm>
+          <a:prstGeom prst="rect">
+            <a:avLst/>
+          </a:prstGeom>
+          <a:solidFill>
+            <a:srgbClr val="F2F2F2"/>
+          </a:solidFill>
+        </p:spPr>
+        <p:txBody>
+          <a:bodyPr wrap="square" rtlCol="0">
+            <a:spAutoFit/>
+          </a:bodyPr>
+          <a:lstStyle/>
+          <a:p>
+            <a:r>
+              <a:rPr lang="de-DE" sz="1400" dirty="0">
+                <a:solidFill>
+                  <a:srgbClr val="267326"/>
+                </a:solidFill>
+                <a:latin typeface="LM Roman 10" pitchFamily="2" charset="77"/>
+                <a:cs typeface="Didot" panose="02000503000000020003" pitchFamily="2" charset="-79"/>
+              </a:rPr>
+              <a:t>5) Evaluationsphase</a:t>
+            </a:r>
+            <a:endParaRPr lang="en-US" sz="1400" dirty="0">
+              <a:solidFill>
+                <a:srgbClr val="267326"/>
+              </a:solidFill>
+              <a:latin typeface="LM Roman 10" pitchFamily="2" charset="77"/>
+              <a:cs typeface="Didot" panose="02000503000000020003" pitchFamily="2" charset="-79"/>
+            </a:endParaRPr>
+          </a:p>
+        </p:txBody>
+      </p:sp>
+      <p:sp>
+        <p:nvSpPr>
+          <p:cNvPr id="56" name="TextBox 55">
+            <a:extLst>
+              <a:ext uri="{FF2B5EF4-FFF2-40B4-BE49-F238E27FC236}">
+                <a16:creationId xmlns:a16="http://schemas.microsoft.com/office/drawing/2014/main" id="{E1454FA1-25A8-7B63-A728-B46473330DD8}"/>
+              </a:ext>
+            </a:extLst>
+          </p:cNvPr>
+          <p:cNvSpPr txBox="1"/>
+          <p:nvPr/>
+        </p:nvSpPr>
+        <p:spPr>
+          <a:xfrm>
+            <a:off x="8092593" y="1217956"/>
+            <a:ext cx="400110" cy="1870642"/>
+          </a:xfrm>
+          <a:prstGeom prst="rect">
+            <a:avLst/>
+          </a:prstGeom>
+          <a:solidFill>
+            <a:srgbClr val="F2F2F2"/>
+          </a:solidFill>
+        </p:spPr>
+        <p:txBody>
+          <a:bodyPr vert="vert270" wrap="square" rtlCol="0">
+            <a:spAutoFit/>
+          </a:bodyPr>
+          <a:lstStyle/>
+          <a:p>
+            <a:r>
+              <a:rPr lang="de-DE" sz="1400" dirty="0">
+                <a:solidFill>
+                  <a:srgbClr val="267326"/>
+                </a:solidFill>
+                <a:latin typeface="LM Roman 10" pitchFamily="2" charset="77"/>
+                <a:cs typeface="Didot" panose="02000503000000020003" pitchFamily="2" charset="-79"/>
+              </a:rPr>
+              <a:t>4) Anwendungsphase</a:t>
+            </a:r>
+            <a:endParaRPr lang="en-US" sz="1400" dirty="0">
+              <a:solidFill>
+                <a:srgbClr val="267326"/>
+              </a:solidFill>
+              <a:latin typeface="LM Roman 10" pitchFamily="2" charset="77"/>
+              <a:cs typeface="Didot" panose="02000503000000020003" pitchFamily="2" charset="-79"/>
+            </a:endParaRPr>
+          </a:p>
+        </p:txBody>
+      </p:sp>
+      <p:cxnSp>
+        <p:nvCxnSpPr>
+          <p:cNvPr id="2" name="Connector: Curved 19">
+            <a:extLst>
+              <a:ext uri="{FF2B5EF4-FFF2-40B4-BE49-F238E27FC236}">
+                <a16:creationId xmlns:a16="http://schemas.microsoft.com/office/drawing/2014/main" id="{79AD504F-1947-BB8D-D92A-C6FFAA276207}"/>
+              </a:ext>
+            </a:extLst>
+          </p:cNvPr>
+          <p:cNvCxnSpPr>
+            <a:cxnSpLocks/>
+          </p:cNvCxnSpPr>
+          <p:nvPr/>
+        </p:nvCxnSpPr>
+        <p:spPr>
+          <a:xfrm rot="5400000" flipH="1" flipV="1">
+            <a:off x="1963885" y="4555090"/>
+            <a:ext cx="746522" cy="815340"/>
+          </a:xfrm>
+          <a:prstGeom prst="curvedConnector2">
+            <a:avLst/>
+          </a:prstGeom>
+          <a:ln w="34925">
+            <a:solidFill>
+              <a:srgbClr val="267326"/>
+            </a:solidFill>
+            <a:tailEnd type="triangle"/>
+          </a:ln>
+        </p:spPr>
+        <p:style>
+          <a:lnRef idx="1">
+            <a:schemeClr val="accent1"/>
+          </a:lnRef>
+          <a:fillRef idx="0">
+            <a:schemeClr val="accent1"/>
+          </a:fillRef>
+          <a:effectRef idx="0">
+            <a:schemeClr val="accent1"/>
+          </a:effectRef>
+          <a:fontRef idx="minor">
+            <a:schemeClr val="tx1"/>
+          </a:fontRef>
+        </p:style>
+      </p:cxnSp>
+      <p:sp>
+        <p:nvSpPr>
+          <p:cNvPr id="3" name="TextBox 52">
+            <a:extLst>
+              <a:ext uri="{FF2B5EF4-FFF2-40B4-BE49-F238E27FC236}">
+                <a16:creationId xmlns:a16="http://schemas.microsoft.com/office/drawing/2014/main" id="{D5A8C5B0-BC37-0A64-9412-8C506A465311}"/>
+              </a:ext>
+            </a:extLst>
+          </p:cNvPr>
+          <p:cNvSpPr txBox="1"/>
+          <p:nvPr/>
+        </p:nvSpPr>
+        <p:spPr>
+          <a:xfrm>
+            <a:off x="1072542" y="5326803"/>
+            <a:ext cx="2110495" cy="307777"/>
+          </a:xfrm>
+          <a:prstGeom prst="rect">
+            <a:avLst/>
+          </a:prstGeom>
+          <a:solidFill>
+            <a:srgbClr val="F2F2F2"/>
+          </a:solidFill>
+        </p:spPr>
+        <p:txBody>
+          <a:bodyPr wrap="square" rtlCol="0">
+            <a:spAutoFit/>
+          </a:bodyPr>
+          <a:lstStyle/>
+          <a:p>
+            <a:r>
+              <a:rPr lang="de-DE" sz="1400" dirty="0">
+                <a:solidFill>
+                  <a:srgbClr val="267326"/>
+                </a:solidFill>
+                <a:latin typeface="LM Roman 10" pitchFamily="2" charset="77"/>
+                <a:cs typeface="Didot" panose="02000503000000020003" pitchFamily="2" charset="-79"/>
+              </a:rPr>
+              <a:t>1) Konzeptuelle Phase</a:t>
+            </a:r>
+            <a:endParaRPr lang="en-US" sz="1400" dirty="0">
+              <a:solidFill>
+                <a:srgbClr val="267326"/>
+              </a:solidFill>
+              <a:latin typeface="LM Roman 10" pitchFamily="2" charset="77"/>
+              <a:cs typeface="Didot" panose="02000503000000020003" pitchFamily="2" charset="-79"/>
+            </a:endParaRPr>
+          </a:p>
+        </p:txBody>
+      </p:sp>
+      <p:sp>
+        <p:nvSpPr>
+          <p:cNvPr id="16" name="Textfeld 15">
+            <a:extLst>
+              <a:ext uri="{FF2B5EF4-FFF2-40B4-BE49-F238E27FC236}">
+                <a16:creationId xmlns:a16="http://schemas.microsoft.com/office/drawing/2014/main" id="{F0D1B2F8-9C8B-292F-AA60-FD23A1D1C222}"/>
+              </a:ext>
+            </a:extLst>
+          </p:cNvPr>
+          <p:cNvSpPr txBox="1"/>
+          <p:nvPr/>
+        </p:nvSpPr>
+        <p:spPr>
+          <a:xfrm>
+            <a:off x="6397152" y="2168869"/>
+            <a:ext cx="815340" cy="338554"/>
+          </a:xfrm>
+          <a:prstGeom prst="rect">
+            <a:avLst/>
+          </a:prstGeom>
+          <a:noFill/>
+        </p:spPr>
+        <p:txBody>
+          <a:bodyPr wrap="square" rtlCol="0">
+            <a:spAutoFit/>
+          </a:bodyPr>
+          <a:lstStyle/>
+          <a:p>
+            <a:r>
+              <a:rPr lang="de-DE" sz="1600" dirty="0">
+                <a:solidFill>
+                  <a:srgbClr val="267326"/>
+                </a:solidFill>
+                <a:latin typeface="LM Roman 10" pitchFamily="2" charset="77"/>
+                <a:cs typeface="Didot" panose="02000503000000020003" pitchFamily="2" charset="-79"/>
+              </a:rPr>
+              <a:t>Wissen</a:t>
+            </a:r>
+            <a:endParaRPr lang="de-DE" dirty="0">
+              <a:solidFill>
+                <a:srgbClr val="267326"/>
+              </a:solidFill>
+            </a:endParaRPr>
+          </a:p>
+        </p:txBody>
+      </p:sp>
+      <p:sp>
+        <p:nvSpPr>
+          <p:cNvPr id="6" name="Textfeld 5">
+            <a:extLst>
+              <a:ext uri="{FF2B5EF4-FFF2-40B4-BE49-F238E27FC236}">
+                <a16:creationId xmlns:a16="http://schemas.microsoft.com/office/drawing/2014/main" id="{28753A68-9EF3-34E0-F30F-923284A1A4B6}"/>
+              </a:ext>
+            </a:extLst>
+          </p:cNvPr>
+          <p:cNvSpPr txBox="1"/>
+          <p:nvPr/>
+        </p:nvSpPr>
+        <p:spPr>
+          <a:xfrm>
+            <a:off x="3126631" y="4404153"/>
+            <a:ext cx="896142" cy="369332"/>
+          </a:xfrm>
+          <a:prstGeom prst="rect">
+            <a:avLst/>
+          </a:prstGeom>
+          <a:noFill/>
+        </p:spPr>
+        <p:txBody>
+          <a:bodyPr wrap="square" rtlCol="0">
+            <a:spAutoFit/>
+          </a:bodyPr>
+          <a:lstStyle/>
+          <a:p>
+            <a:r>
+              <a:rPr lang="de-DE" sz="1800" dirty="0">
+                <a:solidFill>
+                  <a:srgbClr val="267326"/>
+                </a:solidFill>
+                <a:latin typeface="LM Roman 10" pitchFamily="2" charset="77"/>
+                <a:cs typeface="Didot" panose="02000503000000020003" pitchFamily="2" charset="-79"/>
+              </a:rPr>
+              <a:t>Anlass</a:t>
+            </a:r>
+            <a:endParaRPr lang="de-DE" dirty="0">
+              <a:solidFill>
+                <a:srgbClr val="267326"/>
+              </a:solidFill>
+            </a:endParaRPr>
+          </a:p>
+        </p:txBody>
+      </p:sp>
+    </p:spTree>
+    <p:extLst>
+      <p:ext uri="{BB962C8B-B14F-4D97-AF65-F5344CB8AC3E}">
+        <p14:creationId xmlns:p14="http://schemas.microsoft.com/office/powerpoint/2010/main" val="59458784"/>
       </p:ext>
     </p:extLst>
   </p:cSld>

--- a/img/Groß_Ophoff et al (2023)_adapted.pptx
+++ b/img/Groß_Ophoff et al (2023)_adapted.pptx
@@ -272,7 +272,7 @@
           <a:p>
             <a:fld id="{2F5C0E49-5901-4A70-B0E2-4707CC9925D2}" type="datetimeFigureOut">
               <a:rPr lang="en-US" smtClean="0"/>
-              <a:t>7/4/24</a:t>
+              <a:t>7/11/24</a:t>
             </a:fld>
             <a:endParaRPr lang="en-US"/>
           </a:p>
@@ -470,7 +470,7 @@
           <a:p>
             <a:fld id="{2F5C0E49-5901-4A70-B0E2-4707CC9925D2}" type="datetimeFigureOut">
               <a:rPr lang="en-US" smtClean="0"/>
-              <a:t>7/4/24</a:t>
+              <a:t>7/11/24</a:t>
             </a:fld>
             <a:endParaRPr lang="en-US"/>
           </a:p>
@@ -678,7 +678,7 @@
           <a:p>
             <a:fld id="{2F5C0E49-5901-4A70-B0E2-4707CC9925D2}" type="datetimeFigureOut">
               <a:rPr lang="en-US" smtClean="0"/>
-              <a:t>7/4/24</a:t>
+              <a:t>7/11/24</a:t>
             </a:fld>
             <a:endParaRPr lang="en-US"/>
           </a:p>
@@ -876,7 +876,7 @@
           <a:p>
             <a:fld id="{2F5C0E49-5901-4A70-B0E2-4707CC9925D2}" type="datetimeFigureOut">
               <a:rPr lang="en-US" smtClean="0"/>
-              <a:t>7/4/24</a:t>
+              <a:t>7/11/24</a:t>
             </a:fld>
             <a:endParaRPr lang="en-US"/>
           </a:p>
@@ -1151,7 +1151,7 @@
           <a:p>
             <a:fld id="{2F5C0E49-5901-4A70-B0E2-4707CC9925D2}" type="datetimeFigureOut">
               <a:rPr lang="en-US" smtClean="0"/>
-              <a:t>7/4/24</a:t>
+              <a:t>7/11/24</a:t>
             </a:fld>
             <a:endParaRPr lang="en-US"/>
           </a:p>
@@ -1416,7 +1416,7 @@
           <a:p>
             <a:fld id="{2F5C0E49-5901-4A70-B0E2-4707CC9925D2}" type="datetimeFigureOut">
               <a:rPr lang="en-US" smtClean="0"/>
-              <a:t>7/4/24</a:t>
+              <a:t>7/11/24</a:t>
             </a:fld>
             <a:endParaRPr lang="en-US"/>
           </a:p>
@@ -1828,7 +1828,7 @@
           <a:p>
             <a:fld id="{2F5C0E49-5901-4A70-B0E2-4707CC9925D2}" type="datetimeFigureOut">
               <a:rPr lang="en-US" smtClean="0"/>
-              <a:t>7/4/24</a:t>
+              <a:t>7/11/24</a:t>
             </a:fld>
             <a:endParaRPr lang="en-US"/>
           </a:p>
@@ -1969,7 +1969,7 @@
           <a:p>
             <a:fld id="{2F5C0E49-5901-4A70-B0E2-4707CC9925D2}" type="datetimeFigureOut">
               <a:rPr lang="en-US" smtClean="0"/>
-              <a:t>7/4/24</a:t>
+              <a:t>7/11/24</a:t>
             </a:fld>
             <a:endParaRPr lang="en-US"/>
           </a:p>
@@ -2082,7 +2082,7 @@
           <a:p>
             <a:fld id="{2F5C0E49-5901-4A70-B0E2-4707CC9925D2}" type="datetimeFigureOut">
               <a:rPr lang="en-US" smtClean="0"/>
-              <a:t>7/4/24</a:t>
+              <a:t>7/11/24</a:t>
             </a:fld>
             <a:endParaRPr lang="en-US"/>
           </a:p>
@@ -2393,7 +2393,7 @@
           <a:p>
             <a:fld id="{2F5C0E49-5901-4A70-B0E2-4707CC9925D2}" type="datetimeFigureOut">
               <a:rPr lang="en-US" smtClean="0"/>
-              <a:t>7/4/24</a:t>
+              <a:t>7/11/24</a:t>
             </a:fld>
             <a:endParaRPr lang="en-US"/>
           </a:p>
@@ -2681,7 +2681,7 @@
           <a:p>
             <a:fld id="{2F5C0E49-5901-4A70-B0E2-4707CC9925D2}" type="datetimeFigureOut">
               <a:rPr lang="en-US" smtClean="0"/>
-              <a:t>7/4/24</a:t>
+              <a:t>7/11/24</a:t>
             </a:fld>
             <a:endParaRPr lang="en-US"/>
           </a:p>
@@ -2925,7 +2925,7 @@
           <a:p>
             <a:fld id="{2F5C0E49-5901-4A70-B0E2-4707CC9925D2}" type="datetimeFigureOut">
               <a:rPr lang="en-US" smtClean="0"/>
-              <a:t>7/4/24</a:t>
+              <a:t>7/11/24</a:t>
             </a:fld>
             <a:endParaRPr lang="en-US"/>
           </a:p>
@@ -21041,8 +21041,8 @@
         </p:nvSpPr>
         <p:spPr>
           <a:xfrm>
-            <a:off x="90197" y="149290"/>
-            <a:ext cx="12011608" cy="6559420"/>
+            <a:off x="406399" y="459698"/>
+            <a:ext cx="11013409" cy="5953259"/>
           </a:xfrm>
           <a:prstGeom prst="roundRect">
             <a:avLst>
@@ -21213,8 +21213,8 @@
         </p:nvSpPr>
         <p:spPr>
           <a:xfrm>
-            <a:off x="400881" y="522757"/>
-            <a:ext cx="11390238" cy="5812486"/>
+            <a:off x="722489" y="786235"/>
+            <a:ext cx="10329333" cy="5285530"/>
           </a:xfrm>
           <a:prstGeom prst="roundRect">
             <a:avLst>
@@ -21385,8 +21385,8 @@
         </p:nvSpPr>
         <p:spPr>
           <a:xfrm>
-            <a:off x="820633" y="867212"/>
-            <a:ext cx="7585136" cy="5123576"/>
+            <a:off x="1072541" y="1140178"/>
+            <a:ext cx="7333227" cy="4572000"/>
           </a:xfrm>
           <a:prstGeom prst="roundRect">
             <a:avLst>
@@ -21557,8 +21557,8 @@
         </p:nvSpPr>
         <p:spPr>
           <a:xfrm>
-            <a:off x="153174" y="153425"/>
-            <a:ext cx="2820003" cy="338554"/>
+            <a:off x="542269" y="459699"/>
+            <a:ext cx="2584362" cy="338554"/>
           </a:xfrm>
           <a:prstGeom prst="rect">
             <a:avLst/>
@@ -21579,7 +21579,7 @@
                 <a:latin typeface="LM Roman 10" pitchFamily="2" charset="77"/>
                 <a:cs typeface="Didot" panose="02000503000000020003" pitchFamily="2" charset="-79"/>
               </a:rPr>
-              <a:t>Charakteristika der Kontexte</a:t>
+              <a:t>Charakteristika der Schule</a:t>
             </a:r>
             <a:endParaRPr lang="en-US" dirty="0">
               <a:solidFill>
@@ -21605,8 +21605,8 @@
         </p:nvSpPr>
         <p:spPr>
           <a:xfrm>
-            <a:off x="400881" y="510319"/>
-            <a:ext cx="2965877" cy="338554"/>
+            <a:off x="772192" y="786235"/>
+            <a:ext cx="4216219" cy="338554"/>
           </a:xfrm>
           <a:prstGeom prst="rect">
             <a:avLst/>
@@ -21627,7 +21627,7 @@
                 <a:latin typeface="LM Roman 10" pitchFamily="2" charset="77"/>
                 <a:cs typeface="Didot" panose="02000503000000020003" pitchFamily="2" charset="-79"/>
               </a:rPr>
-              <a:t>Charakteristika der Nutzenden</a:t>
+              <a:t>Charakteristika der individuellen Lehrperson</a:t>
             </a:r>
             <a:endParaRPr lang="en-US" sz="1600" dirty="0">
               <a:solidFill>
@@ -21653,8 +21653,8 @@
         </p:nvSpPr>
         <p:spPr>
           <a:xfrm>
-            <a:off x="820633" y="879401"/>
-            <a:ext cx="2719014" cy="338554"/>
+            <a:off x="1044255" y="1096812"/>
+            <a:ext cx="5056192" cy="338554"/>
           </a:xfrm>
           <a:prstGeom prst="rect">
             <a:avLst/>
@@ -21675,7 +21675,7 @@
                 <a:latin typeface="LM Roman 10" pitchFamily="2" charset="77"/>
                 <a:cs typeface="Didot" panose="02000503000000020003" pitchFamily="2" charset="-79"/>
               </a:rPr>
-              <a:t>Charakteristika der Evidenz</a:t>
+              <a:t>Charakteristika der Forschung/des Forschungswissens</a:t>
             </a:r>
             <a:endParaRPr lang="en-US" sz="1600" dirty="0">
               <a:solidFill>
@@ -22849,6 +22849,226 @@
               <a:solidFill>
                 <a:srgbClr val="267326"/>
               </a:solidFill>
+            </a:endParaRPr>
+          </a:p>
+        </p:txBody>
+      </p:sp>
+      <p:sp>
+        <p:nvSpPr>
+          <p:cNvPr id="5" name="Rectangle: Rounded Corners 3">
+            <a:extLst>
+              <a:ext uri="{FF2B5EF4-FFF2-40B4-BE49-F238E27FC236}">
+                <a16:creationId xmlns:a16="http://schemas.microsoft.com/office/drawing/2014/main" id="{7680B836-4A0D-028C-0823-00482B71AF60}"/>
+              </a:ext>
+            </a:extLst>
+          </p:cNvPr>
+          <p:cNvSpPr/>
+          <p:nvPr/>
+        </p:nvSpPr>
+        <p:spPr>
+          <a:xfrm>
+            <a:off x="81024" y="143609"/>
+            <a:ext cx="11665066" cy="6570783"/>
+          </a:xfrm>
+          <a:prstGeom prst="roundRect">
+            <a:avLst>
+              <a:gd name="adj" fmla="val 2087"/>
+            </a:avLst>
+          </a:prstGeom>
+          <a:noFill/>
+          <a:ln>
+            <a:solidFill>
+              <a:srgbClr val="267326"/>
+            </a:solidFill>
+            <a:prstDash val="dash"/>
+            <a:extLst>
+              <a:ext uri="{C807C97D-BFC1-408E-A445-0C87EB9F89A2}">
+                <ask:lineSketchStyleProps xmlns:ask="http://schemas.microsoft.com/office/drawing/2018/sketchyshapes" sd="1219033472">
+                  <a:custGeom>
+                    <a:avLst/>
+                    <a:gdLst>
+                      <a:gd name="connsiteX0" fmla="*/ 0 w 12011608"/>
+                      <a:gd name="connsiteY0" fmla="*/ 1093259 h 6559420"/>
+                      <a:gd name="connsiteX1" fmla="*/ 1093259 w 12011608"/>
+                      <a:gd name="connsiteY1" fmla="*/ 0 h 6559420"/>
+                      <a:gd name="connsiteX2" fmla="*/ 10918349 w 12011608"/>
+                      <a:gd name="connsiteY2" fmla="*/ 0 h 6559420"/>
+                      <a:gd name="connsiteX3" fmla="*/ 12011608 w 12011608"/>
+                      <a:gd name="connsiteY3" fmla="*/ 1093259 h 6559420"/>
+                      <a:gd name="connsiteX4" fmla="*/ 12011608 w 12011608"/>
+                      <a:gd name="connsiteY4" fmla="*/ 5466161 h 6559420"/>
+                      <a:gd name="connsiteX5" fmla="*/ 10918349 w 12011608"/>
+                      <a:gd name="connsiteY5" fmla="*/ 6559420 h 6559420"/>
+                      <a:gd name="connsiteX6" fmla="*/ 1093259 w 12011608"/>
+                      <a:gd name="connsiteY6" fmla="*/ 6559420 h 6559420"/>
+                      <a:gd name="connsiteX7" fmla="*/ 0 w 12011608"/>
+                      <a:gd name="connsiteY7" fmla="*/ 5466161 h 6559420"/>
+                      <a:gd name="connsiteX8" fmla="*/ 0 w 12011608"/>
+                      <a:gd name="connsiteY8" fmla="*/ 1093259 h 6559420"/>
+                    </a:gdLst>
+                    <a:ahLst/>
+                    <a:cxnLst>
+                      <a:cxn ang="0">
+                        <a:pos x="connsiteX0" y="connsiteY0"/>
+                      </a:cxn>
+                      <a:cxn ang="0">
+                        <a:pos x="connsiteX1" y="connsiteY1"/>
+                      </a:cxn>
+                      <a:cxn ang="0">
+                        <a:pos x="connsiteX2" y="connsiteY2"/>
+                      </a:cxn>
+                      <a:cxn ang="0">
+                        <a:pos x="connsiteX3" y="connsiteY3"/>
+                      </a:cxn>
+                      <a:cxn ang="0">
+                        <a:pos x="connsiteX4" y="connsiteY4"/>
+                      </a:cxn>
+                      <a:cxn ang="0">
+                        <a:pos x="connsiteX5" y="connsiteY5"/>
+                      </a:cxn>
+                      <a:cxn ang="0">
+                        <a:pos x="connsiteX6" y="connsiteY6"/>
+                      </a:cxn>
+                      <a:cxn ang="0">
+                        <a:pos x="connsiteX7" y="connsiteY7"/>
+                      </a:cxn>
+                      <a:cxn ang="0">
+                        <a:pos x="connsiteX8" y="connsiteY8"/>
+                      </a:cxn>
+                    </a:cxnLst>
+                    <a:rect l="l" t="t" r="r" b="b"/>
+                    <a:pathLst>
+                      <a:path w="12011608" h="6559420" extrusionOk="0">
+                        <a:moveTo>
+                          <a:pt x="0" y="1093259"/>
+                        </a:moveTo>
+                        <a:cubicBezTo>
+                          <a:pt x="-7845" y="484630"/>
+                          <a:pt x="467865" y="8108"/>
+                          <a:pt x="1093259" y="0"/>
+                        </a:cubicBezTo>
+                        <a:cubicBezTo>
+                          <a:pt x="4384189" y="132882"/>
+                          <a:pt x="7819229" y="-84951"/>
+                          <a:pt x="10918349" y="0"/>
+                        </a:cubicBezTo>
+                        <a:cubicBezTo>
+                          <a:pt x="11473475" y="47523"/>
+                          <a:pt x="11990134" y="608160"/>
+                          <a:pt x="12011608" y="1093259"/>
+                        </a:cubicBezTo>
+                        <a:cubicBezTo>
+                          <a:pt x="12031795" y="2900874"/>
+                          <a:pt x="12164088" y="4134857"/>
+                          <a:pt x="12011608" y="5466161"/>
+                        </a:cubicBezTo>
+                        <a:cubicBezTo>
+                          <a:pt x="12036918" y="6072954"/>
+                          <a:pt x="11571857" y="6457101"/>
+                          <a:pt x="10918349" y="6559420"/>
+                        </a:cubicBezTo>
+                        <a:cubicBezTo>
+                          <a:pt x="9602557" y="6647059"/>
+                          <a:pt x="3354151" y="6486741"/>
+                          <a:pt x="1093259" y="6559420"/>
+                        </a:cubicBezTo>
+                        <a:cubicBezTo>
+                          <a:pt x="482666" y="6494544"/>
+                          <a:pt x="-19749" y="6097396"/>
+                          <a:pt x="0" y="5466161"/>
+                        </a:cubicBezTo>
+                        <a:cubicBezTo>
+                          <a:pt x="-38581" y="3816704"/>
+                          <a:pt x="63341" y="3160269"/>
+                          <a:pt x="0" y="1093259"/>
+                        </a:cubicBezTo>
+                        <a:close/>
+                      </a:path>
+                    </a:pathLst>
+                  </a:custGeom>
+                  <ask:type>
+                    <ask:lineSketchNone/>
+                  </ask:type>
+                </ask:lineSketchStyleProps>
+              </a:ext>
+            </a:extLst>
+          </a:ln>
+        </p:spPr>
+        <p:style>
+          <a:lnRef idx="2">
+            <a:schemeClr val="accent1">
+              <a:shade val="50000"/>
+            </a:schemeClr>
+          </a:lnRef>
+          <a:fillRef idx="1">
+            <a:schemeClr val="accent1"/>
+          </a:fillRef>
+          <a:effectRef idx="0">
+            <a:schemeClr val="accent1"/>
+          </a:effectRef>
+          <a:fontRef idx="minor">
+            <a:schemeClr val="lt1"/>
+          </a:fontRef>
+        </p:style>
+        <p:txBody>
+          <a:bodyPr rtlCol="0" anchor="ctr"/>
+          <a:lstStyle/>
+          <a:p>
+            <a:pPr algn="ctr"/>
+            <a:endParaRPr lang="en-US" dirty="0">
+              <a:solidFill>
+                <a:srgbClr val="267326"/>
+              </a:solidFill>
+              <a:latin typeface="LM Roman 10" pitchFamily="2" charset="77"/>
+              <a:cs typeface="Didot" panose="02000503000000020003" pitchFamily="2" charset="-79"/>
+            </a:endParaRPr>
+          </a:p>
+        </p:txBody>
+      </p:sp>
+      <p:sp>
+        <p:nvSpPr>
+          <p:cNvPr id="12" name="TextBox 8">
+            <a:extLst>
+              <a:ext uri="{FF2B5EF4-FFF2-40B4-BE49-F238E27FC236}">
+                <a16:creationId xmlns:a16="http://schemas.microsoft.com/office/drawing/2014/main" id="{3C509CB0-07F1-F883-81D8-E1110BBCCA56}"/>
+              </a:ext>
+            </a:extLst>
+          </p:cNvPr>
+          <p:cNvSpPr txBox="1"/>
+          <p:nvPr/>
+        </p:nvSpPr>
+        <p:spPr>
+          <a:xfrm>
+            <a:off x="215988" y="132033"/>
+            <a:ext cx="3459601" cy="338554"/>
+          </a:xfrm>
+          <a:prstGeom prst="rect">
+            <a:avLst/>
+          </a:prstGeom>
+          <a:noFill/>
+        </p:spPr>
+        <p:txBody>
+          <a:bodyPr wrap="none" rtlCol="0">
+            <a:spAutoFit/>
+          </a:bodyPr>
+          <a:lstStyle/>
+          <a:p>
+            <a:r>
+              <a:rPr lang="de-DE" sz="1600" dirty="0">
+                <a:solidFill>
+                  <a:srgbClr val="267326"/>
+                </a:solidFill>
+                <a:latin typeface="LM Roman 10" pitchFamily="2" charset="77"/>
+                <a:cs typeface="Didot" panose="02000503000000020003" pitchFamily="2" charset="-79"/>
+              </a:rPr>
+              <a:t>Charakteristika der Kommunikation</a:t>
+            </a:r>
+            <a:endParaRPr lang="en-US" dirty="0">
+              <a:solidFill>
+                <a:srgbClr val="267326"/>
+              </a:solidFill>
+              <a:latin typeface="LM Roman 10" pitchFamily="2" charset="77"/>
+              <a:cs typeface="Didot" panose="02000503000000020003" pitchFamily="2" charset="-79"/>
             </a:endParaRPr>
           </a:p>
         </p:txBody>

--- a/img/Groß_Ophoff et al (2023)_adapted.pptx
+++ b/img/Groß_Ophoff et al (2023)_adapted.pptx
@@ -2,7 +2,7 @@
 <file path=ppt/presentation.xml><?xml version="1.0" encoding="utf-8"?>
 <p:presentation xmlns:a="http://schemas.openxmlformats.org/drawingml/2006/main" xmlns:r="http://schemas.openxmlformats.org/officeDocument/2006/relationships" xmlns:p="http://schemas.openxmlformats.org/presentationml/2006/main" saveSubsetFonts="1">
   <p:sldMasterIdLst>
-    <p:sldMasterId id="2147483648" r:id="rId1"/>
+    <p:sldMasterId id="2147483660" r:id="rId1"/>
   </p:sldMasterIdLst>
   <p:sldIdLst>
     <p:sldId id="256" r:id="rId2"/>
@@ -20,13 +20,13 @@
     <p:sldId id="260" r:id="rId14"/>
     <p:sldId id="261" r:id="rId15"/>
   </p:sldIdLst>
-  <p:sldSz cx="12192000" cy="6858000"/>
+  <p:sldSz cx="12192000" cy="7559675"/>
   <p:notesSz cx="6858000" cy="9144000"/>
   <p:defaultTextStyle>
     <a:defPPr>
       <a:defRPr lang="en-US"/>
     </a:defPPr>
-    <a:lvl1pPr marL="0" algn="l" defTabSz="914400" rtl="0" eaLnBrk="1" latinLnBrk="0" hangingPunct="1">
+    <a:lvl1pPr marL="0" algn="l" defTabSz="457200" rtl="0" eaLnBrk="1" latinLnBrk="0" hangingPunct="1">
       <a:defRPr sz="1800" kern="1200">
         <a:solidFill>
           <a:schemeClr val="tx1"/>
@@ -36,7 +36,7 @@
         <a:cs typeface="+mn-cs"/>
       </a:defRPr>
     </a:lvl1pPr>
-    <a:lvl2pPr marL="457200" algn="l" defTabSz="914400" rtl="0" eaLnBrk="1" latinLnBrk="0" hangingPunct="1">
+    <a:lvl2pPr marL="457200" algn="l" defTabSz="457200" rtl="0" eaLnBrk="1" latinLnBrk="0" hangingPunct="1">
       <a:defRPr sz="1800" kern="1200">
         <a:solidFill>
           <a:schemeClr val="tx1"/>
@@ -46,7 +46,7 @@
         <a:cs typeface="+mn-cs"/>
       </a:defRPr>
     </a:lvl2pPr>
-    <a:lvl3pPr marL="914400" algn="l" defTabSz="914400" rtl="0" eaLnBrk="1" latinLnBrk="0" hangingPunct="1">
+    <a:lvl3pPr marL="914400" algn="l" defTabSz="457200" rtl="0" eaLnBrk="1" latinLnBrk="0" hangingPunct="1">
       <a:defRPr sz="1800" kern="1200">
         <a:solidFill>
           <a:schemeClr val="tx1"/>
@@ -56,7 +56,7 @@
         <a:cs typeface="+mn-cs"/>
       </a:defRPr>
     </a:lvl3pPr>
-    <a:lvl4pPr marL="1371600" algn="l" defTabSz="914400" rtl="0" eaLnBrk="1" latinLnBrk="0" hangingPunct="1">
+    <a:lvl4pPr marL="1371600" algn="l" defTabSz="457200" rtl="0" eaLnBrk="1" latinLnBrk="0" hangingPunct="1">
       <a:defRPr sz="1800" kern="1200">
         <a:solidFill>
           <a:schemeClr val="tx1"/>
@@ -66,7 +66,7 @@
         <a:cs typeface="+mn-cs"/>
       </a:defRPr>
     </a:lvl4pPr>
-    <a:lvl5pPr marL="1828800" algn="l" defTabSz="914400" rtl="0" eaLnBrk="1" latinLnBrk="0" hangingPunct="1">
+    <a:lvl5pPr marL="1828800" algn="l" defTabSz="457200" rtl="0" eaLnBrk="1" latinLnBrk="0" hangingPunct="1">
       <a:defRPr sz="1800" kern="1200">
         <a:solidFill>
           <a:schemeClr val="tx1"/>
@@ -76,7 +76,7 @@
         <a:cs typeface="+mn-cs"/>
       </a:defRPr>
     </a:lvl5pPr>
-    <a:lvl6pPr marL="2286000" algn="l" defTabSz="914400" rtl="0" eaLnBrk="1" latinLnBrk="0" hangingPunct="1">
+    <a:lvl6pPr marL="2286000" algn="l" defTabSz="457200" rtl="0" eaLnBrk="1" latinLnBrk="0" hangingPunct="1">
       <a:defRPr sz="1800" kern="1200">
         <a:solidFill>
           <a:schemeClr val="tx1"/>
@@ -86,7 +86,7 @@
         <a:cs typeface="+mn-cs"/>
       </a:defRPr>
     </a:lvl6pPr>
-    <a:lvl7pPr marL="2743200" algn="l" defTabSz="914400" rtl="0" eaLnBrk="1" latinLnBrk="0" hangingPunct="1">
+    <a:lvl7pPr marL="2743200" algn="l" defTabSz="457200" rtl="0" eaLnBrk="1" latinLnBrk="0" hangingPunct="1">
       <a:defRPr sz="1800" kern="1200">
         <a:solidFill>
           <a:schemeClr val="tx1"/>
@@ -96,7 +96,7 @@
         <a:cs typeface="+mn-cs"/>
       </a:defRPr>
     </a:lvl7pPr>
-    <a:lvl8pPr marL="3200400" algn="l" defTabSz="914400" rtl="0" eaLnBrk="1" latinLnBrk="0" hangingPunct="1">
+    <a:lvl8pPr marL="3200400" algn="l" defTabSz="457200" rtl="0" eaLnBrk="1" latinLnBrk="0" hangingPunct="1">
       <a:defRPr sz="1800" kern="1200">
         <a:solidFill>
           <a:schemeClr val="tx1"/>
@@ -106,7 +106,7 @@
         <a:cs typeface="+mn-cs"/>
       </a:defRPr>
     </a:lvl8pPr>
-    <a:lvl9pPr marL="3657600" algn="l" defTabSz="914400" rtl="0" eaLnBrk="1" latinLnBrk="0" hangingPunct="1">
+    <a:lvl9pPr marL="3657600" algn="l" defTabSz="457200" rtl="0" eaLnBrk="1" latinLnBrk="0" hangingPunct="1">
       <a:defRPr sz="1800" kern="1200">
         <a:solidFill>
           <a:schemeClr val="tx1"/>
@@ -127,7 +127,7 @@
 
 <file path=ppt/slideLayouts/slideLayout1.xml><?xml version="1.0" encoding="utf-8"?>
 <p:sldLayout xmlns:a="http://schemas.openxmlformats.org/drawingml/2006/main" xmlns:r="http://schemas.openxmlformats.org/officeDocument/2006/relationships" xmlns:p="http://schemas.openxmlformats.org/presentationml/2006/main" type="title" preserve="1">
-  <p:cSld name="Title Slide">
+  <p:cSld name="Titelfolie">
     <p:spTree>
       <p:nvGrpSpPr>
         <p:cNvPr id="1" name=""/>
@@ -144,13 +144,7 @@
       </p:grpSpPr>
       <p:sp>
         <p:nvSpPr>
-          <p:cNvPr id="2" name="Title 1">
-            <a:extLst>
-              <a:ext uri="{FF2B5EF4-FFF2-40B4-BE49-F238E27FC236}">
-                <a16:creationId xmlns:a16="http://schemas.microsoft.com/office/drawing/2014/main" id="{FE987E59-0BB7-7817-F567-69B84C8978A2}"/>
-              </a:ext>
-            </a:extLst>
-          </p:cNvPr>
+          <p:cNvPr id="2" name="Title 1"/>
           <p:cNvSpPr>
             <a:spLocks noGrp="1"/>
           </p:cNvSpPr>
@@ -160,8 +154,8 @@
         </p:nvSpPr>
         <p:spPr>
           <a:xfrm>
-            <a:off x="1524000" y="1122363"/>
-            <a:ext cx="9144000" cy="2387600"/>
+            <a:off x="1524000" y="1237197"/>
+            <a:ext cx="9144000" cy="2631887"/>
           </a:xfrm>
         </p:spPr>
         <p:txBody>
@@ -173,21 +167,16 @@
           </a:lstStyle>
           <a:p>
             <a:r>
-              <a:rPr lang="en-US"/>
-              <a:t>Click to edit Master title style</a:t>
-            </a:r>
-          </a:p>
-        </p:txBody>
-      </p:sp>
-      <p:sp>
-        <p:nvSpPr>
-          <p:cNvPr id="3" name="Subtitle 2">
-            <a:extLst>
-              <a:ext uri="{FF2B5EF4-FFF2-40B4-BE49-F238E27FC236}">
-                <a16:creationId xmlns:a16="http://schemas.microsoft.com/office/drawing/2014/main" id="{EB4AEE38-5969-628A-4F58-A61AA6BF59B1}"/>
-              </a:ext>
-            </a:extLst>
-          </p:cNvPr>
+              <a:rPr lang="de-DE"/>
+              <a:t>Mastertitelformat bearbeiten</a:t>
+            </a:r>
+            <a:endParaRPr lang="en-US" dirty="0"/>
+          </a:p>
+        </p:txBody>
+      </p:sp>
+      <p:sp>
+        <p:nvSpPr>
+          <p:cNvPr id="3" name="Subtitle 2"/>
           <p:cNvSpPr>
             <a:spLocks noGrp="1"/>
           </p:cNvSpPr>
@@ -197,8 +186,8 @@
         </p:nvSpPr>
         <p:spPr>
           <a:xfrm>
-            <a:off x="1524000" y="3602038"/>
-            <a:ext cx="9144000" cy="1655762"/>
+            <a:off x="1524000" y="3970580"/>
+            <a:ext cx="9144000" cy="1825171"/>
           </a:xfrm>
         </p:spPr>
         <p:txBody>
@@ -243,21 +232,16 @@
           </a:lstStyle>
           <a:p>
             <a:r>
-              <a:rPr lang="en-US"/>
-              <a:t>Click to edit Master subtitle style</a:t>
-            </a:r>
-          </a:p>
-        </p:txBody>
-      </p:sp>
-      <p:sp>
-        <p:nvSpPr>
-          <p:cNvPr id="4" name="Date Placeholder 3">
-            <a:extLst>
-              <a:ext uri="{FF2B5EF4-FFF2-40B4-BE49-F238E27FC236}">
-                <a16:creationId xmlns:a16="http://schemas.microsoft.com/office/drawing/2014/main" id="{76F5E4D2-A04C-0C6B-1309-E67802849D60}"/>
-              </a:ext>
-            </a:extLst>
-          </p:cNvPr>
+              <a:rPr lang="de-DE"/>
+              <a:t>Master-Untertitelformat bearbeiten</a:t>
+            </a:r>
+            <a:endParaRPr lang="en-US" dirty="0"/>
+          </a:p>
+        </p:txBody>
+      </p:sp>
+      <p:sp>
+        <p:nvSpPr>
+          <p:cNvPr id="4" name="Date Placeholder 3"/>
           <p:cNvSpPr>
             <a:spLocks noGrp="1"/>
           </p:cNvSpPr>
@@ -272,7 +256,7 @@
           <a:p>
             <a:fld id="{2F5C0E49-5901-4A70-B0E2-4707CC9925D2}" type="datetimeFigureOut">
               <a:rPr lang="en-US" smtClean="0"/>
-              <a:t>7/11/24</a:t>
+              <a:t>7/14/24</a:t>
             </a:fld>
             <a:endParaRPr lang="en-US"/>
           </a:p>
@@ -280,13 +264,7 @@
       </p:sp>
       <p:sp>
         <p:nvSpPr>
-          <p:cNvPr id="5" name="Footer Placeholder 4">
-            <a:extLst>
-              <a:ext uri="{FF2B5EF4-FFF2-40B4-BE49-F238E27FC236}">
-                <a16:creationId xmlns:a16="http://schemas.microsoft.com/office/drawing/2014/main" id="{170F9E2C-A242-32DB-EBB3-3E4D71F5F51D}"/>
-              </a:ext>
-            </a:extLst>
-          </p:cNvPr>
+          <p:cNvPr id="5" name="Footer Placeholder 4"/>
           <p:cNvSpPr>
             <a:spLocks noGrp="1"/>
           </p:cNvSpPr>
@@ -305,13 +283,7 @@
       </p:sp>
       <p:sp>
         <p:nvSpPr>
-          <p:cNvPr id="6" name="Slide Number Placeholder 5">
-            <a:extLst>
-              <a:ext uri="{FF2B5EF4-FFF2-40B4-BE49-F238E27FC236}">
-                <a16:creationId xmlns:a16="http://schemas.microsoft.com/office/drawing/2014/main" id="{3C9A22B2-7BCB-35FD-BB13-51B64F871DAB}"/>
-              </a:ext>
-            </a:extLst>
-          </p:cNvPr>
+          <p:cNvPr id="6" name="Slide Number Placeholder 5"/>
           <p:cNvSpPr>
             <a:spLocks noGrp="1"/>
           </p:cNvSpPr>
@@ -335,7 +307,7 @@
     </p:spTree>
     <p:extLst>
       <p:ext uri="{BB962C8B-B14F-4D97-AF65-F5344CB8AC3E}">
-        <p14:creationId xmlns:p14="http://schemas.microsoft.com/office/powerpoint/2010/main" val="63132808"/>
+        <p14:creationId xmlns:p14="http://schemas.microsoft.com/office/powerpoint/2010/main" val="196911902"/>
       </p:ext>
     </p:extLst>
   </p:cSld>
@@ -347,7 +319,7 @@
 
 <file path=ppt/slideLayouts/slideLayout10.xml><?xml version="1.0" encoding="utf-8"?>
 <p:sldLayout xmlns:a="http://schemas.openxmlformats.org/drawingml/2006/main" xmlns:r="http://schemas.openxmlformats.org/officeDocument/2006/relationships" xmlns:p="http://schemas.openxmlformats.org/presentationml/2006/main" type="vertTx" preserve="1">
-  <p:cSld name="Title and Vertical Text">
+  <p:cSld name="Titel und vertikaler Text">
     <p:spTree>
       <p:nvGrpSpPr>
         <p:cNvPr id="1" name=""/>
@@ -364,13 +336,7 @@
       </p:grpSpPr>
       <p:sp>
         <p:nvSpPr>
-          <p:cNvPr id="2" name="Title 1">
-            <a:extLst>
-              <a:ext uri="{FF2B5EF4-FFF2-40B4-BE49-F238E27FC236}">
-                <a16:creationId xmlns:a16="http://schemas.microsoft.com/office/drawing/2014/main" id="{6959000C-37EC-860F-00FD-1C2A55753C43}"/>
-              </a:ext>
-            </a:extLst>
-          </p:cNvPr>
+          <p:cNvPr id="2" name="Title 1"/>
           <p:cNvSpPr>
             <a:spLocks noGrp="1"/>
           </p:cNvSpPr>
@@ -384,21 +350,16 @@
           <a:lstStyle/>
           <a:p>
             <a:r>
-              <a:rPr lang="en-US"/>
-              <a:t>Click to edit Master title style</a:t>
-            </a:r>
-          </a:p>
-        </p:txBody>
-      </p:sp>
-      <p:sp>
-        <p:nvSpPr>
-          <p:cNvPr id="3" name="Vertical Text Placeholder 2">
-            <a:extLst>
-              <a:ext uri="{FF2B5EF4-FFF2-40B4-BE49-F238E27FC236}">
-                <a16:creationId xmlns:a16="http://schemas.microsoft.com/office/drawing/2014/main" id="{B3BD7671-90DE-157D-2935-2B97DE9A6575}"/>
-              </a:ext>
-            </a:extLst>
-          </p:cNvPr>
+              <a:rPr lang="de-DE"/>
+              <a:t>Mastertitelformat bearbeiten</a:t>
+            </a:r>
+            <a:endParaRPr lang="en-US" dirty="0"/>
+          </a:p>
+        </p:txBody>
+      </p:sp>
+      <p:sp>
+        <p:nvSpPr>
+          <p:cNvPr id="3" name="Vertical Text Placeholder 2"/>
           <p:cNvSpPr>
             <a:spLocks noGrp="1"/>
           </p:cNvSpPr>
@@ -413,49 +374,44 @@
           <a:p>
             <a:pPr lvl="0"/>
             <a:r>
-              <a:rPr lang="en-US"/>
-              <a:t>Click to edit Master text styles</a:t>
+              <a:rPr lang="de-DE"/>
+              <a:t>Mastertextformat bearbeiten</a:t>
             </a:r>
           </a:p>
           <a:p>
             <a:pPr lvl="1"/>
             <a:r>
-              <a:rPr lang="en-US"/>
-              <a:t>Second level</a:t>
+              <a:rPr lang="de-DE"/>
+              <a:t>Zweite Ebene</a:t>
             </a:r>
           </a:p>
           <a:p>
             <a:pPr lvl="2"/>
             <a:r>
-              <a:rPr lang="en-US"/>
-              <a:t>Third level</a:t>
+              <a:rPr lang="de-DE"/>
+              <a:t>Dritte Ebene</a:t>
             </a:r>
           </a:p>
           <a:p>
             <a:pPr lvl="3"/>
             <a:r>
-              <a:rPr lang="en-US"/>
-              <a:t>Fourth level</a:t>
+              <a:rPr lang="de-DE"/>
+              <a:t>Vierte Ebene</a:t>
             </a:r>
           </a:p>
           <a:p>
             <a:pPr lvl="4"/>
             <a:r>
-              <a:rPr lang="en-US"/>
-              <a:t>Fifth level</a:t>
-            </a:r>
-          </a:p>
-        </p:txBody>
-      </p:sp>
-      <p:sp>
-        <p:nvSpPr>
-          <p:cNvPr id="4" name="Date Placeholder 3">
-            <a:extLst>
-              <a:ext uri="{FF2B5EF4-FFF2-40B4-BE49-F238E27FC236}">
-                <a16:creationId xmlns:a16="http://schemas.microsoft.com/office/drawing/2014/main" id="{9264D2C0-D7C5-8466-6EED-EF61FBDECA52}"/>
-              </a:ext>
-            </a:extLst>
-          </p:cNvPr>
+              <a:rPr lang="de-DE"/>
+              <a:t>Fünfte Ebene</a:t>
+            </a:r>
+            <a:endParaRPr lang="en-US" dirty="0"/>
+          </a:p>
+        </p:txBody>
+      </p:sp>
+      <p:sp>
+        <p:nvSpPr>
+          <p:cNvPr id="4" name="Date Placeholder 3"/>
           <p:cNvSpPr>
             <a:spLocks noGrp="1"/>
           </p:cNvSpPr>
@@ -470,7 +426,7 @@
           <a:p>
             <a:fld id="{2F5C0E49-5901-4A70-B0E2-4707CC9925D2}" type="datetimeFigureOut">
               <a:rPr lang="en-US" smtClean="0"/>
-              <a:t>7/11/24</a:t>
+              <a:t>7/14/24</a:t>
             </a:fld>
             <a:endParaRPr lang="en-US"/>
           </a:p>
@@ -478,13 +434,7 @@
       </p:sp>
       <p:sp>
         <p:nvSpPr>
-          <p:cNvPr id="5" name="Footer Placeholder 4">
-            <a:extLst>
-              <a:ext uri="{FF2B5EF4-FFF2-40B4-BE49-F238E27FC236}">
-                <a16:creationId xmlns:a16="http://schemas.microsoft.com/office/drawing/2014/main" id="{029B73CA-F19D-52CD-4CF3-3AA46E7FDAC1}"/>
-              </a:ext>
-            </a:extLst>
-          </p:cNvPr>
+          <p:cNvPr id="5" name="Footer Placeholder 4"/>
           <p:cNvSpPr>
             <a:spLocks noGrp="1"/>
           </p:cNvSpPr>
@@ -503,13 +453,7 @@
       </p:sp>
       <p:sp>
         <p:nvSpPr>
-          <p:cNvPr id="6" name="Slide Number Placeholder 5">
-            <a:extLst>
-              <a:ext uri="{FF2B5EF4-FFF2-40B4-BE49-F238E27FC236}">
-                <a16:creationId xmlns:a16="http://schemas.microsoft.com/office/drawing/2014/main" id="{BB4E4B92-6B7E-29A3-BE30-1899437F62A9}"/>
-              </a:ext>
-            </a:extLst>
-          </p:cNvPr>
+          <p:cNvPr id="6" name="Slide Number Placeholder 5"/>
           <p:cNvSpPr>
             <a:spLocks noGrp="1"/>
           </p:cNvSpPr>
@@ -533,7 +477,7 @@
     </p:spTree>
     <p:extLst>
       <p:ext uri="{BB962C8B-B14F-4D97-AF65-F5344CB8AC3E}">
-        <p14:creationId xmlns:p14="http://schemas.microsoft.com/office/powerpoint/2010/main" val="3329508737"/>
+        <p14:creationId xmlns:p14="http://schemas.microsoft.com/office/powerpoint/2010/main" val="1924967743"/>
       </p:ext>
     </p:extLst>
   </p:cSld>
@@ -545,7 +489,7 @@
 
 <file path=ppt/slideLayouts/slideLayout11.xml><?xml version="1.0" encoding="utf-8"?>
 <p:sldLayout xmlns:a="http://schemas.openxmlformats.org/drawingml/2006/main" xmlns:r="http://schemas.openxmlformats.org/officeDocument/2006/relationships" xmlns:p="http://schemas.openxmlformats.org/presentationml/2006/main" type="vertTitleAndTx" preserve="1">
-  <p:cSld name="Vertical Title and Text">
+  <p:cSld name="Vertikaler Titel und Text">
     <p:spTree>
       <p:nvGrpSpPr>
         <p:cNvPr id="1" name=""/>
@@ -562,13 +506,7 @@
       </p:grpSpPr>
       <p:sp>
         <p:nvSpPr>
-          <p:cNvPr id="2" name="Vertical Title 1">
-            <a:extLst>
-              <a:ext uri="{FF2B5EF4-FFF2-40B4-BE49-F238E27FC236}">
-                <a16:creationId xmlns:a16="http://schemas.microsoft.com/office/drawing/2014/main" id="{3C5273F6-5894-A8FE-393A-F09476F53DED}"/>
-              </a:ext>
-            </a:extLst>
-          </p:cNvPr>
+          <p:cNvPr id="2" name="Vertical Title 1"/>
           <p:cNvSpPr>
             <a:spLocks noGrp="1"/>
           </p:cNvSpPr>
@@ -578,8 +516,8 @@
         </p:nvSpPr>
         <p:spPr>
           <a:xfrm>
-            <a:off x="8724900" y="365125"/>
-            <a:ext cx="2628900" cy="5811838"/>
+            <a:off x="8724900" y="402483"/>
+            <a:ext cx="2628900" cy="6406475"/>
           </a:xfrm>
         </p:spPr>
         <p:txBody>
@@ -587,21 +525,16 @@
           <a:lstStyle/>
           <a:p>
             <a:r>
-              <a:rPr lang="en-US"/>
-              <a:t>Click to edit Master title style</a:t>
-            </a:r>
-          </a:p>
-        </p:txBody>
-      </p:sp>
-      <p:sp>
-        <p:nvSpPr>
-          <p:cNvPr id="3" name="Vertical Text Placeholder 2">
-            <a:extLst>
-              <a:ext uri="{FF2B5EF4-FFF2-40B4-BE49-F238E27FC236}">
-                <a16:creationId xmlns:a16="http://schemas.microsoft.com/office/drawing/2014/main" id="{95614E02-69CF-577F-6B77-F469B63EC8A3}"/>
-              </a:ext>
-            </a:extLst>
-          </p:cNvPr>
+              <a:rPr lang="de-DE"/>
+              <a:t>Mastertitelformat bearbeiten</a:t>
+            </a:r>
+            <a:endParaRPr lang="en-US" dirty="0"/>
+          </a:p>
+        </p:txBody>
+      </p:sp>
+      <p:sp>
+        <p:nvSpPr>
+          <p:cNvPr id="3" name="Vertical Text Placeholder 2"/>
           <p:cNvSpPr>
             <a:spLocks noGrp="1"/>
           </p:cNvSpPr>
@@ -611,8 +544,8 @@
         </p:nvSpPr>
         <p:spPr>
           <a:xfrm>
-            <a:off x="838200" y="365125"/>
-            <a:ext cx="7734300" cy="5811838"/>
+            <a:off x="838200" y="402483"/>
+            <a:ext cx="7734300" cy="6406475"/>
           </a:xfrm>
         </p:spPr>
         <p:txBody>
@@ -621,49 +554,44 @@
           <a:p>
             <a:pPr lvl="0"/>
             <a:r>
-              <a:rPr lang="en-US"/>
-              <a:t>Click to edit Master text styles</a:t>
+              <a:rPr lang="de-DE"/>
+              <a:t>Mastertextformat bearbeiten</a:t>
             </a:r>
           </a:p>
           <a:p>
             <a:pPr lvl="1"/>
             <a:r>
-              <a:rPr lang="en-US"/>
-              <a:t>Second level</a:t>
+              <a:rPr lang="de-DE"/>
+              <a:t>Zweite Ebene</a:t>
             </a:r>
           </a:p>
           <a:p>
             <a:pPr lvl="2"/>
             <a:r>
-              <a:rPr lang="en-US"/>
-              <a:t>Third level</a:t>
+              <a:rPr lang="de-DE"/>
+              <a:t>Dritte Ebene</a:t>
             </a:r>
           </a:p>
           <a:p>
             <a:pPr lvl="3"/>
             <a:r>
-              <a:rPr lang="en-US"/>
-              <a:t>Fourth level</a:t>
+              <a:rPr lang="de-DE"/>
+              <a:t>Vierte Ebene</a:t>
             </a:r>
           </a:p>
           <a:p>
             <a:pPr lvl="4"/>
             <a:r>
-              <a:rPr lang="en-US"/>
-              <a:t>Fifth level</a:t>
-            </a:r>
-          </a:p>
-        </p:txBody>
-      </p:sp>
-      <p:sp>
-        <p:nvSpPr>
-          <p:cNvPr id="4" name="Date Placeholder 3">
-            <a:extLst>
-              <a:ext uri="{FF2B5EF4-FFF2-40B4-BE49-F238E27FC236}">
-                <a16:creationId xmlns:a16="http://schemas.microsoft.com/office/drawing/2014/main" id="{0F39956D-5406-B430-2FAB-93C6638AEE73}"/>
-              </a:ext>
-            </a:extLst>
-          </p:cNvPr>
+              <a:rPr lang="de-DE"/>
+              <a:t>Fünfte Ebene</a:t>
+            </a:r>
+            <a:endParaRPr lang="en-US" dirty="0"/>
+          </a:p>
+        </p:txBody>
+      </p:sp>
+      <p:sp>
+        <p:nvSpPr>
+          <p:cNvPr id="4" name="Date Placeholder 3"/>
           <p:cNvSpPr>
             <a:spLocks noGrp="1"/>
           </p:cNvSpPr>
@@ -678,7 +606,7 @@
           <a:p>
             <a:fld id="{2F5C0E49-5901-4A70-B0E2-4707CC9925D2}" type="datetimeFigureOut">
               <a:rPr lang="en-US" smtClean="0"/>
-              <a:t>7/11/24</a:t>
+              <a:t>7/14/24</a:t>
             </a:fld>
             <a:endParaRPr lang="en-US"/>
           </a:p>
@@ -686,13 +614,7 @@
       </p:sp>
       <p:sp>
         <p:nvSpPr>
-          <p:cNvPr id="5" name="Footer Placeholder 4">
-            <a:extLst>
-              <a:ext uri="{FF2B5EF4-FFF2-40B4-BE49-F238E27FC236}">
-                <a16:creationId xmlns:a16="http://schemas.microsoft.com/office/drawing/2014/main" id="{D29BBA8B-6FD8-B28E-A970-6C9E33E4F28E}"/>
-              </a:ext>
-            </a:extLst>
-          </p:cNvPr>
+          <p:cNvPr id="5" name="Footer Placeholder 4"/>
           <p:cNvSpPr>
             <a:spLocks noGrp="1"/>
           </p:cNvSpPr>
@@ -711,13 +633,7 @@
       </p:sp>
       <p:sp>
         <p:nvSpPr>
-          <p:cNvPr id="6" name="Slide Number Placeholder 5">
-            <a:extLst>
-              <a:ext uri="{FF2B5EF4-FFF2-40B4-BE49-F238E27FC236}">
-                <a16:creationId xmlns:a16="http://schemas.microsoft.com/office/drawing/2014/main" id="{03C9A782-0FFC-D9D0-1698-7D4934AA295D}"/>
-              </a:ext>
-            </a:extLst>
-          </p:cNvPr>
+          <p:cNvPr id="6" name="Slide Number Placeholder 5"/>
           <p:cNvSpPr>
             <a:spLocks noGrp="1"/>
           </p:cNvSpPr>
@@ -741,7 +657,7 @@
     </p:spTree>
     <p:extLst>
       <p:ext uri="{BB962C8B-B14F-4D97-AF65-F5344CB8AC3E}">
-        <p14:creationId xmlns:p14="http://schemas.microsoft.com/office/powerpoint/2010/main" val="4232675679"/>
+        <p14:creationId xmlns:p14="http://schemas.microsoft.com/office/powerpoint/2010/main" val="4161988820"/>
       </p:ext>
     </p:extLst>
   </p:cSld>
@@ -753,7 +669,7 @@
 
 <file path=ppt/slideLayouts/slideLayout2.xml><?xml version="1.0" encoding="utf-8"?>
 <p:sldLayout xmlns:a="http://schemas.openxmlformats.org/drawingml/2006/main" xmlns:r="http://schemas.openxmlformats.org/officeDocument/2006/relationships" xmlns:p="http://schemas.openxmlformats.org/presentationml/2006/main" type="obj" preserve="1">
-  <p:cSld name="Title and Content">
+  <p:cSld name="Titel und Inhalt">
     <p:spTree>
       <p:nvGrpSpPr>
         <p:cNvPr id="1" name=""/>
@@ -770,13 +686,7 @@
       </p:grpSpPr>
       <p:sp>
         <p:nvSpPr>
-          <p:cNvPr id="2" name="Title 1">
-            <a:extLst>
-              <a:ext uri="{FF2B5EF4-FFF2-40B4-BE49-F238E27FC236}">
-                <a16:creationId xmlns:a16="http://schemas.microsoft.com/office/drawing/2014/main" id="{CD8D5730-D18C-3A21-A080-6718BAB14667}"/>
-              </a:ext>
-            </a:extLst>
-          </p:cNvPr>
+          <p:cNvPr id="2" name="Title 1"/>
           <p:cNvSpPr>
             <a:spLocks noGrp="1"/>
           </p:cNvSpPr>
@@ -790,21 +700,16 @@
           <a:lstStyle/>
           <a:p>
             <a:r>
-              <a:rPr lang="en-US"/>
-              <a:t>Click to edit Master title style</a:t>
-            </a:r>
-          </a:p>
-        </p:txBody>
-      </p:sp>
-      <p:sp>
-        <p:nvSpPr>
-          <p:cNvPr id="3" name="Content Placeholder 2">
-            <a:extLst>
-              <a:ext uri="{FF2B5EF4-FFF2-40B4-BE49-F238E27FC236}">
-                <a16:creationId xmlns:a16="http://schemas.microsoft.com/office/drawing/2014/main" id="{6BF13D0F-3545-BF4C-E4CB-01BE759C5FEB}"/>
-              </a:ext>
-            </a:extLst>
-          </p:cNvPr>
+              <a:rPr lang="de-DE"/>
+              <a:t>Mastertitelformat bearbeiten</a:t>
+            </a:r>
+            <a:endParaRPr lang="en-US" dirty="0"/>
+          </a:p>
+        </p:txBody>
+      </p:sp>
+      <p:sp>
+        <p:nvSpPr>
+          <p:cNvPr id="3" name="Content Placeholder 2"/>
           <p:cNvSpPr>
             <a:spLocks noGrp="1"/>
           </p:cNvSpPr>
@@ -819,49 +724,44 @@
           <a:p>
             <a:pPr lvl="0"/>
             <a:r>
-              <a:rPr lang="en-US"/>
-              <a:t>Click to edit Master text styles</a:t>
+              <a:rPr lang="de-DE"/>
+              <a:t>Mastertextformat bearbeiten</a:t>
             </a:r>
           </a:p>
           <a:p>
             <a:pPr lvl="1"/>
             <a:r>
-              <a:rPr lang="en-US"/>
-              <a:t>Second level</a:t>
+              <a:rPr lang="de-DE"/>
+              <a:t>Zweite Ebene</a:t>
             </a:r>
           </a:p>
           <a:p>
             <a:pPr lvl="2"/>
             <a:r>
-              <a:rPr lang="en-US"/>
-              <a:t>Third level</a:t>
+              <a:rPr lang="de-DE"/>
+              <a:t>Dritte Ebene</a:t>
             </a:r>
           </a:p>
           <a:p>
             <a:pPr lvl="3"/>
             <a:r>
-              <a:rPr lang="en-US"/>
-              <a:t>Fourth level</a:t>
+              <a:rPr lang="de-DE"/>
+              <a:t>Vierte Ebene</a:t>
             </a:r>
           </a:p>
           <a:p>
             <a:pPr lvl="4"/>
             <a:r>
-              <a:rPr lang="en-US"/>
-              <a:t>Fifth level</a:t>
-            </a:r>
-          </a:p>
-        </p:txBody>
-      </p:sp>
-      <p:sp>
-        <p:nvSpPr>
-          <p:cNvPr id="4" name="Date Placeholder 3">
-            <a:extLst>
-              <a:ext uri="{FF2B5EF4-FFF2-40B4-BE49-F238E27FC236}">
-                <a16:creationId xmlns:a16="http://schemas.microsoft.com/office/drawing/2014/main" id="{B94F630D-FC68-F36A-84D5-E5BBE0C66A3B}"/>
-              </a:ext>
-            </a:extLst>
-          </p:cNvPr>
+              <a:rPr lang="de-DE"/>
+              <a:t>Fünfte Ebene</a:t>
+            </a:r>
+            <a:endParaRPr lang="en-US" dirty="0"/>
+          </a:p>
+        </p:txBody>
+      </p:sp>
+      <p:sp>
+        <p:nvSpPr>
+          <p:cNvPr id="4" name="Date Placeholder 3"/>
           <p:cNvSpPr>
             <a:spLocks noGrp="1"/>
           </p:cNvSpPr>
@@ -876,7 +776,7 @@
           <a:p>
             <a:fld id="{2F5C0E49-5901-4A70-B0E2-4707CC9925D2}" type="datetimeFigureOut">
               <a:rPr lang="en-US" smtClean="0"/>
-              <a:t>7/11/24</a:t>
+              <a:t>7/14/24</a:t>
             </a:fld>
             <a:endParaRPr lang="en-US"/>
           </a:p>
@@ -884,13 +784,7 @@
       </p:sp>
       <p:sp>
         <p:nvSpPr>
-          <p:cNvPr id="5" name="Footer Placeholder 4">
-            <a:extLst>
-              <a:ext uri="{FF2B5EF4-FFF2-40B4-BE49-F238E27FC236}">
-                <a16:creationId xmlns:a16="http://schemas.microsoft.com/office/drawing/2014/main" id="{69852A52-7FEF-8BA1-861F-C314B0275244}"/>
-              </a:ext>
-            </a:extLst>
-          </p:cNvPr>
+          <p:cNvPr id="5" name="Footer Placeholder 4"/>
           <p:cNvSpPr>
             <a:spLocks noGrp="1"/>
           </p:cNvSpPr>
@@ -909,13 +803,7 @@
       </p:sp>
       <p:sp>
         <p:nvSpPr>
-          <p:cNvPr id="6" name="Slide Number Placeholder 5">
-            <a:extLst>
-              <a:ext uri="{FF2B5EF4-FFF2-40B4-BE49-F238E27FC236}">
-                <a16:creationId xmlns:a16="http://schemas.microsoft.com/office/drawing/2014/main" id="{12F2F2B9-42F6-BDD2-A4A9-6AD624B4F3EA}"/>
-              </a:ext>
-            </a:extLst>
-          </p:cNvPr>
+          <p:cNvPr id="6" name="Slide Number Placeholder 5"/>
           <p:cNvSpPr>
             <a:spLocks noGrp="1"/>
           </p:cNvSpPr>
@@ -939,7 +827,7 @@
     </p:spTree>
     <p:extLst>
       <p:ext uri="{BB962C8B-B14F-4D97-AF65-F5344CB8AC3E}">
-        <p14:creationId xmlns:p14="http://schemas.microsoft.com/office/powerpoint/2010/main" val="55515089"/>
+        <p14:creationId xmlns:p14="http://schemas.microsoft.com/office/powerpoint/2010/main" val="1062661388"/>
       </p:ext>
     </p:extLst>
   </p:cSld>
@@ -951,7 +839,7 @@
 
 <file path=ppt/slideLayouts/slideLayout3.xml><?xml version="1.0" encoding="utf-8"?>
 <p:sldLayout xmlns:a="http://schemas.openxmlformats.org/drawingml/2006/main" xmlns:r="http://schemas.openxmlformats.org/officeDocument/2006/relationships" xmlns:p="http://schemas.openxmlformats.org/presentationml/2006/main" type="secHead" preserve="1">
-  <p:cSld name="Section Header">
+  <p:cSld name="Abschnitts-&#10;überschrift">
     <p:spTree>
       <p:nvGrpSpPr>
         <p:cNvPr id="1" name=""/>
@@ -968,13 +856,7 @@
       </p:grpSpPr>
       <p:sp>
         <p:nvSpPr>
-          <p:cNvPr id="2" name="Title 1">
-            <a:extLst>
-              <a:ext uri="{FF2B5EF4-FFF2-40B4-BE49-F238E27FC236}">
-                <a16:creationId xmlns:a16="http://schemas.microsoft.com/office/drawing/2014/main" id="{CDE55429-4EDC-FD0A-5DE3-3B17850B9152}"/>
-              </a:ext>
-            </a:extLst>
-          </p:cNvPr>
+          <p:cNvPr id="2" name="Title 1"/>
           <p:cNvSpPr>
             <a:spLocks noGrp="1"/>
           </p:cNvSpPr>
@@ -984,8 +866,8 @@
         </p:nvSpPr>
         <p:spPr>
           <a:xfrm>
-            <a:off x="831850" y="1709738"/>
-            <a:ext cx="10515600" cy="2852737"/>
+            <a:off x="831850" y="1884670"/>
+            <a:ext cx="10515600" cy="3144614"/>
           </a:xfrm>
         </p:spPr>
         <p:txBody>
@@ -997,21 +879,16 @@
           </a:lstStyle>
           <a:p>
             <a:r>
-              <a:rPr lang="en-US"/>
-              <a:t>Click to edit Master title style</a:t>
-            </a:r>
-          </a:p>
-        </p:txBody>
-      </p:sp>
-      <p:sp>
-        <p:nvSpPr>
-          <p:cNvPr id="3" name="Text Placeholder 2">
-            <a:extLst>
-              <a:ext uri="{FF2B5EF4-FFF2-40B4-BE49-F238E27FC236}">
-                <a16:creationId xmlns:a16="http://schemas.microsoft.com/office/drawing/2014/main" id="{02DEC23B-5DE5-D656-FFF2-E2AD53115AE7}"/>
-              </a:ext>
-            </a:extLst>
-          </p:cNvPr>
+              <a:rPr lang="de-DE"/>
+              <a:t>Mastertitelformat bearbeiten</a:t>
+            </a:r>
+            <a:endParaRPr lang="en-US" dirty="0"/>
+          </a:p>
+        </p:txBody>
+      </p:sp>
+      <p:sp>
+        <p:nvSpPr>
+          <p:cNvPr id="3" name="Text Placeholder 2"/>
           <p:cNvSpPr>
             <a:spLocks noGrp="1"/>
           </p:cNvSpPr>
@@ -1021,8 +898,8 @@
         </p:nvSpPr>
         <p:spPr>
           <a:xfrm>
-            <a:off x="831850" y="4589463"/>
-            <a:ext cx="10515600" cy="1500187"/>
+            <a:off x="831850" y="5059034"/>
+            <a:ext cx="10515600" cy="1653678"/>
           </a:xfrm>
         </p:spPr>
         <p:txBody>
@@ -1122,21 +999,15 @@
           <a:p>
             <a:pPr lvl="0"/>
             <a:r>
-              <a:rPr lang="en-US"/>
-              <a:t>Click to edit Master text styles</a:t>
-            </a:r>
-          </a:p>
-        </p:txBody>
-      </p:sp>
-      <p:sp>
-        <p:nvSpPr>
-          <p:cNvPr id="4" name="Date Placeholder 3">
-            <a:extLst>
-              <a:ext uri="{FF2B5EF4-FFF2-40B4-BE49-F238E27FC236}">
-                <a16:creationId xmlns:a16="http://schemas.microsoft.com/office/drawing/2014/main" id="{8B579ED2-D506-E972-345D-5358A453AB73}"/>
-              </a:ext>
-            </a:extLst>
-          </p:cNvPr>
+              <a:rPr lang="de-DE"/>
+              <a:t>Mastertextformat bearbeiten</a:t>
+            </a:r>
+          </a:p>
+        </p:txBody>
+      </p:sp>
+      <p:sp>
+        <p:nvSpPr>
+          <p:cNvPr id="4" name="Date Placeholder 3"/>
           <p:cNvSpPr>
             <a:spLocks noGrp="1"/>
           </p:cNvSpPr>
@@ -1151,7 +1022,7 @@
           <a:p>
             <a:fld id="{2F5C0E49-5901-4A70-B0E2-4707CC9925D2}" type="datetimeFigureOut">
               <a:rPr lang="en-US" smtClean="0"/>
-              <a:t>7/11/24</a:t>
+              <a:t>7/14/24</a:t>
             </a:fld>
             <a:endParaRPr lang="en-US"/>
           </a:p>
@@ -1159,13 +1030,7 @@
       </p:sp>
       <p:sp>
         <p:nvSpPr>
-          <p:cNvPr id="5" name="Footer Placeholder 4">
-            <a:extLst>
-              <a:ext uri="{FF2B5EF4-FFF2-40B4-BE49-F238E27FC236}">
-                <a16:creationId xmlns:a16="http://schemas.microsoft.com/office/drawing/2014/main" id="{BCDDCDA9-248C-B351-1545-38D6FC8EC95D}"/>
-              </a:ext>
-            </a:extLst>
-          </p:cNvPr>
+          <p:cNvPr id="5" name="Footer Placeholder 4"/>
           <p:cNvSpPr>
             <a:spLocks noGrp="1"/>
           </p:cNvSpPr>
@@ -1184,13 +1049,7 @@
       </p:sp>
       <p:sp>
         <p:nvSpPr>
-          <p:cNvPr id="6" name="Slide Number Placeholder 5">
-            <a:extLst>
-              <a:ext uri="{FF2B5EF4-FFF2-40B4-BE49-F238E27FC236}">
-                <a16:creationId xmlns:a16="http://schemas.microsoft.com/office/drawing/2014/main" id="{25581ACA-13E5-18F5-7B7B-E1DF6707CF9B}"/>
-              </a:ext>
-            </a:extLst>
-          </p:cNvPr>
+          <p:cNvPr id="6" name="Slide Number Placeholder 5"/>
           <p:cNvSpPr>
             <a:spLocks noGrp="1"/>
           </p:cNvSpPr>
@@ -1214,7 +1073,7 @@
     </p:spTree>
     <p:extLst>
       <p:ext uri="{BB962C8B-B14F-4D97-AF65-F5344CB8AC3E}">
-        <p14:creationId xmlns:p14="http://schemas.microsoft.com/office/powerpoint/2010/main" val="3809967971"/>
+        <p14:creationId xmlns:p14="http://schemas.microsoft.com/office/powerpoint/2010/main" val="4290437061"/>
       </p:ext>
     </p:extLst>
   </p:cSld>
@@ -1226,7 +1085,7 @@
 
 <file path=ppt/slideLayouts/slideLayout4.xml><?xml version="1.0" encoding="utf-8"?>
 <p:sldLayout xmlns:a="http://schemas.openxmlformats.org/drawingml/2006/main" xmlns:r="http://schemas.openxmlformats.org/officeDocument/2006/relationships" xmlns:p="http://schemas.openxmlformats.org/presentationml/2006/main" type="twoObj" preserve="1">
-  <p:cSld name="Two Content">
+  <p:cSld name="Zwei Inhalte">
     <p:spTree>
       <p:nvGrpSpPr>
         <p:cNvPr id="1" name=""/>
@@ -1243,13 +1102,7 @@
       </p:grpSpPr>
       <p:sp>
         <p:nvSpPr>
-          <p:cNvPr id="2" name="Title 1">
-            <a:extLst>
-              <a:ext uri="{FF2B5EF4-FFF2-40B4-BE49-F238E27FC236}">
-                <a16:creationId xmlns:a16="http://schemas.microsoft.com/office/drawing/2014/main" id="{D4931CEC-E78B-C5AA-866A-ABC6E99734D4}"/>
-              </a:ext>
-            </a:extLst>
-          </p:cNvPr>
+          <p:cNvPr id="2" name="Title 1"/>
           <p:cNvSpPr>
             <a:spLocks noGrp="1"/>
           </p:cNvSpPr>
@@ -1263,21 +1116,16 @@
           <a:lstStyle/>
           <a:p>
             <a:r>
-              <a:rPr lang="en-US"/>
-              <a:t>Click to edit Master title style</a:t>
-            </a:r>
-          </a:p>
-        </p:txBody>
-      </p:sp>
-      <p:sp>
-        <p:nvSpPr>
-          <p:cNvPr id="3" name="Content Placeholder 2">
-            <a:extLst>
-              <a:ext uri="{FF2B5EF4-FFF2-40B4-BE49-F238E27FC236}">
-                <a16:creationId xmlns:a16="http://schemas.microsoft.com/office/drawing/2014/main" id="{1D2247FB-3C22-7F64-F597-02B1926C005E}"/>
-              </a:ext>
-            </a:extLst>
-          </p:cNvPr>
+              <a:rPr lang="de-DE"/>
+              <a:t>Mastertitelformat bearbeiten</a:t>
+            </a:r>
+            <a:endParaRPr lang="en-US" dirty="0"/>
+          </a:p>
+        </p:txBody>
+      </p:sp>
+      <p:sp>
+        <p:nvSpPr>
+          <p:cNvPr id="3" name="Content Placeholder 2"/>
           <p:cNvSpPr>
             <a:spLocks noGrp="1"/>
           </p:cNvSpPr>
@@ -1287,8 +1135,8 @@
         </p:nvSpPr>
         <p:spPr>
           <a:xfrm>
-            <a:off x="838200" y="1825625"/>
-            <a:ext cx="5181600" cy="4351338"/>
+            <a:off x="838200" y="2012414"/>
+            <a:ext cx="5181600" cy="4796544"/>
           </a:xfrm>
         </p:spPr>
         <p:txBody>
@@ -1297,49 +1145,44 @@
           <a:p>
             <a:pPr lvl="0"/>
             <a:r>
-              <a:rPr lang="en-US"/>
-              <a:t>Click to edit Master text styles</a:t>
+              <a:rPr lang="de-DE"/>
+              <a:t>Mastertextformat bearbeiten</a:t>
             </a:r>
           </a:p>
           <a:p>
             <a:pPr lvl="1"/>
             <a:r>
-              <a:rPr lang="en-US"/>
-              <a:t>Second level</a:t>
+              <a:rPr lang="de-DE"/>
+              <a:t>Zweite Ebene</a:t>
             </a:r>
           </a:p>
           <a:p>
             <a:pPr lvl="2"/>
             <a:r>
-              <a:rPr lang="en-US"/>
-              <a:t>Third level</a:t>
+              <a:rPr lang="de-DE"/>
+              <a:t>Dritte Ebene</a:t>
             </a:r>
           </a:p>
           <a:p>
             <a:pPr lvl="3"/>
             <a:r>
-              <a:rPr lang="en-US"/>
-              <a:t>Fourth level</a:t>
+              <a:rPr lang="de-DE"/>
+              <a:t>Vierte Ebene</a:t>
             </a:r>
           </a:p>
           <a:p>
             <a:pPr lvl="4"/>
             <a:r>
-              <a:rPr lang="en-US"/>
-              <a:t>Fifth level</a:t>
-            </a:r>
-          </a:p>
-        </p:txBody>
-      </p:sp>
-      <p:sp>
-        <p:nvSpPr>
-          <p:cNvPr id="4" name="Content Placeholder 3">
-            <a:extLst>
-              <a:ext uri="{FF2B5EF4-FFF2-40B4-BE49-F238E27FC236}">
-                <a16:creationId xmlns:a16="http://schemas.microsoft.com/office/drawing/2014/main" id="{5DC46732-6CB1-8E3B-9828-0410FDFE9890}"/>
-              </a:ext>
-            </a:extLst>
-          </p:cNvPr>
+              <a:rPr lang="de-DE"/>
+              <a:t>Fünfte Ebene</a:t>
+            </a:r>
+            <a:endParaRPr lang="en-US" dirty="0"/>
+          </a:p>
+        </p:txBody>
+      </p:sp>
+      <p:sp>
+        <p:nvSpPr>
+          <p:cNvPr id="4" name="Content Placeholder 3"/>
           <p:cNvSpPr>
             <a:spLocks noGrp="1"/>
           </p:cNvSpPr>
@@ -1349,8 +1192,8 @@
         </p:nvSpPr>
         <p:spPr>
           <a:xfrm>
-            <a:off x="6172200" y="1825625"/>
-            <a:ext cx="5181600" cy="4351338"/>
+            <a:off x="6172200" y="2012414"/>
+            <a:ext cx="5181600" cy="4796544"/>
           </a:xfrm>
         </p:spPr>
         <p:txBody>
@@ -1359,49 +1202,44 @@
           <a:p>
             <a:pPr lvl="0"/>
             <a:r>
-              <a:rPr lang="en-US"/>
-              <a:t>Click to edit Master text styles</a:t>
+              <a:rPr lang="de-DE"/>
+              <a:t>Mastertextformat bearbeiten</a:t>
             </a:r>
           </a:p>
           <a:p>
             <a:pPr lvl="1"/>
             <a:r>
-              <a:rPr lang="en-US"/>
-              <a:t>Second level</a:t>
+              <a:rPr lang="de-DE"/>
+              <a:t>Zweite Ebene</a:t>
             </a:r>
           </a:p>
           <a:p>
             <a:pPr lvl="2"/>
             <a:r>
-              <a:rPr lang="en-US"/>
-              <a:t>Third level</a:t>
+              <a:rPr lang="de-DE"/>
+              <a:t>Dritte Ebene</a:t>
             </a:r>
           </a:p>
           <a:p>
             <a:pPr lvl="3"/>
             <a:r>
-              <a:rPr lang="en-US"/>
-              <a:t>Fourth level</a:t>
+              <a:rPr lang="de-DE"/>
+              <a:t>Vierte Ebene</a:t>
             </a:r>
           </a:p>
           <a:p>
             <a:pPr lvl="4"/>
             <a:r>
-              <a:rPr lang="en-US"/>
-              <a:t>Fifth level</a:t>
-            </a:r>
-          </a:p>
-        </p:txBody>
-      </p:sp>
-      <p:sp>
-        <p:nvSpPr>
-          <p:cNvPr id="5" name="Date Placeholder 4">
-            <a:extLst>
-              <a:ext uri="{FF2B5EF4-FFF2-40B4-BE49-F238E27FC236}">
-                <a16:creationId xmlns:a16="http://schemas.microsoft.com/office/drawing/2014/main" id="{616F0CBF-4207-A365-7277-151E7F14B741}"/>
-              </a:ext>
-            </a:extLst>
-          </p:cNvPr>
+              <a:rPr lang="de-DE"/>
+              <a:t>Fünfte Ebene</a:t>
+            </a:r>
+            <a:endParaRPr lang="en-US" dirty="0"/>
+          </a:p>
+        </p:txBody>
+      </p:sp>
+      <p:sp>
+        <p:nvSpPr>
+          <p:cNvPr id="5" name="Date Placeholder 4"/>
           <p:cNvSpPr>
             <a:spLocks noGrp="1"/>
           </p:cNvSpPr>
@@ -1416,7 +1254,7 @@
           <a:p>
             <a:fld id="{2F5C0E49-5901-4A70-B0E2-4707CC9925D2}" type="datetimeFigureOut">
               <a:rPr lang="en-US" smtClean="0"/>
-              <a:t>7/11/24</a:t>
+              <a:t>7/14/24</a:t>
             </a:fld>
             <a:endParaRPr lang="en-US"/>
           </a:p>
@@ -1424,13 +1262,7 @@
       </p:sp>
       <p:sp>
         <p:nvSpPr>
-          <p:cNvPr id="6" name="Footer Placeholder 5">
-            <a:extLst>
-              <a:ext uri="{FF2B5EF4-FFF2-40B4-BE49-F238E27FC236}">
-                <a16:creationId xmlns:a16="http://schemas.microsoft.com/office/drawing/2014/main" id="{2BFCF648-DC71-8670-4DDD-ED989C95E14C}"/>
-              </a:ext>
-            </a:extLst>
-          </p:cNvPr>
+          <p:cNvPr id="6" name="Footer Placeholder 5"/>
           <p:cNvSpPr>
             <a:spLocks noGrp="1"/>
           </p:cNvSpPr>
@@ -1449,13 +1281,7 @@
       </p:sp>
       <p:sp>
         <p:nvSpPr>
-          <p:cNvPr id="7" name="Slide Number Placeholder 6">
-            <a:extLst>
-              <a:ext uri="{FF2B5EF4-FFF2-40B4-BE49-F238E27FC236}">
-                <a16:creationId xmlns:a16="http://schemas.microsoft.com/office/drawing/2014/main" id="{9D9C6487-B816-47AA-6E3A-224AEAB0B041}"/>
-              </a:ext>
-            </a:extLst>
-          </p:cNvPr>
+          <p:cNvPr id="7" name="Slide Number Placeholder 6"/>
           <p:cNvSpPr>
             <a:spLocks noGrp="1"/>
           </p:cNvSpPr>
@@ -1479,7 +1305,7 @@
     </p:spTree>
     <p:extLst>
       <p:ext uri="{BB962C8B-B14F-4D97-AF65-F5344CB8AC3E}">
-        <p14:creationId xmlns:p14="http://schemas.microsoft.com/office/powerpoint/2010/main" val="2966997755"/>
+        <p14:creationId xmlns:p14="http://schemas.microsoft.com/office/powerpoint/2010/main" val="1445063273"/>
       </p:ext>
     </p:extLst>
   </p:cSld>
@@ -1491,7 +1317,7 @@
 
 <file path=ppt/slideLayouts/slideLayout5.xml><?xml version="1.0" encoding="utf-8"?>
 <p:sldLayout xmlns:a="http://schemas.openxmlformats.org/drawingml/2006/main" xmlns:r="http://schemas.openxmlformats.org/officeDocument/2006/relationships" xmlns:p="http://schemas.openxmlformats.org/presentationml/2006/main" type="twoTxTwoObj" preserve="1">
-  <p:cSld name="Comparison">
+  <p:cSld name="Vergleich">
     <p:spTree>
       <p:nvGrpSpPr>
         <p:cNvPr id="1" name=""/>
@@ -1508,13 +1334,7 @@
       </p:grpSpPr>
       <p:sp>
         <p:nvSpPr>
-          <p:cNvPr id="2" name="Title 1">
-            <a:extLst>
-              <a:ext uri="{FF2B5EF4-FFF2-40B4-BE49-F238E27FC236}">
-                <a16:creationId xmlns:a16="http://schemas.microsoft.com/office/drawing/2014/main" id="{4670F439-75F9-BB9E-ED1A-33A4F6E3BF65}"/>
-              </a:ext>
-            </a:extLst>
-          </p:cNvPr>
+          <p:cNvPr id="2" name="Title 1"/>
           <p:cNvSpPr>
             <a:spLocks noGrp="1"/>
           </p:cNvSpPr>
@@ -1524,8 +1344,8 @@
         </p:nvSpPr>
         <p:spPr>
           <a:xfrm>
-            <a:off x="839788" y="365125"/>
-            <a:ext cx="10515600" cy="1325563"/>
+            <a:off x="839788" y="402483"/>
+            <a:ext cx="10515600" cy="1461188"/>
           </a:xfrm>
         </p:spPr>
         <p:txBody>
@@ -1533,21 +1353,16 @@
           <a:lstStyle/>
           <a:p>
             <a:r>
-              <a:rPr lang="en-US"/>
-              <a:t>Click to edit Master title style</a:t>
-            </a:r>
-          </a:p>
-        </p:txBody>
-      </p:sp>
-      <p:sp>
-        <p:nvSpPr>
-          <p:cNvPr id="3" name="Text Placeholder 2">
-            <a:extLst>
-              <a:ext uri="{FF2B5EF4-FFF2-40B4-BE49-F238E27FC236}">
-                <a16:creationId xmlns:a16="http://schemas.microsoft.com/office/drawing/2014/main" id="{4A7A5886-66E2-6D64-6958-8167A4FF275A}"/>
-              </a:ext>
-            </a:extLst>
-          </p:cNvPr>
+              <a:rPr lang="de-DE"/>
+              <a:t>Mastertitelformat bearbeiten</a:t>
+            </a:r>
+            <a:endParaRPr lang="en-US" dirty="0"/>
+          </a:p>
+        </p:txBody>
+      </p:sp>
+      <p:sp>
+        <p:nvSpPr>
+          <p:cNvPr id="3" name="Text Placeholder 2"/>
           <p:cNvSpPr>
             <a:spLocks noGrp="1"/>
           </p:cNvSpPr>
@@ -1557,8 +1372,8 @@
         </p:nvSpPr>
         <p:spPr>
           <a:xfrm>
-            <a:off x="839788" y="1681163"/>
-            <a:ext cx="5157787" cy="823912"/>
+            <a:off x="839789" y="1853171"/>
+            <a:ext cx="5157787" cy="908210"/>
           </a:xfrm>
         </p:spPr>
         <p:txBody>
@@ -1604,21 +1419,15 @@
           <a:p>
             <a:pPr lvl="0"/>
             <a:r>
-              <a:rPr lang="en-US"/>
-              <a:t>Click to edit Master text styles</a:t>
-            </a:r>
-          </a:p>
-        </p:txBody>
-      </p:sp>
-      <p:sp>
-        <p:nvSpPr>
-          <p:cNvPr id="4" name="Content Placeholder 3">
-            <a:extLst>
-              <a:ext uri="{FF2B5EF4-FFF2-40B4-BE49-F238E27FC236}">
-                <a16:creationId xmlns:a16="http://schemas.microsoft.com/office/drawing/2014/main" id="{ADA56569-F3D1-3696-5D08-B524567601AF}"/>
-              </a:ext>
-            </a:extLst>
-          </p:cNvPr>
+              <a:rPr lang="de-DE"/>
+              <a:t>Mastertextformat bearbeiten</a:t>
+            </a:r>
+          </a:p>
+        </p:txBody>
+      </p:sp>
+      <p:sp>
+        <p:nvSpPr>
+          <p:cNvPr id="4" name="Content Placeholder 3"/>
           <p:cNvSpPr>
             <a:spLocks noGrp="1"/>
           </p:cNvSpPr>
@@ -1628,8 +1437,8 @@
         </p:nvSpPr>
         <p:spPr>
           <a:xfrm>
-            <a:off x="839788" y="2505075"/>
-            <a:ext cx="5157787" cy="3684588"/>
+            <a:off x="839789" y="2761381"/>
+            <a:ext cx="5157787" cy="4061576"/>
           </a:xfrm>
         </p:spPr>
         <p:txBody>
@@ -1638,49 +1447,44 @@
           <a:p>
             <a:pPr lvl="0"/>
             <a:r>
-              <a:rPr lang="en-US"/>
-              <a:t>Click to edit Master text styles</a:t>
+              <a:rPr lang="de-DE"/>
+              <a:t>Mastertextformat bearbeiten</a:t>
             </a:r>
           </a:p>
           <a:p>
             <a:pPr lvl="1"/>
             <a:r>
-              <a:rPr lang="en-US"/>
-              <a:t>Second level</a:t>
+              <a:rPr lang="de-DE"/>
+              <a:t>Zweite Ebene</a:t>
             </a:r>
           </a:p>
           <a:p>
             <a:pPr lvl="2"/>
             <a:r>
-              <a:rPr lang="en-US"/>
-              <a:t>Third level</a:t>
+              <a:rPr lang="de-DE"/>
+              <a:t>Dritte Ebene</a:t>
             </a:r>
           </a:p>
           <a:p>
             <a:pPr lvl="3"/>
             <a:r>
-              <a:rPr lang="en-US"/>
-              <a:t>Fourth level</a:t>
+              <a:rPr lang="de-DE"/>
+              <a:t>Vierte Ebene</a:t>
             </a:r>
           </a:p>
           <a:p>
             <a:pPr lvl="4"/>
             <a:r>
-              <a:rPr lang="en-US"/>
-              <a:t>Fifth level</a:t>
-            </a:r>
-          </a:p>
-        </p:txBody>
-      </p:sp>
-      <p:sp>
-        <p:nvSpPr>
-          <p:cNvPr id="5" name="Text Placeholder 4">
-            <a:extLst>
-              <a:ext uri="{FF2B5EF4-FFF2-40B4-BE49-F238E27FC236}">
-                <a16:creationId xmlns:a16="http://schemas.microsoft.com/office/drawing/2014/main" id="{84500B7D-83B7-55F4-5AF4-EC0688BDD14B}"/>
-              </a:ext>
-            </a:extLst>
-          </p:cNvPr>
+              <a:rPr lang="de-DE"/>
+              <a:t>Fünfte Ebene</a:t>
+            </a:r>
+            <a:endParaRPr lang="en-US" dirty="0"/>
+          </a:p>
+        </p:txBody>
+      </p:sp>
+      <p:sp>
+        <p:nvSpPr>
+          <p:cNvPr id="5" name="Text Placeholder 4"/>
           <p:cNvSpPr>
             <a:spLocks noGrp="1"/>
           </p:cNvSpPr>
@@ -1690,8 +1494,8 @@
         </p:nvSpPr>
         <p:spPr>
           <a:xfrm>
-            <a:off x="6172200" y="1681163"/>
-            <a:ext cx="5183188" cy="823912"/>
+            <a:off x="6172200" y="1853171"/>
+            <a:ext cx="5183188" cy="908210"/>
           </a:xfrm>
         </p:spPr>
         <p:txBody>
@@ -1737,21 +1541,15 @@
           <a:p>
             <a:pPr lvl="0"/>
             <a:r>
-              <a:rPr lang="en-US"/>
-              <a:t>Click to edit Master text styles</a:t>
-            </a:r>
-          </a:p>
-        </p:txBody>
-      </p:sp>
-      <p:sp>
-        <p:nvSpPr>
-          <p:cNvPr id="6" name="Content Placeholder 5">
-            <a:extLst>
-              <a:ext uri="{FF2B5EF4-FFF2-40B4-BE49-F238E27FC236}">
-                <a16:creationId xmlns:a16="http://schemas.microsoft.com/office/drawing/2014/main" id="{952571CE-D4CE-AD1B-59F7-FAF639162536}"/>
-              </a:ext>
-            </a:extLst>
-          </p:cNvPr>
+              <a:rPr lang="de-DE"/>
+              <a:t>Mastertextformat bearbeiten</a:t>
+            </a:r>
+          </a:p>
+        </p:txBody>
+      </p:sp>
+      <p:sp>
+        <p:nvSpPr>
+          <p:cNvPr id="6" name="Content Placeholder 5"/>
           <p:cNvSpPr>
             <a:spLocks noGrp="1"/>
           </p:cNvSpPr>
@@ -1761,8 +1559,8 @@
         </p:nvSpPr>
         <p:spPr>
           <a:xfrm>
-            <a:off x="6172200" y="2505075"/>
-            <a:ext cx="5183188" cy="3684588"/>
+            <a:off x="6172200" y="2761381"/>
+            <a:ext cx="5183188" cy="4061576"/>
           </a:xfrm>
         </p:spPr>
         <p:txBody>
@@ -1771,49 +1569,44 @@
           <a:p>
             <a:pPr lvl="0"/>
             <a:r>
-              <a:rPr lang="en-US"/>
-              <a:t>Click to edit Master text styles</a:t>
+              <a:rPr lang="de-DE"/>
+              <a:t>Mastertextformat bearbeiten</a:t>
             </a:r>
           </a:p>
           <a:p>
             <a:pPr lvl="1"/>
             <a:r>
-              <a:rPr lang="en-US"/>
-              <a:t>Second level</a:t>
+              <a:rPr lang="de-DE"/>
+              <a:t>Zweite Ebene</a:t>
             </a:r>
           </a:p>
           <a:p>
             <a:pPr lvl="2"/>
             <a:r>
-              <a:rPr lang="en-US"/>
-              <a:t>Third level</a:t>
+              <a:rPr lang="de-DE"/>
+              <a:t>Dritte Ebene</a:t>
             </a:r>
           </a:p>
           <a:p>
             <a:pPr lvl="3"/>
             <a:r>
-              <a:rPr lang="en-US"/>
-              <a:t>Fourth level</a:t>
+              <a:rPr lang="de-DE"/>
+              <a:t>Vierte Ebene</a:t>
             </a:r>
           </a:p>
           <a:p>
             <a:pPr lvl="4"/>
             <a:r>
-              <a:rPr lang="en-US"/>
-              <a:t>Fifth level</a:t>
-            </a:r>
-          </a:p>
-        </p:txBody>
-      </p:sp>
-      <p:sp>
-        <p:nvSpPr>
-          <p:cNvPr id="7" name="Date Placeholder 6">
-            <a:extLst>
-              <a:ext uri="{FF2B5EF4-FFF2-40B4-BE49-F238E27FC236}">
-                <a16:creationId xmlns:a16="http://schemas.microsoft.com/office/drawing/2014/main" id="{7867C949-C0C3-D9A7-0B9E-DB2F13EA9A53}"/>
-              </a:ext>
-            </a:extLst>
-          </p:cNvPr>
+              <a:rPr lang="de-DE"/>
+              <a:t>Fünfte Ebene</a:t>
+            </a:r>
+            <a:endParaRPr lang="en-US" dirty="0"/>
+          </a:p>
+        </p:txBody>
+      </p:sp>
+      <p:sp>
+        <p:nvSpPr>
+          <p:cNvPr id="7" name="Date Placeholder 6"/>
           <p:cNvSpPr>
             <a:spLocks noGrp="1"/>
           </p:cNvSpPr>
@@ -1828,7 +1621,7 @@
           <a:p>
             <a:fld id="{2F5C0E49-5901-4A70-B0E2-4707CC9925D2}" type="datetimeFigureOut">
               <a:rPr lang="en-US" smtClean="0"/>
-              <a:t>7/11/24</a:t>
+              <a:t>7/14/24</a:t>
             </a:fld>
             <a:endParaRPr lang="en-US"/>
           </a:p>
@@ -1836,13 +1629,7 @@
       </p:sp>
       <p:sp>
         <p:nvSpPr>
-          <p:cNvPr id="8" name="Footer Placeholder 7">
-            <a:extLst>
-              <a:ext uri="{FF2B5EF4-FFF2-40B4-BE49-F238E27FC236}">
-                <a16:creationId xmlns:a16="http://schemas.microsoft.com/office/drawing/2014/main" id="{6B3828DE-1722-3D75-FECB-0535A211816D}"/>
-              </a:ext>
-            </a:extLst>
-          </p:cNvPr>
+          <p:cNvPr id="8" name="Footer Placeholder 7"/>
           <p:cNvSpPr>
             <a:spLocks noGrp="1"/>
           </p:cNvSpPr>
@@ -1861,13 +1648,7 @@
       </p:sp>
       <p:sp>
         <p:nvSpPr>
-          <p:cNvPr id="9" name="Slide Number Placeholder 8">
-            <a:extLst>
-              <a:ext uri="{FF2B5EF4-FFF2-40B4-BE49-F238E27FC236}">
-                <a16:creationId xmlns:a16="http://schemas.microsoft.com/office/drawing/2014/main" id="{1DC24EF0-92D5-C290-2912-87D0620161A5}"/>
-              </a:ext>
-            </a:extLst>
-          </p:cNvPr>
+          <p:cNvPr id="9" name="Slide Number Placeholder 8"/>
           <p:cNvSpPr>
             <a:spLocks noGrp="1"/>
           </p:cNvSpPr>
@@ -1891,7 +1672,7 @@
     </p:spTree>
     <p:extLst>
       <p:ext uri="{BB962C8B-B14F-4D97-AF65-F5344CB8AC3E}">
-        <p14:creationId xmlns:p14="http://schemas.microsoft.com/office/powerpoint/2010/main" val="2933245832"/>
+        <p14:creationId xmlns:p14="http://schemas.microsoft.com/office/powerpoint/2010/main" val="3779827017"/>
       </p:ext>
     </p:extLst>
   </p:cSld>
@@ -1903,7 +1684,7 @@
 
 <file path=ppt/slideLayouts/slideLayout6.xml><?xml version="1.0" encoding="utf-8"?>
 <p:sldLayout xmlns:a="http://schemas.openxmlformats.org/drawingml/2006/main" xmlns:r="http://schemas.openxmlformats.org/officeDocument/2006/relationships" xmlns:p="http://schemas.openxmlformats.org/presentationml/2006/main" type="titleOnly" preserve="1">
-  <p:cSld name="Title Only">
+  <p:cSld name="Nur Titel">
     <p:spTree>
       <p:nvGrpSpPr>
         <p:cNvPr id="1" name=""/>
@@ -1920,13 +1701,7 @@
       </p:grpSpPr>
       <p:sp>
         <p:nvSpPr>
-          <p:cNvPr id="2" name="Title 1">
-            <a:extLst>
-              <a:ext uri="{FF2B5EF4-FFF2-40B4-BE49-F238E27FC236}">
-                <a16:creationId xmlns:a16="http://schemas.microsoft.com/office/drawing/2014/main" id="{EC8589DC-4BFA-DDF7-0CDF-01097B515A8F}"/>
-              </a:ext>
-            </a:extLst>
-          </p:cNvPr>
+          <p:cNvPr id="2" name="Title 1"/>
           <p:cNvSpPr>
             <a:spLocks noGrp="1"/>
           </p:cNvSpPr>
@@ -1940,21 +1715,16 @@
           <a:lstStyle/>
           <a:p>
             <a:r>
-              <a:rPr lang="en-US"/>
-              <a:t>Click to edit Master title style</a:t>
-            </a:r>
-          </a:p>
-        </p:txBody>
-      </p:sp>
-      <p:sp>
-        <p:nvSpPr>
-          <p:cNvPr id="3" name="Date Placeholder 2">
-            <a:extLst>
-              <a:ext uri="{FF2B5EF4-FFF2-40B4-BE49-F238E27FC236}">
-                <a16:creationId xmlns:a16="http://schemas.microsoft.com/office/drawing/2014/main" id="{D674E16F-8330-4982-1A5E-18C1E8930466}"/>
-              </a:ext>
-            </a:extLst>
-          </p:cNvPr>
+              <a:rPr lang="de-DE"/>
+              <a:t>Mastertitelformat bearbeiten</a:t>
+            </a:r>
+            <a:endParaRPr lang="en-US" dirty="0"/>
+          </a:p>
+        </p:txBody>
+      </p:sp>
+      <p:sp>
+        <p:nvSpPr>
+          <p:cNvPr id="3" name="Date Placeholder 2"/>
           <p:cNvSpPr>
             <a:spLocks noGrp="1"/>
           </p:cNvSpPr>
@@ -1969,7 +1739,7 @@
           <a:p>
             <a:fld id="{2F5C0E49-5901-4A70-B0E2-4707CC9925D2}" type="datetimeFigureOut">
               <a:rPr lang="en-US" smtClean="0"/>
-              <a:t>7/11/24</a:t>
+              <a:t>7/14/24</a:t>
             </a:fld>
             <a:endParaRPr lang="en-US"/>
           </a:p>
@@ -1977,13 +1747,7 @@
       </p:sp>
       <p:sp>
         <p:nvSpPr>
-          <p:cNvPr id="4" name="Footer Placeholder 3">
-            <a:extLst>
-              <a:ext uri="{FF2B5EF4-FFF2-40B4-BE49-F238E27FC236}">
-                <a16:creationId xmlns:a16="http://schemas.microsoft.com/office/drawing/2014/main" id="{6329A887-10AE-955F-5A7B-8B555F0CE0A4}"/>
-              </a:ext>
-            </a:extLst>
-          </p:cNvPr>
+          <p:cNvPr id="4" name="Footer Placeholder 3"/>
           <p:cNvSpPr>
             <a:spLocks noGrp="1"/>
           </p:cNvSpPr>
@@ -2002,13 +1766,7 @@
       </p:sp>
       <p:sp>
         <p:nvSpPr>
-          <p:cNvPr id="5" name="Slide Number Placeholder 4">
-            <a:extLst>
-              <a:ext uri="{FF2B5EF4-FFF2-40B4-BE49-F238E27FC236}">
-                <a16:creationId xmlns:a16="http://schemas.microsoft.com/office/drawing/2014/main" id="{C32E3A68-388E-7AFB-3664-E7AA645C63C6}"/>
-              </a:ext>
-            </a:extLst>
-          </p:cNvPr>
+          <p:cNvPr id="5" name="Slide Number Placeholder 4"/>
           <p:cNvSpPr>
             <a:spLocks noGrp="1"/>
           </p:cNvSpPr>
@@ -2032,7 +1790,7 @@
     </p:spTree>
     <p:extLst>
       <p:ext uri="{BB962C8B-B14F-4D97-AF65-F5344CB8AC3E}">
-        <p14:creationId xmlns:p14="http://schemas.microsoft.com/office/powerpoint/2010/main" val="119517736"/>
+        <p14:creationId xmlns:p14="http://schemas.microsoft.com/office/powerpoint/2010/main" val="3329932641"/>
       </p:ext>
     </p:extLst>
   </p:cSld>
@@ -2044,7 +1802,7 @@
 
 <file path=ppt/slideLayouts/slideLayout7.xml><?xml version="1.0" encoding="utf-8"?>
 <p:sldLayout xmlns:a="http://schemas.openxmlformats.org/drawingml/2006/main" xmlns:r="http://schemas.openxmlformats.org/officeDocument/2006/relationships" xmlns:p="http://schemas.openxmlformats.org/presentationml/2006/main" type="blank" preserve="1">
-  <p:cSld name="Blank">
+  <p:cSld name="Leer">
     <p:spTree>
       <p:nvGrpSpPr>
         <p:cNvPr id="1" name=""/>
@@ -2061,13 +1819,7 @@
       </p:grpSpPr>
       <p:sp>
         <p:nvSpPr>
-          <p:cNvPr id="2" name="Date Placeholder 1">
-            <a:extLst>
-              <a:ext uri="{FF2B5EF4-FFF2-40B4-BE49-F238E27FC236}">
-                <a16:creationId xmlns:a16="http://schemas.microsoft.com/office/drawing/2014/main" id="{D64F410C-BA24-EB98-7D37-4FB3320ABE34}"/>
-              </a:ext>
-            </a:extLst>
-          </p:cNvPr>
+          <p:cNvPr id="2" name="Date Placeholder 1"/>
           <p:cNvSpPr>
             <a:spLocks noGrp="1"/>
           </p:cNvSpPr>
@@ -2082,7 +1834,7 @@
           <a:p>
             <a:fld id="{2F5C0E49-5901-4A70-B0E2-4707CC9925D2}" type="datetimeFigureOut">
               <a:rPr lang="en-US" smtClean="0"/>
-              <a:t>7/11/24</a:t>
+              <a:t>7/14/24</a:t>
             </a:fld>
             <a:endParaRPr lang="en-US"/>
           </a:p>
@@ -2090,13 +1842,7 @@
       </p:sp>
       <p:sp>
         <p:nvSpPr>
-          <p:cNvPr id="3" name="Footer Placeholder 2">
-            <a:extLst>
-              <a:ext uri="{FF2B5EF4-FFF2-40B4-BE49-F238E27FC236}">
-                <a16:creationId xmlns:a16="http://schemas.microsoft.com/office/drawing/2014/main" id="{C764BAA3-42AF-5A39-7674-DC4E4DCB1B72}"/>
-              </a:ext>
-            </a:extLst>
-          </p:cNvPr>
+          <p:cNvPr id="3" name="Footer Placeholder 2"/>
           <p:cNvSpPr>
             <a:spLocks noGrp="1"/>
           </p:cNvSpPr>
@@ -2115,13 +1861,7 @@
       </p:sp>
       <p:sp>
         <p:nvSpPr>
-          <p:cNvPr id="4" name="Slide Number Placeholder 3">
-            <a:extLst>
-              <a:ext uri="{FF2B5EF4-FFF2-40B4-BE49-F238E27FC236}">
-                <a16:creationId xmlns:a16="http://schemas.microsoft.com/office/drawing/2014/main" id="{1E804691-73B0-917D-D583-0EDC133215CF}"/>
-              </a:ext>
-            </a:extLst>
-          </p:cNvPr>
+          <p:cNvPr id="4" name="Slide Number Placeholder 3"/>
           <p:cNvSpPr>
             <a:spLocks noGrp="1"/>
           </p:cNvSpPr>
@@ -2145,7 +1885,7 @@
     </p:spTree>
     <p:extLst>
       <p:ext uri="{BB962C8B-B14F-4D97-AF65-F5344CB8AC3E}">
-        <p14:creationId xmlns:p14="http://schemas.microsoft.com/office/powerpoint/2010/main" val="4222653273"/>
+        <p14:creationId xmlns:p14="http://schemas.microsoft.com/office/powerpoint/2010/main" val="4169977816"/>
       </p:ext>
     </p:extLst>
   </p:cSld>
@@ -2157,7 +1897,7 @@
 
 <file path=ppt/slideLayouts/slideLayout8.xml><?xml version="1.0" encoding="utf-8"?>
 <p:sldLayout xmlns:a="http://schemas.openxmlformats.org/drawingml/2006/main" xmlns:r="http://schemas.openxmlformats.org/officeDocument/2006/relationships" xmlns:p="http://schemas.openxmlformats.org/presentationml/2006/main" type="objTx" preserve="1">
-  <p:cSld name="Content with Caption">
+  <p:cSld name="Inhalt mit Überschrift">
     <p:spTree>
       <p:nvGrpSpPr>
         <p:cNvPr id="1" name=""/>
@@ -2174,13 +1914,7 @@
       </p:grpSpPr>
       <p:sp>
         <p:nvSpPr>
-          <p:cNvPr id="2" name="Title 1">
-            <a:extLst>
-              <a:ext uri="{FF2B5EF4-FFF2-40B4-BE49-F238E27FC236}">
-                <a16:creationId xmlns:a16="http://schemas.microsoft.com/office/drawing/2014/main" id="{DB303EAC-A327-F944-3E71-B38E02F3504F}"/>
-              </a:ext>
-            </a:extLst>
-          </p:cNvPr>
+          <p:cNvPr id="2" name="Title 1"/>
           <p:cNvSpPr>
             <a:spLocks noGrp="1"/>
           </p:cNvSpPr>
@@ -2190,8 +1924,8 @@
         </p:nvSpPr>
         <p:spPr>
           <a:xfrm>
-            <a:off x="839788" y="457200"/>
-            <a:ext cx="3932237" cy="1600200"/>
+            <a:off x="839789" y="503978"/>
+            <a:ext cx="3932237" cy="1763924"/>
           </a:xfrm>
         </p:spPr>
         <p:txBody>
@@ -2203,21 +1937,16 @@
           </a:lstStyle>
           <a:p>
             <a:r>
-              <a:rPr lang="en-US"/>
-              <a:t>Click to edit Master title style</a:t>
-            </a:r>
-          </a:p>
-        </p:txBody>
-      </p:sp>
-      <p:sp>
-        <p:nvSpPr>
-          <p:cNvPr id="3" name="Content Placeholder 2">
-            <a:extLst>
-              <a:ext uri="{FF2B5EF4-FFF2-40B4-BE49-F238E27FC236}">
-                <a16:creationId xmlns:a16="http://schemas.microsoft.com/office/drawing/2014/main" id="{1EE42BFD-A091-4879-B2FB-BF644FB54E5C}"/>
-              </a:ext>
-            </a:extLst>
-          </p:cNvPr>
+              <a:rPr lang="de-DE"/>
+              <a:t>Mastertitelformat bearbeiten</a:t>
+            </a:r>
+            <a:endParaRPr lang="en-US" dirty="0"/>
+          </a:p>
+        </p:txBody>
+      </p:sp>
+      <p:sp>
+        <p:nvSpPr>
+          <p:cNvPr id="3" name="Content Placeholder 2"/>
           <p:cNvSpPr>
             <a:spLocks noGrp="1"/>
           </p:cNvSpPr>
@@ -2227,8 +1956,8 @@
         </p:nvSpPr>
         <p:spPr>
           <a:xfrm>
-            <a:off x="5183188" y="987425"/>
-            <a:ext cx="6172200" cy="4873625"/>
+            <a:off x="5183188" y="1088454"/>
+            <a:ext cx="6172200" cy="5372269"/>
           </a:xfrm>
         </p:spPr>
         <p:txBody>
@@ -2265,49 +1994,44 @@
           <a:p>
             <a:pPr lvl="0"/>
             <a:r>
-              <a:rPr lang="en-US"/>
-              <a:t>Click to edit Master text styles</a:t>
+              <a:rPr lang="de-DE"/>
+              <a:t>Mastertextformat bearbeiten</a:t>
             </a:r>
           </a:p>
           <a:p>
             <a:pPr lvl="1"/>
             <a:r>
-              <a:rPr lang="en-US"/>
-              <a:t>Second level</a:t>
+              <a:rPr lang="de-DE"/>
+              <a:t>Zweite Ebene</a:t>
             </a:r>
           </a:p>
           <a:p>
             <a:pPr lvl="2"/>
             <a:r>
-              <a:rPr lang="en-US"/>
-              <a:t>Third level</a:t>
+              <a:rPr lang="de-DE"/>
+              <a:t>Dritte Ebene</a:t>
             </a:r>
           </a:p>
           <a:p>
             <a:pPr lvl="3"/>
             <a:r>
-              <a:rPr lang="en-US"/>
-              <a:t>Fourth level</a:t>
+              <a:rPr lang="de-DE"/>
+              <a:t>Vierte Ebene</a:t>
             </a:r>
           </a:p>
           <a:p>
             <a:pPr lvl="4"/>
             <a:r>
-              <a:rPr lang="en-US"/>
-              <a:t>Fifth level</a:t>
-            </a:r>
-          </a:p>
-        </p:txBody>
-      </p:sp>
-      <p:sp>
-        <p:nvSpPr>
-          <p:cNvPr id="4" name="Text Placeholder 3">
-            <a:extLst>
-              <a:ext uri="{FF2B5EF4-FFF2-40B4-BE49-F238E27FC236}">
-                <a16:creationId xmlns:a16="http://schemas.microsoft.com/office/drawing/2014/main" id="{2A16510F-CCAD-A911-66D4-00BA07CCE992}"/>
-              </a:ext>
-            </a:extLst>
-          </p:cNvPr>
+              <a:rPr lang="de-DE"/>
+              <a:t>Fünfte Ebene</a:t>
+            </a:r>
+            <a:endParaRPr lang="en-US" dirty="0"/>
+          </a:p>
+        </p:txBody>
+      </p:sp>
+      <p:sp>
+        <p:nvSpPr>
+          <p:cNvPr id="4" name="Text Placeholder 3"/>
           <p:cNvSpPr>
             <a:spLocks noGrp="1"/>
           </p:cNvSpPr>
@@ -2317,8 +2041,8 @@
         </p:nvSpPr>
         <p:spPr>
           <a:xfrm>
-            <a:off x="839788" y="2057400"/>
-            <a:ext cx="3932237" cy="3811588"/>
+            <a:off x="839789" y="2267902"/>
+            <a:ext cx="3932237" cy="4201570"/>
           </a:xfrm>
         </p:spPr>
         <p:txBody>
@@ -2364,21 +2088,15 @@
           <a:p>
             <a:pPr lvl="0"/>
             <a:r>
-              <a:rPr lang="en-US"/>
-              <a:t>Click to edit Master text styles</a:t>
-            </a:r>
-          </a:p>
-        </p:txBody>
-      </p:sp>
-      <p:sp>
-        <p:nvSpPr>
-          <p:cNvPr id="5" name="Date Placeholder 4">
-            <a:extLst>
-              <a:ext uri="{FF2B5EF4-FFF2-40B4-BE49-F238E27FC236}">
-                <a16:creationId xmlns:a16="http://schemas.microsoft.com/office/drawing/2014/main" id="{635BED99-DB31-6777-131F-42504386309A}"/>
-              </a:ext>
-            </a:extLst>
-          </p:cNvPr>
+              <a:rPr lang="de-DE"/>
+              <a:t>Mastertextformat bearbeiten</a:t>
+            </a:r>
+          </a:p>
+        </p:txBody>
+      </p:sp>
+      <p:sp>
+        <p:nvSpPr>
+          <p:cNvPr id="5" name="Date Placeholder 4"/>
           <p:cNvSpPr>
             <a:spLocks noGrp="1"/>
           </p:cNvSpPr>
@@ -2393,7 +2111,7 @@
           <a:p>
             <a:fld id="{2F5C0E49-5901-4A70-B0E2-4707CC9925D2}" type="datetimeFigureOut">
               <a:rPr lang="en-US" smtClean="0"/>
-              <a:t>7/11/24</a:t>
+              <a:t>7/14/24</a:t>
             </a:fld>
             <a:endParaRPr lang="en-US"/>
           </a:p>
@@ -2401,13 +2119,7 @@
       </p:sp>
       <p:sp>
         <p:nvSpPr>
-          <p:cNvPr id="6" name="Footer Placeholder 5">
-            <a:extLst>
-              <a:ext uri="{FF2B5EF4-FFF2-40B4-BE49-F238E27FC236}">
-                <a16:creationId xmlns:a16="http://schemas.microsoft.com/office/drawing/2014/main" id="{F2AF8526-B54F-8C2A-C68E-E80E8DC418DF}"/>
-              </a:ext>
-            </a:extLst>
-          </p:cNvPr>
+          <p:cNvPr id="6" name="Footer Placeholder 5"/>
           <p:cNvSpPr>
             <a:spLocks noGrp="1"/>
           </p:cNvSpPr>
@@ -2426,13 +2138,7 @@
       </p:sp>
       <p:sp>
         <p:nvSpPr>
-          <p:cNvPr id="7" name="Slide Number Placeholder 6">
-            <a:extLst>
-              <a:ext uri="{FF2B5EF4-FFF2-40B4-BE49-F238E27FC236}">
-                <a16:creationId xmlns:a16="http://schemas.microsoft.com/office/drawing/2014/main" id="{CECBCE99-4423-4766-69DC-60B6732A3656}"/>
-              </a:ext>
-            </a:extLst>
-          </p:cNvPr>
+          <p:cNvPr id="7" name="Slide Number Placeholder 6"/>
           <p:cNvSpPr>
             <a:spLocks noGrp="1"/>
           </p:cNvSpPr>
@@ -2456,7 +2162,7 @@
     </p:spTree>
     <p:extLst>
       <p:ext uri="{BB962C8B-B14F-4D97-AF65-F5344CB8AC3E}">
-        <p14:creationId xmlns:p14="http://schemas.microsoft.com/office/powerpoint/2010/main" val="462960474"/>
+        <p14:creationId xmlns:p14="http://schemas.microsoft.com/office/powerpoint/2010/main" val="1925615403"/>
       </p:ext>
     </p:extLst>
   </p:cSld>
@@ -2468,7 +2174,7 @@
 
 <file path=ppt/slideLayouts/slideLayout9.xml><?xml version="1.0" encoding="utf-8"?>
 <p:sldLayout xmlns:a="http://schemas.openxmlformats.org/drawingml/2006/main" xmlns:r="http://schemas.openxmlformats.org/officeDocument/2006/relationships" xmlns:p="http://schemas.openxmlformats.org/presentationml/2006/main" type="picTx" preserve="1">
-  <p:cSld name="Picture with Caption">
+  <p:cSld name="Bild mit Überschrift">
     <p:spTree>
       <p:nvGrpSpPr>
         <p:cNvPr id="1" name=""/>
@@ -2485,13 +2191,7 @@
       </p:grpSpPr>
       <p:sp>
         <p:nvSpPr>
-          <p:cNvPr id="2" name="Title 1">
-            <a:extLst>
-              <a:ext uri="{FF2B5EF4-FFF2-40B4-BE49-F238E27FC236}">
-                <a16:creationId xmlns:a16="http://schemas.microsoft.com/office/drawing/2014/main" id="{324BE17A-1CF1-2DB8-A9CA-5BBCBF7AE2F0}"/>
-              </a:ext>
-            </a:extLst>
-          </p:cNvPr>
+          <p:cNvPr id="2" name="Title 1"/>
           <p:cNvSpPr>
             <a:spLocks noGrp="1"/>
           </p:cNvSpPr>
@@ -2501,8 +2201,8 @@
         </p:nvSpPr>
         <p:spPr>
           <a:xfrm>
-            <a:off x="839788" y="457200"/>
-            <a:ext cx="3932237" cy="1600200"/>
+            <a:off x="839789" y="503978"/>
+            <a:ext cx="3932237" cy="1763924"/>
           </a:xfrm>
         </p:spPr>
         <p:txBody>
@@ -2514,23 +2214,18 @@
           </a:lstStyle>
           <a:p>
             <a:r>
-              <a:rPr lang="en-US"/>
-              <a:t>Click to edit Master title style</a:t>
-            </a:r>
-          </a:p>
-        </p:txBody>
-      </p:sp>
-      <p:sp>
-        <p:nvSpPr>
-          <p:cNvPr id="3" name="Picture Placeholder 2">
-            <a:extLst>
-              <a:ext uri="{FF2B5EF4-FFF2-40B4-BE49-F238E27FC236}">
-                <a16:creationId xmlns:a16="http://schemas.microsoft.com/office/drawing/2014/main" id="{184A4506-56E5-F0E3-94D8-2CF141C3E5C0}"/>
-              </a:ext>
-            </a:extLst>
-          </p:cNvPr>
+              <a:rPr lang="de-DE"/>
+              <a:t>Mastertitelformat bearbeiten</a:t>
+            </a:r>
+            <a:endParaRPr lang="en-US" dirty="0"/>
+          </a:p>
+        </p:txBody>
+      </p:sp>
+      <p:sp>
+        <p:nvSpPr>
+          <p:cNvPr id="3" name="Picture Placeholder 2"/>
           <p:cNvSpPr>
-            <a:spLocks noGrp="1"/>
+            <a:spLocks noGrp="1" noChangeAspect="1"/>
           </p:cNvSpPr>
           <p:nvPr>
             <p:ph type="pic" idx="1"/>
@@ -2538,12 +2233,12 @@
         </p:nvSpPr>
         <p:spPr>
           <a:xfrm>
-            <a:off x="5183188" y="987425"/>
-            <a:ext cx="6172200" cy="4873625"/>
-          </a:xfrm>
-        </p:spPr>
-        <p:txBody>
-          <a:bodyPr/>
+            <a:off x="5183188" y="1088454"/>
+            <a:ext cx="6172200" cy="5372269"/>
+          </a:xfrm>
+        </p:spPr>
+        <p:txBody>
+          <a:bodyPr anchor="t"/>
           <a:lstStyle>
             <a:lvl1pPr marL="0" indent="0">
               <a:buNone/>
@@ -2583,19 +2278,17 @@
             </a:lvl9pPr>
           </a:lstStyle>
           <a:p>
-            <a:endParaRPr lang="en-US"/>
-          </a:p>
-        </p:txBody>
-      </p:sp>
-      <p:sp>
-        <p:nvSpPr>
-          <p:cNvPr id="4" name="Text Placeholder 3">
-            <a:extLst>
-              <a:ext uri="{FF2B5EF4-FFF2-40B4-BE49-F238E27FC236}">
-                <a16:creationId xmlns:a16="http://schemas.microsoft.com/office/drawing/2014/main" id="{EBDD61CA-BC1A-EE65-2A7F-A511405D171C}"/>
-              </a:ext>
-            </a:extLst>
-          </p:cNvPr>
+            <a:r>
+              <a:rPr lang="de-DE"/>
+              <a:t>Bild durch Klicken auf Symbol hinzufügen</a:t>
+            </a:r>
+            <a:endParaRPr lang="en-US" dirty="0"/>
+          </a:p>
+        </p:txBody>
+      </p:sp>
+      <p:sp>
+        <p:nvSpPr>
+          <p:cNvPr id="4" name="Text Placeholder 3"/>
           <p:cNvSpPr>
             <a:spLocks noGrp="1"/>
           </p:cNvSpPr>
@@ -2605,8 +2298,8 @@
         </p:nvSpPr>
         <p:spPr>
           <a:xfrm>
-            <a:off x="839788" y="2057400"/>
-            <a:ext cx="3932237" cy="3811588"/>
+            <a:off x="839789" y="2267902"/>
+            <a:ext cx="3932237" cy="4201570"/>
           </a:xfrm>
         </p:spPr>
         <p:txBody>
@@ -2652,21 +2345,15 @@
           <a:p>
             <a:pPr lvl="0"/>
             <a:r>
-              <a:rPr lang="en-US"/>
-              <a:t>Click to edit Master text styles</a:t>
-            </a:r>
-          </a:p>
-        </p:txBody>
-      </p:sp>
-      <p:sp>
-        <p:nvSpPr>
-          <p:cNvPr id="5" name="Date Placeholder 4">
-            <a:extLst>
-              <a:ext uri="{FF2B5EF4-FFF2-40B4-BE49-F238E27FC236}">
-                <a16:creationId xmlns:a16="http://schemas.microsoft.com/office/drawing/2014/main" id="{D55D80A9-3D28-5EEB-262D-0CF9D3FD218C}"/>
-              </a:ext>
-            </a:extLst>
-          </p:cNvPr>
+              <a:rPr lang="de-DE"/>
+              <a:t>Mastertextformat bearbeiten</a:t>
+            </a:r>
+          </a:p>
+        </p:txBody>
+      </p:sp>
+      <p:sp>
+        <p:nvSpPr>
+          <p:cNvPr id="5" name="Date Placeholder 4"/>
           <p:cNvSpPr>
             <a:spLocks noGrp="1"/>
           </p:cNvSpPr>
@@ -2681,7 +2368,7 @@
           <a:p>
             <a:fld id="{2F5C0E49-5901-4A70-B0E2-4707CC9925D2}" type="datetimeFigureOut">
               <a:rPr lang="en-US" smtClean="0"/>
-              <a:t>7/11/24</a:t>
+              <a:t>7/14/24</a:t>
             </a:fld>
             <a:endParaRPr lang="en-US"/>
           </a:p>
@@ -2689,13 +2376,7 @@
       </p:sp>
       <p:sp>
         <p:nvSpPr>
-          <p:cNvPr id="6" name="Footer Placeholder 5">
-            <a:extLst>
-              <a:ext uri="{FF2B5EF4-FFF2-40B4-BE49-F238E27FC236}">
-                <a16:creationId xmlns:a16="http://schemas.microsoft.com/office/drawing/2014/main" id="{BD9CD46B-D32B-214E-185E-96242EC0EC78}"/>
-              </a:ext>
-            </a:extLst>
-          </p:cNvPr>
+          <p:cNvPr id="6" name="Footer Placeholder 5"/>
           <p:cNvSpPr>
             <a:spLocks noGrp="1"/>
           </p:cNvSpPr>
@@ -2714,13 +2395,7 @@
       </p:sp>
       <p:sp>
         <p:nvSpPr>
-          <p:cNvPr id="7" name="Slide Number Placeholder 6">
-            <a:extLst>
-              <a:ext uri="{FF2B5EF4-FFF2-40B4-BE49-F238E27FC236}">
-                <a16:creationId xmlns:a16="http://schemas.microsoft.com/office/drawing/2014/main" id="{E32AF6BF-5FBB-7957-748B-C1AEB2210585}"/>
-              </a:ext>
-            </a:extLst>
-          </p:cNvPr>
+          <p:cNvPr id="7" name="Slide Number Placeholder 6"/>
           <p:cNvSpPr>
             <a:spLocks noGrp="1"/>
           </p:cNvSpPr>
@@ -2744,7 +2419,7 @@
     </p:spTree>
     <p:extLst>
       <p:ext uri="{BB962C8B-B14F-4D97-AF65-F5344CB8AC3E}">
-        <p14:creationId xmlns:p14="http://schemas.microsoft.com/office/powerpoint/2010/main" val="2110112250"/>
+        <p14:creationId xmlns:p14="http://schemas.microsoft.com/office/powerpoint/2010/main" val="2321490911"/>
       </p:ext>
     </p:extLst>
   </p:cSld>
@@ -2781,13 +2456,7 @@
       </p:grpSpPr>
       <p:sp>
         <p:nvSpPr>
-          <p:cNvPr id="2" name="Title Placeholder 1">
-            <a:extLst>
-              <a:ext uri="{FF2B5EF4-FFF2-40B4-BE49-F238E27FC236}">
-                <a16:creationId xmlns:a16="http://schemas.microsoft.com/office/drawing/2014/main" id="{7CC13449-6369-CCC6-C4DB-5BC9A561ADA6}"/>
-              </a:ext>
-            </a:extLst>
-          </p:cNvPr>
+          <p:cNvPr id="2" name="Title Placeholder 1"/>
           <p:cNvSpPr>
             <a:spLocks noGrp="1"/>
           </p:cNvSpPr>
@@ -2797,8 +2466,8 @@
         </p:nvSpPr>
         <p:spPr>
           <a:xfrm>
-            <a:off x="838200" y="365125"/>
-            <a:ext cx="10515600" cy="1325563"/>
+            <a:off x="838200" y="402483"/>
+            <a:ext cx="10515600" cy="1461188"/>
           </a:xfrm>
           <a:prstGeom prst="rect">
             <a:avLst/>
@@ -2811,21 +2480,16 @@
           <a:lstStyle/>
           <a:p>
             <a:r>
-              <a:rPr lang="en-US"/>
-              <a:t>Click to edit Master title style</a:t>
-            </a:r>
-          </a:p>
-        </p:txBody>
-      </p:sp>
-      <p:sp>
-        <p:nvSpPr>
-          <p:cNvPr id="3" name="Text Placeholder 2">
-            <a:extLst>
-              <a:ext uri="{FF2B5EF4-FFF2-40B4-BE49-F238E27FC236}">
-                <a16:creationId xmlns:a16="http://schemas.microsoft.com/office/drawing/2014/main" id="{1264A937-6042-D1AA-447B-5E7DE88C496B}"/>
-              </a:ext>
-            </a:extLst>
-          </p:cNvPr>
+              <a:rPr lang="de-DE"/>
+              <a:t>Mastertitelformat bearbeiten</a:t>
+            </a:r>
+            <a:endParaRPr lang="en-US" dirty="0"/>
+          </a:p>
+        </p:txBody>
+      </p:sp>
+      <p:sp>
+        <p:nvSpPr>
+          <p:cNvPr id="3" name="Text Placeholder 2"/>
           <p:cNvSpPr>
             <a:spLocks noGrp="1"/>
           </p:cNvSpPr>
@@ -2835,8 +2499,8 @@
         </p:nvSpPr>
         <p:spPr>
           <a:xfrm>
-            <a:off x="838200" y="1825625"/>
-            <a:ext cx="10515600" cy="4351338"/>
+            <a:off x="838200" y="2012414"/>
+            <a:ext cx="10515600" cy="4796544"/>
           </a:xfrm>
           <a:prstGeom prst="rect">
             <a:avLst/>
@@ -2850,49 +2514,44 @@
           <a:p>
             <a:pPr lvl="0"/>
             <a:r>
-              <a:rPr lang="en-US"/>
-              <a:t>Click to edit Master text styles</a:t>
+              <a:rPr lang="de-DE"/>
+              <a:t>Mastertextformat bearbeiten</a:t>
             </a:r>
           </a:p>
           <a:p>
             <a:pPr lvl="1"/>
             <a:r>
-              <a:rPr lang="en-US"/>
-              <a:t>Second level</a:t>
+              <a:rPr lang="de-DE"/>
+              <a:t>Zweite Ebene</a:t>
             </a:r>
           </a:p>
           <a:p>
             <a:pPr lvl="2"/>
             <a:r>
-              <a:rPr lang="en-US"/>
-              <a:t>Third level</a:t>
+              <a:rPr lang="de-DE"/>
+              <a:t>Dritte Ebene</a:t>
             </a:r>
           </a:p>
           <a:p>
             <a:pPr lvl="3"/>
             <a:r>
-              <a:rPr lang="en-US"/>
-              <a:t>Fourth level</a:t>
+              <a:rPr lang="de-DE"/>
+              <a:t>Vierte Ebene</a:t>
             </a:r>
           </a:p>
           <a:p>
             <a:pPr lvl="4"/>
             <a:r>
-              <a:rPr lang="en-US"/>
-              <a:t>Fifth level</a:t>
-            </a:r>
-          </a:p>
-        </p:txBody>
-      </p:sp>
-      <p:sp>
-        <p:nvSpPr>
-          <p:cNvPr id="4" name="Date Placeholder 3">
-            <a:extLst>
-              <a:ext uri="{FF2B5EF4-FFF2-40B4-BE49-F238E27FC236}">
-                <a16:creationId xmlns:a16="http://schemas.microsoft.com/office/drawing/2014/main" id="{83FCF245-29D7-F3D0-7759-8614C5EBE647}"/>
-              </a:ext>
-            </a:extLst>
-          </p:cNvPr>
+              <a:rPr lang="de-DE"/>
+              <a:t>Fünfte Ebene</a:t>
+            </a:r>
+            <a:endParaRPr lang="en-US" dirty="0"/>
+          </a:p>
+        </p:txBody>
+      </p:sp>
+      <p:sp>
+        <p:nvSpPr>
+          <p:cNvPr id="4" name="Date Placeholder 3"/>
           <p:cNvSpPr>
             <a:spLocks noGrp="1"/>
           </p:cNvSpPr>
@@ -2902,8 +2561,8 @@
         </p:nvSpPr>
         <p:spPr>
           <a:xfrm>
-            <a:off x="838200" y="6356350"/>
-            <a:ext cx="2743200" cy="365125"/>
+            <a:off x="838200" y="7006699"/>
+            <a:ext cx="2743200" cy="402483"/>
           </a:xfrm>
           <a:prstGeom prst="rect">
             <a:avLst/>
@@ -2925,7 +2584,7 @@
           <a:p>
             <a:fld id="{2F5C0E49-5901-4A70-B0E2-4707CC9925D2}" type="datetimeFigureOut">
               <a:rPr lang="en-US" smtClean="0"/>
-              <a:t>7/11/24</a:t>
+              <a:t>7/14/24</a:t>
             </a:fld>
             <a:endParaRPr lang="en-US"/>
           </a:p>
@@ -2933,13 +2592,7 @@
       </p:sp>
       <p:sp>
         <p:nvSpPr>
-          <p:cNvPr id="5" name="Footer Placeholder 4">
-            <a:extLst>
-              <a:ext uri="{FF2B5EF4-FFF2-40B4-BE49-F238E27FC236}">
-                <a16:creationId xmlns:a16="http://schemas.microsoft.com/office/drawing/2014/main" id="{EED14734-7A17-C248-306D-4C6392C19257}"/>
-              </a:ext>
-            </a:extLst>
-          </p:cNvPr>
+          <p:cNvPr id="5" name="Footer Placeholder 4"/>
           <p:cNvSpPr>
             <a:spLocks noGrp="1"/>
           </p:cNvSpPr>
@@ -2949,8 +2602,8 @@
         </p:nvSpPr>
         <p:spPr>
           <a:xfrm>
-            <a:off x="4038600" y="6356350"/>
-            <a:ext cx="4114800" cy="365125"/>
+            <a:off x="4038600" y="7006699"/>
+            <a:ext cx="4114800" cy="402483"/>
           </a:xfrm>
           <a:prstGeom prst="rect">
             <a:avLst/>
@@ -2976,13 +2629,7 @@
       </p:sp>
       <p:sp>
         <p:nvSpPr>
-          <p:cNvPr id="6" name="Slide Number Placeholder 5">
-            <a:extLst>
-              <a:ext uri="{FF2B5EF4-FFF2-40B4-BE49-F238E27FC236}">
-                <a16:creationId xmlns:a16="http://schemas.microsoft.com/office/drawing/2014/main" id="{24E1DB6B-CB07-8921-FF0E-A25CF187203E}"/>
-              </a:ext>
-            </a:extLst>
-          </p:cNvPr>
+          <p:cNvPr id="6" name="Slide Number Placeholder 5"/>
           <p:cNvSpPr>
             <a:spLocks noGrp="1"/>
           </p:cNvSpPr>
@@ -2992,8 +2639,8 @@
         </p:nvSpPr>
         <p:spPr>
           <a:xfrm>
-            <a:off x="8610600" y="6356350"/>
-            <a:ext cx="2743200" cy="365125"/>
+            <a:off x="8610600" y="7006699"/>
+            <a:ext cx="2743200" cy="402483"/>
           </a:xfrm>
           <a:prstGeom prst="rect">
             <a:avLst/>
@@ -3024,23 +2671,23 @@
     </p:spTree>
     <p:extLst>
       <p:ext uri="{BB962C8B-B14F-4D97-AF65-F5344CB8AC3E}">
-        <p14:creationId xmlns:p14="http://schemas.microsoft.com/office/powerpoint/2010/main" val="2516344680"/>
+        <p14:creationId xmlns:p14="http://schemas.microsoft.com/office/powerpoint/2010/main" val="2764675242"/>
       </p:ext>
     </p:extLst>
   </p:cSld>
   <p:clrMap bg1="lt1" tx1="dk1" bg2="lt2" tx2="dk2" accent1="accent1" accent2="accent2" accent3="accent3" accent4="accent4" accent5="accent5" accent6="accent6" hlink="hlink" folHlink="folHlink"/>
   <p:sldLayoutIdLst>
-    <p:sldLayoutId id="2147483649" r:id="rId1"/>
-    <p:sldLayoutId id="2147483650" r:id="rId2"/>
-    <p:sldLayoutId id="2147483651" r:id="rId3"/>
-    <p:sldLayoutId id="2147483652" r:id="rId4"/>
-    <p:sldLayoutId id="2147483653" r:id="rId5"/>
-    <p:sldLayoutId id="2147483654" r:id="rId6"/>
-    <p:sldLayoutId id="2147483655" r:id="rId7"/>
-    <p:sldLayoutId id="2147483656" r:id="rId8"/>
-    <p:sldLayoutId id="2147483657" r:id="rId9"/>
-    <p:sldLayoutId id="2147483658" r:id="rId10"/>
-    <p:sldLayoutId id="2147483659" r:id="rId11"/>
+    <p:sldLayoutId id="2147483661" r:id="rId1"/>
+    <p:sldLayoutId id="2147483662" r:id="rId2"/>
+    <p:sldLayoutId id="2147483663" r:id="rId3"/>
+    <p:sldLayoutId id="2147483664" r:id="rId4"/>
+    <p:sldLayoutId id="2147483665" r:id="rId5"/>
+    <p:sldLayoutId id="2147483666" r:id="rId6"/>
+    <p:sldLayoutId id="2147483667" r:id="rId7"/>
+    <p:sldLayoutId id="2147483668" r:id="rId8"/>
+    <p:sldLayoutId id="2147483669" r:id="rId9"/>
+    <p:sldLayoutId id="2147483670" r:id="rId10"/>
+    <p:sldLayoutId id="2147483671" r:id="rId11"/>
   </p:sldLayoutIdLst>
   <p:txStyles>
     <p:titleStyle>
@@ -3356,7 +3003,7 @@
         </p:nvSpPr>
         <p:spPr>
           <a:xfrm>
-            <a:off x="90197" y="149290"/>
+            <a:off x="90197" y="500127"/>
             <a:ext cx="12011608" cy="6559420"/>
           </a:xfrm>
           <a:prstGeom prst="roundRect">
@@ -3525,7 +3172,7 @@
         </p:nvSpPr>
         <p:spPr>
           <a:xfrm>
-            <a:off x="400881" y="522757"/>
+            <a:off x="400881" y="873594"/>
             <a:ext cx="11390238" cy="5812486"/>
           </a:xfrm>
           <a:prstGeom prst="roundRect">
@@ -3694,7 +3341,7 @@
         </p:nvSpPr>
         <p:spPr>
           <a:xfrm>
-            <a:off x="820633" y="867212"/>
+            <a:off x="820633" y="1218049"/>
             <a:ext cx="7585136" cy="5123576"/>
           </a:xfrm>
           <a:prstGeom prst="roundRect">
@@ -3863,7 +3510,7 @@
         </p:nvSpPr>
         <p:spPr>
           <a:xfrm>
-            <a:off x="153174" y="153425"/>
+            <a:off x="153175" y="504262"/>
             <a:ext cx="2266967" cy="369332"/>
           </a:xfrm>
           <a:prstGeom prst="rect">
@@ -3919,7 +3566,7 @@
         </p:nvSpPr>
         <p:spPr>
           <a:xfrm>
-            <a:off x="400881" y="510319"/>
+            <a:off x="400882" y="861156"/>
             <a:ext cx="1939955" cy="338554"/>
           </a:xfrm>
           <a:prstGeom prst="rect">
@@ -3968,7 +3615,7 @@
         </p:nvSpPr>
         <p:spPr>
           <a:xfrm>
-            <a:off x="820633" y="879401"/>
+            <a:off x="820633" y="1230238"/>
             <a:ext cx="2342308" cy="338554"/>
           </a:xfrm>
           <a:prstGeom prst="rect">
@@ -4024,7 +3671,7 @@
         </p:nvSpPr>
         <p:spPr>
           <a:xfrm>
-            <a:off x="2759362" y="4212309"/>
+            <a:off x="2759362" y="4563146"/>
             <a:ext cx="1630680" cy="754380"/>
           </a:xfrm>
           <a:prstGeom prst="ellipse">
@@ -4111,7 +3758,7 @@
         </p:nvSpPr>
         <p:spPr>
           <a:xfrm>
-            <a:off x="4390042" y="3088597"/>
+            <a:off x="4390042" y="3439434"/>
             <a:ext cx="1630680" cy="754380"/>
           </a:xfrm>
           <a:prstGeom prst="ellipse">
@@ -4188,7 +3835,7 @@
         </p:nvSpPr>
         <p:spPr>
           <a:xfrm>
-            <a:off x="6020722" y="1964885"/>
+            <a:off x="6020722" y="2315722"/>
             <a:ext cx="1630680" cy="754380"/>
           </a:xfrm>
           <a:prstGeom prst="ellipse">
@@ -4259,7 +3906,7 @@
         </p:nvCxnSpPr>
         <p:spPr>
           <a:xfrm rot="5400000" flipH="1" flipV="1">
-            <a:off x="3609111" y="3431378"/>
+            <a:off x="3609111" y="3782215"/>
             <a:ext cx="746522" cy="815340"/>
           </a:xfrm>
           <a:prstGeom prst="curvedConnector2">
@@ -4305,7 +3952,7 @@
         </p:nvCxnSpPr>
         <p:spPr>
           <a:xfrm rot="5400000" flipH="1" flipV="1">
-            <a:off x="5239791" y="2307666"/>
+            <a:off x="5239791" y="2658503"/>
             <a:ext cx="746522" cy="815340"/>
           </a:xfrm>
           <a:prstGeom prst="curvedConnector2">
@@ -4347,7 +3994,7 @@
         </p:nvSpPr>
         <p:spPr>
           <a:xfrm>
-            <a:off x="8944559" y="1960956"/>
+            <a:off x="8944559" y="2311793"/>
             <a:ext cx="1630680" cy="754380"/>
           </a:xfrm>
           <a:prstGeom prst="ellipse">
@@ -4414,7 +4061,7 @@
         </p:nvSpPr>
         <p:spPr>
           <a:xfrm>
-            <a:off x="8944559" y="4212309"/>
+            <a:off x="8944559" y="4563146"/>
             <a:ext cx="1630680" cy="754380"/>
           </a:xfrm>
           <a:prstGeom prst="ellipse">
@@ -4495,7 +4142,7 @@
         </p:nvCxnSpPr>
         <p:spPr>
           <a:xfrm flipV="1">
-            <a:off x="7651402" y="2338146"/>
+            <a:off x="7651403" y="2688984"/>
             <a:ext cx="1293157" cy="3929"/>
           </a:xfrm>
           <a:prstGeom prst="straightConnector1">
@@ -4541,7 +4188,7 @@
         </p:nvCxnSpPr>
         <p:spPr>
           <a:xfrm>
-            <a:off x="9759899" y="2715336"/>
+            <a:off x="9759899" y="3066174"/>
             <a:ext cx="0" cy="1496973"/>
           </a:xfrm>
           <a:prstGeom prst="straightConnector1">
@@ -4587,7 +4234,7 @@
         </p:nvCxnSpPr>
         <p:spPr>
           <a:xfrm flipH="1">
-            <a:off x="4390042" y="4589499"/>
+            <a:off x="4390043" y="4940336"/>
             <a:ext cx="4554517" cy="0"/>
           </a:xfrm>
           <a:prstGeom prst="straightConnector1">
@@ -4632,7 +4279,7 @@
         </p:nvCxnSpPr>
         <p:spPr>
           <a:xfrm>
-            <a:off x="5205382" y="3842977"/>
+            <a:off x="5205382" y="4193814"/>
             <a:ext cx="0" cy="746522"/>
           </a:xfrm>
           <a:prstGeom prst="straightConnector1">
@@ -4677,7 +4324,7 @@
         </p:nvCxnSpPr>
         <p:spPr>
           <a:xfrm>
-            <a:off x="6836062" y="2719265"/>
+            <a:off x="6836062" y="3070102"/>
             <a:ext cx="0" cy="1870234"/>
           </a:xfrm>
           <a:prstGeom prst="straightConnector1">
@@ -4719,7 +4366,7 @@
         </p:nvSpPr>
         <p:spPr>
           <a:xfrm>
-            <a:off x="8982929" y="1887231"/>
+            <a:off x="8982929" y="2238068"/>
             <a:ext cx="1553940" cy="854080"/>
           </a:xfrm>
           <a:prstGeom prst="rect">
@@ -4803,7 +4450,7 @@
         </p:nvSpPr>
         <p:spPr>
           <a:xfrm>
-            <a:off x="2929616" y="3795544"/>
+            <a:off x="2929617" y="4146382"/>
             <a:ext cx="1667307" cy="307777"/>
           </a:xfrm>
           <a:prstGeom prst="rect">
@@ -4861,7 +4508,7 @@
         </p:nvSpPr>
         <p:spPr>
           <a:xfrm>
-            <a:off x="4582641" y="2674473"/>
+            <a:off x="4582641" y="3025311"/>
             <a:ext cx="1812228" cy="307777"/>
           </a:xfrm>
           <a:prstGeom prst="rect">
@@ -4926,7 +4573,7 @@
         </p:nvSpPr>
         <p:spPr>
           <a:xfrm>
-            <a:off x="8944559" y="3321393"/>
+            <a:off x="8944560" y="3672231"/>
             <a:ext cx="1761541" cy="307777"/>
           </a:xfrm>
           <a:prstGeom prst="rect">
@@ -4977,7 +4624,7 @@
         </p:nvSpPr>
         <p:spPr>
           <a:xfrm>
-            <a:off x="8092593" y="1217956"/>
+            <a:off x="8092593" y="1568793"/>
             <a:ext cx="400110" cy="1870642"/>
           </a:xfrm>
           <a:prstGeom prst="rect">
@@ -5044,7 +4691,7 @@
         </p:nvCxnSpPr>
         <p:spPr>
           <a:xfrm rot="5400000" flipH="1" flipV="1">
-            <a:off x="1963885" y="4555090"/>
+            <a:off x="1963885" y="4905927"/>
             <a:ext cx="746522" cy="815340"/>
           </a:xfrm>
           <a:prstGeom prst="curvedConnector2">
@@ -5086,7 +4733,7 @@
         </p:nvSpPr>
         <p:spPr>
           <a:xfrm>
-            <a:off x="1072543" y="5326803"/>
+            <a:off x="1072544" y="5677641"/>
             <a:ext cx="1857073" cy="307777"/>
           </a:xfrm>
           <a:prstGeom prst="rect">
@@ -5151,7 +4798,7 @@
         </p:nvSpPr>
         <p:spPr>
           <a:xfrm>
-            <a:off x="6225154" y="2144994"/>
+            <a:off x="6225154" y="2495831"/>
             <a:ext cx="1354130" cy="338554"/>
           </a:xfrm>
           <a:prstGeom prst="rect">
@@ -5167,9 +4814,6 @@
           <a:p>
             <a:r>
               <a:rPr lang="de-DE" sz="1600" dirty="0">
-                <a:solidFill>
-                  <a:schemeClr val="tx1"/>
-                </a:solidFill>
                 <a:latin typeface="LM Roman 10" pitchFamily="2" charset="77"/>
                 <a:cs typeface="Didot" panose="02000503000000020003" pitchFamily="2" charset="-79"/>
               </a:rPr>
@@ -5223,7 +4867,7 @@
         </p:nvSpPr>
         <p:spPr>
           <a:xfrm>
-            <a:off x="90197" y="149290"/>
+            <a:off x="90197" y="500127"/>
             <a:ext cx="12011608" cy="6559420"/>
           </a:xfrm>
           <a:prstGeom prst="roundRect">
@@ -5392,7 +5036,7 @@
         </p:nvSpPr>
         <p:spPr>
           <a:xfrm>
-            <a:off x="400881" y="522757"/>
+            <a:off x="400881" y="873594"/>
             <a:ext cx="11390238" cy="5812486"/>
           </a:xfrm>
           <a:prstGeom prst="roundRect">
@@ -5561,7 +5205,7 @@
         </p:nvSpPr>
         <p:spPr>
           <a:xfrm>
-            <a:off x="820633" y="867212"/>
+            <a:off x="820633" y="1218049"/>
             <a:ext cx="7585136" cy="5123576"/>
           </a:xfrm>
           <a:prstGeom prst="roundRect">
@@ -5730,7 +5374,7 @@
         </p:nvSpPr>
         <p:spPr>
           <a:xfrm>
-            <a:off x="153174" y="153425"/>
+            <a:off x="153175" y="504262"/>
             <a:ext cx="2820003" cy="338554"/>
           </a:xfrm>
           <a:prstGeom prst="rect">
@@ -5772,7 +5416,7 @@
         </p:nvSpPr>
         <p:spPr>
           <a:xfrm>
-            <a:off x="400881" y="510319"/>
+            <a:off x="400882" y="861156"/>
             <a:ext cx="2965877" cy="338554"/>
           </a:xfrm>
           <a:prstGeom prst="rect">
@@ -5814,7 +5458,7 @@
         </p:nvSpPr>
         <p:spPr>
           <a:xfrm>
-            <a:off x="820633" y="879401"/>
+            <a:off x="820633" y="1230238"/>
             <a:ext cx="2719014" cy="338554"/>
           </a:xfrm>
           <a:prstGeom prst="rect">
@@ -5856,7 +5500,7 @@
         </p:nvSpPr>
         <p:spPr>
           <a:xfrm>
-            <a:off x="2759362" y="4212309"/>
+            <a:off x="2759362" y="4563146"/>
             <a:ext cx="1630680" cy="754380"/>
           </a:xfrm>
           <a:prstGeom prst="ellipse">
@@ -5933,7 +5577,7 @@
         </p:nvSpPr>
         <p:spPr>
           <a:xfrm>
-            <a:off x="4390042" y="3088597"/>
+            <a:off x="4390042" y="3439434"/>
             <a:ext cx="1630680" cy="754380"/>
           </a:xfrm>
           <a:prstGeom prst="ellipse">
@@ -6010,7 +5654,7 @@
         </p:nvSpPr>
         <p:spPr>
           <a:xfrm>
-            <a:off x="6020722" y="1964885"/>
+            <a:off x="6020722" y="2315722"/>
             <a:ext cx="1630680" cy="754380"/>
           </a:xfrm>
           <a:prstGeom prst="ellipse">
@@ -6081,7 +5725,7 @@
         </p:nvCxnSpPr>
         <p:spPr>
           <a:xfrm rot="5400000" flipH="1" flipV="1">
-            <a:off x="3609111" y="3431378"/>
+            <a:off x="3609111" y="3782215"/>
             <a:ext cx="746522" cy="815340"/>
           </a:xfrm>
           <a:prstGeom prst="curvedConnector2">
@@ -6127,7 +5771,7 @@
         </p:nvCxnSpPr>
         <p:spPr>
           <a:xfrm rot="5400000" flipH="1" flipV="1">
-            <a:off x="5239791" y="2307666"/>
+            <a:off x="5239791" y="2658503"/>
             <a:ext cx="746522" cy="815340"/>
           </a:xfrm>
           <a:prstGeom prst="curvedConnector2">
@@ -6169,7 +5813,7 @@
         </p:nvSpPr>
         <p:spPr>
           <a:xfrm>
-            <a:off x="8944559" y="1960956"/>
+            <a:off x="8944559" y="2311793"/>
             <a:ext cx="1630680" cy="754380"/>
           </a:xfrm>
           <a:prstGeom prst="ellipse">
@@ -6236,7 +5880,7 @@
         </p:nvSpPr>
         <p:spPr>
           <a:xfrm>
-            <a:off x="8944559" y="4212309"/>
+            <a:off x="8944559" y="4563146"/>
             <a:ext cx="1630680" cy="754380"/>
           </a:xfrm>
           <a:prstGeom prst="ellipse">
@@ -6317,7 +5961,7 @@
         </p:nvCxnSpPr>
         <p:spPr>
           <a:xfrm flipV="1">
-            <a:off x="7651402" y="2338146"/>
+            <a:off x="7651403" y="2688984"/>
             <a:ext cx="1293157" cy="3929"/>
           </a:xfrm>
           <a:prstGeom prst="straightConnector1">
@@ -6363,7 +6007,7 @@
         </p:nvCxnSpPr>
         <p:spPr>
           <a:xfrm>
-            <a:off x="9759899" y="2715336"/>
+            <a:off x="9759899" y="3066174"/>
             <a:ext cx="0" cy="1496973"/>
           </a:xfrm>
           <a:prstGeom prst="straightConnector1">
@@ -6409,7 +6053,7 @@
         </p:nvCxnSpPr>
         <p:spPr>
           <a:xfrm flipH="1">
-            <a:off x="4390042" y="4589499"/>
+            <a:off x="4390043" y="4940336"/>
             <a:ext cx="4554517" cy="0"/>
           </a:xfrm>
           <a:prstGeom prst="straightConnector1">
@@ -6454,7 +6098,7 @@
         </p:nvCxnSpPr>
         <p:spPr>
           <a:xfrm>
-            <a:off x="5205382" y="3842977"/>
+            <a:off x="5205382" y="4193814"/>
             <a:ext cx="0" cy="746522"/>
           </a:xfrm>
           <a:prstGeom prst="straightConnector1">
@@ -6499,7 +6143,7 @@
         </p:nvCxnSpPr>
         <p:spPr>
           <a:xfrm>
-            <a:off x="6836062" y="2719265"/>
+            <a:off x="6836062" y="3070102"/>
             <a:ext cx="0" cy="1870234"/>
           </a:xfrm>
           <a:prstGeom prst="straightConnector1">
@@ -6541,7 +6185,7 @@
         </p:nvSpPr>
         <p:spPr>
           <a:xfrm>
-            <a:off x="8983950" y="1919235"/>
+            <a:off x="8983950" y="2270072"/>
             <a:ext cx="1553940" cy="854080"/>
           </a:xfrm>
           <a:prstGeom prst="rect">
@@ -6618,7 +6262,7 @@
         </p:nvSpPr>
         <p:spPr>
           <a:xfrm>
-            <a:off x="2929616" y="3795544"/>
+            <a:off x="2929617" y="4146382"/>
             <a:ext cx="1667307" cy="307777"/>
           </a:xfrm>
           <a:prstGeom prst="rect">
@@ -6662,7 +6306,7 @@
         </p:nvSpPr>
         <p:spPr>
           <a:xfrm>
-            <a:off x="4140586" y="2687489"/>
+            <a:off x="4140586" y="3038327"/>
             <a:ext cx="2211702" cy="307777"/>
           </a:xfrm>
           <a:prstGeom prst="rect">
@@ -6706,7 +6350,7 @@
         </p:nvSpPr>
         <p:spPr>
           <a:xfrm>
-            <a:off x="8944559" y="3321393"/>
+            <a:off x="8944560" y="3672231"/>
             <a:ext cx="1761541" cy="307777"/>
           </a:xfrm>
           <a:prstGeom prst="rect">
@@ -6750,7 +6394,7 @@
         </p:nvSpPr>
         <p:spPr>
           <a:xfrm>
-            <a:off x="8092593" y="1217956"/>
+            <a:off x="8092593" y="1568793"/>
             <a:ext cx="400110" cy="1870642"/>
           </a:xfrm>
           <a:prstGeom prst="rect">
@@ -6796,7 +6440,7 @@
         </p:nvCxnSpPr>
         <p:spPr>
           <a:xfrm rot="5400000" flipH="1" flipV="1">
-            <a:off x="1963885" y="4555090"/>
+            <a:off x="1963885" y="4905927"/>
             <a:ext cx="746522" cy="815340"/>
           </a:xfrm>
           <a:prstGeom prst="curvedConnector2">
@@ -6838,7 +6482,7 @@
         </p:nvSpPr>
         <p:spPr>
           <a:xfrm>
-            <a:off x="1072542" y="5326803"/>
+            <a:off x="1072543" y="5677641"/>
             <a:ext cx="2110495" cy="307777"/>
           </a:xfrm>
           <a:prstGeom prst="rect">
@@ -6882,7 +6526,7 @@
         </p:nvSpPr>
         <p:spPr>
           <a:xfrm>
-            <a:off x="6397152" y="2168869"/>
+            <a:off x="6397152" y="2519706"/>
             <a:ext cx="815340" cy="338554"/>
           </a:xfrm>
           <a:prstGeom prst="rect">
@@ -6898,9 +6542,6 @@
           <a:p>
             <a:r>
               <a:rPr lang="de-DE" sz="1600" dirty="0">
-                <a:solidFill>
-                  <a:schemeClr val="tx1"/>
-                </a:solidFill>
                 <a:latin typeface="LM Roman 10" pitchFamily="2" charset="77"/>
                 <a:cs typeface="Didot" panose="02000503000000020003" pitchFamily="2" charset="-79"/>
               </a:rPr>
@@ -6924,7 +6565,7 @@
         </p:nvSpPr>
         <p:spPr>
           <a:xfrm>
-            <a:off x="2916004" y="4372098"/>
+            <a:off x="2916005" y="4722935"/>
             <a:ext cx="1317397" cy="369332"/>
           </a:xfrm>
           <a:prstGeom prst="rect">
@@ -6939,10 +6580,7 @@
           <a:lstStyle/>
           <a:p>
             <a:r>
-              <a:rPr lang="de-DE" sz="1800" dirty="0">
-                <a:solidFill>
-                  <a:schemeClr val="tx1"/>
-                </a:solidFill>
+              <a:rPr lang="de-DE" dirty="0">
                 <a:latin typeface="LM Roman 10" pitchFamily="2" charset="77"/>
                 <a:cs typeface="Didot" panose="02000503000000020003" pitchFamily="2" charset="-79"/>
               </a:rPr>
@@ -6996,7 +6634,7 @@
         </p:nvSpPr>
         <p:spPr>
           <a:xfrm>
-            <a:off x="90197" y="149290"/>
+            <a:off x="90197" y="500127"/>
             <a:ext cx="12011608" cy="6559420"/>
           </a:xfrm>
           <a:prstGeom prst="roundRect">
@@ -7165,7 +6803,7 @@
         </p:nvSpPr>
         <p:spPr>
           <a:xfrm>
-            <a:off x="400881" y="522757"/>
+            <a:off x="400881" y="873594"/>
             <a:ext cx="11390238" cy="5812486"/>
           </a:xfrm>
           <a:prstGeom prst="roundRect">
@@ -7334,7 +6972,7 @@
         </p:nvSpPr>
         <p:spPr>
           <a:xfrm>
-            <a:off x="820633" y="867212"/>
+            <a:off x="820633" y="1218049"/>
             <a:ext cx="7585136" cy="5123576"/>
           </a:xfrm>
           <a:prstGeom prst="roundRect">
@@ -7503,7 +7141,7 @@
         </p:nvSpPr>
         <p:spPr>
           <a:xfrm>
-            <a:off x="153174" y="153425"/>
+            <a:off x="153175" y="504262"/>
             <a:ext cx="2820003" cy="338554"/>
           </a:xfrm>
           <a:prstGeom prst="rect">
@@ -7545,7 +7183,7 @@
         </p:nvSpPr>
         <p:spPr>
           <a:xfrm>
-            <a:off x="400881" y="510319"/>
+            <a:off x="400882" y="861156"/>
             <a:ext cx="2965877" cy="338554"/>
           </a:xfrm>
           <a:prstGeom prst="rect">
@@ -7587,7 +7225,7 @@
         </p:nvSpPr>
         <p:spPr>
           <a:xfrm>
-            <a:off x="820633" y="879401"/>
+            <a:off x="820633" y="1230238"/>
             <a:ext cx="2719014" cy="338554"/>
           </a:xfrm>
           <a:prstGeom prst="rect">
@@ -7629,7 +7267,7 @@
         </p:nvSpPr>
         <p:spPr>
           <a:xfrm>
-            <a:off x="2759362" y="4212309"/>
+            <a:off x="2759362" y="4563146"/>
             <a:ext cx="1630680" cy="754380"/>
           </a:xfrm>
           <a:prstGeom prst="ellipse">
@@ -7706,7 +7344,7 @@
         </p:nvSpPr>
         <p:spPr>
           <a:xfrm>
-            <a:off x="4390042" y="3088597"/>
+            <a:off x="4390042" y="3439434"/>
             <a:ext cx="1630680" cy="754380"/>
           </a:xfrm>
           <a:prstGeom prst="ellipse">
@@ -7783,7 +7421,7 @@
         </p:nvSpPr>
         <p:spPr>
           <a:xfrm>
-            <a:off x="6020722" y="1964885"/>
+            <a:off x="6020722" y="2315722"/>
             <a:ext cx="1630680" cy="754380"/>
           </a:xfrm>
           <a:prstGeom prst="ellipse">
@@ -7854,7 +7492,7 @@
         </p:nvCxnSpPr>
         <p:spPr>
           <a:xfrm rot="5400000" flipH="1" flipV="1">
-            <a:off x="3609111" y="3431378"/>
+            <a:off x="3609111" y="3782215"/>
             <a:ext cx="746522" cy="815340"/>
           </a:xfrm>
           <a:prstGeom prst="curvedConnector2">
@@ -7900,7 +7538,7 @@
         </p:nvCxnSpPr>
         <p:spPr>
           <a:xfrm rot="5400000" flipH="1" flipV="1">
-            <a:off x="5239791" y="2307666"/>
+            <a:off x="5239791" y="2658503"/>
             <a:ext cx="746522" cy="815340"/>
           </a:xfrm>
           <a:prstGeom prst="curvedConnector2">
@@ -7942,7 +7580,7 @@
         </p:nvSpPr>
         <p:spPr>
           <a:xfrm>
-            <a:off x="8944559" y="1960956"/>
+            <a:off x="8944559" y="2311793"/>
             <a:ext cx="1630680" cy="754380"/>
           </a:xfrm>
           <a:prstGeom prst="ellipse">
@@ -8009,7 +7647,7 @@
         </p:nvSpPr>
         <p:spPr>
           <a:xfrm>
-            <a:off x="8944559" y="4212309"/>
+            <a:off x="8944559" y="4563146"/>
             <a:ext cx="1630680" cy="754380"/>
           </a:xfrm>
           <a:prstGeom prst="ellipse">
@@ -8090,7 +7728,7 @@
         </p:nvCxnSpPr>
         <p:spPr>
           <a:xfrm flipV="1">
-            <a:off x="7651402" y="2338146"/>
+            <a:off x="7651403" y="2688984"/>
             <a:ext cx="1293157" cy="3929"/>
           </a:xfrm>
           <a:prstGeom prst="straightConnector1">
@@ -8136,7 +7774,7 @@
         </p:nvCxnSpPr>
         <p:spPr>
           <a:xfrm>
-            <a:off x="9759899" y="2715336"/>
+            <a:off x="9759899" y="3066174"/>
             <a:ext cx="0" cy="1496973"/>
           </a:xfrm>
           <a:prstGeom prst="straightConnector1">
@@ -8182,7 +7820,7 @@
         </p:nvCxnSpPr>
         <p:spPr>
           <a:xfrm flipH="1">
-            <a:off x="4390042" y="4589499"/>
+            <a:off x="4390043" y="4940336"/>
             <a:ext cx="4554517" cy="0"/>
           </a:xfrm>
           <a:prstGeom prst="straightConnector1">
@@ -8227,7 +7865,7 @@
         </p:nvCxnSpPr>
         <p:spPr>
           <a:xfrm>
-            <a:off x="5205382" y="3842977"/>
+            <a:off x="5205382" y="4193814"/>
             <a:ext cx="0" cy="746522"/>
           </a:xfrm>
           <a:prstGeom prst="straightConnector1">
@@ -8272,7 +7910,7 @@
         </p:nvCxnSpPr>
         <p:spPr>
           <a:xfrm>
-            <a:off x="6836062" y="2719265"/>
+            <a:off x="6836062" y="3070102"/>
             <a:ext cx="0" cy="1870234"/>
           </a:xfrm>
           <a:prstGeom prst="straightConnector1">
@@ -8314,7 +7952,7 @@
         </p:nvSpPr>
         <p:spPr>
           <a:xfrm>
-            <a:off x="8982929" y="1887231"/>
+            <a:off x="8982929" y="2238068"/>
             <a:ext cx="1553940" cy="854080"/>
           </a:xfrm>
           <a:prstGeom prst="rect">
@@ -8391,7 +8029,7 @@
         </p:nvSpPr>
         <p:spPr>
           <a:xfrm>
-            <a:off x="1822033" y="3795544"/>
+            <a:off x="1822034" y="4146382"/>
             <a:ext cx="1667307" cy="307777"/>
           </a:xfrm>
           <a:prstGeom prst="rect">
@@ -8435,7 +8073,7 @@
         </p:nvSpPr>
         <p:spPr>
           <a:xfrm>
-            <a:off x="3060414" y="2353534"/>
+            <a:off x="3060414" y="2704372"/>
             <a:ext cx="2211702" cy="307777"/>
           </a:xfrm>
           <a:prstGeom prst="rect">
@@ -8479,7 +8117,7 @@
         </p:nvSpPr>
         <p:spPr>
           <a:xfrm>
-            <a:off x="9949110" y="3321393"/>
+            <a:off x="9949111" y="3672231"/>
             <a:ext cx="1761541" cy="307777"/>
           </a:xfrm>
           <a:prstGeom prst="rect">
@@ -8523,7 +8161,7 @@
         </p:nvSpPr>
         <p:spPr>
           <a:xfrm>
-            <a:off x="8092593" y="848873"/>
+            <a:off x="8092594" y="1199711"/>
             <a:ext cx="615553" cy="1376839"/>
           </a:xfrm>
           <a:prstGeom prst="rect">
@@ -8578,7 +8216,7 @@
         </p:nvCxnSpPr>
         <p:spPr>
           <a:xfrm rot="5400000" flipH="1" flipV="1">
-            <a:off x="1963885" y="4555090"/>
+            <a:off x="1963885" y="4905927"/>
             <a:ext cx="746522" cy="815340"/>
           </a:xfrm>
           <a:prstGeom prst="curvedConnector2">
@@ -8620,7 +8258,7 @@
         </p:nvSpPr>
         <p:spPr>
           <a:xfrm>
-            <a:off x="1072542" y="5326803"/>
+            <a:off x="1072543" y="5677641"/>
             <a:ext cx="2110495" cy="307777"/>
           </a:xfrm>
           <a:prstGeom prst="rect">
@@ -8664,7 +8302,7 @@
         </p:nvSpPr>
         <p:spPr>
           <a:xfrm>
-            <a:off x="6397152" y="2168869"/>
+            <a:off x="6397152" y="2519706"/>
             <a:ext cx="815340" cy="338554"/>
           </a:xfrm>
           <a:prstGeom prst="rect">
@@ -8680,9 +8318,6 @@
           <a:p>
             <a:r>
               <a:rPr lang="de-DE" sz="1600" dirty="0">
-                <a:solidFill>
-                  <a:schemeClr val="tx1"/>
-                </a:solidFill>
                 <a:latin typeface="LM Roman 10" pitchFamily="2" charset="77"/>
                 <a:cs typeface="Didot" panose="02000503000000020003" pitchFamily="2" charset="-79"/>
               </a:rPr>
@@ -8706,7 +8341,7 @@
         </p:nvSpPr>
         <p:spPr>
           <a:xfrm>
-            <a:off x="2916004" y="4372098"/>
+            <a:off x="2916005" y="4722935"/>
             <a:ext cx="1317397" cy="369332"/>
           </a:xfrm>
           <a:prstGeom prst="rect">
@@ -8721,10 +8356,7 @@
           <a:lstStyle/>
           <a:p>
             <a:r>
-              <a:rPr lang="de-DE" sz="1800" dirty="0">
-                <a:solidFill>
-                  <a:schemeClr val="tx1"/>
-                </a:solidFill>
+              <a:rPr lang="de-DE" dirty="0">
                 <a:latin typeface="LM Roman 10" pitchFamily="2" charset="77"/>
                 <a:cs typeface="Didot" panose="02000503000000020003" pitchFamily="2" charset="-79"/>
               </a:rPr>
@@ -8750,7 +8382,7 @@
         </p:nvCxnSpPr>
         <p:spPr>
           <a:xfrm>
-            <a:off x="5383449" y="2386360"/>
+            <a:off x="5383450" y="2737198"/>
             <a:ext cx="132901" cy="367283"/>
           </a:xfrm>
           <a:prstGeom prst="line">
@@ -8793,7 +8425,7 @@
         </p:nvCxnSpPr>
         <p:spPr>
           <a:xfrm>
-            <a:off x="5472032" y="2318038"/>
+            <a:off x="5472033" y="2668876"/>
             <a:ext cx="132901" cy="367283"/>
           </a:xfrm>
           <a:prstGeom prst="line">
@@ -8859,7 +8491,7 @@
         </p:nvSpPr>
         <p:spPr>
           <a:xfrm>
-            <a:off x="90197" y="149290"/>
+            <a:off x="90197" y="500127"/>
             <a:ext cx="12011608" cy="6559420"/>
           </a:xfrm>
           <a:prstGeom prst="roundRect">
@@ -9028,7 +8660,7 @@
         </p:nvSpPr>
         <p:spPr>
           <a:xfrm>
-            <a:off x="400881" y="522757"/>
+            <a:off x="400881" y="873594"/>
             <a:ext cx="11390238" cy="5812486"/>
           </a:xfrm>
           <a:prstGeom prst="roundRect">
@@ -9197,7 +8829,7 @@
         </p:nvSpPr>
         <p:spPr>
           <a:xfrm>
-            <a:off x="820633" y="867212"/>
+            <a:off x="820633" y="1218049"/>
             <a:ext cx="7585136" cy="5123576"/>
           </a:xfrm>
           <a:prstGeom prst="roundRect">
@@ -9366,7 +8998,7 @@
         </p:nvSpPr>
         <p:spPr>
           <a:xfrm>
-            <a:off x="153174" y="153425"/>
+            <a:off x="153175" y="504262"/>
             <a:ext cx="2820003" cy="338554"/>
           </a:xfrm>
           <a:prstGeom prst="rect">
@@ -9408,7 +9040,7 @@
         </p:nvSpPr>
         <p:spPr>
           <a:xfrm>
-            <a:off x="400881" y="510319"/>
+            <a:off x="400882" y="861156"/>
             <a:ext cx="2965877" cy="338554"/>
           </a:xfrm>
           <a:prstGeom prst="rect">
@@ -9450,7 +9082,7 @@
         </p:nvSpPr>
         <p:spPr>
           <a:xfrm>
-            <a:off x="820633" y="879401"/>
+            <a:off x="820633" y="1230238"/>
             <a:ext cx="2719014" cy="338554"/>
           </a:xfrm>
           <a:prstGeom prst="rect">
@@ -9492,7 +9124,7 @@
         </p:nvSpPr>
         <p:spPr>
           <a:xfrm>
-            <a:off x="2759362" y="4212309"/>
+            <a:off x="2759362" y="4563146"/>
             <a:ext cx="1630680" cy="754380"/>
           </a:xfrm>
           <a:prstGeom prst="ellipse">
@@ -9569,7 +9201,7 @@
         </p:nvSpPr>
         <p:spPr>
           <a:xfrm>
-            <a:off x="4390042" y="3088597"/>
+            <a:off x="4390042" y="3439434"/>
             <a:ext cx="1630680" cy="754380"/>
           </a:xfrm>
           <a:prstGeom prst="ellipse">
@@ -9646,7 +9278,7 @@
         </p:nvSpPr>
         <p:spPr>
           <a:xfrm>
-            <a:off x="6020722" y="1964885"/>
+            <a:off x="6020722" y="2315722"/>
             <a:ext cx="1630680" cy="754380"/>
           </a:xfrm>
           <a:prstGeom prst="ellipse">
@@ -9717,7 +9349,7 @@
         </p:nvCxnSpPr>
         <p:spPr>
           <a:xfrm rot="5400000" flipH="1" flipV="1">
-            <a:off x="3609111" y="3431378"/>
+            <a:off x="3609111" y="3782215"/>
             <a:ext cx="746522" cy="815340"/>
           </a:xfrm>
           <a:prstGeom prst="curvedConnector2">
@@ -9763,7 +9395,7 @@
         </p:nvCxnSpPr>
         <p:spPr>
           <a:xfrm rot="5400000" flipH="1" flipV="1">
-            <a:off x="5239791" y="2307666"/>
+            <a:off x="5239791" y="2658503"/>
             <a:ext cx="746522" cy="815340"/>
           </a:xfrm>
           <a:prstGeom prst="curvedConnector2">
@@ -9805,7 +9437,7 @@
         </p:nvSpPr>
         <p:spPr>
           <a:xfrm>
-            <a:off x="8944559" y="1960956"/>
+            <a:off x="8944559" y="2311793"/>
             <a:ext cx="1630680" cy="754380"/>
           </a:xfrm>
           <a:prstGeom prst="ellipse">
@@ -9872,7 +9504,7 @@
         </p:nvSpPr>
         <p:spPr>
           <a:xfrm>
-            <a:off x="8944559" y="4212309"/>
+            <a:off x="8944559" y="4563146"/>
             <a:ext cx="1630680" cy="754380"/>
           </a:xfrm>
           <a:prstGeom prst="ellipse">
@@ -9953,7 +9585,7 @@
         </p:nvCxnSpPr>
         <p:spPr>
           <a:xfrm flipV="1">
-            <a:off x="7651402" y="2338146"/>
+            <a:off x="7651403" y="2688984"/>
             <a:ext cx="1293157" cy="3929"/>
           </a:xfrm>
           <a:prstGeom prst="straightConnector1">
@@ -9999,7 +9631,7 @@
         </p:nvCxnSpPr>
         <p:spPr>
           <a:xfrm>
-            <a:off x="9759899" y="2715336"/>
+            <a:off x="9759899" y="3066174"/>
             <a:ext cx="0" cy="1496973"/>
           </a:xfrm>
           <a:prstGeom prst="straightConnector1">
@@ -10045,7 +9677,7 @@
         </p:nvCxnSpPr>
         <p:spPr>
           <a:xfrm flipH="1">
-            <a:off x="4390042" y="4589499"/>
+            <a:off x="4390043" y="4940336"/>
             <a:ext cx="4554517" cy="0"/>
           </a:xfrm>
           <a:prstGeom prst="straightConnector1">
@@ -10090,7 +9722,7 @@
         </p:nvCxnSpPr>
         <p:spPr>
           <a:xfrm>
-            <a:off x="5205382" y="3842977"/>
+            <a:off x="5205382" y="4193814"/>
             <a:ext cx="0" cy="746522"/>
           </a:xfrm>
           <a:prstGeom prst="straightConnector1">
@@ -10135,7 +9767,7 @@
         </p:nvCxnSpPr>
         <p:spPr>
           <a:xfrm>
-            <a:off x="6836062" y="2719265"/>
+            <a:off x="6836062" y="3070102"/>
             <a:ext cx="0" cy="1870234"/>
           </a:xfrm>
           <a:prstGeom prst="straightConnector1">
@@ -10177,7 +9809,7 @@
         </p:nvSpPr>
         <p:spPr>
           <a:xfrm>
-            <a:off x="8982929" y="1887231"/>
+            <a:off x="8982929" y="2238068"/>
             <a:ext cx="1553940" cy="854080"/>
           </a:xfrm>
           <a:prstGeom prst="rect">
@@ -10254,7 +9886,7 @@
         </p:nvSpPr>
         <p:spPr>
           <a:xfrm>
-            <a:off x="2132375" y="3548324"/>
+            <a:off x="2132375" y="3899162"/>
             <a:ext cx="1450292" cy="307777"/>
           </a:xfrm>
           <a:prstGeom prst="rect">
@@ -10298,7 +9930,7 @@
         </p:nvSpPr>
         <p:spPr>
           <a:xfrm>
-            <a:off x="3060414" y="2353534"/>
+            <a:off x="3060414" y="2704372"/>
             <a:ext cx="2211702" cy="307777"/>
           </a:xfrm>
           <a:prstGeom prst="rect">
@@ -10342,7 +9974,7 @@
         </p:nvSpPr>
         <p:spPr>
           <a:xfrm>
-            <a:off x="9949110" y="3321393"/>
+            <a:off x="9949111" y="3672231"/>
             <a:ext cx="1761541" cy="307777"/>
           </a:xfrm>
           <a:prstGeom prst="rect">
@@ -10386,7 +10018,7 @@
         </p:nvSpPr>
         <p:spPr>
           <a:xfrm>
-            <a:off x="8094141" y="616852"/>
+            <a:off x="8094142" y="967690"/>
             <a:ext cx="615553" cy="1376839"/>
           </a:xfrm>
           <a:prstGeom prst="rect">
@@ -10441,7 +10073,7 @@
         </p:nvCxnSpPr>
         <p:spPr>
           <a:xfrm rot="5400000" flipH="1" flipV="1">
-            <a:off x="1963885" y="4555090"/>
+            <a:off x="1963885" y="4905927"/>
             <a:ext cx="746522" cy="815340"/>
           </a:xfrm>
           <a:prstGeom prst="curvedConnector2">
@@ -10483,7 +10115,7 @@
         </p:nvSpPr>
         <p:spPr>
           <a:xfrm>
-            <a:off x="1072542" y="5326803"/>
+            <a:off x="1072543" y="5677641"/>
             <a:ext cx="2110495" cy="307777"/>
           </a:xfrm>
           <a:prstGeom prst="rect">
@@ -10527,7 +10159,7 @@
         </p:nvSpPr>
         <p:spPr>
           <a:xfrm>
-            <a:off x="6397152" y="2168869"/>
+            <a:off x="6397152" y="2519706"/>
             <a:ext cx="815340" cy="338554"/>
           </a:xfrm>
           <a:prstGeom prst="rect">
@@ -10543,9 +10175,6 @@
           <a:p>
             <a:r>
               <a:rPr lang="de-DE" sz="1600" dirty="0">
-                <a:solidFill>
-                  <a:schemeClr val="tx1"/>
-                </a:solidFill>
                 <a:latin typeface="LM Roman 10" pitchFamily="2" charset="77"/>
                 <a:cs typeface="Didot" panose="02000503000000020003" pitchFamily="2" charset="-79"/>
               </a:rPr>
@@ -10569,7 +10198,7 @@
         </p:nvSpPr>
         <p:spPr>
           <a:xfrm>
-            <a:off x="2916004" y="4372098"/>
+            <a:off x="2916005" y="4722935"/>
             <a:ext cx="1317397" cy="369332"/>
           </a:xfrm>
           <a:prstGeom prst="rect">
@@ -10584,10 +10213,7 @@
           <a:lstStyle/>
           <a:p>
             <a:r>
-              <a:rPr lang="de-DE" sz="1800" dirty="0">
-                <a:solidFill>
-                  <a:schemeClr val="tx1"/>
-                </a:solidFill>
+              <a:rPr lang="de-DE" dirty="0">
                 <a:latin typeface="LM Roman 10" pitchFamily="2" charset="77"/>
                 <a:cs typeface="Didot" panose="02000503000000020003" pitchFamily="2" charset="-79"/>
               </a:rPr>
@@ -10613,7 +10239,7 @@
         </p:nvCxnSpPr>
         <p:spPr>
           <a:xfrm>
-            <a:off x="5383449" y="2386360"/>
+            <a:off x="5383450" y="2737198"/>
             <a:ext cx="132901" cy="367283"/>
           </a:xfrm>
           <a:prstGeom prst="line">
@@ -10656,7 +10282,7 @@
         </p:nvCxnSpPr>
         <p:spPr>
           <a:xfrm>
-            <a:off x="5472032" y="2318038"/>
+            <a:off x="5472033" y="2668876"/>
             <a:ext cx="132901" cy="367283"/>
           </a:xfrm>
           <a:prstGeom prst="line">
@@ -10694,7 +10320,7 @@
         </p:nvCxnSpPr>
         <p:spPr>
           <a:xfrm>
-            <a:off x="3753689" y="3524952"/>
+            <a:off x="3753690" y="3875790"/>
             <a:ext cx="132901" cy="367283"/>
           </a:xfrm>
           <a:prstGeom prst="line">
@@ -10732,7 +10358,7 @@
         </p:nvCxnSpPr>
         <p:spPr>
           <a:xfrm>
-            <a:off x="3647004" y="3581490"/>
+            <a:off x="3647005" y="3932328"/>
             <a:ext cx="132901" cy="367283"/>
           </a:xfrm>
           <a:prstGeom prst="line">
@@ -10770,7 +10396,7 @@
         </p:nvCxnSpPr>
         <p:spPr>
           <a:xfrm>
-            <a:off x="8188898" y="2152391"/>
+            <a:off x="8188899" y="2503229"/>
             <a:ext cx="132901" cy="367283"/>
           </a:xfrm>
           <a:prstGeom prst="line">
@@ -10813,7 +10439,7 @@
         </p:nvCxnSpPr>
         <p:spPr>
           <a:xfrm>
-            <a:off x="8314853" y="2143508"/>
+            <a:off x="8314854" y="2494346"/>
             <a:ext cx="132901" cy="367283"/>
           </a:xfrm>
           <a:prstGeom prst="line">
@@ -10884,7 +10510,7 @@
         </p:nvSpPr>
         <p:spPr>
           <a:xfrm>
-            <a:off x="90197" y="149290"/>
+            <a:off x="90197" y="500127"/>
             <a:ext cx="12011608" cy="6559420"/>
           </a:xfrm>
           <a:prstGeom prst="roundRect">
@@ -11053,7 +10679,7 @@
         </p:nvSpPr>
         <p:spPr>
           <a:xfrm>
-            <a:off x="400881" y="522757"/>
+            <a:off x="400881" y="873594"/>
             <a:ext cx="11390238" cy="5812486"/>
           </a:xfrm>
           <a:prstGeom prst="roundRect">
@@ -11222,7 +10848,7 @@
         </p:nvSpPr>
         <p:spPr>
           <a:xfrm>
-            <a:off x="820633" y="867212"/>
+            <a:off x="820633" y="1218049"/>
             <a:ext cx="7585136" cy="5123576"/>
           </a:xfrm>
           <a:prstGeom prst="roundRect">
@@ -11391,7 +11017,7 @@
         </p:nvSpPr>
         <p:spPr>
           <a:xfrm>
-            <a:off x="153174" y="153425"/>
+            <a:off x="153175" y="504262"/>
             <a:ext cx="2820003" cy="338554"/>
           </a:xfrm>
           <a:prstGeom prst="rect">
@@ -11433,7 +11059,7 @@
         </p:nvSpPr>
         <p:spPr>
           <a:xfrm>
-            <a:off x="400881" y="510319"/>
+            <a:off x="400882" y="861156"/>
             <a:ext cx="2965877" cy="338554"/>
           </a:xfrm>
           <a:prstGeom prst="rect">
@@ -11475,7 +11101,7 @@
         </p:nvSpPr>
         <p:spPr>
           <a:xfrm>
-            <a:off x="820633" y="879401"/>
+            <a:off x="820633" y="1230238"/>
             <a:ext cx="2719014" cy="338554"/>
           </a:xfrm>
           <a:prstGeom prst="rect">
@@ -11517,7 +11143,7 @@
         </p:nvSpPr>
         <p:spPr>
           <a:xfrm>
-            <a:off x="2759362" y="4212309"/>
+            <a:off x="2759362" y="4563146"/>
             <a:ext cx="1630680" cy="754380"/>
           </a:xfrm>
           <a:prstGeom prst="ellipse">
@@ -11594,7 +11220,7 @@
         </p:nvSpPr>
         <p:spPr>
           <a:xfrm>
-            <a:off x="4390042" y="3088597"/>
+            <a:off x="4390042" y="3439434"/>
             <a:ext cx="1630680" cy="754380"/>
           </a:xfrm>
           <a:prstGeom prst="ellipse">
@@ -11671,7 +11297,7 @@
         </p:nvSpPr>
         <p:spPr>
           <a:xfrm>
-            <a:off x="6020722" y="1964885"/>
+            <a:off x="6020722" y="2315722"/>
             <a:ext cx="1630680" cy="754380"/>
           </a:xfrm>
           <a:prstGeom prst="ellipse">
@@ -11742,7 +11368,7 @@
         </p:nvCxnSpPr>
         <p:spPr>
           <a:xfrm rot="5400000" flipH="1" flipV="1">
-            <a:off x="3609111" y="3431378"/>
+            <a:off x="3609111" y="3782215"/>
             <a:ext cx="746522" cy="815340"/>
           </a:xfrm>
           <a:prstGeom prst="curvedConnector2">
@@ -11788,7 +11414,7 @@
         </p:nvCxnSpPr>
         <p:spPr>
           <a:xfrm rot="5400000" flipH="1" flipV="1">
-            <a:off x="5239791" y="2307666"/>
+            <a:off x="5239791" y="2658503"/>
             <a:ext cx="746522" cy="815340"/>
           </a:xfrm>
           <a:prstGeom prst="curvedConnector2">
@@ -11830,7 +11456,7 @@
         </p:nvSpPr>
         <p:spPr>
           <a:xfrm>
-            <a:off x="8944559" y="1960956"/>
+            <a:off x="8944559" y="2311793"/>
             <a:ext cx="1630680" cy="754380"/>
           </a:xfrm>
           <a:prstGeom prst="ellipse">
@@ -11897,7 +11523,7 @@
         </p:nvSpPr>
         <p:spPr>
           <a:xfrm>
-            <a:off x="8944559" y="4212309"/>
+            <a:off x="8944559" y="4563146"/>
             <a:ext cx="1630680" cy="754380"/>
           </a:xfrm>
           <a:prstGeom prst="ellipse">
@@ -11978,7 +11604,7 @@
         </p:nvCxnSpPr>
         <p:spPr>
           <a:xfrm flipV="1">
-            <a:off x="7651402" y="2338146"/>
+            <a:off x="7651403" y="2688984"/>
             <a:ext cx="1293157" cy="3929"/>
           </a:xfrm>
           <a:prstGeom prst="straightConnector1">
@@ -12024,7 +11650,7 @@
         </p:nvCxnSpPr>
         <p:spPr>
           <a:xfrm>
-            <a:off x="9759899" y="2715336"/>
+            <a:off x="9759899" y="3066174"/>
             <a:ext cx="0" cy="1496973"/>
           </a:xfrm>
           <a:prstGeom prst="straightConnector1">
@@ -12070,7 +11696,7 @@
         </p:nvCxnSpPr>
         <p:spPr>
           <a:xfrm flipH="1">
-            <a:off x="4390042" y="4589499"/>
+            <a:off x="4390043" y="4940336"/>
             <a:ext cx="4554517" cy="0"/>
           </a:xfrm>
           <a:prstGeom prst="straightConnector1">
@@ -12115,7 +11741,7 @@
         </p:nvCxnSpPr>
         <p:spPr>
           <a:xfrm>
-            <a:off x="5205382" y="3842977"/>
+            <a:off x="5205382" y="4193814"/>
             <a:ext cx="0" cy="746522"/>
           </a:xfrm>
           <a:prstGeom prst="straightConnector1">
@@ -12160,7 +11786,7 @@
         </p:nvCxnSpPr>
         <p:spPr>
           <a:xfrm>
-            <a:off x="6836062" y="2719265"/>
+            <a:off x="6836062" y="3070102"/>
             <a:ext cx="0" cy="1870234"/>
           </a:xfrm>
           <a:prstGeom prst="straightConnector1">
@@ -12202,7 +11828,7 @@
         </p:nvSpPr>
         <p:spPr>
           <a:xfrm>
-            <a:off x="8982929" y="1887231"/>
+            <a:off x="8982929" y="2238068"/>
             <a:ext cx="1553940" cy="854080"/>
           </a:xfrm>
           <a:prstGeom prst="rect">
@@ -12279,7 +11905,7 @@
         </p:nvSpPr>
         <p:spPr>
           <a:xfrm>
-            <a:off x="1822033" y="3795544"/>
+            <a:off x="1822034" y="4146382"/>
             <a:ext cx="1667307" cy="307777"/>
           </a:xfrm>
           <a:prstGeom prst="rect">
@@ -12323,7 +11949,7 @@
         </p:nvSpPr>
         <p:spPr>
           <a:xfrm>
-            <a:off x="3060414" y="2353534"/>
+            <a:off x="3060414" y="2704372"/>
             <a:ext cx="2211702" cy="307777"/>
           </a:xfrm>
           <a:prstGeom prst="rect">
@@ -12367,7 +11993,7 @@
         </p:nvSpPr>
         <p:spPr>
           <a:xfrm>
-            <a:off x="9949110" y="3321393"/>
+            <a:off x="9949111" y="3672231"/>
             <a:ext cx="1761541" cy="307777"/>
           </a:xfrm>
           <a:prstGeom prst="rect">
@@ -12411,7 +12037,7 @@
         </p:nvSpPr>
         <p:spPr>
           <a:xfrm>
-            <a:off x="8092593" y="848873"/>
+            <a:off x="8092594" y="1199711"/>
             <a:ext cx="615553" cy="1376839"/>
           </a:xfrm>
           <a:prstGeom prst="rect">
@@ -12466,7 +12092,7 @@
         </p:nvCxnSpPr>
         <p:spPr>
           <a:xfrm rot="5400000" flipH="1" flipV="1">
-            <a:off x="1963885" y="4555090"/>
+            <a:off x="1963885" y="4905927"/>
             <a:ext cx="746522" cy="815340"/>
           </a:xfrm>
           <a:prstGeom prst="curvedConnector2">
@@ -12508,7 +12134,7 @@
         </p:nvSpPr>
         <p:spPr>
           <a:xfrm>
-            <a:off x="1072542" y="5326803"/>
+            <a:off x="1072543" y="5677641"/>
             <a:ext cx="2110495" cy="307777"/>
           </a:xfrm>
           <a:prstGeom prst="rect">
@@ -12552,7 +12178,7 @@
         </p:nvSpPr>
         <p:spPr>
           <a:xfrm>
-            <a:off x="6397152" y="2168869"/>
+            <a:off x="6397152" y="2519706"/>
             <a:ext cx="815340" cy="338554"/>
           </a:xfrm>
           <a:prstGeom prst="rect">
@@ -12568,9 +12194,6 @@
           <a:p>
             <a:r>
               <a:rPr lang="de-DE" sz="1600" dirty="0">
-                <a:solidFill>
-                  <a:schemeClr val="tx1"/>
-                </a:solidFill>
                 <a:latin typeface="LM Roman 10" pitchFamily="2" charset="77"/>
                 <a:cs typeface="Didot" panose="02000503000000020003" pitchFamily="2" charset="-79"/>
               </a:rPr>
@@ -12594,7 +12217,7 @@
         </p:nvSpPr>
         <p:spPr>
           <a:xfrm>
-            <a:off x="2916004" y="4372098"/>
+            <a:off x="2916005" y="4722935"/>
             <a:ext cx="1317397" cy="369332"/>
           </a:xfrm>
           <a:prstGeom prst="rect">
@@ -12609,10 +12232,7 @@
           <a:lstStyle/>
           <a:p>
             <a:r>
-              <a:rPr lang="de-DE" sz="1800" dirty="0">
-                <a:solidFill>
-                  <a:schemeClr val="tx1"/>
-                </a:solidFill>
+              <a:rPr lang="de-DE" dirty="0">
                 <a:latin typeface="LM Roman 10" pitchFamily="2" charset="77"/>
                 <a:cs typeface="Didot" panose="02000503000000020003" pitchFamily="2" charset="-79"/>
               </a:rPr>
@@ -12638,7 +12258,7 @@
         </p:nvCxnSpPr>
         <p:spPr>
           <a:xfrm>
-            <a:off x="5383449" y="2386360"/>
+            <a:off x="5383450" y="2737198"/>
             <a:ext cx="132901" cy="367283"/>
           </a:xfrm>
           <a:prstGeom prst="line">
@@ -12681,7 +12301,7 @@
         </p:nvCxnSpPr>
         <p:spPr>
           <a:xfrm>
-            <a:off x="5472032" y="2318038"/>
+            <a:off x="5472033" y="2668876"/>
             <a:ext cx="132901" cy="367283"/>
           </a:xfrm>
           <a:prstGeom prst="line">
@@ -12747,7 +12367,7 @@
         </p:nvSpPr>
         <p:spPr>
           <a:xfrm>
-            <a:off x="90197" y="149290"/>
+            <a:off x="90197" y="500127"/>
             <a:ext cx="12011608" cy="6559420"/>
           </a:xfrm>
           <a:prstGeom prst="roundRect">
@@ -12916,7 +12536,7 @@
         </p:nvSpPr>
         <p:spPr>
           <a:xfrm>
-            <a:off x="400881" y="522757"/>
+            <a:off x="400881" y="873594"/>
             <a:ext cx="11390238" cy="5812486"/>
           </a:xfrm>
           <a:prstGeom prst="roundRect">
@@ -13085,7 +12705,7 @@
         </p:nvSpPr>
         <p:spPr>
           <a:xfrm>
-            <a:off x="820633" y="867212"/>
+            <a:off x="820633" y="1218049"/>
             <a:ext cx="7585136" cy="5123576"/>
           </a:xfrm>
           <a:prstGeom prst="roundRect">
@@ -13254,7 +12874,7 @@
         </p:nvSpPr>
         <p:spPr>
           <a:xfrm>
-            <a:off x="153174" y="153425"/>
+            <a:off x="153175" y="504262"/>
             <a:ext cx="2820003" cy="338554"/>
           </a:xfrm>
           <a:prstGeom prst="rect">
@@ -13296,7 +12916,7 @@
         </p:nvSpPr>
         <p:spPr>
           <a:xfrm>
-            <a:off x="400881" y="510319"/>
+            <a:off x="400882" y="861156"/>
             <a:ext cx="2965877" cy="338554"/>
           </a:xfrm>
           <a:prstGeom prst="rect">
@@ -13338,7 +12958,7 @@
         </p:nvSpPr>
         <p:spPr>
           <a:xfrm>
-            <a:off x="820633" y="879401"/>
+            <a:off x="820633" y="1230238"/>
             <a:ext cx="2719014" cy="338554"/>
           </a:xfrm>
           <a:prstGeom prst="rect">
@@ -13380,7 +13000,7 @@
         </p:nvSpPr>
         <p:spPr>
           <a:xfrm>
-            <a:off x="2759362" y="4212309"/>
+            <a:off x="2759362" y="4563146"/>
             <a:ext cx="1630680" cy="754380"/>
           </a:xfrm>
           <a:prstGeom prst="ellipse">
@@ -13457,7 +13077,7 @@
         </p:nvSpPr>
         <p:spPr>
           <a:xfrm>
-            <a:off x="4390042" y="3088597"/>
+            <a:off x="4390042" y="3439434"/>
             <a:ext cx="1630680" cy="754380"/>
           </a:xfrm>
           <a:prstGeom prst="ellipse">
@@ -13534,7 +13154,7 @@
         </p:nvSpPr>
         <p:spPr>
           <a:xfrm>
-            <a:off x="6020722" y="1964885"/>
+            <a:off x="6020722" y="2315722"/>
             <a:ext cx="1630680" cy="754380"/>
           </a:xfrm>
           <a:prstGeom prst="ellipse">
@@ -13605,7 +13225,7 @@
         </p:nvCxnSpPr>
         <p:spPr>
           <a:xfrm rot="5400000" flipH="1" flipV="1">
-            <a:off x="3609111" y="3431378"/>
+            <a:off x="3609111" y="3782215"/>
             <a:ext cx="746522" cy="815340"/>
           </a:xfrm>
           <a:prstGeom prst="curvedConnector2">
@@ -13651,7 +13271,7 @@
         </p:nvCxnSpPr>
         <p:spPr>
           <a:xfrm rot="5400000" flipH="1" flipV="1">
-            <a:off x="5239791" y="2307666"/>
+            <a:off x="5239791" y="2658503"/>
             <a:ext cx="746522" cy="815340"/>
           </a:xfrm>
           <a:prstGeom prst="curvedConnector2">
@@ -13693,7 +13313,7 @@
         </p:nvSpPr>
         <p:spPr>
           <a:xfrm>
-            <a:off x="8944559" y="1960956"/>
+            <a:off x="8944559" y="2311793"/>
             <a:ext cx="1630680" cy="754380"/>
           </a:xfrm>
           <a:prstGeom prst="ellipse">
@@ -13760,7 +13380,7 @@
         </p:nvSpPr>
         <p:spPr>
           <a:xfrm>
-            <a:off x="8944559" y="4212309"/>
+            <a:off x="8944559" y="4563146"/>
             <a:ext cx="1630680" cy="754380"/>
           </a:xfrm>
           <a:prstGeom prst="ellipse">
@@ -13841,7 +13461,7 @@
         </p:nvCxnSpPr>
         <p:spPr>
           <a:xfrm flipV="1">
-            <a:off x="7651402" y="2338146"/>
+            <a:off x="7651403" y="2688984"/>
             <a:ext cx="1293157" cy="3929"/>
           </a:xfrm>
           <a:prstGeom prst="straightConnector1">
@@ -13887,7 +13507,7 @@
         </p:nvCxnSpPr>
         <p:spPr>
           <a:xfrm>
-            <a:off x="9759899" y="2715336"/>
+            <a:off x="9759899" y="3066174"/>
             <a:ext cx="0" cy="1496973"/>
           </a:xfrm>
           <a:prstGeom prst="straightConnector1">
@@ -13933,7 +13553,7 @@
         </p:nvCxnSpPr>
         <p:spPr>
           <a:xfrm flipH="1">
-            <a:off x="4390042" y="4589499"/>
+            <a:off x="4390043" y="4940336"/>
             <a:ext cx="4554517" cy="0"/>
           </a:xfrm>
           <a:prstGeom prst="straightConnector1">
@@ -13978,7 +13598,7 @@
         </p:nvCxnSpPr>
         <p:spPr>
           <a:xfrm>
-            <a:off x="5205382" y="3842977"/>
+            <a:off x="5205382" y="4193814"/>
             <a:ext cx="0" cy="746522"/>
           </a:xfrm>
           <a:prstGeom prst="straightConnector1">
@@ -14023,7 +13643,7 @@
         </p:nvCxnSpPr>
         <p:spPr>
           <a:xfrm>
-            <a:off x="6836062" y="2719265"/>
+            <a:off x="6836062" y="3070102"/>
             <a:ext cx="0" cy="1870234"/>
           </a:xfrm>
           <a:prstGeom prst="straightConnector1">
@@ -14065,7 +13685,7 @@
         </p:nvSpPr>
         <p:spPr>
           <a:xfrm>
-            <a:off x="8982929" y="1887231"/>
+            <a:off x="8982929" y="2238068"/>
             <a:ext cx="1553940" cy="854080"/>
           </a:xfrm>
           <a:prstGeom prst="rect">
@@ -14142,7 +13762,7 @@
         </p:nvSpPr>
         <p:spPr>
           <a:xfrm>
-            <a:off x="1822033" y="3795544"/>
+            <a:off x="1822034" y="4146382"/>
             <a:ext cx="1667307" cy="307777"/>
           </a:xfrm>
           <a:prstGeom prst="rect">
@@ -14186,7 +13806,7 @@
         </p:nvSpPr>
         <p:spPr>
           <a:xfrm>
-            <a:off x="3060414" y="2353534"/>
+            <a:off x="3060414" y="2704372"/>
             <a:ext cx="2211702" cy="307777"/>
           </a:xfrm>
           <a:prstGeom prst="rect">
@@ -14230,7 +13850,7 @@
         </p:nvSpPr>
         <p:spPr>
           <a:xfrm>
-            <a:off x="9949110" y="3321393"/>
+            <a:off x="9949111" y="3672231"/>
             <a:ext cx="1761541" cy="307777"/>
           </a:xfrm>
           <a:prstGeom prst="rect">
@@ -14274,7 +13894,7 @@
         </p:nvSpPr>
         <p:spPr>
           <a:xfrm>
-            <a:off x="8092593" y="848873"/>
+            <a:off x="8092594" y="1199711"/>
             <a:ext cx="615553" cy="1376839"/>
           </a:xfrm>
           <a:prstGeom prst="rect">
@@ -14329,7 +13949,7 @@
         </p:nvCxnSpPr>
         <p:spPr>
           <a:xfrm rot="5400000" flipH="1" flipV="1">
-            <a:off x="1963885" y="4555090"/>
+            <a:off x="1963885" y="4905927"/>
             <a:ext cx="746522" cy="815340"/>
           </a:xfrm>
           <a:prstGeom prst="curvedConnector2">
@@ -14371,7 +13991,7 @@
         </p:nvSpPr>
         <p:spPr>
           <a:xfrm>
-            <a:off x="1072542" y="5326803"/>
+            <a:off x="1072543" y="5677641"/>
             <a:ext cx="2110495" cy="307777"/>
           </a:xfrm>
           <a:prstGeom prst="rect">
@@ -14415,7 +14035,7 @@
         </p:nvSpPr>
         <p:spPr>
           <a:xfrm>
-            <a:off x="6397152" y="2168869"/>
+            <a:off x="6397152" y="2519706"/>
             <a:ext cx="815340" cy="338554"/>
           </a:xfrm>
           <a:prstGeom prst="rect">
@@ -14431,9 +14051,6 @@
           <a:p>
             <a:r>
               <a:rPr lang="de-DE" sz="1600" dirty="0">
-                <a:solidFill>
-                  <a:schemeClr val="tx1"/>
-                </a:solidFill>
                 <a:latin typeface="LM Roman 10" pitchFamily="2" charset="77"/>
                 <a:cs typeface="Didot" panose="02000503000000020003" pitchFamily="2" charset="-79"/>
               </a:rPr>
@@ -14457,7 +14074,7 @@
         </p:nvSpPr>
         <p:spPr>
           <a:xfrm>
-            <a:off x="2916004" y="4372098"/>
+            <a:off x="2916005" y="4722935"/>
             <a:ext cx="1317397" cy="369332"/>
           </a:xfrm>
           <a:prstGeom prst="rect">
@@ -14472,10 +14089,7 @@
           <a:lstStyle/>
           <a:p>
             <a:r>
-              <a:rPr lang="de-DE" sz="1800" dirty="0">
-                <a:solidFill>
-                  <a:schemeClr val="tx1"/>
-                </a:solidFill>
+              <a:rPr lang="de-DE" dirty="0">
                 <a:latin typeface="LM Roman 10" pitchFamily="2" charset="77"/>
                 <a:cs typeface="Didot" panose="02000503000000020003" pitchFamily="2" charset="-79"/>
               </a:rPr>
@@ -14501,7 +14115,7 @@
         </p:nvCxnSpPr>
         <p:spPr>
           <a:xfrm>
-            <a:off x="5383449" y="2386360"/>
+            <a:off x="5383450" y="2737198"/>
             <a:ext cx="132901" cy="367283"/>
           </a:xfrm>
           <a:prstGeom prst="line">
@@ -14544,7 +14158,7 @@
         </p:nvCxnSpPr>
         <p:spPr>
           <a:xfrm>
-            <a:off x="5472032" y="2318038"/>
+            <a:off x="5472033" y="2668876"/>
             <a:ext cx="132901" cy="367283"/>
           </a:xfrm>
           <a:prstGeom prst="line">
@@ -14580,7 +14194,7 @@
 </file>
 
 <file path=ppt/slides/slide2.xml><?xml version="1.0" encoding="utf-8"?>
-<p:sld xmlns:a="http://schemas.openxmlformats.org/drawingml/2006/main" xmlns:r="http://schemas.openxmlformats.org/officeDocument/2006/relationships" xmlns:p="http://schemas.openxmlformats.org/presentationml/2006/main">
+<p:sld xmlns:a="http://schemas.openxmlformats.org/drawingml/2006/main" xmlns:r="http://schemas.openxmlformats.org/officeDocument/2006/relationships" xmlns:p="http://schemas.openxmlformats.org/presentationml/2006/main" show="0">
   <p:cSld>
     <p:spTree>
       <p:nvGrpSpPr>
@@ -14610,7 +14224,7 @@
         </p:nvSpPr>
         <p:spPr>
           <a:xfrm>
-            <a:off x="2759362" y="4212309"/>
+            <a:off x="2759362" y="4563146"/>
             <a:ext cx="1630680" cy="754380"/>
           </a:xfrm>
           <a:prstGeom prst="ellipse">
@@ -14689,7 +14303,7 @@
         </p:nvCxnSpPr>
         <p:spPr>
           <a:xfrm rot="5400000" flipH="1" flipV="1">
-            <a:off x="1963885" y="4555090"/>
+            <a:off x="1963885" y="4905927"/>
             <a:ext cx="746522" cy="815340"/>
           </a:xfrm>
           <a:prstGeom prst="curvedConnector2">
@@ -14731,7 +14345,7 @@
         </p:nvSpPr>
         <p:spPr>
           <a:xfrm>
-            <a:off x="1072542" y="5326803"/>
+            <a:off x="1072543" y="5677641"/>
             <a:ext cx="2110495" cy="307777"/>
           </a:xfrm>
           <a:prstGeom prst="rect">
@@ -14781,7 +14395,7 @@
         </p:nvSpPr>
         <p:spPr>
           <a:xfrm>
-            <a:off x="3126631" y="4404153"/>
+            <a:off x="3126631" y="4754990"/>
             <a:ext cx="896142" cy="369332"/>
           </a:xfrm>
           <a:prstGeom prst="rect">
@@ -14796,7 +14410,7 @@
           <a:lstStyle/>
           <a:p>
             <a:r>
-              <a:rPr lang="de-DE" sz="1800" dirty="0">
+              <a:rPr lang="de-DE" dirty="0">
                 <a:solidFill>
                   <a:srgbClr val="267326"/>
                 </a:solidFill>
@@ -14827,7 +14441,7 @@
 </file>
 
 <file path=ppt/slides/slide3.xml><?xml version="1.0" encoding="utf-8"?>
-<p:sld xmlns:a="http://schemas.openxmlformats.org/drawingml/2006/main" xmlns:r="http://schemas.openxmlformats.org/officeDocument/2006/relationships" xmlns:p="http://schemas.openxmlformats.org/presentationml/2006/main">
+<p:sld xmlns:a="http://schemas.openxmlformats.org/drawingml/2006/main" xmlns:r="http://schemas.openxmlformats.org/officeDocument/2006/relationships" xmlns:p="http://schemas.openxmlformats.org/presentationml/2006/main" show="0">
   <p:cSld>
     <p:spTree>
       <p:nvGrpSpPr>
@@ -14857,7 +14471,7 @@
         </p:nvSpPr>
         <p:spPr>
           <a:xfrm>
-            <a:off x="2759362" y="4212309"/>
+            <a:off x="2759362" y="4563146"/>
             <a:ext cx="1630680" cy="754380"/>
           </a:xfrm>
           <a:prstGeom prst="ellipse">
@@ -14934,7 +14548,7 @@
         </p:nvSpPr>
         <p:spPr>
           <a:xfrm>
-            <a:off x="4390042" y="3088597"/>
+            <a:off x="4390042" y="3439434"/>
             <a:ext cx="1630680" cy="754380"/>
           </a:xfrm>
           <a:prstGeom prst="ellipse">
@@ -15015,7 +14629,7 @@
         </p:nvCxnSpPr>
         <p:spPr>
           <a:xfrm rot="5400000" flipH="1" flipV="1">
-            <a:off x="3609111" y="3431378"/>
+            <a:off x="3609111" y="3782215"/>
             <a:ext cx="746522" cy="815340"/>
           </a:xfrm>
           <a:prstGeom prst="curvedConnector2">
@@ -15057,7 +14671,7 @@
         </p:nvSpPr>
         <p:spPr>
           <a:xfrm>
-            <a:off x="2929616" y="3795544"/>
+            <a:off x="2929617" y="4146382"/>
             <a:ext cx="1667307" cy="307777"/>
           </a:xfrm>
           <a:prstGeom prst="rect">
@@ -15109,7 +14723,7 @@
         </p:nvCxnSpPr>
         <p:spPr>
           <a:xfrm rot="5400000" flipH="1" flipV="1">
-            <a:off x="1963885" y="4555090"/>
+            <a:off x="1963885" y="4905927"/>
             <a:ext cx="746522" cy="815340"/>
           </a:xfrm>
           <a:prstGeom prst="curvedConnector2">
@@ -15151,7 +14765,7 @@
         </p:nvSpPr>
         <p:spPr>
           <a:xfrm>
-            <a:off x="1072542" y="5326803"/>
+            <a:off x="1072543" y="5677641"/>
             <a:ext cx="2110495" cy="307777"/>
           </a:xfrm>
           <a:prstGeom prst="rect">
@@ -15201,7 +14815,7 @@
         </p:nvSpPr>
         <p:spPr>
           <a:xfrm>
-            <a:off x="3126631" y="4404153"/>
+            <a:off x="3126631" y="4754990"/>
             <a:ext cx="896142" cy="369332"/>
           </a:xfrm>
           <a:prstGeom prst="rect">
@@ -15216,7 +14830,7 @@
           <a:lstStyle/>
           <a:p>
             <a:r>
-              <a:rPr lang="de-DE" sz="1800" dirty="0">
+              <a:rPr lang="de-DE" dirty="0">
                 <a:solidFill>
                   <a:srgbClr val="267326"/>
                 </a:solidFill>
@@ -15247,7 +14861,7 @@
 </file>
 
 <file path=ppt/slides/slide4.xml><?xml version="1.0" encoding="utf-8"?>
-<p:sld xmlns:a="http://schemas.openxmlformats.org/drawingml/2006/main" xmlns:r="http://schemas.openxmlformats.org/officeDocument/2006/relationships" xmlns:p="http://schemas.openxmlformats.org/presentationml/2006/main">
+<p:sld xmlns:a="http://schemas.openxmlformats.org/drawingml/2006/main" xmlns:r="http://schemas.openxmlformats.org/officeDocument/2006/relationships" xmlns:p="http://schemas.openxmlformats.org/presentationml/2006/main" show="0">
   <p:cSld>
     <p:spTree>
       <p:nvGrpSpPr>
@@ -15277,7 +14891,7 @@
         </p:nvSpPr>
         <p:spPr>
           <a:xfrm>
-            <a:off x="2759362" y="4212309"/>
+            <a:off x="2759362" y="4563146"/>
             <a:ext cx="1630680" cy="754380"/>
           </a:xfrm>
           <a:prstGeom prst="ellipse">
@@ -15354,7 +14968,7 @@
         </p:nvSpPr>
         <p:spPr>
           <a:xfrm>
-            <a:off x="4390042" y="3088597"/>
+            <a:off x="4390042" y="3439434"/>
             <a:ext cx="1630680" cy="754380"/>
           </a:xfrm>
           <a:prstGeom prst="ellipse">
@@ -15431,7 +15045,7 @@
         </p:nvSpPr>
         <p:spPr>
           <a:xfrm>
-            <a:off x="6020722" y="1964885"/>
+            <a:off x="6020722" y="2315722"/>
             <a:ext cx="1630680" cy="754380"/>
           </a:xfrm>
           <a:prstGeom prst="ellipse">
@@ -15502,7 +15116,7 @@
         </p:nvCxnSpPr>
         <p:spPr>
           <a:xfrm rot="5400000" flipH="1" flipV="1">
-            <a:off x="3609111" y="3431378"/>
+            <a:off x="3609111" y="3782215"/>
             <a:ext cx="746522" cy="815340"/>
           </a:xfrm>
           <a:prstGeom prst="curvedConnector2">
@@ -15548,7 +15162,7 @@
         </p:nvCxnSpPr>
         <p:spPr>
           <a:xfrm rot="5400000" flipH="1" flipV="1">
-            <a:off x="5239791" y="2307666"/>
+            <a:off x="5239791" y="2658503"/>
             <a:ext cx="746522" cy="815340"/>
           </a:xfrm>
           <a:prstGeom prst="curvedConnector2">
@@ -15590,7 +15204,7 @@
         </p:nvSpPr>
         <p:spPr>
           <a:xfrm>
-            <a:off x="2929616" y="3795544"/>
+            <a:off x="2929617" y="4146382"/>
             <a:ext cx="1667307" cy="307777"/>
           </a:xfrm>
           <a:prstGeom prst="rect">
@@ -15640,7 +15254,7 @@
         </p:nvSpPr>
         <p:spPr>
           <a:xfrm>
-            <a:off x="4140586" y="2687489"/>
+            <a:off x="4140586" y="3038327"/>
             <a:ext cx="2211702" cy="307777"/>
           </a:xfrm>
           <a:prstGeom prst="rect">
@@ -15692,7 +15306,7 @@
         </p:nvCxnSpPr>
         <p:spPr>
           <a:xfrm rot="5400000" flipH="1" flipV="1">
-            <a:off x="1963885" y="4555090"/>
+            <a:off x="1963885" y="4905927"/>
             <a:ext cx="746522" cy="815340"/>
           </a:xfrm>
           <a:prstGeom prst="curvedConnector2">
@@ -15734,7 +15348,7 @@
         </p:nvSpPr>
         <p:spPr>
           <a:xfrm>
-            <a:off x="1072542" y="5326803"/>
+            <a:off x="1072543" y="5677641"/>
             <a:ext cx="2110495" cy="307777"/>
           </a:xfrm>
           <a:prstGeom prst="rect">
@@ -15784,7 +15398,7 @@
         </p:nvSpPr>
         <p:spPr>
           <a:xfrm>
-            <a:off x="6397152" y="2168869"/>
+            <a:off x="6397152" y="2519706"/>
             <a:ext cx="815340" cy="338554"/>
           </a:xfrm>
           <a:prstGeom prst="rect">
@@ -15830,7 +15444,7 @@
         </p:nvSpPr>
         <p:spPr>
           <a:xfrm>
-            <a:off x="3126631" y="4404153"/>
+            <a:off x="3126631" y="4754990"/>
             <a:ext cx="896142" cy="369332"/>
           </a:xfrm>
           <a:prstGeom prst="rect">
@@ -15845,7 +15459,7 @@
           <a:lstStyle/>
           <a:p>
             <a:r>
-              <a:rPr lang="de-DE" sz="1800" dirty="0">
+              <a:rPr lang="de-DE" dirty="0">
                 <a:solidFill>
                   <a:srgbClr val="267326"/>
                 </a:solidFill>
@@ -15876,7 +15490,7 @@
 </file>
 
 <file path=ppt/slides/slide5.xml><?xml version="1.0" encoding="utf-8"?>
-<p:sld xmlns:a="http://schemas.openxmlformats.org/drawingml/2006/main" xmlns:r="http://schemas.openxmlformats.org/officeDocument/2006/relationships" xmlns:p="http://schemas.openxmlformats.org/presentationml/2006/main">
+<p:sld xmlns:a="http://schemas.openxmlformats.org/drawingml/2006/main" xmlns:r="http://schemas.openxmlformats.org/officeDocument/2006/relationships" xmlns:p="http://schemas.openxmlformats.org/presentationml/2006/main" show="0">
   <p:cSld>
     <p:spTree>
       <p:nvGrpSpPr>
@@ -15906,7 +15520,7 @@
         </p:nvSpPr>
         <p:spPr>
           <a:xfrm>
-            <a:off x="2759362" y="4212309"/>
+            <a:off x="2759362" y="4563146"/>
             <a:ext cx="1630680" cy="754380"/>
           </a:xfrm>
           <a:prstGeom prst="ellipse">
@@ -15983,7 +15597,7 @@
         </p:nvSpPr>
         <p:spPr>
           <a:xfrm>
-            <a:off x="4390042" y="3088597"/>
+            <a:off x="4390042" y="3439434"/>
             <a:ext cx="1630680" cy="754380"/>
           </a:xfrm>
           <a:prstGeom prst="ellipse">
@@ -16060,7 +15674,7 @@
         </p:nvSpPr>
         <p:spPr>
           <a:xfrm>
-            <a:off x="6020722" y="1964885"/>
+            <a:off x="6020722" y="2315722"/>
             <a:ext cx="1630680" cy="754380"/>
           </a:xfrm>
           <a:prstGeom prst="ellipse">
@@ -16131,7 +15745,7 @@
         </p:nvCxnSpPr>
         <p:spPr>
           <a:xfrm rot="5400000" flipH="1" flipV="1">
-            <a:off x="3609111" y="3431378"/>
+            <a:off x="3609111" y="3782215"/>
             <a:ext cx="746522" cy="815340"/>
           </a:xfrm>
           <a:prstGeom prst="curvedConnector2">
@@ -16177,7 +15791,7 @@
         </p:nvCxnSpPr>
         <p:spPr>
           <a:xfrm rot="5400000" flipH="1" flipV="1">
-            <a:off x="5239791" y="2307666"/>
+            <a:off x="5239791" y="2658503"/>
             <a:ext cx="746522" cy="815340"/>
           </a:xfrm>
           <a:prstGeom prst="curvedConnector2">
@@ -16219,7 +15833,7 @@
         </p:nvSpPr>
         <p:spPr>
           <a:xfrm>
-            <a:off x="8944559" y="1960956"/>
+            <a:off x="8944559" y="2311793"/>
             <a:ext cx="1630680" cy="754380"/>
           </a:xfrm>
           <a:prstGeom prst="ellipse">
@@ -16290,7 +15904,7 @@
         </p:nvCxnSpPr>
         <p:spPr>
           <a:xfrm flipV="1">
-            <a:off x="7651402" y="2338146"/>
+            <a:off x="7651403" y="2688984"/>
             <a:ext cx="1293157" cy="3929"/>
           </a:xfrm>
           <a:prstGeom prst="straightConnector1">
@@ -16332,7 +15946,7 @@
         </p:nvSpPr>
         <p:spPr>
           <a:xfrm>
-            <a:off x="8982929" y="1911106"/>
+            <a:off x="8982929" y="2261943"/>
             <a:ext cx="1553940" cy="854080"/>
           </a:xfrm>
           <a:prstGeom prst="rect">
@@ -16427,7 +16041,7 @@
         </p:nvSpPr>
         <p:spPr>
           <a:xfrm>
-            <a:off x="2929616" y="3795544"/>
+            <a:off x="2929617" y="4146382"/>
             <a:ext cx="1667307" cy="307777"/>
           </a:xfrm>
           <a:prstGeom prst="rect">
@@ -16477,7 +16091,7 @@
         </p:nvSpPr>
         <p:spPr>
           <a:xfrm>
-            <a:off x="4140586" y="2687489"/>
+            <a:off x="4140586" y="3038327"/>
             <a:ext cx="2211702" cy="307777"/>
           </a:xfrm>
           <a:prstGeom prst="rect">
@@ -16527,7 +16141,7 @@
         </p:nvSpPr>
         <p:spPr>
           <a:xfrm>
-            <a:off x="8092593" y="1217956"/>
+            <a:off x="8092593" y="1568793"/>
             <a:ext cx="400110" cy="1870642"/>
           </a:xfrm>
           <a:prstGeom prst="rect">
@@ -16579,7 +16193,7 @@
         </p:nvCxnSpPr>
         <p:spPr>
           <a:xfrm rot="5400000" flipH="1" flipV="1">
-            <a:off x="1963885" y="4555090"/>
+            <a:off x="1963885" y="4905927"/>
             <a:ext cx="746522" cy="815340"/>
           </a:xfrm>
           <a:prstGeom prst="curvedConnector2">
@@ -16621,7 +16235,7 @@
         </p:nvSpPr>
         <p:spPr>
           <a:xfrm>
-            <a:off x="1072542" y="5326803"/>
+            <a:off x="1072543" y="5677641"/>
             <a:ext cx="2110495" cy="307777"/>
           </a:xfrm>
           <a:prstGeom prst="rect">
@@ -16671,7 +16285,7 @@
         </p:nvSpPr>
         <p:spPr>
           <a:xfrm>
-            <a:off x="6397152" y="2168869"/>
+            <a:off x="6397152" y="2519706"/>
             <a:ext cx="815340" cy="338554"/>
           </a:xfrm>
           <a:prstGeom prst="rect">
@@ -16717,7 +16331,7 @@
         </p:nvSpPr>
         <p:spPr>
           <a:xfrm>
-            <a:off x="3126631" y="4404153"/>
+            <a:off x="3126631" y="4754990"/>
             <a:ext cx="896142" cy="369332"/>
           </a:xfrm>
           <a:prstGeom prst="rect">
@@ -16732,7 +16346,7 @@
           <a:lstStyle/>
           <a:p>
             <a:r>
-              <a:rPr lang="de-DE" sz="1800" dirty="0">
+              <a:rPr lang="de-DE" dirty="0">
                 <a:solidFill>
                   <a:srgbClr val="267326"/>
                 </a:solidFill>
@@ -16793,7 +16407,7 @@
         </p:nvSpPr>
         <p:spPr>
           <a:xfrm>
-            <a:off x="2759362" y="4212309"/>
+            <a:off x="2759362" y="4563146"/>
             <a:ext cx="1630680" cy="754380"/>
           </a:xfrm>
           <a:prstGeom prst="ellipse">
@@ -16870,7 +16484,7 @@
         </p:nvSpPr>
         <p:spPr>
           <a:xfrm>
-            <a:off x="4390042" y="3088597"/>
+            <a:off x="4390042" y="3439434"/>
             <a:ext cx="1630680" cy="754380"/>
           </a:xfrm>
           <a:prstGeom prst="ellipse">
@@ -16947,7 +16561,7 @@
         </p:nvSpPr>
         <p:spPr>
           <a:xfrm>
-            <a:off x="6020722" y="1964885"/>
+            <a:off x="6020722" y="2315722"/>
             <a:ext cx="1630680" cy="754380"/>
           </a:xfrm>
           <a:prstGeom prst="ellipse">
@@ -17018,7 +16632,7 @@
         </p:nvCxnSpPr>
         <p:spPr>
           <a:xfrm rot="5400000" flipH="1" flipV="1">
-            <a:off x="3609111" y="3431378"/>
+            <a:off x="3609111" y="3782215"/>
             <a:ext cx="746522" cy="815340"/>
           </a:xfrm>
           <a:prstGeom prst="curvedConnector2">
@@ -17064,7 +16678,7 @@
         </p:nvCxnSpPr>
         <p:spPr>
           <a:xfrm rot="5400000" flipH="1" flipV="1">
-            <a:off x="5239791" y="2307666"/>
+            <a:off x="5239791" y="2658503"/>
             <a:ext cx="746522" cy="815340"/>
           </a:xfrm>
           <a:prstGeom prst="curvedConnector2">
@@ -17106,7 +16720,7 @@
         </p:nvSpPr>
         <p:spPr>
           <a:xfrm>
-            <a:off x="8944559" y="1960956"/>
+            <a:off x="8944559" y="2311793"/>
             <a:ext cx="1630680" cy="754380"/>
           </a:xfrm>
           <a:prstGeom prst="ellipse">
@@ -17173,7 +16787,7 @@
         </p:nvSpPr>
         <p:spPr>
           <a:xfrm>
-            <a:off x="8944559" y="4212309"/>
+            <a:off x="8944559" y="4563146"/>
             <a:ext cx="1630680" cy="754380"/>
           </a:xfrm>
           <a:prstGeom prst="ellipse">
@@ -17254,7 +16868,7 @@
         </p:nvCxnSpPr>
         <p:spPr>
           <a:xfrm flipV="1">
-            <a:off x="7651402" y="2338146"/>
+            <a:off x="7651403" y="2688984"/>
             <a:ext cx="1293157" cy="3929"/>
           </a:xfrm>
           <a:prstGeom prst="straightConnector1">
@@ -17300,7 +16914,7 @@
         </p:nvCxnSpPr>
         <p:spPr>
           <a:xfrm>
-            <a:off x="9759899" y="2715336"/>
+            <a:off x="9759899" y="3066174"/>
             <a:ext cx="0" cy="1496973"/>
           </a:xfrm>
           <a:prstGeom prst="straightConnector1">
@@ -17346,7 +16960,7 @@
         </p:nvCxnSpPr>
         <p:spPr>
           <a:xfrm flipH="1">
-            <a:off x="4390042" y="4589499"/>
+            <a:off x="4390043" y="4940336"/>
             <a:ext cx="4554517" cy="0"/>
           </a:xfrm>
           <a:prstGeom prst="straightConnector1">
@@ -17391,7 +17005,7 @@
         </p:nvCxnSpPr>
         <p:spPr>
           <a:xfrm>
-            <a:off x="5205382" y="3842977"/>
+            <a:off x="5205382" y="4193814"/>
             <a:ext cx="0" cy="746522"/>
           </a:xfrm>
           <a:prstGeom prst="straightConnector1">
@@ -17436,7 +17050,7 @@
         </p:nvCxnSpPr>
         <p:spPr>
           <a:xfrm>
-            <a:off x="6836062" y="2719265"/>
+            <a:off x="6836062" y="3070102"/>
             <a:ext cx="0" cy="1870234"/>
           </a:xfrm>
           <a:prstGeom prst="straightConnector1">
@@ -17478,7 +17092,7 @@
         </p:nvSpPr>
         <p:spPr>
           <a:xfrm>
-            <a:off x="8983950" y="1919235"/>
+            <a:off x="8983950" y="2270072"/>
             <a:ext cx="1553940" cy="854080"/>
           </a:xfrm>
           <a:prstGeom prst="rect">
@@ -17573,7 +17187,7 @@
         </p:nvSpPr>
         <p:spPr>
           <a:xfrm>
-            <a:off x="2929616" y="3795544"/>
+            <a:off x="2929617" y="4146382"/>
             <a:ext cx="1667307" cy="307777"/>
           </a:xfrm>
           <a:prstGeom prst="rect">
@@ -17623,7 +17237,7 @@
         </p:nvSpPr>
         <p:spPr>
           <a:xfrm>
-            <a:off x="4140586" y="2687489"/>
+            <a:off x="4140586" y="3038327"/>
             <a:ext cx="2211702" cy="307777"/>
           </a:xfrm>
           <a:prstGeom prst="rect">
@@ -17673,7 +17287,7 @@
         </p:nvSpPr>
         <p:spPr>
           <a:xfrm>
-            <a:off x="8944559" y="3321393"/>
+            <a:off x="8944560" y="3672231"/>
             <a:ext cx="1761541" cy="307777"/>
           </a:xfrm>
           <a:prstGeom prst="rect">
@@ -17723,7 +17337,7 @@
         </p:nvSpPr>
         <p:spPr>
           <a:xfrm>
-            <a:off x="8092593" y="1217956"/>
+            <a:off x="8092593" y="1568793"/>
             <a:ext cx="400110" cy="1870642"/>
           </a:xfrm>
           <a:prstGeom prst="rect">
@@ -17775,7 +17389,7 @@
         </p:nvCxnSpPr>
         <p:spPr>
           <a:xfrm rot="5400000" flipH="1" flipV="1">
-            <a:off x="1963885" y="4555090"/>
+            <a:off x="1963885" y="4905927"/>
             <a:ext cx="746522" cy="815340"/>
           </a:xfrm>
           <a:prstGeom prst="curvedConnector2">
@@ -17817,7 +17431,7 @@
         </p:nvSpPr>
         <p:spPr>
           <a:xfrm>
-            <a:off x="1072542" y="5326803"/>
+            <a:off x="1072543" y="5677641"/>
             <a:ext cx="2110495" cy="307777"/>
           </a:xfrm>
           <a:prstGeom prst="rect">
@@ -17867,7 +17481,7 @@
         </p:nvSpPr>
         <p:spPr>
           <a:xfrm>
-            <a:off x="6397152" y="2168869"/>
+            <a:off x="6397152" y="2519706"/>
             <a:ext cx="815340" cy="338554"/>
           </a:xfrm>
           <a:prstGeom prst="rect">
@@ -17913,7 +17527,7 @@
         </p:nvSpPr>
         <p:spPr>
           <a:xfrm>
-            <a:off x="3126631" y="4404153"/>
+            <a:off x="3126631" y="4754990"/>
             <a:ext cx="896142" cy="369332"/>
           </a:xfrm>
           <a:prstGeom prst="rect">
@@ -17928,7 +17542,7 @@
           <a:lstStyle/>
           <a:p>
             <a:r>
-              <a:rPr lang="de-DE" sz="1800" dirty="0">
+              <a:rPr lang="de-DE" dirty="0">
                 <a:solidFill>
                   <a:srgbClr val="267326"/>
                 </a:solidFill>
@@ -17942,6 +17556,73 @@
                 <a:srgbClr val="267326"/>
               </a:solidFill>
             </a:endParaRPr>
+          </a:p>
+        </p:txBody>
+      </p:sp>
+      <p:sp>
+        <p:nvSpPr>
+          <p:cNvPr id="7" name="Textfeld 6">
+            <a:extLst>
+              <a:ext uri="{FF2B5EF4-FFF2-40B4-BE49-F238E27FC236}">
+                <a16:creationId xmlns:a16="http://schemas.microsoft.com/office/drawing/2014/main" id="{2AD27351-D86E-4E02-423B-925FDF465586}"/>
+              </a:ext>
+            </a:extLst>
+          </p:cNvPr>
+          <p:cNvSpPr txBox="1"/>
+          <p:nvPr/>
+        </p:nvSpPr>
+        <p:spPr>
+          <a:xfrm>
+            <a:off x="2455059" y="7127001"/>
+            <a:ext cx="7884186" cy="400110"/>
+          </a:xfrm>
+          <a:prstGeom prst="rect">
+            <a:avLst/>
+          </a:prstGeom>
+          <a:noFill/>
+        </p:spPr>
+        <p:txBody>
+          <a:bodyPr wrap="square">
+            <a:spAutoFit/>
+          </a:bodyPr>
+          <a:lstStyle/>
+          <a:p>
+            <a:r>
+              <a:rPr lang="de-DE" sz="2000" dirty="0">
+                <a:solidFill>
+                  <a:srgbClr val="267326"/>
+                </a:solidFill>
+                <a:latin typeface="LM Roman 10" pitchFamily="2" charset="77"/>
+              </a:rPr>
+              <a:t>Eigene Adaption des Prozessmodell nach </a:t>
+            </a:r>
+            <a:r>
+              <a:rPr lang="de-DE" sz="2000" dirty="0">
+                <a:solidFill>
+                  <a:srgbClr val="7FC400"/>
+                </a:solidFill>
+                <a:latin typeface="LM Roman 10" pitchFamily="2" charset="77"/>
+              </a:rPr>
+              <a:t>Groß </a:t>
+            </a:r>
+            <a:r>
+              <a:rPr lang="de-DE" sz="2000" dirty="0" err="1">
+                <a:solidFill>
+                  <a:srgbClr val="7FC400"/>
+                </a:solidFill>
+                <a:latin typeface="LM Roman 10" pitchFamily="2" charset="77"/>
+              </a:rPr>
+              <a:t>Ophoff</a:t>
+            </a:r>
+            <a:r>
+              <a:rPr lang="de-DE" sz="2000" dirty="0">
+                <a:solidFill>
+                  <a:srgbClr val="7FC400"/>
+                </a:solidFill>
+                <a:latin typeface="LM Roman 10" pitchFamily="2" charset="77"/>
+              </a:rPr>
+              <a:t> et al. (2023)</a:t>
+            </a:r>
           </a:p>
         </p:txBody>
       </p:sp>
@@ -17959,7 +17640,7 @@
 </file>
 
 <file path=ppt/slides/slide7.xml><?xml version="1.0" encoding="utf-8"?>
-<p:sld xmlns:a="http://schemas.openxmlformats.org/drawingml/2006/main" xmlns:r="http://schemas.openxmlformats.org/officeDocument/2006/relationships" xmlns:p="http://schemas.openxmlformats.org/presentationml/2006/main">
+<p:sld xmlns:a="http://schemas.openxmlformats.org/drawingml/2006/main" xmlns:r="http://schemas.openxmlformats.org/officeDocument/2006/relationships" xmlns:p="http://schemas.openxmlformats.org/presentationml/2006/main" show="0">
   <p:cSld>
     <p:spTree>
       <p:nvGrpSpPr>
@@ -17989,7 +17670,7 @@
         </p:nvSpPr>
         <p:spPr>
           <a:xfrm>
-            <a:off x="90197" y="149290"/>
+            <a:off x="90197" y="500127"/>
             <a:ext cx="12011608" cy="6559420"/>
           </a:xfrm>
           <a:prstGeom prst="roundRect">
@@ -18161,7 +17842,7 @@
         </p:nvSpPr>
         <p:spPr>
           <a:xfrm>
-            <a:off x="153174" y="153425"/>
+            <a:off x="153175" y="504262"/>
             <a:ext cx="2820003" cy="338554"/>
           </a:xfrm>
           <a:prstGeom prst="rect">
@@ -18209,7 +17890,7 @@
         </p:nvSpPr>
         <p:spPr>
           <a:xfrm>
-            <a:off x="2759362" y="4212309"/>
+            <a:off x="2759362" y="4563146"/>
             <a:ext cx="1630680" cy="754380"/>
           </a:xfrm>
           <a:prstGeom prst="ellipse">
@@ -18286,7 +17967,7 @@
         </p:nvSpPr>
         <p:spPr>
           <a:xfrm>
-            <a:off x="4390042" y="3088597"/>
+            <a:off x="4390042" y="3439434"/>
             <a:ext cx="1630680" cy="754380"/>
           </a:xfrm>
           <a:prstGeom prst="ellipse">
@@ -18363,7 +18044,7 @@
         </p:nvSpPr>
         <p:spPr>
           <a:xfrm>
-            <a:off x="6020722" y="1964885"/>
+            <a:off x="6020722" y="2315722"/>
             <a:ext cx="1630680" cy="754380"/>
           </a:xfrm>
           <a:prstGeom prst="ellipse">
@@ -18434,7 +18115,7 @@
         </p:nvCxnSpPr>
         <p:spPr>
           <a:xfrm rot="5400000" flipH="1" flipV="1">
-            <a:off x="3609111" y="3431378"/>
+            <a:off x="3609111" y="3782215"/>
             <a:ext cx="746522" cy="815340"/>
           </a:xfrm>
           <a:prstGeom prst="curvedConnector2">
@@ -18480,7 +18161,7 @@
         </p:nvCxnSpPr>
         <p:spPr>
           <a:xfrm rot="5400000" flipH="1" flipV="1">
-            <a:off x="5239791" y="2307666"/>
+            <a:off x="5239791" y="2658503"/>
             <a:ext cx="746522" cy="815340"/>
           </a:xfrm>
           <a:prstGeom prst="curvedConnector2">
@@ -18522,7 +18203,7 @@
         </p:nvSpPr>
         <p:spPr>
           <a:xfrm>
-            <a:off x="8944559" y="1960956"/>
+            <a:off x="8944559" y="2311793"/>
             <a:ext cx="1630680" cy="754380"/>
           </a:xfrm>
           <a:prstGeom prst="ellipse">
@@ -18589,7 +18270,7 @@
         </p:nvSpPr>
         <p:spPr>
           <a:xfrm>
-            <a:off x="8944559" y="4212309"/>
+            <a:off x="8944559" y="4563146"/>
             <a:ext cx="1630680" cy="754380"/>
           </a:xfrm>
           <a:prstGeom prst="ellipse">
@@ -18670,7 +18351,7 @@
         </p:nvCxnSpPr>
         <p:spPr>
           <a:xfrm flipV="1">
-            <a:off x="7651402" y="2338146"/>
+            <a:off x="7651403" y="2688984"/>
             <a:ext cx="1293157" cy="3929"/>
           </a:xfrm>
           <a:prstGeom prst="straightConnector1">
@@ -18716,7 +18397,7 @@
         </p:nvCxnSpPr>
         <p:spPr>
           <a:xfrm>
-            <a:off x="9759899" y="2715336"/>
+            <a:off x="9759899" y="3066174"/>
             <a:ext cx="0" cy="1496973"/>
           </a:xfrm>
           <a:prstGeom prst="straightConnector1">
@@ -18762,7 +18443,7 @@
         </p:nvCxnSpPr>
         <p:spPr>
           <a:xfrm flipH="1">
-            <a:off x="4390042" y="4589499"/>
+            <a:off x="4390043" y="4940336"/>
             <a:ext cx="4554517" cy="0"/>
           </a:xfrm>
           <a:prstGeom prst="straightConnector1">
@@ -18807,7 +18488,7 @@
         </p:nvCxnSpPr>
         <p:spPr>
           <a:xfrm>
-            <a:off x="5205382" y="3842977"/>
+            <a:off x="5205382" y="4193814"/>
             <a:ext cx="0" cy="746522"/>
           </a:xfrm>
           <a:prstGeom prst="straightConnector1">
@@ -18852,7 +18533,7 @@
         </p:nvCxnSpPr>
         <p:spPr>
           <a:xfrm>
-            <a:off x="6836062" y="2719265"/>
+            <a:off x="6836062" y="3070102"/>
             <a:ext cx="0" cy="1870234"/>
           </a:xfrm>
           <a:prstGeom prst="straightConnector1">
@@ -18894,7 +18575,7 @@
         </p:nvSpPr>
         <p:spPr>
           <a:xfrm>
-            <a:off x="8982929" y="1911106"/>
+            <a:off x="8982929" y="2261943"/>
             <a:ext cx="1553940" cy="854080"/>
           </a:xfrm>
           <a:prstGeom prst="rect">
@@ -18989,7 +18670,7 @@
         </p:nvSpPr>
         <p:spPr>
           <a:xfrm>
-            <a:off x="2929616" y="3795544"/>
+            <a:off x="2929617" y="4146382"/>
             <a:ext cx="1667307" cy="307777"/>
           </a:xfrm>
           <a:prstGeom prst="rect">
@@ -19039,7 +18720,7 @@
         </p:nvSpPr>
         <p:spPr>
           <a:xfrm>
-            <a:off x="4140586" y="2687489"/>
+            <a:off x="4140586" y="3038327"/>
             <a:ext cx="2211702" cy="307777"/>
           </a:xfrm>
           <a:prstGeom prst="rect">
@@ -19089,7 +18770,7 @@
         </p:nvSpPr>
         <p:spPr>
           <a:xfrm>
-            <a:off x="8944559" y="3321393"/>
+            <a:off x="8944560" y="3672231"/>
             <a:ext cx="1761541" cy="307777"/>
           </a:xfrm>
           <a:prstGeom prst="rect">
@@ -19139,7 +18820,7 @@
         </p:nvSpPr>
         <p:spPr>
           <a:xfrm>
-            <a:off x="8092593" y="1217956"/>
+            <a:off x="8092593" y="1568793"/>
             <a:ext cx="400110" cy="1870642"/>
           </a:xfrm>
           <a:prstGeom prst="rect">
@@ -19191,7 +18872,7 @@
         </p:nvCxnSpPr>
         <p:spPr>
           <a:xfrm rot="5400000" flipH="1" flipV="1">
-            <a:off x="1963885" y="4555090"/>
+            <a:off x="1963885" y="4905927"/>
             <a:ext cx="746522" cy="815340"/>
           </a:xfrm>
           <a:prstGeom prst="curvedConnector2">
@@ -19233,7 +18914,7 @@
         </p:nvSpPr>
         <p:spPr>
           <a:xfrm>
-            <a:off x="1072542" y="5326803"/>
+            <a:off x="1072543" y="5677641"/>
             <a:ext cx="2110495" cy="307777"/>
           </a:xfrm>
           <a:prstGeom prst="rect">
@@ -19283,7 +18964,7 @@
         </p:nvSpPr>
         <p:spPr>
           <a:xfrm>
-            <a:off x="6397152" y="2168869"/>
+            <a:off x="6397152" y="2519706"/>
             <a:ext cx="815340" cy="338554"/>
           </a:xfrm>
           <a:prstGeom prst="rect">
@@ -19329,7 +19010,7 @@
         </p:nvSpPr>
         <p:spPr>
           <a:xfrm>
-            <a:off x="3126631" y="4404153"/>
+            <a:off x="3126631" y="4754990"/>
             <a:ext cx="896142" cy="369332"/>
           </a:xfrm>
           <a:prstGeom prst="rect">
@@ -19344,7 +19025,7 @@
           <a:lstStyle/>
           <a:p>
             <a:r>
-              <a:rPr lang="de-DE" sz="1800" dirty="0">
+              <a:rPr lang="de-DE" dirty="0">
                 <a:solidFill>
                   <a:srgbClr val="267326"/>
                 </a:solidFill>
@@ -19375,7 +19056,7 @@
 </file>
 
 <file path=ppt/slides/slide8.xml><?xml version="1.0" encoding="utf-8"?>
-<p:sld xmlns:a="http://schemas.openxmlformats.org/drawingml/2006/main" xmlns:r="http://schemas.openxmlformats.org/officeDocument/2006/relationships" xmlns:p="http://schemas.openxmlformats.org/presentationml/2006/main">
+<p:sld xmlns:a="http://schemas.openxmlformats.org/drawingml/2006/main" xmlns:r="http://schemas.openxmlformats.org/officeDocument/2006/relationships" xmlns:p="http://schemas.openxmlformats.org/presentationml/2006/main" show="0">
   <p:cSld>
     <p:spTree>
       <p:nvGrpSpPr>
@@ -19405,7 +19086,7 @@
         </p:nvSpPr>
         <p:spPr>
           <a:xfrm>
-            <a:off x="90197" y="149290"/>
+            <a:off x="90197" y="500127"/>
             <a:ext cx="12011608" cy="6559420"/>
           </a:xfrm>
           <a:prstGeom prst="roundRect">
@@ -19577,7 +19258,7 @@
         </p:nvSpPr>
         <p:spPr>
           <a:xfrm>
-            <a:off x="400881" y="522757"/>
+            <a:off x="400881" y="873594"/>
             <a:ext cx="11390238" cy="5812486"/>
           </a:xfrm>
           <a:prstGeom prst="roundRect">
@@ -19749,7 +19430,7 @@
         </p:nvSpPr>
         <p:spPr>
           <a:xfrm>
-            <a:off x="153174" y="153425"/>
+            <a:off x="153175" y="504262"/>
             <a:ext cx="2820003" cy="338554"/>
           </a:xfrm>
           <a:prstGeom prst="rect">
@@ -19797,7 +19478,7 @@
         </p:nvSpPr>
         <p:spPr>
           <a:xfrm>
-            <a:off x="400881" y="510319"/>
+            <a:off x="400882" y="861156"/>
             <a:ext cx="2965877" cy="338554"/>
           </a:xfrm>
           <a:prstGeom prst="rect">
@@ -19845,7 +19526,7 @@
         </p:nvSpPr>
         <p:spPr>
           <a:xfrm>
-            <a:off x="2759362" y="4212309"/>
+            <a:off x="2759362" y="4563146"/>
             <a:ext cx="1630680" cy="754380"/>
           </a:xfrm>
           <a:prstGeom prst="ellipse">
@@ -19922,7 +19603,7 @@
         </p:nvSpPr>
         <p:spPr>
           <a:xfrm>
-            <a:off x="4390042" y="3088597"/>
+            <a:off x="4390042" y="3439434"/>
             <a:ext cx="1630680" cy="754380"/>
           </a:xfrm>
           <a:prstGeom prst="ellipse">
@@ -19999,7 +19680,7 @@
         </p:nvSpPr>
         <p:spPr>
           <a:xfrm>
-            <a:off x="6020722" y="1964885"/>
+            <a:off x="6020722" y="2315722"/>
             <a:ext cx="1630680" cy="754380"/>
           </a:xfrm>
           <a:prstGeom prst="ellipse">
@@ -20070,7 +19751,7 @@
         </p:nvCxnSpPr>
         <p:spPr>
           <a:xfrm rot="5400000" flipH="1" flipV="1">
-            <a:off x="3609111" y="3431378"/>
+            <a:off x="3609111" y="3782215"/>
             <a:ext cx="746522" cy="815340"/>
           </a:xfrm>
           <a:prstGeom prst="curvedConnector2">
@@ -20116,7 +19797,7 @@
         </p:nvCxnSpPr>
         <p:spPr>
           <a:xfrm rot="5400000" flipH="1" flipV="1">
-            <a:off x="5239791" y="2307666"/>
+            <a:off x="5239791" y="2658503"/>
             <a:ext cx="746522" cy="815340"/>
           </a:xfrm>
           <a:prstGeom prst="curvedConnector2">
@@ -20158,7 +19839,7 @@
         </p:nvSpPr>
         <p:spPr>
           <a:xfrm>
-            <a:off x="8944559" y="1960956"/>
+            <a:off x="8944559" y="2311793"/>
             <a:ext cx="1630680" cy="754380"/>
           </a:xfrm>
           <a:prstGeom prst="ellipse">
@@ -20225,7 +19906,7 @@
         </p:nvSpPr>
         <p:spPr>
           <a:xfrm>
-            <a:off x="8944559" y="4212309"/>
+            <a:off x="8944559" y="4563146"/>
             <a:ext cx="1630680" cy="754380"/>
           </a:xfrm>
           <a:prstGeom prst="ellipse">
@@ -20306,7 +19987,7 @@
         </p:nvCxnSpPr>
         <p:spPr>
           <a:xfrm flipV="1">
-            <a:off x="7651402" y="2338146"/>
+            <a:off x="7651403" y="2688984"/>
             <a:ext cx="1293157" cy="3929"/>
           </a:xfrm>
           <a:prstGeom prst="straightConnector1">
@@ -20352,7 +20033,7 @@
         </p:nvCxnSpPr>
         <p:spPr>
           <a:xfrm>
-            <a:off x="9759899" y="2715336"/>
+            <a:off x="9759899" y="3066174"/>
             <a:ext cx="0" cy="1496973"/>
           </a:xfrm>
           <a:prstGeom prst="straightConnector1">
@@ -20398,7 +20079,7 @@
         </p:nvCxnSpPr>
         <p:spPr>
           <a:xfrm flipH="1">
-            <a:off x="4390042" y="4589499"/>
+            <a:off x="4390043" y="4940336"/>
             <a:ext cx="4554517" cy="0"/>
           </a:xfrm>
           <a:prstGeom prst="straightConnector1">
@@ -20443,7 +20124,7 @@
         </p:nvCxnSpPr>
         <p:spPr>
           <a:xfrm>
-            <a:off x="5205382" y="3842977"/>
+            <a:off x="5205382" y="4193814"/>
             <a:ext cx="0" cy="746522"/>
           </a:xfrm>
           <a:prstGeom prst="straightConnector1">
@@ -20488,7 +20169,7 @@
         </p:nvCxnSpPr>
         <p:spPr>
           <a:xfrm>
-            <a:off x="6836062" y="2719265"/>
+            <a:off x="6836062" y="3070102"/>
             <a:ext cx="0" cy="1870234"/>
           </a:xfrm>
           <a:prstGeom prst="straightConnector1">
@@ -20530,7 +20211,7 @@
         </p:nvSpPr>
         <p:spPr>
           <a:xfrm>
-            <a:off x="8982929" y="1914930"/>
+            <a:off x="8982929" y="2265767"/>
             <a:ext cx="1553940" cy="854080"/>
           </a:xfrm>
           <a:prstGeom prst="rect">
@@ -20625,7 +20306,7 @@
         </p:nvSpPr>
         <p:spPr>
           <a:xfrm>
-            <a:off x="2929616" y="3795544"/>
+            <a:off x="2929617" y="4146382"/>
             <a:ext cx="1667307" cy="307777"/>
           </a:xfrm>
           <a:prstGeom prst="rect">
@@ -20675,7 +20356,7 @@
         </p:nvSpPr>
         <p:spPr>
           <a:xfrm>
-            <a:off x="4140586" y="2687489"/>
+            <a:off x="4140586" y="3038327"/>
             <a:ext cx="2211702" cy="307777"/>
           </a:xfrm>
           <a:prstGeom prst="rect">
@@ -20725,7 +20406,7 @@
         </p:nvSpPr>
         <p:spPr>
           <a:xfrm>
-            <a:off x="8944559" y="3321393"/>
+            <a:off x="8944560" y="3672231"/>
             <a:ext cx="1761541" cy="307777"/>
           </a:xfrm>
           <a:prstGeom prst="rect">
@@ -20775,7 +20456,7 @@
         </p:nvSpPr>
         <p:spPr>
           <a:xfrm>
-            <a:off x="8092593" y="1217956"/>
+            <a:off x="8092593" y="1568793"/>
             <a:ext cx="400110" cy="1870642"/>
           </a:xfrm>
           <a:prstGeom prst="rect">
@@ -20827,7 +20508,7 @@
         </p:nvCxnSpPr>
         <p:spPr>
           <a:xfrm rot="5400000" flipH="1" flipV="1">
-            <a:off x="1963885" y="4555090"/>
+            <a:off x="1963885" y="4905927"/>
             <a:ext cx="746522" cy="815340"/>
           </a:xfrm>
           <a:prstGeom prst="curvedConnector2">
@@ -20869,7 +20550,7 @@
         </p:nvSpPr>
         <p:spPr>
           <a:xfrm>
-            <a:off x="1072542" y="5326803"/>
+            <a:off x="1072543" y="5677641"/>
             <a:ext cx="2110495" cy="307777"/>
           </a:xfrm>
           <a:prstGeom prst="rect">
@@ -20919,7 +20600,7 @@
         </p:nvSpPr>
         <p:spPr>
           <a:xfrm>
-            <a:off x="6397152" y="2168869"/>
+            <a:off x="6397152" y="2519706"/>
             <a:ext cx="815340" cy="338554"/>
           </a:xfrm>
           <a:prstGeom prst="rect">
@@ -20965,7 +20646,7 @@
         </p:nvSpPr>
         <p:spPr>
           <a:xfrm>
-            <a:off x="3126631" y="4404153"/>
+            <a:off x="3126631" y="4754990"/>
             <a:ext cx="896142" cy="369332"/>
           </a:xfrm>
           <a:prstGeom prst="rect">
@@ -20980,7 +20661,7 @@
           <a:lstStyle/>
           <a:p>
             <a:r>
-              <a:rPr lang="de-DE" sz="1800" dirty="0">
+              <a:rPr lang="de-DE" dirty="0">
                 <a:solidFill>
                   <a:srgbClr val="267326"/>
                 </a:solidFill>
@@ -21041,7 +20722,7 @@
         </p:nvSpPr>
         <p:spPr>
           <a:xfrm>
-            <a:off x="406399" y="459698"/>
+            <a:off x="406400" y="810536"/>
             <a:ext cx="11013409" cy="5953259"/>
           </a:xfrm>
           <a:prstGeom prst="roundRect">
@@ -21213,7 +20894,7 @@
         </p:nvSpPr>
         <p:spPr>
           <a:xfrm>
-            <a:off x="722489" y="786235"/>
+            <a:off x="722490" y="1137072"/>
             <a:ext cx="10329333" cy="5285530"/>
           </a:xfrm>
           <a:prstGeom prst="roundRect">
@@ -21385,7 +21066,7 @@
         </p:nvSpPr>
         <p:spPr>
           <a:xfrm>
-            <a:off x="1072541" y="1140178"/>
+            <a:off x="1072542" y="1491015"/>
             <a:ext cx="7333227" cy="4572000"/>
           </a:xfrm>
           <a:prstGeom prst="roundRect">
@@ -21557,7 +21238,7 @@
         </p:nvSpPr>
         <p:spPr>
           <a:xfrm>
-            <a:off x="542269" y="459699"/>
+            <a:off x="542269" y="810536"/>
             <a:ext cx="2584362" cy="338554"/>
           </a:xfrm>
           <a:prstGeom prst="rect">
@@ -21605,7 +21286,7 @@
         </p:nvSpPr>
         <p:spPr>
           <a:xfrm>
-            <a:off x="772192" y="786235"/>
+            <a:off x="772193" y="1137072"/>
             <a:ext cx="4216219" cy="338554"/>
           </a:xfrm>
           <a:prstGeom prst="rect">
@@ -21653,7 +21334,7 @@
         </p:nvSpPr>
         <p:spPr>
           <a:xfrm>
-            <a:off x="1044255" y="1096812"/>
+            <a:off x="1044255" y="1447649"/>
             <a:ext cx="5056192" cy="338554"/>
           </a:xfrm>
           <a:prstGeom prst="rect">
@@ -21701,7 +21382,7 @@
         </p:nvSpPr>
         <p:spPr>
           <a:xfrm>
-            <a:off x="2759362" y="4212309"/>
+            <a:off x="2759362" y="4563146"/>
             <a:ext cx="1630680" cy="754380"/>
           </a:xfrm>
           <a:prstGeom prst="ellipse">
@@ -21778,7 +21459,7 @@
         </p:nvSpPr>
         <p:spPr>
           <a:xfrm>
-            <a:off x="4390042" y="3088597"/>
+            <a:off x="4390042" y="3439434"/>
             <a:ext cx="1630680" cy="754380"/>
           </a:xfrm>
           <a:prstGeom prst="ellipse">
@@ -21855,7 +21536,7 @@
         </p:nvSpPr>
         <p:spPr>
           <a:xfrm>
-            <a:off x="6020722" y="1964885"/>
+            <a:off x="6020722" y="2315722"/>
             <a:ext cx="1630680" cy="754380"/>
           </a:xfrm>
           <a:prstGeom prst="ellipse">
@@ -21926,7 +21607,7 @@
         </p:nvCxnSpPr>
         <p:spPr>
           <a:xfrm rot="5400000" flipH="1" flipV="1">
-            <a:off x="3609111" y="3431378"/>
+            <a:off x="3609111" y="3782215"/>
             <a:ext cx="746522" cy="815340"/>
           </a:xfrm>
           <a:prstGeom prst="curvedConnector2">
@@ -21972,7 +21653,7 @@
         </p:nvCxnSpPr>
         <p:spPr>
           <a:xfrm rot="5400000" flipH="1" flipV="1">
-            <a:off x="5239791" y="2307666"/>
+            <a:off x="5239791" y="2658503"/>
             <a:ext cx="746522" cy="815340"/>
           </a:xfrm>
           <a:prstGeom prst="curvedConnector2">
@@ -22014,7 +21695,7 @@
         </p:nvSpPr>
         <p:spPr>
           <a:xfrm>
-            <a:off x="8944559" y="1960956"/>
+            <a:off x="8944559" y="2311793"/>
             <a:ext cx="1630680" cy="754380"/>
           </a:xfrm>
           <a:prstGeom prst="ellipse">
@@ -22081,7 +21762,7 @@
         </p:nvSpPr>
         <p:spPr>
           <a:xfrm>
-            <a:off x="8944559" y="4212309"/>
+            <a:off x="8944559" y="4563146"/>
             <a:ext cx="1630680" cy="754380"/>
           </a:xfrm>
           <a:prstGeom prst="ellipse">
@@ -22162,7 +21843,7 @@
         </p:nvCxnSpPr>
         <p:spPr>
           <a:xfrm flipV="1">
-            <a:off x="7651402" y="2338146"/>
+            <a:off x="7651403" y="2688984"/>
             <a:ext cx="1293157" cy="3929"/>
           </a:xfrm>
           <a:prstGeom prst="straightConnector1">
@@ -22208,7 +21889,7 @@
         </p:nvCxnSpPr>
         <p:spPr>
           <a:xfrm>
-            <a:off x="9759899" y="2715336"/>
+            <a:off x="9759899" y="3066174"/>
             <a:ext cx="0" cy="1496973"/>
           </a:xfrm>
           <a:prstGeom prst="straightConnector1">
@@ -22254,7 +21935,7 @@
         </p:nvCxnSpPr>
         <p:spPr>
           <a:xfrm flipH="1">
-            <a:off x="4390042" y="4589499"/>
+            <a:off x="4390043" y="4940336"/>
             <a:ext cx="4554517" cy="0"/>
           </a:xfrm>
           <a:prstGeom prst="straightConnector1">
@@ -22299,7 +21980,7 @@
         </p:nvCxnSpPr>
         <p:spPr>
           <a:xfrm>
-            <a:off x="5205382" y="3842977"/>
+            <a:off x="5205382" y="4193814"/>
             <a:ext cx="0" cy="746522"/>
           </a:xfrm>
           <a:prstGeom prst="straightConnector1">
@@ -22344,7 +22025,7 @@
         </p:nvCxnSpPr>
         <p:spPr>
           <a:xfrm>
-            <a:off x="6836062" y="2719265"/>
+            <a:off x="6836062" y="3070102"/>
             <a:ext cx="0" cy="1870234"/>
           </a:xfrm>
           <a:prstGeom prst="straightConnector1">
@@ -22386,7 +22067,7 @@
         </p:nvSpPr>
         <p:spPr>
           <a:xfrm>
-            <a:off x="8982929" y="1914930"/>
+            <a:off x="8982929" y="2265767"/>
             <a:ext cx="1553940" cy="854080"/>
           </a:xfrm>
           <a:prstGeom prst="rect">
@@ -22481,7 +22162,7 @@
         </p:nvSpPr>
         <p:spPr>
           <a:xfrm>
-            <a:off x="2929616" y="3795544"/>
+            <a:off x="2929617" y="4146382"/>
             <a:ext cx="1667307" cy="307777"/>
           </a:xfrm>
           <a:prstGeom prst="rect">
@@ -22531,7 +22212,7 @@
         </p:nvSpPr>
         <p:spPr>
           <a:xfrm>
-            <a:off x="4140586" y="2687489"/>
+            <a:off x="4140586" y="3038327"/>
             <a:ext cx="2211702" cy="307777"/>
           </a:xfrm>
           <a:prstGeom prst="rect">
@@ -22581,7 +22262,7 @@
         </p:nvSpPr>
         <p:spPr>
           <a:xfrm>
-            <a:off x="8944559" y="3321393"/>
+            <a:off x="8944560" y="3672231"/>
             <a:ext cx="1761541" cy="307777"/>
           </a:xfrm>
           <a:prstGeom prst="rect">
@@ -22631,7 +22312,7 @@
         </p:nvSpPr>
         <p:spPr>
           <a:xfrm>
-            <a:off x="8092593" y="1217956"/>
+            <a:off x="8092593" y="1568793"/>
             <a:ext cx="400110" cy="1870642"/>
           </a:xfrm>
           <a:prstGeom prst="rect">
@@ -22683,7 +22364,7 @@
         </p:nvCxnSpPr>
         <p:spPr>
           <a:xfrm rot="5400000" flipH="1" flipV="1">
-            <a:off x="1963885" y="4555090"/>
+            <a:off x="1963885" y="4905927"/>
             <a:ext cx="746522" cy="815340"/>
           </a:xfrm>
           <a:prstGeom prst="curvedConnector2">
@@ -22725,7 +22406,7 @@
         </p:nvSpPr>
         <p:spPr>
           <a:xfrm>
-            <a:off x="1072542" y="5326803"/>
+            <a:off x="1072543" y="5677641"/>
             <a:ext cx="2110495" cy="307777"/>
           </a:xfrm>
           <a:prstGeom prst="rect">
@@ -22775,7 +22456,7 @@
         </p:nvSpPr>
         <p:spPr>
           <a:xfrm>
-            <a:off x="6397152" y="2168869"/>
+            <a:off x="6397152" y="2519706"/>
             <a:ext cx="815340" cy="338554"/>
           </a:xfrm>
           <a:prstGeom prst="rect">
@@ -22821,7 +22502,7 @@
         </p:nvSpPr>
         <p:spPr>
           <a:xfrm>
-            <a:off x="3126631" y="4404153"/>
+            <a:off x="3126631" y="4754990"/>
             <a:ext cx="896142" cy="369332"/>
           </a:xfrm>
           <a:prstGeom prst="rect">
@@ -22836,7 +22517,7 @@
           <a:lstStyle/>
           <a:p>
             <a:r>
-              <a:rPr lang="de-DE" sz="1800" dirty="0">
+              <a:rPr lang="de-DE" dirty="0">
                 <a:solidFill>
                   <a:srgbClr val="267326"/>
                 </a:solidFill>
@@ -22867,7 +22548,7 @@
         </p:nvSpPr>
         <p:spPr>
           <a:xfrm>
-            <a:off x="81024" y="143609"/>
+            <a:off x="81024" y="494447"/>
             <a:ext cx="11665066" cy="6570783"/>
           </a:xfrm>
           <a:prstGeom prst="roundRect">
@@ -23039,7 +22720,7 @@
         </p:nvSpPr>
         <p:spPr>
           <a:xfrm>
-            <a:off x="215988" y="132033"/>
+            <a:off x="215989" y="482870"/>
             <a:ext cx="3459601" cy="338554"/>
           </a:xfrm>
           <a:prstGeom prst="rect">
@@ -23070,6 +22751,73 @@
               <a:latin typeface="LM Roman 10" pitchFamily="2" charset="77"/>
               <a:cs typeface="Didot" panose="02000503000000020003" pitchFamily="2" charset="-79"/>
             </a:endParaRPr>
+          </a:p>
+        </p:txBody>
+      </p:sp>
+      <p:sp>
+        <p:nvSpPr>
+          <p:cNvPr id="17" name="Textfeld 16">
+            <a:extLst>
+              <a:ext uri="{FF2B5EF4-FFF2-40B4-BE49-F238E27FC236}">
+                <a16:creationId xmlns:a16="http://schemas.microsoft.com/office/drawing/2014/main" id="{8D787362-CEED-9E8B-857D-4018325726AC}"/>
+              </a:ext>
+            </a:extLst>
+          </p:cNvPr>
+          <p:cNvSpPr txBox="1"/>
+          <p:nvPr/>
+        </p:nvSpPr>
+        <p:spPr>
+          <a:xfrm>
+            <a:off x="2455059" y="7127001"/>
+            <a:ext cx="7884186" cy="400110"/>
+          </a:xfrm>
+          <a:prstGeom prst="rect">
+            <a:avLst/>
+          </a:prstGeom>
+          <a:noFill/>
+        </p:spPr>
+        <p:txBody>
+          <a:bodyPr wrap="square">
+            <a:spAutoFit/>
+          </a:bodyPr>
+          <a:lstStyle/>
+          <a:p>
+            <a:r>
+              <a:rPr lang="de-DE" sz="2000" dirty="0">
+                <a:solidFill>
+                  <a:srgbClr val="267326"/>
+                </a:solidFill>
+                <a:latin typeface="LM Roman 10" pitchFamily="2" charset="77"/>
+              </a:rPr>
+              <a:t>Eigene Adaption des Prozessmodell nach </a:t>
+            </a:r>
+            <a:r>
+              <a:rPr lang="de-DE" sz="2000" dirty="0">
+                <a:solidFill>
+                  <a:srgbClr val="7FC400"/>
+                </a:solidFill>
+                <a:latin typeface="LM Roman 10" pitchFamily="2" charset="77"/>
+              </a:rPr>
+              <a:t>Groß </a:t>
+            </a:r>
+            <a:r>
+              <a:rPr lang="de-DE" sz="2000" dirty="0" err="1">
+                <a:solidFill>
+                  <a:srgbClr val="7FC400"/>
+                </a:solidFill>
+                <a:latin typeface="LM Roman 10" pitchFamily="2" charset="77"/>
+              </a:rPr>
+              <a:t>Ophoff</a:t>
+            </a:r>
+            <a:r>
+              <a:rPr lang="de-DE" sz="2000" dirty="0">
+                <a:solidFill>
+                  <a:srgbClr val="7FC400"/>
+                </a:solidFill>
+                <a:latin typeface="LM Roman 10" pitchFamily="2" charset="77"/>
+              </a:rPr>
+              <a:t> et al. (2023)</a:t>
+            </a:r>
           </a:p>
         </p:txBody>
       </p:sp>
@@ -23087,9 +22835,9 @@
 </file>
 
 <file path=ppt/theme/theme1.xml><?xml version="1.0" encoding="utf-8"?>
-<a:theme xmlns:a="http://schemas.openxmlformats.org/drawingml/2006/main" name="Office Theme">
+<a:theme xmlns:a="http://schemas.openxmlformats.org/drawingml/2006/main" name="Office 2013 – 2022-Design">
   <a:themeElements>
-    <a:clrScheme name="Office">
+    <a:clrScheme name="Office 2013 – 2022-Design">
       <a:dk1>
         <a:sysClr val="windowText" lastClr="000000"/>
       </a:dk1>
@@ -23127,7 +22875,7 @@
         <a:srgbClr val="954F72"/>
       </a:folHlink>
     </a:clrScheme>
-    <a:fontScheme name="Office">
+    <a:fontScheme name="Office 2013 – 2022-Design">
       <a:majorFont>
         <a:latin typeface="Calibri Light" panose="020F0302020204030204"/>
         <a:ea typeface=""/>
@@ -23162,23 +22910,6 @@
         <a:font script="Viet" typeface="Times New Roman"/>
         <a:font script="Uigh" typeface="Microsoft Uighur"/>
         <a:font script="Geor" typeface="Sylfaen"/>
-        <a:font script="Armn" typeface="Arial"/>
-        <a:font script="Bugi" typeface="Leelawadee UI"/>
-        <a:font script="Bopo" typeface="Microsoft JhengHei"/>
-        <a:font script="Java" typeface="Javanese Text"/>
-        <a:font script="Lisu" typeface="Segoe UI"/>
-        <a:font script="Mymr" typeface="Myanmar Text"/>
-        <a:font script="Nkoo" typeface="Ebrima"/>
-        <a:font script="Olck" typeface="Nirmala UI"/>
-        <a:font script="Osma" typeface="Ebrima"/>
-        <a:font script="Phag" typeface="Phagspa"/>
-        <a:font script="Syrn" typeface="Estrangelo Edessa"/>
-        <a:font script="Syrj" typeface="Estrangelo Edessa"/>
-        <a:font script="Syre" typeface="Estrangelo Edessa"/>
-        <a:font script="Sora" typeface="Nirmala UI"/>
-        <a:font script="Tale" typeface="Microsoft Tai Le"/>
-        <a:font script="Talu" typeface="Microsoft New Tai Lue"/>
-        <a:font script="Tfng" typeface="Ebrima"/>
       </a:majorFont>
       <a:minorFont>
         <a:latin typeface="Calibri" panose="020F0502020204030204"/>
@@ -23214,26 +22945,9 @@
         <a:font script="Viet" typeface="Arial"/>
         <a:font script="Uigh" typeface="Microsoft Uighur"/>
         <a:font script="Geor" typeface="Sylfaen"/>
-        <a:font script="Armn" typeface="Arial"/>
-        <a:font script="Bugi" typeface="Leelawadee UI"/>
-        <a:font script="Bopo" typeface="Microsoft JhengHei"/>
-        <a:font script="Java" typeface="Javanese Text"/>
-        <a:font script="Lisu" typeface="Segoe UI"/>
-        <a:font script="Mymr" typeface="Myanmar Text"/>
-        <a:font script="Nkoo" typeface="Ebrima"/>
-        <a:font script="Olck" typeface="Nirmala UI"/>
-        <a:font script="Osma" typeface="Ebrima"/>
-        <a:font script="Phag" typeface="Phagspa"/>
-        <a:font script="Syrn" typeface="Estrangelo Edessa"/>
-        <a:font script="Syrj" typeface="Estrangelo Edessa"/>
-        <a:font script="Syre" typeface="Estrangelo Edessa"/>
-        <a:font script="Sora" typeface="Nirmala UI"/>
-        <a:font script="Tale" typeface="Microsoft Tai Le"/>
-        <a:font script="Talu" typeface="Microsoft New Tai Lue"/>
-        <a:font script="Tfng" typeface="Ebrima"/>
       </a:minorFont>
     </a:fontScheme>
-    <a:fmtScheme name="Office">
+    <a:fmtScheme name="Office 2013 – 2022-Design">
       <a:fillStyleLst>
         <a:solidFill>
           <a:schemeClr val="phClr"/>
@@ -23375,7 +23089,7 @@
   <a:extraClrSchemeLst/>
   <a:extLst>
     <a:ext uri="{05A4C25C-085E-4340-85A3-A5531E510DB2}">
-      <thm15:themeFamily xmlns:thm15="http://schemas.microsoft.com/office/thememl/2012/main" name="Office Theme" id="{62F939B6-93AF-4DB8-9C6B-D6C7DFDC589F}" vid="{4A3C46E8-61CC-4603-A589-7422A47A8E4A}"/>
+      <thm15:themeFamily xmlns:thm15="http://schemas.microsoft.com/office/thememl/2012/main" name="Office 2013 - 2022 Theme" id="{62F939B6-93AF-4DB8-9C6B-D6C7DFDC589F}" vid="{4A3C46E8-61CC-4603-A589-7422A47A8E4A}"/>
     </a:ext>
   </a:extLst>
 </a:theme>

--- a/img/Groß_Ophoff et al (2023)_adapted.pptx
+++ b/img/Groß_Ophoff et al (2023)_adapted.pptx
@@ -256,7 +256,7 @@
           <a:p>
             <a:fld id="{2F5C0E49-5901-4A70-B0E2-4707CC9925D2}" type="datetimeFigureOut">
               <a:rPr lang="en-US" smtClean="0"/>
-              <a:t>7/14/24</a:t>
+              <a:t>7/16/24</a:t>
             </a:fld>
             <a:endParaRPr lang="en-US"/>
           </a:p>
@@ -426,7 +426,7 @@
           <a:p>
             <a:fld id="{2F5C0E49-5901-4A70-B0E2-4707CC9925D2}" type="datetimeFigureOut">
               <a:rPr lang="en-US" smtClean="0"/>
-              <a:t>7/14/24</a:t>
+              <a:t>7/16/24</a:t>
             </a:fld>
             <a:endParaRPr lang="en-US"/>
           </a:p>
@@ -606,7 +606,7 @@
           <a:p>
             <a:fld id="{2F5C0E49-5901-4A70-B0E2-4707CC9925D2}" type="datetimeFigureOut">
               <a:rPr lang="en-US" smtClean="0"/>
-              <a:t>7/14/24</a:t>
+              <a:t>7/16/24</a:t>
             </a:fld>
             <a:endParaRPr lang="en-US"/>
           </a:p>
@@ -776,7 +776,7 @@
           <a:p>
             <a:fld id="{2F5C0E49-5901-4A70-B0E2-4707CC9925D2}" type="datetimeFigureOut">
               <a:rPr lang="en-US" smtClean="0"/>
-              <a:t>7/14/24</a:t>
+              <a:t>7/16/24</a:t>
             </a:fld>
             <a:endParaRPr lang="en-US"/>
           </a:p>
@@ -1022,7 +1022,7 @@
           <a:p>
             <a:fld id="{2F5C0E49-5901-4A70-B0E2-4707CC9925D2}" type="datetimeFigureOut">
               <a:rPr lang="en-US" smtClean="0"/>
-              <a:t>7/14/24</a:t>
+              <a:t>7/16/24</a:t>
             </a:fld>
             <a:endParaRPr lang="en-US"/>
           </a:p>
@@ -1254,7 +1254,7 @@
           <a:p>
             <a:fld id="{2F5C0E49-5901-4A70-B0E2-4707CC9925D2}" type="datetimeFigureOut">
               <a:rPr lang="en-US" smtClean="0"/>
-              <a:t>7/14/24</a:t>
+              <a:t>7/16/24</a:t>
             </a:fld>
             <a:endParaRPr lang="en-US"/>
           </a:p>
@@ -1621,7 +1621,7 @@
           <a:p>
             <a:fld id="{2F5C0E49-5901-4A70-B0E2-4707CC9925D2}" type="datetimeFigureOut">
               <a:rPr lang="en-US" smtClean="0"/>
-              <a:t>7/14/24</a:t>
+              <a:t>7/16/24</a:t>
             </a:fld>
             <a:endParaRPr lang="en-US"/>
           </a:p>
@@ -1739,7 +1739,7 @@
           <a:p>
             <a:fld id="{2F5C0E49-5901-4A70-B0E2-4707CC9925D2}" type="datetimeFigureOut">
               <a:rPr lang="en-US" smtClean="0"/>
-              <a:t>7/14/24</a:t>
+              <a:t>7/16/24</a:t>
             </a:fld>
             <a:endParaRPr lang="en-US"/>
           </a:p>
@@ -1834,7 +1834,7 @@
           <a:p>
             <a:fld id="{2F5C0E49-5901-4A70-B0E2-4707CC9925D2}" type="datetimeFigureOut">
               <a:rPr lang="en-US" smtClean="0"/>
-              <a:t>7/14/24</a:t>
+              <a:t>7/16/24</a:t>
             </a:fld>
             <a:endParaRPr lang="en-US"/>
           </a:p>
@@ -2111,7 +2111,7 @@
           <a:p>
             <a:fld id="{2F5C0E49-5901-4A70-B0E2-4707CC9925D2}" type="datetimeFigureOut">
               <a:rPr lang="en-US" smtClean="0"/>
-              <a:t>7/14/24</a:t>
+              <a:t>7/16/24</a:t>
             </a:fld>
             <a:endParaRPr lang="en-US"/>
           </a:p>
@@ -2368,7 +2368,7 @@
           <a:p>
             <a:fld id="{2F5C0E49-5901-4A70-B0E2-4707CC9925D2}" type="datetimeFigureOut">
               <a:rPr lang="en-US" smtClean="0"/>
-              <a:t>7/14/24</a:t>
+              <a:t>7/16/24</a:t>
             </a:fld>
             <a:endParaRPr lang="en-US"/>
           </a:p>
@@ -2584,7 +2584,7 @@
           <a:p>
             <a:fld id="{2F5C0E49-5901-4A70-B0E2-4707CC9925D2}" type="datetimeFigureOut">
               <a:rPr lang="en-US" smtClean="0"/>
-              <a:t>7/14/24</a:t>
+              <a:t>7/16/24</a:t>
             </a:fld>
             <a:endParaRPr lang="en-US"/>
           </a:p>

--- a/img/Groß_Ophoff et al (2023)_adapted.pptx
+++ b/img/Groß_Ophoff et al (2023)_adapted.pptx
@@ -4839,7 +4839,7 @@
 </file>
 
 <file path=ppt/slides/slide10.xml><?xml version="1.0" encoding="utf-8"?>
-<p:sld xmlns:a="http://schemas.openxmlformats.org/drawingml/2006/main" xmlns:r="http://schemas.openxmlformats.org/officeDocument/2006/relationships" xmlns:p="http://schemas.openxmlformats.org/presentationml/2006/main">
+<p:sld xmlns:a="http://schemas.openxmlformats.org/drawingml/2006/main" xmlns:r="http://schemas.openxmlformats.org/officeDocument/2006/relationships" xmlns:p="http://schemas.openxmlformats.org/presentationml/2006/main" show="0">
   <p:cSld>
     <p:spTree>
       <p:nvGrpSpPr>
@@ -7059,7 +7059,7 @@
 </file>
 
 <file path=ppt/slides/slide11.xml><?xml version="1.0" encoding="utf-8"?>
-<p:sld xmlns:a="http://schemas.openxmlformats.org/drawingml/2006/main" xmlns:r="http://schemas.openxmlformats.org/officeDocument/2006/relationships" xmlns:p="http://schemas.openxmlformats.org/presentationml/2006/main">
+<p:sld xmlns:a="http://schemas.openxmlformats.org/drawingml/2006/main" xmlns:r="http://schemas.openxmlformats.org/officeDocument/2006/relationships" xmlns:p="http://schemas.openxmlformats.org/presentationml/2006/main" show="0">
   <p:cSld>
     <p:spTree>
       <p:nvGrpSpPr>
@@ -20387,7 +20387,7 @@
           </a:solidFill>
           <a:ln>
             <a:solidFill>
-              <a:srgbClr val="267326"/>
+              <a:schemeClr val="tx1"/>
             </a:solidFill>
           </a:ln>
           <a:effectLst>
@@ -20422,7 +20422,7 @@
             <a:r>
               <a:rPr lang="de-DE" dirty="0">
                 <a:solidFill>
-                  <a:srgbClr val="267326"/>
+                  <a:schemeClr val="tx1"/>
                 </a:solidFill>
                 <a:latin typeface="LM Roman 10" pitchFamily="2" charset="77"/>
                 <a:cs typeface="Didot" panose="02000503000000020003" pitchFamily="2" charset="-79"/>
@@ -20431,7 +20431,7 @@
             </a:r>
             <a:endParaRPr lang="en-US" dirty="0">
               <a:solidFill>
-                <a:srgbClr val="267326"/>
+                <a:schemeClr val="tx1"/>
               </a:solidFill>
               <a:latin typeface="LM Roman 10" pitchFamily="2" charset="77"/>
               <a:cs typeface="Didot" panose="02000503000000020003" pitchFamily="2" charset="-79"/>
@@ -20454,242 +20454,6 @@
         <p:spPr>
           <a:xfrm>
             <a:off x="4390042" y="3439434"/>
-            <a:ext cx="1630680" cy="754380"/>
-          </a:xfrm>
-          <a:prstGeom prst="ellipse">
-            <a:avLst/>
-          </a:prstGeom>
-          <a:solidFill>
-            <a:srgbClr val="F2F2F2"/>
-          </a:solidFill>
-          <a:ln>
-            <a:solidFill>
-              <a:srgbClr val="267326"/>
-            </a:solidFill>
-          </a:ln>
-          <a:effectLst>
-            <a:outerShdw blurRad="50800" dist="38100" dir="2700000" algn="tl" rotWithShape="0">
-              <a:prstClr val="black">
-                <a:alpha val="40000"/>
-              </a:prstClr>
-            </a:outerShdw>
-          </a:effectLst>
-        </p:spPr>
-        <p:style>
-          <a:lnRef idx="2">
-            <a:schemeClr val="accent1">
-              <a:shade val="50000"/>
-            </a:schemeClr>
-          </a:lnRef>
-          <a:fillRef idx="1">
-            <a:schemeClr val="accent1"/>
-          </a:fillRef>
-          <a:effectRef idx="0">
-            <a:schemeClr val="accent1"/>
-          </a:effectRef>
-          <a:fontRef idx="minor">
-            <a:schemeClr val="lt1"/>
-          </a:fontRef>
-        </p:style>
-        <p:txBody>
-          <a:bodyPr rtlCol="0" anchor="ctr"/>
-          <a:lstStyle/>
-          <a:p>
-            <a:pPr algn="ctr"/>
-            <a:r>
-              <a:rPr lang="de-DE" sz="1600" dirty="0">
-                <a:solidFill>
-                  <a:srgbClr val="267326"/>
-                </a:solidFill>
-                <a:latin typeface="LM Roman 10" pitchFamily="2" charset="77"/>
-                <a:cs typeface="Didot" panose="02000503000000020003" pitchFamily="2" charset="-79"/>
-              </a:rPr>
-              <a:t>Evidenz</a:t>
-            </a:r>
-            <a:endParaRPr lang="en-US" dirty="0">
-              <a:solidFill>
-                <a:srgbClr val="267326"/>
-              </a:solidFill>
-              <a:latin typeface="LM Roman 10" pitchFamily="2" charset="77"/>
-              <a:cs typeface="Didot" panose="02000503000000020003" pitchFamily="2" charset="-79"/>
-            </a:endParaRPr>
-          </a:p>
-        </p:txBody>
-      </p:sp>
-      <p:sp>
-        <p:nvSpPr>
-          <p:cNvPr id="15" name="Oval 14">
-            <a:extLst>
-              <a:ext uri="{FF2B5EF4-FFF2-40B4-BE49-F238E27FC236}">
-                <a16:creationId xmlns:a16="http://schemas.microsoft.com/office/drawing/2014/main" id="{97DAF1C8-8BF6-B122-BD80-962768DA66B4}"/>
-              </a:ext>
-            </a:extLst>
-          </p:cNvPr>
-          <p:cNvSpPr/>
-          <p:nvPr/>
-        </p:nvSpPr>
-        <p:spPr>
-          <a:xfrm>
-            <a:off x="6020722" y="2315722"/>
-            <a:ext cx="1630680" cy="754380"/>
-          </a:xfrm>
-          <a:prstGeom prst="ellipse">
-            <a:avLst/>
-          </a:prstGeom>
-          <a:solidFill>
-            <a:srgbClr val="F2F2F2"/>
-          </a:solidFill>
-          <a:ln>
-            <a:solidFill>
-              <a:srgbClr val="267326"/>
-            </a:solidFill>
-          </a:ln>
-          <a:effectLst>
-            <a:outerShdw blurRad="50800" dist="38100" dir="2700000" algn="tl" rotWithShape="0">
-              <a:prstClr val="black">
-                <a:alpha val="40000"/>
-              </a:prstClr>
-            </a:outerShdw>
-          </a:effectLst>
-        </p:spPr>
-        <p:style>
-          <a:lnRef idx="2">
-            <a:schemeClr val="accent1">
-              <a:shade val="50000"/>
-            </a:schemeClr>
-          </a:lnRef>
-          <a:fillRef idx="1">
-            <a:schemeClr val="accent1"/>
-          </a:fillRef>
-          <a:effectRef idx="0">
-            <a:schemeClr val="accent1"/>
-          </a:effectRef>
-          <a:fontRef idx="minor">
-            <a:schemeClr val="lt1"/>
-          </a:fontRef>
-        </p:style>
-        <p:txBody>
-          <a:bodyPr rtlCol="0" anchor="ctr"/>
-          <a:lstStyle/>
-          <a:p>
-            <a:pPr algn="ctr"/>
-            <a:endParaRPr lang="en-US" sz="1600" dirty="0">
-              <a:solidFill>
-                <a:srgbClr val="267326"/>
-              </a:solidFill>
-              <a:latin typeface="LM Roman 10" pitchFamily="2" charset="77"/>
-              <a:cs typeface="Didot" panose="02000503000000020003" pitchFamily="2" charset="-79"/>
-            </a:endParaRPr>
-          </a:p>
-        </p:txBody>
-      </p:sp>
-      <p:cxnSp>
-        <p:nvCxnSpPr>
-          <p:cNvPr id="20" name="Connector: Curved 19">
-            <a:extLst>
-              <a:ext uri="{FF2B5EF4-FFF2-40B4-BE49-F238E27FC236}">
-                <a16:creationId xmlns:a16="http://schemas.microsoft.com/office/drawing/2014/main" id="{9D08A355-1BFF-B13D-EABD-1944CF8A7E31}"/>
-              </a:ext>
-            </a:extLst>
-          </p:cNvPr>
-          <p:cNvCxnSpPr>
-            <a:cxnSpLocks/>
-            <a:stCxn id="13" idx="0"/>
-            <a:endCxn id="14" idx="2"/>
-          </p:cNvCxnSpPr>
-          <p:nvPr/>
-        </p:nvCxnSpPr>
-        <p:spPr>
-          <a:xfrm rot="5400000" flipH="1" flipV="1">
-            <a:off x="3609111" y="3782215"/>
-            <a:ext cx="746522" cy="815340"/>
-          </a:xfrm>
-          <a:prstGeom prst="curvedConnector2">
-            <a:avLst/>
-          </a:prstGeom>
-          <a:ln w="34925">
-            <a:solidFill>
-              <a:srgbClr val="267326"/>
-            </a:solidFill>
-            <a:tailEnd type="triangle"/>
-          </a:ln>
-        </p:spPr>
-        <p:style>
-          <a:lnRef idx="1">
-            <a:schemeClr val="accent1"/>
-          </a:lnRef>
-          <a:fillRef idx="0">
-            <a:schemeClr val="accent1"/>
-          </a:fillRef>
-          <a:effectRef idx="0">
-            <a:schemeClr val="accent1"/>
-          </a:effectRef>
-          <a:fontRef idx="minor">
-            <a:schemeClr val="tx1"/>
-          </a:fontRef>
-        </p:style>
-      </p:cxnSp>
-      <p:cxnSp>
-        <p:nvCxnSpPr>
-          <p:cNvPr id="23" name="Connector: Curved 22">
-            <a:extLst>
-              <a:ext uri="{FF2B5EF4-FFF2-40B4-BE49-F238E27FC236}">
-                <a16:creationId xmlns:a16="http://schemas.microsoft.com/office/drawing/2014/main" id="{C576A603-F83F-F3F0-AD46-5F1BC4B64A9E}"/>
-              </a:ext>
-            </a:extLst>
-          </p:cNvPr>
-          <p:cNvCxnSpPr>
-            <a:cxnSpLocks/>
-            <a:stCxn id="14" idx="0"/>
-            <a:endCxn id="15" idx="2"/>
-          </p:cNvCxnSpPr>
-          <p:nvPr/>
-        </p:nvCxnSpPr>
-        <p:spPr>
-          <a:xfrm rot="5400000" flipH="1" flipV="1">
-            <a:off x="5239791" y="2658503"/>
-            <a:ext cx="746522" cy="815340"/>
-          </a:xfrm>
-          <a:prstGeom prst="curvedConnector2">
-            <a:avLst/>
-          </a:prstGeom>
-          <a:ln w="34925">
-            <a:solidFill>
-              <a:srgbClr val="267326"/>
-            </a:solidFill>
-            <a:tailEnd type="triangle"/>
-          </a:ln>
-        </p:spPr>
-        <p:style>
-          <a:lnRef idx="1">
-            <a:schemeClr val="accent1"/>
-          </a:lnRef>
-          <a:fillRef idx="0">
-            <a:schemeClr val="accent1"/>
-          </a:fillRef>
-          <a:effectRef idx="0">
-            <a:schemeClr val="accent1"/>
-          </a:effectRef>
-          <a:fontRef idx="minor">
-            <a:schemeClr val="tx1"/>
-          </a:fontRef>
-        </p:style>
-      </p:cxnSp>
-      <p:sp>
-        <p:nvSpPr>
-          <p:cNvPr id="26" name="Oval 25">
-            <a:extLst>
-              <a:ext uri="{FF2B5EF4-FFF2-40B4-BE49-F238E27FC236}">
-                <a16:creationId xmlns:a16="http://schemas.microsoft.com/office/drawing/2014/main" id="{E3DC8A4E-1508-5E72-013D-97FAFDC90495}"/>
-              </a:ext>
-            </a:extLst>
-          </p:cNvPr>
-          <p:cNvSpPr/>
-          <p:nvPr/>
-        </p:nvSpPr>
-        <p:spPr>
-          <a:xfrm>
-            <a:off x="8944559" y="2311793"/>
             <a:ext cx="1630680" cy="754380"/>
           </a:xfrm>
           <a:prstGeom prst="ellipse">
@@ -20732,9 +20496,19 @@
           <a:lstStyle/>
           <a:p>
             <a:pPr algn="ctr"/>
+            <a:r>
+              <a:rPr lang="de-DE" sz="1600" dirty="0">
+                <a:solidFill>
+                  <a:schemeClr val="tx1"/>
+                </a:solidFill>
+                <a:latin typeface="LM Roman 10" pitchFamily="2" charset="77"/>
+                <a:cs typeface="Didot" panose="02000503000000020003" pitchFamily="2" charset="-79"/>
+              </a:rPr>
+              <a:t>Evidenz</a:t>
+            </a:r>
             <a:endParaRPr lang="en-US" dirty="0">
               <a:solidFill>
-                <a:srgbClr val="267326"/>
+                <a:schemeClr val="tx1"/>
               </a:solidFill>
               <a:latin typeface="LM Roman 10" pitchFamily="2" charset="77"/>
               <a:cs typeface="Didot" panose="02000503000000020003" pitchFamily="2" charset="-79"/>
@@ -20744,10 +20518,10 @@
       </p:sp>
       <p:sp>
         <p:nvSpPr>
-          <p:cNvPr id="27" name="Oval 26">
-            <a:extLst>
-              <a:ext uri="{FF2B5EF4-FFF2-40B4-BE49-F238E27FC236}">
-                <a16:creationId xmlns:a16="http://schemas.microsoft.com/office/drawing/2014/main" id="{72AF60ED-4044-E5E5-F9E9-64C7593F7CC0}"/>
+          <p:cNvPr id="15" name="Oval 14">
+            <a:extLst>
+              <a:ext uri="{FF2B5EF4-FFF2-40B4-BE49-F238E27FC236}">
+                <a16:creationId xmlns:a16="http://schemas.microsoft.com/office/drawing/2014/main" id="{97DAF1C8-8BF6-B122-BD80-962768DA66B4}"/>
               </a:ext>
             </a:extLst>
           </p:cNvPr>
@@ -20756,7 +20530,7 @@
         </p:nvSpPr>
         <p:spPr>
           <a:xfrm>
-            <a:off x="8944559" y="4563146"/>
+            <a:off x="6020722" y="2315722"/>
             <a:ext cx="1630680" cy="754380"/>
           </a:xfrm>
           <a:prstGeom prst="ellipse">
@@ -20767,7 +20541,7 @@
           </a:solidFill>
           <a:ln>
             <a:solidFill>
-              <a:srgbClr val="267326"/>
+              <a:schemeClr val="tx1"/>
             </a:solidFill>
           </a:ln>
           <a:effectLst>
@@ -20799,10 +20573,236 @@
           <a:lstStyle/>
           <a:p>
             <a:pPr algn="ctr"/>
+            <a:endParaRPr lang="en-US" sz="1600" dirty="0">
+              <a:solidFill>
+                <a:schemeClr val="tx1"/>
+              </a:solidFill>
+              <a:latin typeface="LM Roman 10" pitchFamily="2" charset="77"/>
+              <a:cs typeface="Didot" panose="02000503000000020003" pitchFamily="2" charset="-79"/>
+            </a:endParaRPr>
+          </a:p>
+        </p:txBody>
+      </p:sp>
+      <p:cxnSp>
+        <p:nvCxnSpPr>
+          <p:cNvPr id="20" name="Connector: Curved 19">
+            <a:extLst>
+              <a:ext uri="{FF2B5EF4-FFF2-40B4-BE49-F238E27FC236}">
+                <a16:creationId xmlns:a16="http://schemas.microsoft.com/office/drawing/2014/main" id="{9D08A355-1BFF-B13D-EABD-1944CF8A7E31}"/>
+              </a:ext>
+            </a:extLst>
+          </p:cNvPr>
+          <p:cNvCxnSpPr>
+            <a:cxnSpLocks/>
+            <a:stCxn id="13" idx="0"/>
+            <a:endCxn id="14" idx="2"/>
+          </p:cNvCxnSpPr>
+          <p:nvPr/>
+        </p:nvCxnSpPr>
+        <p:spPr>
+          <a:xfrm rot="5400000" flipH="1" flipV="1">
+            <a:off x="3609111" y="3782215"/>
+            <a:ext cx="746522" cy="815340"/>
+          </a:xfrm>
+          <a:prstGeom prst="curvedConnector2">
+            <a:avLst/>
+          </a:prstGeom>
+          <a:ln w="34925">
+            <a:solidFill>
+              <a:schemeClr val="tx1"/>
+            </a:solidFill>
+            <a:tailEnd type="triangle"/>
+          </a:ln>
+        </p:spPr>
+        <p:style>
+          <a:lnRef idx="1">
+            <a:schemeClr val="accent1"/>
+          </a:lnRef>
+          <a:fillRef idx="0">
+            <a:schemeClr val="accent1"/>
+          </a:fillRef>
+          <a:effectRef idx="0">
+            <a:schemeClr val="accent1"/>
+          </a:effectRef>
+          <a:fontRef idx="minor">
+            <a:schemeClr val="tx1"/>
+          </a:fontRef>
+        </p:style>
+      </p:cxnSp>
+      <p:cxnSp>
+        <p:nvCxnSpPr>
+          <p:cNvPr id="23" name="Connector: Curved 22">
+            <a:extLst>
+              <a:ext uri="{FF2B5EF4-FFF2-40B4-BE49-F238E27FC236}">
+                <a16:creationId xmlns:a16="http://schemas.microsoft.com/office/drawing/2014/main" id="{C576A603-F83F-F3F0-AD46-5F1BC4B64A9E}"/>
+              </a:ext>
+            </a:extLst>
+          </p:cNvPr>
+          <p:cNvCxnSpPr>
+            <a:cxnSpLocks/>
+            <a:stCxn id="14" idx="0"/>
+            <a:endCxn id="15" idx="2"/>
+          </p:cNvCxnSpPr>
+          <p:nvPr/>
+        </p:nvCxnSpPr>
+        <p:spPr>
+          <a:xfrm rot="5400000" flipH="1" flipV="1">
+            <a:off x="5239791" y="2658503"/>
+            <a:ext cx="746522" cy="815340"/>
+          </a:xfrm>
+          <a:prstGeom prst="curvedConnector2">
+            <a:avLst/>
+          </a:prstGeom>
+          <a:ln w="34925">
+            <a:solidFill>
+              <a:schemeClr val="tx1"/>
+            </a:solidFill>
+            <a:tailEnd type="triangle"/>
+          </a:ln>
+        </p:spPr>
+        <p:style>
+          <a:lnRef idx="1">
+            <a:schemeClr val="accent1"/>
+          </a:lnRef>
+          <a:fillRef idx="0">
+            <a:schemeClr val="accent1"/>
+          </a:fillRef>
+          <a:effectRef idx="0">
+            <a:schemeClr val="accent1"/>
+          </a:effectRef>
+          <a:fontRef idx="minor">
+            <a:schemeClr val="tx1"/>
+          </a:fontRef>
+        </p:style>
+      </p:cxnSp>
+      <p:sp>
+        <p:nvSpPr>
+          <p:cNvPr id="26" name="Oval 25">
+            <a:extLst>
+              <a:ext uri="{FF2B5EF4-FFF2-40B4-BE49-F238E27FC236}">
+                <a16:creationId xmlns:a16="http://schemas.microsoft.com/office/drawing/2014/main" id="{E3DC8A4E-1508-5E72-013D-97FAFDC90495}"/>
+              </a:ext>
+            </a:extLst>
+          </p:cNvPr>
+          <p:cNvSpPr/>
+          <p:nvPr/>
+        </p:nvSpPr>
+        <p:spPr>
+          <a:xfrm>
+            <a:off x="8944559" y="2311793"/>
+            <a:ext cx="1630680" cy="754380"/>
+          </a:xfrm>
+          <a:prstGeom prst="ellipse">
+            <a:avLst/>
+          </a:prstGeom>
+          <a:solidFill>
+            <a:srgbClr val="F2F2F2"/>
+          </a:solidFill>
+          <a:ln>
+            <a:solidFill>
+              <a:schemeClr val="tx1"/>
+            </a:solidFill>
+          </a:ln>
+          <a:effectLst>
+            <a:outerShdw blurRad="50800" dist="38100" dir="2700000" algn="tl" rotWithShape="0">
+              <a:prstClr val="black">
+                <a:alpha val="40000"/>
+              </a:prstClr>
+            </a:outerShdw>
+          </a:effectLst>
+        </p:spPr>
+        <p:style>
+          <a:lnRef idx="2">
+            <a:schemeClr val="accent1">
+              <a:shade val="50000"/>
+            </a:schemeClr>
+          </a:lnRef>
+          <a:fillRef idx="1">
+            <a:schemeClr val="accent1"/>
+          </a:fillRef>
+          <a:effectRef idx="0">
+            <a:schemeClr val="accent1"/>
+          </a:effectRef>
+          <a:fontRef idx="minor">
+            <a:schemeClr val="lt1"/>
+          </a:fontRef>
+        </p:style>
+        <p:txBody>
+          <a:bodyPr rtlCol="0" anchor="ctr"/>
+          <a:lstStyle/>
+          <a:p>
+            <a:pPr algn="ctr"/>
+            <a:endParaRPr lang="en-US" dirty="0">
+              <a:solidFill>
+                <a:schemeClr val="tx1"/>
+              </a:solidFill>
+              <a:latin typeface="LM Roman 10" pitchFamily="2" charset="77"/>
+              <a:cs typeface="Didot" panose="02000503000000020003" pitchFamily="2" charset="-79"/>
+            </a:endParaRPr>
+          </a:p>
+        </p:txBody>
+      </p:sp>
+      <p:sp>
+        <p:nvSpPr>
+          <p:cNvPr id="27" name="Oval 26">
+            <a:extLst>
+              <a:ext uri="{FF2B5EF4-FFF2-40B4-BE49-F238E27FC236}">
+                <a16:creationId xmlns:a16="http://schemas.microsoft.com/office/drawing/2014/main" id="{72AF60ED-4044-E5E5-F9E9-64C7593F7CC0}"/>
+              </a:ext>
+            </a:extLst>
+          </p:cNvPr>
+          <p:cNvSpPr/>
+          <p:nvPr/>
+        </p:nvSpPr>
+        <p:spPr>
+          <a:xfrm>
+            <a:off x="8944559" y="4563146"/>
+            <a:ext cx="1630680" cy="754380"/>
+          </a:xfrm>
+          <a:prstGeom prst="ellipse">
+            <a:avLst/>
+          </a:prstGeom>
+          <a:solidFill>
+            <a:srgbClr val="F2F2F2"/>
+          </a:solidFill>
+          <a:ln>
+            <a:solidFill>
+              <a:schemeClr val="tx1"/>
+            </a:solidFill>
+          </a:ln>
+          <a:effectLst>
+            <a:outerShdw blurRad="50800" dist="38100" dir="2700000" algn="tl" rotWithShape="0">
+              <a:prstClr val="black">
+                <a:alpha val="40000"/>
+              </a:prstClr>
+            </a:outerShdw>
+          </a:effectLst>
+        </p:spPr>
+        <p:style>
+          <a:lnRef idx="2">
+            <a:schemeClr val="accent1">
+              <a:shade val="50000"/>
+            </a:schemeClr>
+          </a:lnRef>
+          <a:fillRef idx="1">
+            <a:schemeClr val="accent1"/>
+          </a:fillRef>
+          <a:effectRef idx="0">
+            <a:schemeClr val="accent1"/>
+          </a:effectRef>
+          <a:fontRef idx="minor">
+            <a:schemeClr val="lt1"/>
+          </a:fontRef>
+        </p:style>
+        <p:txBody>
+          <a:bodyPr rtlCol="0" anchor="ctr"/>
+          <a:lstStyle/>
+          <a:p>
+            <a:pPr algn="ctr"/>
             <a:r>
               <a:rPr lang="de-DE" sz="1600" dirty="0">
                 <a:solidFill>
-                  <a:srgbClr val="267326"/>
+                  <a:schemeClr val="tx1"/>
                 </a:solidFill>
                 <a:latin typeface="LM Roman 10" pitchFamily="2" charset="77"/>
                 <a:cs typeface="Didot" panose="02000503000000020003" pitchFamily="2" charset="-79"/>
@@ -20811,7 +20811,7 @@
             </a:r>
             <a:endParaRPr lang="en-US" sz="1600" dirty="0">
               <a:solidFill>
-                <a:srgbClr val="267326"/>
+                <a:schemeClr val="tx1"/>
               </a:solidFill>
               <a:latin typeface="LM Roman 10" pitchFamily="2" charset="77"/>
               <a:cs typeface="Didot" panose="02000503000000020003" pitchFamily="2" charset="-79"/>
@@ -20845,7 +20845,7 @@
           </a:prstGeom>
           <a:ln w="34925">
             <a:solidFill>
-              <a:srgbClr val="267326"/>
+              <a:schemeClr val="tx1"/>
             </a:solidFill>
             <a:tailEnd type="triangle"/>
           </a:ln>
@@ -20891,7 +20891,7 @@
           </a:prstGeom>
           <a:ln w="34925">
             <a:solidFill>
-              <a:srgbClr val="267326"/>
+              <a:schemeClr val="tx1"/>
             </a:solidFill>
             <a:tailEnd type="triangle"/>
           </a:ln>
@@ -20937,7 +20937,7 @@
           </a:prstGeom>
           <a:ln w="34925">
             <a:solidFill>
-              <a:srgbClr val="267326"/>
+              <a:schemeClr val="tx1"/>
             </a:solidFill>
             <a:tailEnd type="triangle"/>
           </a:ln>
@@ -20982,7 +20982,7 @@
           </a:prstGeom>
           <a:ln w="34925">
             <a:solidFill>
-              <a:srgbClr val="267326"/>
+              <a:schemeClr val="tx1"/>
             </a:solidFill>
             <a:tailEnd type="triangle"/>
           </a:ln>
@@ -21027,7 +21027,7 @@
           </a:prstGeom>
           <a:ln w="34925">
             <a:solidFill>
-              <a:srgbClr val="267326"/>
+              <a:schemeClr val="tx1"/>
             </a:solidFill>
             <a:tailEnd type="triangle"/>
           </a:ln>
@@ -21068,6 +21068,9 @@
             <a:avLst/>
           </a:prstGeom>
           <a:noFill/>
+          <a:ln>
+            <a:noFill/>
+          </a:ln>
         </p:spPr>
         <p:txBody>
           <a:bodyPr wrap="square" rtlCol="0">
@@ -21078,18 +21081,12 @@
             <a:pPr algn="ctr"/>
             <a:r>
               <a:rPr lang="de-DE" sz="1600" dirty="0">
-                <a:solidFill>
-                  <a:srgbClr val="267326"/>
-                </a:solidFill>
                 <a:latin typeface="LM Roman 10" pitchFamily="2" charset="77"/>
                 <a:cs typeface="Didot" panose="02000503000000020003" pitchFamily="2" charset="-79"/>
               </a:rPr>
               <a:t>Nutzung</a:t>
             </a:r>
             <a:endParaRPr lang="de-DE" sz="2000" dirty="0">
-              <a:solidFill>
-                <a:srgbClr val="267326"/>
-              </a:solidFill>
               <a:latin typeface="LM Roman 10" pitchFamily="2" charset="77"/>
               <a:cs typeface="Didot" panose="02000503000000020003" pitchFamily="2" charset="-79"/>
             </a:endParaRPr>
@@ -21098,9 +21095,6 @@
             <a:pPr algn="ctr"/>
             <a:r>
               <a:rPr lang="de-DE" sz="1100" dirty="0">
-                <a:solidFill>
-                  <a:srgbClr val="267326"/>
-                </a:solidFill>
                 <a:latin typeface="LM Roman 10" pitchFamily="2" charset="77"/>
                 <a:cs typeface="Didot" panose="02000503000000020003" pitchFamily="2" charset="-79"/>
               </a:rPr>
@@ -21111,9 +21105,6 @@
             <a:pPr algn="ctr"/>
             <a:r>
               <a:rPr lang="de-DE" sz="1100" dirty="0">
-                <a:solidFill>
-                  <a:srgbClr val="267326"/>
-                </a:solidFill>
                 <a:latin typeface="LM Roman 10" pitchFamily="2" charset="77"/>
                 <a:cs typeface="Didot" panose="02000503000000020003" pitchFamily="2" charset="-79"/>
               </a:rPr>
@@ -21124,18 +21115,12 @@
             <a:pPr algn="ctr"/>
             <a:r>
               <a:rPr lang="de-DE" sz="1100" dirty="0">
-                <a:solidFill>
-                  <a:srgbClr val="267326"/>
-                </a:solidFill>
                 <a:latin typeface="LM Roman 10" pitchFamily="2" charset="77"/>
                 <a:cs typeface="Didot" panose="02000503000000020003" pitchFamily="2" charset="-79"/>
               </a:rPr>
               <a:t>symbolisch</a:t>
             </a:r>
             <a:endParaRPr lang="en-US" sz="1100" dirty="0">
-              <a:solidFill>
-                <a:srgbClr val="267326"/>
-              </a:solidFill>
               <a:latin typeface="LM Roman 10" pitchFamily="2" charset="77"/>
               <a:cs typeface="Didot" panose="02000503000000020003" pitchFamily="2" charset="-79"/>
             </a:endParaRPr>
@@ -21174,18 +21159,12 @@
           <a:p>
             <a:r>
               <a:rPr lang="de-DE" sz="1400" dirty="0">
-                <a:solidFill>
-                  <a:srgbClr val="267326"/>
-                </a:solidFill>
                 <a:latin typeface="LM Roman 10" pitchFamily="2" charset="77"/>
                 <a:cs typeface="Didot" panose="02000503000000020003" pitchFamily="2" charset="-79"/>
               </a:rPr>
               <a:t>2) Zugriffsphase</a:t>
             </a:r>
             <a:endParaRPr lang="en-US" sz="1400" dirty="0">
-              <a:solidFill>
-                <a:srgbClr val="267326"/>
-              </a:solidFill>
               <a:latin typeface="LM Roman 10" pitchFamily="2" charset="77"/>
               <a:cs typeface="Didot" panose="02000503000000020003" pitchFamily="2" charset="-79"/>
             </a:endParaRPr>
@@ -21224,18 +21203,12 @@
           <a:p>
             <a:r>
               <a:rPr lang="de-DE" sz="1400" dirty="0">
-                <a:solidFill>
-                  <a:srgbClr val="267326"/>
-                </a:solidFill>
                 <a:latin typeface="LM Roman 10" pitchFamily="2" charset="77"/>
                 <a:cs typeface="Didot" panose="02000503000000020003" pitchFamily="2" charset="-79"/>
               </a:rPr>
               <a:t>3) Schlussfolgerungsphase</a:t>
             </a:r>
             <a:endParaRPr lang="en-US" sz="1400" dirty="0">
-              <a:solidFill>
-                <a:srgbClr val="267326"/>
-              </a:solidFill>
               <a:latin typeface="LM Roman 10" pitchFamily="2" charset="77"/>
               <a:cs typeface="Didot" panose="02000503000000020003" pitchFamily="2" charset="-79"/>
             </a:endParaRPr>
@@ -21274,18 +21247,12 @@
           <a:p>
             <a:r>
               <a:rPr lang="de-DE" sz="1400" dirty="0">
-                <a:solidFill>
-                  <a:srgbClr val="267326"/>
-                </a:solidFill>
                 <a:latin typeface="LM Roman 10" pitchFamily="2" charset="77"/>
                 <a:cs typeface="Didot" panose="02000503000000020003" pitchFamily="2" charset="-79"/>
               </a:rPr>
               <a:t>5) Evaluationsphase</a:t>
             </a:r>
             <a:endParaRPr lang="en-US" sz="1400" dirty="0">
-              <a:solidFill>
-                <a:srgbClr val="267326"/>
-              </a:solidFill>
               <a:latin typeface="LM Roman 10" pitchFamily="2" charset="77"/>
               <a:cs typeface="Didot" panose="02000503000000020003" pitchFamily="2" charset="-79"/>
             </a:endParaRPr>
@@ -21324,18 +21291,12 @@
           <a:p>
             <a:r>
               <a:rPr lang="de-DE" sz="1400" dirty="0">
-                <a:solidFill>
-                  <a:srgbClr val="267326"/>
-                </a:solidFill>
                 <a:latin typeface="LM Roman 10" pitchFamily="2" charset="77"/>
                 <a:cs typeface="Didot" panose="02000503000000020003" pitchFamily="2" charset="-79"/>
               </a:rPr>
               <a:t>4) Anwendungsphase</a:t>
             </a:r>
             <a:endParaRPr lang="en-US" sz="1400" dirty="0">
-              <a:solidFill>
-                <a:srgbClr val="267326"/>
-              </a:solidFill>
               <a:latin typeface="LM Roman 10" pitchFamily="2" charset="77"/>
               <a:cs typeface="Didot" panose="02000503000000020003" pitchFamily="2" charset="-79"/>
             </a:endParaRPr>
@@ -21366,7 +21327,7 @@
           </a:prstGeom>
           <a:ln w="34925">
             <a:solidFill>
-              <a:srgbClr val="267326"/>
+              <a:schemeClr val="tx1"/>
             </a:solidFill>
             <a:tailEnd type="triangle"/>
           </a:ln>
@@ -21418,18 +21379,12 @@
           <a:p>
             <a:r>
               <a:rPr lang="de-DE" sz="1400" dirty="0">
-                <a:solidFill>
-                  <a:srgbClr val="267326"/>
-                </a:solidFill>
                 <a:latin typeface="LM Roman 10" pitchFamily="2" charset="77"/>
                 <a:cs typeface="Didot" panose="02000503000000020003" pitchFamily="2" charset="-79"/>
               </a:rPr>
               <a:t>1) Konzeptuelle Phase</a:t>
             </a:r>
             <a:endParaRPr lang="en-US" sz="1400" dirty="0">
-              <a:solidFill>
-                <a:srgbClr val="267326"/>
-              </a:solidFill>
               <a:latin typeface="LM Roman 10" pitchFamily="2" charset="77"/>
               <a:cs typeface="Didot" panose="02000503000000020003" pitchFamily="2" charset="-79"/>
             </a:endParaRPr>
@@ -21466,19 +21421,12 @@
           <a:p>
             <a:r>
               <a:rPr lang="de-DE" sz="1600" dirty="0">
-                <a:solidFill>
-                  <a:srgbClr val="267326"/>
-                </a:solidFill>
                 <a:latin typeface="LM Roman 10" pitchFamily="2" charset="77"/>
                 <a:cs typeface="Didot" panose="02000503000000020003" pitchFamily="2" charset="-79"/>
               </a:rPr>
               <a:t>Wissen</a:t>
             </a:r>
-            <a:endParaRPr lang="de-DE" dirty="0">
-              <a:solidFill>
-                <a:srgbClr val="267326"/>
-              </a:solidFill>
-            </a:endParaRPr>
+            <a:endParaRPr lang="de-DE" dirty="0"/>
           </a:p>
         </p:txBody>
       </p:sp>
@@ -21512,86 +21460,12 @@
           <a:p>
             <a:r>
               <a:rPr lang="de-DE" dirty="0">
-                <a:solidFill>
-                  <a:srgbClr val="267326"/>
-                </a:solidFill>
                 <a:latin typeface="LM Roman 10" pitchFamily="2" charset="77"/>
                 <a:cs typeface="Didot" panose="02000503000000020003" pitchFamily="2" charset="-79"/>
               </a:rPr>
               <a:t>Anlass</a:t>
             </a:r>
-            <a:endParaRPr lang="de-DE" dirty="0">
-              <a:solidFill>
-                <a:srgbClr val="267326"/>
-              </a:solidFill>
-            </a:endParaRPr>
-          </a:p>
-        </p:txBody>
-      </p:sp>
-      <p:sp>
-        <p:nvSpPr>
-          <p:cNvPr id="7" name="Textfeld 6">
-            <a:extLst>
-              <a:ext uri="{FF2B5EF4-FFF2-40B4-BE49-F238E27FC236}">
-                <a16:creationId xmlns:a16="http://schemas.microsoft.com/office/drawing/2014/main" id="{2AD27351-D86E-4E02-423B-925FDF465586}"/>
-              </a:ext>
-            </a:extLst>
-          </p:cNvPr>
-          <p:cNvSpPr txBox="1"/>
-          <p:nvPr/>
-        </p:nvSpPr>
-        <p:spPr>
-          <a:xfrm>
-            <a:off x="2455059" y="7127001"/>
-            <a:ext cx="7884186" cy="400110"/>
-          </a:xfrm>
-          <a:prstGeom prst="rect">
-            <a:avLst/>
-          </a:prstGeom>
-          <a:noFill/>
-        </p:spPr>
-        <p:txBody>
-          <a:bodyPr wrap="square">
-            <a:spAutoFit/>
-          </a:bodyPr>
-          <a:lstStyle/>
-          <a:p>
-            <a:r>
-              <a:rPr lang="de-DE" sz="2000" dirty="0">
-                <a:solidFill>
-                  <a:srgbClr val="267326"/>
-                </a:solidFill>
-                <a:latin typeface="LM Roman 10" pitchFamily="2" charset="77"/>
-              </a:rPr>
-              <a:t>Eigene Adaption des Prozessmodell nach </a:t>
-            </a:r>
-            <a:r>
-              <a:rPr lang="de-DE" sz="2000" dirty="0">
-                <a:solidFill>
-                  <a:srgbClr val="7FC400"/>
-                </a:solidFill>
-                <a:latin typeface="LM Roman 10" pitchFamily="2" charset="77"/>
-              </a:rPr>
-              <a:t>Groß </a:t>
-            </a:r>
-            <a:r>
-              <a:rPr lang="de-DE" sz="2000" dirty="0" err="1">
-                <a:solidFill>
-                  <a:srgbClr val="7FC400"/>
-                </a:solidFill>
-                <a:latin typeface="LM Roman 10" pitchFamily="2" charset="77"/>
-              </a:rPr>
-              <a:t>Ophoff</a:t>
-            </a:r>
-            <a:r>
-              <a:rPr lang="de-DE" sz="2000" dirty="0">
-                <a:solidFill>
-                  <a:srgbClr val="7FC400"/>
-                </a:solidFill>
-                <a:latin typeface="LM Roman 10" pitchFamily="2" charset="77"/>
-              </a:rPr>
-              <a:t> et al. (2023)</a:t>
-            </a:r>
+            <a:endParaRPr lang="de-DE" dirty="0"/>
           </a:p>
         </p:txBody>
       </p:sp>
@@ -24702,7 +24576,7 @@
           <a:noFill/>
           <a:ln>
             <a:solidFill>
-              <a:srgbClr val="267326"/>
+              <a:schemeClr val="tx1"/>
             </a:solidFill>
             <a:prstDash val="dash"/>
             <a:extLst>
@@ -24841,7 +24715,7 @@
             <a:pPr algn="ctr"/>
             <a:endParaRPr lang="en-US" dirty="0">
               <a:solidFill>
-                <a:srgbClr val="267326"/>
+                <a:schemeClr val="tx1"/>
               </a:solidFill>
               <a:latin typeface="LM Roman 10" pitchFamily="2" charset="77"/>
               <a:cs typeface="Didot" panose="02000503000000020003" pitchFamily="2" charset="-79"/>
@@ -24874,7 +24748,7 @@
           <a:noFill/>
           <a:ln>
             <a:solidFill>
-              <a:srgbClr val="267326"/>
+              <a:schemeClr val="tx1"/>
             </a:solidFill>
             <a:prstDash val="dash"/>
             <a:extLst>
@@ -25013,7 +24887,7 @@
             <a:pPr algn="ctr"/>
             <a:endParaRPr lang="en-US" dirty="0">
               <a:solidFill>
-                <a:srgbClr val="267326"/>
+                <a:schemeClr val="tx1"/>
               </a:solidFill>
               <a:latin typeface="LM Roman 10" pitchFamily="2" charset="77"/>
               <a:cs typeface="Didot" panose="02000503000000020003" pitchFamily="2" charset="-79"/>
@@ -25046,7 +24920,7 @@
           <a:noFill/>
           <a:ln>
             <a:solidFill>
-              <a:srgbClr val="267326"/>
+              <a:schemeClr val="tx1"/>
             </a:solidFill>
             <a:prstDash val="dash"/>
             <a:extLst>
@@ -25185,7 +25059,7 @@
             <a:pPr algn="ctr"/>
             <a:endParaRPr lang="en-US" dirty="0">
               <a:solidFill>
-                <a:srgbClr val="267326"/>
+                <a:schemeClr val="tx1"/>
               </a:solidFill>
               <a:latin typeface="LM Roman 10" pitchFamily="2" charset="77"/>
               <a:cs typeface="Didot" panose="02000503000000020003" pitchFamily="2" charset="-79"/>
@@ -25223,18 +25097,12 @@
           <a:p>
             <a:r>
               <a:rPr lang="de-DE" sz="1600" dirty="0">
-                <a:solidFill>
-                  <a:srgbClr val="267326"/>
-                </a:solidFill>
                 <a:latin typeface="LM Roman 10" pitchFamily="2" charset="77"/>
                 <a:cs typeface="Didot" panose="02000503000000020003" pitchFamily="2" charset="-79"/>
               </a:rPr>
               <a:t>Charakteristika der Schule</a:t>
             </a:r>
             <a:endParaRPr lang="en-US" dirty="0">
-              <a:solidFill>
-                <a:srgbClr val="267326"/>
-              </a:solidFill>
               <a:latin typeface="LM Roman 10" pitchFamily="2" charset="77"/>
               <a:cs typeface="Didot" panose="02000503000000020003" pitchFamily="2" charset="-79"/>
             </a:endParaRPr>
@@ -25271,18 +25139,12 @@
           <a:p>
             <a:r>
               <a:rPr lang="de-DE" sz="1600" dirty="0">
-                <a:solidFill>
-                  <a:srgbClr val="267326"/>
-                </a:solidFill>
                 <a:latin typeface="LM Roman 10" pitchFamily="2" charset="77"/>
                 <a:cs typeface="Didot" panose="02000503000000020003" pitchFamily="2" charset="-79"/>
               </a:rPr>
               <a:t>Charakteristika der individuellen Lehrperson</a:t>
             </a:r>
             <a:endParaRPr lang="en-US" sz="1600" dirty="0">
-              <a:solidFill>
-                <a:srgbClr val="267326"/>
-              </a:solidFill>
               <a:latin typeface="LM Roman 10" pitchFamily="2" charset="77"/>
               <a:cs typeface="Didot" panose="02000503000000020003" pitchFamily="2" charset="-79"/>
             </a:endParaRPr>
@@ -25319,18 +25181,12 @@
           <a:p>
             <a:r>
               <a:rPr lang="de-DE" sz="1600" dirty="0">
-                <a:solidFill>
-                  <a:srgbClr val="267326"/>
-                </a:solidFill>
                 <a:latin typeface="LM Roman 10" pitchFamily="2" charset="77"/>
                 <a:cs typeface="Didot" panose="02000503000000020003" pitchFamily="2" charset="-79"/>
               </a:rPr>
               <a:t>Charakteristika der Forschung/des Forschungswissens</a:t>
             </a:r>
             <a:endParaRPr lang="en-US" sz="1600" dirty="0">
-              <a:solidFill>
-                <a:srgbClr val="267326"/>
-              </a:solidFill>
               <a:latin typeface="LM Roman 10" pitchFamily="2" charset="77"/>
               <a:cs typeface="Didot" panose="02000503000000020003" pitchFamily="2" charset="-79"/>
             </a:endParaRPr>
@@ -25362,7 +25218,7 @@
           </a:solidFill>
           <a:ln>
             <a:solidFill>
-              <a:srgbClr val="267326"/>
+              <a:schemeClr val="tx1"/>
             </a:solidFill>
           </a:ln>
           <a:effectLst>
@@ -25397,7 +25253,7 @@
             <a:r>
               <a:rPr lang="de-DE" dirty="0">
                 <a:solidFill>
-                  <a:srgbClr val="267326"/>
+                  <a:schemeClr val="tx1"/>
                 </a:solidFill>
                 <a:latin typeface="LM Roman 10" pitchFamily="2" charset="77"/>
                 <a:cs typeface="Didot" panose="02000503000000020003" pitchFamily="2" charset="-79"/>
@@ -25406,7 +25262,7 @@
             </a:r>
             <a:endParaRPr lang="en-US" dirty="0">
               <a:solidFill>
-                <a:srgbClr val="267326"/>
+                <a:schemeClr val="tx1"/>
               </a:solidFill>
               <a:latin typeface="LM Roman 10" pitchFamily="2" charset="77"/>
               <a:cs typeface="Didot" panose="02000503000000020003" pitchFamily="2" charset="-79"/>
@@ -25439,7 +25295,7 @@
           </a:solidFill>
           <a:ln>
             <a:solidFill>
-              <a:srgbClr val="267326"/>
+              <a:schemeClr val="tx1"/>
             </a:solidFill>
           </a:ln>
           <a:effectLst>
@@ -25474,7 +25330,7 @@
             <a:r>
               <a:rPr lang="de-DE" sz="1600" dirty="0">
                 <a:solidFill>
-                  <a:srgbClr val="267326"/>
+                  <a:schemeClr val="tx1"/>
                 </a:solidFill>
                 <a:latin typeface="LM Roman 10" pitchFamily="2" charset="77"/>
                 <a:cs typeface="Didot" panose="02000503000000020003" pitchFamily="2" charset="-79"/>
@@ -25483,7 +25339,7 @@
             </a:r>
             <a:endParaRPr lang="en-US" dirty="0">
               <a:solidFill>
-                <a:srgbClr val="267326"/>
+                <a:schemeClr val="tx1"/>
               </a:solidFill>
               <a:latin typeface="LM Roman 10" pitchFamily="2" charset="77"/>
               <a:cs typeface="Didot" panose="02000503000000020003" pitchFamily="2" charset="-79"/>
@@ -25516,7 +25372,7 @@
           </a:solidFill>
           <a:ln>
             <a:solidFill>
-              <a:srgbClr val="267326"/>
+              <a:schemeClr val="tx1"/>
             </a:solidFill>
           </a:ln>
           <a:effectLst>
@@ -25550,7 +25406,7 @@
             <a:pPr algn="ctr"/>
             <a:endParaRPr lang="en-US" sz="1600" dirty="0">
               <a:solidFill>
-                <a:srgbClr val="267326"/>
+                <a:schemeClr val="tx1"/>
               </a:solidFill>
               <a:latin typeface="LM Roman 10" pitchFamily="2" charset="77"/>
               <a:cs typeface="Didot" panose="02000503000000020003" pitchFamily="2" charset="-79"/>
@@ -25584,7 +25440,7 @@
           </a:prstGeom>
           <a:ln w="34925">
             <a:solidFill>
-              <a:srgbClr val="267326"/>
+              <a:schemeClr val="tx1"/>
             </a:solidFill>
             <a:tailEnd type="triangle"/>
           </a:ln>
@@ -25630,7 +25486,7 @@
           </a:prstGeom>
           <a:ln w="34925">
             <a:solidFill>
-              <a:srgbClr val="267326"/>
+              <a:schemeClr val="tx1"/>
             </a:solidFill>
             <a:tailEnd type="triangle"/>
           </a:ln>
@@ -25675,7 +25531,7 @@
           </a:solidFill>
           <a:ln>
             <a:solidFill>
-              <a:srgbClr val="267326"/>
+              <a:schemeClr val="tx1"/>
             </a:solidFill>
           </a:ln>
           <a:effectLst>
@@ -25709,7 +25565,7 @@
             <a:pPr algn="ctr"/>
             <a:endParaRPr lang="en-US" dirty="0">
               <a:solidFill>
-                <a:srgbClr val="267326"/>
+                <a:schemeClr val="tx1"/>
               </a:solidFill>
               <a:latin typeface="LM Roman 10" pitchFamily="2" charset="77"/>
               <a:cs typeface="Didot" panose="02000503000000020003" pitchFamily="2" charset="-79"/>
@@ -25742,7 +25598,7 @@
           </a:solidFill>
           <a:ln>
             <a:solidFill>
-              <a:srgbClr val="267326"/>
+              <a:schemeClr val="tx1"/>
             </a:solidFill>
           </a:ln>
           <a:effectLst>
@@ -25777,7 +25633,7 @@
             <a:r>
               <a:rPr lang="de-DE" sz="1600" dirty="0">
                 <a:solidFill>
-                  <a:srgbClr val="267326"/>
+                  <a:schemeClr val="tx1"/>
                 </a:solidFill>
                 <a:latin typeface="LM Roman 10" pitchFamily="2" charset="77"/>
                 <a:cs typeface="Didot" panose="02000503000000020003" pitchFamily="2" charset="-79"/>
@@ -25786,7 +25642,7 @@
             </a:r>
             <a:endParaRPr lang="en-US" sz="1600" dirty="0">
               <a:solidFill>
-                <a:srgbClr val="267326"/>
+                <a:schemeClr val="tx1"/>
               </a:solidFill>
               <a:latin typeface="LM Roman 10" pitchFamily="2" charset="77"/>
               <a:cs typeface="Didot" panose="02000503000000020003" pitchFamily="2" charset="-79"/>
@@ -25820,7 +25676,7 @@
           </a:prstGeom>
           <a:ln w="34925">
             <a:solidFill>
-              <a:srgbClr val="267326"/>
+              <a:schemeClr val="tx1"/>
             </a:solidFill>
             <a:tailEnd type="triangle"/>
           </a:ln>
@@ -25866,7 +25722,7 @@
           </a:prstGeom>
           <a:ln w="34925">
             <a:solidFill>
-              <a:srgbClr val="267326"/>
+              <a:schemeClr val="tx1"/>
             </a:solidFill>
             <a:tailEnd type="triangle"/>
           </a:ln>
@@ -25912,7 +25768,7 @@
           </a:prstGeom>
           <a:ln w="34925">
             <a:solidFill>
-              <a:srgbClr val="267326"/>
+              <a:schemeClr val="tx1"/>
             </a:solidFill>
             <a:tailEnd type="triangle"/>
           </a:ln>
@@ -25957,7 +25813,7 @@
           </a:prstGeom>
           <a:ln w="34925">
             <a:solidFill>
-              <a:srgbClr val="267326"/>
+              <a:schemeClr val="tx1"/>
             </a:solidFill>
             <a:tailEnd type="triangle"/>
           </a:ln>
@@ -26002,7 +25858,7 @@
           </a:prstGeom>
           <a:ln w="34925">
             <a:solidFill>
-              <a:srgbClr val="267326"/>
+              <a:schemeClr val="tx1"/>
             </a:solidFill>
             <a:tailEnd type="triangle"/>
           </a:ln>
@@ -26043,6 +25899,9 @@
             <a:avLst/>
           </a:prstGeom>
           <a:noFill/>
+          <a:ln>
+            <a:noFill/>
+          </a:ln>
         </p:spPr>
         <p:txBody>
           <a:bodyPr wrap="square" rtlCol="0">
@@ -26053,18 +25912,12 @@
             <a:pPr algn="ctr"/>
             <a:r>
               <a:rPr lang="de-DE" sz="1600" dirty="0">
-                <a:solidFill>
-                  <a:srgbClr val="267326"/>
-                </a:solidFill>
                 <a:latin typeface="LM Roman 10" pitchFamily="2" charset="77"/>
                 <a:cs typeface="Didot" panose="02000503000000020003" pitchFamily="2" charset="-79"/>
               </a:rPr>
               <a:t>Nutzung</a:t>
             </a:r>
             <a:endParaRPr lang="de-DE" sz="2000" dirty="0">
-              <a:solidFill>
-                <a:srgbClr val="267326"/>
-              </a:solidFill>
               <a:latin typeface="LM Roman 10" pitchFamily="2" charset="77"/>
               <a:cs typeface="Didot" panose="02000503000000020003" pitchFamily="2" charset="-79"/>
             </a:endParaRPr>
@@ -26073,9 +25926,6 @@
             <a:pPr algn="ctr"/>
             <a:r>
               <a:rPr lang="de-DE" sz="1100" dirty="0">
-                <a:solidFill>
-                  <a:srgbClr val="267326"/>
-                </a:solidFill>
                 <a:latin typeface="LM Roman 10" pitchFamily="2" charset="77"/>
                 <a:cs typeface="Didot" panose="02000503000000020003" pitchFamily="2" charset="-79"/>
               </a:rPr>
@@ -26086,9 +25936,6 @@
             <a:pPr algn="ctr"/>
             <a:r>
               <a:rPr lang="de-DE" sz="1100" dirty="0">
-                <a:solidFill>
-                  <a:srgbClr val="267326"/>
-                </a:solidFill>
                 <a:latin typeface="LM Roman 10" pitchFamily="2" charset="77"/>
                 <a:cs typeface="Didot" panose="02000503000000020003" pitchFamily="2" charset="-79"/>
               </a:rPr>
@@ -26099,18 +25946,12 @@
             <a:pPr algn="ctr"/>
             <a:r>
               <a:rPr lang="de-DE" sz="1100" dirty="0">
-                <a:solidFill>
-                  <a:srgbClr val="267326"/>
-                </a:solidFill>
                 <a:latin typeface="LM Roman 10" pitchFamily="2" charset="77"/>
                 <a:cs typeface="Didot" panose="02000503000000020003" pitchFamily="2" charset="-79"/>
               </a:rPr>
               <a:t>symbolisch</a:t>
             </a:r>
             <a:endParaRPr lang="en-US" sz="1100" dirty="0">
-              <a:solidFill>
-                <a:srgbClr val="267326"/>
-              </a:solidFill>
               <a:latin typeface="LM Roman 10" pitchFamily="2" charset="77"/>
               <a:cs typeface="Didot" panose="02000503000000020003" pitchFamily="2" charset="-79"/>
             </a:endParaRPr>
@@ -26149,18 +25990,12 @@
           <a:p>
             <a:r>
               <a:rPr lang="de-DE" sz="1400" dirty="0">
-                <a:solidFill>
-                  <a:srgbClr val="267326"/>
-                </a:solidFill>
                 <a:latin typeface="LM Roman 10" pitchFamily="2" charset="77"/>
                 <a:cs typeface="Didot" panose="02000503000000020003" pitchFamily="2" charset="-79"/>
               </a:rPr>
               <a:t>2) Zugriffsphase</a:t>
             </a:r>
             <a:endParaRPr lang="en-US" sz="1400" dirty="0">
-              <a:solidFill>
-                <a:srgbClr val="267326"/>
-              </a:solidFill>
               <a:latin typeface="LM Roman 10" pitchFamily="2" charset="77"/>
               <a:cs typeface="Didot" panose="02000503000000020003" pitchFamily="2" charset="-79"/>
             </a:endParaRPr>
@@ -26199,18 +26034,12 @@
           <a:p>
             <a:r>
               <a:rPr lang="de-DE" sz="1400" dirty="0">
-                <a:solidFill>
-                  <a:srgbClr val="267326"/>
-                </a:solidFill>
                 <a:latin typeface="LM Roman 10" pitchFamily="2" charset="77"/>
                 <a:cs typeface="Didot" panose="02000503000000020003" pitchFamily="2" charset="-79"/>
               </a:rPr>
               <a:t>3) Schlussfolgerungsphase</a:t>
             </a:r>
             <a:endParaRPr lang="en-US" sz="1400" dirty="0">
-              <a:solidFill>
-                <a:srgbClr val="267326"/>
-              </a:solidFill>
               <a:latin typeface="LM Roman 10" pitchFamily="2" charset="77"/>
               <a:cs typeface="Didot" panose="02000503000000020003" pitchFamily="2" charset="-79"/>
             </a:endParaRPr>
@@ -26249,18 +26078,12 @@
           <a:p>
             <a:r>
               <a:rPr lang="de-DE" sz="1400" dirty="0">
-                <a:solidFill>
-                  <a:srgbClr val="267326"/>
-                </a:solidFill>
                 <a:latin typeface="LM Roman 10" pitchFamily="2" charset="77"/>
                 <a:cs typeface="Didot" panose="02000503000000020003" pitchFamily="2" charset="-79"/>
               </a:rPr>
               <a:t>5) Evaluationsphase</a:t>
             </a:r>
             <a:endParaRPr lang="en-US" sz="1400" dirty="0">
-              <a:solidFill>
-                <a:srgbClr val="267326"/>
-              </a:solidFill>
               <a:latin typeface="LM Roman 10" pitchFamily="2" charset="77"/>
               <a:cs typeface="Didot" panose="02000503000000020003" pitchFamily="2" charset="-79"/>
             </a:endParaRPr>
@@ -26299,18 +26122,12 @@
           <a:p>
             <a:r>
               <a:rPr lang="de-DE" sz="1400" dirty="0">
-                <a:solidFill>
-                  <a:srgbClr val="267326"/>
-                </a:solidFill>
                 <a:latin typeface="LM Roman 10" pitchFamily="2" charset="77"/>
                 <a:cs typeface="Didot" panose="02000503000000020003" pitchFamily="2" charset="-79"/>
               </a:rPr>
               <a:t>4) Anwendungsphase</a:t>
             </a:r>
             <a:endParaRPr lang="en-US" sz="1400" dirty="0">
-              <a:solidFill>
-                <a:srgbClr val="267326"/>
-              </a:solidFill>
               <a:latin typeface="LM Roman 10" pitchFamily="2" charset="77"/>
               <a:cs typeface="Didot" panose="02000503000000020003" pitchFamily="2" charset="-79"/>
             </a:endParaRPr>
@@ -26341,7 +26158,7 @@
           </a:prstGeom>
           <a:ln w="34925">
             <a:solidFill>
-              <a:srgbClr val="267326"/>
+              <a:schemeClr val="tx1"/>
             </a:solidFill>
             <a:tailEnd type="triangle"/>
           </a:ln>
@@ -26375,7 +26192,7 @@
         </p:nvSpPr>
         <p:spPr>
           <a:xfrm>
-            <a:off x="1072543" y="5677641"/>
+            <a:off x="1111180" y="5677641"/>
             <a:ext cx="2110495" cy="307777"/>
           </a:xfrm>
           <a:prstGeom prst="rect">
@@ -26393,18 +26210,12 @@
           <a:p>
             <a:r>
               <a:rPr lang="de-DE" sz="1400" dirty="0">
-                <a:solidFill>
-                  <a:srgbClr val="267326"/>
-                </a:solidFill>
                 <a:latin typeface="LM Roman 10" pitchFamily="2" charset="77"/>
                 <a:cs typeface="Didot" panose="02000503000000020003" pitchFamily="2" charset="-79"/>
               </a:rPr>
               <a:t>1) Konzeptuelle Phase</a:t>
             </a:r>
             <a:endParaRPr lang="en-US" sz="1400" dirty="0">
-              <a:solidFill>
-                <a:srgbClr val="267326"/>
-              </a:solidFill>
               <a:latin typeface="LM Roman 10" pitchFamily="2" charset="77"/>
               <a:cs typeface="Didot" panose="02000503000000020003" pitchFamily="2" charset="-79"/>
             </a:endParaRPr>
@@ -26441,19 +26252,12 @@
           <a:p>
             <a:r>
               <a:rPr lang="de-DE" sz="1600" dirty="0">
-                <a:solidFill>
-                  <a:srgbClr val="267326"/>
-                </a:solidFill>
                 <a:latin typeface="LM Roman 10" pitchFamily="2" charset="77"/>
                 <a:cs typeface="Didot" panose="02000503000000020003" pitchFamily="2" charset="-79"/>
               </a:rPr>
               <a:t>Wissen</a:t>
             </a:r>
-            <a:endParaRPr lang="de-DE" dirty="0">
-              <a:solidFill>
-                <a:srgbClr val="267326"/>
-              </a:solidFill>
-            </a:endParaRPr>
+            <a:endParaRPr lang="de-DE" dirty="0"/>
           </a:p>
         </p:txBody>
       </p:sp>
@@ -26487,19 +26291,12 @@
           <a:p>
             <a:r>
               <a:rPr lang="de-DE" dirty="0">
-                <a:solidFill>
-                  <a:srgbClr val="267326"/>
-                </a:solidFill>
                 <a:latin typeface="LM Roman 10" pitchFamily="2" charset="77"/>
                 <a:cs typeface="Didot" panose="02000503000000020003" pitchFamily="2" charset="-79"/>
               </a:rPr>
               <a:t>Anlass</a:t>
             </a:r>
-            <a:endParaRPr lang="de-DE" dirty="0">
-              <a:solidFill>
-                <a:srgbClr val="267326"/>
-              </a:solidFill>
-            </a:endParaRPr>
+            <a:endParaRPr lang="de-DE" dirty="0"/>
           </a:p>
         </p:txBody>
       </p:sp>
@@ -26528,7 +26325,7 @@
           <a:noFill/>
           <a:ln>
             <a:solidFill>
-              <a:srgbClr val="267326"/>
+              <a:schemeClr val="tx1"/>
             </a:solidFill>
             <a:prstDash val="dash"/>
             <a:extLst>
@@ -26667,7 +26464,7 @@
             <a:pPr algn="ctr"/>
             <a:endParaRPr lang="en-US" dirty="0">
               <a:solidFill>
-                <a:srgbClr val="267326"/>
+                <a:schemeClr val="tx1"/>
               </a:solidFill>
               <a:latin typeface="LM Roman 10" pitchFamily="2" charset="77"/>
               <a:cs typeface="Didot" panose="02000503000000020003" pitchFamily="2" charset="-79"/>
@@ -26705,88 +26502,15 @@
           <a:p>
             <a:r>
               <a:rPr lang="de-DE" sz="1600" dirty="0">
-                <a:solidFill>
-                  <a:srgbClr val="267326"/>
-                </a:solidFill>
                 <a:latin typeface="LM Roman 10" pitchFamily="2" charset="77"/>
                 <a:cs typeface="Didot" panose="02000503000000020003" pitchFamily="2" charset="-79"/>
               </a:rPr>
               <a:t>Charakteristika der Kommunikation</a:t>
             </a:r>
             <a:endParaRPr lang="en-US" dirty="0">
-              <a:solidFill>
-                <a:srgbClr val="267326"/>
-              </a:solidFill>
               <a:latin typeface="LM Roman 10" pitchFamily="2" charset="77"/>
               <a:cs typeface="Didot" panose="02000503000000020003" pitchFamily="2" charset="-79"/>
             </a:endParaRPr>
-          </a:p>
-        </p:txBody>
-      </p:sp>
-      <p:sp>
-        <p:nvSpPr>
-          <p:cNvPr id="17" name="Textfeld 16">
-            <a:extLst>
-              <a:ext uri="{FF2B5EF4-FFF2-40B4-BE49-F238E27FC236}">
-                <a16:creationId xmlns:a16="http://schemas.microsoft.com/office/drawing/2014/main" id="{8D787362-CEED-9E8B-857D-4018325726AC}"/>
-              </a:ext>
-            </a:extLst>
-          </p:cNvPr>
-          <p:cNvSpPr txBox="1"/>
-          <p:nvPr/>
-        </p:nvSpPr>
-        <p:spPr>
-          <a:xfrm>
-            <a:off x="2455059" y="7127001"/>
-            <a:ext cx="7884186" cy="400110"/>
-          </a:xfrm>
-          <a:prstGeom prst="rect">
-            <a:avLst/>
-          </a:prstGeom>
-          <a:noFill/>
-        </p:spPr>
-        <p:txBody>
-          <a:bodyPr wrap="square">
-            <a:spAutoFit/>
-          </a:bodyPr>
-          <a:lstStyle/>
-          <a:p>
-            <a:r>
-              <a:rPr lang="de-DE" sz="2000" dirty="0">
-                <a:solidFill>
-                  <a:srgbClr val="267326"/>
-                </a:solidFill>
-                <a:latin typeface="LM Roman 10" pitchFamily="2" charset="77"/>
-              </a:rPr>
-              <a:t>Eigene Adaption des Prozessmodell nach </a:t>
-            </a:r>
-            <a:r>
-              <a:rPr lang="de-DE" sz="2000" dirty="0">
-                <a:solidFill>
-                  <a:srgbClr val="7FC400"/>
-                </a:solidFill>
-                <a:latin typeface="LM Roman 10" pitchFamily="2" charset="77"/>
-              </a:rPr>
-              <a:t>Groß </a:t>
-            </a:r>
-            <a:r>
-              <a:rPr lang="de-DE" sz="2000" dirty="0" err="1">
-                <a:solidFill>
-                  <a:srgbClr val="7FC400"/>
-                </a:solidFill>
-                <a:latin typeface="LM Roman 10" pitchFamily="2" charset="77"/>
-              </a:rPr>
-              <a:t>Ophoff</a:t>
-            </a:r>
-            <a:r>
-              <a:rPr lang="de-DE" sz="2000" dirty="0">
-                <a:solidFill>
-                  <a:srgbClr val="7FC400"/>
-                </a:solidFill>
-                <a:latin typeface="LM Roman 10" pitchFamily="2" charset="77"/>
-              </a:rPr>
-              <a:t> et al. (2023)</a:t>
-            </a:r>
           </a:p>
         </p:txBody>
       </p:sp>

--- a/img/Groß_Ophoff et al (2023)_adapted.pptx
+++ b/img/Groß_Ophoff et al (2023)_adapted.pptx
@@ -17,10 +17,6 @@
     <p:sldId id="270" r:id="rId11"/>
     <p:sldId id="271" r:id="rId12"/>
     <p:sldId id="268" r:id="rId13"/>
-    <p:sldId id="258" r:id="rId14"/>
-    <p:sldId id="259" r:id="rId15"/>
-    <p:sldId id="260" r:id="rId16"/>
-    <p:sldId id="261" r:id="rId17"/>
   </p:sldIdLst>
   <p:sldSz cx="12192000" cy="7559675"/>
   <p:notesSz cx="6858000" cy="9144000"/>
@@ -258,7 +254,7 @@
           <a:p>
             <a:fld id="{2F5C0E49-5901-4A70-B0E2-4707CC9925D2}" type="datetimeFigureOut">
               <a:rPr lang="en-US" smtClean="0"/>
-              <a:t>7/17/24</a:t>
+              <a:t>7/18/24</a:t>
             </a:fld>
             <a:endParaRPr lang="en-US"/>
           </a:p>
@@ -428,7 +424,7 @@
           <a:p>
             <a:fld id="{2F5C0E49-5901-4A70-B0E2-4707CC9925D2}" type="datetimeFigureOut">
               <a:rPr lang="en-US" smtClean="0"/>
-              <a:t>7/17/24</a:t>
+              <a:t>7/18/24</a:t>
             </a:fld>
             <a:endParaRPr lang="en-US"/>
           </a:p>
@@ -608,7 +604,7 @@
           <a:p>
             <a:fld id="{2F5C0E49-5901-4A70-B0E2-4707CC9925D2}" type="datetimeFigureOut">
               <a:rPr lang="en-US" smtClean="0"/>
-              <a:t>7/17/24</a:t>
+              <a:t>7/18/24</a:t>
             </a:fld>
             <a:endParaRPr lang="en-US"/>
           </a:p>
@@ -778,7 +774,7 @@
           <a:p>
             <a:fld id="{2F5C0E49-5901-4A70-B0E2-4707CC9925D2}" type="datetimeFigureOut">
               <a:rPr lang="en-US" smtClean="0"/>
-              <a:t>7/17/24</a:t>
+              <a:t>7/18/24</a:t>
             </a:fld>
             <a:endParaRPr lang="en-US"/>
           </a:p>
@@ -1024,7 +1020,7 @@
           <a:p>
             <a:fld id="{2F5C0E49-5901-4A70-B0E2-4707CC9925D2}" type="datetimeFigureOut">
               <a:rPr lang="en-US" smtClean="0"/>
-              <a:t>7/17/24</a:t>
+              <a:t>7/18/24</a:t>
             </a:fld>
             <a:endParaRPr lang="en-US"/>
           </a:p>
@@ -1256,7 +1252,7 @@
           <a:p>
             <a:fld id="{2F5C0E49-5901-4A70-B0E2-4707CC9925D2}" type="datetimeFigureOut">
               <a:rPr lang="en-US" smtClean="0"/>
-              <a:t>7/17/24</a:t>
+              <a:t>7/18/24</a:t>
             </a:fld>
             <a:endParaRPr lang="en-US"/>
           </a:p>
@@ -1623,7 +1619,7 @@
           <a:p>
             <a:fld id="{2F5C0E49-5901-4A70-B0E2-4707CC9925D2}" type="datetimeFigureOut">
               <a:rPr lang="en-US" smtClean="0"/>
-              <a:t>7/17/24</a:t>
+              <a:t>7/18/24</a:t>
             </a:fld>
             <a:endParaRPr lang="en-US"/>
           </a:p>
@@ -1741,7 +1737,7 @@
           <a:p>
             <a:fld id="{2F5C0E49-5901-4A70-B0E2-4707CC9925D2}" type="datetimeFigureOut">
               <a:rPr lang="en-US" smtClean="0"/>
-              <a:t>7/17/24</a:t>
+              <a:t>7/18/24</a:t>
             </a:fld>
             <a:endParaRPr lang="en-US"/>
           </a:p>
@@ -1836,7 +1832,7 @@
           <a:p>
             <a:fld id="{2F5C0E49-5901-4A70-B0E2-4707CC9925D2}" type="datetimeFigureOut">
               <a:rPr lang="en-US" smtClean="0"/>
-              <a:t>7/17/24</a:t>
+              <a:t>7/18/24</a:t>
             </a:fld>
             <a:endParaRPr lang="en-US"/>
           </a:p>
@@ -2113,7 +2109,7 @@
           <a:p>
             <a:fld id="{2F5C0E49-5901-4A70-B0E2-4707CC9925D2}" type="datetimeFigureOut">
               <a:rPr lang="en-US" smtClean="0"/>
-              <a:t>7/17/24</a:t>
+              <a:t>7/18/24</a:t>
             </a:fld>
             <a:endParaRPr lang="en-US"/>
           </a:p>
@@ -2370,7 +2366,7 @@
           <a:p>
             <a:fld id="{2F5C0E49-5901-4A70-B0E2-4707CC9925D2}" type="datetimeFigureOut">
               <a:rPr lang="en-US" smtClean="0"/>
-              <a:t>7/17/24</a:t>
+              <a:t>7/18/24</a:t>
             </a:fld>
             <a:endParaRPr lang="en-US"/>
           </a:p>
@@ -2586,7 +2582,7 @@
           <a:p>
             <a:fld id="{2F5C0E49-5901-4A70-B0E2-4707CC9925D2}" type="datetimeFigureOut">
               <a:rPr lang="en-US" smtClean="0"/>
-              <a:t>7/17/24</a:t>
+              <a:t>7/18/24</a:t>
             </a:fld>
             <a:endParaRPr lang="en-US"/>
           </a:p>
@@ -10572,7596 +10568,6 @@
 </p:sld>
 </file>
 
-<file path=ppt/slides/slide13.xml><?xml version="1.0" encoding="utf-8"?>
-<p:sld xmlns:a="http://schemas.openxmlformats.org/drawingml/2006/main" xmlns:r="http://schemas.openxmlformats.org/officeDocument/2006/relationships" xmlns:p="http://schemas.openxmlformats.org/presentationml/2006/main" show="0">
-  <p:cSld>
-    <p:spTree>
-      <p:nvGrpSpPr>
-        <p:cNvPr id="1" name=""/>
-        <p:cNvGrpSpPr/>
-        <p:nvPr/>
-      </p:nvGrpSpPr>
-      <p:grpSpPr>
-        <a:xfrm>
-          <a:off x="0" y="0"/>
-          <a:ext cx="0" cy="0"/>
-          <a:chOff x="0" y="0"/>
-          <a:chExt cx="0" cy="0"/>
-        </a:xfrm>
-      </p:grpSpPr>
-      <p:sp>
-        <p:nvSpPr>
-          <p:cNvPr id="4" name="Rectangle: Rounded Corners 3">
-            <a:extLst>
-              <a:ext uri="{FF2B5EF4-FFF2-40B4-BE49-F238E27FC236}">
-                <a16:creationId xmlns:a16="http://schemas.microsoft.com/office/drawing/2014/main" id="{2D443806-1B78-F60A-17BD-3154C6BDE4EA}"/>
-              </a:ext>
-            </a:extLst>
-          </p:cNvPr>
-          <p:cNvSpPr/>
-          <p:nvPr/>
-        </p:nvSpPr>
-        <p:spPr>
-          <a:xfrm>
-            <a:off x="90197" y="500127"/>
-            <a:ext cx="12011608" cy="6559420"/>
-          </a:xfrm>
-          <a:prstGeom prst="roundRect">
-            <a:avLst>
-              <a:gd name="adj" fmla="val 2087"/>
-            </a:avLst>
-          </a:prstGeom>
-          <a:noFill/>
-          <a:ln>
-            <a:solidFill>
-              <a:schemeClr val="tx1"/>
-            </a:solidFill>
-            <a:prstDash val="dash"/>
-            <a:extLst>
-              <a:ext uri="{C807C97D-BFC1-408E-A445-0C87EB9F89A2}">
-                <ask:lineSketchStyleProps xmlns:ask="http://schemas.microsoft.com/office/drawing/2018/sketchyshapes" sd="1219033472">
-                  <a:custGeom>
-                    <a:avLst/>
-                    <a:gdLst>
-                      <a:gd name="connsiteX0" fmla="*/ 0 w 12011608"/>
-                      <a:gd name="connsiteY0" fmla="*/ 1093259 h 6559420"/>
-                      <a:gd name="connsiteX1" fmla="*/ 1093259 w 12011608"/>
-                      <a:gd name="connsiteY1" fmla="*/ 0 h 6559420"/>
-                      <a:gd name="connsiteX2" fmla="*/ 10918349 w 12011608"/>
-                      <a:gd name="connsiteY2" fmla="*/ 0 h 6559420"/>
-                      <a:gd name="connsiteX3" fmla="*/ 12011608 w 12011608"/>
-                      <a:gd name="connsiteY3" fmla="*/ 1093259 h 6559420"/>
-                      <a:gd name="connsiteX4" fmla="*/ 12011608 w 12011608"/>
-                      <a:gd name="connsiteY4" fmla="*/ 5466161 h 6559420"/>
-                      <a:gd name="connsiteX5" fmla="*/ 10918349 w 12011608"/>
-                      <a:gd name="connsiteY5" fmla="*/ 6559420 h 6559420"/>
-                      <a:gd name="connsiteX6" fmla="*/ 1093259 w 12011608"/>
-                      <a:gd name="connsiteY6" fmla="*/ 6559420 h 6559420"/>
-                      <a:gd name="connsiteX7" fmla="*/ 0 w 12011608"/>
-                      <a:gd name="connsiteY7" fmla="*/ 5466161 h 6559420"/>
-                      <a:gd name="connsiteX8" fmla="*/ 0 w 12011608"/>
-                      <a:gd name="connsiteY8" fmla="*/ 1093259 h 6559420"/>
-                    </a:gdLst>
-                    <a:ahLst/>
-                    <a:cxnLst>
-                      <a:cxn ang="0">
-                        <a:pos x="connsiteX0" y="connsiteY0"/>
-                      </a:cxn>
-                      <a:cxn ang="0">
-                        <a:pos x="connsiteX1" y="connsiteY1"/>
-                      </a:cxn>
-                      <a:cxn ang="0">
-                        <a:pos x="connsiteX2" y="connsiteY2"/>
-                      </a:cxn>
-                      <a:cxn ang="0">
-                        <a:pos x="connsiteX3" y="connsiteY3"/>
-                      </a:cxn>
-                      <a:cxn ang="0">
-                        <a:pos x="connsiteX4" y="connsiteY4"/>
-                      </a:cxn>
-                      <a:cxn ang="0">
-                        <a:pos x="connsiteX5" y="connsiteY5"/>
-                      </a:cxn>
-                      <a:cxn ang="0">
-                        <a:pos x="connsiteX6" y="connsiteY6"/>
-                      </a:cxn>
-                      <a:cxn ang="0">
-                        <a:pos x="connsiteX7" y="connsiteY7"/>
-                      </a:cxn>
-                      <a:cxn ang="0">
-                        <a:pos x="connsiteX8" y="connsiteY8"/>
-                      </a:cxn>
-                    </a:cxnLst>
-                    <a:rect l="l" t="t" r="r" b="b"/>
-                    <a:pathLst>
-                      <a:path w="12011608" h="6559420" extrusionOk="0">
-                        <a:moveTo>
-                          <a:pt x="0" y="1093259"/>
-                        </a:moveTo>
-                        <a:cubicBezTo>
-                          <a:pt x="-7845" y="484630"/>
-                          <a:pt x="467865" y="8108"/>
-                          <a:pt x="1093259" y="0"/>
-                        </a:cubicBezTo>
-                        <a:cubicBezTo>
-                          <a:pt x="4384189" y="132882"/>
-                          <a:pt x="7819229" y="-84951"/>
-                          <a:pt x="10918349" y="0"/>
-                        </a:cubicBezTo>
-                        <a:cubicBezTo>
-                          <a:pt x="11473475" y="47523"/>
-                          <a:pt x="11990134" y="608160"/>
-                          <a:pt x="12011608" y="1093259"/>
-                        </a:cubicBezTo>
-                        <a:cubicBezTo>
-                          <a:pt x="12031795" y="2900874"/>
-                          <a:pt x="12164088" y="4134857"/>
-                          <a:pt x="12011608" y="5466161"/>
-                        </a:cubicBezTo>
-                        <a:cubicBezTo>
-                          <a:pt x="12036918" y="6072954"/>
-                          <a:pt x="11571857" y="6457101"/>
-                          <a:pt x="10918349" y="6559420"/>
-                        </a:cubicBezTo>
-                        <a:cubicBezTo>
-                          <a:pt x="9602557" y="6647059"/>
-                          <a:pt x="3354151" y="6486741"/>
-                          <a:pt x="1093259" y="6559420"/>
-                        </a:cubicBezTo>
-                        <a:cubicBezTo>
-                          <a:pt x="482666" y="6494544"/>
-                          <a:pt x="-19749" y="6097396"/>
-                          <a:pt x="0" y="5466161"/>
-                        </a:cubicBezTo>
-                        <a:cubicBezTo>
-                          <a:pt x="-38581" y="3816704"/>
-                          <a:pt x="63341" y="3160269"/>
-                          <a:pt x="0" y="1093259"/>
-                        </a:cubicBezTo>
-                        <a:close/>
-                      </a:path>
-                    </a:pathLst>
-                  </a:custGeom>
-                  <ask:type>
-                    <ask:lineSketchNone/>
-                  </ask:type>
-                </ask:lineSketchStyleProps>
-              </a:ext>
-            </a:extLst>
-          </a:ln>
-        </p:spPr>
-        <p:style>
-          <a:lnRef idx="2">
-            <a:schemeClr val="accent1">
-              <a:shade val="50000"/>
-            </a:schemeClr>
-          </a:lnRef>
-          <a:fillRef idx="1">
-            <a:schemeClr val="accent1"/>
-          </a:fillRef>
-          <a:effectRef idx="0">
-            <a:schemeClr val="accent1"/>
-          </a:effectRef>
-          <a:fontRef idx="minor">
-            <a:schemeClr val="lt1"/>
-          </a:fontRef>
-        </p:style>
-        <p:txBody>
-          <a:bodyPr rtlCol="0" anchor="ctr"/>
-          <a:lstStyle/>
-          <a:p>
-            <a:pPr algn="ctr"/>
-            <a:endParaRPr lang="en-US" dirty="0">
-              <a:latin typeface="LM Roman 10" pitchFamily="2" charset="77"/>
-              <a:cs typeface="Didot" panose="02000503000000020003" pitchFamily="2" charset="-79"/>
-            </a:endParaRPr>
-          </a:p>
-        </p:txBody>
-      </p:sp>
-      <p:sp>
-        <p:nvSpPr>
-          <p:cNvPr id="7" name="Rectangle: Rounded Corners 6">
-            <a:extLst>
-              <a:ext uri="{FF2B5EF4-FFF2-40B4-BE49-F238E27FC236}">
-                <a16:creationId xmlns:a16="http://schemas.microsoft.com/office/drawing/2014/main" id="{7E31F85C-7964-9E7D-59BD-F1D7029E5CEF}"/>
-              </a:ext>
-            </a:extLst>
-          </p:cNvPr>
-          <p:cNvSpPr/>
-          <p:nvPr/>
-        </p:nvSpPr>
-        <p:spPr>
-          <a:xfrm>
-            <a:off x="400881" y="873594"/>
-            <a:ext cx="11390238" cy="5812486"/>
-          </a:xfrm>
-          <a:prstGeom prst="roundRect">
-            <a:avLst>
-              <a:gd name="adj" fmla="val 2087"/>
-            </a:avLst>
-          </a:prstGeom>
-          <a:noFill/>
-          <a:ln>
-            <a:solidFill>
-              <a:schemeClr val="tx1"/>
-            </a:solidFill>
-            <a:prstDash val="dash"/>
-            <a:extLst>
-              <a:ext uri="{C807C97D-BFC1-408E-A445-0C87EB9F89A2}">
-                <ask:lineSketchStyleProps xmlns:ask="http://schemas.microsoft.com/office/drawing/2018/sketchyshapes" sd="1219033472">
-                  <a:custGeom>
-                    <a:avLst/>
-                    <a:gdLst>
-                      <a:gd name="connsiteX0" fmla="*/ 0 w 12011608"/>
-                      <a:gd name="connsiteY0" fmla="*/ 1093259 h 6559420"/>
-                      <a:gd name="connsiteX1" fmla="*/ 1093259 w 12011608"/>
-                      <a:gd name="connsiteY1" fmla="*/ 0 h 6559420"/>
-                      <a:gd name="connsiteX2" fmla="*/ 10918349 w 12011608"/>
-                      <a:gd name="connsiteY2" fmla="*/ 0 h 6559420"/>
-                      <a:gd name="connsiteX3" fmla="*/ 12011608 w 12011608"/>
-                      <a:gd name="connsiteY3" fmla="*/ 1093259 h 6559420"/>
-                      <a:gd name="connsiteX4" fmla="*/ 12011608 w 12011608"/>
-                      <a:gd name="connsiteY4" fmla="*/ 5466161 h 6559420"/>
-                      <a:gd name="connsiteX5" fmla="*/ 10918349 w 12011608"/>
-                      <a:gd name="connsiteY5" fmla="*/ 6559420 h 6559420"/>
-                      <a:gd name="connsiteX6" fmla="*/ 1093259 w 12011608"/>
-                      <a:gd name="connsiteY6" fmla="*/ 6559420 h 6559420"/>
-                      <a:gd name="connsiteX7" fmla="*/ 0 w 12011608"/>
-                      <a:gd name="connsiteY7" fmla="*/ 5466161 h 6559420"/>
-                      <a:gd name="connsiteX8" fmla="*/ 0 w 12011608"/>
-                      <a:gd name="connsiteY8" fmla="*/ 1093259 h 6559420"/>
-                    </a:gdLst>
-                    <a:ahLst/>
-                    <a:cxnLst>
-                      <a:cxn ang="0">
-                        <a:pos x="connsiteX0" y="connsiteY0"/>
-                      </a:cxn>
-                      <a:cxn ang="0">
-                        <a:pos x="connsiteX1" y="connsiteY1"/>
-                      </a:cxn>
-                      <a:cxn ang="0">
-                        <a:pos x="connsiteX2" y="connsiteY2"/>
-                      </a:cxn>
-                      <a:cxn ang="0">
-                        <a:pos x="connsiteX3" y="connsiteY3"/>
-                      </a:cxn>
-                      <a:cxn ang="0">
-                        <a:pos x="connsiteX4" y="connsiteY4"/>
-                      </a:cxn>
-                      <a:cxn ang="0">
-                        <a:pos x="connsiteX5" y="connsiteY5"/>
-                      </a:cxn>
-                      <a:cxn ang="0">
-                        <a:pos x="connsiteX6" y="connsiteY6"/>
-                      </a:cxn>
-                      <a:cxn ang="0">
-                        <a:pos x="connsiteX7" y="connsiteY7"/>
-                      </a:cxn>
-                      <a:cxn ang="0">
-                        <a:pos x="connsiteX8" y="connsiteY8"/>
-                      </a:cxn>
-                    </a:cxnLst>
-                    <a:rect l="l" t="t" r="r" b="b"/>
-                    <a:pathLst>
-                      <a:path w="12011608" h="6559420" extrusionOk="0">
-                        <a:moveTo>
-                          <a:pt x="0" y="1093259"/>
-                        </a:moveTo>
-                        <a:cubicBezTo>
-                          <a:pt x="-7845" y="484630"/>
-                          <a:pt x="467865" y="8108"/>
-                          <a:pt x="1093259" y="0"/>
-                        </a:cubicBezTo>
-                        <a:cubicBezTo>
-                          <a:pt x="4384189" y="132882"/>
-                          <a:pt x="7819229" y="-84951"/>
-                          <a:pt x="10918349" y="0"/>
-                        </a:cubicBezTo>
-                        <a:cubicBezTo>
-                          <a:pt x="11473475" y="47523"/>
-                          <a:pt x="11990134" y="608160"/>
-                          <a:pt x="12011608" y="1093259"/>
-                        </a:cubicBezTo>
-                        <a:cubicBezTo>
-                          <a:pt x="12031795" y="2900874"/>
-                          <a:pt x="12164088" y="4134857"/>
-                          <a:pt x="12011608" y="5466161"/>
-                        </a:cubicBezTo>
-                        <a:cubicBezTo>
-                          <a:pt x="12036918" y="6072954"/>
-                          <a:pt x="11571857" y="6457101"/>
-                          <a:pt x="10918349" y="6559420"/>
-                        </a:cubicBezTo>
-                        <a:cubicBezTo>
-                          <a:pt x="9602557" y="6647059"/>
-                          <a:pt x="3354151" y="6486741"/>
-                          <a:pt x="1093259" y="6559420"/>
-                        </a:cubicBezTo>
-                        <a:cubicBezTo>
-                          <a:pt x="482666" y="6494544"/>
-                          <a:pt x="-19749" y="6097396"/>
-                          <a:pt x="0" y="5466161"/>
-                        </a:cubicBezTo>
-                        <a:cubicBezTo>
-                          <a:pt x="-38581" y="3816704"/>
-                          <a:pt x="63341" y="3160269"/>
-                          <a:pt x="0" y="1093259"/>
-                        </a:cubicBezTo>
-                        <a:close/>
-                      </a:path>
-                    </a:pathLst>
-                  </a:custGeom>
-                  <ask:type>
-                    <ask:lineSketchNone/>
-                  </ask:type>
-                </ask:lineSketchStyleProps>
-              </a:ext>
-            </a:extLst>
-          </a:ln>
-        </p:spPr>
-        <p:style>
-          <a:lnRef idx="2">
-            <a:schemeClr val="accent1">
-              <a:shade val="50000"/>
-            </a:schemeClr>
-          </a:lnRef>
-          <a:fillRef idx="1">
-            <a:schemeClr val="accent1"/>
-          </a:fillRef>
-          <a:effectRef idx="0">
-            <a:schemeClr val="accent1"/>
-          </a:effectRef>
-          <a:fontRef idx="minor">
-            <a:schemeClr val="lt1"/>
-          </a:fontRef>
-        </p:style>
-        <p:txBody>
-          <a:bodyPr rtlCol="0" anchor="ctr"/>
-          <a:lstStyle/>
-          <a:p>
-            <a:pPr algn="ctr"/>
-            <a:endParaRPr lang="en-US" dirty="0">
-              <a:latin typeface="LM Roman 10" pitchFamily="2" charset="77"/>
-              <a:cs typeface="Didot" panose="02000503000000020003" pitchFamily="2" charset="-79"/>
-            </a:endParaRPr>
-          </a:p>
-        </p:txBody>
-      </p:sp>
-      <p:sp>
-        <p:nvSpPr>
-          <p:cNvPr id="8" name="Rectangle: Rounded Corners 7">
-            <a:extLst>
-              <a:ext uri="{FF2B5EF4-FFF2-40B4-BE49-F238E27FC236}">
-                <a16:creationId xmlns:a16="http://schemas.microsoft.com/office/drawing/2014/main" id="{7751CDBA-94D4-E5A6-7DF9-44DFA078906F}"/>
-              </a:ext>
-            </a:extLst>
-          </p:cNvPr>
-          <p:cNvSpPr/>
-          <p:nvPr/>
-        </p:nvSpPr>
-        <p:spPr>
-          <a:xfrm>
-            <a:off x="820633" y="1218049"/>
-            <a:ext cx="7585136" cy="5123576"/>
-          </a:xfrm>
-          <a:prstGeom prst="roundRect">
-            <a:avLst>
-              <a:gd name="adj" fmla="val 2087"/>
-            </a:avLst>
-          </a:prstGeom>
-          <a:noFill/>
-          <a:ln>
-            <a:solidFill>
-              <a:schemeClr val="tx1"/>
-            </a:solidFill>
-            <a:prstDash val="dash"/>
-            <a:extLst>
-              <a:ext uri="{C807C97D-BFC1-408E-A445-0C87EB9F89A2}">
-                <ask:lineSketchStyleProps xmlns:ask="http://schemas.microsoft.com/office/drawing/2018/sketchyshapes" sd="1219033472">
-                  <a:custGeom>
-                    <a:avLst/>
-                    <a:gdLst>
-                      <a:gd name="connsiteX0" fmla="*/ 0 w 12011608"/>
-                      <a:gd name="connsiteY0" fmla="*/ 1093259 h 6559420"/>
-                      <a:gd name="connsiteX1" fmla="*/ 1093259 w 12011608"/>
-                      <a:gd name="connsiteY1" fmla="*/ 0 h 6559420"/>
-                      <a:gd name="connsiteX2" fmla="*/ 10918349 w 12011608"/>
-                      <a:gd name="connsiteY2" fmla="*/ 0 h 6559420"/>
-                      <a:gd name="connsiteX3" fmla="*/ 12011608 w 12011608"/>
-                      <a:gd name="connsiteY3" fmla="*/ 1093259 h 6559420"/>
-                      <a:gd name="connsiteX4" fmla="*/ 12011608 w 12011608"/>
-                      <a:gd name="connsiteY4" fmla="*/ 5466161 h 6559420"/>
-                      <a:gd name="connsiteX5" fmla="*/ 10918349 w 12011608"/>
-                      <a:gd name="connsiteY5" fmla="*/ 6559420 h 6559420"/>
-                      <a:gd name="connsiteX6" fmla="*/ 1093259 w 12011608"/>
-                      <a:gd name="connsiteY6" fmla="*/ 6559420 h 6559420"/>
-                      <a:gd name="connsiteX7" fmla="*/ 0 w 12011608"/>
-                      <a:gd name="connsiteY7" fmla="*/ 5466161 h 6559420"/>
-                      <a:gd name="connsiteX8" fmla="*/ 0 w 12011608"/>
-                      <a:gd name="connsiteY8" fmla="*/ 1093259 h 6559420"/>
-                    </a:gdLst>
-                    <a:ahLst/>
-                    <a:cxnLst>
-                      <a:cxn ang="0">
-                        <a:pos x="connsiteX0" y="connsiteY0"/>
-                      </a:cxn>
-                      <a:cxn ang="0">
-                        <a:pos x="connsiteX1" y="connsiteY1"/>
-                      </a:cxn>
-                      <a:cxn ang="0">
-                        <a:pos x="connsiteX2" y="connsiteY2"/>
-                      </a:cxn>
-                      <a:cxn ang="0">
-                        <a:pos x="connsiteX3" y="connsiteY3"/>
-                      </a:cxn>
-                      <a:cxn ang="0">
-                        <a:pos x="connsiteX4" y="connsiteY4"/>
-                      </a:cxn>
-                      <a:cxn ang="0">
-                        <a:pos x="connsiteX5" y="connsiteY5"/>
-                      </a:cxn>
-                      <a:cxn ang="0">
-                        <a:pos x="connsiteX6" y="connsiteY6"/>
-                      </a:cxn>
-                      <a:cxn ang="0">
-                        <a:pos x="connsiteX7" y="connsiteY7"/>
-                      </a:cxn>
-                      <a:cxn ang="0">
-                        <a:pos x="connsiteX8" y="connsiteY8"/>
-                      </a:cxn>
-                    </a:cxnLst>
-                    <a:rect l="l" t="t" r="r" b="b"/>
-                    <a:pathLst>
-                      <a:path w="12011608" h="6559420" extrusionOk="0">
-                        <a:moveTo>
-                          <a:pt x="0" y="1093259"/>
-                        </a:moveTo>
-                        <a:cubicBezTo>
-                          <a:pt x="-7845" y="484630"/>
-                          <a:pt x="467865" y="8108"/>
-                          <a:pt x="1093259" y="0"/>
-                        </a:cubicBezTo>
-                        <a:cubicBezTo>
-                          <a:pt x="4384189" y="132882"/>
-                          <a:pt x="7819229" y="-84951"/>
-                          <a:pt x="10918349" y="0"/>
-                        </a:cubicBezTo>
-                        <a:cubicBezTo>
-                          <a:pt x="11473475" y="47523"/>
-                          <a:pt x="11990134" y="608160"/>
-                          <a:pt x="12011608" y="1093259"/>
-                        </a:cubicBezTo>
-                        <a:cubicBezTo>
-                          <a:pt x="12031795" y="2900874"/>
-                          <a:pt x="12164088" y="4134857"/>
-                          <a:pt x="12011608" y="5466161"/>
-                        </a:cubicBezTo>
-                        <a:cubicBezTo>
-                          <a:pt x="12036918" y="6072954"/>
-                          <a:pt x="11571857" y="6457101"/>
-                          <a:pt x="10918349" y="6559420"/>
-                        </a:cubicBezTo>
-                        <a:cubicBezTo>
-                          <a:pt x="9602557" y="6647059"/>
-                          <a:pt x="3354151" y="6486741"/>
-                          <a:pt x="1093259" y="6559420"/>
-                        </a:cubicBezTo>
-                        <a:cubicBezTo>
-                          <a:pt x="482666" y="6494544"/>
-                          <a:pt x="-19749" y="6097396"/>
-                          <a:pt x="0" y="5466161"/>
-                        </a:cubicBezTo>
-                        <a:cubicBezTo>
-                          <a:pt x="-38581" y="3816704"/>
-                          <a:pt x="63341" y="3160269"/>
-                          <a:pt x="0" y="1093259"/>
-                        </a:cubicBezTo>
-                        <a:close/>
-                      </a:path>
-                    </a:pathLst>
-                  </a:custGeom>
-                  <ask:type>
-                    <ask:lineSketchNone/>
-                  </ask:type>
-                </ask:lineSketchStyleProps>
-              </a:ext>
-            </a:extLst>
-          </a:ln>
-        </p:spPr>
-        <p:style>
-          <a:lnRef idx="2">
-            <a:schemeClr val="accent1">
-              <a:shade val="50000"/>
-            </a:schemeClr>
-          </a:lnRef>
-          <a:fillRef idx="1">
-            <a:schemeClr val="accent1"/>
-          </a:fillRef>
-          <a:effectRef idx="0">
-            <a:schemeClr val="accent1"/>
-          </a:effectRef>
-          <a:fontRef idx="minor">
-            <a:schemeClr val="lt1"/>
-          </a:fontRef>
-        </p:style>
-        <p:txBody>
-          <a:bodyPr rtlCol="0" anchor="ctr"/>
-          <a:lstStyle/>
-          <a:p>
-            <a:pPr algn="ctr"/>
-            <a:endParaRPr lang="en-US" dirty="0">
-              <a:latin typeface="LM Roman 10" pitchFamily="2" charset="77"/>
-              <a:cs typeface="Didot" panose="02000503000000020003" pitchFamily="2" charset="-79"/>
-            </a:endParaRPr>
-          </a:p>
-        </p:txBody>
-      </p:sp>
-      <p:sp>
-        <p:nvSpPr>
-          <p:cNvPr id="9" name="TextBox 8">
-            <a:extLst>
-              <a:ext uri="{FF2B5EF4-FFF2-40B4-BE49-F238E27FC236}">
-                <a16:creationId xmlns:a16="http://schemas.microsoft.com/office/drawing/2014/main" id="{54F6159C-C000-718D-1CB8-474645C5C703}"/>
-              </a:ext>
-            </a:extLst>
-          </p:cNvPr>
-          <p:cNvSpPr txBox="1"/>
-          <p:nvPr/>
-        </p:nvSpPr>
-        <p:spPr>
-          <a:xfrm>
-            <a:off x="153175" y="504262"/>
-            <a:ext cx="2820003" cy="338554"/>
-          </a:xfrm>
-          <a:prstGeom prst="rect">
-            <a:avLst/>
-          </a:prstGeom>
-          <a:noFill/>
-        </p:spPr>
-        <p:txBody>
-          <a:bodyPr wrap="none" rtlCol="0">
-            <a:spAutoFit/>
-          </a:bodyPr>
-          <a:lstStyle/>
-          <a:p>
-            <a:r>
-              <a:rPr lang="de-DE" sz="1600" dirty="0">
-                <a:latin typeface="LM Roman 10" pitchFamily="2" charset="77"/>
-                <a:cs typeface="Didot" panose="02000503000000020003" pitchFamily="2" charset="-79"/>
-              </a:rPr>
-              <a:t>Charakteristika der Kontexte</a:t>
-            </a:r>
-            <a:endParaRPr lang="en-US" dirty="0">
-              <a:latin typeface="LM Roman 10" pitchFamily="2" charset="77"/>
-              <a:cs typeface="Didot" panose="02000503000000020003" pitchFamily="2" charset="-79"/>
-            </a:endParaRPr>
-          </a:p>
-        </p:txBody>
-      </p:sp>
-      <p:sp>
-        <p:nvSpPr>
-          <p:cNvPr id="10" name="TextBox 9">
-            <a:extLst>
-              <a:ext uri="{FF2B5EF4-FFF2-40B4-BE49-F238E27FC236}">
-                <a16:creationId xmlns:a16="http://schemas.microsoft.com/office/drawing/2014/main" id="{7089942B-64B4-A49D-35FF-C2AF5B72F395}"/>
-              </a:ext>
-            </a:extLst>
-          </p:cNvPr>
-          <p:cNvSpPr txBox="1"/>
-          <p:nvPr/>
-        </p:nvSpPr>
-        <p:spPr>
-          <a:xfrm>
-            <a:off x="400882" y="861156"/>
-            <a:ext cx="2965877" cy="338554"/>
-          </a:xfrm>
-          <a:prstGeom prst="rect">
-            <a:avLst/>
-          </a:prstGeom>
-          <a:noFill/>
-        </p:spPr>
-        <p:txBody>
-          <a:bodyPr wrap="none" rtlCol="0">
-            <a:spAutoFit/>
-          </a:bodyPr>
-          <a:lstStyle/>
-          <a:p>
-            <a:r>
-              <a:rPr lang="de-DE" sz="1600" dirty="0">
-                <a:latin typeface="LM Roman 10" pitchFamily="2" charset="77"/>
-                <a:cs typeface="Didot" panose="02000503000000020003" pitchFamily="2" charset="-79"/>
-              </a:rPr>
-              <a:t>Charakteristika der Nutzenden</a:t>
-            </a:r>
-            <a:endParaRPr lang="en-US" sz="1600" dirty="0">
-              <a:latin typeface="LM Roman 10" pitchFamily="2" charset="77"/>
-              <a:cs typeface="Didot" panose="02000503000000020003" pitchFamily="2" charset="-79"/>
-            </a:endParaRPr>
-          </a:p>
-        </p:txBody>
-      </p:sp>
-      <p:sp>
-        <p:nvSpPr>
-          <p:cNvPr id="11" name="TextBox 10">
-            <a:extLst>
-              <a:ext uri="{FF2B5EF4-FFF2-40B4-BE49-F238E27FC236}">
-                <a16:creationId xmlns:a16="http://schemas.microsoft.com/office/drawing/2014/main" id="{13879C0C-1EBE-1092-85BE-105AC4D194FF}"/>
-              </a:ext>
-            </a:extLst>
-          </p:cNvPr>
-          <p:cNvSpPr txBox="1"/>
-          <p:nvPr/>
-        </p:nvSpPr>
-        <p:spPr>
-          <a:xfrm>
-            <a:off x="820633" y="1230238"/>
-            <a:ext cx="2719014" cy="338554"/>
-          </a:xfrm>
-          <a:prstGeom prst="rect">
-            <a:avLst/>
-          </a:prstGeom>
-          <a:noFill/>
-        </p:spPr>
-        <p:txBody>
-          <a:bodyPr wrap="none" rtlCol="0">
-            <a:spAutoFit/>
-          </a:bodyPr>
-          <a:lstStyle/>
-          <a:p>
-            <a:r>
-              <a:rPr lang="de-DE" sz="1600" dirty="0">
-                <a:latin typeface="LM Roman 10" pitchFamily="2" charset="77"/>
-                <a:cs typeface="Didot" panose="02000503000000020003" pitchFamily="2" charset="-79"/>
-              </a:rPr>
-              <a:t>Charakteristika der Evidenz</a:t>
-            </a:r>
-            <a:endParaRPr lang="en-US" sz="1600" dirty="0">
-              <a:latin typeface="LM Roman 10" pitchFamily="2" charset="77"/>
-              <a:cs typeface="Didot" panose="02000503000000020003" pitchFamily="2" charset="-79"/>
-            </a:endParaRPr>
-          </a:p>
-        </p:txBody>
-      </p:sp>
-      <p:sp>
-        <p:nvSpPr>
-          <p:cNvPr id="13" name="Oval 12">
-            <a:extLst>
-              <a:ext uri="{FF2B5EF4-FFF2-40B4-BE49-F238E27FC236}">
-                <a16:creationId xmlns:a16="http://schemas.microsoft.com/office/drawing/2014/main" id="{1D8693F1-4AF6-B64B-4F0A-B464A18041CC}"/>
-              </a:ext>
-            </a:extLst>
-          </p:cNvPr>
-          <p:cNvSpPr/>
-          <p:nvPr/>
-        </p:nvSpPr>
-        <p:spPr>
-          <a:xfrm>
-            <a:off x="2759362" y="4563146"/>
-            <a:ext cx="1630680" cy="754380"/>
-          </a:xfrm>
-          <a:prstGeom prst="ellipse">
-            <a:avLst/>
-          </a:prstGeom>
-          <a:solidFill>
-            <a:schemeClr val="bg1"/>
-          </a:solidFill>
-          <a:ln>
-            <a:solidFill>
-              <a:schemeClr val="tx1"/>
-            </a:solidFill>
-          </a:ln>
-          <a:effectLst>
-            <a:outerShdw blurRad="50800" dist="38100" dir="2700000" algn="tl" rotWithShape="0">
-              <a:prstClr val="black">
-                <a:alpha val="40000"/>
-              </a:prstClr>
-            </a:outerShdw>
-          </a:effectLst>
-        </p:spPr>
-        <p:style>
-          <a:lnRef idx="2">
-            <a:schemeClr val="accent1">
-              <a:shade val="50000"/>
-            </a:schemeClr>
-          </a:lnRef>
-          <a:fillRef idx="1">
-            <a:schemeClr val="accent1"/>
-          </a:fillRef>
-          <a:effectRef idx="0">
-            <a:schemeClr val="accent1"/>
-          </a:effectRef>
-          <a:fontRef idx="minor">
-            <a:schemeClr val="lt1"/>
-          </a:fontRef>
-        </p:style>
-        <p:txBody>
-          <a:bodyPr rtlCol="0" anchor="ctr"/>
-          <a:lstStyle/>
-          <a:p>
-            <a:pPr algn="ctr"/>
-            <a:r>
-              <a:rPr lang="de-DE" dirty="0">
-                <a:solidFill>
-                  <a:schemeClr val="tx1"/>
-                </a:solidFill>
-                <a:latin typeface="LM Roman 10" pitchFamily="2" charset="77"/>
-                <a:cs typeface="Didot" panose="02000503000000020003" pitchFamily="2" charset="-79"/>
-              </a:rPr>
-              <a:t> </a:t>
-            </a:r>
-            <a:endParaRPr lang="en-US" dirty="0">
-              <a:solidFill>
-                <a:schemeClr val="tx1"/>
-              </a:solidFill>
-              <a:latin typeface="LM Roman 10" pitchFamily="2" charset="77"/>
-              <a:cs typeface="Didot" panose="02000503000000020003" pitchFamily="2" charset="-79"/>
-            </a:endParaRPr>
-          </a:p>
-        </p:txBody>
-      </p:sp>
-      <p:sp>
-        <p:nvSpPr>
-          <p:cNvPr id="14" name="Oval 13">
-            <a:extLst>
-              <a:ext uri="{FF2B5EF4-FFF2-40B4-BE49-F238E27FC236}">
-                <a16:creationId xmlns:a16="http://schemas.microsoft.com/office/drawing/2014/main" id="{2A14B365-C792-8A6C-8E80-FF83C67B5D55}"/>
-              </a:ext>
-            </a:extLst>
-          </p:cNvPr>
-          <p:cNvSpPr/>
-          <p:nvPr/>
-        </p:nvSpPr>
-        <p:spPr>
-          <a:xfrm>
-            <a:off x="4390042" y="3439434"/>
-            <a:ext cx="1630680" cy="754380"/>
-          </a:xfrm>
-          <a:prstGeom prst="ellipse">
-            <a:avLst/>
-          </a:prstGeom>
-          <a:solidFill>
-            <a:schemeClr val="bg1"/>
-          </a:solidFill>
-          <a:ln>
-            <a:solidFill>
-              <a:schemeClr val="tx1"/>
-            </a:solidFill>
-          </a:ln>
-          <a:effectLst>
-            <a:outerShdw blurRad="50800" dist="38100" dir="2700000" algn="tl" rotWithShape="0">
-              <a:prstClr val="black">
-                <a:alpha val="40000"/>
-              </a:prstClr>
-            </a:outerShdw>
-          </a:effectLst>
-        </p:spPr>
-        <p:style>
-          <a:lnRef idx="2">
-            <a:schemeClr val="accent1">
-              <a:shade val="50000"/>
-            </a:schemeClr>
-          </a:lnRef>
-          <a:fillRef idx="1">
-            <a:schemeClr val="accent1"/>
-          </a:fillRef>
-          <a:effectRef idx="0">
-            <a:schemeClr val="accent1"/>
-          </a:effectRef>
-          <a:fontRef idx="minor">
-            <a:schemeClr val="lt1"/>
-          </a:fontRef>
-        </p:style>
-        <p:txBody>
-          <a:bodyPr rtlCol="0" anchor="ctr"/>
-          <a:lstStyle/>
-          <a:p>
-            <a:pPr algn="ctr"/>
-            <a:r>
-              <a:rPr lang="de-DE" sz="1600" dirty="0">
-                <a:solidFill>
-                  <a:schemeClr val="tx1"/>
-                </a:solidFill>
-                <a:latin typeface="LM Roman 10" pitchFamily="2" charset="77"/>
-                <a:cs typeface="Didot" panose="02000503000000020003" pitchFamily="2" charset="-79"/>
-              </a:rPr>
-              <a:t>Evidenz</a:t>
-            </a:r>
-            <a:endParaRPr lang="en-US" dirty="0">
-              <a:solidFill>
-                <a:schemeClr val="tx1"/>
-              </a:solidFill>
-              <a:latin typeface="LM Roman 10" pitchFamily="2" charset="77"/>
-              <a:cs typeface="Didot" panose="02000503000000020003" pitchFamily="2" charset="-79"/>
-            </a:endParaRPr>
-          </a:p>
-        </p:txBody>
-      </p:sp>
-      <p:sp>
-        <p:nvSpPr>
-          <p:cNvPr id="15" name="Oval 14">
-            <a:extLst>
-              <a:ext uri="{FF2B5EF4-FFF2-40B4-BE49-F238E27FC236}">
-                <a16:creationId xmlns:a16="http://schemas.microsoft.com/office/drawing/2014/main" id="{97DAF1C8-8BF6-B122-BD80-962768DA66B4}"/>
-              </a:ext>
-            </a:extLst>
-          </p:cNvPr>
-          <p:cNvSpPr/>
-          <p:nvPr/>
-        </p:nvSpPr>
-        <p:spPr>
-          <a:xfrm>
-            <a:off x="6020722" y="2315722"/>
-            <a:ext cx="1630680" cy="754380"/>
-          </a:xfrm>
-          <a:prstGeom prst="ellipse">
-            <a:avLst/>
-          </a:prstGeom>
-          <a:solidFill>
-            <a:schemeClr val="bg1"/>
-          </a:solidFill>
-          <a:ln>
-            <a:solidFill>
-              <a:schemeClr val="tx1"/>
-            </a:solidFill>
-          </a:ln>
-          <a:effectLst>
-            <a:outerShdw blurRad="50800" dist="38100" dir="2700000" algn="tl" rotWithShape="0">
-              <a:prstClr val="black">
-                <a:alpha val="40000"/>
-              </a:prstClr>
-            </a:outerShdw>
-          </a:effectLst>
-        </p:spPr>
-        <p:style>
-          <a:lnRef idx="2">
-            <a:schemeClr val="accent1">
-              <a:shade val="50000"/>
-            </a:schemeClr>
-          </a:lnRef>
-          <a:fillRef idx="1">
-            <a:schemeClr val="accent1"/>
-          </a:fillRef>
-          <a:effectRef idx="0">
-            <a:schemeClr val="accent1"/>
-          </a:effectRef>
-          <a:fontRef idx="minor">
-            <a:schemeClr val="lt1"/>
-          </a:fontRef>
-        </p:style>
-        <p:txBody>
-          <a:bodyPr rtlCol="0" anchor="ctr"/>
-          <a:lstStyle/>
-          <a:p>
-            <a:pPr algn="ctr"/>
-            <a:endParaRPr lang="en-US" sz="1600" dirty="0">
-              <a:solidFill>
-                <a:schemeClr val="tx1"/>
-              </a:solidFill>
-              <a:latin typeface="LM Roman 10" pitchFamily="2" charset="77"/>
-              <a:cs typeface="Didot" panose="02000503000000020003" pitchFamily="2" charset="-79"/>
-            </a:endParaRPr>
-          </a:p>
-        </p:txBody>
-      </p:sp>
-      <p:cxnSp>
-        <p:nvCxnSpPr>
-          <p:cNvPr id="20" name="Connector: Curved 19">
-            <a:extLst>
-              <a:ext uri="{FF2B5EF4-FFF2-40B4-BE49-F238E27FC236}">
-                <a16:creationId xmlns:a16="http://schemas.microsoft.com/office/drawing/2014/main" id="{9D08A355-1BFF-B13D-EABD-1944CF8A7E31}"/>
-              </a:ext>
-            </a:extLst>
-          </p:cNvPr>
-          <p:cNvCxnSpPr>
-            <a:cxnSpLocks/>
-            <a:stCxn id="13" idx="0"/>
-            <a:endCxn id="14" idx="2"/>
-          </p:cNvCxnSpPr>
-          <p:nvPr/>
-        </p:nvCxnSpPr>
-        <p:spPr>
-          <a:xfrm rot="5400000" flipH="1" flipV="1">
-            <a:off x="3609111" y="3782215"/>
-            <a:ext cx="746522" cy="815340"/>
-          </a:xfrm>
-          <a:prstGeom prst="curvedConnector2">
-            <a:avLst/>
-          </a:prstGeom>
-          <a:ln w="34925">
-            <a:solidFill>
-              <a:schemeClr val="tx1"/>
-            </a:solidFill>
-            <a:tailEnd type="triangle"/>
-          </a:ln>
-        </p:spPr>
-        <p:style>
-          <a:lnRef idx="1">
-            <a:schemeClr val="accent1"/>
-          </a:lnRef>
-          <a:fillRef idx="0">
-            <a:schemeClr val="accent1"/>
-          </a:fillRef>
-          <a:effectRef idx="0">
-            <a:schemeClr val="accent1"/>
-          </a:effectRef>
-          <a:fontRef idx="minor">
-            <a:schemeClr val="tx1"/>
-          </a:fontRef>
-        </p:style>
-      </p:cxnSp>
-      <p:cxnSp>
-        <p:nvCxnSpPr>
-          <p:cNvPr id="23" name="Connector: Curved 22">
-            <a:extLst>
-              <a:ext uri="{FF2B5EF4-FFF2-40B4-BE49-F238E27FC236}">
-                <a16:creationId xmlns:a16="http://schemas.microsoft.com/office/drawing/2014/main" id="{C576A603-F83F-F3F0-AD46-5F1BC4B64A9E}"/>
-              </a:ext>
-            </a:extLst>
-          </p:cNvPr>
-          <p:cNvCxnSpPr>
-            <a:cxnSpLocks/>
-            <a:stCxn id="14" idx="0"/>
-            <a:endCxn id="15" idx="2"/>
-          </p:cNvCxnSpPr>
-          <p:nvPr/>
-        </p:nvCxnSpPr>
-        <p:spPr>
-          <a:xfrm rot="5400000" flipH="1" flipV="1">
-            <a:off x="5239791" y="2658503"/>
-            <a:ext cx="746522" cy="815340"/>
-          </a:xfrm>
-          <a:prstGeom prst="curvedConnector2">
-            <a:avLst/>
-          </a:prstGeom>
-          <a:ln w="34925">
-            <a:solidFill>
-              <a:schemeClr val="tx1"/>
-            </a:solidFill>
-            <a:tailEnd type="triangle"/>
-          </a:ln>
-        </p:spPr>
-        <p:style>
-          <a:lnRef idx="1">
-            <a:schemeClr val="accent1"/>
-          </a:lnRef>
-          <a:fillRef idx="0">
-            <a:schemeClr val="accent1"/>
-          </a:fillRef>
-          <a:effectRef idx="0">
-            <a:schemeClr val="accent1"/>
-          </a:effectRef>
-          <a:fontRef idx="minor">
-            <a:schemeClr val="tx1"/>
-          </a:fontRef>
-        </p:style>
-      </p:cxnSp>
-      <p:sp>
-        <p:nvSpPr>
-          <p:cNvPr id="26" name="Oval 25">
-            <a:extLst>
-              <a:ext uri="{FF2B5EF4-FFF2-40B4-BE49-F238E27FC236}">
-                <a16:creationId xmlns:a16="http://schemas.microsoft.com/office/drawing/2014/main" id="{E3DC8A4E-1508-5E72-013D-97FAFDC90495}"/>
-              </a:ext>
-            </a:extLst>
-          </p:cNvPr>
-          <p:cNvSpPr/>
-          <p:nvPr/>
-        </p:nvSpPr>
-        <p:spPr>
-          <a:xfrm>
-            <a:off x="8944559" y="2311793"/>
-            <a:ext cx="1630680" cy="754380"/>
-          </a:xfrm>
-          <a:prstGeom prst="ellipse">
-            <a:avLst/>
-          </a:prstGeom>
-          <a:solidFill>
-            <a:schemeClr val="bg1"/>
-          </a:solidFill>
-          <a:ln>
-            <a:solidFill>
-              <a:schemeClr val="tx1"/>
-            </a:solidFill>
-          </a:ln>
-          <a:effectLst>
-            <a:outerShdw blurRad="50800" dist="38100" dir="2700000" algn="tl" rotWithShape="0">
-              <a:prstClr val="black">
-                <a:alpha val="40000"/>
-              </a:prstClr>
-            </a:outerShdw>
-          </a:effectLst>
-        </p:spPr>
-        <p:style>
-          <a:lnRef idx="2">
-            <a:schemeClr val="accent1">
-              <a:shade val="50000"/>
-            </a:schemeClr>
-          </a:lnRef>
-          <a:fillRef idx="1">
-            <a:schemeClr val="accent1"/>
-          </a:fillRef>
-          <a:effectRef idx="0">
-            <a:schemeClr val="accent1"/>
-          </a:effectRef>
-          <a:fontRef idx="minor">
-            <a:schemeClr val="lt1"/>
-          </a:fontRef>
-        </p:style>
-        <p:txBody>
-          <a:bodyPr rtlCol="0" anchor="ctr"/>
-          <a:lstStyle/>
-          <a:p>
-            <a:pPr algn="ctr"/>
-            <a:endParaRPr lang="en-US" dirty="0">
-              <a:solidFill>
-                <a:schemeClr val="tx1"/>
-              </a:solidFill>
-              <a:latin typeface="LM Roman 10" pitchFamily="2" charset="77"/>
-              <a:cs typeface="Didot" panose="02000503000000020003" pitchFamily="2" charset="-79"/>
-            </a:endParaRPr>
-          </a:p>
-        </p:txBody>
-      </p:sp>
-      <p:sp>
-        <p:nvSpPr>
-          <p:cNvPr id="27" name="Oval 26">
-            <a:extLst>
-              <a:ext uri="{FF2B5EF4-FFF2-40B4-BE49-F238E27FC236}">
-                <a16:creationId xmlns:a16="http://schemas.microsoft.com/office/drawing/2014/main" id="{72AF60ED-4044-E5E5-F9E9-64C7593F7CC0}"/>
-              </a:ext>
-            </a:extLst>
-          </p:cNvPr>
-          <p:cNvSpPr/>
-          <p:nvPr/>
-        </p:nvSpPr>
-        <p:spPr>
-          <a:xfrm>
-            <a:off x="8944559" y="4563146"/>
-            <a:ext cx="1630680" cy="754380"/>
-          </a:xfrm>
-          <a:prstGeom prst="ellipse">
-            <a:avLst/>
-          </a:prstGeom>
-          <a:solidFill>
-            <a:schemeClr val="bg1"/>
-          </a:solidFill>
-          <a:ln>
-            <a:solidFill>
-              <a:schemeClr val="tx1"/>
-            </a:solidFill>
-          </a:ln>
-          <a:effectLst>
-            <a:outerShdw blurRad="50800" dist="38100" dir="2700000" algn="tl" rotWithShape="0">
-              <a:prstClr val="black">
-                <a:alpha val="40000"/>
-              </a:prstClr>
-            </a:outerShdw>
-          </a:effectLst>
-        </p:spPr>
-        <p:style>
-          <a:lnRef idx="2">
-            <a:schemeClr val="accent1">
-              <a:shade val="50000"/>
-            </a:schemeClr>
-          </a:lnRef>
-          <a:fillRef idx="1">
-            <a:schemeClr val="accent1"/>
-          </a:fillRef>
-          <a:effectRef idx="0">
-            <a:schemeClr val="accent1"/>
-          </a:effectRef>
-          <a:fontRef idx="minor">
-            <a:schemeClr val="lt1"/>
-          </a:fontRef>
-        </p:style>
-        <p:txBody>
-          <a:bodyPr rtlCol="0" anchor="ctr"/>
-          <a:lstStyle/>
-          <a:p>
-            <a:pPr algn="ctr"/>
-            <a:r>
-              <a:rPr lang="de-DE" sz="1600" dirty="0">
-                <a:solidFill>
-                  <a:schemeClr val="tx1"/>
-                </a:solidFill>
-                <a:latin typeface="LM Roman 10" pitchFamily="2" charset="77"/>
-                <a:cs typeface="Didot" panose="02000503000000020003" pitchFamily="2" charset="-79"/>
-              </a:rPr>
-              <a:t>Ergebnisse</a:t>
-            </a:r>
-            <a:endParaRPr lang="en-US" sz="1600" dirty="0">
-              <a:solidFill>
-                <a:schemeClr val="tx1"/>
-              </a:solidFill>
-              <a:latin typeface="LM Roman 10" pitchFamily="2" charset="77"/>
-              <a:cs typeface="Didot" panose="02000503000000020003" pitchFamily="2" charset="-79"/>
-            </a:endParaRPr>
-          </a:p>
-        </p:txBody>
-      </p:sp>
-      <p:cxnSp>
-        <p:nvCxnSpPr>
-          <p:cNvPr id="32" name="Straight Arrow Connector 31">
-            <a:extLst>
-              <a:ext uri="{FF2B5EF4-FFF2-40B4-BE49-F238E27FC236}">
-                <a16:creationId xmlns:a16="http://schemas.microsoft.com/office/drawing/2014/main" id="{166579B7-9EB5-A37B-D7D0-0EEC0B6803AE}"/>
-              </a:ext>
-            </a:extLst>
-          </p:cNvPr>
-          <p:cNvCxnSpPr>
-            <a:cxnSpLocks/>
-            <a:stCxn id="15" idx="6"/>
-            <a:endCxn id="26" idx="2"/>
-          </p:cNvCxnSpPr>
-          <p:nvPr/>
-        </p:nvCxnSpPr>
-        <p:spPr>
-          <a:xfrm flipV="1">
-            <a:off x="7651403" y="2688984"/>
-            <a:ext cx="1293157" cy="3929"/>
-          </a:xfrm>
-          <a:prstGeom prst="straightConnector1">
-            <a:avLst/>
-          </a:prstGeom>
-          <a:ln w="34925">
-            <a:solidFill>
-              <a:schemeClr val="tx1"/>
-            </a:solidFill>
-            <a:tailEnd type="triangle"/>
-          </a:ln>
-        </p:spPr>
-        <p:style>
-          <a:lnRef idx="1">
-            <a:schemeClr val="accent1"/>
-          </a:lnRef>
-          <a:fillRef idx="0">
-            <a:schemeClr val="accent1"/>
-          </a:fillRef>
-          <a:effectRef idx="0">
-            <a:schemeClr val="accent1"/>
-          </a:effectRef>
-          <a:fontRef idx="minor">
-            <a:schemeClr val="tx1"/>
-          </a:fontRef>
-        </p:style>
-      </p:cxnSp>
-      <p:cxnSp>
-        <p:nvCxnSpPr>
-          <p:cNvPr id="34" name="Straight Arrow Connector 33">
-            <a:extLst>
-              <a:ext uri="{FF2B5EF4-FFF2-40B4-BE49-F238E27FC236}">
-                <a16:creationId xmlns:a16="http://schemas.microsoft.com/office/drawing/2014/main" id="{49F8FCE9-625E-3019-9506-DB4366A32AC6}"/>
-              </a:ext>
-            </a:extLst>
-          </p:cNvPr>
-          <p:cNvCxnSpPr>
-            <a:cxnSpLocks/>
-            <a:stCxn id="26" idx="4"/>
-            <a:endCxn id="27" idx="0"/>
-          </p:cNvCxnSpPr>
-          <p:nvPr/>
-        </p:nvCxnSpPr>
-        <p:spPr>
-          <a:xfrm>
-            <a:off x="9759899" y="3066174"/>
-            <a:ext cx="0" cy="1496973"/>
-          </a:xfrm>
-          <a:prstGeom prst="straightConnector1">
-            <a:avLst/>
-          </a:prstGeom>
-          <a:ln w="34925">
-            <a:solidFill>
-              <a:schemeClr val="tx1"/>
-            </a:solidFill>
-            <a:tailEnd type="triangle"/>
-          </a:ln>
-        </p:spPr>
-        <p:style>
-          <a:lnRef idx="1">
-            <a:schemeClr val="accent1"/>
-          </a:lnRef>
-          <a:fillRef idx="0">
-            <a:schemeClr val="accent1"/>
-          </a:fillRef>
-          <a:effectRef idx="0">
-            <a:schemeClr val="accent1"/>
-          </a:effectRef>
-          <a:fontRef idx="minor">
-            <a:schemeClr val="tx1"/>
-          </a:fontRef>
-        </p:style>
-      </p:cxnSp>
-      <p:cxnSp>
-        <p:nvCxnSpPr>
-          <p:cNvPr id="37" name="Straight Arrow Connector 36">
-            <a:extLst>
-              <a:ext uri="{FF2B5EF4-FFF2-40B4-BE49-F238E27FC236}">
-                <a16:creationId xmlns:a16="http://schemas.microsoft.com/office/drawing/2014/main" id="{55715120-9AEF-727F-AF81-D95E0E013E59}"/>
-              </a:ext>
-            </a:extLst>
-          </p:cNvPr>
-          <p:cNvCxnSpPr>
-            <a:cxnSpLocks/>
-            <a:stCxn id="27" idx="2"/>
-            <a:endCxn id="13" idx="6"/>
-          </p:cNvCxnSpPr>
-          <p:nvPr/>
-        </p:nvCxnSpPr>
-        <p:spPr>
-          <a:xfrm flipH="1">
-            <a:off x="4390043" y="4940336"/>
-            <a:ext cx="4554517" cy="0"/>
-          </a:xfrm>
-          <a:prstGeom prst="straightConnector1">
-            <a:avLst/>
-          </a:prstGeom>
-          <a:ln w="34925">
-            <a:solidFill>
-              <a:schemeClr val="tx1"/>
-            </a:solidFill>
-            <a:tailEnd type="triangle"/>
-          </a:ln>
-        </p:spPr>
-        <p:style>
-          <a:lnRef idx="1">
-            <a:schemeClr val="accent1"/>
-          </a:lnRef>
-          <a:fillRef idx="0">
-            <a:schemeClr val="accent1"/>
-          </a:fillRef>
-          <a:effectRef idx="0">
-            <a:schemeClr val="accent1"/>
-          </a:effectRef>
-          <a:fontRef idx="minor">
-            <a:schemeClr val="tx1"/>
-          </a:fontRef>
-        </p:style>
-      </p:cxnSp>
-      <p:cxnSp>
-        <p:nvCxnSpPr>
-          <p:cNvPr id="40" name="Straight Arrow Connector 39">
-            <a:extLst>
-              <a:ext uri="{FF2B5EF4-FFF2-40B4-BE49-F238E27FC236}">
-                <a16:creationId xmlns:a16="http://schemas.microsoft.com/office/drawing/2014/main" id="{877155B9-7D29-7689-96CE-6ACB5D537AB5}"/>
-              </a:ext>
-            </a:extLst>
-          </p:cNvPr>
-          <p:cNvCxnSpPr>
-            <a:cxnSpLocks/>
-            <a:stCxn id="14" idx="4"/>
-          </p:cNvCxnSpPr>
-          <p:nvPr/>
-        </p:nvCxnSpPr>
-        <p:spPr>
-          <a:xfrm>
-            <a:off x="5205382" y="4193814"/>
-            <a:ext cx="0" cy="746522"/>
-          </a:xfrm>
-          <a:prstGeom prst="straightConnector1">
-            <a:avLst/>
-          </a:prstGeom>
-          <a:ln w="34925">
-            <a:solidFill>
-              <a:schemeClr val="tx1"/>
-            </a:solidFill>
-            <a:tailEnd type="triangle"/>
-          </a:ln>
-        </p:spPr>
-        <p:style>
-          <a:lnRef idx="1">
-            <a:schemeClr val="accent1"/>
-          </a:lnRef>
-          <a:fillRef idx="0">
-            <a:schemeClr val="accent1"/>
-          </a:fillRef>
-          <a:effectRef idx="0">
-            <a:schemeClr val="accent1"/>
-          </a:effectRef>
-          <a:fontRef idx="minor">
-            <a:schemeClr val="tx1"/>
-          </a:fontRef>
-        </p:style>
-      </p:cxnSp>
-      <p:cxnSp>
-        <p:nvCxnSpPr>
-          <p:cNvPr id="43" name="Straight Arrow Connector 42">
-            <a:extLst>
-              <a:ext uri="{FF2B5EF4-FFF2-40B4-BE49-F238E27FC236}">
-                <a16:creationId xmlns:a16="http://schemas.microsoft.com/office/drawing/2014/main" id="{009A81FC-5496-1B64-61C2-0AACFC7477CD}"/>
-              </a:ext>
-            </a:extLst>
-          </p:cNvPr>
-          <p:cNvCxnSpPr>
-            <a:cxnSpLocks/>
-            <a:stCxn id="15" idx="4"/>
-          </p:cNvCxnSpPr>
-          <p:nvPr/>
-        </p:nvCxnSpPr>
-        <p:spPr>
-          <a:xfrm>
-            <a:off x="6836062" y="3070102"/>
-            <a:ext cx="0" cy="1870234"/>
-          </a:xfrm>
-          <a:prstGeom prst="straightConnector1">
-            <a:avLst/>
-          </a:prstGeom>
-          <a:ln w="34925">
-            <a:solidFill>
-              <a:schemeClr val="tx1"/>
-            </a:solidFill>
-            <a:tailEnd type="triangle"/>
-          </a:ln>
-        </p:spPr>
-        <p:style>
-          <a:lnRef idx="1">
-            <a:schemeClr val="accent1"/>
-          </a:lnRef>
-          <a:fillRef idx="0">
-            <a:schemeClr val="accent1"/>
-          </a:fillRef>
-          <a:effectRef idx="0">
-            <a:schemeClr val="accent1"/>
-          </a:effectRef>
-          <a:fontRef idx="minor">
-            <a:schemeClr val="tx1"/>
-          </a:fontRef>
-        </p:style>
-      </p:cxnSp>
-      <p:sp>
-        <p:nvSpPr>
-          <p:cNvPr id="50" name="TextBox 49">
-            <a:extLst>
-              <a:ext uri="{FF2B5EF4-FFF2-40B4-BE49-F238E27FC236}">
-                <a16:creationId xmlns:a16="http://schemas.microsoft.com/office/drawing/2014/main" id="{7FD64F8A-ADAA-448E-7F19-BDDBEC30B4D5}"/>
-              </a:ext>
-            </a:extLst>
-          </p:cNvPr>
-          <p:cNvSpPr txBox="1"/>
-          <p:nvPr/>
-        </p:nvSpPr>
-        <p:spPr>
-          <a:xfrm>
-            <a:off x="8982929" y="2238068"/>
-            <a:ext cx="1553940" cy="854080"/>
-          </a:xfrm>
-          <a:prstGeom prst="rect">
-            <a:avLst/>
-          </a:prstGeom>
-          <a:noFill/>
-        </p:spPr>
-        <p:txBody>
-          <a:bodyPr wrap="square" rtlCol="0">
-            <a:spAutoFit/>
-          </a:bodyPr>
-          <a:lstStyle/>
-          <a:p>
-            <a:pPr algn="ctr"/>
-            <a:r>
-              <a:rPr lang="de-DE" sz="1600" dirty="0">
-                <a:latin typeface="LM Roman 10" pitchFamily="2" charset="77"/>
-                <a:cs typeface="Didot" panose="02000503000000020003" pitchFamily="2" charset="-79"/>
-              </a:rPr>
-              <a:t>Nutzung</a:t>
-            </a:r>
-            <a:endParaRPr lang="de-DE" sz="2000" dirty="0">
-              <a:latin typeface="LM Roman 10" pitchFamily="2" charset="77"/>
-              <a:cs typeface="Didot" panose="02000503000000020003" pitchFamily="2" charset="-79"/>
-            </a:endParaRPr>
-          </a:p>
-          <a:p>
-            <a:pPr algn="ctr"/>
-            <a:r>
-              <a:rPr lang="de-DE" sz="1100" dirty="0">
-                <a:latin typeface="LM Roman 10" pitchFamily="2" charset="77"/>
-                <a:cs typeface="Didot" panose="02000503000000020003" pitchFamily="2" charset="-79"/>
-              </a:rPr>
-              <a:t>instrumentell/</a:t>
-            </a:r>
-          </a:p>
-          <a:p>
-            <a:pPr algn="ctr"/>
-            <a:r>
-              <a:rPr lang="de-DE" sz="1100" dirty="0">
-                <a:latin typeface="LM Roman 10" pitchFamily="2" charset="77"/>
-                <a:cs typeface="Didot" panose="02000503000000020003" pitchFamily="2" charset="-79"/>
-              </a:rPr>
-              <a:t>konzeptuell/</a:t>
-            </a:r>
-          </a:p>
-          <a:p>
-            <a:pPr algn="ctr"/>
-            <a:r>
-              <a:rPr lang="de-DE" sz="1100" dirty="0">
-                <a:latin typeface="LM Roman 10" pitchFamily="2" charset="77"/>
-                <a:cs typeface="Didot" panose="02000503000000020003" pitchFamily="2" charset="-79"/>
-              </a:rPr>
-              <a:t>symbolisch</a:t>
-            </a:r>
-            <a:endParaRPr lang="en-US" sz="1100" dirty="0">
-              <a:latin typeface="LM Roman 10" pitchFamily="2" charset="77"/>
-              <a:cs typeface="Didot" panose="02000503000000020003" pitchFamily="2" charset="-79"/>
-            </a:endParaRPr>
-          </a:p>
-        </p:txBody>
-      </p:sp>
-      <p:sp>
-        <p:nvSpPr>
-          <p:cNvPr id="53" name="TextBox 52">
-            <a:extLst>
-              <a:ext uri="{FF2B5EF4-FFF2-40B4-BE49-F238E27FC236}">
-                <a16:creationId xmlns:a16="http://schemas.microsoft.com/office/drawing/2014/main" id="{029917AF-EE12-5D28-5562-0A98D90EB631}"/>
-              </a:ext>
-            </a:extLst>
-          </p:cNvPr>
-          <p:cNvSpPr txBox="1"/>
-          <p:nvPr/>
-        </p:nvSpPr>
-        <p:spPr>
-          <a:xfrm>
-            <a:off x="1822034" y="4146382"/>
-            <a:ext cx="1667307" cy="307777"/>
-          </a:xfrm>
-          <a:prstGeom prst="rect">
-            <a:avLst/>
-          </a:prstGeom>
-          <a:solidFill>
-            <a:schemeClr val="bg1"/>
-          </a:solidFill>
-        </p:spPr>
-        <p:txBody>
-          <a:bodyPr wrap="square" rtlCol="0">
-            <a:spAutoFit/>
-          </a:bodyPr>
-          <a:lstStyle/>
-          <a:p>
-            <a:r>
-              <a:rPr lang="de-DE" sz="1400" dirty="0">
-                <a:latin typeface="LM Roman 10" pitchFamily="2" charset="77"/>
-                <a:cs typeface="Didot" panose="02000503000000020003" pitchFamily="2" charset="-79"/>
-              </a:rPr>
-              <a:t>2) Zugriffsphase</a:t>
-            </a:r>
-            <a:endParaRPr lang="en-US" sz="1400" dirty="0">
-              <a:latin typeface="LM Roman 10" pitchFamily="2" charset="77"/>
-              <a:cs typeface="Didot" panose="02000503000000020003" pitchFamily="2" charset="-79"/>
-            </a:endParaRPr>
-          </a:p>
-        </p:txBody>
-      </p:sp>
-      <p:sp>
-        <p:nvSpPr>
-          <p:cNvPr id="54" name="TextBox 53">
-            <a:extLst>
-              <a:ext uri="{FF2B5EF4-FFF2-40B4-BE49-F238E27FC236}">
-                <a16:creationId xmlns:a16="http://schemas.microsoft.com/office/drawing/2014/main" id="{F4BF1643-F037-D0A5-7CD6-FB9BDE02E33D}"/>
-              </a:ext>
-            </a:extLst>
-          </p:cNvPr>
-          <p:cNvSpPr txBox="1"/>
-          <p:nvPr/>
-        </p:nvSpPr>
-        <p:spPr>
-          <a:xfrm>
-            <a:off x="3060414" y="2704372"/>
-            <a:ext cx="2211702" cy="307777"/>
-          </a:xfrm>
-          <a:prstGeom prst="rect">
-            <a:avLst/>
-          </a:prstGeom>
-          <a:solidFill>
-            <a:schemeClr val="bg1"/>
-          </a:solidFill>
-        </p:spPr>
-        <p:txBody>
-          <a:bodyPr wrap="square" rtlCol="0">
-            <a:spAutoFit/>
-          </a:bodyPr>
-          <a:lstStyle/>
-          <a:p>
-            <a:r>
-              <a:rPr lang="de-DE" sz="1400" dirty="0">
-                <a:latin typeface="LM Roman 10" pitchFamily="2" charset="77"/>
-                <a:cs typeface="Didot" panose="02000503000000020003" pitchFamily="2" charset="-79"/>
-              </a:rPr>
-              <a:t>3) Schlussfolgerungsphase</a:t>
-            </a:r>
-            <a:endParaRPr lang="en-US" sz="1400" dirty="0">
-              <a:latin typeface="LM Roman 10" pitchFamily="2" charset="77"/>
-              <a:cs typeface="Didot" panose="02000503000000020003" pitchFamily="2" charset="-79"/>
-            </a:endParaRPr>
-          </a:p>
-        </p:txBody>
-      </p:sp>
-      <p:sp>
-        <p:nvSpPr>
-          <p:cNvPr id="55" name="TextBox 54">
-            <a:extLst>
-              <a:ext uri="{FF2B5EF4-FFF2-40B4-BE49-F238E27FC236}">
-                <a16:creationId xmlns:a16="http://schemas.microsoft.com/office/drawing/2014/main" id="{826285A5-86AB-FFF9-F41D-E2FDA68CD35F}"/>
-              </a:ext>
-            </a:extLst>
-          </p:cNvPr>
-          <p:cNvSpPr txBox="1"/>
-          <p:nvPr/>
-        </p:nvSpPr>
-        <p:spPr>
-          <a:xfrm>
-            <a:off x="9949111" y="3672231"/>
-            <a:ext cx="1761541" cy="307777"/>
-          </a:xfrm>
-          <a:prstGeom prst="rect">
-            <a:avLst/>
-          </a:prstGeom>
-          <a:solidFill>
-            <a:schemeClr val="bg1"/>
-          </a:solidFill>
-        </p:spPr>
-        <p:txBody>
-          <a:bodyPr wrap="square" rtlCol="0">
-            <a:spAutoFit/>
-          </a:bodyPr>
-          <a:lstStyle/>
-          <a:p>
-            <a:r>
-              <a:rPr lang="de-DE" sz="1400" dirty="0">
-                <a:latin typeface="LM Roman 10" pitchFamily="2" charset="77"/>
-                <a:cs typeface="Didot" panose="02000503000000020003" pitchFamily="2" charset="-79"/>
-              </a:rPr>
-              <a:t>5) Evaluationsphase</a:t>
-            </a:r>
-            <a:endParaRPr lang="en-US" sz="1400" dirty="0">
-              <a:latin typeface="LM Roman 10" pitchFamily="2" charset="77"/>
-              <a:cs typeface="Didot" panose="02000503000000020003" pitchFamily="2" charset="-79"/>
-            </a:endParaRPr>
-          </a:p>
-        </p:txBody>
-      </p:sp>
-      <p:sp>
-        <p:nvSpPr>
-          <p:cNvPr id="56" name="TextBox 55">
-            <a:extLst>
-              <a:ext uri="{FF2B5EF4-FFF2-40B4-BE49-F238E27FC236}">
-                <a16:creationId xmlns:a16="http://schemas.microsoft.com/office/drawing/2014/main" id="{E1454FA1-25A8-7B63-A728-B46473330DD8}"/>
-              </a:ext>
-            </a:extLst>
-          </p:cNvPr>
-          <p:cNvSpPr txBox="1"/>
-          <p:nvPr/>
-        </p:nvSpPr>
-        <p:spPr>
-          <a:xfrm>
-            <a:off x="8092594" y="1199711"/>
-            <a:ext cx="615553" cy="1376839"/>
-          </a:xfrm>
-          <a:prstGeom prst="rect">
-            <a:avLst/>
-          </a:prstGeom>
-          <a:solidFill>
-            <a:schemeClr val="bg1"/>
-          </a:solidFill>
-        </p:spPr>
-        <p:txBody>
-          <a:bodyPr vert="vert270" wrap="square" rtlCol="0">
-            <a:spAutoFit/>
-          </a:bodyPr>
-          <a:lstStyle/>
-          <a:p>
-            <a:r>
-              <a:rPr lang="de-DE" sz="1400" dirty="0">
-                <a:latin typeface="LM Roman 10" pitchFamily="2" charset="77"/>
-                <a:cs typeface="Didot" panose="02000503000000020003" pitchFamily="2" charset="-79"/>
-              </a:rPr>
-              <a:t>4) Anwendungs-</a:t>
-            </a:r>
-          </a:p>
-          <a:p>
-            <a:r>
-              <a:rPr lang="de-DE" sz="1400" dirty="0" err="1">
-                <a:latin typeface="LM Roman 10" pitchFamily="2" charset="77"/>
-                <a:cs typeface="Didot" panose="02000503000000020003" pitchFamily="2" charset="-79"/>
-              </a:rPr>
-              <a:t>phase</a:t>
-            </a:r>
-            <a:endParaRPr lang="en-US" sz="1400" dirty="0">
-              <a:latin typeface="LM Roman 10" pitchFamily="2" charset="77"/>
-              <a:cs typeface="Didot" panose="02000503000000020003" pitchFamily="2" charset="-79"/>
-            </a:endParaRPr>
-          </a:p>
-        </p:txBody>
-      </p:sp>
-      <p:cxnSp>
-        <p:nvCxnSpPr>
-          <p:cNvPr id="2" name="Connector: Curved 19">
-            <a:extLst>
-              <a:ext uri="{FF2B5EF4-FFF2-40B4-BE49-F238E27FC236}">
-                <a16:creationId xmlns:a16="http://schemas.microsoft.com/office/drawing/2014/main" id="{79AD504F-1947-BB8D-D92A-C6FFAA276207}"/>
-              </a:ext>
-            </a:extLst>
-          </p:cNvPr>
-          <p:cNvCxnSpPr>
-            <a:cxnSpLocks/>
-          </p:cNvCxnSpPr>
-          <p:nvPr/>
-        </p:nvCxnSpPr>
-        <p:spPr>
-          <a:xfrm rot="5400000" flipH="1" flipV="1">
-            <a:off x="1963885" y="4905927"/>
-            <a:ext cx="746522" cy="815340"/>
-          </a:xfrm>
-          <a:prstGeom prst="curvedConnector2">
-            <a:avLst/>
-          </a:prstGeom>
-          <a:ln w="34925">
-            <a:solidFill>
-              <a:schemeClr val="tx1"/>
-            </a:solidFill>
-            <a:tailEnd type="triangle"/>
-          </a:ln>
-        </p:spPr>
-        <p:style>
-          <a:lnRef idx="1">
-            <a:schemeClr val="accent1"/>
-          </a:lnRef>
-          <a:fillRef idx="0">
-            <a:schemeClr val="accent1"/>
-          </a:fillRef>
-          <a:effectRef idx="0">
-            <a:schemeClr val="accent1"/>
-          </a:effectRef>
-          <a:fontRef idx="minor">
-            <a:schemeClr val="tx1"/>
-          </a:fontRef>
-        </p:style>
-      </p:cxnSp>
-      <p:sp>
-        <p:nvSpPr>
-          <p:cNvPr id="3" name="TextBox 52">
-            <a:extLst>
-              <a:ext uri="{FF2B5EF4-FFF2-40B4-BE49-F238E27FC236}">
-                <a16:creationId xmlns:a16="http://schemas.microsoft.com/office/drawing/2014/main" id="{D5A8C5B0-BC37-0A64-9412-8C506A465311}"/>
-              </a:ext>
-            </a:extLst>
-          </p:cNvPr>
-          <p:cNvSpPr txBox="1"/>
-          <p:nvPr/>
-        </p:nvSpPr>
-        <p:spPr>
-          <a:xfrm>
-            <a:off x="1072543" y="5677641"/>
-            <a:ext cx="2110495" cy="307777"/>
-          </a:xfrm>
-          <a:prstGeom prst="rect">
-            <a:avLst/>
-          </a:prstGeom>
-          <a:solidFill>
-            <a:schemeClr val="bg1"/>
-          </a:solidFill>
-        </p:spPr>
-        <p:txBody>
-          <a:bodyPr wrap="square" rtlCol="0">
-            <a:spAutoFit/>
-          </a:bodyPr>
-          <a:lstStyle/>
-          <a:p>
-            <a:r>
-              <a:rPr lang="de-DE" sz="1400" dirty="0">
-                <a:latin typeface="LM Roman 10" pitchFamily="2" charset="77"/>
-                <a:cs typeface="Didot" panose="02000503000000020003" pitchFamily="2" charset="-79"/>
-              </a:rPr>
-              <a:t>1) Konzeptuelle Phase</a:t>
-            </a:r>
-            <a:endParaRPr lang="en-US" sz="1400" dirty="0">
-              <a:latin typeface="LM Roman 10" pitchFamily="2" charset="77"/>
-              <a:cs typeface="Didot" panose="02000503000000020003" pitchFamily="2" charset="-79"/>
-            </a:endParaRPr>
-          </a:p>
-        </p:txBody>
-      </p:sp>
-      <p:sp>
-        <p:nvSpPr>
-          <p:cNvPr id="16" name="Textfeld 15">
-            <a:extLst>
-              <a:ext uri="{FF2B5EF4-FFF2-40B4-BE49-F238E27FC236}">
-                <a16:creationId xmlns:a16="http://schemas.microsoft.com/office/drawing/2014/main" id="{F0D1B2F8-9C8B-292F-AA60-FD23A1D1C222}"/>
-              </a:ext>
-            </a:extLst>
-          </p:cNvPr>
-          <p:cNvSpPr txBox="1"/>
-          <p:nvPr/>
-        </p:nvSpPr>
-        <p:spPr>
-          <a:xfrm>
-            <a:off x="6397152" y="2519706"/>
-            <a:ext cx="815340" cy="338554"/>
-          </a:xfrm>
-          <a:prstGeom prst="rect">
-            <a:avLst/>
-          </a:prstGeom>
-          <a:noFill/>
-        </p:spPr>
-        <p:txBody>
-          <a:bodyPr wrap="square" rtlCol="0">
-            <a:spAutoFit/>
-          </a:bodyPr>
-          <a:lstStyle/>
-          <a:p>
-            <a:r>
-              <a:rPr lang="de-DE" sz="1600" dirty="0">
-                <a:latin typeface="LM Roman 10" pitchFamily="2" charset="77"/>
-                <a:cs typeface="Didot" panose="02000503000000020003" pitchFamily="2" charset="-79"/>
-              </a:rPr>
-              <a:t>Wissen</a:t>
-            </a:r>
-            <a:endParaRPr lang="de-DE" dirty="0"/>
-          </a:p>
-        </p:txBody>
-      </p:sp>
-      <p:sp>
-        <p:nvSpPr>
-          <p:cNvPr id="5" name="Textfeld 4">
-            <a:extLst>
-              <a:ext uri="{FF2B5EF4-FFF2-40B4-BE49-F238E27FC236}">
-                <a16:creationId xmlns:a16="http://schemas.microsoft.com/office/drawing/2014/main" id="{D7D3A086-8B9A-E129-C00F-FF907175FB9E}"/>
-              </a:ext>
-            </a:extLst>
-          </p:cNvPr>
-          <p:cNvSpPr txBox="1"/>
-          <p:nvPr/>
-        </p:nvSpPr>
-        <p:spPr>
-          <a:xfrm>
-            <a:off x="2916005" y="4722935"/>
-            <a:ext cx="1317397" cy="369332"/>
-          </a:xfrm>
-          <a:prstGeom prst="rect">
-            <a:avLst/>
-          </a:prstGeom>
-          <a:noFill/>
-        </p:spPr>
-        <p:txBody>
-          <a:bodyPr wrap="square" rtlCol="0">
-            <a:spAutoFit/>
-          </a:bodyPr>
-          <a:lstStyle/>
-          <a:p>
-            <a:r>
-              <a:rPr lang="de-DE" dirty="0">
-                <a:latin typeface="LM Roman 10" pitchFamily="2" charset="77"/>
-                <a:cs typeface="Didot" panose="02000503000000020003" pitchFamily="2" charset="-79"/>
-              </a:rPr>
-              <a:t>Zielsetzung</a:t>
-            </a:r>
-            <a:endParaRPr lang="de-DE" dirty="0"/>
-          </a:p>
-        </p:txBody>
-      </p:sp>
-      <p:cxnSp>
-        <p:nvCxnSpPr>
-          <p:cNvPr id="22" name="Gerade Verbindung 21">
-            <a:extLst>
-              <a:ext uri="{FF2B5EF4-FFF2-40B4-BE49-F238E27FC236}">
-                <a16:creationId xmlns:a16="http://schemas.microsoft.com/office/drawing/2014/main" id="{AD32BFE3-B483-ED55-D7BC-516CD1BA28E4}"/>
-              </a:ext>
-            </a:extLst>
-          </p:cNvPr>
-          <p:cNvCxnSpPr>
-            <a:cxnSpLocks/>
-          </p:cNvCxnSpPr>
-          <p:nvPr/>
-        </p:nvCxnSpPr>
-        <p:spPr>
-          <a:xfrm>
-            <a:off x="5383450" y="2737198"/>
-            <a:ext cx="132901" cy="367283"/>
-          </a:xfrm>
-          <a:prstGeom prst="line">
-            <a:avLst/>
-          </a:prstGeom>
-          <a:ln>
-            <a:solidFill>
-              <a:schemeClr val="dk1"/>
-            </a:solidFill>
-          </a:ln>
-        </p:spPr>
-        <p:style>
-          <a:lnRef idx="2">
-            <a:schemeClr val="dk1"/>
-          </a:lnRef>
-          <a:fillRef idx="0">
-            <a:schemeClr val="dk1"/>
-          </a:fillRef>
-          <a:effectRef idx="1">
-            <a:schemeClr val="dk1"/>
-          </a:effectRef>
-          <a:fontRef idx="minor">
-            <a:schemeClr val="tx1"/>
-          </a:fontRef>
-        </p:style>
-      </p:cxnSp>
-      <p:cxnSp>
-        <p:nvCxnSpPr>
-          <p:cNvPr id="31" name="Gerade Verbindung 30">
-            <a:extLst>
-              <a:ext uri="{FF2B5EF4-FFF2-40B4-BE49-F238E27FC236}">
-                <a16:creationId xmlns:a16="http://schemas.microsoft.com/office/drawing/2014/main" id="{A41BFBB7-84B9-ECB5-59AC-62C39ADFD6D1}"/>
-              </a:ext>
-            </a:extLst>
-          </p:cNvPr>
-          <p:cNvCxnSpPr>
-            <a:cxnSpLocks/>
-          </p:cNvCxnSpPr>
-          <p:nvPr/>
-        </p:nvCxnSpPr>
-        <p:spPr>
-          <a:xfrm>
-            <a:off x="5472033" y="2668876"/>
-            <a:ext cx="132901" cy="367283"/>
-          </a:xfrm>
-          <a:prstGeom prst="line">
-            <a:avLst/>
-          </a:prstGeom>
-        </p:spPr>
-        <p:style>
-          <a:lnRef idx="2">
-            <a:schemeClr val="dk1"/>
-          </a:lnRef>
-          <a:fillRef idx="0">
-            <a:schemeClr val="dk1"/>
-          </a:fillRef>
-          <a:effectRef idx="1">
-            <a:schemeClr val="dk1"/>
-          </a:effectRef>
-          <a:fontRef idx="minor">
-            <a:schemeClr val="tx1"/>
-          </a:fontRef>
-        </p:style>
-      </p:cxnSp>
-    </p:spTree>
-    <p:extLst>
-      <p:ext uri="{BB962C8B-B14F-4D97-AF65-F5344CB8AC3E}">
-        <p14:creationId xmlns:p14="http://schemas.microsoft.com/office/powerpoint/2010/main" val="2301626778"/>
-      </p:ext>
-    </p:extLst>
-  </p:cSld>
-  <p:clrMapOvr>
-    <a:masterClrMapping/>
-  </p:clrMapOvr>
-</p:sld>
-</file>
-
-<file path=ppt/slides/slide14.xml><?xml version="1.0" encoding="utf-8"?>
-<p:sld xmlns:a="http://schemas.openxmlformats.org/drawingml/2006/main" xmlns:r="http://schemas.openxmlformats.org/officeDocument/2006/relationships" xmlns:p="http://schemas.openxmlformats.org/presentationml/2006/main" show="0">
-  <p:cSld>
-    <p:spTree>
-      <p:nvGrpSpPr>
-        <p:cNvPr id="1" name=""/>
-        <p:cNvGrpSpPr/>
-        <p:nvPr/>
-      </p:nvGrpSpPr>
-      <p:grpSpPr>
-        <a:xfrm>
-          <a:off x="0" y="0"/>
-          <a:ext cx="0" cy="0"/>
-          <a:chOff x="0" y="0"/>
-          <a:chExt cx="0" cy="0"/>
-        </a:xfrm>
-      </p:grpSpPr>
-      <p:sp>
-        <p:nvSpPr>
-          <p:cNvPr id="4" name="Rectangle: Rounded Corners 3">
-            <a:extLst>
-              <a:ext uri="{FF2B5EF4-FFF2-40B4-BE49-F238E27FC236}">
-                <a16:creationId xmlns:a16="http://schemas.microsoft.com/office/drawing/2014/main" id="{2D443806-1B78-F60A-17BD-3154C6BDE4EA}"/>
-              </a:ext>
-            </a:extLst>
-          </p:cNvPr>
-          <p:cNvSpPr/>
-          <p:nvPr/>
-        </p:nvSpPr>
-        <p:spPr>
-          <a:xfrm>
-            <a:off x="90197" y="500127"/>
-            <a:ext cx="12011608" cy="6559420"/>
-          </a:xfrm>
-          <a:prstGeom prst="roundRect">
-            <a:avLst>
-              <a:gd name="adj" fmla="val 2087"/>
-            </a:avLst>
-          </a:prstGeom>
-          <a:noFill/>
-          <a:ln>
-            <a:solidFill>
-              <a:schemeClr val="tx1"/>
-            </a:solidFill>
-            <a:prstDash val="dash"/>
-            <a:extLst>
-              <a:ext uri="{C807C97D-BFC1-408E-A445-0C87EB9F89A2}">
-                <ask:lineSketchStyleProps xmlns:ask="http://schemas.microsoft.com/office/drawing/2018/sketchyshapes" sd="1219033472">
-                  <a:custGeom>
-                    <a:avLst/>
-                    <a:gdLst>
-                      <a:gd name="connsiteX0" fmla="*/ 0 w 12011608"/>
-                      <a:gd name="connsiteY0" fmla="*/ 1093259 h 6559420"/>
-                      <a:gd name="connsiteX1" fmla="*/ 1093259 w 12011608"/>
-                      <a:gd name="connsiteY1" fmla="*/ 0 h 6559420"/>
-                      <a:gd name="connsiteX2" fmla="*/ 10918349 w 12011608"/>
-                      <a:gd name="connsiteY2" fmla="*/ 0 h 6559420"/>
-                      <a:gd name="connsiteX3" fmla="*/ 12011608 w 12011608"/>
-                      <a:gd name="connsiteY3" fmla="*/ 1093259 h 6559420"/>
-                      <a:gd name="connsiteX4" fmla="*/ 12011608 w 12011608"/>
-                      <a:gd name="connsiteY4" fmla="*/ 5466161 h 6559420"/>
-                      <a:gd name="connsiteX5" fmla="*/ 10918349 w 12011608"/>
-                      <a:gd name="connsiteY5" fmla="*/ 6559420 h 6559420"/>
-                      <a:gd name="connsiteX6" fmla="*/ 1093259 w 12011608"/>
-                      <a:gd name="connsiteY6" fmla="*/ 6559420 h 6559420"/>
-                      <a:gd name="connsiteX7" fmla="*/ 0 w 12011608"/>
-                      <a:gd name="connsiteY7" fmla="*/ 5466161 h 6559420"/>
-                      <a:gd name="connsiteX8" fmla="*/ 0 w 12011608"/>
-                      <a:gd name="connsiteY8" fmla="*/ 1093259 h 6559420"/>
-                    </a:gdLst>
-                    <a:ahLst/>
-                    <a:cxnLst>
-                      <a:cxn ang="0">
-                        <a:pos x="connsiteX0" y="connsiteY0"/>
-                      </a:cxn>
-                      <a:cxn ang="0">
-                        <a:pos x="connsiteX1" y="connsiteY1"/>
-                      </a:cxn>
-                      <a:cxn ang="0">
-                        <a:pos x="connsiteX2" y="connsiteY2"/>
-                      </a:cxn>
-                      <a:cxn ang="0">
-                        <a:pos x="connsiteX3" y="connsiteY3"/>
-                      </a:cxn>
-                      <a:cxn ang="0">
-                        <a:pos x="connsiteX4" y="connsiteY4"/>
-                      </a:cxn>
-                      <a:cxn ang="0">
-                        <a:pos x="connsiteX5" y="connsiteY5"/>
-                      </a:cxn>
-                      <a:cxn ang="0">
-                        <a:pos x="connsiteX6" y="connsiteY6"/>
-                      </a:cxn>
-                      <a:cxn ang="0">
-                        <a:pos x="connsiteX7" y="connsiteY7"/>
-                      </a:cxn>
-                      <a:cxn ang="0">
-                        <a:pos x="connsiteX8" y="connsiteY8"/>
-                      </a:cxn>
-                    </a:cxnLst>
-                    <a:rect l="l" t="t" r="r" b="b"/>
-                    <a:pathLst>
-                      <a:path w="12011608" h="6559420" extrusionOk="0">
-                        <a:moveTo>
-                          <a:pt x="0" y="1093259"/>
-                        </a:moveTo>
-                        <a:cubicBezTo>
-                          <a:pt x="-7845" y="484630"/>
-                          <a:pt x="467865" y="8108"/>
-                          <a:pt x="1093259" y="0"/>
-                        </a:cubicBezTo>
-                        <a:cubicBezTo>
-                          <a:pt x="4384189" y="132882"/>
-                          <a:pt x="7819229" y="-84951"/>
-                          <a:pt x="10918349" y="0"/>
-                        </a:cubicBezTo>
-                        <a:cubicBezTo>
-                          <a:pt x="11473475" y="47523"/>
-                          <a:pt x="11990134" y="608160"/>
-                          <a:pt x="12011608" y="1093259"/>
-                        </a:cubicBezTo>
-                        <a:cubicBezTo>
-                          <a:pt x="12031795" y="2900874"/>
-                          <a:pt x="12164088" y="4134857"/>
-                          <a:pt x="12011608" y="5466161"/>
-                        </a:cubicBezTo>
-                        <a:cubicBezTo>
-                          <a:pt x="12036918" y="6072954"/>
-                          <a:pt x="11571857" y="6457101"/>
-                          <a:pt x="10918349" y="6559420"/>
-                        </a:cubicBezTo>
-                        <a:cubicBezTo>
-                          <a:pt x="9602557" y="6647059"/>
-                          <a:pt x="3354151" y="6486741"/>
-                          <a:pt x="1093259" y="6559420"/>
-                        </a:cubicBezTo>
-                        <a:cubicBezTo>
-                          <a:pt x="482666" y="6494544"/>
-                          <a:pt x="-19749" y="6097396"/>
-                          <a:pt x="0" y="5466161"/>
-                        </a:cubicBezTo>
-                        <a:cubicBezTo>
-                          <a:pt x="-38581" y="3816704"/>
-                          <a:pt x="63341" y="3160269"/>
-                          <a:pt x="0" y="1093259"/>
-                        </a:cubicBezTo>
-                        <a:close/>
-                      </a:path>
-                    </a:pathLst>
-                  </a:custGeom>
-                  <ask:type>
-                    <ask:lineSketchNone/>
-                  </ask:type>
-                </ask:lineSketchStyleProps>
-              </a:ext>
-            </a:extLst>
-          </a:ln>
-        </p:spPr>
-        <p:style>
-          <a:lnRef idx="2">
-            <a:schemeClr val="accent1">
-              <a:shade val="50000"/>
-            </a:schemeClr>
-          </a:lnRef>
-          <a:fillRef idx="1">
-            <a:schemeClr val="accent1"/>
-          </a:fillRef>
-          <a:effectRef idx="0">
-            <a:schemeClr val="accent1"/>
-          </a:effectRef>
-          <a:fontRef idx="minor">
-            <a:schemeClr val="lt1"/>
-          </a:fontRef>
-        </p:style>
-        <p:txBody>
-          <a:bodyPr rtlCol="0" anchor="ctr"/>
-          <a:lstStyle/>
-          <a:p>
-            <a:pPr algn="ctr"/>
-            <a:endParaRPr lang="en-US" dirty="0">
-              <a:latin typeface="LM Roman 10" pitchFamily="2" charset="77"/>
-              <a:cs typeface="Didot" panose="02000503000000020003" pitchFamily="2" charset="-79"/>
-            </a:endParaRPr>
-          </a:p>
-        </p:txBody>
-      </p:sp>
-      <p:sp>
-        <p:nvSpPr>
-          <p:cNvPr id="7" name="Rectangle: Rounded Corners 6">
-            <a:extLst>
-              <a:ext uri="{FF2B5EF4-FFF2-40B4-BE49-F238E27FC236}">
-                <a16:creationId xmlns:a16="http://schemas.microsoft.com/office/drawing/2014/main" id="{7E31F85C-7964-9E7D-59BD-F1D7029E5CEF}"/>
-              </a:ext>
-            </a:extLst>
-          </p:cNvPr>
-          <p:cNvSpPr/>
-          <p:nvPr/>
-        </p:nvSpPr>
-        <p:spPr>
-          <a:xfrm>
-            <a:off x="400881" y="873594"/>
-            <a:ext cx="11390238" cy="5812486"/>
-          </a:xfrm>
-          <a:prstGeom prst="roundRect">
-            <a:avLst>
-              <a:gd name="adj" fmla="val 2087"/>
-            </a:avLst>
-          </a:prstGeom>
-          <a:noFill/>
-          <a:ln>
-            <a:solidFill>
-              <a:schemeClr val="tx1"/>
-            </a:solidFill>
-            <a:prstDash val="dash"/>
-            <a:extLst>
-              <a:ext uri="{C807C97D-BFC1-408E-A445-0C87EB9F89A2}">
-                <ask:lineSketchStyleProps xmlns:ask="http://schemas.microsoft.com/office/drawing/2018/sketchyshapes" sd="1219033472">
-                  <a:custGeom>
-                    <a:avLst/>
-                    <a:gdLst>
-                      <a:gd name="connsiteX0" fmla="*/ 0 w 12011608"/>
-                      <a:gd name="connsiteY0" fmla="*/ 1093259 h 6559420"/>
-                      <a:gd name="connsiteX1" fmla="*/ 1093259 w 12011608"/>
-                      <a:gd name="connsiteY1" fmla="*/ 0 h 6559420"/>
-                      <a:gd name="connsiteX2" fmla="*/ 10918349 w 12011608"/>
-                      <a:gd name="connsiteY2" fmla="*/ 0 h 6559420"/>
-                      <a:gd name="connsiteX3" fmla="*/ 12011608 w 12011608"/>
-                      <a:gd name="connsiteY3" fmla="*/ 1093259 h 6559420"/>
-                      <a:gd name="connsiteX4" fmla="*/ 12011608 w 12011608"/>
-                      <a:gd name="connsiteY4" fmla="*/ 5466161 h 6559420"/>
-                      <a:gd name="connsiteX5" fmla="*/ 10918349 w 12011608"/>
-                      <a:gd name="connsiteY5" fmla="*/ 6559420 h 6559420"/>
-                      <a:gd name="connsiteX6" fmla="*/ 1093259 w 12011608"/>
-                      <a:gd name="connsiteY6" fmla="*/ 6559420 h 6559420"/>
-                      <a:gd name="connsiteX7" fmla="*/ 0 w 12011608"/>
-                      <a:gd name="connsiteY7" fmla="*/ 5466161 h 6559420"/>
-                      <a:gd name="connsiteX8" fmla="*/ 0 w 12011608"/>
-                      <a:gd name="connsiteY8" fmla="*/ 1093259 h 6559420"/>
-                    </a:gdLst>
-                    <a:ahLst/>
-                    <a:cxnLst>
-                      <a:cxn ang="0">
-                        <a:pos x="connsiteX0" y="connsiteY0"/>
-                      </a:cxn>
-                      <a:cxn ang="0">
-                        <a:pos x="connsiteX1" y="connsiteY1"/>
-                      </a:cxn>
-                      <a:cxn ang="0">
-                        <a:pos x="connsiteX2" y="connsiteY2"/>
-                      </a:cxn>
-                      <a:cxn ang="0">
-                        <a:pos x="connsiteX3" y="connsiteY3"/>
-                      </a:cxn>
-                      <a:cxn ang="0">
-                        <a:pos x="connsiteX4" y="connsiteY4"/>
-                      </a:cxn>
-                      <a:cxn ang="0">
-                        <a:pos x="connsiteX5" y="connsiteY5"/>
-                      </a:cxn>
-                      <a:cxn ang="0">
-                        <a:pos x="connsiteX6" y="connsiteY6"/>
-                      </a:cxn>
-                      <a:cxn ang="0">
-                        <a:pos x="connsiteX7" y="connsiteY7"/>
-                      </a:cxn>
-                      <a:cxn ang="0">
-                        <a:pos x="connsiteX8" y="connsiteY8"/>
-                      </a:cxn>
-                    </a:cxnLst>
-                    <a:rect l="l" t="t" r="r" b="b"/>
-                    <a:pathLst>
-                      <a:path w="12011608" h="6559420" extrusionOk="0">
-                        <a:moveTo>
-                          <a:pt x="0" y="1093259"/>
-                        </a:moveTo>
-                        <a:cubicBezTo>
-                          <a:pt x="-7845" y="484630"/>
-                          <a:pt x="467865" y="8108"/>
-                          <a:pt x="1093259" y="0"/>
-                        </a:cubicBezTo>
-                        <a:cubicBezTo>
-                          <a:pt x="4384189" y="132882"/>
-                          <a:pt x="7819229" y="-84951"/>
-                          <a:pt x="10918349" y="0"/>
-                        </a:cubicBezTo>
-                        <a:cubicBezTo>
-                          <a:pt x="11473475" y="47523"/>
-                          <a:pt x="11990134" y="608160"/>
-                          <a:pt x="12011608" y="1093259"/>
-                        </a:cubicBezTo>
-                        <a:cubicBezTo>
-                          <a:pt x="12031795" y="2900874"/>
-                          <a:pt x="12164088" y="4134857"/>
-                          <a:pt x="12011608" y="5466161"/>
-                        </a:cubicBezTo>
-                        <a:cubicBezTo>
-                          <a:pt x="12036918" y="6072954"/>
-                          <a:pt x="11571857" y="6457101"/>
-                          <a:pt x="10918349" y="6559420"/>
-                        </a:cubicBezTo>
-                        <a:cubicBezTo>
-                          <a:pt x="9602557" y="6647059"/>
-                          <a:pt x="3354151" y="6486741"/>
-                          <a:pt x="1093259" y="6559420"/>
-                        </a:cubicBezTo>
-                        <a:cubicBezTo>
-                          <a:pt x="482666" y="6494544"/>
-                          <a:pt x="-19749" y="6097396"/>
-                          <a:pt x="0" y="5466161"/>
-                        </a:cubicBezTo>
-                        <a:cubicBezTo>
-                          <a:pt x="-38581" y="3816704"/>
-                          <a:pt x="63341" y="3160269"/>
-                          <a:pt x="0" y="1093259"/>
-                        </a:cubicBezTo>
-                        <a:close/>
-                      </a:path>
-                    </a:pathLst>
-                  </a:custGeom>
-                  <ask:type>
-                    <ask:lineSketchNone/>
-                  </ask:type>
-                </ask:lineSketchStyleProps>
-              </a:ext>
-            </a:extLst>
-          </a:ln>
-        </p:spPr>
-        <p:style>
-          <a:lnRef idx="2">
-            <a:schemeClr val="accent1">
-              <a:shade val="50000"/>
-            </a:schemeClr>
-          </a:lnRef>
-          <a:fillRef idx="1">
-            <a:schemeClr val="accent1"/>
-          </a:fillRef>
-          <a:effectRef idx="0">
-            <a:schemeClr val="accent1"/>
-          </a:effectRef>
-          <a:fontRef idx="minor">
-            <a:schemeClr val="lt1"/>
-          </a:fontRef>
-        </p:style>
-        <p:txBody>
-          <a:bodyPr rtlCol="0" anchor="ctr"/>
-          <a:lstStyle/>
-          <a:p>
-            <a:pPr algn="ctr"/>
-            <a:endParaRPr lang="en-US" dirty="0">
-              <a:latin typeface="LM Roman 10" pitchFamily="2" charset="77"/>
-              <a:cs typeface="Didot" panose="02000503000000020003" pitchFamily="2" charset="-79"/>
-            </a:endParaRPr>
-          </a:p>
-        </p:txBody>
-      </p:sp>
-      <p:sp>
-        <p:nvSpPr>
-          <p:cNvPr id="8" name="Rectangle: Rounded Corners 7">
-            <a:extLst>
-              <a:ext uri="{FF2B5EF4-FFF2-40B4-BE49-F238E27FC236}">
-                <a16:creationId xmlns:a16="http://schemas.microsoft.com/office/drawing/2014/main" id="{7751CDBA-94D4-E5A6-7DF9-44DFA078906F}"/>
-              </a:ext>
-            </a:extLst>
-          </p:cNvPr>
-          <p:cNvSpPr/>
-          <p:nvPr/>
-        </p:nvSpPr>
-        <p:spPr>
-          <a:xfrm>
-            <a:off x="820633" y="1218049"/>
-            <a:ext cx="7585136" cy="5123576"/>
-          </a:xfrm>
-          <a:prstGeom prst="roundRect">
-            <a:avLst>
-              <a:gd name="adj" fmla="val 2087"/>
-            </a:avLst>
-          </a:prstGeom>
-          <a:noFill/>
-          <a:ln>
-            <a:solidFill>
-              <a:schemeClr val="tx1"/>
-            </a:solidFill>
-            <a:prstDash val="dash"/>
-            <a:extLst>
-              <a:ext uri="{C807C97D-BFC1-408E-A445-0C87EB9F89A2}">
-                <ask:lineSketchStyleProps xmlns:ask="http://schemas.microsoft.com/office/drawing/2018/sketchyshapes" sd="1219033472">
-                  <a:custGeom>
-                    <a:avLst/>
-                    <a:gdLst>
-                      <a:gd name="connsiteX0" fmla="*/ 0 w 12011608"/>
-                      <a:gd name="connsiteY0" fmla="*/ 1093259 h 6559420"/>
-                      <a:gd name="connsiteX1" fmla="*/ 1093259 w 12011608"/>
-                      <a:gd name="connsiteY1" fmla="*/ 0 h 6559420"/>
-                      <a:gd name="connsiteX2" fmla="*/ 10918349 w 12011608"/>
-                      <a:gd name="connsiteY2" fmla="*/ 0 h 6559420"/>
-                      <a:gd name="connsiteX3" fmla="*/ 12011608 w 12011608"/>
-                      <a:gd name="connsiteY3" fmla="*/ 1093259 h 6559420"/>
-                      <a:gd name="connsiteX4" fmla="*/ 12011608 w 12011608"/>
-                      <a:gd name="connsiteY4" fmla="*/ 5466161 h 6559420"/>
-                      <a:gd name="connsiteX5" fmla="*/ 10918349 w 12011608"/>
-                      <a:gd name="connsiteY5" fmla="*/ 6559420 h 6559420"/>
-                      <a:gd name="connsiteX6" fmla="*/ 1093259 w 12011608"/>
-                      <a:gd name="connsiteY6" fmla="*/ 6559420 h 6559420"/>
-                      <a:gd name="connsiteX7" fmla="*/ 0 w 12011608"/>
-                      <a:gd name="connsiteY7" fmla="*/ 5466161 h 6559420"/>
-                      <a:gd name="connsiteX8" fmla="*/ 0 w 12011608"/>
-                      <a:gd name="connsiteY8" fmla="*/ 1093259 h 6559420"/>
-                    </a:gdLst>
-                    <a:ahLst/>
-                    <a:cxnLst>
-                      <a:cxn ang="0">
-                        <a:pos x="connsiteX0" y="connsiteY0"/>
-                      </a:cxn>
-                      <a:cxn ang="0">
-                        <a:pos x="connsiteX1" y="connsiteY1"/>
-                      </a:cxn>
-                      <a:cxn ang="0">
-                        <a:pos x="connsiteX2" y="connsiteY2"/>
-                      </a:cxn>
-                      <a:cxn ang="0">
-                        <a:pos x="connsiteX3" y="connsiteY3"/>
-                      </a:cxn>
-                      <a:cxn ang="0">
-                        <a:pos x="connsiteX4" y="connsiteY4"/>
-                      </a:cxn>
-                      <a:cxn ang="0">
-                        <a:pos x="connsiteX5" y="connsiteY5"/>
-                      </a:cxn>
-                      <a:cxn ang="0">
-                        <a:pos x="connsiteX6" y="connsiteY6"/>
-                      </a:cxn>
-                      <a:cxn ang="0">
-                        <a:pos x="connsiteX7" y="connsiteY7"/>
-                      </a:cxn>
-                      <a:cxn ang="0">
-                        <a:pos x="connsiteX8" y="connsiteY8"/>
-                      </a:cxn>
-                    </a:cxnLst>
-                    <a:rect l="l" t="t" r="r" b="b"/>
-                    <a:pathLst>
-                      <a:path w="12011608" h="6559420" extrusionOk="0">
-                        <a:moveTo>
-                          <a:pt x="0" y="1093259"/>
-                        </a:moveTo>
-                        <a:cubicBezTo>
-                          <a:pt x="-7845" y="484630"/>
-                          <a:pt x="467865" y="8108"/>
-                          <a:pt x="1093259" y="0"/>
-                        </a:cubicBezTo>
-                        <a:cubicBezTo>
-                          <a:pt x="4384189" y="132882"/>
-                          <a:pt x="7819229" y="-84951"/>
-                          <a:pt x="10918349" y="0"/>
-                        </a:cubicBezTo>
-                        <a:cubicBezTo>
-                          <a:pt x="11473475" y="47523"/>
-                          <a:pt x="11990134" y="608160"/>
-                          <a:pt x="12011608" y="1093259"/>
-                        </a:cubicBezTo>
-                        <a:cubicBezTo>
-                          <a:pt x="12031795" y="2900874"/>
-                          <a:pt x="12164088" y="4134857"/>
-                          <a:pt x="12011608" y="5466161"/>
-                        </a:cubicBezTo>
-                        <a:cubicBezTo>
-                          <a:pt x="12036918" y="6072954"/>
-                          <a:pt x="11571857" y="6457101"/>
-                          <a:pt x="10918349" y="6559420"/>
-                        </a:cubicBezTo>
-                        <a:cubicBezTo>
-                          <a:pt x="9602557" y="6647059"/>
-                          <a:pt x="3354151" y="6486741"/>
-                          <a:pt x="1093259" y="6559420"/>
-                        </a:cubicBezTo>
-                        <a:cubicBezTo>
-                          <a:pt x="482666" y="6494544"/>
-                          <a:pt x="-19749" y="6097396"/>
-                          <a:pt x="0" y="5466161"/>
-                        </a:cubicBezTo>
-                        <a:cubicBezTo>
-                          <a:pt x="-38581" y="3816704"/>
-                          <a:pt x="63341" y="3160269"/>
-                          <a:pt x="0" y="1093259"/>
-                        </a:cubicBezTo>
-                        <a:close/>
-                      </a:path>
-                    </a:pathLst>
-                  </a:custGeom>
-                  <ask:type>
-                    <ask:lineSketchNone/>
-                  </ask:type>
-                </ask:lineSketchStyleProps>
-              </a:ext>
-            </a:extLst>
-          </a:ln>
-        </p:spPr>
-        <p:style>
-          <a:lnRef idx="2">
-            <a:schemeClr val="accent1">
-              <a:shade val="50000"/>
-            </a:schemeClr>
-          </a:lnRef>
-          <a:fillRef idx="1">
-            <a:schemeClr val="accent1"/>
-          </a:fillRef>
-          <a:effectRef idx="0">
-            <a:schemeClr val="accent1"/>
-          </a:effectRef>
-          <a:fontRef idx="minor">
-            <a:schemeClr val="lt1"/>
-          </a:fontRef>
-        </p:style>
-        <p:txBody>
-          <a:bodyPr rtlCol="0" anchor="ctr"/>
-          <a:lstStyle/>
-          <a:p>
-            <a:pPr algn="ctr"/>
-            <a:endParaRPr lang="en-US" dirty="0">
-              <a:latin typeface="LM Roman 10" pitchFamily="2" charset="77"/>
-              <a:cs typeface="Didot" panose="02000503000000020003" pitchFamily="2" charset="-79"/>
-            </a:endParaRPr>
-          </a:p>
-        </p:txBody>
-      </p:sp>
-      <p:sp>
-        <p:nvSpPr>
-          <p:cNvPr id="9" name="TextBox 8">
-            <a:extLst>
-              <a:ext uri="{FF2B5EF4-FFF2-40B4-BE49-F238E27FC236}">
-                <a16:creationId xmlns:a16="http://schemas.microsoft.com/office/drawing/2014/main" id="{54F6159C-C000-718D-1CB8-474645C5C703}"/>
-              </a:ext>
-            </a:extLst>
-          </p:cNvPr>
-          <p:cNvSpPr txBox="1"/>
-          <p:nvPr/>
-        </p:nvSpPr>
-        <p:spPr>
-          <a:xfrm>
-            <a:off x="153175" y="504262"/>
-            <a:ext cx="2820003" cy="338554"/>
-          </a:xfrm>
-          <a:prstGeom prst="rect">
-            <a:avLst/>
-          </a:prstGeom>
-          <a:noFill/>
-        </p:spPr>
-        <p:txBody>
-          <a:bodyPr wrap="none" rtlCol="0">
-            <a:spAutoFit/>
-          </a:bodyPr>
-          <a:lstStyle/>
-          <a:p>
-            <a:r>
-              <a:rPr lang="de-DE" sz="1600" dirty="0">
-                <a:latin typeface="LM Roman 10" pitchFamily="2" charset="77"/>
-                <a:cs typeface="Didot" panose="02000503000000020003" pitchFamily="2" charset="-79"/>
-              </a:rPr>
-              <a:t>Charakteristika der Kontexte</a:t>
-            </a:r>
-            <a:endParaRPr lang="en-US" dirty="0">
-              <a:latin typeface="LM Roman 10" pitchFamily="2" charset="77"/>
-              <a:cs typeface="Didot" panose="02000503000000020003" pitchFamily="2" charset="-79"/>
-            </a:endParaRPr>
-          </a:p>
-        </p:txBody>
-      </p:sp>
-      <p:sp>
-        <p:nvSpPr>
-          <p:cNvPr id="10" name="TextBox 9">
-            <a:extLst>
-              <a:ext uri="{FF2B5EF4-FFF2-40B4-BE49-F238E27FC236}">
-                <a16:creationId xmlns:a16="http://schemas.microsoft.com/office/drawing/2014/main" id="{7089942B-64B4-A49D-35FF-C2AF5B72F395}"/>
-              </a:ext>
-            </a:extLst>
-          </p:cNvPr>
-          <p:cNvSpPr txBox="1"/>
-          <p:nvPr/>
-        </p:nvSpPr>
-        <p:spPr>
-          <a:xfrm>
-            <a:off x="400882" y="861156"/>
-            <a:ext cx="2965877" cy="338554"/>
-          </a:xfrm>
-          <a:prstGeom prst="rect">
-            <a:avLst/>
-          </a:prstGeom>
-          <a:noFill/>
-        </p:spPr>
-        <p:txBody>
-          <a:bodyPr wrap="none" rtlCol="0">
-            <a:spAutoFit/>
-          </a:bodyPr>
-          <a:lstStyle/>
-          <a:p>
-            <a:r>
-              <a:rPr lang="de-DE" sz="1600" dirty="0">
-                <a:latin typeface="LM Roman 10" pitchFamily="2" charset="77"/>
-                <a:cs typeface="Didot" panose="02000503000000020003" pitchFamily="2" charset="-79"/>
-              </a:rPr>
-              <a:t>Charakteristika der Nutzenden</a:t>
-            </a:r>
-            <a:endParaRPr lang="en-US" sz="1600" dirty="0">
-              <a:latin typeface="LM Roman 10" pitchFamily="2" charset="77"/>
-              <a:cs typeface="Didot" panose="02000503000000020003" pitchFamily="2" charset="-79"/>
-            </a:endParaRPr>
-          </a:p>
-        </p:txBody>
-      </p:sp>
-      <p:sp>
-        <p:nvSpPr>
-          <p:cNvPr id="11" name="TextBox 10">
-            <a:extLst>
-              <a:ext uri="{FF2B5EF4-FFF2-40B4-BE49-F238E27FC236}">
-                <a16:creationId xmlns:a16="http://schemas.microsoft.com/office/drawing/2014/main" id="{13879C0C-1EBE-1092-85BE-105AC4D194FF}"/>
-              </a:ext>
-            </a:extLst>
-          </p:cNvPr>
-          <p:cNvSpPr txBox="1"/>
-          <p:nvPr/>
-        </p:nvSpPr>
-        <p:spPr>
-          <a:xfrm>
-            <a:off x="820633" y="1230238"/>
-            <a:ext cx="2719014" cy="338554"/>
-          </a:xfrm>
-          <a:prstGeom prst="rect">
-            <a:avLst/>
-          </a:prstGeom>
-          <a:noFill/>
-        </p:spPr>
-        <p:txBody>
-          <a:bodyPr wrap="none" rtlCol="0">
-            <a:spAutoFit/>
-          </a:bodyPr>
-          <a:lstStyle/>
-          <a:p>
-            <a:r>
-              <a:rPr lang="de-DE" sz="1600" dirty="0">
-                <a:latin typeface="LM Roman 10" pitchFamily="2" charset="77"/>
-                <a:cs typeface="Didot" panose="02000503000000020003" pitchFamily="2" charset="-79"/>
-              </a:rPr>
-              <a:t>Charakteristika der Evidenz</a:t>
-            </a:r>
-            <a:endParaRPr lang="en-US" sz="1600" dirty="0">
-              <a:latin typeface="LM Roman 10" pitchFamily="2" charset="77"/>
-              <a:cs typeface="Didot" panose="02000503000000020003" pitchFamily="2" charset="-79"/>
-            </a:endParaRPr>
-          </a:p>
-        </p:txBody>
-      </p:sp>
-      <p:sp>
-        <p:nvSpPr>
-          <p:cNvPr id="13" name="Oval 12">
-            <a:extLst>
-              <a:ext uri="{FF2B5EF4-FFF2-40B4-BE49-F238E27FC236}">
-                <a16:creationId xmlns:a16="http://schemas.microsoft.com/office/drawing/2014/main" id="{1D8693F1-4AF6-B64B-4F0A-B464A18041CC}"/>
-              </a:ext>
-            </a:extLst>
-          </p:cNvPr>
-          <p:cNvSpPr/>
-          <p:nvPr/>
-        </p:nvSpPr>
-        <p:spPr>
-          <a:xfrm>
-            <a:off x="2759362" y="4563146"/>
-            <a:ext cx="1630680" cy="754380"/>
-          </a:xfrm>
-          <a:prstGeom prst="ellipse">
-            <a:avLst/>
-          </a:prstGeom>
-          <a:solidFill>
-            <a:schemeClr val="bg1"/>
-          </a:solidFill>
-          <a:ln>
-            <a:solidFill>
-              <a:schemeClr val="tx1"/>
-            </a:solidFill>
-          </a:ln>
-          <a:effectLst>
-            <a:outerShdw blurRad="50800" dist="38100" dir="2700000" algn="tl" rotWithShape="0">
-              <a:prstClr val="black">
-                <a:alpha val="40000"/>
-              </a:prstClr>
-            </a:outerShdw>
-          </a:effectLst>
-        </p:spPr>
-        <p:style>
-          <a:lnRef idx="2">
-            <a:schemeClr val="accent1">
-              <a:shade val="50000"/>
-            </a:schemeClr>
-          </a:lnRef>
-          <a:fillRef idx="1">
-            <a:schemeClr val="accent1"/>
-          </a:fillRef>
-          <a:effectRef idx="0">
-            <a:schemeClr val="accent1"/>
-          </a:effectRef>
-          <a:fontRef idx="minor">
-            <a:schemeClr val="lt1"/>
-          </a:fontRef>
-        </p:style>
-        <p:txBody>
-          <a:bodyPr rtlCol="0" anchor="ctr"/>
-          <a:lstStyle/>
-          <a:p>
-            <a:pPr algn="ctr"/>
-            <a:r>
-              <a:rPr lang="de-DE" dirty="0">
-                <a:solidFill>
-                  <a:schemeClr val="tx1"/>
-                </a:solidFill>
-                <a:latin typeface="LM Roman 10" pitchFamily="2" charset="77"/>
-                <a:cs typeface="Didot" panose="02000503000000020003" pitchFamily="2" charset="-79"/>
-              </a:rPr>
-              <a:t> </a:t>
-            </a:r>
-            <a:endParaRPr lang="en-US" dirty="0">
-              <a:solidFill>
-                <a:schemeClr val="tx1"/>
-              </a:solidFill>
-              <a:latin typeface="LM Roman 10" pitchFamily="2" charset="77"/>
-              <a:cs typeface="Didot" panose="02000503000000020003" pitchFamily="2" charset="-79"/>
-            </a:endParaRPr>
-          </a:p>
-        </p:txBody>
-      </p:sp>
-      <p:sp>
-        <p:nvSpPr>
-          <p:cNvPr id="14" name="Oval 13">
-            <a:extLst>
-              <a:ext uri="{FF2B5EF4-FFF2-40B4-BE49-F238E27FC236}">
-                <a16:creationId xmlns:a16="http://schemas.microsoft.com/office/drawing/2014/main" id="{2A14B365-C792-8A6C-8E80-FF83C67B5D55}"/>
-              </a:ext>
-            </a:extLst>
-          </p:cNvPr>
-          <p:cNvSpPr/>
-          <p:nvPr/>
-        </p:nvSpPr>
-        <p:spPr>
-          <a:xfrm>
-            <a:off x="4390042" y="3439434"/>
-            <a:ext cx="1630680" cy="754380"/>
-          </a:xfrm>
-          <a:prstGeom prst="ellipse">
-            <a:avLst/>
-          </a:prstGeom>
-          <a:solidFill>
-            <a:schemeClr val="bg1"/>
-          </a:solidFill>
-          <a:ln>
-            <a:solidFill>
-              <a:schemeClr val="tx1"/>
-            </a:solidFill>
-          </a:ln>
-          <a:effectLst>
-            <a:outerShdw blurRad="50800" dist="38100" dir="2700000" algn="tl" rotWithShape="0">
-              <a:prstClr val="black">
-                <a:alpha val="40000"/>
-              </a:prstClr>
-            </a:outerShdw>
-          </a:effectLst>
-        </p:spPr>
-        <p:style>
-          <a:lnRef idx="2">
-            <a:schemeClr val="accent1">
-              <a:shade val="50000"/>
-            </a:schemeClr>
-          </a:lnRef>
-          <a:fillRef idx="1">
-            <a:schemeClr val="accent1"/>
-          </a:fillRef>
-          <a:effectRef idx="0">
-            <a:schemeClr val="accent1"/>
-          </a:effectRef>
-          <a:fontRef idx="minor">
-            <a:schemeClr val="lt1"/>
-          </a:fontRef>
-        </p:style>
-        <p:txBody>
-          <a:bodyPr rtlCol="0" anchor="ctr"/>
-          <a:lstStyle/>
-          <a:p>
-            <a:pPr algn="ctr"/>
-            <a:r>
-              <a:rPr lang="de-DE" sz="1600" dirty="0">
-                <a:solidFill>
-                  <a:schemeClr val="tx1"/>
-                </a:solidFill>
-                <a:latin typeface="LM Roman 10" pitchFamily="2" charset="77"/>
-                <a:cs typeface="Didot" panose="02000503000000020003" pitchFamily="2" charset="-79"/>
-              </a:rPr>
-              <a:t>Evidenz</a:t>
-            </a:r>
-            <a:endParaRPr lang="en-US" dirty="0">
-              <a:solidFill>
-                <a:schemeClr val="tx1"/>
-              </a:solidFill>
-              <a:latin typeface="LM Roman 10" pitchFamily="2" charset="77"/>
-              <a:cs typeface="Didot" panose="02000503000000020003" pitchFamily="2" charset="-79"/>
-            </a:endParaRPr>
-          </a:p>
-        </p:txBody>
-      </p:sp>
-      <p:sp>
-        <p:nvSpPr>
-          <p:cNvPr id="15" name="Oval 14">
-            <a:extLst>
-              <a:ext uri="{FF2B5EF4-FFF2-40B4-BE49-F238E27FC236}">
-                <a16:creationId xmlns:a16="http://schemas.microsoft.com/office/drawing/2014/main" id="{97DAF1C8-8BF6-B122-BD80-962768DA66B4}"/>
-              </a:ext>
-            </a:extLst>
-          </p:cNvPr>
-          <p:cNvSpPr/>
-          <p:nvPr/>
-        </p:nvSpPr>
-        <p:spPr>
-          <a:xfrm>
-            <a:off x="6020722" y="2315722"/>
-            <a:ext cx="1630680" cy="754380"/>
-          </a:xfrm>
-          <a:prstGeom prst="ellipse">
-            <a:avLst/>
-          </a:prstGeom>
-          <a:solidFill>
-            <a:schemeClr val="bg1"/>
-          </a:solidFill>
-          <a:ln>
-            <a:solidFill>
-              <a:schemeClr val="tx1"/>
-            </a:solidFill>
-          </a:ln>
-          <a:effectLst>
-            <a:outerShdw blurRad="50800" dist="38100" dir="2700000" algn="tl" rotWithShape="0">
-              <a:prstClr val="black">
-                <a:alpha val="40000"/>
-              </a:prstClr>
-            </a:outerShdw>
-          </a:effectLst>
-        </p:spPr>
-        <p:style>
-          <a:lnRef idx="2">
-            <a:schemeClr val="accent1">
-              <a:shade val="50000"/>
-            </a:schemeClr>
-          </a:lnRef>
-          <a:fillRef idx="1">
-            <a:schemeClr val="accent1"/>
-          </a:fillRef>
-          <a:effectRef idx="0">
-            <a:schemeClr val="accent1"/>
-          </a:effectRef>
-          <a:fontRef idx="minor">
-            <a:schemeClr val="lt1"/>
-          </a:fontRef>
-        </p:style>
-        <p:txBody>
-          <a:bodyPr rtlCol="0" anchor="ctr"/>
-          <a:lstStyle/>
-          <a:p>
-            <a:pPr algn="ctr"/>
-            <a:endParaRPr lang="en-US" sz="1600" dirty="0">
-              <a:solidFill>
-                <a:schemeClr val="tx1"/>
-              </a:solidFill>
-              <a:latin typeface="LM Roman 10" pitchFamily="2" charset="77"/>
-              <a:cs typeface="Didot" panose="02000503000000020003" pitchFamily="2" charset="-79"/>
-            </a:endParaRPr>
-          </a:p>
-        </p:txBody>
-      </p:sp>
-      <p:cxnSp>
-        <p:nvCxnSpPr>
-          <p:cNvPr id="20" name="Connector: Curved 19">
-            <a:extLst>
-              <a:ext uri="{FF2B5EF4-FFF2-40B4-BE49-F238E27FC236}">
-                <a16:creationId xmlns:a16="http://schemas.microsoft.com/office/drawing/2014/main" id="{9D08A355-1BFF-B13D-EABD-1944CF8A7E31}"/>
-              </a:ext>
-            </a:extLst>
-          </p:cNvPr>
-          <p:cNvCxnSpPr>
-            <a:cxnSpLocks/>
-            <a:stCxn id="13" idx="0"/>
-            <a:endCxn id="14" idx="2"/>
-          </p:cNvCxnSpPr>
-          <p:nvPr/>
-        </p:nvCxnSpPr>
-        <p:spPr>
-          <a:xfrm rot="5400000" flipH="1" flipV="1">
-            <a:off x="3609111" y="3782215"/>
-            <a:ext cx="746522" cy="815340"/>
-          </a:xfrm>
-          <a:prstGeom prst="curvedConnector2">
-            <a:avLst/>
-          </a:prstGeom>
-          <a:ln w="34925">
-            <a:solidFill>
-              <a:schemeClr val="tx1"/>
-            </a:solidFill>
-            <a:tailEnd type="triangle"/>
-          </a:ln>
-        </p:spPr>
-        <p:style>
-          <a:lnRef idx="1">
-            <a:schemeClr val="accent1"/>
-          </a:lnRef>
-          <a:fillRef idx="0">
-            <a:schemeClr val="accent1"/>
-          </a:fillRef>
-          <a:effectRef idx="0">
-            <a:schemeClr val="accent1"/>
-          </a:effectRef>
-          <a:fontRef idx="minor">
-            <a:schemeClr val="tx1"/>
-          </a:fontRef>
-        </p:style>
-      </p:cxnSp>
-      <p:cxnSp>
-        <p:nvCxnSpPr>
-          <p:cNvPr id="23" name="Connector: Curved 22">
-            <a:extLst>
-              <a:ext uri="{FF2B5EF4-FFF2-40B4-BE49-F238E27FC236}">
-                <a16:creationId xmlns:a16="http://schemas.microsoft.com/office/drawing/2014/main" id="{C576A603-F83F-F3F0-AD46-5F1BC4B64A9E}"/>
-              </a:ext>
-            </a:extLst>
-          </p:cNvPr>
-          <p:cNvCxnSpPr>
-            <a:cxnSpLocks/>
-            <a:stCxn id="14" idx="0"/>
-            <a:endCxn id="15" idx="2"/>
-          </p:cNvCxnSpPr>
-          <p:nvPr/>
-        </p:nvCxnSpPr>
-        <p:spPr>
-          <a:xfrm rot="5400000" flipH="1" flipV="1">
-            <a:off x="5239791" y="2658503"/>
-            <a:ext cx="746522" cy="815340"/>
-          </a:xfrm>
-          <a:prstGeom prst="curvedConnector2">
-            <a:avLst/>
-          </a:prstGeom>
-          <a:ln w="34925">
-            <a:solidFill>
-              <a:schemeClr val="tx1"/>
-            </a:solidFill>
-            <a:tailEnd type="triangle"/>
-          </a:ln>
-        </p:spPr>
-        <p:style>
-          <a:lnRef idx="1">
-            <a:schemeClr val="accent1"/>
-          </a:lnRef>
-          <a:fillRef idx="0">
-            <a:schemeClr val="accent1"/>
-          </a:fillRef>
-          <a:effectRef idx="0">
-            <a:schemeClr val="accent1"/>
-          </a:effectRef>
-          <a:fontRef idx="minor">
-            <a:schemeClr val="tx1"/>
-          </a:fontRef>
-        </p:style>
-      </p:cxnSp>
-      <p:sp>
-        <p:nvSpPr>
-          <p:cNvPr id="26" name="Oval 25">
-            <a:extLst>
-              <a:ext uri="{FF2B5EF4-FFF2-40B4-BE49-F238E27FC236}">
-                <a16:creationId xmlns:a16="http://schemas.microsoft.com/office/drawing/2014/main" id="{E3DC8A4E-1508-5E72-013D-97FAFDC90495}"/>
-              </a:ext>
-            </a:extLst>
-          </p:cNvPr>
-          <p:cNvSpPr/>
-          <p:nvPr/>
-        </p:nvSpPr>
-        <p:spPr>
-          <a:xfrm>
-            <a:off x="8944559" y="2311793"/>
-            <a:ext cx="1630680" cy="754380"/>
-          </a:xfrm>
-          <a:prstGeom prst="ellipse">
-            <a:avLst/>
-          </a:prstGeom>
-          <a:solidFill>
-            <a:schemeClr val="bg1"/>
-          </a:solidFill>
-          <a:ln>
-            <a:solidFill>
-              <a:schemeClr val="tx1"/>
-            </a:solidFill>
-          </a:ln>
-          <a:effectLst>
-            <a:outerShdw blurRad="50800" dist="38100" dir="2700000" algn="tl" rotWithShape="0">
-              <a:prstClr val="black">
-                <a:alpha val="40000"/>
-              </a:prstClr>
-            </a:outerShdw>
-          </a:effectLst>
-        </p:spPr>
-        <p:style>
-          <a:lnRef idx="2">
-            <a:schemeClr val="accent1">
-              <a:shade val="50000"/>
-            </a:schemeClr>
-          </a:lnRef>
-          <a:fillRef idx="1">
-            <a:schemeClr val="accent1"/>
-          </a:fillRef>
-          <a:effectRef idx="0">
-            <a:schemeClr val="accent1"/>
-          </a:effectRef>
-          <a:fontRef idx="minor">
-            <a:schemeClr val="lt1"/>
-          </a:fontRef>
-        </p:style>
-        <p:txBody>
-          <a:bodyPr rtlCol="0" anchor="ctr"/>
-          <a:lstStyle/>
-          <a:p>
-            <a:pPr algn="ctr"/>
-            <a:endParaRPr lang="en-US" dirty="0">
-              <a:solidFill>
-                <a:schemeClr val="tx1"/>
-              </a:solidFill>
-              <a:latin typeface="LM Roman 10" pitchFamily="2" charset="77"/>
-              <a:cs typeface="Didot" panose="02000503000000020003" pitchFamily="2" charset="-79"/>
-            </a:endParaRPr>
-          </a:p>
-        </p:txBody>
-      </p:sp>
-      <p:sp>
-        <p:nvSpPr>
-          <p:cNvPr id="27" name="Oval 26">
-            <a:extLst>
-              <a:ext uri="{FF2B5EF4-FFF2-40B4-BE49-F238E27FC236}">
-                <a16:creationId xmlns:a16="http://schemas.microsoft.com/office/drawing/2014/main" id="{72AF60ED-4044-E5E5-F9E9-64C7593F7CC0}"/>
-              </a:ext>
-            </a:extLst>
-          </p:cNvPr>
-          <p:cNvSpPr/>
-          <p:nvPr/>
-        </p:nvSpPr>
-        <p:spPr>
-          <a:xfrm>
-            <a:off x="8944559" y="4563146"/>
-            <a:ext cx="1630680" cy="754380"/>
-          </a:xfrm>
-          <a:prstGeom prst="ellipse">
-            <a:avLst/>
-          </a:prstGeom>
-          <a:solidFill>
-            <a:schemeClr val="bg1"/>
-          </a:solidFill>
-          <a:ln>
-            <a:solidFill>
-              <a:schemeClr val="tx1"/>
-            </a:solidFill>
-          </a:ln>
-          <a:effectLst>
-            <a:outerShdw blurRad="50800" dist="38100" dir="2700000" algn="tl" rotWithShape="0">
-              <a:prstClr val="black">
-                <a:alpha val="40000"/>
-              </a:prstClr>
-            </a:outerShdw>
-          </a:effectLst>
-        </p:spPr>
-        <p:style>
-          <a:lnRef idx="2">
-            <a:schemeClr val="accent1">
-              <a:shade val="50000"/>
-            </a:schemeClr>
-          </a:lnRef>
-          <a:fillRef idx="1">
-            <a:schemeClr val="accent1"/>
-          </a:fillRef>
-          <a:effectRef idx="0">
-            <a:schemeClr val="accent1"/>
-          </a:effectRef>
-          <a:fontRef idx="minor">
-            <a:schemeClr val="lt1"/>
-          </a:fontRef>
-        </p:style>
-        <p:txBody>
-          <a:bodyPr rtlCol="0" anchor="ctr"/>
-          <a:lstStyle/>
-          <a:p>
-            <a:pPr algn="ctr"/>
-            <a:r>
-              <a:rPr lang="de-DE" sz="1600" dirty="0">
-                <a:solidFill>
-                  <a:schemeClr val="tx1"/>
-                </a:solidFill>
-                <a:latin typeface="LM Roman 10" pitchFamily="2" charset="77"/>
-                <a:cs typeface="Didot" panose="02000503000000020003" pitchFamily="2" charset="-79"/>
-              </a:rPr>
-              <a:t>Ergebnisse</a:t>
-            </a:r>
-            <a:endParaRPr lang="en-US" sz="1600" dirty="0">
-              <a:solidFill>
-                <a:schemeClr val="tx1"/>
-              </a:solidFill>
-              <a:latin typeface="LM Roman 10" pitchFamily="2" charset="77"/>
-              <a:cs typeface="Didot" panose="02000503000000020003" pitchFamily="2" charset="-79"/>
-            </a:endParaRPr>
-          </a:p>
-        </p:txBody>
-      </p:sp>
-      <p:cxnSp>
-        <p:nvCxnSpPr>
-          <p:cNvPr id="32" name="Straight Arrow Connector 31">
-            <a:extLst>
-              <a:ext uri="{FF2B5EF4-FFF2-40B4-BE49-F238E27FC236}">
-                <a16:creationId xmlns:a16="http://schemas.microsoft.com/office/drawing/2014/main" id="{166579B7-9EB5-A37B-D7D0-0EEC0B6803AE}"/>
-              </a:ext>
-            </a:extLst>
-          </p:cNvPr>
-          <p:cNvCxnSpPr>
-            <a:cxnSpLocks/>
-            <a:stCxn id="15" idx="6"/>
-            <a:endCxn id="26" idx="2"/>
-          </p:cNvCxnSpPr>
-          <p:nvPr/>
-        </p:nvCxnSpPr>
-        <p:spPr>
-          <a:xfrm flipV="1">
-            <a:off x="7651403" y="2688984"/>
-            <a:ext cx="1293157" cy="3929"/>
-          </a:xfrm>
-          <a:prstGeom prst="straightConnector1">
-            <a:avLst/>
-          </a:prstGeom>
-          <a:ln w="34925">
-            <a:solidFill>
-              <a:schemeClr val="tx1"/>
-            </a:solidFill>
-            <a:tailEnd type="triangle"/>
-          </a:ln>
-        </p:spPr>
-        <p:style>
-          <a:lnRef idx="1">
-            <a:schemeClr val="accent1"/>
-          </a:lnRef>
-          <a:fillRef idx="0">
-            <a:schemeClr val="accent1"/>
-          </a:fillRef>
-          <a:effectRef idx="0">
-            <a:schemeClr val="accent1"/>
-          </a:effectRef>
-          <a:fontRef idx="minor">
-            <a:schemeClr val="tx1"/>
-          </a:fontRef>
-        </p:style>
-      </p:cxnSp>
-      <p:cxnSp>
-        <p:nvCxnSpPr>
-          <p:cNvPr id="34" name="Straight Arrow Connector 33">
-            <a:extLst>
-              <a:ext uri="{FF2B5EF4-FFF2-40B4-BE49-F238E27FC236}">
-                <a16:creationId xmlns:a16="http://schemas.microsoft.com/office/drawing/2014/main" id="{49F8FCE9-625E-3019-9506-DB4366A32AC6}"/>
-              </a:ext>
-            </a:extLst>
-          </p:cNvPr>
-          <p:cNvCxnSpPr>
-            <a:cxnSpLocks/>
-            <a:stCxn id="26" idx="4"/>
-            <a:endCxn id="27" idx="0"/>
-          </p:cNvCxnSpPr>
-          <p:nvPr/>
-        </p:nvCxnSpPr>
-        <p:spPr>
-          <a:xfrm>
-            <a:off x="9759899" y="3066174"/>
-            <a:ext cx="0" cy="1496973"/>
-          </a:xfrm>
-          <a:prstGeom prst="straightConnector1">
-            <a:avLst/>
-          </a:prstGeom>
-          <a:ln w="34925">
-            <a:solidFill>
-              <a:schemeClr val="tx1"/>
-            </a:solidFill>
-            <a:tailEnd type="triangle"/>
-          </a:ln>
-        </p:spPr>
-        <p:style>
-          <a:lnRef idx="1">
-            <a:schemeClr val="accent1"/>
-          </a:lnRef>
-          <a:fillRef idx="0">
-            <a:schemeClr val="accent1"/>
-          </a:fillRef>
-          <a:effectRef idx="0">
-            <a:schemeClr val="accent1"/>
-          </a:effectRef>
-          <a:fontRef idx="minor">
-            <a:schemeClr val="tx1"/>
-          </a:fontRef>
-        </p:style>
-      </p:cxnSp>
-      <p:cxnSp>
-        <p:nvCxnSpPr>
-          <p:cNvPr id="37" name="Straight Arrow Connector 36">
-            <a:extLst>
-              <a:ext uri="{FF2B5EF4-FFF2-40B4-BE49-F238E27FC236}">
-                <a16:creationId xmlns:a16="http://schemas.microsoft.com/office/drawing/2014/main" id="{55715120-9AEF-727F-AF81-D95E0E013E59}"/>
-              </a:ext>
-            </a:extLst>
-          </p:cNvPr>
-          <p:cNvCxnSpPr>
-            <a:cxnSpLocks/>
-            <a:stCxn id="27" idx="2"/>
-            <a:endCxn id="13" idx="6"/>
-          </p:cNvCxnSpPr>
-          <p:nvPr/>
-        </p:nvCxnSpPr>
-        <p:spPr>
-          <a:xfrm flipH="1">
-            <a:off x="4390043" y="4940336"/>
-            <a:ext cx="4554517" cy="0"/>
-          </a:xfrm>
-          <a:prstGeom prst="straightConnector1">
-            <a:avLst/>
-          </a:prstGeom>
-          <a:ln w="34925">
-            <a:solidFill>
-              <a:schemeClr val="tx1"/>
-            </a:solidFill>
-            <a:tailEnd type="triangle"/>
-          </a:ln>
-        </p:spPr>
-        <p:style>
-          <a:lnRef idx="1">
-            <a:schemeClr val="accent1"/>
-          </a:lnRef>
-          <a:fillRef idx="0">
-            <a:schemeClr val="accent1"/>
-          </a:fillRef>
-          <a:effectRef idx="0">
-            <a:schemeClr val="accent1"/>
-          </a:effectRef>
-          <a:fontRef idx="minor">
-            <a:schemeClr val="tx1"/>
-          </a:fontRef>
-        </p:style>
-      </p:cxnSp>
-      <p:cxnSp>
-        <p:nvCxnSpPr>
-          <p:cNvPr id="40" name="Straight Arrow Connector 39">
-            <a:extLst>
-              <a:ext uri="{FF2B5EF4-FFF2-40B4-BE49-F238E27FC236}">
-                <a16:creationId xmlns:a16="http://schemas.microsoft.com/office/drawing/2014/main" id="{877155B9-7D29-7689-96CE-6ACB5D537AB5}"/>
-              </a:ext>
-            </a:extLst>
-          </p:cNvPr>
-          <p:cNvCxnSpPr>
-            <a:cxnSpLocks/>
-            <a:stCxn id="14" idx="4"/>
-          </p:cNvCxnSpPr>
-          <p:nvPr/>
-        </p:nvCxnSpPr>
-        <p:spPr>
-          <a:xfrm>
-            <a:off x="5205382" y="4193814"/>
-            <a:ext cx="0" cy="746522"/>
-          </a:xfrm>
-          <a:prstGeom prst="straightConnector1">
-            <a:avLst/>
-          </a:prstGeom>
-          <a:ln w="34925">
-            <a:solidFill>
-              <a:schemeClr val="tx1"/>
-            </a:solidFill>
-            <a:tailEnd type="triangle"/>
-          </a:ln>
-        </p:spPr>
-        <p:style>
-          <a:lnRef idx="1">
-            <a:schemeClr val="accent1"/>
-          </a:lnRef>
-          <a:fillRef idx="0">
-            <a:schemeClr val="accent1"/>
-          </a:fillRef>
-          <a:effectRef idx="0">
-            <a:schemeClr val="accent1"/>
-          </a:effectRef>
-          <a:fontRef idx="minor">
-            <a:schemeClr val="tx1"/>
-          </a:fontRef>
-        </p:style>
-      </p:cxnSp>
-      <p:cxnSp>
-        <p:nvCxnSpPr>
-          <p:cNvPr id="43" name="Straight Arrow Connector 42">
-            <a:extLst>
-              <a:ext uri="{FF2B5EF4-FFF2-40B4-BE49-F238E27FC236}">
-                <a16:creationId xmlns:a16="http://schemas.microsoft.com/office/drawing/2014/main" id="{009A81FC-5496-1B64-61C2-0AACFC7477CD}"/>
-              </a:ext>
-            </a:extLst>
-          </p:cNvPr>
-          <p:cNvCxnSpPr>
-            <a:cxnSpLocks/>
-            <a:stCxn id="15" idx="4"/>
-          </p:cNvCxnSpPr>
-          <p:nvPr/>
-        </p:nvCxnSpPr>
-        <p:spPr>
-          <a:xfrm>
-            <a:off x="6836062" y="3070102"/>
-            <a:ext cx="0" cy="1870234"/>
-          </a:xfrm>
-          <a:prstGeom prst="straightConnector1">
-            <a:avLst/>
-          </a:prstGeom>
-          <a:ln w="34925">
-            <a:solidFill>
-              <a:schemeClr val="tx1"/>
-            </a:solidFill>
-            <a:tailEnd type="triangle"/>
-          </a:ln>
-        </p:spPr>
-        <p:style>
-          <a:lnRef idx="1">
-            <a:schemeClr val="accent1"/>
-          </a:lnRef>
-          <a:fillRef idx="0">
-            <a:schemeClr val="accent1"/>
-          </a:fillRef>
-          <a:effectRef idx="0">
-            <a:schemeClr val="accent1"/>
-          </a:effectRef>
-          <a:fontRef idx="minor">
-            <a:schemeClr val="tx1"/>
-          </a:fontRef>
-        </p:style>
-      </p:cxnSp>
-      <p:sp>
-        <p:nvSpPr>
-          <p:cNvPr id="50" name="TextBox 49">
-            <a:extLst>
-              <a:ext uri="{FF2B5EF4-FFF2-40B4-BE49-F238E27FC236}">
-                <a16:creationId xmlns:a16="http://schemas.microsoft.com/office/drawing/2014/main" id="{7FD64F8A-ADAA-448E-7F19-BDDBEC30B4D5}"/>
-              </a:ext>
-            </a:extLst>
-          </p:cNvPr>
-          <p:cNvSpPr txBox="1"/>
-          <p:nvPr/>
-        </p:nvSpPr>
-        <p:spPr>
-          <a:xfrm>
-            <a:off x="8982929" y="2238068"/>
-            <a:ext cx="1553940" cy="854080"/>
-          </a:xfrm>
-          <a:prstGeom prst="rect">
-            <a:avLst/>
-          </a:prstGeom>
-          <a:noFill/>
-        </p:spPr>
-        <p:txBody>
-          <a:bodyPr wrap="square" rtlCol="0">
-            <a:spAutoFit/>
-          </a:bodyPr>
-          <a:lstStyle/>
-          <a:p>
-            <a:pPr algn="ctr"/>
-            <a:r>
-              <a:rPr lang="de-DE" sz="1600" dirty="0">
-                <a:latin typeface="LM Roman 10" pitchFamily="2" charset="77"/>
-                <a:cs typeface="Didot" panose="02000503000000020003" pitchFamily="2" charset="-79"/>
-              </a:rPr>
-              <a:t>Nutzung</a:t>
-            </a:r>
-            <a:endParaRPr lang="de-DE" sz="2000" dirty="0">
-              <a:latin typeface="LM Roman 10" pitchFamily="2" charset="77"/>
-              <a:cs typeface="Didot" panose="02000503000000020003" pitchFamily="2" charset="-79"/>
-            </a:endParaRPr>
-          </a:p>
-          <a:p>
-            <a:pPr algn="ctr"/>
-            <a:r>
-              <a:rPr lang="de-DE" sz="1100" dirty="0">
-                <a:latin typeface="LM Roman 10" pitchFamily="2" charset="77"/>
-                <a:cs typeface="Didot" panose="02000503000000020003" pitchFamily="2" charset="-79"/>
-              </a:rPr>
-              <a:t>instrumentell/</a:t>
-            </a:r>
-          </a:p>
-          <a:p>
-            <a:pPr algn="ctr"/>
-            <a:r>
-              <a:rPr lang="de-DE" sz="1100" dirty="0">
-                <a:latin typeface="LM Roman 10" pitchFamily="2" charset="77"/>
-                <a:cs typeface="Didot" panose="02000503000000020003" pitchFamily="2" charset="-79"/>
-              </a:rPr>
-              <a:t>konzeptuell/</a:t>
-            </a:r>
-          </a:p>
-          <a:p>
-            <a:pPr algn="ctr"/>
-            <a:r>
-              <a:rPr lang="de-DE" sz="1100" dirty="0">
-                <a:latin typeface="LM Roman 10" pitchFamily="2" charset="77"/>
-                <a:cs typeface="Didot" panose="02000503000000020003" pitchFamily="2" charset="-79"/>
-              </a:rPr>
-              <a:t>symbolisch</a:t>
-            </a:r>
-            <a:endParaRPr lang="en-US" sz="1100" dirty="0">
-              <a:latin typeface="LM Roman 10" pitchFamily="2" charset="77"/>
-              <a:cs typeface="Didot" panose="02000503000000020003" pitchFamily="2" charset="-79"/>
-            </a:endParaRPr>
-          </a:p>
-        </p:txBody>
-      </p:sp>
-      <p:sp>
-        <p:nvSpPr>
-          <p:cNvPr id="53" name="TextBox 52">
-            <a:extLst>
-              <a:ext uri="{FF2B5EF4-FFF2-40B4-BE49-F238E27FC236}">
-                <a16:creationId xmlns:a16="http://schemas.microsoft.com/office/drawing/2014/main" id="{029917AF-EE12-5D28-5562-0A98D90EB631}"/>
-              </a:ext>
-            </a:extLst>
-          </p:cNvPr>
-          <p:cNvSpPr txBox="1"/>
-          <p:nvPr/>
-        </p:nvSpPr>
-        <p:spPr>
-          <a:xfrm>
-            <a:off x="2132375" y="3899162"/>
-            <a:ext cx="1450292" cy="307777"/>
-          </a:xfrm>
-          <a:prstGeom prst="rect">
-            <a:avLst/>
-          </a:prstGeom>
-          <a:solidFill>
-            <a:schemeClr val="bg1"/>
-          </a:solidFill>
-        </p:spPr>
-        <p:txBody>
-          <a:bodyPr wrap="square" rtlCol="0">
-            <a:spAutoFit/>
-          </a:bodyPr>
-          <a:lstStyle/>
-          <a:p>
-            <a:r>
-              <a:rPr lang="de-DE" sz="1400" dirty="0">
-                <a:latin typeface="LM Roman 10" pitchFamily="2" charset="77"/>
-                <a:cs typeface="Didot" panose="02000503000000020003" pitchFamily="2" charset="-79"/>
-              </a:rPr>
-              <a:t>2) Zugriffsphase</a:t>
-            </a:r>
-            <a:endParaRPr lang="en-US" sz="1400" dirty="0">
-              <a:latin typeface="LM Roman 10" pitchFamily="2" charset="77"/>
-              <a:cs typeface="Didot" panose="02000503000000020003" pitchFamily="2" charset="-79"/>
-            </a:endParaRPr>
-          </a:p>
-        </p:txBody>
-      </p:sp>
-      <p:sp>
-        <p:nvSpPr>
-          <p:cNvPr id="54" name="TextBox 53">
-            <a:extLst>
-              <a:ext uri="{FF2B5EF4-FFF2-40B4-BE49-F238E27FC236}">
-                <a16:creationId xmlns:a16="http://schemas.microsoft.com/office/drawing/2014/main" id="{F4BF1643-F037-D0A5-7CD6-FB9BDE02E33D}"/>
-              </a:ext>
-            </a:extLst>
-          </p:cNvPr>
-          <p:cNvSpPr txBox="1"/>
-          <p:nvPr/>
-        </p:nvSpPr>
-        <p:spPr>
-          <a:xfrm>
-            <a:off x="3060414" y="2704372"/>
-            <a:ext cx="2211702" cy="307777"/>
-          </a:xfrm>
-          <a:prstGeom prst="rect">
-            <a:avLst/>
-          </a:prstGeom>
-          <a:solidFill>
-            <a:schemeClr val="bg1"/>
-          </a:solidFill>
-        </p:spPr>
-        <p:txBody>
-          <a:bodyPr wrap="square" rtlCol="0">
-            <a:spAutoFit/>
-          </a:bodyPr>
-          <a:lstStyle/>
-          <a:p>
-            <a:r>
-              <a:rPr lang="de-DE" sz="1400" dirty="0">
-                <a:latin typeface="LM Roman 10" pitchFamily="2" charset="77"/>
-                <a:cs typeface="Didot" panose="02000503000000020003" pitchFamily="2" charset="-79"/>
-              </a:rPr>
-              <a:t>3) Schlussfolgerungsphase</a:t>
-            </a:r>
-            <a:endParaRPr lang="en-US" sz="1400" dirty="0">
-              <a:latin typeface="LM Roman 10" pitchFamily="2" charset="77"/>
-              <a:cs typeface="Didot" panose="02000503000000020003" pitchFamily="2" charset="-79"/>
-            </a:endParaRPr>
-          </a:p>
-        </p:txBody>
-      </p:sp>
-      <p:sp>
-        <p:nvSpPr>
-          <p:cNvPr id="55" name="TextBox 54">
-            <a:extLst>
-              <a:ext uri="{FF2B5EF4-FFF2-40B4-BE49-F238E27FC236}">
-                <a16:creationId xmlns:a16="http://schemas.microsoft.com/office/drawing/2014/main" id="{826285A5-86AB-FFF9-F41D-E2FDA68CD35F}"/>
-              </a:ext>
-            </a:extLst>
-          </p:cNvPr>
-          <p:cNvSpPr txBox="1"/>
-          <p:nvPr/>
-        </p:nvSpPr>
-        <p:spPr>
-          <a:xfrm>
-            <a:off x="9949111" y="3672231"/>
-            <a:ext cx="1761541" cy="307777"/>
-          </a:xfrm>
-          <a:prstGeom prst="rect">
-            <a:avLst/>
-          </a:prstGeom>
-          <a:solidFill>
-            <a:schemeClr val="bg1"/>
-          </a:solidFill>
-        </p:spPr>
-        <p:txBody>
-          <a:bodyPr wrap="square" rtlCol="0">
-            <a:spAutoFit/>
-          </a:bodyPr>
-          <a:lstStyle/>
-          <a:p>
-            <a:r>
-              <a:rPr lang="de-DE" sz="1400" dirty="0">
-                <a:latin typeface="LM Roman 10" pitchFamily="2" charset="77"/>
-                <a:cs typeface="Didot" panose="02000503000000020003" pitchFamily="2" charset="-79"/>
-              </a:rPr>
-              <a:t>5) Evaluationsphase</a:t>
-            </a:r>
-            <a:endParaRPr lang="en-US" sz="1400" dirty="0">
-              <a:latin typeface="LM Roman 10" pitchFamily="2" charset="77"/>
-              <a:cs typeface="Didot" panose="02000503000000020003" pitchFamily="2" charset="-79"/>
-            </a:endParaRPr>
-          </a:p>
-        </p:txBody>
-      </p:sp>
-      <p:sp>
-        <p:nvSpPr>
-          <p:cNvPr id="56" name="TextBox 55">
-            <a:extLst>
-              <a:ext uri="{FF2B5EF4-FFF2-40B4-BE49-F238E27FC236}">
-                <a16:creationId xmlns:a16="http://schemas.microsoft.com/office/drawing/2014/main" id="{E1454FA1-25A8-7B63-A728-B46473330DD8}"/>
-              </a:ext>
-            </a:extLst>
-          </p:cNvPr>
-          <p:cNvSpPr txBox="1"/>
-          <p:nvPr/>
-        </p:nvSpPr>
-        <p:spPr>
-          <a:xfrm>
-            <a:off x="8094142" y="967690"/>
-            <a:ext cx="615553" cy="1376839"/>
-          </a:xfrm>
-          <a:prstGeom prst="rect">
-            <a:avLst/>
-          </a:prstGeom>
-          <a:solidFill>
-            <a:schemeClr val="bg1"/>
-          </a:solidFill>
-        </p:spPr>
-        <p:txBody>
-          <a:bodyPr vert="vert270" wrap="square" rtlCol="0">
-            <a:spAutoFit/>
-          </a:bodyPr>
-          <a:lstStyle/>
-          <a:p>
-            <a:r>
-              <a:rPr lang="de-DE" sz="1400" dirty="0">
-                <a:latin typeface="LM Roman 10" pitchFamily="2" charset="77"/>
-                <a:cs typeface="Didot" panose="02000503000000020003" pitchFamily="2" charset="-79"/>
-              </a:rPr>
-              <a:t>4) Anwendungs-</a:t>
-            </a:r>
-          </a:p>
-          <a:p>
-            <a:r>
-              <a:rPr lang="de-DE" sz="1400" dirty="0" err="1">
-                <a:latin typeface="LM Roman 10" pitchFamily="2" charset="77"/>
-                <a:cs typeface="Didot" panose="02000503000000020003" pitchFamily="2" charset="-79"/>
-              </a:rPr>
-              <a:t>phase</a:t>
-            </a:r>
-            <a:endParaRPr lang="en-US" sz="1400" dirty="0">
-              <a:latin typeface="LM Roman 10" pitchFamily="2" charset="77"/>
-              <a:cs typeface="Didot" panose="02000503000000020003" pitchFamily="2" charset="-79"/>
-            </a:endParaRPr>
-          </a:p>
-        </p:txBody>
-      </p:sp>
-      <p:cxnSp>
-        <p:nvCxnSpPr>
-          <p:cNvPr id="2" name="Connector: Curved 19">
-            <a:extLst>
-              <a:ext uri="{FF2B5EF4-FFF2-40B4-BE49-F238E27FC236}">
-                <a16:creationId xmlns:a16="http://schemas.microsoft.com/office/drawing/2014/main" id="{79AD504F-1947-BB8D-D92A-C6FFAA276207}"/>
-              </a:ext>
-            </a:extLst>
-          </p:cNvPr>
-          <p:cNvCxnSpPr>
-            <a:cxnSpLocks/>
-          </p:cNvCxnSpPr>
-          <p:nvPr/>
-        </p:nvCxnSpPr>
-        <p:spPr>
-          <a:xfrm rot="5400000" flipH="1" flipV="1">
-            <a:off x="1963885" y="4905927"/>
-            <a:ext cx="746522" cy="815340"/>
-          </a:xfrm>
-          <a:prstGeom prst="curvedConnector2">
-            <a:avLst/>
-          </a:prstGeom>
-          <a:ln w="34925">
-            <a:solidFill>
-              <a:schemeClr val="tx1"/>
-            </a:solidFill>
-            <a:tailEnd type="triangle"/>
-          </a:ln>
-        </p:spPr>
-        <p:style>
-          <a:lnRef idx="1">
-            <a:schemeClr val="accent1"/>
-          </a:lnRef>
-          <a:fillRef idx="0">
-            <a:schemeClr val="accent1"/>
-          </a:fillRef>
-          <a:effectRef idx="0">
-            <a:schemeClr val="accent1"/>
-          </a:effectRef>
-          <a:fontRef idx="minor">
-            <a:schemeClr val="tx1"/>
-          </a:fontRef>
-        </p:style>
-      </p:cxnSp>
-      <p:sp>
-        <p:nvSpPr>
-          <p:cNvPr id="3" name="TextBox 52">
-            <a:extLst>
-              <a:ext uri="{FF2B5EF4-FFF2-40B4-BE49-F238E27FC236}">
-                <a16:creationId xmlns:a16="http://schemas.microsoft.com/office/drawing/2014/main" id="{D5A8C5B0-BC37-0A64-9412-8C506A465311}"/>
-              </a:ext>
-            </a:extLst>
-          </p:cNvPr>
-          <p:cNvSpPr txBox="1"/>
-          <p:nvPr/>
-        </p:nvSpPr>
-        <p:spPr>
-          <a:xfrm>
-            <a:off x="1072543" y="5677641"/>
-            <a:ext cx="2110495" cy="307777"/>
-          </a:xfrm>
-          <a:prstGeom prst="rect">
-            <a:avLst/>
-          </a:prstGeom>
-          <a:solidFill>
-            <a:schemeClr val="bg1"/>
-          </a:solidFill>
-        </p:spPr>
-        <p:txBody>
-          <a:bodyPr wrap="square" rtlCol="0">
-            <a:spAutoFit/>
-          </a:bodyPr>
-          <a:lstStyle/>
-          <a:p>
-            <a:r>
-              <a:rPr lang="de-DE" sz="1400" dirty="0">
-                <a:latin typeface="LM Roman 10" pitchFamily="2" charset="77"/>
-                <a:cs typeface="Didot" panose="02000503000000020003" pitchFamily="2" charset="-79"/>
-              </a:rPr>
-              <a:t>1) Konzeptuelle Phase</a:t>
-            </a:r>
-            <a:endParaRPr lang="en-US" sz="1400" dirty="0">
-              <a:latin typeface="LM Roman 10" pitchFamily="2" charset="77"/>
-              <a:cs typeface="Didot" panose="02000503000000020003" pitchFamily="2" charset="-79"/>
-            </a:endParaRPr>
-          </a:p>
-        </p:txBody>
-      </p:sp>
-      <p:sp>
-        <p:nvSpPr>
-          <p:cNvPr id="16" name="Textfeld 15">
-            <a:extLst>
-              <a:ext uri="{FF2B5EF4-FFF2-40B4-BE49-F238E27FC236}">
-                <a16:creationId xmlns:a16="http://schemas.microsoft.com/office/drawing/2014/main" id="{F0D1B2F8-9C8B-292F-AA60-FD23A1D1C222}"/>
-              </a:ext>
-            </a:extLst>
-          </p:cNvPr>
-          <p:cNvSpPr txBox="1"/>
-          <p:nvPr/>
-        </p:nvSpPr>
-        <p:spPr>
-          <a:xfrm>
-            <a:off x="6397152" y="2519706"/>
-            <a:ext cx="815340" cy="338554"/>
-          </a:xfrm>
-          <a:prstGeom prst="rect">
-            <a:avLst/>
-          </a:prstGeom>
-          <a:noFill/>
-        </p:spPr>
-        <p:txBody>
-          <a:bodyPr wrap="square" rtlCol="0">
-            <a:spAutoFit/>
-          </a:bodyPr>
-          <a:lstStyle/>
-          <a:p>
-            <a:r>
-              <a:rPr lang="de-DE" sz="1600" dirty="0">
-                <a:latin typeface="LM Roman 10" pitchFamily="2" charset="77"/>
-                <a:cs typeface="Didot" panose="02000503000000020003" pitchFamily="2" charset="-79"/>
-              </a:rPr>
-              <a:t>Wissen</a:t>
-            </a:r>
-            <a:endParaRPr lang="de-DE" dirty="0"/>
-          </a:p>
-        </p:txBody>
-      </p:sp>
-      <p:sp>
-        <p:nvSpPr>
-          <p:cNvPr id="5" name="Textfeld 4">
-            <a:extLst>
-              <a:ext uri="{FF2B5EF4-FFF2-40B4-BE49-F238E27FC236}">
-                <a16:creationId xmlns:a16="http://schemas.microsoft.com/office/drawing/2014/main" id="{D7D3A086-8B9A-E129-C00F-FF907175FB9E}"/>
-              </a:ext>
-            </a:extLst>
-          </p:cNvPr>
-          <p:cNvSpPr txBox="1"/>
-          <p:nvPr/>
-        </p:nvSpPr>
-        <p:spPr>
-          <a:xfrm>
-            <a:off x="2916005" y="4722935"/>
-            <a:ext cx="1317397" cy="369332"/>
-          </a:xfrm>
-          <a:prstGeom prst="rect">
-            <a:avLst/>
-          </a:prstGeom>
-          <a:noFill/>
-        </p:spPr>
-        <p:txBody>
-          <a:bodyPr wrap="square" rtlCol="0">
-            <a:spAutoFit/>
-          </a:bodyPr>
-          <a:lstStyle/>
-          <a:p>
-            <a:r>
-              <a:rPr lang="de-DE" dirty="0">
-                <a:latin typeface="LM Roman 10" pitchFamily="2" charset="77"/>
-                <a:cs typeface="Didot" panose="02000503000000020003" pitchFamily="2" charset="-79"/>
-              </a:rPr>
-              <a:t>Zielsetzung</a:t>
-            </a:r>
-            <a:endParaRPr lang="de-DE" dirty="0"/>
-          </a:p>
-        </p:txBody>
-      </p:sp>
-      <p:cxnSp>
-        <p:nvCxnSpPr>
-          <p:cNvPr id="22" name="Gerade Verbindung 21">
-            <a:extLst>
-              <a:ext uri="{FF2B5EF4-FFF2-40B4-BE49-F238E27FC236}">
-                <a16:creationId xmlns:a16="http://schemas.microsoft.com/office/drawing/2014/main" id="{AD32BFE3-B483-ED55-D7BC-516CD1BA28E4}"/>
-              </a:ext>
-            </a:extLst>
-          </p:cNvPr>
-          <p:cNvCxnSpPr>
-            <a:cxnSpLocks/>
-          </p:cNvCxnSpPr>
-          <p:nvPr/>
-        </p:nvCxnSpPr>
-        <p:spPr>
-          <a:xfrm>
-            <a:off x="5383450" y="2737198"/>
-            <a:ext cx="132901" cy="367283"/>
-          </a:xfrm>
-          <a:prstGeom prst="line">
-            <a:avLst/>
-          </a:prstGeom>
-          <a:ln>
-            <a:solidFill>
-              <a:schemeClr val="dk1"/>
-            </a:solidFill>
-          </a:ln>
-        </p:spPr>
-        <p:style>
-          <a:lnRef idx="2">
-            <a:schemeClr val="dk1"/>
-          </a:lnRef>
-          <a:fillRef idx="0">
-            <a:schemeClr val="dk1"/>
-          </a:fillRef>
-          <a:effectRef idx="1">
-            <a:schemeClr val="dk1"/>
-          </a:effectRef>
-          <a:fontRef idx="minor">
-            <a:schemeClr val="tx1"/>
-          </a:fontRef>
-        </p:style>
-      </p:cxnSp>
-      <p:cxnSp>
-        <p:nvCxnSpPr>
-          <p:cNvPr id="6" name="Gerade Verbindung 5">
-            <a:extLst>
-              <a:ext uri="{FF2B5EF4-FFF2-40B4-BE49-F238E27FC236}">
-                <a16:creationId xmlns:a16="http://schemas.microsoft.com/office/drawing/2014/main" id="{7E53602F-22DE-BC3A-9E47-4DD552842DD9}"/>
-              </a:ext>
-            </a:extLst>
-          </p:cNvPr>
-          <p:cNvCxnSpPr>
-            <a:cxnSpLocks/>
-          </p:cNvCxnSpPr>
-          <p:nvPr/>
-        </p:nvCxnSpPr>
-        <p:spPr>
-          <a:xfrm>
-            <a:off x="5472033" y="2668876"/>
-            <a:ext cx="132901" cy="367283"/>
-          </a:xfrm>
-          <a:prstGeom prst="line">
-            <a:avLst/>
-          </a:prstGeom>
-        </p:spPr>
-        <p:style>
-          <a:lnRef idx="2">
-            <a:schemeClr val="dk1"/>
-          </a:lnRef>
-          <a:fillRef idx="0">
-            <a:schemeClr val="dk1"/>
-          </a:fillRef>
-          <a:effectRef idx="1">
-            <a:schemeClr val="dk1"/>
-          </a:effectRef>
-          <a:fontRef idx="minor">
-            <a:schemeClr val="tx1"/>
-          </a:fontRef>
-        </p:style>
-      </p:cxnSp>
-      <p:cxnSp>
-        <p:nvCxnSpPr>
-          <p:cNvPr id="12" name="Gerade Verbindung 11">
-            <a:extLst>
-              <a:ext uri="{FF2B5EF4-FFF2-40B4-BE49-F238E27FC236}">
-                <a16:creationId xmlns:a16="http://schemas.microsoft.com/office/drawing/2014/main" id="{D757094C-B1C0-CCBD-A9D3-3EEE7A49A4AF}"/>
-              </a:ext>
-            </a:extLst>
-          </p:cNvPr>
-          <p:cNvCxnSpPr>
-            <a:cxnSpLocks/>
-          </p:cNvCxnSpPr>
-          <p:nvPr/>
-        </p:nvCxnSpPr>
-        <p:spPr>
-          <a:xfrm>
-            <a:off x="3753690" y="3875790"/>
-            <a:ext cx="132901" cy="367283"/>
-          </a:xfrm>
-          <a:prstGeom prst="line">
-            <a:avLst/>
-          </a:prstGeom>
-        </p:spPr>
-        <p:style>
-          <a:lnRef idx="2">
-            <a:schemeClr val="dk1"/>
-          </a:lnRef>
-          <a:fillRef idx="0">
-            <a:schemeClr val="dk1"/>
-          </a:fillRef>
-          <a:effectRef idx="1">
-            <a:schemeClr val="dk1"/>
-          </a:effectRef>
-          <a:fontRef idx="minor">
-            <a:schemeClr val="tx1"/>
-          </a:fontRef>
-        </p:style>
-      </p:cxnSp>
-      <p:cxnSp>
-        <p:nvCxnSpPr>
-          <p:cNvPr id="17" name="Gerade Verbindung 16">
-            <a:extLst>
-              <a:ext uri="{FF2B5EF4-FFF2-40B4-BE49-F238E27FC236}">
-                <a16:creationId xmlns:a16="http://schemas.microsoft.com/office/drawing/2014/main" id="{30811905-DBD2-EEEB-32FF-EEE7A4D200FA}"/>
-              </a:ext>
-            </a:extLst>
-          </p:cNvPr>
-          <p:cNvCxnSpPr>
-            <a:cxnSpLocks/>
-          </p:cNvCxnSpPr>
-          <p:nvPr/>
-        </p:nvCxnSpPr>
-        <p:spPr>
-          <a:xfrm>
-            <a:off x="3647005" y="3932328"/>
-            <a:ext cx="132901" cy="367283"/>
-          </a:xfrm>
-          <a:prstGeom prst="line">
-            <a:avLst/>
-          </a:prstGeom>
-        </p:spPr>
-        <p:style>
-          <a:lnRef idx="2">
-            <a:schemeClr val="dk1"/>
-          </a:lnRef>
-          <a:fillRef idx="0">
-            <a:schemeClr val="dk1"/>
-          </a:fillRef>
-          <a:effectRef idx="1">
-            <a:schemeClr val="dk1"/>
-          </a:effectRef>
-          <a:fontRef idx="minor">
-            <a:schemeClr val="tx1"/>
-          </a:fontRef>
-        </p:style>
-      </p:cxnSp>
-      <p:cxnSp>
-        <p:nvCxnSpPr>
-          <p:cNvPr id="24" name="Gerade Verbindung 23">
-            <a:extLst>
-              <a:ext uri="{FF2B5EF4-FFF2-40B4-BE49-F238E27FC236}">
-                <a16:creationId xmlns:a16="http://schemas.microsoft.com/office/drawing/2014/main" id="{AB24F447-4D2E-61C5-39B3-5A02916938BC}"/>
-              </a:ext>
-            </a:extLst>
-          </p:cNvPr>
-          <p:cNvCxnSpPr>
-            <a:cxnSpLocks/>
-          </p:cNvCxnSpPr>
-          <p:nvPr/>
-        </p:nvCxnSpPr>
-        <p:spPr>
-          <a:xfrm>
-            <a:off x="8188899" y="2503229"/>
-            <a:ext cx="132901" cy="367283"/>
-          </a:xfrm>
-          <a:prstGeom prst="line">
-            <a:avLst/>
-          </a:prstGeom>
-          <a:ln>
-            <a:solidFill>
-              <a:schemeClr val="dk1"/>
-            </a:solidFill>
-          </a:ln>
-        </p:spPr>
-        <p:style>
-          <a:lnRef idx="2">
-            <a:schemeClr val="dk1"/>
-          </a:lnRef>
-          <a:fillRef idx="0">
-            <a:schemeClr val="dk1"/>
-          </a:fillRef>
-          <a:effectRef idx="1">
-            <a:schemeClr val="dk1"/>
-          </a:effectRef>
-          <a:fontRef idx="minor">
-            <a:schemeClr val="tx1"/>
-          </a:fontRef>
-        </p:style>
-      </p:cxnSp>
-      <p:cxnSp>
-        <p:nvCxnSpPr>
-          <p:cNvPr id="25" name="Gerade Verbindung 24">
-            <a:extLst>
-              <a:ext uri="{FF2B5EF4-FFF2-40B4-BE49-F238E27FC236}">
-                <a16:creationId xmlns:a16="http://schemas.microsoft.com/office/drawing/2014/main" id="{50D3A56A-E32F-0F41-A095-C8EE30ED7390}"/>
-              </a:ext>
-            </a:extLst>
-          </p:cNvPr>
-          <p:cNvCxnSpPr>
-            <a:cxnSpLocks/>
-          </p:cNvCxnSpPr>
-          <p:nvPr/>
-        </p:nvCxnSpPr>
-        <p:spPr>
-          <a:xfrm>
-            <a:off x="8314854" y="2494346"/>
-            <a:ext cx="132901" cy="367283"/>
-          </a:xfrm>
-          <a:prstGeom prst="line">
-            <a:avLst/>
-          </a:prstGeom>
-          <a:ln>
-            <a:solidFill>
-              <a:schemeClr val="dk1"/>
-            </a:solidFill>
-          </a:ln>
-        </p:spPr>
-        <p:style>
-          <a:lnRef idx="2">
-            <a:schemeClr val="dk1"/>
-          </a:lnRef>
-          <a:fillRef idx="0">
-            <a:schemeClr val="dk1"/>
-          </a:fillRef>
-          <a:effectRef idx="1">
-            <a:schemeClr val="dk1"/>
-          </a:effectRef>
-          <a:fontRef idx="minor">
-            <a:schemeClr val="tx1"/>
-          </a:fontRef>
-        </p:style>
-      </p:cxnSp>
-    </p:spTree>
-    <p:extLst>
-      <p:ext uri="{BB962C8B-B14F-4D97-AF65-F5344CB8AC3E}">
-        <p14:creationId xmlns:p14="http://schemas.microsoft.com/office/powerpoint/2010/main" val="1390107840"/>
-      </p:ext>
-    </p:extLst>
-  </p:cSld>
-  <p:clrMapOvr>
-    <a:masterClrMapping/>
-  </p:clrMapOvr>
-</p:sld>
-</file>
-
-<file path=ppt/slides/slide15.xml><?xml version="1.0" encoding="utf-8"?>
-<p:sld xmlns:a="http://schemas.openxmlformats.org/drawingml/2006/main" xmlns:r="http://schemas.openxmlformats.org/officeDocument/2006/relationships" xmlns:p="http://schemas.openxmlformats.org/presentationml/2006/main" show="0">
-  <p:cSld>
-    <p:spTree>
-      <p:nvGrpSpPr>
-        <p:cNvPr id="1" name=""/>
-        <p:cNvGrpSpPr/>
-        <p:nvPr/>
-      </p:nvGrpSpPr>
-      <p:grpSpPr>
-        <a:xfrm>
-          <a:off x="0" y="0"/>
-          <a:ext cx="0" cy="0"/>
-          <a:chOff x="0" y="0"/>
-          <a:chExt cx="0" cy="0"/>
-        </a:xfrm>
-      </p:grpSpPr>
-      <p:sp>
-        <p:nvSpPr>
-          <p:cNvPr id="4" name="Rectangle: Rounded Corners 3">
-            <a:extLst>
-              <a:ext uri="{FF2B5EF4-FFF2-40B4-BE49-F238E27FC236}">
-                <a16:creationId xmlns:a16="http://schemas.microsoft.com/office/drawing/2014/main" id="{2D443806-1B78-F60A-17BD-3154C6BDE4EA}"/>
-              </a:ext>
-            </a:extLst>
-          </p:cNvPr>
-          <p:cNvSpPr/>
-          <p:nvPr/>
-        </p:nvSpPr>
-        <p:spPr>
-          <a:xfrm>
-            <a:off x="90197" y="500127"/>
-            <a:ext cx="12011608" cy="6559420"/>
-          </a:xfrm>
-          <a:prstGeom prst="roundRect">
-            <a:avLst>
-              <a:gd name="adj" fmla="val 2087"/>
-            </a:avLst>
-          </a:prstGeom>
-          <a:noFill/>
-          <a:ln>
-            <a:solidFill>
-              <a:schemeClr val="tx1"/>
-            </a:solidFill>
-            <a:prstDash val="dash"/>
-            <a:extLst>
-              <a:ext uri="{C807C97D-BFC1-408E-A445-0C87EB9F89A2}">
-                <ask:lineSketchStyleProps xmlns:ask="http://schemas.microsoft.com/office/drawing/2018/sketchyshapes" sd="1219033472">
-                  <a:custGeom>
-                    <a:avLst/>
-                    <a:gdLst>
-                      <a:gd name="connsiteX0" fmla="*/ 0 w 12011608"/>
-                      <a:gd name="connsiteY0" fmla="*/ 1093259 h 6559420"/>
-                      <a:gd name="connsiteX1" fmla="*/ 1093259 w 12011608"/>
-                      <a:gd name="connsiteY1" fmla="*/ 0 h 6559420"/>
-                      <a:gd name="connsiteX2" fmla="*/ 10918349 w 12011608"/>
-                      <a:gd name="connsiteY2" fmla="*/ 0 h 6559420"/>
-                      <a:gd name="connsiteX3" fmla="*/ 12011608 w 12011608"/>
-                      <a:gd name="connsiteY3" fmla="*/ 1093259 h 6559420"/>
-                      <a:gd name="connsiteX4" fmla="*/ 12011608 w 12011608"/>
-                      <a:gd name="connsiteY4" fmla="*/ 5466161 h 6559420"/>
-                      <a:gd name="connsiteX5" fmla="*/ 10918349 w 12011608"/>
-                      <a:gd name="connsiteY5" fmla="*/ 6559420 h 6559420"/>
-                      <a:gd name="connsiteX6" fmla="*/ 1093259 w 12011608"/>
-                      <a:gd name="connsiteY6" fmla="*/ 6559420 h 6559420"/>
-                      <a:gd name="connsiteX7" fmla="*/ 0 w 12011608"/>
-                      <a:gd name="connsiteY7" fmla="*/ 5466161 h 6559420"/>
-                      <a:gd name="connsiteX8" fmla="*/ 0 w 12011608"/>
-                      <a:gd name="connsiteY8" fmla="*/ 1093259 h 6559420"/>
-                    </a:gdLst>
-                    <a:ahLst/>
-                    <a:cxnLst>
-                      <a:cxn ang="0">
-                        <a:pos x="connsiteX0" y="connsiteY0"/>
-                      </a:cxn>
-                      <a:cxn ang="0">
-                        <a:pos x="connsiteX1" y="connsiteY1"/>
-                      </a:cxn>
-                      <a:cxn ang="0">
-                        <a:pos x="connsiteX2" y="connsiteY2"/>
-                      </a:cxn>
-                      <a:cxn ang="0">
-                        <a:pos x="connsiteX3" y="connsiteY3"/>
-                      </a:cxn>
-                      <a:cxn ang="0">
-                        <a:pos x="connsiteX4" y="connsiteY4"/>
-                      </a:cxn>
-                      <a:cxn ang="0">
-                        <a:pos x="connsiteX5" y="connsiteY5"/>
-                      </a:cxn>
-                      <a:cxn ang="0">
-                        <a:pos x="connsiteX6" y="connsiteY6"/>
-                      </a:cxn>
-                      <a:cxn ang="0">
-                        <a:pos x="connsiteX7" y="connsiteY7"/>
-                      </a:cxn>
-                      <a:cxn ang="0">
-                        <a:pos x="connsiteX8" y="connsiteY8"/>
-                      </a:cxn>
-                    </a:cxnLst>
-                    <a:rect l="l" t="t" r="r" b="b"/>
-                    <a:pathLst>
-                      <a:path w="12011608" h="6559420" extrusionOk="0">
-                        <a:moveTo>
-                          <a:pt x="0" y="1093259"/>
-                        </a:moveTo>
-                        <a:cubicBezTo>
-                          <a:pt x="-7845" y="484630"/>
-                          <a:pt x="467865" y="8108"/>
-                          <a:pt x="1093259" y="0"/>
-                        </a:cubicBezTo>
-                        <a:cubicBezTo>
-                          <a:pt x="4384189" y="132882"/>
-                          <a:pt x="7819229" y="-84951"/>
-                          <a:pt x="10918349" y="0"/>
-                        </a:cubicBezTo>
-                        <a:cubicBezTo>
-                          <a:pt x="11473475" y="47523"/>
-                          <a:pt x="11990134" y="608160"/>
-                          <a:pt x="12011608" y="1093259"/>
-                        </a:cubicBezTo>
-                        <a:cubicBezTo>
-                          <a:pt x="12031795" y="2900874"/>
-                          <a:pt x="12164088" y="4134857"/>
-                          <a:pt x="12011608" y="5466161"/>
-                        </a:cubicBezTo>
-                        <a:cubicBezTo>
-                          <a:pt x="12036918" y="6072954"/>
-                          <a:pt x="11571857" y="6457101"/>
-                          <a:pt x="10918349" y="6559420"/>
-                        </a:cubicBezTo>
-                        <a:cubicBezTo>
-                          <a:pt x="9602557" y="6647059"/>
-                          <a:pt x="3354151" y="6486741"/>
-                          <a:pt x="1093259" y="6559420"/>
-                        </a:cubicBezTo>
-                        <a:cubicBezTo>
-                          <a:pt x="482666" y="6494544"/>
-                          <a:pt x="-19749" y="6097396"/>
-                          <a:pt x="0" y="5466161"/>
-                        </a:cubicBezTo>
-                        <a:cubicBezTo>
-                          <a:pt x="-38581" y="3816704"/>
-                          <a:pt x="63341" y="3160269"/>
-                          <a:pt x="0" y="1093259"/>
-                        </a:cubicBezTo>
-                        <a:close/>
-                      </a:path>
-                    </a:pathLst>
-                  </a:custGeom>
-                  <ask:type>
-                    <ask:lineSketchNone/>
-                  </ask:type>
-                </ask:lineSketchStyleProps>
-              </a:ext>
-            </a:extLst>
-          </a:ln>
-        </p:spPr>
-        <p:style>
-          <a:lnRef idx="2">
-            <a:schemeClr val="accent1">
-              <a:shade val="50000"/>
-            </a:schemeClr>
-          </a:lnRef>
-          <a:fillRef idx="1">
-            <a:schemeClr val="accent1"/>
-          </a:fillRef>
-          <a:effectRef idx="0">
-            <a:schemeClr val="accent1"/>
-          </a:effectRef>
-          <a:fontRef idx="minor">
-            <a:schemeClr val="lt1"/>
-          </a:fontRef>
-        </p:style>
-        <p:txBody>
-          <a:bodyPr rtlCol="0" anchor="ctr"/>
-          <a:lstStyle/>
-          <a:p>
-            <a:pPr algn="ctr"/>
-            <a:endParaRPr lang="en-US" dirty="0">
-              <a:latin typeface="LM Roman 10" pitchFamily="2" charset="77"/>
-              <a:cs typeface="Didot" panose="02000503000000020003" pitchFamily="2" charset="-79"/>
-            </a:endParaRPr>
-          </a:p>
-        </p:txBody>
-      </p:sp>
-      <p:sp>
-        <p:nvSpPr>
-          <p:cNvPr id="7" name="Rectangle: Rounded Corners 6">
-            <a:extLst>
-              <a:ext uri="{FF2B5EF4-FFF2-40B4-BE49-F238E27FC236}">
-                <a16:creationId xmlns:a16="http://schemas.microsoft.com/office/drawing/2014/main" id="{7E31F85C-7964-9E7D-59BD-F1D7029E5CEF}"/>
-              </a:ext>
-            </a:extLst>
-          </p:cNvPr>
-          <p:cNvSpPr/>
-          <p:nvPr/>
-        </p:nvSpPr>
-        <p:spPr>
-          <a:xfrm>
-            <a:off x="400881" y="873594"/>
-            <a:ext cx="11390238" cy="5812486"/>
-          </a:xfrm>
-          <a:prstGeom prst="roundRect">
-            <a:avLst>
-              <a:gd name="adj" fmla="val 2087"/>
-            </a:avLst>
-          </a:prstGeom>
-          <a:noFill/>
-          <a:ln>
-            <a:solidFill>
-              <a:schemeClr val="tx1"/>
-            </a:solidFill>
-            <a:prstDash val="dash"/>
-            <a:extLst>
-              <a:ext uri="{C807C97D-BFC1-408E-A445-0C87EB9F89A2}">
-                <ask:lineSketchStyleProps xmlns:ask="http://schemas.microsoft.com/office/drawing/2018/sketchyshapes" sd="1219033472">
-                  <a:custGeom>
-                    <a:avLst/>
-                    <a:gdLst>
-                      <a:gd name="connsiteX0" fmla="*/ 0 w 12011608"/>
-                      <a:gd name="connsiteY0" fmla="*/ 1093259 h 6559420"/>
-                      <a:gd name="connsiteX1" fmla="*/ 1093259 w 12011608"/>
-                      <a:gd name="connsiteY1" fmla="*/ 0 h 6559420"/>
-                      <a:gd name="connsiteX2" fmla="*/ 10918349 w 12011608"/>
-                      <a:gd name="connsiteY2" fmla="*/ 0 h 6559420"/>
-                      <a:gd name="connsiteX3" fmla="*/ 12011608 w 12011608"/>
-                      <a:gd name="connsiteY3" fmla="*/ 1093259 h 6559420"/>
-                      <a:gd name="connsiteX4" fmla="*/ 12011608 w 12011608"/>
-                      <a:gd name="connsiteY4" fmla="*/ 5466161 h 6559420"/>
-                      <a:gd name="connsiteX5" fmla="*/ 10918349 w 12011608"/>
-                      <a:gd name="connsiteY5" fmla="*/ 6559420 h 6559420"/>
-                      <a:gd name="connsiteX6" fmla="*/ 1093259 w 12011608"/>
-                      <a:gd name="connsiteY6" fmla="*/ 6559420 h 6559420"/>
-                      <a:gd name="connsiteX7" fmla="*/ 0 w 12011608"/>
-                      <a:gd name="connsiteY7" fmla="*/ 5466161 h 6559420"/>
-                      <a:gd name="connsiteX8" fmla="*/ 0 w 12011608"/>
-                      <a:gd name="connsiteY8" fmla="*/ 1093259 h 6559420"/>
-                    </a:gdLst>
-                    <a:ahLst/>
-                    <a:cxnLst>
-                      <a:cxn ang="0">
-                        <a:pos x="connsiteX0" y="connsiteY0"/>
-                      </a:cxn>
-                      <a:cxn ang="0">
-                        <a:pos x="connsiteX1" y="connsiteY1"/>
-                      </a:cxn>
-                      <a:cxn ang="0">
-                        <a:pos x="connsiteX2" y="connsiteY2"/>
-                      </a:cxn>
-                      <a:cxn ang="0">
-                        <a:pos x="connsiteX3" y="connsiteY3"/>
-                      </a:cxn>
-                      <a:cxn ang="0">
-                        <a:pos x="connsiteX4" y="connsiteY4"/>
-                      </a:cxn>
-                      <a:cxn ang="0">
-                        <a:pos x="connsiteX5" y="connsiteY5"/>
-                      </a:cxn>
-                      <a:cxn ang="0">
-                        <a:pos x="connsiteX6" y="connsiteY6"/>
-                      </a:cxn>
-                      <a:cxn ang="0">
-                        <a:pos x="connsiteX7" y="connsiteY7"/>
-                      </a:cxn>
-                      <a:cxn ang="0">
-                        <a:pos x="connsiteX8" y="connsiteY8"/>
-                      </a:cxn>
-                    </a:cxnLst>
-                    <a:rect l="l" t="t" r="r" b="b"/>
-                    <a:pathLst>
-                      <a:path w="12011608" h="6559420" extrusionOk="0">
-                        <a:moveTo>
-                          <a:pt x="0" y="1093259"/>
-                        </a:moveTo>
-                        <a:cubicBezTo>
-                          <a:pt x="-7845" y="484630"/>
-                          <a:pt x="467865" y="8108"/>
-                          <a:pt x="1093259" y="0"/>
-                        </a:cubicBezTo>
-                        <a:cubicBezTo>
-                          <a:pt x="4384189" y="132882"/>
-                          <a:pt x="7819229" y="-84951"/>
-                          <a:pt x="10918349" y="0"/>
-                        </a:cubicBezTo>
-                        <a:cubicBezTo>
-                          <a:pt x="11473475" y="47523"/>
-                          <a:pt x="11990134" y="608160"/>
-                          <a:pt x="12011608" y="1093259"/>
-                        </a:cubicBezTo>
-                        <a:cubicBezTo>
-                          <a:pt x="12031795" y="2900874"/>
-                          <a:pt x="12164088" y="4134857"/>
-                          <a:pt x="12011608" y="5466161"/>
-                        </a:cubicBezTo>
-                        <a:cubicBezTo>
-                          <a:pt x="12036918" y="6072954"/>
-                          <a:pt x="11571857" y="6457101"/>
-                          <a:pt x="10918349" y="6559420"/>
-                        </a:cubicBezTo>
-                        <a:cubicBezTo>
-                          <a:pt x="9602557" y="6647059"/>
-                          <a:pt x="3354151" y="6486741"/>
-                          <a:pt x="1093259" y="6559420"/>
-                        </a:cubicBezTo>
-                        <a:cubicBezTo>
-                          <a:pt x="482666" y="6494544"/>
-                          <a:pt x="-19749" y="6097396"/>
-                          <a:pt x="0" y="5466161"/>
-                        </a:cubicBezTo>
-                        <a:cubicBezTo>
-                          <a:pt x="-38581" y="3816704"/>
-                          <a:pt x="63341" y="3160269"/>
-                          <a:pt x="0" y="1093259"/>
-                        </a:cubicBezTo>
-                        <a:close/>
-                      </a:path>
-                    </a:pathLst>
-                  </a:custGeom>
-                  <ask:type>
-                    <ask:lineSketchNone/>
-                  </ask:type>
-                </ask:lineSketchStyleProps>
-              </a:ext>
-            </a:extLst>
-          </a:ln>
-        </p:spPr>
-        <p:style>
-          <a:lnRef idx="2">
-            <a:schemeClr val="accent1">
-              <a:shade val="50000"/>
-            </a:schemeClr>
-          </a:lnRef>
-          <a:fillRef idx="1">
-            <a:schemeClr val="accent1"/>
-          </a:fillRef>
-          <a:effectRef idx="0">
-            <a:schemeClr val="accent1"/>
-          </a:effectRef>
-          <a:fontRef idx="minor">
-            <a:schemeClr val="lt1"/>
-          </a:fontRef>
-        </p:style>
-        <p:txBody>
-          <a:bodyPr rtlCol="0" anchor="ctr"/>
-          <a:lstStyle/>
-          <a:p>
-            <a:pPr algn="ctr"/>
-            <a:endParaRPr lang="en-US" dirty="0">
-              <a:latin typeface="LM Roman 10" pitchFamily="2" charset="77"/>
-              <a:cs typeface="Didot" panose="02000503000000020003" pitchFamily="2" charset="-79"/>
-            </a:endParaRPr>
-          </a:p>
-        </p:txBody>
-      </p:sp>
-      <p:sp>
-        <p:nvSpPr>
-          <p:cNvPr id="8" name="Rectangle: Rounded Corners 7">
-            <a:extLst>
-              <a:ext uri="{FF2B5EF4-FFF2-40B4-BE49-F238E27FC236}">
-                <a16:creationId xmlns:a16="http://schemas.microsoft.com/office/drawing/2014/main" id="{7751CDBA-94D4-E5A6-7DF9-44DFA078906F}"/>
-              </a:ext>
-            </a:extLst>
-          </p:cNvPr>
-          <p:cNvSpPr/>
-          <p:nvPr/>
-        </p:nvSpPr>
-        <p:spPr>
-          <a:xfrm>
-            <a:off x="820633" y="1218049"/>
-            <a:ext cx="7585136" cy="5123576"/>
-          </a:xfrm>
-          <a:prstGeom prst="roundRect">
-            <a:avLst>
-              <a:gd name="adj" fmla="val 2087"/>
-            </a:avLst>
-          </a:prstGeom>
-          <a:noFill/>
-          <a:ln>
-            <a:solidFill>
-              <a:schemeClr val="tx1"/>
-            </a:solidFill>
-            <a:prstDash val="dash"/>
-            <a:extLst>
-              <a:ext uri="{C807C97D-BFC1-408E-A445-0C87EB9F89A2}">
-                <ask:lineSketchStyleProps xmlns:ask="http://schemas.microsoft.com/office/drawing/2018/sketchyshapes" sd="1219033472">
-                  <a:custGeom>
-                    <a:avLst/>
-                    <a:gdLst>
-                      <a:gd name="connsiteX0" fmla="*/ 0 w 12011608"/>
-                      <a:gd name="connsiteY0" fmla="*/ 1093259 h 6559420"/>
-                      <a:gd name="connsiteX1" fmla="*/ 1093259 w 12011608"/>
-                      <a:gd name="connsiteY1" fmla="*/ 0 h 6559420"/>
-                      <a:gd name="connsiteX2" fmla="*/ 10918349 w 12011608"/>
-                      <a:gd name="connsiteY2" fmla="*/ 0 h 6559420"/>
-                      <a:gd name="connsiteX3" fmla="*/ 12011608 w 12011608"/>
-                      <a:gd name="connsiteY3" fmla="*/ 1093259 h 6559420"/>
-                      <a:gd name="connsiteX4" fmla="*/ 12011608 w 12011608"/>
-                      <a:gd name="connsiteY4" fmla="*/ 5466161 h 6559420"/>
-                      <a:gd name="connsiteX5" fmla="*/ 10918349 w 12011608"/>
-                      <a:gd name="connsiteY5" fmla="*/ 6559420 h 6559420"/>
-                      <a:gd name="connsiteX6" fmla="*/ 1093259 w 12011608"/>
-                      <a:gd name="connsiteY6" fmla="*/ 6559420 h 6559420"/>
-                      <a:gd name="connsiteX7" fmla="*/ 0 w 12011608"/>
-                      <a:gd name="connsiteY7" fmla="*/ 5466161 h 6559420"/>
-                      <a:gd name="connsiteX8" fmla="*/ 0 w 12011608"/>
-                      <a:gd name="connsiteY8" fmla="*/ 1093259 h 6559420"/>
-                    </a:gdLst>
-                    <a:ahLst/>
-                    <a:cxnLst>
-                      <a:cxn ang="0">
-                        <a:pos x="connsiteX0" y="connsiteY0"/>
-                      </a:cxn>
-                      <a:cxn ang="0">
-                        <a:pos x="connsiteX1" y="connsiteY1"/>
-                      </a:cxn>
-                      <a:cxn ang="0">
-                        <a:pos x="connsiteX2" y="connsiteY2"/>
-                      </a:cxn>
-                      <a:cxn ang="0">
-                        <a:pos x="connsiteX3" y="connsiteY3"/>
-                      </a:cxn>
-                      <a:cxn ang="0">
-                        <a:pos x="connsiteX4" y="connsiteY4"/>
-                      </a:cxn>
-                      <a:cxn ang="0">
-                        <a:pos x="connsiteX5" y="connsiteY5"/>
-                      </a:cxn>
-                      <a:cxn ang="0">
-                        <a:pos x="connsiteX6" y="connsiteY6"/>
-                      </a:cxn>
-                      <a:cxn ang="0">
-                        <a:pos x="connsiteX7" y="connsiteY7"/>
-                      </a:cxn>
-                      <a:cxn ang="0">
-                        <a:pos x="connsiteX8" y="connsiteY8"/>
-                      </a:cxn>
-                    </a:cxnLst>
-                    <a:rect l="l" t="t" r="r" b="b"/>
-                    <a:pathLst>
-                      <a:path w="12011608" h="6559420" extrusionOk="0">
-                        <a:moveTo>
-                          <a:pt x="0" y="1093259"/>
-                        </a:moveTo>
-                        <a:cubicBezTo>
-                          <a:pt x="-7845" y="484630"/>
-                          <a:pt x="467865" y="8108"/>
-                          <a:pt x="1093259" y="0"/>
-                        </a:cubicBezTo>
-                        <a:cubicBezTo>
-                          <a:pt x="4384189" y="132882"/>
-                          <a:pt x="7819229" y="-84951"/>
-                          <a:pt x="10918349" y="0"/>
-                        </a:cubicBezTo>
-                        <a:cubicBezTo>
-                          <a:pt x="11473475" y="47523"/>
-                          <a:pt x="11990134" y="608160"/>
-                          <a:pt x="12011608" y="1093259"/>
-                        </a:cubicBezTo>
-                        <a:cubicBezTo>
-                          <a:pt x="12031795" y="2900874"/>
-                          <a:pt x="12164088" y="4134857"/>
-                          <a:pt x="12011608" y="5466161"/>
-                        </a:cubicBezTo>
-                        <a:cubicBezTo>
-                          <a:pt x="12036918" y="6072954"/>
-                          <a:pt x="11571857" y="6457101"/>
-                          <a:pt x="10918349" y="6559420"/>
-                        </a:cubicBezTo>
-                        <a:cubicBezTo>
-                          <a:pt x="9602557" y="6647059"/>
-                          <a:pt x="3354151" y="6486741"/>
-                          <a:pt x="1093259" y="6559420"/>
-                        </a:cubicBezTo>
-                        <a:cubicBezTo>
-                          <a:pt x="482666" y="6494544"/>
-                          <a:pt x="-19749" y="6097396"/>
-                          <a:pt x="0" y="5466161"/>
-                        </a:cubicBezTo>
-                        <a:cubicBezTo>
-                          <a:pt x="-38581" y="3816704"/>
-                          <a:pt x="63341" y="3160269"/>
-                          <a:pt x="0" y="1093259"/>
-                        </a:cubicBezTo>
-                        <a:close/>
-                      </a:path>
-                    </a:pathLst>
-                  </a:custGeom>
-                  <ask:type>
-                    <ask:lineSketchNone/>
-                  </ask:type>
-                </ask:lineSketchStyleProps>
-              </a:ext>
-            </a:extLst>
-          </a:ln>
-        </p:spPr>
-        <p:style>
-          <a:lnRef idx="2">
-            <a:schemeClr val="accent1">
-              <a:shade val="50000"/>
-            </a:schemeClr>
-          </a:lnRef>
-          <a:fillRef idx="1">
-            <a:schemeClr val="accent1"/>
-          </a:fillRef>
-          <a:effectRef idx="0">
-            <a:schemeClr val="accent1"/>
-          </a:effectRef>
-          <a:fontRef idx="minor">
-            <a:schemeClr val="lt1"/>
-          </a:fontRef>
-        </p:style>
-        <p:txBody>
-          <a:bodyPr rtlCol="0" anchor="ctr"/>
-          <a:lstStyle/>
-          <a:p>
-            <a:pPr algn="ctr"/>
-            <a:endParaRPr lang="en-US" dirty="0">
-              <a:latin typeface="LM Roman 10" pitchFamily="2" charset="77"/>
-              <a:cs typeface="Didot" panose="02000503000000020003" pitchFamily="2" charset="-79"/>
-            </a:endParaRPr>
-          </a:p>
-        </p:txBody>
-      </p:sp>
-      <p:sp>
-        <p:nvSpPr>
-          <p:cNvPr id="9" name="TextBox 8">
-            <a:extLst>
-              <a:ext uri="{FF2B5EF4-FFF2-40B4-BE49-F238E27FC236}">
-                <a16:creationId xmlns:a16="http://schemas.microsoft.com/office/drawing/2014/main" id="{54F6159C-C000-718D-1CB8-474645C5C703}"/>
-              </a:ext>
-            </a:extLst>
-          </p:cNvPr>
-          <p:cNvSpPr txBox="1"/>
-          <p:nvPr/>
-        </p:nvSpPr>
-        <p:spPr>
-          <a:xfrm>
-            <a:off x="153175" y="504262"/>
-            <a:ext cx="2820003" cy="338554"/>
-          </a:xfrm>
-          <a:prstGeom prst="rect">
-            <a:avLst/>
-          </a:prstGeom>
-          <a:noFill/>
-        </p:spPr>
-        <p:txBody>
-          <a:bodyPr wrap="none" rtlCol="0">
-            <a:spAutoFit/>
-          </a:bodyPr>
-          <a:lstStyle/>
-          <a:p>
-            <a:r>
-              <a:rPr lang="de-DE" sz="1600" dirty="0">
-                <a:latin typeface="LM Roman 10" pitchFamily="2" charset="77"/>
-                <a:cs typeface="Didot" panose="02000503000000020003" pitchFamily="2" charset="-79"/>
-              </a:rPr>
-              <a:t>Charakteristika der Kontexte</a:t>
-            </a:r>
-            <a:endParaRPr lang="en-US" dirty="0">
-              <a:latin typeface="LM Roman 10" pitchFamily="2" charset="77"/>
-              <a:cs typeface="Didot" panose="02000503000000020003" pitchFamily="2" charset="-79"/>
-            </a:endParaRPr>
-          </a:p>
-        </p:txBody>
-      </p:sp>
-      <p:sp>
-        <p:nvSpPr>
-          <p:cNvPr id="10" name="TextBox 9">
-            <a:extLst>
-              <a:ext uri="{FF2B5EF4-FFF2-40B4-BE49-F238E27FC236}">
-                <a16:creationId xmlns:a16="http://schemas.microsoft.com/office/drawing/2014/main" id="{7089942B-64B4-A49D-35FF-C2AF5B72F395}"/>
-              </a:ext>
-            </a:extLst>
-          </p:cNvPr>
-          <p:cNvSpPr txBox="1"/>
-          <p:nvPr/>
-        </p:nvSpPr>
-        <p:spPr>
-          <a:xfrm>
-            <a:off x="400882" y="861156"/>
-            <a:ext cx="2965877" cy="338554"/>
-          </a:xfrm>
-          <a:prstGeom prst="rect">
-            <a:avLst/>
-          </a:prstGeom>
-          <a:noFill/>
-        </p:spPr>
-        <p:txBody>
-          <a:bodyPr wrap="none" rtlCol="0">
-            <a:spAutoFit/>
-          </a:bodyPr>
-          <a:lstStyle/>
-          <a:p>
-            <a:r>
-              <a:rPr lang="de-DE" sz="1600" dirty="0">
-                <a:latin typeface="LM Roman 10" pitchFamily="2" charset="77"/>
-                <a:cs typeface="Didot" panose="02000503000000020003" pitchFamily="2" charset="-79"/>
-              </a:rPr>
-              <a:t>Charakteristika der Nutzenden</a:t>
-            </a:r>
-            <a:endParaRPr lang="en-US" sz="1600" dirty="0">
-              <a:latin typeface="LM Roman 10" pitchFamily="2" charset="77"/>
-              <a:cs typeface="Didot" panose="02000503000000020003" pitchFamily="2" charset="-79"/>
-            </a:endParaRPr>
-          </a:p>
-        </p:txBody>
-      </p:sp>
-      <p:sp>
-        <p:nvSpPr>
-          <p:cNvPr id="11" name="TextBox 10">
-            <a:extLst>
-              <a:ext uri="{FF2B5EF4-FFF2-40B4-BE49-F238E27FC236}">
-                <a16:creationId xmlns:a16="http://schemas.microsoft.com/office/drawing/2014/main" id="{13879C0C-1EBE-1092-85BE-105AC4D194FF}"/>
-              </a:ext>
-            </a:extLst>
-          </p:cNvPr>
-          <p:cNvSpPr txBox="1"/>
-          <p:nvPr/>
-        </p:nvSpPr>
-        <p:spPr>
-          <a:xfrm>
-            <a:off x="820633" y="1230238"/>
-            <a:ext cx="2719014" cy="338554"/>
-          </a:xfrm>
-          <a:prstGeom prst="rect">
-            <a:avLst/>
-          </a:prstGeom>
-          <a:noFill/>
-        </p:spPr>
-        <p:txBody>
-          <a:bodyPr wrap="none" rtlCol="0">
-            <a:spAutoFit/>
-          </a:bodyPr>
-          <a:lstStyle/>
-          <a:p>
-            <a:r>
-              <a:rPr lang="de-DE" sz="1600" dirty="0">
-                <a:latin typeface="LM Roman 10" pitchFamily="2" charset="77"/>
-                <a:cs typeface="Didot" panose="02000503000000020003" pitchFamily="2" charset="-79"/>
-              </a:rPr>
-              <a:t>Charakteristika der Evidenz</a:t>
-            </a:r>
-            <a:endParaRPr lang="en-US" sz="1600" dirty="0">
-              <a:latin typeface="LM Roman 10" pitchFamily="2" charset="77"/>
-              <a:cs typeface="Didot" panose="02000503000000020003" pitchFamily="2" charset="-79"/>
-            </a:endParaRPr>
-          </a:p>
-        </p:txBody>
-      </p:sp>
-      <p:sp>
-        <p:nvSpPr>
-          <p:cNvPr id="13" name="Oval 12">
-            <a:extLst>
-              <a:ext uri="{FF2B5EF4-FFF2-40B4-BE49-F238E27FC236}">
-                <a16:creationId xmlns:a16="http://schemas.microsoft.com/office/drawing/2014/main" id="{1D8693F1-4AF6-B64B-4F0A-B464A18041CC}"/>
-              </a:ext>
-            </a:extLst>
-          </p:cNvPr>
-          <p:cNvSpPr/>
-          <p:nvPr/>
-        </p:nvSpPr>
-        <p:spPr>
-          <a:xfrm>
-            <a:off x="2759362" y="4563146"/>
-            <a:ext cx="1630680" cy="754380"/>
-          </a:xfrm>
-          <a:prstGeom prst="ellipse">
-            <a:avLst/>
-          </a:prstGeom>
-          <a:solidFill>
-            <a:schemeClr val="bg1"/>
-          </a:solidFill>
-          <a:ln>
-            <a:solidFill>
-              <a:schemeClr val="tx1"/>
-            </a:solidFill>
-          </a:ln>
-          <a:effectLst>
-            <a:outerShdw blurRad="50800" dist="38100" dir="2700000" algn="tl" rotWithShape="0">
-              <a:prstClr val="black">
-                <a:alpha val="40000"/>
-              </a:prstClr>
-            </a:outerShdw>
-          </a:effectLst>
-        </p:spPr>
-        <p:style>
-          <a:lnRef idx="2">
-            <a:schemeClr val="accent1">
-              <a:shade val="50000"/>
-            </a:schemeClr>
-          </a:lnRef>
-          <a:fillRef idx="1">
-            <a:schemeClr val="accent1"/>
-          </a:fillRef>
-          <a:effectRef idx="0">
-            <a:schemeClr val="accent1"/>
-          </a:effectRef>
-          <a:fontRef idx="minor">
-            <a:schemeClr val="lt1"/>
-          </a:fontRef>
-        </p:style>
-        <p:txBody>
-          <a:bodyPr rtlCol="0" anchor="ctr"/>
-          <a:lstStyle/>
-          <a:p>
-            <a:pPr algn="ctr"/>
-            <a:r>
-              <a:rPr lang="de-DE" dirty="0">
-                <a:solidFill>
-                  <a:schemeClr val="tx1"/>
-                </a:solidFill>
-                <a:latin typeface="LM Roman 10" pitchFamily="2" charset="77"/>
-                <a:cs typeface="Didot" panose="02000503000000020003" pitchFamily="2" charset="-79"/>
-              </a:rPr>
-              <a:t> </a:t>
-            </a:r>
-            <a:endParaRPr lang="en-US" dirty="0">
-              <a:solidFill>
-                <a:schemeClr val="tx1"/>
-              </a:solidFill>
-              <a:latin typeface="LM Roman 10" pitchFamily="2" charset="77"/>
-              <a:cs typeface="Didot" panose="02000503000000020003" pitchFamily="2" charset="-79"/>
-            </a:endParaRPr>
-          </a:p>
-        </p:txBody>
-      </p:sp>
-      <p:sp>
-        <p:nvSpPr>
-          <p:cNvPr id="14" name="Oval 13">
-            <a:extLst>
-              <a:ext uri="{FF2B5EF4-FFF2-40B4-BE49-F238E27FC236}">
-                <a16:creationId xmlns:a16="http://schemas.microsoft.com/office/drawing/2014/main" id="{2A14B365-C792-8A6C-8E80-FF83C67B5D55}"/>
-              </a:ext>
-            </a:extLst>
-          </p:cNvPr>
-          <p:cNvSpPr/>
-          <p:nvPr/>
-        </p:nvSpPr>
-        <p:spPr>
-          <a:xfrm>
-            <a:off x="4390042" y="3439434"/>
-            <a:ext cx="1630680" cy="754380"/>
-          </a:xfrm>
-          <a:prstGeom prst="ellipse">
-            <a:avLst/>
-          </a:prstGeom>
-          <a:solidFill>
-            <a:schemeClr val="bg1"/>
-          </a:solidFill>
-          <a:ln>
-            <a:solidFill>
-              <a:schemeClr val="tx1"/>
-            </a:solidFill>
-          </a:ln>
-          <a:effectLst>
-            <a:outerShdw blurRad="50800" dist="38100" dir="2700000" algn="tl" rotWithShape="0">
-              <a:prstClr val="black">
-                <a:alpha val="40000"/>
-              </a:prstClr>
-            </a:outerShdw>
-          </a:effectLst>
-        </p:spPr>
-        <p:style>
-          <a:lnRef idx="2">
-            <a:schemeClr val="accent1">
-              <a:shade val="50000"/>
-            </a:schemeClr>
-          </a:lnRef>
-          <a:fillRef idx="1">
-            <a:schemeClr val="accent1"/>
-          </a:fillRef>
-          <a:effectRef idx="0">
-            <a:schemeClr val="accent1"/>
-          </a:effectRef>
-          <a:fontRef idx="minor">
-            <a:schemeClr val="lt1"/>
-          </a:fontRef>
-        </p:style>
-        <p:txBody>
-          <a:bodyPr rtlCol="0" anchor="ctr"/>
-          <a:lstStyle/>
-          <a:p>
-            <a:pPr algn="ctr"/>
-            <a:r>
-              <a:rPr lang="de-DE" sz="1600" dirty="0">
-                <a:solidFill>
-                  <a:schemeClr val="tx1"/>
-                </a:solidFill>
-                <a:latin typeface="LM Roman 10" pitchFamily="2" charset="77"/>
-                <a:cs typeface="Didot" panose="02000503000000020003" pitchFamily="2" charset="-79"/>
-              </a:rPr>
-              <a:t>Evidenz</a:t>
-            </a:r>
-            <a:endParaRPr lang="en-US" dirty="0">
-              <a:solidFill>
-                <a:schemeClr val="tx1"/>
-              </a:solidFill>
-              <a:latin typeface="LM Roman 10" pitchFamily="2" charset="77"/>
-              <a:cs typeface="Didot" panose="02000503000000020003" pitchFamily="2" charset="-79"/>
-            </a:endParaRPr>
-          </a:p>
-        </p:txBody>
-      </p:sp>
-      <p:sp>
-        <p:nvSpPr>
-          <p:cNvPr id="15" name="Oval 14">
-            <a:extLst>
-              <a:ext uri="{FF2B5EF4-FFF2-40B4-BE49-F238E27FC236}">
-                <a16:creationId xmlns:a16="http://schemas.microsoft.com/office/drawing/2014/main" id="{97DAF1C8-8BF6-B122-BD80-962768DA66B4}"/>
-              </a:ext>
-            </a:extLst>
-          </p:cNvPr>
-          <p:cNvSpPr/>
-          <p:nvPr/>
-        </p:nvSpPr>
-        <p:spPr>
-          <a:xfrm>
-            <a:off x="6020722" y="2315722"/>
-            <a:ext cx="1630680" cy="754380"/>
-          </a:xfrm>
-          <a:prstGeom prst="ellipse">
-            <a:avLst/>
-          </a:prstGeom>
-          <a:solidFill>
-            <a:schemeClr val="bg1"/>
-          </a:solidFill>
-          <a:ln>
-            <a:solidFill>
-              <a:schemeClr val="tx1"/>
-            </a:solidFill>
-          </a:ln>
-          <a:effectLst>
-            <a:outerShdw blurRad="50800" dist="38100" dir="2700000" algn="tl" rotWithShape="0">
-              <a:prstClr val="black">
-                <a:alpha val="40000"/>
-              </a:prstClr>
-            </a:outerShdw>
-          </a:effectLst>
-        </p:spPr>
-        <p:style>
-          <a:lnRef idx="2">
-            <a:schemeClr val="accent1">
-              <a:shade val="50000"/>
-            </a:schemeClr>
-          </a:lnRef>
-          <a:fillRef idx="1">
-            <a:schemeClr val="accent1"/>
-          </a:fillRef>
-          <a:effectRef idx="0">
-            <a:schemeClr val="accent1"/>
-          </a:effectRef>
-          <a:fontRef idx="minor">
-            <a:schemeClr val="lt1"/>
-          </a:fontRef>
-        </p:style>
-        <p:txBody>
-          <a:bodyPr rtlCol="0" anchor="ctr"/>
-          <a:lstStyle/>
-          <a:p>
-            <a:pPr algn="ctr"/>
-            <a:endParaRPr lang="en-US" sz="1600" dirty="0">
-              <a:solidFill>
-                <a:schemeClr val="tx1"/>
-              </a:solidFill>
-              <a:latin typeface="LM Roman 10" pitchFamily="2" charset="77"/>
-              <a:cs typeface="Didot" panose="02000503000000020003" pitchFamily="2" charset="-79"/>
-            </a:endParaRPr>
-          </a:p>
-        </p:txBody>
-      </p:sp>
-      <p:cxnSp>
-        <p:nvCxnSpPr>
-          <p:cNvPr id="20" name="Connector: Curved 19">
-            <a:extLst>
-              <a:ext uri="{FF2B5EF4-FFF2-40B4-BE49-F238E27FC236}">
-                <a16:creationId xmlns:a16="http://schemas.microsoft.com/office/drawing/2014/main" id="{9D08A355-1BFF-B13D-EABD-1944CF8A7E31}"/>
-              </a:ext>
-            </a:extLst>
-          </p:cNvPr>
-          <p:cNvCxnSpPr>
-            <a:cxnSpLocks/>
-            <a:stCxn id="13" idx="0"/>
-            <a:endCxn id="14" idx="2"/>
-          </p:cNvCxnSpPr>
-          <p:nvPr/>
-        </p:nvCxnSpPr>
-        <p:spPr>
-          <a:xfrm rot="5400000" flipH="1" flipV="1">
-            <a:off x="3609111" y="3782215"/>
-            <a:ext cx="746522" cy="815340"/>
-          </a:xfrm>
-          <a:prstGeom prst="curvedConnector2">
-            <a:avLst/>
-          </a:prstGeom>
-          <a:ln w="34925">
-            <a:solidFill>
-              <a:schemeClr val="tx1"/>
-            </a:solidFill>
-            <a:tailEnd type="triangle"/>
-          </a:ln>
-        </p:spPr>
-        <p:style>
-          <a:lnRef idx="1">
-            <a:schemeClr val="accent1"/>
-          </a:lnRef>
-          <a:fillRef idx="0">
-            <a:schemeClr val="accent1"/>
-          </a:fillRef>
-          <a:effectRef idx="0">
-            <a:schemeClr val="accent1"/>
-          </a:effectRef>
-          <a:fontRef idx="minor">
-            <a:schemeClr val="tx1"/>
-          </a:fontRef>
-        </p:style>
-      </p:cxnSp>
-      <p:cxnSp>
-        <p:nvCxnSpPr>
-          <p:cNvPr id="23" name="Connector: Curved 22">
-            <a:extLst>
-              <a:ext uri="{FF2B5EF4-FFF2-40B4-BE49-F238E27FC236}">
-                <a16:creationId xmlns:a16="http://schemas.microsoft.com/office/drawing/2014/main" id="{C576A603-F83F-F3F0-AD46-5F1BC4B64A9E}"/>
-              </a:ext>
-            </a:extLst>
-          </p:cNvPr>
-          <p:cNvCxnSpPr>
-            <a:cxnSpLocks/>
-            <a:stCxn id="14" idx="0"/>
-            <a:endCxn id="15" idx="2"/>
-          </p:cNvCxnSpPr>
-          <p:nvPr/>
-        </p:nvCxnSpPr>
-        <p:spPr>
-          <a:xfrm rot="5400000" flipH="1" flipV="1">
-            <a:off x="5239791" y="2658503"/>
-            <a:ext cx="746522" cy="815340"/>
-          </a:xfrm>
-          <a:prstGeom prst="curvedConnector2">
-            <a:avLst/>
-          </a:prstGeom>
-          <a:ln w="34925">
-            <a:solidFill>
-              <a:schemeClr val="tx1"/>
-            </a:solidFill>
-            <a:tailEnd type="triangle"/>
-          </a:ln>
-        </p:spPr>
-        <p:style>
-          <a:lnRef idx="1">
-            <a:schemeClr val="accent1"/>
-          </a:lnRef>
-          <a:fillRef idx="0">
-            <a:schemeClr val="accent1"/>
-          </a:fillRef>
-          <a:effectRef idx="0">
-            <a:schemeClr val="accent1"/>
-          </a:effectRef>
-          <a:fontRef idx="minor">
-            <a:schemeClr val="tx1"/>
-          </a:fontRef>
-        </p:style>
-      </p:cxnSp>
-      <p:sp>
-        <p:nvSpPr>
-          <p:cNvPr id="26" name="Oval 25">
-            <a:extLst>
-              <a:ext uri="{FF2B5EF4-FFF2-40B4-BE49-F238E27FC236}">
-                <a16:creationId xmlns:a16="http://schemas.microsoft.com/office/drawing/2014/main" id="{E3DC8A4E-1508-5E72-013D-97FAFDC90495}"/>
-              </a:ext>
-            </a:extLst>
-          </p:cNvPr>
-          <p:cNvSpPr/>
-          <p:nvPr/>
-        </p:nvSpPr>
-        <p:spPr>
-          <a:xfrm>
-            <a:off x="8944559" y="2311793"/>
-            <a:ext cx="1630680" cy="754380"/>
-          </a:xfrm>
-          <a:prstGeom prst="ellipse">
-            <a:avLst/>
-          </a:prstGeom>
-          <a:solidFill>
-            <a:schemeClr val="bg1"/>
-          </a:solidFill>
-          <a:ln>
-            <a:solidFill>
-              <a:schemeClr val="tx1"/>
-            </a:solidFill>
-          </a:ln>
-          <a:effectLst>
-            <a:outerShdw blurRad="50800" dist="38100" dir="2700000" algn="tl" rotWithShape="0">
-              <a:prstClr val="black">
-                <a:alpha val="40000"/>
-              </a:prstClr>
-            </a:outerShdw>
-          </a:effectLst>
-        </p:spPr>
-        <p:style>
-          <a:lnRef idx="2">
-            <a:schemeClr val="accent1">
-              <a:shade val="50000"/>
-            </a:schemeClr>
-          </a:lnRef>
-          <a:fillRef idx="1">
-            <a:schemeClr val="accent1"/>
-          </a:fillRef>
-          <a:effectRef idx="0">
-            <a:schemeClr val="accent1"/>
-          </a:effectRef>
-          <a:fontRef idx="minor">
-            <a:schemeClr val="lt1"/>
-          </a:fontRef>
-        </p:style>
-        <p:txBody>
-          <a:bodyPr rtlCol="0" anchor="ctr"/>
-          <a:lstStyle/>
-          <a:p>
-            <a:pPr algn="ctr"/>
-            <a:endParaRPr lang="en-US" dirty="0">
-              <a:solidFill>
-                <a:schemeClr val="tx1"/>
-              </a:solidFill>
-              <a:latin typeface="LM Roman 10" pitchFamily="2" charset="77"/>
-              <a:cs typeface="Didot" panose="02000503000000020003" pitchFamily="2" charset="-79"/>
-            </a:endParaRPr>
-          </a:p>
-        </p:txBody>
-      </p:sp>
-      <p:sp>
-        <p:nvSpPr>
-          <p:cNvPr id="27" name="Oval 26">
-            <a:extLst>
-              <a:ext uri="{FF2B5EF4-FFF2-40B4-BE49-F238E27FC236}">
-                <a16:creationId xmlns:a16="http://schemas.microsoft.com/office/drawing/2014/main" id="{72AF60ED-4044-E5E5-F9E9-64C7593F7CC0}"/>
-              </a:ext>
-            </a:extLst>
-          </p:cNvPr>
-          <p:cNvSpPr/>
-          <p:nvPr/>
-        </p:nvSpPr>
-        <p:spPr>
-          <a:xfrm>
-            <a:off x="8944559" y="4563146"/>
-            <a:ext cx="1630680" cy="754380"/>
-          </a:xfrm>
-          <a:prstGeom prst="ellipse">
-            <a:avLst/>
-          </a:prstGeom>
-          <a:solidFill>
-            <a:schemeClr val="bg1"/>
-          </a:solidFill>
-          <a:ln>
-            <a:solidFill>
-              <a:schemeClr val="tx1"/>
-            </a:solidFill>
-          </a:ln>
-          <a:effectLst>
-            <a:outerShdw blurRad="50800" dist="38100" dir="2700000" algn="tl" rotWithShape="0">
-              <a:prstClr val="black">
-                <a:alpha val="40000"/>
-              </a:prstClr>
-            </a:outerShdw>
-          </a:effectLst>
-        </p:spPr>
-        <p:style>
-          <a:lnRef idx="2">
-            <a:schemeClr val="accent1">
-              <a:shade val="50000"/>
-            </a:schemeClr>
-          </a:lnRef>
-          <a:fillRef idx="1">
-            <a:schemeClr val="accent1"/>
-          </a:fillRef>
-          <a:effectRef idx="0">
-            <a:schemeClr val="accent1"/>
-          </a:effectRef>
-          <a:fontRef idx="minor">
-            <a:schemeClr val="lt1"/>
-          </a:fontRef>
-        </p:style>
-        <p:txBody>
-          <a:bodyPr rtlCol="0" anchor="ctr"/>
-          <a:lstStyle/>
-          <a:p>
-            <a:pPr algn="ctr"/>
-            <a:r>
-              <a:rPr lang="de-DE" sz="1600" dirty="0">
-                <a:solidFill>
-                  <a:schemeClr val="tx1"/>
-                </a:solidFill>
-                <a:latin typeface="LM Roman 10" pitchFamily="2" charset="77"/>
-                <a:cs typeface="Didot" panose="02000503000000020003" pitchFamily="2" charset="-79"/>
-              </a:rPr>
-              <a:t>Ergebnisse</a:t>
-            </a:r>
-            <a:endParaRPr lang="en-US" sz="1600" dirty="0">
-              <a:solidFill>
-                <a:schemeClr val="tx1"/>
-              </a:solidFill>
-              <a:latin typeface="LM Roman 10" pitchFamily="2" charset="77"/>
-              <a:cs typeface="Didot" panose="02000503000000020003" pitchFamily="2" charset="-79"/>
-            </a:endParaRPr>
-          </a:p>
-        </p:txBody>
-      </p:sp>
-      <p:cxnSp>
-        <p:nvCxnSpPr>
-          <p:cNvPr id="32" name="Straight Arrow Connector 31">
-            <a:extLst>
-              <a:ext uri="{FF2B5EF4-FFF2-40B4-BE49-F238E27FC236}">
-                <a16:creationId xmlns:a16="http://schemas.microsoft.com/office/drawing/2014/main" id="{166579B7-9EB5-A37B-D7D0-0EEC0B6803AE}"/>
-              </a:ext>
-            </a:extLst>
-          </p:cNvPr>
-          <p:cNvCxnSpPr>
-            <a:cxnSpLocks/>
-            <a:stCxn id="15" idx="6"/>
-            <a:endCxn id="26" idx="2"/>
-          </p:cNvCxnSpPr>
-          <p:nvPr/>
-        </p:nvCxnSpPr>
-        <p:spPr>
-          <a:xfrm flipV="1">
-            <a:off x="7651403" y="2688984"/>
-            <a:ext cx="1293157" cy="3929"/>
-          </a:xfrm>
-          <a:prstGeom prst="straightConnector1">
-            <a:avLst/>
-          </a:prstGeom>
-          <a:ln w="34925">
-            <a:solidFill>
-              <a:schemeClr val="tx1"/>
-            </a:solidFill>
-            <a:tailEnd type="triangle"/>
-          </a:ln>
-        </p:spPr>
-        <p:style>
-          <a:lnRef idx="1">
-            <a:schemeClr val="accent1"/>
-          </a:lnRef>
-          <a:fillRef idx="0">
-            <a:schemeClr val="accent1"/>
-          </a:fillRef>
-          <a:effectRef idx="0">
-            <a:schemeClr val="accent1"/>
-          </a:effectRef>
-          <a:fontRef idx="minor">
-            <a:schemeClr val="tx1"/>
-          </a:fontRef>
-        </p:style>
-      </p:cxnSp>
-      <p:cxnSp>
-        <p:nvCxnSpPr>
-          <p:cNvPr id="34" name="Straight Arrow Connector 33">
-            <a:extLst>
-              <a:ext uri="{FF2B5EF4-FFF2-40B4-BE49-F238E27FC236}">
-                <a16:creationId xmlns:a16="http://schemas.microsoft.com/office/drawing/2014/main" id="{49F8FCE9-625E-3019-9506-DB4366A32AC6}"/>
-              </a:ext>
-            </a:extLst>
-          </p:cNvPr>
-          <p:cNvCxnSpPr>
-            <a:cxnSpLocks/>
-            <a:stCxn id="26" idx="4"/>
-            <a:endCxn id="27" idx="0"/>
-          </p:cNvCxnSpPr>
-          <p:nvPr/>
-        </p:nvCxnSpPr>
-        <p:spPr>
-          <a:xfrm>
-            <a:off x="9759899" y="3066174"/>
-            <a:ext cx="0" cy="1496973"/>
-          </a:xfrm>
-          <a:prstGeom prst="straightConnector1">
-            <a:avLst/>
-          </a:prstGeom>
-          <a:ln w="34925">
-            <a:solidFill>
-              <a:schemeClr val="tx1"/>
-            </a:solidFill>
-            <a:tailEnd type="triangle"/>
-          </a:ln>
-        </p:spPr>
-        <p:style>
-          <a:lnRef idx="1">
-            <a:schemeClr val="accent1"/>
-          </a:lnRef>
-          <a:fillRef idx="0">
-            <a:schemeClr val="accent1"/>
-          </a:fillRef>
-          <a:effectRef idx="0">
-            <a:schemeClr val="accent1"/>
-          </a:effectRef>
-          <a:fontRef idx="minor">
-            <a:schemeClr val="tx1"/>
-          </a:fontRef>
-        </p:style>
-      </p:cxnSp>
-      <p:cxnSp>
-        <p:nvCxnSpPr>
-          <p:cNvPr id="37" name="Straight Arrow Connector 36">
-            <a:extLst>
-              <a:ext uri="{FF2B5EF4-FFF2-40B4-BE49-F238E27FC236}">
-                <a16:creationId xmlns:a16="http://schemas.microsoft.com/office/drawing/2014/main" id="{55715120-9AEF-727F-AF81-D95E0E013E59}"/>
-              </a:ext>
-            </a:extLst>
-          </p:cNvPr>
-          <p:cNvCxnSpPr>
-            <a:cxnSpLocks/>
-            <a:stCxn id="27" idx="2"/>
-            <a:endCxn id="13" idx="6"/>
-          </p:cNvCxnSpPr>
-          <p:nvPr/>
-        </p:nvCxnSpPr>
-        <p:spPr>
-          <a:xfrm flipH="1">
-            <a:off x="4390043" y="4940336"/>
-            <a:ext cx="4554517" cy="0"/>
-          </a:xfrm>
-          <a:prstGeom prst="straightConnector1">
-            <a:avLst/>
-          </a:prstGeom>
-          <a:ln w="34925">
-            <a:solidFill>
-              <a:schemeClr val="tx1"/>
-            </a:solidFill>
-            <a:tailEnd type="triangle"/>
-          </a:ln>
-        </p:spPr>
-        <p:style>
-          <a:lnRef idx="1">
-            <a:schemeClr val="accent1"/>
-          </a:lnRef>
-          <a:fillRef idx="0">
-            <a:schemeClr val="accent1"/>
-          </a:fillRef>
-          <a:effectRef idx="0">
-            <a:schemeClr val="accent1"/>
-          </a:effectRef>
-          <a:fontRef idx="minor">
-            <a:schemeClr val="tx1"/>
-          </a:fontRef>
-        </p:style>
-      </p:cxnSp>
-      <p:cxnSp>
-        <p:nvCxnSpPr>
-          <p:cNvPr id="40" name="Straight Arrow Connector 39">
-            <a:extLst>
-              <a:ext uri="{FF2B5EF4-FFF2-40B4-BE49-F238E27FC236}">
-                <a16:creationId xmlns:a16="http://schemas.microsoft.com/office/drawing/2014/main" id="{877155B9-7D29-7689-96CE-6ACB5D537AB5}"/>
-              </a:ext>
-            </a:extLst>
-          </p:cNvPr>
-          <p:cNvCxnSpPr>
-            <a:cxnSpLocks/>
-            <a:stCxn id="14" idx="4"/>
-          </p:cNvCxnSpPr>
-          <p:nvPr/>
-        </p:nvCxnSpPr>
-        <p:spPr>
-          <a:xfrm>
-            <a:off x="5205382" y="4193814"/>
-            <a:ext cx="0" cy="746522"/>
-          </a:xfrm>
-          <a:prstGeom prst="straightConnector1">
-            <a:avLst/>
-          </a:prstGeom>
-          <a:ln w="34925">
-            <a:solidFill>
-              <a:schemeClr val="tx1"/>
-            </a:solidFill>
-            <a:tailEnd type="triangle"/>
-          </a:ln>
-        </p:spPr>
-        <p:style>
-          <a:lnRef idx="1">
-            <a:schemeClr val="accent1"/>
-          </a:lnRef>
-          <a:fillRef idx="0">
-            <a:schemeClr val="accent1"/>
-          </a:fillRef>
-          <a:effectRef idx="0">
-            <a:schemeClr val="accent1"/>
-          </a:effectRef>
-          <a:fontRef idx="minor">
-            <a:schemeClr val="tx1"/>
-          </a:fontRef>
-        </p:style>
-      </p:cxnSp>
-      <p:cxnSp>
-        <p:nvCxnSpPr>
-          <p:cNvPr id="43" name="Straight Arrow Connector 42">
-            <a:extLst>
-              <a:ext uri="{FF2B5EF4-FFF2-40B4-BE49-F238E27FC236}">
-                <a16:creationId xmlns:a16="http://schemas.microsoft.com/office/drawing/2014/main" id="{009A81FC-5496-1B64-61C2-0AACFC7477CD}"/>
-              </a:ext>
-            </a:extLst>
-          </p:cNvPr>
-          <p:cNvCxnSpPr>
-            <a:cxnSpLocks/>
-            <a:stCxn id="15" idx="4"/>
-          </p:cNvCxnSpPr>
-          <p:nvPr/>
-        </p:nvCxnSpPr>
-        <p:spPr>
-          <a:xfrm>
-            <a:off x="6836062" y="3070102"/>
-            <a:ext cx="0" cy="1870234"/>
-          </a:xfrm>
-          <a:prstGeom prst="straightConnector1">
-            <a:avLst/>
-          </a:prstGeom>
-          <a:ln w="34925">
-            <a:solidFill>
-              <a:schemeClr val="tx1"/>
-            </a:solidFill>
-            <a:tailEnd type="triangle"/>
-          </a:ln>
-        </p:spPr>
-        <p:style>
-          <a:lnRef idx="1">
-            <a:schemeClr val="accent1"/>
-          </a:lnRef>
-          <a:fillRef idx="0">
-            <a:schemeClr val="accent1"/>
-          </a:fillRef>
-          <a:effectRef idx="0">
-            <a:schemeClr val="accent1"/>
-          </a:effectRef>
-          <a:fontRef idx="minor">
-            <a:schemeClr val="tx1"/>
-          </a:fontRef>
-        </p:style>
-      </p:cxnSp>
-      <p:sp>
-        <p:nvSpPr>
-          <p:cNvPr id="50" name="TextBox 49">
-            <a:extLst>
-              <a:ext uri="{FF2B5EF4-FFF2-40B4-BE49-F238E27FC236}">
-                <a16:creationId xmlns:a16="http://schemas.microsoft.com/office/drawing/2014/main" id="{7FD64F8A-ADAA-448E-7F19-BDDBEC30B4D5}"/>
-              </a:ext>
-            </a:extLst>
-          </p:cNvPr>
-          <p:cNvSpPr txBox="1"/>
-          <p:nvPr/>
-        </p:nvSpPr>
-        <p:spPr>
-          <a:xfrm>
-            <a:off x="8982929" y="2238068"/>
-            <a:ext cx="1553940" cy="854080"/>
-          </a:xfrm>
-          <a:prstGeom prst="rect">
-            <a:avLst/>
-          </a:prstGeom>
-          <a:noFill/>
-        </p:spPr>
-        <p:txBody>
-          <a:bodyPr wrap="square" rtlCol="0">
-            <a:spAutoFit/>
-          </a:bodyPr>
-          <a:lstStyle/>
-          <a:p>
-            <a:pPr algn="ctr"/>
-            <a:r>
-              <a:rPr lang="de-DE" sz="1600" dirty="0">
-                <a:latin typeface="LM Roman 10" pitchFamily="2" charset="77"/>
-                <a:cs typeface="Didot" panose="02000503000000020003" pitchFamily="2" charset="-79"/>
-              </a:rPr>
-              <a:t>Nutzung</a:t>
-            </a:r>
-            <a:endParaRPr lang="de-DE" sz="2000" dirty="0">
-              <a:latin typeface="LM Roman 10" pitchFamily="2" charset="77"/>
-              <a:cs typeface="Didot" panose="02000503000000020003" pitchFamily="2" charset="-79"/>
-            </a:endParaRPr>
-          </a:p>
-          <a:p>
-            <a:pPr algn="ctr"/>
-            <a:r>
-              <a:rPr lang="de-DE" sz="1100" dirty="0">
-                <a:latin typeface="LM Roman 10" pitchFamily="2" charset="77"/>
-                <a:cs typeface="Didot" panose="02000503000000020003" pitchFamily="2" charset="-79"/>
-              </a:rPr>
-              <a:t>instrumentell/</a:t>
-            </a:r>
-          </a:p>
-          <a:p>
-            <a:pPr algn="ctr"/>
-            <a:r>
-              <a:rPr lang="de-DE" sz="1100" dirty="0">
-                <a:latin typeface="LM Roman 10" pitchFamily="2" charset="77"/>
-                <a:cs typeface="Didot" panose="02000503000000020003" pitchFamily="2" charset="-79"/>
-              </a:rPr>
-              <a:t>konzeptuell/</a:t>
-            </a:r>
-          </a:p>
-          <a:p>
-            <a:pPr algn="ctr"/>
-            <a:r>
-              <a:rPr lang="de-DE" sz="1100" dirty="0">
-                <a:latin typeface="LM Roman 10" pitchFamily="2" charset="77"/>
-                <a:cs typeface="Didot" panose="02000503000000020003" pitchFamily="2" charset="-79"/>
-              </a:rPr>
-              <a:t>symbolisch</a:t>
-            </a:r>
-            <a:endParaRPr lang="en-US" sz="1100" dirty="0">
-              <a:latin typeface="LM Roman 10" pitchFamily="2" charset="77"/>
-              <a:cs typeface="Didot" panose="02000503000000020003" pitchFamily="2" charset="-79"/>
-            </a:endParaRPr>
-          </a:p>
-        </p:txBody>
-      </p:sp>
-      <p:sp>
-        <p:nvSpPr>
-          <p:cNvPr id="53" name="TextBox 52">
-            <a:extLst>
-              <a:ext uri="{FF2B5EF4-FFF2-40B4-BE49-F238E27FC236}">
-                <a16:creationId xmlns:a16="http://schemas.microsoft.com/office/drawing/2014/main" id="{029917AF-EE12-5D28-5562-0A98D90EB631}"/>
-              </a:ext>
-            </a:extLst>
-          </p:cNvPr>
-          <p:cNvSpPr txBox="1"/>
-          <p:nvPr/>
-        </p:nvSpPr>
-        <p:spPr>
-          <a:xfrm>
-            <a:off x="1822034" y="4146382"/>
-            <a:ext cx="1667307" cy="307777"/>
-          </a:xfrm>
-          <a:prstGeom prst="rect">
-            <a:avLst/>
-          </a:prstGeom>
-          <a:solidFill>
-            <a:schemeClr val="bg1"/>
-          </a:solidFill>
-        </p:spPr>
-        <p:txBody>
-          <a:bodyPr wrap="square" rtlCol="0">
-            <a:spAutoFit/>
-          </a:bodyPr>
-          <a:lstStyle/>
-          <a:p>
-            <a:r>
-              <a:rPr lang="de-DE" sz="1400" dirty="0">
-                <a:latin typeface="LM Roman 10" pitchFamily="2" charset="77"/>
-                <a:cs typeface="Didot" panose="02000503000000020003" pitchFamily="2" charset="-79"/>
-              </a:rPr>
-              <a:t>2) Zugriffsphase</a:t>
-            </a:r>
-            <a:endParaRPr lang="en-US" sz="1400" dirty="0">
-              <a:latin typeface="LM Roman 10" pitchFamily="2" charset="77"/>
-              <a:cs typeface="Didot" panose="02000503000000020003" pitchFamily="2" charset="-79"/>
-            </a:endParaRPr>
-          </a:p>
-        </p:txBody>
-      </p:sp>
-      <p:sp>
-        <p:nvSpPr>
-          <p:cNvPr id="54" name="TextBox 53">
-            <a:extLst>
-              <a:ext uri="{FF2B5EF4-FFF2-40B4-BE49-F238E27FC236}">
-                <a16:creationId xmlns:a16="http://schemas.microsoft.com/office/drawing/2014/main" id="{F4BF1643-F037-D0A5-7CD6-FB9BDE02E33D}"/>
-              </a:ext>
-            </a:extLst>
-          </p:cNvPr>
-          <p:cNvSpPr txBox="1"/>
-          <p:nvPr/>
-        </p:nvSpPr>
-        <p:spPr>
-          <a:xfrm>
-            <a:off x="3060414" y="2704372"/>
-            <a:ext cx="2211702" cy="307777"/>
-          </a:xfrm>
-          <a:prstGeom prst="rect">
-            <a:avLst/>
-          </a:prstGeom>
-          <a:solidFill>
-            <a:schemeClr val="bg1"/>
-          </a:solidFill>
-        </p:spPr>
-        <p:txBody>
-          <a:bodyPr wrap="square" rtlCol="0">
-            <a:spAutoFit/>
-          </a:bodyPr>
-          <a:lstStyle/>
-          <a:p>
-            <a:r>
-              <a:rPr lang="de-DE" sz="1400" dirty="0">
-                <a:latin typeface="LM Roman 10" pitchFamily="2" charset="77"/>
-                <a:cs typeface="Didot" panose="02000503000000020003" pitchFamily="2" charset="-79"/>
-              </a:rPr>
-              <a:t>3) Schlussfolgerungsphase</a:t>
-            </a:r>
-            <a:endParaRPr lang="en-US" sz="1400" dirty="0">
-              <a:latin typeface="LM Roman 10" pitchFamily="2" charset="77"/>
-              <a:cs typeface="Didot" panose="02000503000000020003" pitchFamily="2" charset="-79"/>
-            </a:endParaRPr>
-          </a:p>
-        </p:txBody>
-      </p:sp>
-      <p:sp>
-        <p:nvSpPr>
-          <p:cNvPr id="55" name="TextBox 54">
-            <a:extLst>
-              <a:ext uri="{FF2B5EF4-FFF2-40B4-BE49-F238E27FC236}">
-                <a16:creationId xmlns:a16="http://schemas.microsoft.com/office/drawing/2014/main" id="{826285A5-86AB-FFF9-F41D-E2FDA68CD35F}"/>
-              </a:ext>
-            </a:extLst>
-          </p:cNvPr>
-          <p:cNvSpPr txBox="1"/>
-          <p:nvPr/>
-        </p:nvSpPr>
-        <p:spPr>
-          <a:xfrm>
-            <a:off x="9949111" y="3672231"/>
-            <a:ext cx="1761541" cy="307777"/>
-          </a:xfrm>
-          <a:prstGeom prst="rect">
-            <a:avLst/>
-          </a:prstGeom>
-          <a:solidFill>
-            <a:schemeClr val="bg1"/>
-          </a:solidFill>
-        </p:spPr>
-        <p:txBody>
-          <a:bodyPr wrap="square" rtlCol="0">
-            <a:spAutoFit/>
-          </a:bodyPr>
-          <a:lstStyle/>
-          <a:p>
-            <a:r>
-              <a:rPr lang="de-DE" sz="1400" dirty="0">
-                <a:latin typeface="LM Roman 10" pitchFamily="2" charset="77"/>
-                <a:cs typeface="Didot" panose="02000503000000020003" pitchFamily="2" charset="-79"/>
-              </a:rPr>
-              <a:t>5) Evaluationsphase</a:t>
-            </a:r>
-            <a:endParaRPr lang="en-US" sz="1400" dirty="0">
-              <a:latin typeface="LM Roman 10" pitchFamily="2" charset="77"/>
-              <a:cs typeface="Didot" panose="02000503000000020003" pitchFamily="2" charset="-79"/>
-            </a:endParaRPr>
-          </a:p>
-        </p:txBody>
-      </p:sp>
-      <p:sp>
-        <p:nvSpPr>
-          <p:cNvPr id="56" name="TextBox 55">
-            <a:extLst>
-              <a:ext uri="{FF2B5EF4-FFF2-40B4-BE49-F238E27FC236}">
-                <a16:creationId xmlns:a16="http://schemas.microsoft.com/office/drawing/2014/main" id="{E1454FA1-25A8-7B63-A728-B46473330DD8}"/>
-              </a:ext>
-            </a:extLst>
-          </p:cNvPr>
-          <p:cNvSpPr txBox="1"/>
-          <p:nvPr/>
-        </p:nvSpPr>
-        <p:spPr>
-          <a:xfrm>
-            <a:off x="8092594" y="1199711"/>
-            <a:ext cx="615553" cy="1376839"/>
-          </a:xfrm>
-          <a:prstGeom prst="rect">
-            <a:avLst/>
-          </a:prstGeom>
-          <a:solidFill>
-            <a:schemeClr val="bg1"/>
-          </a:solidFill>
-        </p:spPr>
-        <p:txBody>
-          <a:bodyPr vert="vert270" wrap="square" rtlCol="0">
-            <a:spAutoFit/>
-          </a:bodyPr>
-          <a:lstStyle/>
-          <a:p>
-            <a:r>
-              <a:rPr lang="de-DE" sz="1400" dirty="0">
-                <a:latin typeface="LM Roman 10" pitchFamily="2" charset="77"/>
-                <a:cs typeface="Didot" panose="02000503000000020003" pitchFamily="2" charset="-79"/>
-              </a:rPr>
-              <a:t>4) Anwendungs-</a:t>
-            </a:r>
-          </a:p>
-          <a:p>
-            <a:r>
-              <a:rPr lang="de-DE" sz="1400" dirty="0" err="1">
-                <a:latin typeface="LM Roman 10" pitchFamily="2" charset="77"/>
-                <a:cs typeface="Didot" panose="02000503000000020003" pitchFamily="2" charset="-79"/>
-              </a:rPr>
-              <a:t>phase</a:t>
-            </a:r>
-            <a:endParaRPr lang="en-US" sz="1400" dirty="0">
-              <a:latin typeface="LM Roman 10" pitchFamily="2" charset="77"/>
-              <a:cs typeface="Didot" panose="02000503000000020003" pitchFamily="2" charset="-79"/>
-            </a:endParaRPr>
-          </a:p>
-        </p:txBody>
-      </p:sp>
-      <p:cxnSp>
-        <p:nvCxnSpPr>
-          <p:cNvPr id="2" name="Connector: Curved 19">
-            <a:extLst>
-              <a:ext uri="{FF2B5EF4-FFF2-40B4-BE49-F238E27FC236}">
-                <a16:creationId xmlns:a16="http://schemas.microsoft.com/office/drawing/2014/main" id="{79AD504F-1947-BB8D-D92A-C6FFAA276207}"/>
-              </a:ext>
-            </a:extLst>
-          </p:cNvPr>
-          <p:cNvCxnSpPr>
-            <a:cxnSpLocks/>
-          </p:cNvCxnSpPr>
-          <p:nvPr/>
-        </p:nvCxnSpPr>
-        <p:spPr>
-          <a:xfrm rot="5400000" flipH="1" flipV="1">
-            <a:off x="1963885" y="4905927"/>
-            <a:ext cx="746522" cy="815340"/>
-          </a:xfrm>
-          <a:prstGeom prst="curvedConnector2">
-            <a:avLst/>
-          </a:prstGeom>
-          <a:ln w="34925">
-            <a:solidFill>
-              <a:schemeClr val="tx1"/>
-            </a:solidFill>
-            <a:tailEnd type="triangle"/>
-          </a:ln>
-        </p:spPr>
-        <p:style>
-          <a:lnRef idx="1">
-            <a:schemeClr val="accent1"/>
-          </a:lnRef>
-          <a:fillRef idx="0">
-            <a:schemeClr val="accent1"/>
-          </a:fillRef>
-          <a:effectRef idx="0">
-            <a:schemeClr val="accent1"/>
-          </a:effectRef>
-          <a:fontRef idx="minor">
-            <a:schemeClr val="tx1"/>
-          </a:fontRef>
-        </p:style>
-      </p:cxnSp>
-      <p:sp>
-        <p:nvSpPr>
-          <p:cNvPr id="3" name="TextBox 52">
-            <a:extLst>
-              <a:ext uri="{FF2B5EF4-FFF2-40B4-BE49-F238E27FC236}">
-                <a16:creationId xmlns:a16="http://schemas.microsoft.com/office/drawing/2014/main" id="{D5A8C5B0-BC37-0A64-9412-8C506A465311}"/>
-              </a:ext>
-            </a:extLst>
-          </p:cNvPr>
-          <p:cNvSpPr txBox="1"/>
-          <p:nvPr/>
-        </p:nvSpPr>
-        <p:spPr>
-          <a:xfrm>
-            <a:off x="1072543" y="5677641"/>
-            <a:ext cx="2110495" cy="307777"/>
-          </a:xfrm>
-          <a:prstGeom prst="rect">
-            <a:avLst/>
-          </a:prstGeom>
-          <a:solidFill>
-            <a:schemeClr val="bg1"/>
-          </a:solidFill>
-        </p:spPr>
-        <p:txBody>
-          <a:bodyPr wrap="square" rtlCol="0">
-            <a:spAutoFit/>
-          </a:bodyPr>
-          <a:lstStyle/>
-          <a:p>
-            <a:r>
-              <a:rPr lang="de-DE" sz="1400" dirty="0">
-                <a:latin typeface="LM Roman 10" pitchFamily="2" charset="77"/>
-                <a:cs typeface="Didot" panose="02000503000000020003" pitchFamily="2" charset="-79"/>
-              </a:rPr>
-              <a:t>1) Konzeptuelle Phase</a:t>
-            </a:r>
-            <a:endParaRPr lang="en-US" sz="1400" dirty="0">
-              <a:latin typeface="LM Roman 10" pitchFamily="2" charset="77"/>
-              <a:cs typeface="Didot" panose="02000503000000020003" pitchFamily="2" charset="-79"/>
-            </a:endParaRPr>
-          </a:p>
-        </p:txBody>
-      </p:sp>
-      <p:sp>
-        <p:nvSpPr>
-          <p:cNvPr id="16" name="Textfeld 15">
-            <a:extLst>
-              <a:ext uri="{FF2B5EF4-FFF2-40B4-BE49-F238E27FC236}">
-                <a16:creationId xmlns:a16="http://schemas.microsoft.com/office/drawing/2014/main" id="{F0D1B2F8-9C8B-292F-AA60-FD23A1D1C222}"/>
-              </a:ext>
-            </a:extLst>
-          </p:cNvPr>
-          <p:cNvSpPr txBox="1"/>
-          <p:nvPr/>
-        </p:nvSpPr>
-        <p:spPr>
-          <a:xfrm>
-            <a:off x="6397152" y="2519706"/>
-            <a:ext cx="815340" cy="338554"/>
-          </a:xfrm>
-          <a:prstGeom prst="rect">
-            <a:avLst/>
-          </a:prstGeom>
-          <a:noFill/>
-        </p:spPr>
-        <p:txBody>
-          <a:bodyPr wrap="square" rtlCol="0">
-            <a:spAutoFit/>
-          </a:bodyPr>
-          <a:lstStyle/>
-          <a:p>
-            <a:r>
-              <a:rPr lang="de-DE" sz="1600" dirty="0">
-                <a:latin typeface="LM Roman 10" pitchFamily="2" charset="77"/>
-                <a:cs typeface="Didot" panose="02000503000000020003" pitchFamily="2" charset="-79"/>
-              </a:rPr>
-              <a:t>Wissen</a:t>
-            </a:r>
-            <a:endParaRPr lang="de-DE" dirty="0"/>
-          </a:p>
-        </p:txBody>
-      </p:sp>
-      <p:sp>
-        <p:nvSpPr>
-          <p:cNvPr id="5" name="Textfeld 4">
-            <a:extLst>
-              <a:ext uri="{FF2B5EF4-FFF2-40B4-BE49-F238E27FC236}">
-                <a16:creationId xmlns:a16="http://schemas.microsoft.com/office/drawing/2014/main" id="{D7D3A086-8B9A-E129-C00F-FF907175FB9E}"/>
-              </a:ext>
-            </a:extLst>
-          </p:cNvPr>
-          <p:cNvSpPr txBox="1"/>
-          <p:nvPr/>
-        </p:nvSpPr>
-        <p:spPr>
-          <a:xfrm>
-            <a:off x="2916005" y="4722935"/>
-            <a:ext cx="1317397" cy="369332"/>
-          </a:xfrm>
-          <a:prstGeom prst="rect">
-            <a:avLst/>
-          </a:prstGeom>
-          <a:noFill/>
-        </p:spPr>
-        <p:txBody>
-          <a:bodyPr wrap="square" rtlCol="0">
-            <a:spAutoFit/>
-          </a:bodyPr>
-          <a:lstStyle/>
-          <a:p>
-            <a:r>
-              <a:rPr lang="de-DE" dirty="0">
-                <a:latin typeface="LM Roman 10" pitchFamily="2" charset="77"/>
-                <a:cs typeface="Didot" panose="02000503000000020003" pitchFamily="2" charset="-79"/>
-              </a:rPr>
-              <a:t>Zielsetzung</a:t>
-            </a:r>
-            <a:endParaRPr lang="de-DE" dirty="0"/>
-          </a:p>
-        </p:txBody>
-      </p:sp>
-      <p:cxnSp>
-        <p:nvCxnSpPr>
-          <p:cNvPr id="22" name="Gerade Verbindung 21">
-            <a:extLst>
-              <a:ext uri="{FF2B5EF4-FFF2-40B4-BE49-F238E27FC236}">
-                <a16:creationId xmlns:a16="http://schemas.microsoft.com/office/drawing/2014/main" id="{AD32BFE3-B483-ED55-D7BC-516CD1BA28E4}"/>
-              </a:ext>
-            </a:extLst>
-          </p:cNvPr>
-          <p:cNvCxnSpPr>
-            <a:cxnSpLocks/>
-          </p:cNvCxnSpPr>
-          <p:nvPr/>
-        </p:nvCxnSpPr>
-        <p:spPr>
-          <a:xfrm>
-            <a:off x="5383450" y="2737198"/>
-            <a:ext cx="132901" cy="367283"/>
-          </a:xfrm>
-          <a:prstGeom prst="line">
-            <a:avLst/>
-          </a:prstGeom>
-          <a:ln>
-            <a:solidFill>
-              <a:schemeClr val="dk1"/>
-            </a:solidFill>
-          </a:ln>
-        </p:spPr>
-        <p:style>
-          <a:lnRef idx="2">
-            <a:schemeClr val="dk1"/>
-          </a:lnRef>
-          <a:fillRef idx="0">
-            <a:schemeClr val="dk1"/>
-          </a:fillRef>
-          <a:effectRef idx="1">
-            <a:schemeClr val="dk1"/>
-          </a:effectRef>
-          <a:fontRef idx="minor">
-            <a:schemeClr val="tx1"/>
-          </a:fontRef>
-        </p:style>
-      </p:cxnSp>
-      <p:cxnSp>
-        <p:nvCxnSpPr>
-          <p:cNvPr id="31" name="Gerade Verbindung 30">
-            <a:extLst>
-              <a:ext uri="{FF2B5EF4-FFF2-40B4-BE49-F238E27FC236}">
-                <a16:creationId xmlns:a16="http://schemas.microsoft.com/office/drawing/2014/main" id="{A41BFBB7-84B9-ECB5-59AC-62C39ADFD6D1}"/>
-              </a:ext>
-            </a:extLst>
-          </p:cNvPr>
-          <p:cNvCxnSpPr>
-            <a:cxnSpLocks/>
-          </p:cNvCxnSpPr>
-          <p:nvPr/>
-        </p:nvCxnSpPr>
-        <p:spPr>
-          <a:xfrm>
-            <a:off x="5472033" y="2668876"/>
-            <a:ext cx="132901" cy="367283"/>
-          </a:xfrm>
-          <a:prstGeom prst="line">
-            <a:avLst/>
-          </a:prstGeom>
-        </p:spPr>
-        <p:style>
-          <a:lnRef idx="2">
-            <a:schemeClr val="dk1"/>
-          </a:lnRef>
-          <a:fillRef idx="0">
-            <a:schemeClr val="dk1"/>
-          </a:fillRef>
-          <a:effectRef idx="1">
-            <a:schemeClr val="dk1"/>
-          </a:effectRef>
-          <a:fontRef idx="minor">
-            <a:schemeClr val="tx1"/>
-          </a:fontRef>
-        </p:style>
-      </p:cxnSp>
-    </p:spTree>
-    <p:extLst>
-      <p:ext uri="{BB962C8B-B14F-4D97-AF65-F5344CB8AC3E}">
-        <p14:creationId xmlns:p14="http://schemas.microsoft.com/office/powerpoint/2010/main" val="2491439561"/>
-      </p:ext>
-    </p:extLst>
-  </p:cSld>
-  <p:clrMapOvr>
-    <a:masterClrMapping/>
-  </p:clrMapOvr>
-</p:sld>
-</file>
-
-<file path=ppt/slides/slide16.xml><?xml version="1.0" encoding="utf-8"?>
-<p:sld xmlns:a="http://schemas.openxmlformats.org/drawingml/2006/main" xmlns:r="http://schemas.openxmlformats.org/officeDocument/2006/relationships" xmlns:p="http://schemas.openxmlformats.org/presentationml/2006/main" show="0">
-  <p:cSld>
-    <p:spTree>
-      <p:nvGrpSpPr>
-        <p:cNvPr id="1" name=""/>
-        <p:cNvGrpSpPr/>
-        <p:nvPr/>
-      </p:nvGrpSpPr>
-      <p:grpSpPr>
-        <a:xfrm>
-          <a:off x="0" y="0"/>
-          <a:ext cx="0" cy="0"/>
-          <a:chOff x="0" y="0"/>
-          <a:chExt cx="0" cy="0"/>
-        </a:xfrm>
-      </p:grpSpPr>
-      <p:sp>
-        <p:nvSpPr>
-          <p:cNvPr id="4" name="Rectangle: Rounded Corners 3">
-            <a:extLst>
-              <a:ext uri="{FF2B5EF4-FFF2-40B4-BE49-F238E27FC236}">
-                <a16:creationId xmlns:a16="http://schemas.microsoft.com/office/drawing/2014/main" id="{2D443806-1B78-F60A-17BD-3154C6BDE4EA}"/>
-              </a:ext>
-            </a:extLst>
-          </p:cNvPr>
-          <p:cNvSpPr/>
-          <p:nvPr/>
-        </p:nvSpPr>
-        <p:spPr>
-          <a:xfrm>
-            <a:off x="90197" y="500127"/>
-            <a:ext cx="12011608" cy="6559420"/>
-          </a:xfrm>
-          <a:prstGeom prst="roundRect">
-            <a:avLst>
-              <a:gd name="adj" fmla="val 2087"/>
-            </a:avLst>
-          </a:prstGeom>
-          <a:noFill/>
-          <a:ln>
-            <a:solidFill>
-              <a:schemeClr val="tx1"/>
-            </a:solidFill>
-            <a:prstDash val="dash"/>
-            <a:extLst>
-              <a:ext uri="{C807C97D-BFC1-408E-A445-0C87EB9F89A2}">
-                <ask:lineSketchStyleProps xmlns:ask="http://schemas.microsoft.com/office/drawing/2018/sketchyshapes" sd="1219033472">
-                  <a:custGeom>
-                    <a:avLst/>
-                    <a:gdLst>
-                      <a:gd name="connsiteX0" fmla="*/ 0 w 12011608"/>
-                      <a:gd name="connsiteY0" fmla="*/ 1093259 h 6559420"/>
-                      <a:gd name="connsiteX1" fmla="*/ 1093259 w 12011608"/>
-                      <a:gd name="connsiteY1" fmla="*/ 0 h 6559420"/>
-                      <a:gd name="connsiteX2" fmla="*/ 10918349 w 12011608"/>
-                      <a:gd name="connsiteY2" fmla="*/ 0 h 6559420"/>
-                      <a:gd name="connsiteX3" fmla="*/ 12011608 w 12011608"/>
-                      <a:gd name="connsiteY3" fmla="*/ 1093259 h 6559420"/>
-                      <a:gd name="connsiteX4" fmla="*/ 12011608 w 12011608"/>
-                      <a:gd name="connsiteY4" fmla="*/ 5466161 h 6559420"/>
-                      <a:gd name="connsiteX5" fmla="*/ 10918349 w 12011608"/>
-                      <a:gd name="connsiteY5" fmla="*/ 6559420 h 6559420"/>
-                      <a:gd name="connsiteX6" fmla="*/ 1093259 w 12011608"/>
-                      <a:gd name="connsiteY6" fmla="*/ 6559420 h 6559420"/>
-                      <a:gd name="connsiteX7" fmla="*/ 0 w 12011608"/>
-                      <a:gd name="connsiteY7" fmla="*/ 5466161 h 6559420"/>
-                      <a:gd name="connsiteX8" fmla="*/ 0 w 12011608"/>
-                      <a:gd name="connsiteY8" fmla="*/ 1093259 h 6559420"/>
-                    </a:gdLst>
-                    <a:ahLst/>
-                    <a:cxnLst>
-                      <a:cxn ang="0">
-                        <a:pos x="connsiteX0" y="connsiteY0"/>
-                      </a:cxn>
-                      <a:cxn ang="0">
-                        <a:pos x="connsiteX1" y="connsiteY1"/>
-                      </a:cxn>
-                      <a:cxn ang="0">
-                        <a:pos x="connsiteX2" y="connsiteY2"/>
-                      </a:cxn>
-                      <a:cxn ang="0">
-                        <a:pos x="connsiteX3" y="connsiteY3"/>
-                      </a:cxn>
-                      <a:cxn ang="0">
-                        <a:pos x="connsiteX4" y="connsiteY4"/>
-                      </a:cxn>
-                      <a:cxn ang="0">
-                        <a:pos x="connsiteX5" y="connsiteY5"/>
-                      </a:cxn>
-                      <a:cxn ang="0">
-                        <a:pos x="connsiteX6" y="connsiteY6"/>
-                      </a:cxn>
-                      <a:cxn ang="0">
-                        <a:pos x="connsiteX7" y="connsiteY7"/>
-                      </a:cxn>
-                      <a:cxn ang="0">
-                        <a:pos x="connsiteX8" y="connsiteY8"/>
-                      </a:cxn>
-                    </a:cxnLst>
-                    <a:rect l="l" t="t" r="r" b="b"/>
-                    <a:pathLst>
-                      <a:path w="12011608" h="6559420" extrusionOk="0">
-                        <a:moveTo>
-                          <a:pt x="0" y="1093259"/>
-                        </a:moveTo>
-                        <a:cubicBezTo>
-                          <a:pt x="-7845" y="484630"/>
-                          <a:pt x="467865" y="8108"/>
-                          <a:pt x="1093259" y="0"/>
-                        </a:cubicBezTo>
-                        <a:cubicBezTo>
-                          <a:pt x="4384189" y="132882"/>
-                          <a:pt x="7819229" y="-84951"/>
-                          <a:pt x="10918349" y="0"/>
-                        </a:cubicBezTo>
-                        <a:cubicBezTo>
-                          <a:pt x="11473475" y="47523"/>
-                          <a:pt x="11990134" y="608160"/>
-                          <a:pt x="12011608" y="1093259"/>
-                        </a:cubicBezTo>
-                        <a:cubicBezTo>
-                          <a:pt x="12031795" y="2900874"/>
-                          <a:pt x="12164088" y="4134857"/>
-                          <a:pt x="12011608" y="5466161"/>
-                        </a:cubicBezTo>
-                        <a:cubicBezTo>
-                          <a:pt x="12036918" y="6072954"/>
-                          <a:pt x="11571857" y="6457101"/>
-                          <a:pt x="10918349" y="6559420"/>
-                        </a:cubicBezTo>
-                        <a:cubicBezTo>
-                          <a:pt x="9602557" y="6647059"/>
-                          <a:pt x="3354151" y="6486741"/>
-                          <a:pt x="1093259" y="6559420"/>
-                        </a:cubicBezTo>
-                        <a:cubicBezTo>
-                          <a:pt x="482666" y="6494544"/>
-                          <a:pt x="-19749" y="6097396"/>
-                          <a:pt x="0" y="5466161"/>
-                        </a:cubicBezTo>
-                        <a:cubicBezTo>
-                          <a:pt x="-38581" y="3816704"/>
-                          <a:pt x="63341" y="3160269"/>
-                          <a:pt x="0" y="1093259"/>
-                        </a:cubicBezTo>
-                        <a:close/>
-                      </a:path>
-                    </a:pathLst>
-                  </a:custGeom>
-                  <ask:type>
-                    <ask:lineSketchNone/>
-                  </ask:type>
-                </ask:lineSketchStyleProps>
-              </a:ext>
-            </a:extLst>
-          </a:ln>
-        </p:spPr>
-        <p:style>
-          <a:lnRef idx="2">
-            <a:schemeClr val="accent1">
-              <a:shade val="50000"/>
-            </a:schemeClr>
-          </a:lnRef>
-          <a:fillRef idx="1">
-            <a:schemeClr val="accent1"/>
-          </a:fillRef>
-          <a:effectRef idx="0">
-            <a:schemeClr val="accent1"/>
-          </a:effectRef>
-          <a:fontRef idx="minor">
-            <a:schemeClr val="lt1"/>
-          </a:fontRef>
-        </p:style>
-        <p:txBody>
-          <a:bodyPr rtlCol="0" anchor="ctr"/>
-          <a:lstStyle/>
-          <a:p>
-            <a:pPr algn="ctr"/>
-            <a:endParaRPr lang="en-US" dirty="0">
-              <a:latin typeface="LM Roman 10" pitchFamily="2" charset="77"/>
-              <a:cs typeface="Didot" panose="02000503000000020003" pitchFamily="2" charset="-79"/>
-            </a:endParaRPr>
-          </a:p>
-        </p:txBody>
-      </p:sp>
-      <p:sp>
-        <p:nvSpPr>
-          <p:cNvPr id="7" name="Rectangle: Rounded Corners 6">
-            <a:extLst>
-              <a:ext uri="{FF2B5EF4-FFF2-40B4-BE49-F238E27FC236}">
-                <a16:creationId xmlns:a16="http://schemas.microsoft.com/office/drawing/2014/main" id="{7E31F85C-7964-9E7D-59BD-F1D7029E5CEF}"/>
-              </a:ext>
-            </a:extLst>
-          </p:cNvPr>
-          <p:cNvSpPr/>
-          <p:nvPr/>
-        </p:nvSpPr>
-        <p:spPr>
-          <a:xfrm>
-            <a:off x="400881" y="873594"/>
-            <a:ext cx="11390238" cy="5812486"/>
-          </a:xfrm>
-          <a:prstGeom prst="roundRect">
-            <a:avLst>
-              <a:gd name="adj" fmla="val 2087"/>
-            </a:avLst>
-          </a:prstGeom>
-          <a:noFill/>
-          <a:ln>
-            <a:solidFill>
-              <a:schemeClr val="tx1"/>
-            </a:solidFill>
-            <a:prstDash val="dash"/>
-            <a:extLst>
-              <a:ext uri="{C807C97D-BFC1-408E-A445-0C87EB9F89A2}">
-                <ask:lineSketchStyleProps xmlns:ask="http://schemas.microsoft.com/office/drawing/2018/sketchyshapes" sd="1219033472">
-                  <a:custGeom>
-                    <a:avLst/>
-                    <a:gdLst>
-                      <a:gd name="connsiteX0" fmla="*/ 0 w 12011608"/>
-                      <a:gd name="connsiteY0" fmla="*/ 1093259 h 6559420"/>
-                      <a:gd name="connsiteX1" fmla="*/ 1093259 w 12011608"/>
-                      <a:gd name="connsiteY1" fmla="*/ 0 h 6559420"/>
-                      <a:gd name="connsiteX2" fmla="*/ 10918349 w 12011608"/>
-                      <a:gd name="connsiteY2" fmla="*/ 0 h 6559420"/>
-                      <a:gd name="connsiteX3" fmla="*/ 12011608 w 12011608"/>
-                      <a:gd name="connsiteY3" fmla="*/ 1093259 h 6559420"/>
-                      <a:gd name="connsiteX4" fmla="*/ 12011608 w 12011608"/>
-                      <a:gd name="connsiteY4" fmla="*/ 5466161 h 6559420"/>
-                      <a:gd name="connsiteX5" fmla="*/ 10918349 w 12011608"/>
-                      <a:gd name="connsiteY5" fmla="*/ 6559420 h 6559420"/>
-                      <a:gd name="connsiteX6" fmla="*/ 1093259 w 12011608"/>
-                      <a:gd name="connsiteY6" fmla="*/ 6559420 h 6559420"/>
-                      <a:gd name="connsiteX7" fmla="*/ 0 w 12011608"/>
-                      <a:gd name="connsiteY7" fmla="*/ 5466161 h 6559420"/>
-                      <a:gd name="connsiteX8" fmla="*/ 0 w 12011608"/>
-                      <a:gd name="connsiteY8" fmla="*/ 1093259 h 6559420"/>
-                    </a:gdLst>
-                    <a:ahLst/>
-                    <a:cxnLst>
-                      <a:cxn ang="0">
-                        <a:pos x="connsiteX0" y="connsiteY0"/>
-                      </a:cxn>
-                      <a:cxn ang="0">
-                        <a:pos x="connsiteX1" y="connsiteY1"/>
-                      </a:cxn>
-                      <a:cxn ang="0">
-                        <a:pos x="connsiteX2" y="connsiteY2"/>
-                      </a:cxn>
-                      <a:cxn ang="0">
-                        <a:pos x="connsiteX3" y="connsiteY3"/>
-                      </a:cxn>
-                      <a:cxn ang="0">
-                        <a:pos x="connsiteX4" y="connsiteY4"/>
-                      </a:cxn>
-                      <a:cxn ang="0">
-                        <a:pos x="connsiteX5" y="connsiteY5"/>
-                      </a:cxn>
-                      <a:cxn ang="0">
-                        <a:pos x="connsiteX6" y="connsiteY6"/>
-                      </a:cxn>
-                      <a:cxn ang="0">
-                        <a:pos x="connsiteX7" y="connsiteY7"/>
-                      </a:cxn>
-                      <a:cxn ang="0">
-                        <a:pos x="connsiteX8" y="connsiteY8"/>
-                      </a:cxn>
-                    </a:cxnLst>
-                    <a:rect l="l" t="t" r="r" b="b"/>
-                    <a:pathLst>
-                      <a:path w="12011608" h="6559420" extrusionOk="0">
-                        <a:moveTo>
-                          <a:pt x="0" y="1093259"/>
-                        </a:moveTo>
-                        <a:cubicBezTo>
-                          <a:pt x="-7845" y="484630"/>
-                          <a:pt x="467865" y="8108"/>
-                          <a:pt x="1093259" y="0"/>
-                        </a:cubicBezTo>
-                        <a:cubicBezTo>
-                          <a:pt x="4384189" y="132882"/>
-                          <a:pt x="7819229" y="-84951"/>
-                          <a:pt x="10918349" y="0"/>
-                        </a:cubicBezTo>
-                        <a:cubicBezTo>
-                          <a:pt x="11473475" y="47523"/>
-                          <a:pt x="11990134" y="608160"/>
-                          <a:pt x="12011608" y="1093259"/>
-                        </a:cubicBezTo>
-                        <a:cubicBezTo>
-                          <a:pt x="12031795" y="2900874"/>
-                          <a:pt x="12164088" y="4134857"/>
-                          <a:pt x="12011608" y="5466161"/>
-                        </a:cubicBezTo>
-                        <a:cubicBezTo>
-                          <a:pt x="12036918" y="6072954"/>
-                          <a:pt x="11571857" y="6457101"/>
-                          <a:pt x="10918349" y="6559420"/>
-                        </a:cubicBezTo>
-                        <a:cubicBezTo>
-                          <a:pt x="9602557" y="6647059"/>
-                          <a:pt x="3354151" y="6486741"/>
-                          <a:pt x="1093259" y="6559420"/>
-                        </a:cubicBezTo>
-                        <a:cubicBezTo>
-                          <a:pt x="482666" y="6494544"/>
-                          <a:pt x="-19749" y="6097396"/>
-                          <a:pt x="0" y="5466161"/>
-                        </a:cubicBezTo>
-                        <a:cubicBezTo>
-                          <a:pt x="-38581" y="3816704"/>
-                          <a:pt x="63341" y="3160269"/>
-                          <a:pt x="0" y="1093259"/>
-                        </a:cubicBezTo>
-                        <a:close/>
-                      </a:path>
-                    </a:pathLst>
-                  </a:custGeom>
-                  <ask:type>
-                    <ask:lineSketchNone/>
-                  </ask:type>
-                </ask:lineSketchStyleProps>
-              </a:ext>
-            </a:extLst>
-          </a:ln>
-        </p:spPr>
-        <p:style>
-          <a:lnRef idx="2">
-            <a:schemeClr val="accent1">
-              <a:shade val="50000"/>
-            </a:schemeClr>
-          </a:lnRef>
-          <a:fillRef idx="1">
-            <a:schemeClr val="accent1"/>
-          </a:fillRef>
-          <a:effectRef idx="0">
-            <a:schemeClr val="accent1"/>
-          </a:effectRef>
-          <a:fontRef idx="minor">
-            <a:schemeClr val="lt1"/>
-          </a:fontRef>
-        </p:style>
-        <p:txBody>
-          <a:bodyPr rtlCol="0" anchor="ctr"/>
-          <a:lstStyle/>
-          <a:p>
-            <a:pPr algn="ctr"/>
-            <a:endParaRPr lang="en-US" dirty="0">
-              <a:latin typeface="LM Roman 10" pitchFamily="2" charset="77"/>
-              <a:cs typeface="Didot" panose="02000503000000020003" pitchFamily="2" charset="-79"/>
-            </a:endParaRPr>
-          </a:p>
-        </p:txBody>
-      </p:sp>
-      <p:sp>
-        <p:nvSpPr>
-          <p:cNvPr id="8" name="Rectangle: Rounded Corners 7">
-            <a:extLst>
-              <a:ext uri="{FF2B5EF4-FFF2-40B4-BE49-F238E27FC236}">
-                <a16:creationId xmlns:a16="http://schemas.microsoft.com/office/drawing/2014/main" id="{7751CDBA-94D4-E5A6-7DF9-44DFA078906F}"/>
-              </a:ext>
-            </a:extLst>
-          </p:cNvPr>
-          <p:cNvSpPr/>
-          <p:nvPr/>
-        </p:nvSpPr>
-        <p:spPr>
-          <a:xfrm>
-            <a:off x="820633" y="1218049"/>
-            <a:ext cx="7585136" cy="5123576"/>
-          </a:xfrm>
-          <a:prstGeom prst="roundRect">
-            <a:avLst>
-              <a:gd name="adj" fmla="val 2087"/>
-            </a:avLst>
-          </a:prstGeom>
-          <a:noFill/>
-          <a:ln>
-            <a:solidFill>
-              <a:schemeClr val="tx1"/>
-            </a:solidFill>
-            <a:prstDash val="dash"/>
-            <a:extLst>
-              <a:ext uri="{C807C97D-BFC1-408E-A445-0C87EB9F89A2}">
-                <ask:lineSketchStyleProps xmlns:ask="http://schemas.microsoft.com/office/drawing/2018/sketchyshapes" sd="1219033472">
-                  <a:custGeom>
-                    <a:avLst/>
-                    <a:gdLst>
-                      <a:gd name="connsiteX0" fmla="*/ 0 w 12011608"/>
-                      <a:gd name="connsiteY0" fmla="*/ 1093259 h 6559420"/>
-                      <a:gd name="connsiteX1" fmla="*/ 1093259 w 12011608"/>
-                      <a:gd name="connsiteY1" fmla="*/ 0 h 6559420"/>
-                      <a:gd name="connsiteX2" fmla="*/ 10918349 w 12011608"/>
-                      <a:gd name="connsiteY2" fmla="*/ 0 h 6559420"/>
-                      <a:gd name="connsiteX3" fmla="*/ 12011608 w 12011608"/>
-                      <a:gd name="connsiteY3" fmla="*/ 1093259 h 6559420"/>
-                      <a:gd name="connsiteX4" fmla="*/ 12011608 w 12011608"/>
-                      <a:gd name="connsiteY4" fmla="*/ 5466161 h 6559420"/>
-                      <a:gd name="connsiteX5" fmla="*/ 10918349 w 12011608"/>
-                      <a:gd name="connsiteY5" fmla="*/ 6559420 h 6559420"/>
-                      <a:gd name="connsiteX6" fmla="*/ 1093259 w 12011608"/>
-                      <a:gd name="connsiteY6" fmla="*/ 6559420 h 6559420"/>
-                      <a:gd name="connsiteX7" fmla="*/ 0 w 12011608"/>
-                      <a:gd name="connsiteY7" fmla="*/ 5466161 h 6559420"/>
-                      <a:gd name="connsiteX8" fmla="*/ 0 w 12011608"/>
-                      <a:gd name="connsiteY8" fmla="*/ 1093259 h 6559420"/>
-                    </a:gdLst>
-                    <a:ahLst/>
-                    <a:cxnLst>
-                      <a:cxn ang="0">
-                        <a:pos x="connsiteX0" y="connsiteY0"/>
-                      </a:cxn>
-                      <a:cxn ang="0">
-                        <a:pos x="connsiteX1" y="connsiteY1"/>
-                      </a:cxn>
-                      <a:cxn ang="0">
-                        <a:pos x="connsiteX2" y="connsiteY2"/>
-                      </a:cxn>
-                      <a:cxn ang="0">
-                        <a:pos x="connsiteX3" y="connsiteY3"/>
-                      </a:cxn>
-                      <a:cxn ang="0">
-                        <a:pos x="connsiteX4" y="connsiteY4"/>
-                      </a:cxn>
-                      <a:cxn ang="0">
-                        <a:pos x="connsiteX5" y="connsiteY5"/>
-                      </a:cxn>
-                      <a:cxn ang="0">
-                        <a:pos x="connsiteX6" y="connsiteY6"/>
-                      </a:cxn>
-                      <a:cxn ang="0">
-                        <a:pos x="connsiteX7" y="connsiteY7"/>
-                      </a:cxn>
-                      <a:cxn ang="0">
-                        <a:pos x="connsiteX8" y="connsiteY8"/>
-                      </a:cxn>
-                    </a:cxnLst>
-                    <a:rect l="l" t="t" r="r" b="b"/>
-                    <a:pathLst>
-                      <a:path w="12011608" h="6559420" extrusionOk="0">
-                        <a:moveTo>
-                          <a:pt x="0" y="1093259"/>
-                        </a:moveTo>
-                        <a:cubicBezTo>
-                          <a:pt x="-7845" y="484630"/>
-                          <a:pt x="467865" y="8108"/>
-                          <a:pt x="1093259" y="0"/>
-                        </a:cubicBezTo>
-                        <a:cubicBezTo>
-                          <a:pt x="4384189" y="132882"/>
-                          <a:pt x="7819229" y="-84951"/>
-                          <a:pt x="10918349" y="0"/>
-                        </a:cubicBezTo>
-                        <a:cubicBezTo>
-                          <a:pt x="11473475" y="47523"/>
-                          <a:pt x="11990134" y="608160"/>
-                          <a:pt x="12011608" y="1093259"/>
-                        </a:cubicBezTo>
-                        <a:cubicBezTo>
-                          <a:pt x="12031795" y="2900874"/>
-                          <a:pt x="12164088" y="4134857"/>
-                          <a:pt x="12011608" y="5466161"/>
-                        </a:cubicBezTo>
-                        <a:cubicBezTo>
-                          <a:pt x="12036918" y="6072954"/>
-                          <a:pt x="11571857" y="6457101"/>
-                          <a:pt x="10918349" y="6559420"/>
-                        </a:cubicBezTo>
-                        <a:cubicBezTo>
-                          <a:pt x="9602557" y="6647059"/>
-                          <a:pt x="3354151" y="6486741"/>
-                          <a:pt x="1093259" y="6559420"/>
-                        </a:cubicBezTo>
-                        <a:cubicBezTo>
-                          <a:pt x="482666" y="6494544"/>
-                          <a:pt x="-19749" y="6097396"/>
-                          <a:pt x="0" y="5466161"/>
-                        </a:cubicBezTo>
-                        <a:cubicBezTo>
-                          <a:pt x="-38581" y="3816704"/>
-                          <a:pt x="63341" y="3160269"/>
-                          <a:pt x="0" y="1093259"/>
-                        </a:cubicBezTo>
-                        <a:close/>
-                      </a:path>
-                    </a:pathLst>
-                  </a:custGeom>
-                  <ask:type>
-                    <ask:lineSketchNone/>
-                  </ask:type>
-                </ask:lineSketchStyleProps>
-              </a:ext>
-            </a:extLst>
-          </a:ln>
-        </p:spPr>
-        <p:style>
-          <a:lnRef idx="2">
-            <a:schemeClr val="accent1">
-              <a:shade val="50000"/>
-            </a:schemeClr>
-          </a:lnRef>
-          <a:fillRef idx="1">
-            <a:schemeClr val="accent1"/>
-          </a:fillRef>
-          <a:effectRef idx="0">
-            <a:schemeClr val="accent1"/>
-          </a:effectRef>
-          <a:fontRef idx="minor">
-            <a:schemeClr val="lt1"/>
-          </a:fontRef>
-        </p:style>
-        <p:txBody>
-          <a:bodyPr rtlCol="0" anchor="ctr"/>
-          <a:lstStyle/>
-          <a:p>
-            <a:pPr algn="ctr"/>
-            <a:endParaRPr lang="en-US" dirty="0">
-              <a:latin typeface="LM Roman 10" pitchFamily="2" charset="77"/>
-              <a:cs typeface="Didot" panose="02000503000000020003" pitchFamily="2" charset="-79"/>
-            </a:endParaRPr>
-          </a:p>
-        </p:txBody>
-      </p:sp>
-      <p:sp>
-        <p:nvSpPr>
-          <p:cNvPr id="9" name="TextBox 8">
-            <a:extLst>
-              <a:ext uri="{FF2B5EF4-FFF2-40B4-BE49-F238E27FC236}">
-                <a16:creationId xmlns:a16="http://schemas.microsoft.com/office/drawing/2014/main" id="{54F6159C-C000-718D-1CB8-474645C5C703}"/>
-              </a:ext>
-            </a:extLst>
-          </p:cNvPr>
-          <p:cNvSpPr txBox="1"/>
-          <p:nvPr/>
-        </p:nvSpPr>
-        <p:spPr>
-          <a:xfrm>
-            <a:off x="153175" y="504262"/>
-            <a:ext cx="2820003" cy="338554"/>
-          </a:xfrm>
-          <a:prstGeom prst="rect">
-            <a:avLst/>
-          </a:prstGeom>
-          <a:noFill/>
-        </p:spPr>
-        <p:txBody>
-          <a:bodyPr wrap="none" rtlCol="0">
-            <a:spAutoFit/>
-          </a:bodyPr>
-          <a:lstStyle/>
-          <a:p>
-            <a:r>
-              <a:rPr lang="de-DE" sz="1600" dirty="0">
-                <a:latin typeface="LM Roman 10" pitchFamily="2" charset="77"/>
-                <a:cs typeface="Didot" panose="02000503000000020003" pitchFamily="2" charset="-79"/>
-              </a:rPr>
-              <a:t>Charakteristika der Kontexte</a:t>
-            </a:r>
-            <a:endParaRPr lang="en-US" dirty="0">
-              <a:latin typeface="LM Roman 10" pitchFamily="2" charset="77"/>
-              <a:cs typeface="Didot" panose="02000503000000020003" pitchFamily="2" charset="-79"/>
-            </a:endParaRPr>
-          </a:p>
-        </p:txBody>
-      </p:sp>
-      <p:sp>
-        <p:nvSpPr>
-          <p:cNvPr id="10" name="TextBox 9">
-            <a:extLst>
-              <a:ext uri="{FF2B5EF4-FFF2-40B4-BE49-F238E27FC236}">
-                <a16:creationId xmlns:a16="http://schemas.microsoft.com/office/drawing/2014/main" id="{7089942B-64B4-A49D-35FF-C2AF5B72F395}"/>
-              </a:ext>
-            </a:extLst>
-          </p:cNvPr>
-          <p:cNvSpPr txBox="1"/>
-          <p:nvPr/>
-        </p:nvSpPr>
-        <p:spPr>
-          <a:xfrm>
-            <a:off x="400882" y="861156"/>
-            <a:ext cx="2965877" cy="338554"/>
-          </a:xfrm>
-          <a:prstGeom prst="rect">
-            <a:avLst/>
-          </a:prstGeom>
-          <a:noFill/>
-        </p:spPr>
-        <p:txBody>
-          <a:bodyPr wrap="none" rtlCol="0">
-            <a:spAutoFit/>
-          </a:bodyPr>
-          <a:lstStyle/>
-          <a:p>
-            <a:r>
-              <a:rPr lang="de-DE" sz="1600" dirty="0">
-                <a:latin typeface="LM Roman 10" pitchFamily="2" charset="77"/>
-                <a:cs typeface="Didot" panose="02000503000000020003" pitchFamily="2" charset="-79"/>
-              </a:rPr>
-              <a:t>Charakteristika der Nutzenden</a:t>
-            </a:r>
-            <a:endParaRPr lang="en-US" sz="1600" dirty="0">
-              <a:latin typeface="LM Roman 10" pitchFamily="2" charset="77"/>
-              <a:cs typeface="Didot" panose="02000503000000020003" pitchFamily="2" charset="-79"/>
-            </a:endParaRPr>
-          </a:p>
-        </p:txBody>
-      </p:sp>
-      <p:sp>
-        <p:nvSpPr>
-          <p:cNvPr id="11" name="TextBox 10">
-            <a:extLst>
-              <a:ext uri="{FF2B5EF4-FFF2-40B4-BE49-F238E27FC236}">
-                <a16:creationId xmlns:a16="http://schemas.microsoft.com/office/drawing/2014/main" id="{13879C0C-1EBE-1092-85BE-105AC4D194FF}"/>
-              </a:ext>
-            </a:extLst>
-          </p:cNvPr>
-          <p:cNvSpPr txBox="1"/>
-          <p:nvPr/>
-        </p:nvSpPr>
-        <p:spPr>
-          <a:xfrm>
-            <a:off x="820633" y="1230238"/>
-            <a:ext cx="2719014" cy="338554"/>
-          </a:xfrm>
-          <a:prstGeom prst="rect">
-            <a:avLst/>
-          </a:prstGeom>
-          <a:noFill/>
-        </p:spPr>
-        <p:txBody>
-          <a:bodyPr wrap="none" rtlCol="0">
-            <a:spAutoFit/>
-          </a:bodyPr>
-          <a:lstStyle/>
-          <a:p>
-            <a:r>
-              <a:rPr lang="de-DE" sz="1600" dirty="0">
-                <a:latin typeface="LM Roman 10" pitchFamily="2" charset="77"/>
-                <a:cs typeface="Didot" panose="02000503000000020003" pitchFamily="2" charset="-79"/>
-              </a:rPr>
-              <a:t>Charakteristika der Evidenz</a:t>
-            </a:r>
-            <a:endParaRPr lang="en-US" sz="1600" dirty="0">
-              <a:latin typeface="LM Roman 10" pitchFamily="2" charset="77"/>
-              <a:cs typeface="Didot" panose="02000503000000020003" pitchFamily="2" charset="-79"/>
-            </a:endParaRPr>
-          </a:p>
-        </p:txBody>
-      </p:sp>
-      <p:sp>
-        <p:nvSpPr>
-          <p:cNvPr id="13" name="Oval 12">
-            <a:extLst>
-              <a:ext uri="{FF2B5EF4-FFF2-40B4-BE49-F238E27FC236}">
-                <a16:creationId xmlns:a16="http://schemas.microsoft.com/office/drawing/2014/main" id="{1D8693F1-4AF6-B64B-4F0A-B464A18041CC}"/>
-              </a:ext>
-            </a:extLst>
-          </p:cNvPr>
-          <p:cNvSpPr/>
-          <p:nvPr/>
-        </p:nvSpPr>
-        <p:spPr>
-          <a:xfrm>
-            <a:off x="2759362" y="4563146"/>
-            <a:ext cx="1630680" cy="754380"/>
-          </a:xfrm>
-          <a:prstGeom prst="ellipse">
-            <a:avLst/>
-          </a:prstGeom>
-          <a:solidFill>
-            <a:schemeClr val="bg1"/>
-          </a:solidFill>
-          <a:ln>
-            <a:solidFill>
-              <a:schemeClr val="tx1"/>
-            </a:solidFill>
-          </a:ln>
-          <a:effectLst>
-            <a:outerShdw blurRad="50800" dist="38100" dir="2700000" algn="tl" rotWithShape="0">
-              <a:prstClr val="black">
-                <a:alpha val="40000"/>
-              </a:prstClr>
-            </a:outerShdw>
-          </a:effectLst>
-        </p:spPr>
-        <p:style>
-          <a:lnRef idx="2">
-            <a:schemeClr val="accent1">
-              <a:shade val="50000"/>
-            </a:schemeClr>
-          </a:lnRef>
-          <a:fillRef idx="1">
-            <a:schemeClr val="accent1"/>
-          </a:fillRef>
-          <a:effectRef idx="0">
-            <a:schemeClr val="accent1"/>
-          </a:effectRef>
-          <a:fontRef idx="minor">
-            <a:schemeClr val="lt1"/>
-          </a:fontRef>
-        </p:style>
-        <p:txBody>
-          <a:bodyPr rtlCol="0" anchor="ctr"/>
-          <a:lstStyle/>
-          <a:p>
-            <a:pPr algn="ctr"/>
-            <a:r>
-              <a:rPr lang="de-DE" dirty="0">
-                <a:solidFill>
-                  <a:schemeClr val="tx1"/>
-                </a:solidFill>
-                <a:latin typeface="LM Roman 10" pitchFamily="2" charset="77"/>
-                <a:cs typeface="Didot" panose="02000503000000020003" pitchFamily="2" charset="-79"/>
-              </a:rPr>
-              <a:t> </a:t>
-            </a:r>
-            <a:endParaRPr lang="en-US" dirty="0">
-              <a:solidFill>
-                <a:schemeClr val="tx1"/>
-              </a:solidFill>
-              <a:latin typeface="LM Roman 10" pitchFamily="2" charset="77"/>
-              <a:cs typeface="Didot" panose="02000503000000020003" pitchFamily="2" charset="-79"/>
-            </a:endParaRPr>
-          </a:p>
-        </p:txBody>
-      </p:sp>
-      <p:sp>
-        <p:nvSpPr>
-          <p:cNvPr id="14" name="Oval 13">
-            <a:extLst>
-              <a:ext uri="{FF2B5EF4-FFF2-40B4-BE49-F238E27FC236}">
-                <a16:creationId xmlns:a16="http://schemas.microsoft.com/office/drawing/2014/main" id="{2A14B365-C792-8A6C-8E80-FF83C67B5D55}"/>
-              </a:ext>
-            </a:extLst>
-          </p:cNvPr>
-          <p:cNvSpPr/>
-          <p:nvPr/>
-        </p:nvSpPr>
-        <p:spPr>
-          <a:xfrm>
-            <a:off x="4390042" y="3439434"/>
-            <a:ext cx="1630680" cy="754380"/>
-          </a:xfrm>
-          <a:prstGeom prst="ellipse">
-            <a:avLst/>
-          </a:prstGeom>
-          <a:solidFill>
-            <a:schemeClr val="bg1"/>
-          </a:solidFill>
-          <a:ln>
-            <a:solidFill>
-              <a:schemeClr val="tx1"/>
-            </a:solidFill>
-          </a:ln>
-          <a:effectLst>
-            <a:outerShdw blurRad="50800" dist="38100" dir="2700000" algn="tl" rotWithShape="0">
-              <a:prstClr val="black">
-                <a:alpha val="40000"/>
-              </a:prstClr>
-            </a:outerShdw>
-          </a:effectLst>
-        </p:spPr>
-        <p:style>
-          <a:lnRef idx="2">
-            <a:schemeClr val="accent1">
-              <a:shade val="50000"/>
-            </a:schemeClr>
-          </a:lnRef>
-          <a:fillRef idx="1">
-            <a:schemeClr val="accent1"/>
-          </a:fillRef>
-          <a:effectRef idx="0">
-            <a:schemeClr val="accent1"/>
-          </a:effectRef>
-          <a:fontRef idx="minor">
-            <a:schemeClr val="lt1"/>
-          </a:fontRef>
-        </p:style>
-        <p:txBody>
-          <a:bodyPr rtlCol="0" anchor="ctr"/>
-          <a:lstStyle/>
-          <a:p>
-            <a:pPr algn="ctr"/>
-            <a:r>
-              <a:rPr lang="de-DE" sz="1600" dirty="0">
-                <a:solidFill>
-                  <a:schemeClr val="tx1"/>
-                </a:solidFill>
-                <a:latin typeface="LM Roman 10" pitchFamily="2" charset="77"/>
-                <a:cs typeface="Didot" panose="02000503000000020003" pitchFamily="2" charset="-79"/>
-              </a:rPr>
-              <a:t>Evidenz</a:t>
-            </a:r>
-            <a:endParaRPr lang="en-US" dirty="0">
-              <a:solidFill>
-                <a:schemeClr val="tx1"/>
-              </a:solidFill>
-              <a:latin typeface="LM Roman 10" pitchFamily="2" charset="77"/>
-              <a:cs typeface="Didot" panose="02000503000000020003" pitchFamily="2" charset="-79"/>
-            </a:endParaRPr>
-          </a:p>
-        </p:txBody>
-      </p:sp>
-      <p:sp>
-        <p:nvSpPr>
-          <p:cNvPr id="15" name="Oval 14">
-            <a:extLst>
-              <a:ext uri="{FF2B5EF4-FFF2-40B4-BE49-F238E27FC236}">
-                <a16:creationId xmlns:a16="http://schemas.microsoft.com/office/drawing/2014/main" id="{97DAF1C8-8BF6-B122-BD80-962768DA66B4}"/>
-              </a:ext>
-            </a:extLst>
-          </p:cNvPr>
-          <p:cNvSpPr/>
-          <p:nvPr/>
-        </p:nvSpPr>
-        <p:spPr>
-          <a:xfrm>
-            <a:off x="6020722" y="2315722"/>
-            <a:ext cx="1630680" cy="754380"/>
-          </a:xfrm>
-          <a:prstGeom prst="ellipse">
-            <a:avLst/>
-          </a:prstGeom>
-          <a:solidFill>
-            <a:schemeClr val="bg1"/>
-          </a:solidFill>
-          <a:ln>
-            <a:solidFill>
-              <a:schemeClr val="tx1"/>
-            </a:solidFill>
-          </a:ln>
-          <a:effectLst>
-            <a:outerShdw blurRad="50800" dist="38100" dir="2700000" algn="tl" rotWithShape="0">
-              <a:prstClr val="black">
-                <a:alpha val="40000"/>
-              </a:prstClr>
-            </a:outerShdw>
-          </a:effectLst>
-        </p:spPr>
-        <p:style>
-          <a:lnRef idx="2">
-            <a:schemeClr val="accent1">
-              <a:shade val="50000"/>
-            </a:schemeClr>
-          </a:lnRef>
-          <a:fillRef idx="1">
-            <a:schemeClr val="accent1"/>
-          </a:fillRef>
-          <a:effectRef idx="0">
-            <a:schemeClr val="accent1"/>
-          </a:effectRef>
-          <a:fontRef idx="minor">
-            <a:schemeClr val="lt1"/>
-          </a:fontRef>
-        </p:style>
-        <p:txBody>
-          <a:bodyPr rtlCol="0" anchor="ctr"/>
-          <a:lstStyle/>
-          <a:p>
-            <a:pPr algn="ctr"/>
-            <a:endParaRPr lang="en-US" sz="1600" dirty="0">
-              <a:solidFill>
-                <a:schemeClr val="tx1"/>
-              </a:solidFill>
-              <a:latin typeface="LM Roman 10" pitchFamily="2" charset="77"/>
-              <a:cs typeface="Didot" panose="02000503000000020003" pitchFamily="2" charset="-79"/>
-            </a:endParaRPr>
-          </a:p>
-        </p:txBody>
-      </p:sp>
-      <p:cxnSp>
-        <p:nvCxnSpPr>
-          <p:cNvPr id="20" name="Connector: Curved 19">
-            <a:extLst>
-              <a:ext uri="{FF2B5EF4-FFF2-40B4-BE49-F238E27FC236}">
-                <a16:creationId xmlns:a16="http://schemas.microsoft.com/office/drawing/2014/main" id="{9D08A355-1BFF-B13D-EABD-1944CF8A7E31}"/>
-              </a:ext>
-            </a:extLst>
-          </p:cNvPr>
-          <p:cNvCxnSpPr>
-            <a:cxnSpLocks/>
-            <a:stCxn id="13" idx="0"/>
-            <a:endCxn id="14" idx="2"/>
-          </p:cNvCxnSpPr>
-          <p:nvPr/>
-        </p:nvCxnSpPr>
-        <p:spPr>
-          <a:xfrm rot="5400000" flipH="1" flipV="1">
-            <a:off x="3609111" y="3782215"/>
-            <a:ext cx="746522" cy="815340"/>
-          </a:xfrm>
-          <a:prstGeom prst="curvedConnector2">
-            <a:avLst/>
-          </a:prstGeom>
-          <a:ln w="34925">
-            <a:solidFill>
-              <a:schemeClr val="tx1"/>
-            </a:solidFill>
-            <a:tailEnd type="triangle"/>
-          </a:ln>
-        </p:spPr>
-        <p:style>
-          <a:lnRef idx="1">
-            <a:schemeClr val="accent1"/>
-          </a:lnRef>
-          <a:fillRef idx="0">
-            <a:schemeClr val="accent1"/>
-          </a:fillRef>
-          <a:effectRef idx="0">
-            <a:schemeClr val="accent1"/>
-          </a:effectRef>
-          <a:fontRef idx="minor">
-            <a:schemeClr val="tx1"/>
-          </a:fontRef>
-        </p:style>
-      </p:cxnSp>
-      <p:cxnSp>
-        <p:nvCxnSpPr>
-          <p:cNvPr id="23" name="Connector: Curved 22">
-            <a:extLst>
-              <a:ext uri="{FF2B5EF4-FFF2-40B4-BE49-F238E27FC236}">
-                <a16:creationId xmlns:a16="http://schemas.microsoft.com/office/drawing/2014/main" id="{C576A603-F83F-F3F0-AD46-5F1BC4B64A9E}"/>
-              </a:ext>
-            </a:extLst>
-          </p:cNvPr>
-          <p:cNvCxnSpPr>
-            <a:cxnSpLocks/>
-            <a:stCxn id="14" idx="0"/>
-            <a:endCxn id="15" idx="2"/>
-          </p:cNvCxnSpPr>
-          <p:nvPr/>
-        </p:nvCxnSpPr>
-        <p:spPr>
-          <a:xfrm rot="5400000" flipH="1" flipV="1">
-            <a:off x="5239791" y="2658503"/>
-            <a:ext cx="746522" cy="815340"/>
-          </a:xfrm>
-          <a:prstGeom prst="curvedConnector2">
-            <a:avLst/>
-          </a:prstGeom>
-          <a:ln w="34925">
-            <a:solidFill>
-              <a:schemeClr val="tx1"/>
-            </a:solidFill>
-            <a:tailEnd type="triangle"/>
-          </a:ln>
-        </p:spPr>
-        <p:style>
-          <a:lnRef idx="1">
-            <a:schemeClr val="accent1"/>
-          </a:lnRef>
-          <a:fillRef idx="0">
-            <a:schemeClr val="accent1"/>
-          </a:fillRef>
-          <a:effectRef idx="0">
-            <a:schemeClr val="accent1"/>
-          </a:effectRef>
-          <a:fontRef idx="minor">
-            <a:schemeClr val="tx1"/>
-          </a:fontRef>
-        </p:style>
-      </p:cxnSp>
-      <p:sp>
-        <p:nvSpPr>
-          <p:cNvPr id="26" name="Oval 25">
-            <a:extLst>
-              <a:ext uri="{FF2B5EF4-FFF2-40B4-BE49-F238E27FC236}">
-                <a16:creationId xmlns:a16="http://schemas.microsoft.com/office/drawing/2014/main" id="{E3DC8A4E-1508-5E72-013D-97FAFDC90495}"/>
-              </a:ext>
-            </a:extLst>
-          </p:cNvPr>
-          <p:cNvSpPr/>
-          <p:nvPr/>
-        </p:nvSpPr>
-        <p:spPr>
-          <a:xfrm>
-            <a:off x="8944559" y="2311793"/>
-            <a:ext cx="1630680" cy="754380"/>
-          </a:xfrm>
-          <a:prstGeom prst="ellipse">
-            <a:avLst/>
-          </a:prstGeom>
-          <a:solidFill>
-            <a:schemeClr val="bg1"/>
-          </a:solidFill>
-          <a:ln>
-            <a:solidFill>
-              <a:schemeClr val="tx1"/>
-            </a:solidFill>
-          </a:ln>
-          <a:effectLst>
-            <a:outerShdw blurRad="50800" dist="38100" dir="2700000" algn="tl" rotWithShape="0">
-              <a:prstClr val="black">
-                <a:alpha val="40000"/>
-              </a:prstClr>
-            </a:outerShdw>
-          </a:effectLst>
-        </p:spPr>
-        <p:style>
-          <a:lnRef idx="2">
-            <a:schemeClr val="accent1">
-              <a:shade val="50000"/>
-            </a:schemeClr>
-          </a:lnRef>
-          <a:fillRef idx="1">
-            <a:schemeClr val="accent1"/>
-          </a:fillRef>
-          <a:effectRef idx="0">
-            <a:schemeClr val="accent1"/>
-          </a:effectRef>
-          <a:fontRef idx="minor">
-            <a:schemeClr val="lt1"/>
-          </a:fontRef>
-        </p:style>
-        <p:txBody>
-          <a:bodyPr rtlCol="0" anchor="ctr"/>
-          <a:lstStyle/>
-          <a:p>
-            <a:pPr algn="ctr"/>
-            <a:endParaRPr lang="en-US" dirty="0">
-              <a:solidFill>
-                <a:schemeClr val="tx1"/>
-              </a:solidFill>
-              <a:latin typeface="LM Roman 10" pitchFamily="2" charset="77"/>
-              <a:cs typeface="Didot" panose="02000503000000020003" pitchFamily="2" charset="-79"/>
-            </a:endParaRPr>
-          </a:p>
-        </p:txBody>
-      </p:sp>
-      <p:sp>
-        <p:nvSpPr>
-          <p:cNvPr id="27" name="Oval 26">
-            <a:extLst>
-              <a:ext uri="{FF2B5EF4-FFF2-40B4-BE49-F238E27FC236}">
-                <a16:creationId xmlns:a16="http://schemas.microsoft.com/office/drawing/2014/main" id="{72AF60ED-4044-E5E5-F9E9-64C7593F7CC0}"/>
-              </a:ext>
-            </a:extLst>
-          </p:cNvPr>
-          <p:cNvSpPr/>
-          <p:nvPr/>
-        </p:nvSpPr>
-        <p:spPr>
-          <a:xfrm>
-            <a:off x="8944559" y="4563146"/>
-            <a:ext cx="1630680" cy="754380"/>
-          </a:xfrm>
-          <a:prstGeom prst="ellipse">
-            <a:avLst/>
-          </a:prstGeom>
-          <a:solidFill>
-            <a:schemeClr val="bg1"/>
-          </a:solidFill>
-          <a:ln>
-            <a:solidFill>
-              <a:schemeClr val="tx1"/>
-            </a:solidFill>
-          </a:ln>
-          <a:effectLst>
-            <a:outerShdw blurRad="50800" dist="38100" dir="2700000" algn="tl" rotWithShape="0">
-              <a:prstClr val="black">
-                <a:alpha val="40000"/>
-              </a:prstClr>
-            </a:outerShdw>
-          </a:effectLst>
-        </p:spPr>
-        <p:style>
-          <a:lnRef idx="2">
-            <a:schemeClr val="accent1">
-              <a:shade val="50000"/>
-            </a:schemeClr>
-          </a:lnRef>
-          <a:fillRef idx="1">
-            <a:schemeClr val="accent1"/>
-          </a:fillRef>
-          <a:effectRef idx="0">
-            <a:schemeClr val="accent1"/>
-          </a:effectRef>
-          <a:fontRef idx="minor">
-            <a:schemeClr val="lt1"/>
-          </a:fontRef>
-        </p:style>
-        <p:txBody>
-          <a:bodyPr rtlCol="0" anchor="ctr"/>
-          <a:lstStyle/>
-          <a:p>
-            <a:pPr algn="ctr"/>
-            <a:r>
-              <a:rPr lang="de-DE" sz="1600" dirty="0">
-                <a:solidFill>
-                  <a:schemeClr val="tx1"/>
-                </a:solidFill>
-                <a:latin typeface="LM Roman 10" pitchFamily="2" charset="77"/>
-                <a:cs typeface="Didot" panose="02000503000000020003" pitchFamily="2" charset="-79"/>
-              </a:rPr>
-              <a:t>Ergebnisse</a:t>
-            </a:r>
-            <a:endParaRPr lang="en-US" sz="1600" dirty="0">
-              <a:solidFill>
-                <a:schemeClr val="tx1"/>
-              </a:solidFill>
-              <a:latin typeface="LM Roman 10" pitchFamily="2" charset="77"/>
-              <a:cs typeface="Didot" panose="02000503000000020003" pitchFamily="2" charset="-79"/>
-            </a:endParaRPr>
-          </a:p>
-        </p:txBody>
-      </p:sp>
-      <p:cxnSp>
-        <p:nvCxnSpPr>
-          <p:cNvPr id="32" name="Straight Arrow Connector 31">
-            <a:extLst>
-              <a:ext uri="{FF2B5EF4-FFF2-40B4-BE49-F238E27FC236}">
-                <a16:creationId xmlns:a16="http://schemas.microsoft.com/office/drawing/2014/main" id="{166579B7-9EB5-A37B-D7D0-0EEC0B6803AE}"/>
-              </a:ext>
-            </a:extLst>
-          </p:cNvPr>
-          <p:cNvCxnSpPr>
-            <a:cxnSpLocks/>
-            <a:stCxn id="15" idx="6"/>
-            <a:endCxn id="26" idx="2"/>
-          </p:cNvCxnSpPr>
-          <p:nvPr/>
-        </p:nvCxnSpPr>
-        <p:spPr>
-          <a:xfrm flipV="1">
-            <a:off x="7651403" y="2688984"/>
-            <a:ext cx="1293157" cy="3929"/>
-          </a:xfrm>
-          <a:prstGeom prst="straightConnector1">
-            <a:avLst/>
-          </a:prstGeom>
-          <a:ln w="34925">
-            <a:solidFill>
-              <a:schemeClr val="tx1"/>
-            </a:solidFill>
-            <a:tailEnd type="triangle"/>
-          </a:ln>
-        </p:spPr>
-        <p:style>
-          <a:lnRef idx="1">
-            <a:schemeClr val="accent1"/>
-          </a:lnRef>
-          <a:fillRef idx="0">
-            <a:schemeClr val="accent1"/>
-          </a:fillRef>
-          <a:effectRef idx="0">
-            <a:schemeClr val="accent1"/>
-          </a:effectRef>
-          <a:fontRef idx="minor">
-            <a:schemeClr val="tx1"/>
-          </a:fontRef>
-        </p:style>
-      </p:cxnSp>
-      <p:cxnSp>
-        <p:nvCxnSpPr>
-          <p:cNvPr id="34" name="Straight Arrow Connector 33">
-            <a:extLst>
-              <a:ext uri="{FF2B5EF4-FFF2-40B4-BE49-F238E27FC236}">
-                <a16:creationId xmlns:a16="http://schemas.microsoft.com/office/drawing/2014/main" id="{49F8FCE9-625E-3019-9506-DB4366A32AC6}"/>
-              </a:ext>
-            </a:extLst>
-          </p:cNvPr>
-          <p:cNvCxnSpPr>
-            <a:cxnSpLocks/>
-            <a:stCxn id="26" idx="4"/>
-            <a:endCxn id="27" idx="0"/>
-          </p:cNvCxnSpPr>
-          <p:nvPr/>
-        </p:nvCxnSpPr>
-        <p:spPr>
-          <a:xfrm>
-            <a:off x="9759899" y="3066174"/>
-            <a:ext cx="0" cy="1496973"/>
-          </a:xfrm>
-          <a:prstGeom prst="straightConnector1">
-            <a:avLst/>
-          </a:prstGeom>
-          <a:ln w="34925">
-            <a:solidFill>
-              <a:schemeClr val="tx1"/>
-            </a:solidFill>
-            <a:tailEnd type="triangle"/>
-          </a:ln>
-        </p:spPr>
-        <p:style>
-          <a:lnRef idx="1">
-            <a:schemeClr val="accent1"/>
-          </a:lnRef>
-          <a:fillRef idx="0">
-            <a:schemeClr val="accent1"/>
-          </a:fillRef>
-          <a:effectRef idx="0">
-            <a:schemeClr val="accent1"/>
-          </a:effectRef>
-          <a:fontRef idx="minor">
-            <a:schemeClr val="tx1"/>
-          </a:fontRef>
-        </p:style>
-      </p:cxnSp>
-      <p:cxnSp>
-        <p:nvCxnSpPr>
-          <p:cNvPr id="37" name="Straight Arrow Connector 36">
-            <a:extLst>
-              <a:ext uri="{FF2B5EF4-FFF2-40B4-BE49-F238E27FC236}">
-                <a16:creationId xmlns:a16="http://schemas.microsoft.com/office/drawing/2014/main" id="{55715120-9AEF-727F-AF81-D95E0E013E59}"/>
-              </a:ext>
-            </a:extLst>
-          </p:cNvPr>
-          <p:cNvCxnSpPr>
-            <a:cxnSpLocks/>
-            <a:stCxn id="27" idx="2"/>
-            <a:endCxn id="13" idx="6"/>
-          </p:cNvCxnSpPr>
-          <p:nvPr/>
-        </p:nvCxnSpPr>
-        <p:spPr>
-          <a:xfrm flipH="1">
-            <a:off x="4390043" y="4940336"/>
-            <a:ext cx="4554517" cy="0"/>
-          </a:xfrm>
-          <a:prstGeom prst="straightConnector1">
-            <a:avLst/>
-          </a:prstGeom>
-          <a:ln w="34925">
-            <a:solidFill>
-              <a:schemeClr val="tx1"/>
-            </a:solidFill>
-            <a:tailEnd type="triangle"/>
-          </a:ln>
-        </p:spPr>
-        <p:style>
-          <a:lnRef idx="1">
-            <a:schemeClr val="accent1"/>
-          </a:lnRef>
-          <a:fillRef idx="0">
-            <a:schemeClr val="accent1"/>
-          </a:fillRef>
-          <a:effectRef idx="0">
-            <a:schemeClr val="accent1"/>
-          </a:effectRef>
-          <a:fontRef idx="minor">
-            <a:schemeClr val="tx1"/>
-          </a:fontRef>
-        </p:style>
-      </p:cxnSp>
-      <p:cxnSp>
-        <p:nvCxnSpPr>
-          <p:cNvPr id="40" name="Straight Arrow Connector 39">
-            <a:extLst>
-              <a:ext uri="{FF2B5EF4-FFF2-40B4-BE49-F238E27FC236}">
-                <a16:creationId xmlns:a16="http://schemas.microsoft.com/office/drawing/2014/main" id="{877155B9-7D29-7689-96CE-6ACB5D537AB5}"/>
-              </a:ext>
-            </a:extLst>
-          </p:cNvPr>
-          <p:cNvCxnSpPr>
-            <a:cxnSpLocks/>
-            <a:stCxn id="14" idx="4"/>
-          </p:cNvCxnSpPr>
-          <p:nvPr/>
-        </p:nvCxnSpPr>
-        <p:spPr>
-          <a:xfrm>
-            <a:off x="5205382" y="4193814"/>
-            <a:ext cx="0" cy="746522"/>
-          </a:xfrm>
-          <a:prstGeom prst="straightConnector1">
-            <a:avLst/>
-          </a:prstGeom>
-          <a:ln w="34925">
-            <a:solidFill>
-              <a:schemeClr val="tx1"/>
-            </a:solidFill>
-            <a:tailEnd type="triangle"/>
-          </a:ln>
-        </p:spPr>
-        <p:style>
-          <a:lnRef idx="1">
-            <a:schemeClr val="accent1"/>
-          </a:lnRef>
-          <a:fillRef idx="0">
-            <a:schemeClr val="accent1"/>
-          </a:fillRef>
-          <a:effectRef idx="0">
-            <a:schemeClr val="accent1"/>
-          </a:effectRef>
-          <a:fontRef idx="minor">
-            <a:schemeClr val="tx1"/>
-          </a:fontRef>
-        </p:style>
-      </p:cxnSp>
-      <p:cxnSp>
-        <p:nvCxnSpPr>
-          <p:cNvPr id="43" name="Straight Arrow Connector 42">
-            <a:extLst>
-              <a:ext uri="{FF2B5EF4-FFF2-40B4-BE49-F238E27FC236}">
-                <a16:creationId xmlns:a16="http://schemas.microsoft.com/office/drawing/2014/main" id="{009A81FC-5496-1B64-61C2-0AACFC7477CD}"/>
-              </a:ext>
-            </a:extLst>
-          </p:cNvPr>
-          <p:cNvCxnSpPr>
-            <a:cxnSpLocks/>
-            <a:stCxn id="15" idx="4"/>
-          </p:cNvCxnSpPr>
-          <p:nvPr/>
-        </p:nvCxnSpPr>
-        <p:spPr>
-          <a:xfrm>
-            <a:off x="6836062" y="3070102"/>
-            <a:ext cx="0" cy="1870234"/>
-          </a:xfrm>
-          <a:prstGeom prst="straightConnector1">
-            <a:avLst/>
-          </a:prstGeom>
-          <a:ln w="34925">
-            <a:solidFill>
-              <a:schemeClr val="tx1"/>
-            </a:solidFill>
-            <a:tailEnd type="triangle"/>
-          </a:ln>
-        </p:spPr>
-        <p:style>
-          <a:lnRef idx="1">
-            <a:schemeClr val="accent1"/>
-          </a:lnRef>
-          <a:fillRef idx="0">
-            <a:schemeClr val="accent1"/>
-          </a:fillRef>
-          <a:effectRef idx="0">
-            <a:schemeClr val="accent1"/>
-          </a:effectRef>
-          <a:fontRef idx="minor">
-            <a:schemeClr val="tx1"/>
-          </a:fontRef>
-        </p:style>
-      </p:cxnSp>
-      <p:sp>
-        <p:nvSpPr>
-          <p:cNvPr id="50" name="TextBox 49">
-            <a:extLst>
-              <a:ext uri="{FF2B5EF4-FFF2-40B4-BE49-F238E27FC236}">
-                <a16:creationId xmlns:a16="http://schemas.microsoft.com/office/drawing/2014/main" id="{7FD64F8A-ADAA-448E-7F19-BDDBEC30B4D5}"/>
-              </a:ext>
-            </a:extLst>
-          </p:cNvPr>
-          <p:cNvSpPr txBox="1"/>
-          <p:nvPr/>
-        </p:nvSpPr>
-        <p:spPr>
-          <a:xfrm>
-            <a:off x="8982929" y="2238068"/>
-            <a:ext cx="1553940" cy="854080"/>
-          </a:xfrm>
-          <a:prstGeom prst="rect">
-            <a:avLst/>
-          </a:prstGeom>
-          <a:noFill/>
-        </p:spPr>
-        <p:txBody>
-          <a:bodyPr wrap="square" rtlCol="0">
-            <a:spAutoFit/>
-          </a:bodyPr>
-          <a:lstStyle/>
-          <a:p>
-            <a:pPr algn="ctr"/>
-            <a:r>
-              <a:rPr lang="de-DE" sz="1600" dirty="0">
-                <a:latin typeface="LM Roman 10" pitchFamily="2" charset="77"/>
-                <a:cs typeface="Didot" panose="02000503000000020003" pitchFamily="2" charset="-79"/>
-              </a:rPr>
-              <a:t>Nutzung</a:t>
-            </a:r>
-            <a:endParaRPr lang="de-DE" sz="2000" dirty="0">
-              <a:latin typeface="LM Roman 10" pitchFamily="2" charset="77"/>
-              <a:cs typeface="Didot" panose="02000503000000020003" pitchFamily="2" charset="-79"/>
-            </a:endParaRPr>
-          </a:p>
-          <a:p>
-            <a:pPr algn="ctr"/>
-            <a:r>
-              <a:rPr lang="de-DE" sz="1100" dirty="0">
-                <a:latin typeface="LM Roman 10" pitchFamily="2" charset="77"/>
-                <a:cs typeface="Didot" panose="02000503000000020003" pitchFamily="2" charset="-79"/>
-              </a:rPr>
-              <a:t>instrumentell/</a:t>
-            </a:r>
-          </a:p>
-          <a:p>
-            <a:pPr algn="ctr"/>
-            <a:r>
-              <a:rPr lang="de-DE" sz="1100" dirty="0">
-                <a:latin typeface="LM Roman 10" pitchFamily="2" charset="77"/>
-                <a:cs typeface="Didot" panose="02000503000000020003" pitchFamily="2" charset="-79"/>
-              </a:rPr>
-              <a:t>konzeptuell/</a:t>
-            </a:r>
-          </a:p>
-          <a:p>
-            <a:pPr algn="ctr"/>
-            <a:r>
-              <a:rPr lang="de-DE" sz="1100" dirty="0">
-                <a:latin typeface="LM Roman 10" pitchFamily="2" charset="77"/>
-                <a:cs typeface="Didot" panose="02000503000000020003" pitchFamily="2" charset="-79"/>
-              </a:rPr>
-              <a:t>symbolisch</a:t>
-            </a:r>
-            <a:endParaRPr lang="en-US" sz="1100" dirty="0">
-              <a:latin typeface="LM Roman 10" pitchFamily="2" charset="77"/>
-              <a:cs typeface="Didot" panose="02000503000000020003" pitchFamily="2" charset="-79"/>
-            </a:endParaRPr>
-          </a:p>
-        </p:txBody>
-      </p:sp>
-      <p:sp>
-        <p:nvSpPr>
-          <p:cNvPr id="53" name="TextBox 52">
-            <a:extLst>
-              <a:ext uri="{FF2B5EF4-FFF2-40B4-BE49-F238E27FC236}">
-                <a16:creationId xmlns:a16="http://schemas.microsoft.com/office/drawing/2014/main" id="{029917AF-EE12-5D28-5562-0A98D90EB631}"/>
-              </a:ext>
-            </a:extLst>
-          </p:cNvPr>
-          <p:cNvSpPr txBox="1"/>
-          <p:nvPr/>
-        </p:nvSpPr>
-        <p:spPr>
-          <a:xfrm>
-            <a:off x="1822034" y="4146382"/>
-            <a:ext cx="1667307" cy="307777"/>
-          </a:xfrm>
-          <a:prstGeom prst="rect">
-            <a:avLst/>
-          </a:prstGeom>
-          <a:solidFill>
-            <a:schemeClr val="bg1"/>
-          </a:solidFill>
-        </p:spPr>
-        <p:txBody>
-          <a:bodyPr wrap="square" rtlCol="0">
-            <a:spAutoFit/>
-          </a:bodyPr>
-          <a:lstStyle/>
-          <a:p>
-            <a:r>
-              <a:rPr lang="de-DE" sz="1400" dirty="0">
-                <a:latin typeface="LM Roman 10" pitchFamily="2" charset="77"/>
-                <a:cs typeface="Didot" panose="02000503000000020003" pitchFamily="2" charset="-79"/>
-              </a:rPr>
-              <a:t>2) Zugriffsphase</a:t>
-            </a:r>
-            <a:endParaRPr lang="en-US" sz="1400" dirty="0">
-              <a:latin typeface="LM Roman 10" pitchFamily="2" charset="77"/>
-              <a:cs typeface="Didot" panose="02000503000000020003" pitchFamily="2" charset="-79"/>
-            </a:endParaRPr>
-          </a:p>
-        </p:txBody>
-      </p:sp>
-      <p:sp>
-        <p:nvSpPr>
-          <p:cNvPr id="54" name="TextBox 53">
-            <a:extLst>
-              <a:ext uri="{FF2B5EF4-FFF2-40B4-BE49-F238E27FC236}">
-                <a16:creationId xmlns:a16="http://schemas.microsoft.com/office/drawing/2014/main" id="{F4BF1643-F037-D0A5-7CD6-FB9BDE02E33D}"/>
-              </a:ext>
-            </a:extLst>
-          </p:cNvPr>
-          <p:cNvSpPr txBox="1"/>
-          <p:nvPr/>
-        </p:nvSpPr>
-        <p:spPr>
-          <a:xfrm>
-            <a:off x="3060414" y="2704372"/>
-            <a:ext cx="2211702" cy="307777"/>
-          </a:xfrm>
-          <a:prstGeom prst="rect">
-            <a:avLst/>
-          </a:prstGeom>
-          <a:solidFill>
-            <a:schemeClr val="bg1"/>
-          </a:solidFill>
-        </p:spPr>
-        <p:txBody>
-          <a:bodyPr wrap="square" rtlCol="0">
-            <a:spAutoFit/>
-          </a:bodyPr>
-          <a:lstStyle/>
-          <a:p>
-            <a:r>
-              <a:rPr lang="de-DE" sz="1400" dirty="0">
-                <a:latin typeface="LM Roman 10" pitchFamily="2" charset="77"/>
-                <a:cs typeface="Didot" panose="02000503000000020003" pitchFamily="2" charset="-79"/>
-              </a:rPr>
-              <a:t>3) Schlussfolgerungsphase</a:t>
-            </a:r>
-            <a:endParaRPr lang="en-US" sz="1400" dirty="0">
-              <a:latin typeface="LM Roman 10" pitchFamily="2" charset="77"/>
-              <a:cs typeface="Didot" panose="02000503000000020003" pitchFamily="2" charset="-79"/>
-            </a:endParaRPr>
-          </a:p>
-        </p:txBody>
-      </p:sp>
-      <p:sp>
-        <p:nvSpPr>
-          <p:cNvPr id="55" name="TextBox 54">
-            <a:extLst>
-              <a:ext uri="{FF2B5EF4-FFF2-40B4-BE49-F238E27FC236}">
-                <a16:creationId xmlns:a16="http://schemas.microsoft.com/office/drawing/2014/main" id="{826285A5-86AB-FFF9-F41D-E2FDA68CD35F}"/>
-              </a:ext>
-            </a:extLst>
-          </p:cNvPr>
-          <p:cNvSpPr txBox="1"/>
-          <p:nvPr/>
-        </p:nvSpPr>
-        <p:spPr>
-          <a:xfrm>
-            <a:off x="9949111" y="3672231"/>
-            <a:ext cx="1761541" cy="307777"/>
-          </a:xfrm>
-          <a:prstGeom prst="rect">
-            <a:avLst/>
-          </a:prstGeom>
-          <a:solidFill>
-            <a:schemeClr val="bg1"/>
-          </a:solidFill>
-        </p:spPr>
-        <p:txBody>
-          <a:bodyPr wrap="square" rtlCol="0">
-            <a:spAutoFit/>
-          </a:bodyPr>
-          <a:lstStyle/>
-          <a:p>
-            <a:r>
-              <a:rPr lang="de-DE" sz="1400" dirty="0">
-                <a:latin typeface="LM Roman 10" pitchFamily="2" charset="77"/>
-                <a:cs typeface="Didot" panose="02000503000000020003" pitchFamily="2" charset="-79"/>
-              </a:rPr>
-              <a:t>5) Evaluationsphase</a:t>
-            </a:r>
-            <a:endParaRPr lang="en-US" sz="1400" dirty="0">
-              <a:latin typeface="LM Roman 10" pitchFamily="2" charset="77"/>
-              <a:cs typeface="Didot" panose="02000503000000020003" pitchFamily="2" charset="-79"/>
-            </a:endParaRPr>
-          </a:p>
-        </p:txBody>
-      </p:sp>
-      <p:sp>
-        <p:nvSpPr>
-          <p:cNvPr id="56" name="TextBox 55">
-            <a:extLst>
-              <a:ext uri="{FF2B5EF4-FFF2-40B4-BE49-F238E27FC236}">
-                <a16:creationId xmlns:a16="http://schemas.microsoft.com/office/drawing/2014/main" id="{E1454FA1-25A8-7B63-A728-B46473330DD8}"/>
-              </a:ext>
-            </a:extLst>
-          </p:cNvPr>
-          <p:cNvSpPr txBox="1"/>
-          <p:nvPr/>
-        </p:nvSpPr>
-        <p:spPr>
-          <a:xfrm>
-            <a:off x="8092594" y="1199711"/>
-            <a:ext cx="615553" cy="1376839"/>
-          </a:xfrm>
-          <a:prstGeom prst="rect">
-            <a:avLst/>
-          </a:prstGeom>
-          <a:solidFill>
-            <a:schemeClr val="bg1"/>
-          </a:solidFill>
-        </p:spPr>
-        <p:txBody>
-          <a:bodyPr vert="vert270" wrap="square" rtlCol="0">
-            <a:spAutoFit/>
-          </a:bodyPr>
-          <a:lstStyle/>
-          <a:p>
-            <a:r>
-              <a:rPr lang="de-DE" sz="1400" dirty="0">
-                <a:latin typeface="LM Roman 10" pitchFamily="2" charset="77"/>
-                <a:cs typeface="Didot" panose="02000503000000020003" pitchFamily="2" charset="-79"/>
-              </a:rPr>
-              <a:t>4) Anwendungs-</a:t>
-            </a:r>
-          </a:p>
-          <a:p>
-            <a:r>
-              <a:rPr lang="de-DE" sz="1400" dirty="0" err="1">
-                <a:latin typeface="LM Roman 10" pitchFamily="2" charset="77"/>
-                <a:cs typeface="Didot" panose="02000503000000020003" pitchFamily="2" charset="-79"/>
-              </a:rPr>
-              <a:t>phase</a:t>
-            </a:r>
-            <a:endParaRPr lang="en-US" sz="1400" dirty="0">
-              <a:latin typeface="LM Roman 10" pitchFamily="2" charset="77"/>
-              <a:cs typeface="Didot" panose="02000503000000020003" pitchFamily="2" charset="-79"/>
-            </a:endParaRPr>
-          </a:p>
-        </p:txBody>
-      </p:sp>
-      <p:cxnSp>
-        <p:nvCxnSpPr>
-          <p:cNvPr id="2" name="Connector: Curved 19">
-            <a:extLst>
-              <a:ext uri="{FF2B5EF4-FFF2-40B4-BE49-F238E27FC236}">
-                <a16:creationId xmlns:a16="http://schemas.microsoft.com/office/drawing/2014/main" id="{79AD504F-1947-BB8D-D92A-C6FFAA276207}"/>
-              </a:ext>
-            </a:extLst>
-          </p:cNvPr>
-          <p:cNvCxnSpPr>
-            <a:cxnSpLocks/>
-          </p:cNvCxnSpPr>
-          <p:nvPr/>
-        </p:nvCxnSpPr>
-        <p:spPr>
-          <a:xfrm rot="5400000" flipH="1" flipV="1">
-            <a:off x="1963885" y="4905927"/>
-            <a:ext cx="746522" cy="815340"/>
-          </a:xfrm>
-          <a:prstGeom prst="curvedConnector2">
-            <a:avLst/>
-          </a:prstGeom>
-          <a:ln w="34925">
-            <a:solidFill>
-              <a:schemeClr val="tx1"/>
-            </a:solidFill>
-            <a:tailEnd type="triangle"/>
-          </a:ln>
-        </p:spPr>
-        <p:style>
-          <a:lnRef idx="1">
-            <a:schemeClr val="accent1"/>
-          </a:lnRef>
-          <a:fillRef idx="0">
-            <a:schemeClr val="accent1"/>
-          </a:fillRef>
-          <a:effectRef idx="0">
-            <a:schemeClr val="accent1"/>
-          </a:effectRef>
-          <a:fontRef idx="minor">
-            <a:schemeClr val="tx1"/>
-          </a:fontRef>
-        </p:style>
-      </p:cxnSp>
-      <p:sp>
-        <p:nvSpPr>
-          <p:cNvPr id="3" name="TextBox 52">
-            <a:extLst>
-              <a:ext uri="{FF2B5EF4-FFF2-40B4-BE49-F238E27FC236}">
-                <a16:creationId xmlns:a16="http://schemas.microsoft.com/office/drawing/2014/main" id="{D5A8C5B0-BC37-0A64-9412-8C506A465311}"/>
-              </a:ext>
-            </a:extLst>
-          </p:cNvPr>
-          <p:cNvSpPr txBox="1"/>
-          <p:nvPr/>
-        </p:nvSpPr>
-        <p:spPr>
-          <a:xfrm>
-            <a:off x="1072543" y="5677641"/>
-            <a:ext cx="2110495" cy="307777"/>
-          </a:xfrm>
-          <a:prstGeom prst="rect">
-            <a:avLst/>
-          </a:prstGeom>
-          <a:solidFill>
-            <a:schemeClr val="bg1"/>
-          </a:solidFill>
-        </p:spPr>
-        <p:txBody>
-          <a:bodyPr wrap="square" rtlCol="0">
-            <a:spAutoFit/>
-          </a:bodyPr>
-          <a:lstStyle/>
-          <a:p>
-            <a:r>
-              <a:rPr lang="de-DE" sz="1400" dirty="0">
-                <a:latin typeface="LM Roman 10" pitchFamily="2" charset="77"/>
-                <a:cs typeface="Didot" panose="02000503000000020003" pitchFamily="2" charset="-79"/>
-              </a:rPr>
-              <a:t>1) Konzeptuelle Phase</a:t>
-            </a:r>
-            <a:endParaRPr lang="en-US" sz="1400" dirty="0">
-              <a:latin typeface="LM Roman 10" pitchFamily="2" charset="77"/>
-              <a:cs typeface="Didot" panose="02000503000000020003" pitchFamily="2" charset="-79"/>
-            </a:endParaRPr>
-          </a:p>
-        </p:txBody>
-      </p:sp>
-      <p:sp>
-        <p:nvSpPr>
-          <p:cNvPr id="16" name="Textfeld 15">
-            <a:extLst>
-              <a:ext uri="{FF2B5EF4-FFF2-40B4-BE49-F238E27FC236}">
-                <a16:creationId xmlns:a16="http://schemas.microsoft.com/office/drawing/2014/main" id="{F0D1B2F8-9C8B-292F-AA60-FD23A1D1C222}"/>
-              </a:ext>
-            </a:extLst>
-          </p:cNvPr>
-          <p:cNvSpPr txBox="1"/>
-          <p:nvPr/>
-        </p:nvSpPr>
-        <p:spPr>
-          <a:xfrm>
-            <a:off x="6397152" y="2519706"/>
-            <a:ext cx="815340" cy="338554"/>
-          </a:xfrm>
-          <a:prstGeom prst="rect">
-            <a:avLst/>
-          </a:prstGeom>
-          <a:noFill/>
-        </p:spPr>
-        <p:txBody>
-          <a:bodyPr wrap="square" rtlCol="0">
-            <a:spAutoFit/>
-          </a:bodyPr>
-          <a:lstStyle/>
-          <a:p>
-            <a:r>
-              <a:rPr lang="de-DE" sz="1600" dirty="0">
-                <a:latin typeface="LM Roman 10" pitchFamily="2" charset="77"/>
-                <a:cs typeface="Didot" panose="02000503000000020003" pitchFamily="2" charset="-79"/>
-              </a:rPr>
-              <a:t>Wissen</a:t>
-            </a:r>
-            <a:endParaRPr lang="de-DE" dirty="0"/>
-          </a:p>
-        </p:txBody>
-      </p:sp>
-      <p:sp>
-        <p:nvSpPr>
-          <p:cNvPr id="5" name="Textfeld 4">
-            <a:extLst>
-              <a:ext uri="{FF2B5EF4-FFF2-40B4-BE49-F238E27FC236}">
-                <a16:creationId xmlns:a16="http://schemas.microsoft.com/office/drawing/2014/main" id="{D7D3A086-8B9A-E129-C00F-FF907175FB9E}"/>
-              </a:ext>
-            </a:extLst>
-          </p:cNvPr>
-          <p:cNvSpPr txBox="1"/>
-          <p:nvPr/>
-        </p:nvSpPr>
-        <p:spPr>
-          <a:xfrm>
-            <a:off x="2916005" y="4722935"/>
-            <a:ext cx="1317397" cy="369332"/>
-          </a:xfrm>
-          <a:prstGeom prst="rect">
-            <a:avLst/>
-          </a:prstGeom>
-          <a:noFill/>
-        </p:spPr>
-        <p:txBody>
-          <a:bodyPr wrap="square" rtlCol="0">
-            <a:spAutoFit/>
-          </a:bodyPr>
-          <a:lstStyle/>
-          <a:p>
-            <a:r>
-              <a:rPr lang="de-DE" dirty="0">
-                <a:latin typeface="LM Roman 10" pitchFamily="2" charset="77"/>
-                <a:cs typeface="Didot" panose="02000503000000020003" pitchFamily="2" charset="-79"/>
-              </a:rPr>
-              <a:t>Zielsetzung</a:t>
-            </a:r>
-            <a:endParaRPr lang="de-DE" dirty="0"/>
-          </a:p>
-        </p:txBody>
-      </p:sp>
-      <p:cxnSp>
-        <p:nvCxnSpPr>
-          <p:cNvPr id="22" name="Gerade Verbindung 21">
-            <a:extLst>
-              <a:ext uri="{FF2B5EF4-FFF2-40B4-BE49-F238E27FC236}">
-                <a16:creationId xmlns:a16="http://schemas.microsoft.com/office/drawing/2014/main" id="{AD32BFE3-B483-ED55-D7BC-516CD1BA28E4}"/>
-              </a:ext>
-            </a:extLst>
-          </p:cNvPr>
-          <p:cNvCxnSpPr>
-            <a:cxnSpLocks/>
-          </p:cNvCxnSpPr>
-          <p:nvPr/>
-        </p:nvCxnSpPr>
-        <p:spPr>
-          <a:xfrm>
-            <a:off x="5383450" y="2737198"/>
-            <a:ext cx="132901" cy="367283"/>
-          </a:xfrm>
-          <a:prstGeom prst="line">
-            <a:avLst/>
-          </a:prstGeom>
-          <a:ln>
-            <a:solidFill>
-              <a:schemeClr val="dk1"/>
-            </a:solidFill>
-          </a:ln>
-        </p:spPr>
-        <p:style>
-          <a:lnRef idx="2">
-            <a:schemeClr val="dk1"/>
-          </a:lnRef>
-          <a:fillRef idx="0">
-            <a:schemeClr val="dk1"/>
-          </a:fillRef>
-          <a:effectRef idx="1">
-            <a:schemeClr val="dk1"/>
-          </a:effectRef>
-          <a:fontRef idx="minor">
-            <a:schemeClr val="tx1"/>
-          </a:fontRef>
-        </p:style>
-      </p:cxnSp>
-      <p:cxnSp>
-        <p:nvCxnSpPr>
-          <p:cNvPr id="31" name="Gerade Verbindung 30">
-            <a:extLst>
-              <a:ext uri="{FF2B5EF4-FFF2-40B4-BE49-F238E27FC236}">
-                <a16:creationId xmlns:a16="http://schemas.microsoft.com/office/drawing/2014/main" id="{A41BFBB7-84B9-ECB5-59AC-62C39ADFD6D1}"/>
-              </a:ext>
-            </a:extLst>
-          </p:cNvPr>
-          <p:cNvCxnSpPr>
-            <a:cxnSpLocks/>
-          </p:cNvCxnSpPr>
-          <p:nvPr/>
-        </p:nvCxnSpPr>
-        <p:spPr>
-          <a:xfrm>
-            <a:off x="5472033" y="2668876"/>
-            <a:ext cx="132901" cy="367283"/>
-          </a:xfrm>
-          <a:prstGeom prst="line">
-            <a:avLst/>
-          </a:prstGeom>
-        </p:spPr>
-        <p:style>
-          <a:lnRef idx="2">
-            <a:schemeClr val="dk1"/>
-          </a:lnRef>
-          <a:fillRef idx="0">
-            <a:schemeClr val="dk1"/>
-          </a:fillRef>
-          <a:effectRef idx="1">
-            <a:schemeClr val="dk1"/>
-          </a:effectRef>
-          <a:fontRef idx="minor">
-            <a:schemeClr val="tx1"/>
-          </a:fontRef>
-        </p:style>
-      </p:cxnSp>
-    </p:spTree>
-    <p:extLst>
-      <p:ext uri="{BB962C8B-B14F-4D97-AF65-F5344CB8AC3E}">
-        <p14:creationId xmlns:p14="http://schemas.microsoft.com/office/powerpoint/2010/main" val="3366490164"/>
-      </p:ext>
-    </p:extLst>
-  </p:cSld>
-  <p:clrMapOvr>
-    <a:masterClrMapping/>
-  </p:clrMapOvr>
-</p:sld>
-</file>
-
 <file path=ppt/slides/slide2.xml><?xml version="1.0" encoding="utf-8"?>
 <p:sld xmlns:a="http://schemas.openxmlformats.org/drawingml/2006/main" xmlns:r="http://schemas.openxmlformats.org/officeDocument/2006/relationships" xmlns:p="http://schemas.openxmlformats.org/presentationml/2006/main" show="0">
   <p:cSld>
